--- a/Designing and Managing Azure Subscriptions.pptx
+++ b/Designing and Managing Azure Subscriptions.pptx
@@ -10939,7 +10939,7 @@
           <a:p>
             <a:fld id="{23A5C127-CB05-47B6-8D1E-7BC74A68F508}" type="datetime8">
               <a:rPr lang="en-US" smtClean="0"/>
-              <a:t>5/27/2016 9:01 AM</a:t>
+              <a:t>5/27/2016 5:03 PM</a:t>
             </a:fld>
             <a:endParaRPr lang="en-US" dirty="0"/>
           </a:p>
@@ -11760,7 +11760,7 @@
           <a:p>
             <a:fld id="{38EEC551-8CDA-4EB6-89BB-2A86C9F091C8}" type="datetime8">
               <a:rPr lang="en-US" smtClean="0"/>
-              <a:t>5/27/2016 9:01 AM</a:t>
+              <a:t>5/27/2016 5:03 PM</a:t>
             </a:fld>
             <a:endParaRPr lang="en-US" dirty="0"/>
           </a:p>
@@ -11945,7 +11945,7 @@
           <a:p>
             <a:fld id="{38EEC551-8CDA-4EB6-89BB-2A86C9F091C8}" type="datetime8">
               <a:rPr lang="en-US" smtClean="0"/>
-              <a:t>5/27/2016 9:01 AM</a:t>
+              <a:t>5/27/2016 5:03 PM</a:t>
             </a:fld>
             <a:endParaRPr lang="en-US" dirty="0"/>
           </a:p>
@@ -12591,7 +12591,7 @@
           <a:p>
             <a:fld id="{7D10C09F-FCA1-48C8-B40D-42E1045D109E}" type="datetime8">
               <a:rPr lang="en-US" smtClean="0"/>
-              <a:t>5/27/2016 9:01 AM</a:t>
+              <a:t>5/27/2016 5:03 PM</a:t>
             </a:fld>
             <a:endParaRPr lang="en-US" dirty="0"/>
           </a:p>
@@ -12772,7 +12772,7 @@
           <a:p>
             <a:fld id="{38EEC551-8CDA-4EB6-89BB-2A86C9F091C8}" type="datetime8">
               <a:rPr lang="en-US" smtClean="0"/>
-              <a:t>5/27/2016 9:01 AM</a:t>
+              <a:t>5/27/2016 5:03 PM</a:t>
             </a:fld>
             <a:endParaRPr lang="en-US" dirty="0"/>
           </a:p>
@@ -13173,7 +13173,7 @@
           <a:p>
             <a:fld id="{38EEC551-8CDA-4EB6-89BB-2A86C9F091C8}" type="datetime8">
               <a:rPr lang="en-US" smtClean="0"/>
-              <a:t>5/27/2016 9:01 AM</a:t>
+              <a:t>5/27/2016 5:03 PM</a:t>
             </a:fld>
             <a:endParaRPr lang="en-US" dirty="0"/>
           </a:p>
@@ -13354,7 +13354,7 @@
           <a:p>
             <a:fld id="{38EEC551-8CDA-4EB6-89BB-2A86C9F091C8}" type="datetime8">
               <a:rPr lang="en-US" smtClean="0"/>
-              <a:t>5/27/2016 9:01 AM</a:t>
+              <a:t>5/27/2016 5:03 PM</a:t>
             </a:fld>
             <a:endParaRPr lang="en-US" dirty="0"/>
           </a:p>
@@ -13587,7 +13587,7 @@
           <a:p>
             <a:fld id="{38EEC551-8CDA-4EB6-89BB-2A86C9F091C8}" type="datetime8">
               <a:rPr lang="en-US" smtClean="0"/>
-              <a:t>5/27/2016 9:01 AM</a:t>
+              <a:t>5/27/2016 5:03 PM</a:t>
             </a:fld>
             <a:endParaRPr lang="en-US" dirty="0"/>
           </a:p>
@@ -13795,7 +13795,7 @@
           <a:p>
             <a:fld id="{38EEC551-8CDA-4EB6-89BB-2A86C9F091C8}" type="datetime8">
               <a:rPr lang="en-US" smtClean="0"/>
-              <a:t>5/27/2016 9:01 AM</a:t>
+              <a:t>5/27/2016 5:03 PM</a:t>
             </a:fld>
             <a:endParaRPr lang="en-US" dirty="0"/>
           </a:p>
@@ -14015,7 +14015,7 @@
           <a:p>
             <a:fld id="{38EEC551-8CDA-4EB6-89BB-2A86C9F091C8}" type="datetime8">
               <a:rPr lang="en-US" smtClean="0"/>
-              <a:t>5/27/2016 9:01 AM</a:t>
+              <a:t>5/27/2016 5:03 PM</a:t>
             </a:fld>
             <a:endParaRPr lang="en-US" dirty="0"/>
           </a:p>
@@ -14226,7 +14226,7 @@
           <a:p>
             <a:fld id="{38EEC551-8CDA-4EB6-89BB-2A86C9F091C8}" type="datetime8">
               <a:rPr lang="en-US" smtClean="0"/>
-              <a:t>5/27/2016 9:01 AM</a:t>
+              <a:t>5/27/2016 5:03 PM</a:t>
             </a:fld>
             <a:endParaRPr lang="en-US" dirty="0"/>
           </a:p>
@@ -14800,7 +14800,7 @@
           <a:p>
             <a:fld id="{38EEC551-8CDA-4EB6-89BB-2A86C9F091C8}" type="datetime8">
               <a:rPr lang="en-US" smtClean="0"/>
-              <a:t>5/27/2016 9:01 AM</a:t>
+              <a:t>5/27/2016 5:03 PM</a:t>
             </a:fld>
             <a:endParaRPr lang="en-US" dirty="0"/>
           </a:p>
@@ -15019,7 +15019,7 @@
           <a:p>
             <a:fld id="{38EEC551-8CDA-4EB6-89BB-2A86C9F091C8}" type="datetime8">
               <a:rPr lang="en-US" smtClean="0"/>
-              <a:t>5/27/2016 9:01 AM</a:t>
+              <a:t>5/27/2016 5:03 PM</a:t>
             </a:fld>
             <a:endParaRPr lang="en-US" dirty="0"/>
           </a:p>
@@ -15232,7 +15232,7 @@
           <a:p>
             <a:fld id="{38EEC551-8CDA-4EB6-89BB-2A86C9F091C8}" type="datetime8">
               <a:rPr lang="en-US" smtClean="0"/>
-              <a:t>5/27/2016 9:01 AM</a:t>
+              <a:t>5/27/2016 5:03 PM</a:t>
             </a:fld>
             <a:endParaRPr lang="en-US" dirty="0"/>
           </a:p>
@@ -15440,7 +15440,7 @@
           <a:p>
             <a:fld id="{38EEC551-8CDA-4EB6-89BB-2A86C9F091C8}" type="datetime8">
               <a:rPr lang="en-US" smtClean="0"/>
-              <a:t>5/27/2016 9:01 AM</a:t>
+              <a:t>5/27/2016 5:03 PM</a:t>
             </a:fld>
             <a:endParaRPr lang="en-US" dirty="0"/>
           </a:p>
@@ -15621,7 +15621,7 @@
           <a:p>
             <a:fld id="{38EEC551-8CDA-4EB6-89BB-2A86C9F091C8}" type="datetime8">
               <a:rPr lang="en-US" smtClean="0"/>
-              <a:t>5/27/2016 9:01 AM</a:t>
+              <a:t>5/27/2016 5:03 PM</a:t>
             </a:fld>
             <a:endParaRPr lang="en-US" dirty="0"/>
           </a:p>
@@ -15829,7 +15829,7 @@
           <a:p>
             <a:fld id="{38EEC551-8CDA-4EB6-89BB-2A86C9F091C8}" type="datetime8">
               <a:rPr lang="en-US" smtClean="0"/>
-              <a:t>5/27/2016 9:01 AM</a:t>
+              <a:t>5/27/2016 5:03 PM</a:t>
             </a:fld>
             <a:endParaRPr lang="en-US" dirty="0"/>
           </a:p>
@@ -16046,7 +16046,7 @@
           <a:p>
             <a:fld id="{38EEC551-8CDA-4EB6-89BB-2A86C9F091C8}" type="datetime8">
               <a:rPr lang="en-US" smtClean="0"/>
-              <a:t>5/27/2016 9:01 AM</a:t>
+              <a:t>5/27/2016 5:03 PM</a:t>
             </a:fld>
             <a:endParaRPr lang="en-US" dirty="0"/>
           </a:p>
@@ -16273,7 +16273,7 @@
           <a:p>
             <a:fld id="{38EEC551-8CDA-4EB6-89BB-2A86C9F091C8}" type="datetime8">
               <a:rPr lang="en-US" smtClean="0"/>
-              <a:t>5/27/2016 9:01 AM</a:t>
+              <a:t>5/27/2016 5:03 PM</a:t>
             </a:fld>
             <a:endParaRPr lang="en-US" dirty="0"/>
           </a:p>
@@ -16481,7 +16481,7 @@
           <a:p>
             <a:fld id="{38EEC551-8CDA-4EB6-89BB-2A86C9F091C8}" type="datetime8">
               <a:rPr lang="en-US" smtClean="0"/>
-              <a:t>5/27/2016 9:01 AM</a:t>
+              <a:t>5/27/2016 5:03 PM</a:t>
             </a:fld>
             <a:endParaRPr lang="en-US" dirty="0"/>
           </a:p>
@@ -16689,7 +16689,7 @@
           <a:p>
             <a:fld id="{38EEC551-8CDA-4EB6-89BB-2A86C9F091C8}" type="datetime8">
               <a:rPr lang="en-US" smtClean="0"/>
-              <a:t>5/27/2016 9:01 AM</a:t>
+              <a:t>5/27/2016 5:03 PM</a:t>
             </a:fld>
             <a:endParaRPr lang="en-US" dirty="0"/>
           </a:p>
@@ -17213,7 +17213,7 @@
           <a:p>
             <a:fld id="{38EEC551-8CDA-4EB6-89BB-2A86C9F091C8}" type="datetime8">
               <a:rPr lang="en-US" smtClean="0"/>
-              <a:t>5/27/2016 9:01 AM</a:t>
+              <a:t>5/27/2016 5:03 PM</a:t>
             </a:fld>
             <a:endParaRPr lang="en-US" dirty="0"/>
           </a:p>
@@ -17415,7 +17415,7 @@
           <a:p>
             <a:fld id="{38EEC551-8CDA-4EB6-89BB-2A86C9F091C8}" type="datetime8">
               <a:rPr lang="en-US" smtClean="0"/>
-              <a:t>5/27/2016 9:01 AM</a:t>
+              <a:t>5/27/2016 5:03 PM</a:t>
             </a:fld>
             <a:endParaRPr lang="en-US" dirty="0"/>
           </a:p>
@@ -17599,7 +17599,7 @@
           <a:p>
             <a:fld id="{38EEC551-8CDA-4EB6-89BB-2A86C9F091C8}" type="datetime8">
               <a:rPr lang="en-US" smtClean="0"/>
-              <a:t>5/27/2016 9:01 AM</a:t>
+              <a:t>5/27/2016 5:03 PM</a:t>
             </a:fld>
             <a:endParaRPr lang="en-US" dirty="0"/>
           </a:p>
@@ -17807,7 +17807,7 @@
           <a:p>
             <a:fld id="{38EEC551-8CDA-4EB6-89BB-2A86C9F091C8}" type="datetime8">
               <a:rPr lang="en-US" smtClean="0"/>
-              <a:t>5/27/2016 9:01 AM</a:t>
+              <a:t>5/27/2016 5:03 PM</a:t>
             </a:fld>
             <a:endParaRPr lang="en-US" dirty="0"/>
           </a:p>
@@ -18015,7 +18015,7 @@
           <a:p>
             <a:fld id="{38EEC551-8CDA-4EB6-89BB-2A86C9F091C8}" type="datetime8">
               <a:rPr lang="en-US" smtClean="0"/>
-              <a:t>5/27/2016 9:01 AM</a:t>
+              <a:t>5/27/2016 5:03 PM</a:t>
             </a:fld>
             <a:endParaRPr lang="en-US" dirty="0"/>
           </a:p>
@@ -18223,7 +18223,7 @@
           <a:p>
             <a:fld id="{38EEC551-8CDA-4EB6-89BB-2A86C9F091C8}" type="datetime8">
               <a:rPr lang="en-US" smtClean="0"/>
-              <a:t>5/27/2016 9:01 AM</a:t>
+              <a:t>5/27/2016 5:03 PM</a:t>
             </a:fld>
             <a:endParaRPr lang="en-US" dirty="0"/>
           </a:p>
@@ -18484,7 +18484,7 @@
           <a:p>
             <a:fld id="{38EEC551-8CDA-4EB6-89BB-2A86C9F091C8}" type="datetime8">
               <a:rPr lang="en-US" smtClean="0"/>
-              <a:t>5/27/2016 9:01 AM</a:t>
+              <a:t>5/27/2016 5:03 PM</a:t>
             </a:fld>
             <a:endParaRPr lang="en-US" dirty="0"/>
           </a:p>
@@ -18718,7 +18718,7 @@
           <a:p>
             <a:fld id="{38EEC551-8CDA-4EB6-89BB-2A86C9F091C8}" type="datetime8">
               <a:rPr lang="en-US" smtClean="0"/>
-              <a:t>5/27/2016 9:01 AM</a:t>
+              <a:t>5/27/2016 5:03 PM</a:t>
             </a:fld>
             <a:endParaRPr lang="en-US" dirty="0"/>
           </a:p>
@@ -20036,6 +20036,864 @@
 </file>
 
 <file path=ppt/slideLayouts/slideLayout10.xml><?xml version="1.0" encoding="utf-8"?>
+<p:sldLayout xmlns:a="http://schemas.openxmlformats.org/drawingml/2006/main" xmlns:r="http://schemas.openxmlformats.org/officeDocument/2006/relationships" xmlns:p="http://schemas.openxmlformats.org/presentationml/2006/main" userDrawn="1">
+  <p:cSld name="Two Column Bullet text 1st level color">
+    <p:spTree>
+      <p:nvGrpSpPr>
+        <p:cNvPr id="1" name=""/>
+        <p:cNvGrpSpPr/>
+        <p:nvPr/>
+      </p:nvGrpSpPr>
+      <p:grpSpPr>
+        <a:xfrm>
+          <a:off x="0" y="0"/>
+          <a:ext cx="0" cy="0"/>
+          <a:chOff x="0" y="0"/>
+          <a:chExt cx="0" cy="0"/>
+        </a:xfrm>
+      </p:grpSpPr>
+      <p:sp>
+        <p:nvSpPr>
+          <p:cNvPr id="2" name="Title 1"/>
+          <p:cNvSpPr>
+            <a:spLocks noGrp="1"/>
+          </p:cNvSpPr>
+          <p:nvPr>
+            <p:ph type="title"/>
+          </p:nvPr>
+        </p:nvSpPr>
+        <p:spPr/>
+        <p:txBody>
+          <a:bodyPr/>
+          <a:lstStyle/>
+          <a:p>
+            <a:r>
+              <a:rPr lang="en-US"/>
+              <a:t>Click to edit Master title style</a:t>
+            </a:r>
+            <a:endParaRPr lang="en-US" dirty="0"/>
+          </a:p>
+        </p:txBody>
+      </p:sp>
+      <p:sp>
+        <p:nvSpPr>
+          <p:cNvPr id="4" name="Text Placeholder 3"/>
+          <p:cNvSpPr>
+            <a:spLocks noGrp="1"/>
+          </p:cNvSpPr>
+          <p:nvPr>
+            <p:ph type="body" sz="quarter" idx="10"/>
+          </p:nvPr>
+        </p:nvSpPr>
+        <p:spPr>
+          <a:xfrm>
+            <a:off x="358456" y="1187644"/>
+            <a:ext cx="5498540" cy="3109184"/>
+          </a:xfrm>
+        </p:spPr>
+        <p:txBody>
+          <a:bodyPr wrap="square">
+            <a:spAutoFit/>
+          </a:bodyPr>
+          <a:lstStyle>
+            <a:lvl1pPr marL="281691" indent="-281691">
+              <a:spcBef>
+                <a:spcPts val="1200"/>
+              </a:spcBef>
+              <a:buClr>
+                <a:schemeClr val="tx2"/>
+              </a:buClr>
+              <a:buFont typeface="Arial" pitchFamily="34" charset="0"/>
+              <a:buChar char="•"/>
+              <a:defRPr sz="4184">
+                <a:gradFill>
+                  <a:gsLst>
+                    <a:gs pos="1250">
+                      <a:schemeClr val="tx2"/>
+                    </a:gs>
+                    <a:gs pos="99000">
+                      <a:schemeClr val="tx2"/>
+                    </a:gs>
+                  </a:gsLst>
+                  <a:lin ang="5400000" scaled="0"/>
+                </a:gradFill>
+              </a:defRPr>
+            </a:lvl1pPr>
+            <a:lvl2pPr marL="520725" indent="-228611">
+              <a:defRPr sz="2615"/>
+            </a:lvl2pPr>
+            <a:lvl3pPr marL="685835" indent="-165108">
+              <a:tabLst/>
+              <a:defRPr sz="2615"/>
+            </a:lvl3pPr>
+            <a:lvl4pPr marL="863642" indent="-177809">
+              <a:defRPr/>
+            </a:lvl4pPr>
+            <a:lvl5pPr marL="1028751" indent="-165108">
+              <a:tabLst/>
+              <a:defRPr/>
+            </a:lvl5pPr>
+          </a:lstStyle>
+          <a:p>
+            <a:pPr lvl="0"/>
+            <a:r>
+              <a:rPr lang="en-US"/>
+              <a:t>Click to edit Master text styles</a:t>
+            </a:r>
+          </a:p>
+          <a:p>
+            <a:pPr lvl="1"/>
+            <a:r>
+              <a:rPr lang="en-US"/>
+              <a:t>Second level</a:t>
+            </a:r>
+          </a:p>
+          <a:p>
+            <a:pPr lvl="2"/>
+            <a:r>
+              <a:rPr lang="en-US"/>
+              <a:t>Third level</a:t>
+            </a:r>
+          </a:p>
+          <a:p>
+            <a:pPr lvl="3"/>
+            <a:r>
+              <a:rPr lang="en-US"/>
+              <a:t>Fourth level</a:t>
+            </a:r>
+          </a:p>
+          <a:p>
+            <a:pPr lvl="4"/>
+            <a:r>
+              <a:rPr lang="en-US"/>
+              <a:t>Fifth level</a:t>
+            </a:r>
+            <a:endParaRPr lang="en-US" dirty="0"/>
+          </a:p>
+        </p:txBody>
+      </p:sp>
+      <p:sp>
+        <p:nvSpPr>
+          <p:cNvPr id="5" name="Text Placeholder 3"/>
+          <p:cNvSpPr>
+            <a:spLocks noGrp="1"/>
+          </p:cNvSpPr>
+          <p:nvPr>
+            <p:ph type="body" sz="quarter" idx="11"/>
+          </p:nvPr>
+        </p:nvSpPr>
+        <p:spPr>
+          <a:xfrm>
+            <a:off x="6335004" y="1187644"/>
+            <a:ext cx="5498540" cy="3109184"/>
+          </a:xfrm>
+        </p:spPr>
+        <p:txBody>
+          <a:bodyPr wrap="square">
+            <a:spAutoFit/>
+          </a:bodyPr>
+          <a:lstStyle>
+            <a:lvl1pPr marL="281691" indent="-281691">
+              <a:spcBef>
+                <a:spcPts val="1200"/>
+              </a:spcBef>
+              <a:buClr>
+                <a:schemeClr val="tx2"/>
+              </a:buClr>
+              <a:buFont typeface="Arial" pitchFamily="34" charset="0"/>
+              <a:buChar char="•"/>
+              <a:defRPr sz="4184">
+                <a:gradFill>
+                  <a:gsLst>
+                    <a:gs pos="1250">
+                      <a:schemeClr val="tx2"/>
+                    </a:gs>
+                    <a:gs pos="99000">
+                      <a:schemeClr val="tx2"/>
+                    </a:gs>
+                  </a:gsLst>
+                  <a:lin ang="5400000" scaled="0"/>
+                </a:gradFill>
+              </a:defRPr>
+            </a:lvl1pPr>
+            <a:lvl2pPr marL="520725" indent="-228611">
+              <a:defRPr sz="2615"/>
+            </a:lvl2pPr>
+            <a:lvl3pPr marL="685835" indent="-165108">
+              <a:tabLst/>
+              <a:defRPr sz="2615"/>
+            </a:lvl3pPr>
+            <a:lvl4pPr marL="863642" indent="-177809">
+              <a:defRPr/>
+            </a:lvl4pPr>
+            <a:lvl5pPr marL="1028751" indent="-165108">
+              <a:tabLst/>
+              <a:defRPr/>
+            </a:lvl5pPr>
+          </a:lstStyle>
+          <a:p>
+            <a:pPr lvl="0"/>
+            <a:r>
+              <a:rPr lang="en-US"/>
+              <a:t>Click to edit Master text styles</a:t>
+            </a:r>
+          </a:p>
+          <a:p>
+            <a:pPr lvl="1"/>
+            <a:r>
+              <a:rPr lang="en-US"/>
+              <a:t>Second level</a:t>
+            </a:r>
+          </a:p>
+          <a:p>
+            <a:pPr lvl="2"/>
+            <a:r>
+              <a:rPr lang="en-US"/>
+              <a:t>Third level</a:t>
+            </a:r>
+          </a:p>
+          <a:p>
+            <a:pPr lvl="3"/>
+            <a:r>
+              <a:rPr lang="en-US"/>
+              <a:t>Fourth level</a:t>
+            </a:r>
+          </a:p>
+          <a:p>
+            <a:pPr lvl="4"/>
+            <a:r>
+              <a:rPr lang="en-US"/>
+              <a:t>Fifth level</a:t>
+            </a:r>
+            <a:endParaRPr lang="en-US" dirty="0"/>
+          </a:p>
+        </p:txBody>
+      </p:sp>
+    </p:spTree>
+    <p:extLst>
+      <p:ext uri="{BB962C8B-B14F-4D97-AF65-F5344CB8AC3E}">
+        <p14:creationId xmlns:p14="http://schemas.microsoft.com/office/powerpoint/2010/main" val="1772857640"/>
+      </p:ext>
+    </p:extLst>
+  </p:cSld>
+  <p:clrMapOvr>
+    <a:masterClrMapping/>
+  </p:clrMapOvr>
+  <p:transition>
+    <p:fade/>
+  </p:transition>
+</p:sldLayout>
+</file>
+
+<file path=ppt/slideLayouts/slideLayout11.xml><?xml version="1.0" encoding="utf-8"?>
+<p:sldLayout xmlns:a="http://schemas.openxmlformats.org/drawingml/2006/main" xmlns:r="http://schemas.openxmlformats.org/officeDocument/2006/relationships" xmlns:p="http://schemas.openxmlformats.org/presentationml/2006/main" preserve="1">
+  <p:cSld name="Title and Compare">
+    <p:bg>
+      <p:bgPr>
+        <a:solidFill>
+          <a:srgbClr val="1574B8"/>
+        </a:solidFill>
+        <a:effectLst/>
+      </p:bgPr>
+    </p:bg>
+    <p:spTree>
+      <p:nvGrpSpPr>
+        <p:cNvPr id="1" name=""/>
+        <p:cNvGrpSpPr/>
+        <p:nvPr/>
+      </p:nvGrpSpPr>
+      <p:grpSpPr>
+        <a:xfrm>
+          <a:off x="0" y="0"/>
+          <a:ext cx="0" cy="0"/>
+          <a:chOff x="0" y="0"/>
+          <a:chExt cx="0" cy="0"/>
+        </a:xfrm>
+      </p:grpSpPr>
+      <p:sp>
+        <p:nvSpPr>
+          <p:cNvPr id="7" name="Content Placeholder 6"/>
+          <p:cNvSpPr>
+            <a:spLocks noGrp="1"/>
+          </p:cNvSpPr>
+          <p:nvPr>
+            <p:ph sz="quarter" idx="10"/>
+          </p:nvPr>
+        </p:nvSpPr>
+        <p:spPr>
+          <a:xfrm>
+            <a:off x="293121" y="2253750"/>
+            <a:ext cx="5378549" cy="1889748"/>
+          </a:xfrm>
+        </p:spPr>
+        <p:txBody>
+          <a:bodyPr/>
+          <a:lstStyle/>
+          <a:p>
+            <a:pPr lvl="0"/>
+            <a:r>
+              <a:rPr lang="en-US"/>
+              <a:t>Edit Master text styles</a:t>
+            </a:r>
+          </a:p>
+          <a:p>
+            <a:pPr lvl="1"/>
+            <a:r>
+              <a:rPr lang="en-US"/>
+              <a:t>Second level</a:t>
+            </a:r>
+          </a:p>
+          <a:p>
+            <a:pPr lvl="2"/>
+            <a:r>
+              <a:rPr lang="en-US"/>
+              <a:t>Third level</a:t>
+            </a:r>
+          </a:p>
+        </p:txBody>
+      </p:sp>
+      <p:sp>
+        <p:nvSpPr>
+          <p:cNvPr id="8" name="Content Placeholder 6"/>
+          <p:cNvSpPr>
+            <a:spLocks noGrp="1"/>
+          </p:cNvSpPr>
+          <p:nvPr>
+            <p:ph sz="quarter" idx="11"/>
+          </p:nvPr>
+        </p:nvSpPr>
+        <p:spPr>
+          <a:xfrm>
+            <a:off x="6457075" y="2253750"/>
+            <a:ext cx="5378549" cy="1889748"/>
+          </a:xfrm>
+        </p:spPr>
+        <p:txBody>
+          <a:bodyPr/>
+          <a:lstStyle/>
+          <a:p>
+            <a:pPr lvl="0"/>
+            <a:r>
+              <a:rPr lang="en-US"/>
+              <a:t>Edit Master text styles</a:t>
+            </a:r>
+          </a:p>
+          <a:p>
+            <a:pPr lvl="1"/>
+            <a:r>
+              <a:rPr lang="en-US"/>
+              <a:t>Second level</a:t>
+            </a:r>
+          </a:p>
+          <a:p>
+            <a:pPr lvl="2"/>
+            <a:r>
+              <a:rPr lang="en-US"/>
+              <a:t>Third level</a:t>
+            </a:r>
+          </a:p>
+        </p:txBody>
+      </p:sp>
+      <p:sp>
+        <p:nvSpPr>
+          <p:cNvPr id="9" name="Content Placeholder 6"/>
+          <p:cNvSpPr>
+            <a:spLocks noGrp="1"/>
+          </p:cNvSpPr>
+          <p:nvPr>
+            <p:ph sz="quarter" idx="12" hasCustomPrompt="1"/>
+          </p:nvPr>
+        </p:nvSpPr>
+        <p:spPr>
+          <a:xfrm>
+            <a:off x="293761" y="1367394"/>
+            <a:ext cx="5378549" cy="669927"/>
+          </a:xfrm>
+        </p:spPr>
+        <p:txBody>
+          <a:bodyPr/>
+          <a:lstStyle>
+            <a:lvl1pPr marL="0" indent="0">
+              <a:buNone/>
+              <a:defRPr sz="3529" b="1" baseline="0"/>
+            </a:lvl1pPr>
+          </a:lstStyle>
+          <a:p>
+            <a:pPr lvl="0"/>
+            <a:r>
+              <a:rPr lang="en-US" dirty="0"/>
+              <a:t>Comparison 1</a:t>
+            </a:r>
+          </a:p>
+        </p:txBody>
+      </p:sp>
+      <p:sp>
+        <p:nvSpPr>
+          <p:cNvPr id="10" name="Content Placeholder 6"/>
+          <p:cNvSpPr>
+            <a:spLocks noGrp="1"/>
+          </p:cNvSpPr>
+          <p:nvPr>
+            <p:ph sz="quarter" idx="13" hasCustomPrompt="1"/>
+          </p:nvPr>
+        </p:nvSpPr>
+        <p:spPr>
+          <a:xfrm>
+            <a:off x="6457715" y="1367394"/>
+            <a:ext cx="5378549" cy="669927"/>
+          </a:xfrm>
+        </p:spPr>
+        <p:txBody>
+          <a:bodyPr/>
+          <a:lstStyle>
+            <a:lvl1pPr marL="0" indent="0">
+              <a:buNone/>
+              <a:defRPr sz="3529" b="1"/>
+            </a:lvl1pPr>
+          </a:lstStyle>
+          <a:p>
+            <a:pPr lvl="0"/>
+            <a:r>
+              <a:rPr lang="en-US" dirty="0"/>
+              <a:t>Comparison 1</a:t>
+            </a:r>
+          </a:p>
+        </p:txBody>
+      </p:sp>
+      <p:sp>
+        <p:nvSpPr>
+          <p:cNvPr id="11" name="Title 1"/>
+          <p:cNvSpPr>
+            <a:spLocks noGrp="1"/>
+          </p:cNvSpPr>
+          <p:nvPr>
+            <p:ph type="title"/>
+          </p:nvPr>
+        </p:nvSpPr>
+        <p:spPr>
+          <a:xfrm>
+            <a:off x="268930" y="291068"/>
+            <a:ext cx="11653832" cy="899665"/>
+          </a:xfrm>
+        </p:spPr>
+        <p:txBody>
+          <a:bodyPr/>
+          <a:lstStyle/>
+          <a:p>
+            <a:r>
+              <a:rPr lang="en-US"/>
+              <a:t>Click to edit Master title style</a:t>
+            </a:r>
+            <a:endParaRPr lang="en-US" dirty="0"/>
+          </a:p>
+        </p:txBody>
+      </p:sp>
+    </p:spTree>
+    <p:extLst>
+      <p:ext uri="{BB962C8B-B14F-4D97-AF65-F5344CB8AC3E}">
+        <p14:creationId xmlns:p14="http://schemas.microsoft.com/office/powerpoint/2010/main" val="3272348533"/>
+      </p:ext>
+    </p:extLst>
+  </p:cSld>
+  <p:clrMapOvr>
+    <a:masterClrMapping/>
+  </p:clrMapOvr>
+  <p:transition>
+    <p:fade/>
+  </p:transition>
+</p:sldLayout>
+</file>
+
+<file path=ppt/slideLayouts/slideLayout12.xml><?xml version="1.0" encoding="utf-8"?>
+<p:sldLayout xmlns:a="http://schemas.openxmlformats.org/drawingml/2006/main" xmlns:r="http://schemas.openxmlformats.org/officeDocument/2006/relationships" xmlns:p="http://schemas.openxmlformats.org/presentationml/2006/main" preserve="1">
+  <p:cSld name="Demo">
+    <p:bg>
+      <p:bgPr>
+        <a:solidFill>
+          <a:srgbClr val="1574B8"/>
+        </a:solidFill>
+        <a:effectLst/>
+      </p:bgPr>
+    </p:bg>
+    <p:spTree>
+      <p:nvGrpSpPr>
+        <p:cNvPr id="1" name=""/>
+        <p:cNvGrpSpPr/>
+        <p:nvPr/>
+      </p:nvGrpSpPr>
+      <p:grpSpPr>
+        <a:xfrm>
+          <a:off x="0" y="0"/>
+          <a:ext cx="0" cy="0"/>
+          <a:chOff x="0" y="0"/>
+          <a:chExt cx="0" cy="0"/>
+        </a:xfrm>
+      </p:grpSpPr>
+      <p:sp>
+        <p:nvSpPr>
+          <p:cNvPr id="7" name="Text Placeholder 3"/>
+          <p:cNvSpPr>
+            <a:spLocks noGrp="1"/>
+          </p:cNvSpPr>
+          <p:nvPr>
+            <p:ph type="body" sz="quarter" idx="10" hasCustomPrompt="1"/>
+          </p:nvPr>
+        </p:nvSpPr>
+        <p:spPr>
+          <a:xfrm>
+            <a:off x="475025" y="4533945"/>
+            <a:ext cx="11240393" cy="683264"/>
+          </a:xfrm>
+        </p:spPr>
+        <p:txBody>
+          <a:bodyPr/>
+          <a:lstStyle>
+            <a:lvl1pPr marL="0" indent="0" algn="r">
+              <a:buNone/>
+              <a:defRPr sz="3600" i="0"/>
+            </a:lvl1pPr>
+            <a:lvl2pPr marL="336145" indent="0">
+              <a:buNone/>
+              <a:defRPr/>
+            </a:lvl2pPr>
+            <a:lvl3pPr marL="560241" indent="0">
+              <a:buNone/>
+              <a:defRPr/>
+            </a:lvl3pPr>
+            <a:lvl4pPr marL="784338" indent="0">
+              <a:buNone/>
+              <a:defRPr/>
+            </a:lvl4pPr>
+            <a:lvl5pPr marL="1008435" indent="0">
+              <a:buNone/>
+              <a:defRPr/>
+            </a:lvl5pPr>
+          </a:lstStyle>
+          <a:p>
+            <a:pPr lvl="0"/>
+            <a:r>
+              <a:rPr lang="en-US" dirty="0"/>
+              <a:t>Click to edit demo name</a:t>
+            </a:r>
+          </a:p>
+        </p:txBody>
+      </p:sp>
+      <p:sp>
+        <p:nvSpPr>
+          <p:cNvPr id="8" name="TextBox 7"/>
+          <p:cNvSpPr txBox="1"/>
+          <p:nvPr/>
+        </p:nvSpPr>
+        <p:spPr>
+          <a:xfrm>
+            <a:off x="7569411" y="2655027"/>
+            <a:ext cx="4146007" cy="1888209"/>
+          </a:xfrm>
+          <a:prstGeom prst="rect">
+            <a:avLst/>
+          </a:prstGeom>
+          <a:noFill/>
+        </p:spPr>
+        <p:txBody>
+          <a:bodyPr wrap="none" lIns="182880" tIns="146304" rIns="182880" bIns="146304" rtlCol="0">
+            <a:spAutoFit/>
+          </a:bodyPr>
+          <a:lstStyle/>
+          <a:p>
+            <a:pPr marL="0" marR="0" lvl="0" indent="0" algn="l" defTabSz="914400" rtl="0" eaLnBrk="1" fontAlgn="auto" latinLnBrk="0" hangingPunct="1">
+              <a:lnSpc>
+                <a:spcPct val="90000"/>
+              </a:lnSpc>
+              <a:spcBef>
+                <a:spcPts val="0"/>
+              </a:spcBef>
+              <a:spcAft>
+                <a:spcPts val="600"/>
+              </a:spcAft>
+              <a:buClrTx/>
+              <a:buSzTx/>
+              <a:buFontTx/>
+              <a:buNone/>
+              <a:tabLst/>
+              <a:defRPr/>
+            </a:pPr>
+            <a:r>
+              <a:rPr kumimoji="0" lang="en-US" sz="11500" b="0" i="0" u="none" strike="noStrike" kern="1200" cap="none" spc="0" normalizeH="0" baseline="0" noProof="0" dirty="0">
+                <a:ln>
+                  <a:noFill/>
+                </a:ln>
+                <a:gradFill>
+                  <a:gsLst>
+                    <a:gs pos="2917">
+                      <a:prstClr val="white"/>
+                    </a:gs>
+                    <a:gs pos="30000">
+                      <a:prstClr val="white"/>
+                    </a:gs>
+                  </a:gsLst>
+                  <a:lin ang="5400000" scaled="0"/>
+                </a:gradFill>
+                <a:effectLst/>
+                <a:uLnTx/>
+                <a:uFillTx/>
+                <a:latin typeface="Segoe UI Light"/>
+                <a:ea typeface="+mn-ea"/>
+                <a:cs typeface="+mn-cs"/>
+              </a:rPr>
+              <a:t>Demo</a:t>
+            </a:r>
+          </a:p>
+        </p:txBody>
+      </p:sp>
+      <p:pic>
+        <p:nvPicPr>
+          <p:cNvPr id="6" name="Picture 5"/>
+          <p:cNvPicPr>
+            <a:picLocks noChangeAspect="1"/>
+          </p:cNvPicPr>
+          <p:nvPr/>
+        </p:nvPicPr>
+        <p:blipFill>
+          <a:blip r:embed="rId2"/>
+          <a:stretch>
+            <a:fillRect/>
+          </a:stretch>
+        </p:blipFill>
+        <p:spPr>
+          <a:xfrm>
+            <a:off x="0" y="0"/>
+            <a:ext cx="12192000" cy="2858788"/>
+          </a:xfrm>
+          <a:prstGeom prst="rect">
+            <a:avLst/>
+          </a:prstGeom>
+        </p:spPr>
+      </p:pic>
+      <p:sp>
+        <p:nvSpPr>
+          <p:cNvPr id="9" name="TextBox 8"/>
+          <p:cNvSpPr txBox="1"/>
+          <p:nvPr/>
+        </p:nvSpPr>
+        <p:spPr>
+          <a:xfrm>
+            <a:off x="778469" y="1024876"/>
+            <a:ext cx="3740504" cy="1321387"/>
+          </a:xfrm>
+          <a:prstGeom prst="rect">
+            <a:avLst/>
+          </a:prstGeom>
+          <a:noFill/>
+        </p:spPr>
+        <p:txBody>
+          <a:bodyPr wrap="square" lIns="182880" tIns="146304" rIns="182880" bIns="146304" rtlCol="0">
+            <a:spAutoFit/>
+          </a:bodyPr>
+          <a:lstStyle/>
+          <a:p>
+            <a:pPr marL="0" marR="0" lvl="0" indent="0" algn="ctr" defTabSz="914400" rtl="0" eaLnBrk="1" fontAlgn="auto" latinLnBrk="0" hangingPunct="1">
+              <a:lnSpc>
+                <a:spcPts val="4000"/>
+              </a:lnSpc>
+              <a:spcBef>
+                <a:spcPts val="0"/>
+              </a:spcBef>
+              <a:spcAft>
+                <a:spcPts val="0"/>
+              </a:spcAft>
+              <a:buClrTx/>
+              <a:buSzTx/>
+              <a:buFontTx/>
+              <a:buNone/>
+              <a:tabLst/>
+              <a:defRPr/>
+            </a:pPr>
+            <a:r>
+              <a:rPr kumimoji="0" lang="en-US" sz="3600" b="0" i="0" u="none" strike="noStrike" kern="1200" cap="none" spc="0" normalizeH="0" baseline="0" noProof="0" dirty="0">
+                <a:ln>
+                  <a:noFill/>
+                </a:ln>
+                <a:solidFill>
+                  <a:srgbClr val="0070C0"/>
+                </a:solidFill>
+                <a:effectLst/>
+                <a:uLnTx/>
+                <a:uFillTx/>
+                <a:latin typeface="Segoe UI Light"/>
+                <a:ea typeface="+mn-ea"/>
+                <a:cs typeface="+mn-cs"/>
+              </a:rPr>
+              <a:t>Engineer to Engineer</a:t>
+            </a:r>
+          </a:p>
+        </p:txBody>
+      </p:sp>
+      <p:sp>
+        <p:nvSpPr>
+          <p:cNvPr id="10" name="TextBox 9"/>
+          <p:cNvSpPr txBox="1"/>
+          <p:nvPr userDrawn="1"/>
+        </p:nvSpPr>
+        <p:spPr>
+          <a:xfrm>
+            <a:off x="7569411" y="2655027"/>
+            <a:ext cx="4146007" cy="1888209"/>
+          </a:xfrm>
+          <a:prstGeom prst="rect">
+            <a:avLst/>
+          </a:prstGeom>
+          <a:noFill/>
+        </p:spPr>
+        <p:txBody>
+          <a:bodyPr wrap="none" lIns="182880" tIns="146304" rIns="182880" bIns="146304" rtlCol="0">
+            <a:spAutoFit/>
+          </a:bodyPr>
+          <a:lstStyle/>
+          <a:p>
+            <a:pPr>
+              <a:lnSpc>
+                <a:spcPct val="90000"/>
+              </a:lnSpc>
+              <a:spcAft>
+                <a:spcPts val="600"/>
+              </a:spcAft>
+            </a:pPr>
+            <a:r>
+              <a:rPr lang="en-US" sz="11500" dirty="0">
+                <a:gradFill>
+                  <a:gsLst>
+                    <a:gs pos="2917">
+                      <a:schemeClr val="tx1"/>
+                    </a:gs>
+                    <a:gs pos="30000">
+                      <a:schemeClr val="tx1"/>
+                    </a:gs>
+                  </a:gsLst>
+                  <a:lin ang="5400000" scaled="0"/>
+                </a:gradFill>
+                <a:latin typeface="+mj-lt"/>
+              </a:rPr>
+              <a:t>Demo</a:t>
+            </a:r>
+          </a:p>
+        </p:txBody>
+      </p:sp>
+      <p:pic>
+        <p:nvPicPr>
+          <p:cNvPr id="11" name="Picture 10"/>
+          <p:cNvPicPr>
+            <a:picLocks noChangeAspect="1"/>
+          </p:cNvPicPr>
+          <p:nvPr userDrawn="1"/>
+        </p:nvPicPr>
+        <p:blipFill>
+          <a:blip r:embed="rId2"/>
+          <a:stretch>
+            <a:fillRect/>
+          </a:stretch>
+        </p:blipFill>
+        <p:spPr>
+          <a:xfrm>
+            <a:off x="0" y="0"/>
+            <a:ext cx="12192000" cy="2858788"/>
+          </a:xfrm>
+          <a:prstGeom prst="rect">
+            <a:avLst/>
+          </a:prstGeom>
+        </p:spPr>
+      </p:pic>
+      <p:sp>
+        <p:nvSpPr>
+          <p:cNvPr id="12" name="TextBox 11"/>
+          <p:cNvSpPr txBox="1"/>
+          <p:nvPr userDrawn="1"/>
+        </p:nvSpPr>
+        <p:spPr>
+          <a:xfrm>
+            <a:off x="778469" y="1024876"/>
+            <a:ext cx="3740504" cy="1321387"/>
+          </a:xfrm>
+          <a:prstGeom prst="rect">
+            <a:avLst/>
+          </a:prstGeom>
+          <a:noFill/>
+        </p:spPr>
+        <p:txBody>
+          <a:bodyPr wrap="square" lIns="182880" tIns="146304" rIns="182880" bIns="146304" rtlCol="0">
+            <a:spAutoFit/>
+          </a:bodyPr>
+          <a:lstStyle/>
+          <a:p>
+            <a:pPr algn="ctr">
+              <a:lnSpc>
+                <a:spcPts val="4000"/>
+              </a:lnSpc>
+            </a:pPr>
+            <a:r>
+              <a:rPr lang="en-US" sz="3600" dirty="0">
+                <a:solidFill>
+                  <a:srgbClr val="0070C0"/>
+                </a:solidFill>
+                <a:latin typeface="+mj-lt"/>
+              </a:rPr>
+              <a:t>Engineer</a:t>
+            </a:r>
+            <a:r>
+              <a:rPr lang="en-US" sz="3600" baseline="0" dirty="0">
+                <a:solidFill>
+                  <a:srgbClr val="0070C0"/>
+                </a:solidFill>
+                <a:latin typeface="+mj-lt"/>
+              </a:rPr>
+              <a:t> </a:t>
+            </a:r>
+            <a:r>
+              <a:rPr lang="en-US" sz="3600" dirty="0">
+                <a:solidFill>
+                  <a:srgbClr val="0070C0"/>
+                </a:solidFill>
+                <a:latin typeface="+mj-lt"/>
+              </a:rPr>
+              <a:t>to</a:t>
+            </a:r>
+            <a:r>
+              <a:rPr lang="en-US" sz="3600" baseline="0" dirty="0">
+                <a:solidFill>
+                  <a:srgbClr val="0070C0"/>
+                </a:solidFill>
+                <a:latin typeface="+mj-lt"/>
+              </a:rPr>
+              <a:t> </a:t>
+            </a:r>
+            <a:r>
+              <a:rPr lang="en-US" sz="3600" dirty="0">
+                <a:solidFill>
+                  <a:srgbClr val="0070C0"/>
+                </a:solidFill>
+                <a:latin typeface="+mj-lt"/>
+              </a:rPr>
+              <a:t>Engineer</a:t>
+            </a:r>
+          </a:p>
+        </p:txBody>
+      </p:sp>
+    </p:spTree>
+    <p:extLst>
+      <p:ext uri="{BB962C8B-B14F-4D97-AF65-F5344CB8AC3E}">
+        <p14:creationId xmlns:p14="http://schemas.microsoft.com/office/powerpoint/2010/main" val="3786015623"/>
+      </p:ext>
+    </p:extLst>
+  </p:cSld>
+  <p:clrMapOvr>
+    <a:masterClrMapping/>
+  </p:clrMapOvr>
+  <p:transition>
+    <p:fade/>
+  </p:transition>
+</p:sldLayout>
+</file>
+
+<file path=ppt/slideLayouts/slideLayout13.xml><?xml version="1.0" encoding="utf-8"?>
 <p:sldLayout xmlns:a="http://schemas.openxmlformats.org/drawingml/2006/main" xmlns:r="http://schemas.openxmlformats.org/officeDocument/2006/relationships" xmlns:p="http://schemas.openxmlformats.org/presentationml/2006/main" preserve="1">
   <p:cSld name="Survey Ask">
     <p:spTree>
@@ -20335,7 +21193,7 @@
 </p:sldLayout>
 </file>
 
-<file path=ppt/slideLayouts/slideLayout11.xml><?xml version="1.0" encoding="utf-8"?>
+<file path=ppt/slideLayouts/slideLayout14.xml><?xml version="1.0" encoding="utf-8"?>
 <p:sldLayout xmlns:a="http://schemas.openxmlformats.org/drawingml/2006/main" xmlns:r="http://schemas.openxmlformats.org/officeDocument/2006/relationships" xmlns:p="http://schemas.openxmlformats.org/presentationml/2006/main" userDrawn="1">
   <p:cSld name="Ending Slide">
     <p:bg>
@@ -20481,1382 +21339,7 @@
 </p:sldLayout>
 </file>
 
-<file path=ppt/slideLayouts/slideLayout12.xml><?xml version="1.0" encoding="utf-8"?>
-<p:sldLayout xmlns:a="http://schemas.openxmlformats.org/drawingml/2006/main" xmlns:r="http://schemas.openxmlformats.org/officeDocument/2006/relationships" xmlns:p="http://schemas.openxmlformats.org/presentationml/2006/main" userDrawn="1">
-  <p:cSld name="Title &amp; 2-color Non-bulleted text">
-    <p:spTree>
-      <p:nvGrpSpPr>
-        <p:cNvPr id="1" name=""/>
-        <p:cNvGrpSpPr/>
-        <p:nvPr/>
-      </p:nvGrpSpPr>
-      <p:grpSpPr>
-        <a:xfrm>
-          <a:off x="0" y="0"/>
-          <a:ext cx="0" cy="0"/>
-          <a:chOff x="0" y="0"/>
-          <a:chExt cx="0" cy="0"/>
-        </a:xfrm>
-      </p:grpSpPr>
-      <p:sp>
-        <p:nvSpPr>
-          <p:cNvPr id="2" name="Title 1"/>
-          <p:cNvSpPr>
-            <a:spLocks noGrp="1"/>
-          </p:cNvSpPr>
-          <p:nvPr>
-            <p:ph type="title"/>
-          </p:nvPr>
-        </p:nvSpPr>
-        <p:spPr/>
-        <p:txBody>
-          <a:bodyPr/>
-          <a:lstStyle/>
-          <a:p>
-            <a:r>
-              <a:rPr lang="en-US" dirty="0"/>
-              <a:t>Click to edit Master title style</a:t>
-            </a:r>
-          </a:p>
-        </p:txBody>
-      </p:sp>
-      <p:sp>
-        <p:nvSpPr>
-          <p:cNvPr id="6" name="Text Placeholder 5"/>
-          <p:cNvSpPr>
-            <a:spLocks noGrp="1"/>
-          </p:cNvSpPr>
-          <p:nvPr>
-            <p:ph type="body" sz="quarter" idx="10"/>
-          </p:nvPr>
-        </p:nvSpPr>
-        <p:spPr>
-          <a:xfrm>
-            <a:off x="269239" y="1189177"/>
-            <a:ext cx="11653523" cy="2492477"/>
-          </a:xfrm>
-        </p:spPr>
-        <p:txBody>
-          <a:bodyPr/>
-          <a:lstStyle>
-            <a:lvl1pPr marL="0" indent="0">
-              <a:buNone/>
-              <a:defRPr>
-                <a:gradFill>
-                  <a:gsLst>
-                    <a:gs pos="1250">
-                      <a:schemeClr val="tx2"/>
-                    </a:gs>
-                    <a:gs pos="99000">
-                      <a:schemeClr val="tx2"/>
-                    </a:gs>
-                  </a:gsLst>
-                  <a:lin ang="5400000" scaled="0"/>
-                </a:gradFill>
-              </a:defRPr>
-            </a:lvl1pPr>
-            <a:lvl2pPr marL="0" indent="0">
-              <a:buFontTx/>
-              <a:buNone/>
-              <a:defRPr sz="1961"/>
-            </a:lvl2pPr>
-            <a:lvl3pPr marL="224097" indent="0">
-              <a:buNone/>
-              <a:defRPr/>
-            </a:lvl3pPr>
-            <a:lvl4pPr marL="448193" indent="0">
-              <a:buNone/>
-              <a:defRPr/>
-            </a:lvl4pPr>
-            <a:lvl5pPr marL="672290" indent="0">
-              <a:buNone/>
-              <a:defRPr/>
-            </a:lvl5pPr>
-          </a:lstStyle>
-          <a:p>
-            <a:pPr lvl="0"/>
-            <a:r>
-              <a:rPr lang="en-US" dirty="0"/>
-              <a:t>Click to edit Master text styles</a:t>
-            </a:r>
-          </a:p>
-          <a:p>
-            <a:pPr lvl="1"/>
-            <a:r>
-              <a:rPr lang="en-US" dirty="0"/>
-              <a:t>Second level</a:t>
-            </a:r>
-          </a:p>
-          <a:p>
-            <a:pPr lvl="2"/>
-            <a:r>
-              <a:rPr lang="en-US" dirty="0"/>
-              <a:t>Third level</a:t>
-            </a:r>
-          </a:p>
-          <a:p>
-            <a:pPr lvl="3"/>
-            <a:r>
-              <a:rPr lang="en-US" dirty="0"/>
-              <a:t>Fourth level</a:t>
-            </a:r>
-          </a:p>
-          <a:p>
-            <a:pPr lvl="4"/>
-            <a:r>
-              <a:rPr lang="en-US" dirty="0"/>
-              <a:t>Fifth level</a:t>
-            </a:r>
-          </a:p>
-        </p:txBody>
-      </p:sp>
-    </p:spTree>
-    <p:extLst>
-      <p:ext uri="{BB962C8B-B14F-4D97-AF65-F5344CB8AC3E}">
-        <p14:creationId xmlns:p14="http://schemas.microsoft.com/office/powerpoint/2010/main" val="2850564267"/>
-      </p:ext>
-    </p:extLst>
-  </p:cSld>
-  <p:clrMapOvr>
-    <a:masterClrMapping/>
-  </p:clrMapOvr>
-  <p:transition>
-    <p:fade/>
-  </p:transition>
-</p:sldLayout>
-</file>
-
-<file path=ppt/slideLayouts/slideLayout13.xml><?xml version="1.0" encoding="utf-8"?>
-<p:sldLayout xmlns:a="http://schemas.openxmlformats.org/drawingml/2006/main" xmlns:r="http://schemas.openxmlformats.org/officeDocument/2006/relationships" xmlns:p="http://schemas.openxmlformats.org/presentationml/2006/main" userDrawn="1">
-  <p:cSld name="Title and Content 1st level color text">
-    <p:spTree>
-      <p:nvGrpSpPr>
-        <p:cNvPr id="1" name=""/>
-        <p:cNvGrpSpPr/>
-        <p:nvPr/>
-      </p:nvGrpSpPr>
-      <p:grpSpPr>
-        <a:xfrm>
-          <a:off x="0" y="0"/>
-          <a:ext cx="0" cy="0"/>
-          <a:chOff x="0" y="0"/>
-          <a:chExt cx="0" cy="0"/>
-        </a:xfrm>
-      </p:grpSpPr>
-      <p:sp>
-        <p:nvSpPr>
-          <p:cNvPr id="4" name="Text Placeholder 3"/>
-          <p:cNvSpPr>
-            <a:spLocks noGrp="1"/>
-          </p:cNvSpPr>
-          <p:nvPr>
-            <p:ph type="body" sz="quarter" idx="10"/>
-          </p:nvPr>
-        </p:nvSpPr>
-        <p:spPr>
-          <a:xfrm>
-            <a:off x="359016" y="1189177"/>
-            <a:ext cx="11473970" cy="2867773"/>
-          </a:xfrm>
-        </p:spPr>
-        <p:txBody>
-          <a:bodyPr wrap="square">
-            <a:spAutoFit/>
-          </a:bodyPr>
-          <a:lstStyle>
-            <a:lvl1pPr>
-              <a:defRPr sz="4706">
-                <a:gradFill>
-                  <a:gsLst>
-                    <a:gs pos="1250">
-                      <a:schemeClr val="tx2"/>
-                    </a:gs>
-                    <a:gs pos="99000">
-                      <a:schemeClr val="tx2"/>
-                    </a:gs>
-                  </a:gsLst>
-                  <a:lin ang="5400000" scaled="0"/>
-                </a:gradFill>
-              </a:defRPr>
-            </a:lvl1pPr>
-          </a:lstStyle>
-          <a:p>
-            <a:pPr lvl="0"/>
-            <a:r>
-              <a:rPr lang="en-US"/>
-              <a:t>Click to edit Master text styles</a:t>
-            </a:r>
-          </a:p>
-          <a:p>
-            <a:pPr lvl="1"/>
-            <a:r>
-              <a:rPr lang="en-US"/>
-              <a:t>Second level</a:t>
-            </a:r>
-          </a:p>
-          <a:p>
-            <a:pPr lvl="2"/>
-            <a:r>
-              <a:rPr lang="en-US"/>
-              <a:t>Third level</a:t>
-            </a:r>
-          </a:p>
-          <a:p>
-            <a:pPr lvl="3"/>
-            <a:r>
-              <a:rPr lang="en-US"/>
-              <a:t>Fourth level</a:t>
-            </a:r>
-          </a:p>
-          <a:p>
-            <a:pPr lvl="4"/>
-            <a:r>
-              <a:rPr lang="en-US"/>
-              <a:t>Fifth level</a:t>
-            </a:r>
-            <a:endParaRPr lang="en-US" dirty="0"/>
-          </a:p>
-        </p:txBody>
-      </p:sp>
-      <p:sp>
-        <p:nvSpPr>
-          <p:cNvPr id="6" name="Title 5"/>
-          <p:cNvSpPr>
-            <a:spLocks noGrp="1"/>
-          </p:cNvSpPr>
-          <p:nvPr>
-            <p:ph type="title"/>
-          </p:nvPr>
-        </p:nvSpPr>
-        <p:spPr/>
-        <p:txBody>
-          <a:bodyPr/>
-          <a:lstStyle/>
-          <a:p>
-            <a:r>
-              <a:rPr lang="en-US"/>
-              <a:t>Click to edit Master title style</a:t>
-            </a:r>
-          </a:p>
-        </p:txBody>
-      </p:sp>
-    </p:spTree>
-    <p:extLst>
-      <p:ext uri="{BB962C8B-B14F-4D97-AF65-F5344CB8AC3E}">
-        <p14:creationId xmlns:p14="http://schemas.microsoft.com/office/powerpoint/2010/main" val="214408555"/>
-      </p:ext>
-    </p:extLst>
-  </p:cSld>
-  <p:clrMapOvr>
-    <a:masterClrMapping/>
-  </p:clrMapOvr>
-  <p:transition>
-    <p:fade/>
-  </p:transition>
-</p:sldLayout>
-</file>
-
-<file path=ppt/slideLayouts/slideLayout14.xml><?xml version="1.0" encoding="utf-8"?>
-<p:sldLayout xmlns:a="http://schemas.openxmlformats.org/drawingml/2006/main" xmlns:r="http://schemas.openxmlformats.org/officeDocument/2006/relationships" xmlns:p="http://schemas.openxmlformats.org/presentationml/2006/main" userDrawn="1">
-  <p:cSld name="50-50 Right Photo Layout">
-    <p:bg>
-      <p:bgPr>
-        <a:solidFill>
-          <a:schemeClr val="bg1"/>
-        </a:solidFill>
-        <a:effectLst/>
-      </p:bgPr>
-    </p:bg>
-    <p:spTree>
-      <p:nvGrpSpPr>
-        <p:cNvPr id="1" name=""/>
-        <p:cNvGrpSpPr/>
-        <p:nvPr/>
-      </p:nvGrpSpPr>
-      <p:grpSpPr>
-        <a:xfrm>
-          <a:off x="0" y="0"/>
-          <a:ext cx="0" cy="0"/>
-          <a:chOff x="0" y="0"/>
-          <a:chExt cx="0" cy="0"/>
-        </a:xfrm>
-      </p:grpSpPr>
-      <p:sp>
-        <p:nvSpPr>
-          <p:cNvPr id="2" name="Title 1"/>
-          <p:cNvSpPr>
-            <a:spLocks noGrp="1"/>
-          </p:cNvSpPr>
-          <p:nvPr>
-            <p:ph type="title" hasCustomPrompt="1"/>
-          </p:nvPr>
-        </p:nvSpPr>
-        <p:spPr>
-          <a:xfrm>
-            <a:off x="359015" y="1217198"/>
-            <a:ext cx="5498540" cy="1973318"/>
-          </a:xfrm>
-        </p:spPr>
-        <p:txBody>
-          <a:bodyPr wrap="square">
-            <a:spAutoFit/>
-          </a:bodyPr>
-          <a:lstStyle>
-            <a:lvl1pPr>
-              <a:defRPr sz="6470" baseline="0">
-                <a:gradFill>
-                  <a:gsLst>
-                    <a:gs pos="1250">
-                      <a:schemeClr val="tx1"/>
-                    </a:gs>
-                    <a:gs pos="100000">
-                      <a:schemeClr val="tx1"/>
-                    </a:gs>
-                  </a:gsLst>
-                  <a:lin ang="5400000" scaled="0"/>
-                </a:gradFill>
-              </a:defRPr>
-            </a:lvl1pPr>
-          </a:lstStyle>
-          <a:p>
-            <a:r>
-              <a:rPr lang="en-US" dirty="0"/>
-              <a:t>50/50 photo layout</a:t>
-            </a:r>
-          </a:p>
-        </p:txBody>
-      </p:sp>
-      <p:sp>
-        <p:nvSpPr>
-          <p:cNvPr id="4" name="Picture Placeholder 3"/>
-          <p:cNvSpPr>
-            <a:spLocks noGrp="1"/>
-          </p:cNvSpPr>
-          <p:nvPr>
-            <p:ph type="pic" sz="quarter" idx="10" hasCustomPrompt="1"/>
-          </p:nvPr>
-        </p:nvSpPr>
-        <p:spPr>
-          <a:xfrm>
-            <a:off x="6097037" y="1"/>
-            <a:ext cx="6094963" cy="6858000"/>
-          </a:xfrm>
-          <a:blipFill>
-            <a:blip r:embed="rId2"/>
-            <a:stretch>
-              <a:fillRect/>
-            </a:stretch>
-          </a:blipFill>
-        </p:spPr>
-        <p:txBody>
-          <a:bodyPr lIns="0" tIns="0" rIns="0" bIns="0" anchor="ctr">
-            <a:noAutofit/>
-          </a:bodyPr>
-          <a:lstStyle>
-            <a:lvl1pPr marL="0" indent="0" algn="ctr">
-              <a:lnSpc>
-                <a:spcPct val="150000"/>
-              </a:lnSpc>
-              <a:spcBef>
-                <a:spcPts val="0"/>
-              </a:spcBef>
-              <a:buNone/>
-              <a:defRPr sz="3660" baseline="0">
-                <a:solidFill>
-                  <a:srgbClr val="FFFFFF"/>
-                </a:solidFill>
-              </a:defRPr>
-            </a:lvl1pPr>
-          </a:lstStyle>
-          <a:p>
-            <a:r>
-              <a:rPr lang="en-US" dirty="0"/>
-              <a:t>Click on icon below</a:t>
-            </a:r>
-            <a:br>
-              <a:rPr lang="en-US" dirty="0"/>
-            </a:br>
-            <a:r>
-              <a:rPr lang="en-US" dirty="0"/>
-              <a:t>to insert a new photo</a:t>
-            </a:r>
-          </a:p>
-        </p:txBody>
-      </p:sp>
-    </p:spTree>
-    <p:extLst>
-      <p:ext uri="{BB962C8B-B14F-4D97-AF65-F5344CB8AC3E}">
-        <p14:creationId xmlns:p14="http://schemas.microsoft.com/office/powerpoint/2010/main" val="1539617638"/>
-      </p:ext>
-    </p:extLst>
-  </p:cSld>
-  <p:clrMapOvr>
-    <a:masterClrMapping/>
-  </p:clrMapOvr>
-  <p:transition>
-    <p:fade/>
-  </p:transition>
-  <p:extLst mod="1">
-    <p:ext uri="{DCECCB84-F9BA-43D5-87BE-67443E8EF086}">
-      <p15:sldGuideLst xmlns:p15="http://schemas.microsoft.com/office/powerpoint/2012/main">
-        <p15:guide id="1" pos="3916">
-          <p15:clr>
-            <a:srgbClr val="FBAE40"/>
-          </p15:clr>
-        </p15:guide>
-      </p15:sldGuideLst>
-    </p:ext>
-  </p:extLst>
-</p:sldLayout>
-</file>
-
 <file path=ppt/slideLayouts/slideLayout15.xml><?xml version="1.0" encoding="utf-8"?>
-<p:sldLayout xmlns:a="http://schemas.openxmlformats.org/drawingml/2006/main" xmlns:r="http://schemas.openxmlformats.org/officeDocument/2006/relationships" xmlns:p="http://schemas.openxmlformats.org/presentationml/2006/main" type="secHead">
-  <p:cSld name="Section Header">
-    <p:spTree>
-      <p:nvGrpSpPr>
-        <p:cNvPr id="1" name=""/>
-        <p:cNvGrpSpPr/>
-        <p:nvPr/>
-      </p:nvGrpSpPr>
-      <p:grpSpPr>
-        <a:xfrm>
-          <a:off x="0" y="0"/>
-          <a:ext cx="0" cy="0"/>
-          <a:chOff x="0" y="0"/>
-          <a:chExt cx="0" cy="0"/>
-        </a:xfrm>
-      </p:grpSpPr>
-      <p:sp>
-        <p:nvSpPr>
-          <p:cNvPr id="2" name="Title 1"/>
-          <p:cNvSpPr>
-            <a:spLocks noGrp="1"/>
-          </p:cNvSpPr>
-          <p:nvPr>
-            <p:ph type="title"/>
-          </p:nvPr>
-        </p:nvSpPr>
-        <p:spPr>
-          <a:xfrm>
-            <a:off x="831850" y="1709738"/>
-            <a:ext cx="10515600" cy="2852737"/>
-          </a:xfrm>
-        </p:spPr>
-        <p:txBody>
-          <a:bodyPr anchor="b"/>
-          <a:lstStyle>
-            <a:lvl1pPr>
-              <a:defRPr sz="6000"/>
-            </a:lvl1pPr>
-          </a:lstStyle>
-          <a:p>
-            <a:r>
-              <a:rPr lang="en-US"/>
-              <a:t>Click to edit Master title style</a:t>
-            </a:r>
-          </a:p>
-        </p:txBody>
-      </p:sp>
-      <p:sp>
-        <p:nvSpPr>
-          <p:cNvPr id="3" name="Text Placeholder 2"/>
-          <p:cNvSpPr>
-            <a:spLocks noGrp="1"/>
-          </p:cNvSpPr>
-          <p:nvPr>
-            <p:ph type="body" idx="1"/>
-          </p:nvPr>
-        </p:nvSpPr>
-        <p:spPr>
-          <a:xfrm>
-            <a:off x="831850" y="4589463"/>
-            <a:ext cx="10515600" cy="1500187"/>
-          </a:xfrm>
-        </p:spPr>
-        <p:txBody>
-          <a:bodyPr/>
-          <a:lstStyle>
-            <a:lvl1pPr marL="0" indent="0">
-              <a:buNone/>
-              <a:defRPr sz="2400">
-                <a:solidFill>
-                  <a:schemeClr val="tx1">
-                    <a:tint val="75000"/>
-                  </a:schemeClr>
-                </a:solidFill>
-              </a:defRPr>
-            </a:lvl1pPr>
-            <a:lvl2pPr marL="457200" indent="0">
-              <a:buNone/>
-              <a:defRPr sz="2000">
-                <a:solidFill>
-                  <a:schemeClr val="tx1">
-                    <a:tint val="75000"/>
-                  </a:schemeClr>
-                </a:solidFill>
-              </a:defRPr>
-            </a:lvl2pPr>
-            <a:lvl3pPr marL="914400" indent="0">
-              <a:buNone/>
-              <a:defRPr sz="1800">
-                <a:solidFill>
-                  <a:schemeClr val="tx1">
-                    <a:tint val="75000"/>
-                  </a:schemeClr>
-                </a:solidFill>
-              </a:defRPr>
-            </a:lvl3pPr>
-            <a:lvl4pPr marL="1371600" indent="0">
-              <a:buNone/>
-              <a:defRPr sz="1600">
-                <a:solidFill>
-                  <a:schemeClr val="tx1">
-                    <a:tint val="75000"/>
-                  </a:schemeClr>
-                </a:solidFill>
-              </a:defRPr>
-            </a:lvl4pPr>
-            <a:lvl5pPr marL="1828800" indent="0">
-              <a:buNone/>
-              <a:defRPr sz="1600">
-                <a:solidFill>
-                  <a:schemeClr val="tx1">
-                    <a:tint val="75000"/>
-                  </a:schemeClr>
-                </a:solidFill>
-              </a:defRPr>
-            </a:lvl5pPr>
-            <a:lvl6pPr marL="2286000" indent="0">
-              <a:buNone/>
-              <a:defRPr sz="1600">
-                <a:solidFill>
-                  <a:schemeClr val="tx1">
-                    <a:tint val="75000"/>
-                  </a:schemeClr>
-                </a:solidFill>
-              </a:defRPr>
-            </a:lvl6pPr>
-            <a:lvl7pPr marL="2743200" indent="0">
-              <a:buNone/>
-              <a:defRPr sz="1600">
-                <a:solidFill>
-                  <a:schemeClr val="tx1">
-                    <a:tint val="75000"/>
-                  </a:schemeClr>
-                </a:solidFill>
-              </a:defRPr>
-            </a:lvl7pPr>
-            <a:lvl8pPr marL="3200400" indent="0">
-              <a:buNone/>
-              <a:defRPr sz="1600">
-                <a:solidFill>
-                  <a:schemeClr val="tx1">
-                    <a:tint val="75000"/>
-                  </a:schemeClr>
-                </a:solidFill>
-              </a:defRPr>
-            </a:lvl8pPr>
-            <a:lvl9pPr marL="3657600" indent="0">
-              <a:buNone/>
-              <a:defRPr sz="1600">
-                <a:solidFill>
-                  <a:schemeClr val="tx1">
-                    <a:tint val="75000"/>
-                  </a:schemeClr>
-                </a:solidFill>
-              </a:defRPr>
-            </a:lvl9pPr>
-          </a:lstStyle>
-          <a:p>
-            <a:pPr lvl="0"/>
-            <a:r>
-              <a:rPr lang="en-US"/>
-              <a:t>Edit Master text styles</a:t>
-            </a:r>
-          </a:p>
-        </p:txBody>
-      </p:sp>
-      <p:sp>
-        <p:nvSpPr>
-          <p:cNvPr id="4" name="Date Placeholder 3"/>
-          <p:cNvSpPr>
-            <a:spLocks noGrp="1"/>
-          </p:cNvSpPr>
-          <p:nvPr>
-            <p:ph type="dt" sz="half" idx="10"/>
-          </p:nvPr>
-        </p:nvSpPr>
-        <p:spPr/>
-        <p:txBody>
-          <a:bodyPr/>
-          <a:lstStyle/>
-          <a:p>
-            <a:fld id="{436F7765-B892-4603-BFCE-AECCCB66285B}" type="datetimeFigureOut">
-              <a:rPr lang="en-US" smtClean="0"/>
-              <a:t>5/27/2016</a:t>
-            </a:fld>
-            <a:endParaRPr lang="en-US"/>
-          </a:p>
-        </p:txBody>
-      </p:sp>
-      <p:sp>
-        <p:nvSpPr>
-          <p:cNvPr id="5" name="Footer Placeholder 4"/>
-          <p:cNvSpPr>
-            <a:spLocks noGrp="1"/>
-          </p:cNvSpPr>
-          <p:nvPr>
-            <p:ph type="ftr" sz="quarter" idx="11"/>
-          </p:nvPr>
-        </p:nvSpPr>
-        <p:spPr/>
-        <p:txBody>
-          <a:bodyPr/>
-          <a:lstStyle/>
-          <a:p>
-            <a:endParaRPr lang="en-US"/>
-          </a:p>
-        </p:txBody>
-      </p:sp>
-      <p:sp>
-        <p:nvSpPr>
-          <p:cNvPr id="6" name="Slide Number Placeholder 5"/>
-          <p:cNvSpPr>
-            <a:spLocks noGrp="1"/>
-          </p:cNvSpPr>
-          <p:nvPr>
-            <p:ph type="sldNum" sz="quarter" idx="12"/>
-          </p:nvPr>
-        </p:nvSpPr>
-        <p:spPr/>
-        <p:txBody>
-          <a:bodyPr/>
-          <a:lstStyle/>
-          <a:p>
-            <a:fld id="{577BCB4E-20B5-495A-B517-CE9027E0B8DF}" type="slidenum">
-              <a:rPr lang="en-US" smtClean="0"/>
-              <a:t>‹#›</a:t>
-            </a:fld>
-            <a:endParaRPr lang="en-US"/>
-          </a:p>
-        </p:txBody>
-      </p:sp>
-    </p:spTree>
-    <p:extLst>
-      <p:ext uri="{BB962C8B-B14F-4D97-AF65-F5344CB8AC3E}">
-        <p14:creationId xmlns:p14="http://schemas.microsoft.com/office/powerpoint/2010/main" val="1639436305"/>
-      </p:ext>
-    </p:extLst>
-  </p:cSld>
-  <p:clrMapOvr>
-    <a:masterClrMapping/>
-  </p:clrMapOvr>
-</p:sldLayout>
-</file>
-
-<file path=ppt/slideLayouts/slideLayout16.xml><?xml version="1.0" encoding="utf-8"?>
-<p:sldLayout xmlns:a="http://schemas.openxmlformats.org/drawingml/2006/main" xmlns:r="http://schemas.openxmlformats.org/officeDocument/2006/relationships" xmlns:p="http://schemas.openxmlformats.org/presentationml/2006/main" userDrawn="1">
-  <p:cSld name="Section Title Accent Color 1">
-    <p:bg>
-      <p:bgPr>
-        <a:solidFill>
-          <a:schemeClr val="accent1"/>
-        </a:solidFill>
-        <a:effectLst/>
-      </p:bgPr>
-    </p:bg>
-    <p:spTree>
-      <p:nvGrpSpPr>
-        <p:cNvPr id="1" name=""/>
-        <p:cNvGrpSpPr/>
-        <p:nvPr/>
-      </p:nvGrpSpPr>
-      <p:grpSpPr>
-        <a:xfrm>
-          <a:off x="0" y="0"/>
-          <a:ext cx="0" cy="0"/>
-          <a:chOff x="0" y="0"/>
-          <a:chExt cx="0" cy="0"/>
-        </a:xfrm>
-      </p:grpSpPr>
-      <p:sp>
-        <p:nvSpPr>
-          <p:cNvPr id="2" name="Title 1"/>
-          <p:cNvSpPr>
-            <a:spLocks noGrp="1"/>
-          </p:cNvSpPr>
-          <p:nvPr>
-            <p:ph type="title" hasCustomPrompt="1"/>
-          </p:nvPr>
-        </p:nvSpPr>
-        <p:spPr>
-          <a:xfrm>
-            <a:off x="359016" y="2931082"/>
-            <a:ext cx="11473970" cy="1267431"/>
-          </a:xfrm>
-          <a:noFill/>
-        </p:spPr>
-        <p:txBody>
-          <a:bodyPr wrap="square" tIns="91440" bIns="91440" anchor="t" anchorCtr="0">
-            <a:spAutoFit/>
-          </a:bodyPr>
-          <a:lstStyle>
-            <a:lvl1pPr>
-              <a:defRPr sz="7844" spc="-98" baseline="0">
-                <a:gradFill>
-                  <a:gsLst>
-                    <a:gs pos="100000">
-                      <a:schemeClr val="tx1"/>
-                    </a:gs>
-                    <a:gs pos="0">
-                      <a:schemeClr val="tx1"/>
-                    </a:gs>
-                  </a:gsLst>
-                  <a:lin ang="5400000" scaled="0"/>
-                </a:gradFill>
-              </a:defRPr>
-            </a:lvl1pPr>
-          </a:lstStyle>
-          <a:p>
-            <a:r>
-              <a:rPr lang="en-US" dirty="0"/>
-              <a:t>Section title</a:t>
-            </a:r>
-          </a:p>
-        </p:txBody>
-      </p:sp>
-    </p:spTree>
-    <p:extLst>
-      <p:ext uri="{BB962C8B-B14F-4D97-AF65-F5344CB8AC3E}">
-        <p14:creationId xmlns:p14="http://schemas.microsoft.com/office/powerpoint/2010/main" val="1136883320"/>
-      </p:ext>
-    </p:extLst>
-  </p:cSld>
-  <p:clrMapOvr>
-    <a:overrideClrMapping bg1="dk1" tx1="lt1" bg2="dk2" tx2="lt2" accent1="accent1" accent2="accent2" accent3="accent3" accent4="accent4" accent5="accent5" accent6="accent6" hlink="hlink" folHlink="folHlink"/>
-  </p:clrMapOvr>
-  <p:transition>
-    <p:fade/>
-  </p:transition>
-</p:sldLayout>
-</file>
-
-<file path=ppt/slideLayouts/slideLayout17.xml><?xml version="1.0" encoding="utf-8"?>
-<p:sldLayout xmlns:a="http://schemas.openxmlformats.org/drawingml/2006/main" xmlns:r="http://schemas.openxmlformats.org/officeDocument/2006/relationships" xmlns:p="http://schemas.openxmlformats.org/presentationml/2006/main" userDrawn="1">
-  <p:cSld name="Two Column Bullet text 1st level color">
-    <p:spTree>
-      <p:nvGrpSpPr>
-        <p:cNvPr id="1" name=""/>
-        <p:cNvGrpSpPr/>
-        <p:nvPr/>
-      </p:nvGrpSpPr>
-      <p:grpSpPr>
-        <a:xfrm>
-          <a:off x="0" y="0"/>
-          <a:ext cx="0" cy="0"/>
-          <a:chOff x="0" y="0"/>
-          <a:chExt cx="0" cy="0"/>
-        </a:xfrm>
-      </p:grpSpPr>
-      <p:sp>
-        <p:nvSpPr>
-          <p:cNvPr id="2" name="Title 1"/>
-          <p:cNvSpPr>
-            <a:spLocks noGrp="1"/>
-          </p:cNvSpPr>
-          <p:nvPr>
-            <p:ph type="title"/>
-          </p:nvPr>
-        </p:nvSpPr>
-        <p:spPr/>
-        <p:txBody>
-          <a:bodyPr/>
-          <a:lstStyle/>
-          <a:p>
-            <a:r>
-              <a:rPr lang="en-US"/>
-              <a:t>Click to edit Master title style</a:t>
-            </a:r>
-            <a:endParaRPr lang="en-US" dirty="0"/>
-          </a:p>
-        </p:txBody>
-      </p:sp>
-      <p:sp>
-        <p:nvSpPr>
-          <p:cNvPr id="4" name="Text Placeholder 3"/>
-          <p:cNvSpPr>
-            <a:spLocks noGrp="1"/>
-          </p:cNvSpPr>
-          <p:nvPr>
-            <p:ph type="body" sz="quarter" idx="10"/>
-          </p:nvPr>
-        </p:nvSpPr>
-        <p:spPr>
-          <a:xfrm>
-            <a:off x="358456" y="1187644"/>
-            <a:ext cx="5498540" cy="3109184"/>
-          </a:xfrm>
-        </p:spPr>
-        <p:txBody>
-          <a:bodyPr wrap="square">
-            <a:spAutoFit/>
-          </a:bodyPr>
-          <a:lstStyle>
-            <a:lvl1pPr marL="281691" indent="-281691">
-              <a:spcBef>
-                <a:spcPts val="1200"/>
-              </a:spcBef>
-              <a:buClr>
-                <a:schemeClr val="tx2"/>
-              </a:buClr>
-              <a:buFont typeface="Arial" pitchFamily="34" charset="0"/>
-              <a:buChar char="•"/>
-              <a:defRPr sz="4184">
-                <a:gradFill>
-                  <a:gsLst>
-                    <a:gs pos="1250">
-                      <a:schemeClr val="tx2"/>
-                    </a:gs>
-                    <a:gs pos="99000">
-                      <a:schemeClr val="tx2"/>
-                    </a:gs>
-                  </a:gsLst>
-                  <a:lin ang="5400000" scaled="0"/>
-                </a:gradFill>
-              </a:defRPr>
-            </a:lvl1pPr>
-            <a:lvl2pPr marL="520725" indent="-228611">
-              <a:defRPr sz="2615"/>
-            </a:lvl2pPr>
-            <a:lvl3pPr marL="685835" indent="-165108">
-              <a:tabLst/>
-              <a:defRPr sz="2615"/>
-            </a:lvl3pPr>
-            <a:lvl4pPr marL="863642" indent="-177809">
-              <a:defRPr/>
-            </a:lvl4pPr>
-            <a:lvl5pPr marL="1028751" indent="-165108">
-              <a:tabLst/>
-              <a:defRPr/>
-            </a:lvl5pPr>
-          </a:lstStyle>
-          <a:p>
-            <a:pPr lvl="0"/>
-            <a:r>
-              <a:rPr lang="en-US"/>
-              <a:t>Click to edit Master text styles</a:t>
-            </a:r>
-          </a:p>
-          <a:p>
-            <a:pPr lvl="1"/>
-            <a:r>
-              <a:rPr lang="en-US"/>
-              <a:t>Second level</a:t>
-            </a:r>
-          </a:p>
-          <a:p>
-            <a:pPr lvl="2"/>
-            <a:r>
-              <a:rPr lang="en-US"/>
-              <a:t>Third level</a:t>
-            </a:r>
-          </a:p>
-          <a:p>
-            <a:pPr lvl="3"/>
-            <a:r>
-              <a:rPr lang="en-US"/>
-              <a:t>Fourth level</a:t>
-            </a:r>
-          </a:p>
-          <a:p>
-            <a:pPr lvl="4"/>
-            <a:r>
-              <a:rPr lang="en-US"/>
-              <a:t>Fifth level</a:t>
-            </a:r>
-            <a:endParaRPr lang="en-US" dirty="0"/>
-          </a:p>
-        </p:txBody>
-      </p:sp>
-      <p:sp>
-        <p:nvSpPr>
-          <p:cNvPr id="5" name="Text Placeholder 3"/>
-          <p:cNvSpPr>
-            <a:spLocks noGrp="1"/>
-          </p:cNvSpPr>
-          <p:nvPr>
-            <p:ph type="body" sz="quarter" idx="11"/>
-          </p:nvPr>
-        </p:nvSpPr>
-        <p:spPr>
-          <a:xfrm>
-            <a:off x="6335004" y="1187644"/>
-            <a:ext cx="5498540" cy="3109184"/>
-          </a:xfrm>
-        </p:spPr>
-        <p:txBody>
-          <a:bodyPr wrap="square">
-            <a:spAutoFit/>
-          </a:bodyPr>
-          <a:lstStyle>
-            <a:lvl1pPr marL="281691" indent="-281691">
-              <a:spcBef>
-                <a:spcPts val="1200"/>
-              </a:spcBef>
-              <a:buClr>
-                <a:schemeClr val="tx2"/>
-              </a:buClr>
-              <a:buFont typeface="Arial" pitchFamily="34" charset="0"/>
-              <a:buChar char="•"/>
-              <a:defRPr sz="4184">
-                <a:gradFill>
-                  <a:gsLst>
-                    <a:gs pos="1250">
-                      <a:schemeClr val="tx2"/>
-                    </a:gs>
-                    <a:gs pos="99000">
-                      <a:schemeClr val="tx2"/>
-                    </a:gs>
-                  </a:gsLst>
-                  <a:lin ang="5400000" scaled="0"/>
-                </a:gradFill>
-              </a:defRPr>
-            </a:lvl1pPr>
-            <a:lvl2pPr marL="520725" indent="-228611">
-              <a:defRPr sz="2615"/>
-            </a:lvl2pPr>
-            <a:lvl3pPr marL="685835" indent="-165108">
-              <a:tabLst/>
-              <a:defRPr sz="2615"/>
-            </a:lvl3pPr>
-            <a:lvl4pPr marL="863642" indent="-177809">
-              <a:defRPr/>
-            </a:lvl4pPr>
-            <a:lvl5pPr marL="1028751" indent="-165108">
-              <a:tabLst/>
-              <a:defRPr/>
-            </a:lvl5pPr>
-          </a:lstStyle>
-          <a:p>
-            <a:pPr lvl="0"/>
-            <a:r>
-              <a:rPr lang="en-US"/>
-              <a:t>Click to edit Master text styles</a:t>
-            </a:r>
-          </a:p>
-          <a:p>
-            <a:pPr lvl="1"/>
-            <a:r>
-              <a:rPr lang="en-US"/>
-              <a:t>Second level</a:t>
-            </a:r>
-          </a:p>
-          <a:p>
-            <a:pPr lvl="2"/>
-            <a:r>
-              <a:rPr lang="en-US"/>
-              <a:t>Third level</a:t>
-            </a:r>
-          </a:p>
-          <a:p>
-            <a:pPr lvl="3"/>
-            <a:r>
-              <a:rPr lang="en-US"/>
-              <a:t>Fourth level</a:t>
-            </a:r>
-          </a:p>
-          <a:p>
-            <a:pPr lvl="4"/>
-            <a:r>
-              <a:rPr lang="en-US"/>
-              <a:t>Fifth level</a:t>
-            </a:r>
-            <a:endParaRPr lang="en-US" dirty="0"/>
-          </a:p>
-        </p:txBody>
-      </p:sp>
-    </p:spTree>
-    <p:extLst>
-      <p:ext uri="{BB962C8B-B14F-4D97-AF65-F5344CB8AC3E}">
-        <p14:creationId xmlns:p14="http://schemas.microsoft.com/office/powerpoint/2010/main" val="1772857640"/>
-      </p:ext>
-    </p:extLst>
-  </p:cSld>
-  <p:clrMapOvr>
-    <a:masterClrMapping/>
-  </p:clrMapOvr>
-  <p:transition>
-    <p:fade/>
-  </p:transition>
-</p:sldLayout>
-</file>
-
-<file path=ppt/slideLayouts/slideLayout18.xml><?xml version="1.0" encoding="utf-8"?>
-<p:sldLayout xmlns:a="http://schemas.openxmlformats.org/drawingml/2006/main" xmlns:r="http://schemas.openxmlformats.org/officeDocument/2006/relationships" xmlns:p="http://schemas.openxmlformats.org/presentationml/2006/main" type="twoTxTwoObj">
-  <p:cSld name="Comparison">
-    <p:spTree>
-      <p:nvGrpSpPr>
-        <p:cNvPr id="1" name=""/>
-        <p:cNvGrpSpPr/>
-        <p:nvPr/>
-      </p:nvGrpSpPr>
-      <p:grpSpPr>
-        <a:xfrm>
-          <a:off x="0" y="0"/>
-          <a:ext cx="0" cy="0"/>
-          <a:chOff x="0" y="0"/>
-          <a:chExt cx="0" cy="0"/>
-        </a:xfrm>
-      </p:grpSpPr>
-      <p:sp>
-        <p:nvSpPr>
-          <p:cNvPr id="2" name="Title 1"/>
-          <p:cNvSpPr>
-            <a:spLocks noGrp="1"/>
-          </p:cNvSpPr>
-          <p:nvPr>
-            <p:ph type="title"/>
-          </p:nvPr>
-        </p:nvSpPr>
-        <p:spPr>
-          <a:xfrm>
-            <a:off x="839788" y="365126"/>
-            <a:ext cx="10515600" cy="1325563"/>
-          </a:xfrm>
-        </p:spPr>
-        <p:txBody>
-          <a:bodyPr/>
-          <a:lstStyle/>
-          <a:p>
-            <a:r>
-              <a:rPr lang="en-US"/>
-              <a:t>Click to edit Master title style</a:t>
-            </a:r>
-          </a:p>
-        </p:txBody>
-      </p:sp>
-      <p:sp>
-        <p:nvSpPr>
-          <p:cNvPr id="3" name="Text Placeholder 2"/>
-          <p:cNvSpPr>
-            <a:spLocks noGrp="1"/>
-          </p:cNvSpPr>
-          <p:nvPr>
-            <p:ph type="body" idx="1"/>
-          </p:nvPr>
-        </p:nvSpPr>
-        <p:spPr>
-          <a:xfrm>
-            <a:off x="839789" y="1991566"/>
-            <a:ext cx="5157787" cy="513510"/>
-          </a:xfrm>
-        </p:spPr>
-        <p:txBody>
-          <a:bodyPr anchor="b"/>
-          <a:lstStyle>
-            <a:lvl1pPr marL="0" indent="0">
-              <a:buNone/>
-              <a:defRPr sz="2400" b="1"/>
-            </a:lvl1pPr>
-            <a:lvl2pPr marL="457205" indent="0">
-              <a:buNone/>
-              <a:defRPr sz="2000" b="1"/>
-            </a:lvl2pPr>
-            <a:lvl3pPr marL="914411" indent="0">
-              <a:buNone/>
-              <a:defRPr sz="1800" b="1"/>
-            </a:lvl3pPr>
-            <a:lvl4pPr marL="1371617" indent="0">
-              <a:buNone/>
-              <a:defRPr sz="1600" b="1"/>
-            </a:lvl4pPr>
-            <a:lvl5pPr marL="1828822" indent="0">
-              <a:buNone/>
-              <a:defRPr sz="1600" b="1"/>
-            </a:lvl5pPr>
-            <a:lvl6pPr marL="2286027" indent="0">
-              <a:buNone/>
-              <a:defRPr sz="1600" b="1"/>
-            </a:lvl6pPr>
-            <a:lvl7pPr marL="2743233" indent="0">
-              <a:buNone/>
-              <a:defRPr sz="1600" b="1"/>
-            </a:lvl7pPr>
-            <a:lvl8pPr marL="3200438" indent="0">
-              <a:buNone/>
-              <a:defRPr sz="1600" b="1"/>
-            </a:lvl8pPr>
-            <a:lvl9pPr marL="3657643" indent="0">
-              <a:buNone/>
-              <a:defRPr sz="1600" b="1"/>
-            </a:lvl9pPr>
-          </a:lstStyle>
-          <a:p>
-            <a:pPr lvl="0"/>
-            <a:r>
-              <a:rPr lang="en-US"/>
-              <a:t>Click to edit Master text styles</a:t>
-            </a:r>
-          </a:p>
-        </p:txBody>
-      </p:sp>
-      <p:sp>
-        <p:nvSpPr>
-          <p:cNvPr id="4" name="Content Placeholder 3"/>
-          <p:cNvSpPr>
-            <a:spLocks noGrp="1"/>
-          </p:cNvSpPr>
-          <p:nvPr>
-            <p:ph sz="half" idx="2"/>
-          </p:nvPr>
-        </p:nvSpPr>
-        <p:spPr>
-          <a:xfrm>
-            <a:off x="839789" y="2505075"/>
-            <a:ext cx="5157787" cy="3323987"/>
-          </a:xfrm>
-        </p:spPr>
-        <p:txBody>
-          <a:bodyPr/>
-          <a:lstStyle/>
-          <a:p>
-            <a:pPr lvl="0"/>
-            <a:r>
-              <a:rPr lang="en-US"/>
-              <a:t>Click to edit Master text styles</a:t>
-            </a:r>
-          </a:p>
-          <a:p>
-            <a:pPr lvl="1"/>
-            <a:r>
-              <a:rPr lang="en-US"/>
-              <a:t>Second level</a:t>
-            </a:r>
-          </a:p>
-          <a:p>
-            <a:pPr lvl="2"/>
-            <a:r>
-              <a:rPr lang="en-US"/>
-              <a:t>Third level</a:t>
-            </a:r>
-          </a:p>
-          <a:p>
-            <a:pPr lvl="3"/>
-            <a:r>
-              <a:rPr lang="en-US"/>
-              <a:t>Fourth level</a:t>
-            </a:r>
-          </a:p>
-          <a:p>
-            <a:pPr lvl="4"/>
-            <a:r>
-              <a:rPr lang="en-US"/>
-              <a:t>Fifth level</a:t>
-            </a:r>
-          </a:p>
-        </p:txBody>
-      </p:sp>
-      <p:sp>
-        <p:nvSpPr>
-          <p:cNvPr id="5" name="Text Placeholder 4"/>
-          <p:cNvSpPr>
-            <a:spLocks noGrp="1"/>
-          </p:cNvSpPr>
-          <p:nvPr>
-            <p:ph type="body" sz="quarter" idx="3"/>
-          </p:nvPr>
-        </p:nvSpPr>
-        <p:spPr>
-          <a:xfrm>
-            <a:off x="6172200" y="1991566"/>
-            <a:ext cx="5183188" cy="513510"/>
-          </a:xfrm>
-        </p:spPr>
-        <p:txBody>
-          <a:bodyPr anchor="b"/>
-          <a:lstStyle>
-            <a:lvl1pPr marL="0" indent="0">
-              <a:buNone/>
-              <a:defRPr sz="2400" b="1"/>
-            </a:lvl1pPr>
-            <a:lvl2pPr marL="457205" indent="0">
-              <a:buNone/>
-              <a:defRPr sz="2000" b="1"/>
-            </a:lvl2pPr>
-            <a:lvl3pPr marL="914411" indent="0">
-              <a:buNone/>
-              <a:defRPr sz="1800" b="1"/>
-            </a:lvl3pPr>
-            <a:lvl4pPr marL="1371617" indent="0">
-              <a:buNone/>
-              <a:defRPr sz="1600" b="1"/>
-            </a:lvl4pPr>
-            <a:lvl5pPr marL="1828822" indent="0">
-              <a:buNone/>
-              <a:defRPr sz="1600" b="1"/>
-            </a:lvl5pPr>
-            <a:lvl6pPr marL="2286027" indent="0">
-              <a:buNone/>
-              <a:defRPr sz="1600" b="1"/>
-            </a:lvl6pPr>
-            <a:lvl7pPr marL="2743233" indent="0">
-              <a:buNone/>
-              <a:defRPr sz="1600" b="1"/>
-            </a:lvl7pPr>
-            <a:lvl8pPr marL="3200438" indent="0">
-              <a:buNone/>
-              <a:defRPr sz="1600" b="1"/>
-            </a:lvl8pPr>
-            <a:lvl9pPr marL="3657643" indent="0">
-              <a:buNone/>
-              <a:defRPr sz="1600" b="1"/>
-            </a:lvl9pPr>
-          </a:lstStyle>
-          <a:p>
-            <a:pPr lvl="0"/>
-            <a:r>
-              <a:rPr lang="en-US"/>
-              <a:t>Click to edit Master text styles</a:t>
-            </a:r>
-          </a:p>
-        </p:txBody>
-      </p:sp>
-      <p:sp>
-        <p:nvSpPr>
-          <p:cNvPr id="6" name="Content Placeholder 5"/>
-          <p:cNvSpPr>
-            <a:spLocks noGrp="1"/>
-          </p:cNvSpPr>
-          <p:nvPr>
-            <p:ph sz="quarter" idx="4"/>
-          </p:nvPr>
-        </p:nvSpPr>
-        <p:spPr>
-          <a:xfrm>
-            <a:off x="6172200" y="2505075"/>
-            <a:ext cx="5183188" cy="3323987"/>
-          </a:xfrm>
-        </p:spPr>
-        <p:txBody>
-          <a:bodyPr/>
-          <a:lstStyle/>
-          <a:p>
-            <a:pPr lvl="0"/>
-            <a:r>
-              <a:rPr lang="en-US"/>
-              <a:t>Click to edit Master text styles</a:t>
-            </a:r>
-          </a:p>
-          <a:p>
-            <a:pPr lvl="1"/>
-            <a:r>
-              <a:rPr lang="en-US"/>
-              <a:t>Second level</a:t>
-            </a:r>
-          </a:p>
-          <a:p>
-            <a:pPr lvl="2"/>
-            <a:r>
-              <a:rPr lang="en-US"/>
-              <a:t>Third level</a:t>
-            </a:r>
-          </a:p>
-          <a:p>
-            <a:pPr lvl="3"/>
-            <a:r>
-              <a:rPr lang="en-US"/>
-              <a:t>Fourth level</a:t>
-            </a:r>
-          </a:p>
-          <a:p>
-            <a:pPr lvl="4"/>
-            <a:r>
-              <a:rPr lang="en-US"/>
-              <a:t>Fifth level</a:t>
-            </a:r>
-          </a:p>
-        </p:txBody>
-      </p:sp>
-      <p:sp>
-        <p:nvSpPr>
-          <p:cNvPr id="7" name="Date Placeholder 6"/>
-          <p:cNvSpPr>
-            <a:spLocks noGrp="1"/>
-          </p:cNvSpPr>
-          <p:nvPr>
-            <p:ph type="dt" sz="half" idx="10"/>
-          </p:nvPr>
-        </p:nvSpPr>
-        <p:spPr/>
-        <p:txBody>
-          <a:bodyPr/>
-          <a:lstStyle/>
-          <a:p>
-            <a:fld id="{2471549E-5B03-41EF-9F4A-E5DF55A325B9}" type="datetime1">
-              <a:rPr lang="en-US" smtClean="0"/>
-              <a:t>5/27/2016</a:t>
-            </a:fld>
-            <a:endParaRPr lang="en-US"/>
-          </a:p>
-        </p:txBody>
-      </p:sp>
-      <p:sp>
-        <p:nvSpPr>
-          <p:cNvPr id="8" name="Footer Placeholder 7"/>
-          <p:cNvSpPr>
-            <a:spLocks noGrp="1"/>
-          </p:cNvSpPr>
-          <p:nvPr>
-            <p:ph type="ftr" sz="quarter" idx="11"/>
-          </p:nvPr>
-        </p:nvSpPr>
-        <p:spPr/>
-        <p:txBody>
-          <a:bodyPr/>
-          <a:lstStyle/>
-          <a:p>
-            <a:endParaRPr lang="en-US"/>
-          </a:p>
-        </p:txBody>
-      </p:sp>
-      <p:sp>
-        <p:nvSpPr>
-          <p:cNvPr id="9" name="Slide Number Placeholder 8"/>
-          <p:cNvSpPr>
-            <a:spLocks noGrp="1"/>
-          </p:cNvSpPr>
-          <p:nvPr>
-            <p:ph type="sldNum" sz="quarter" idx="12"/>
-          </p:nvPr>
-        </p:nvSpPr>
-        <p:spPr/>
-        <p:txBody>
-          <a:bodyPr/>
-          <a:lstStyle/>
-          <a:p>
-            <a:fld id="{7C4F2301-FC36-4ED9-A5EB-E8FBDA7A1302}" type="slidenum">
-              <a:rPr lang="en-US" smtClean="0"/>
-              <a:t>‹#›</a:t>
-            </a:fld>
-            <a:endParaRPr lang="en-US"/>
-          </a:p>
-        </p:txBody>
-      </p:sp>
-    </p:spTree>
-    <p:extLst>
-      <p:ext uri="{BB962C8B-B14F-4D97-AF65-F5344CB8AC3E}">
-        <p14:creationId xmlns:p14="http://schemas.microsoft.com/office/powerpoint/2010/main" val="139087895"/>
-      </p:ext>
-    </p:extLst>
-  </p:cSld>
-  <p:clrMapOvr>
-    <a:masterClrMapping/>
-  </p:clrMapOvr>
-</p:sldLayout>
-</file>
-
-<file path=ppt/slideLayouts/slideLayout19.xml><?xml version="1.0" encoding="utf-8"?>
 <p:sldLayout xmlns:a="http://schemas.openxmlformats.org/drawingml/2006/main" xmlns:r="http://schemas.openxmlformats.org/officeDocument/2006/relationships" xmlns:p="http://schemas.openxmlformats.org/presentationml/2006/main">
   <p:cSld name="Black Notes slide Layout">
     <p:bg bwMode="black">
@@ -22752,6 +22235,281 @@
 </file>
 
 <file path=ppt/slideLayouts/slideLayout7.xml><?xml version="1.0" encoding="utf-8"?>
+<p:sldLayout xmlns:a="http://schemas.openxmlformats.org/drawingml/2006/main" xmlns:r="http://schemas.openxmlformats.org/officeDocument/2006/relationships" xmlns:p="http://schemas.openxmlformats.org/presentationml/2006/main" userDrawn="1">
+  <p:cSld name="Title &amp; 2-color Non-bulleted text">
+    <p:spTree>
+      <p:nvGrpSpPr>
+        <p:cNvPr id="1" name=""/>
+        <p:cNvGrpSpPr/>
+        <p:nvPr/>
+      </p:nvGrpSpPr>
+      <p:grpSpPr>
+        <a:xfrm>
+          <a:off x="0" y="0"/>
+          <a:ext cx="0" cy="0"/>
+          <a:chOff x="0" y="0"/>
+          <a:chExt cx="0" cy="0"/>
+        </a:xfrm>
+      </p:grpSpPr>
+      <p:sp>
+        <p:nvSpPr>
+          <p:cNvPr id="2" name="Title 1"/>
+          <p:cNvSpPr>
+            <a:spLocks noGrp="1"/>
+          </p:cNvSpPr>
+          <p:nvPr>
+            <p:ph type="title"/>
+          </p:nvPr>
+        </p:nvSpPr>
+        <p:spPr/>
+        <p:txBody>
+          <a:bodyPr/>
+          <a:lstStyle/>
+          <a:p>
+            <a:r>
+              <a:rPr lang="en-US" dirty="0"/>
+              <a:t>Click to edit Master title style</a:t>
+            </a:r>
+          </a:p>
+        </p:txBody>
+      </p:sp>
+      <p:sp>
+        <p:nvSpPr>
+          <p:cNvPr id="6" name="Text Placeholder 5"/>
+          <p:cNvSpPr>
+            <a:spLocks noGrp="1"/>
+          </p:cNvSpPr>
+          <p:nvPr>
+            <p:ph type="body" sz="quarter" idx="10"/>
+          </p:nvPr>
+        </p:nvSpPr>
+        <p:spPr>
+          <a:xfrm>
+            <a:off x="269239" y="1189177"/>
+            <a:ext cx="11653523" cy="2492477"/>
+          </a:xfrm>
+        </p:spPr>
+        <p:txBody>
+          <a:bodyPr/>
+          <a:lstStyle>
+            <a:lvl1pPr marL="0" indent="0">
+              <a:buNone/>
+              <a:defRPr>
+                <a:gradFill>
+                  <a:gsLst>
+                    <a:gs pos="1250">
+                      <a:schemeClr val="tx2"/>
+                    </a:gs>
+                    <a:gs pos="99000">
+                      <a:schemeClr val="tx2"/>
+                    </a:gs>
+                  </a:gsLst>
+                  <a:lin ang="5400000" scaled="0"/>
+                </a:gradFill>
+              </a:defRPr>
+            </a:lvl1pPr>
+            <a:lvl2pPr marL="0" indent="0">
+              <a:buFontTx/>
+              <a:buNone/>
+              <a:defRPr sz="1961"/>
+            </a:lvl2pPr>
+            <a:lvl3pPr marL="224097" indent="0">
+              <a:buNone/>
+              <a:defRPr/>
+            </a:lvl3pPr>
+            <a:lvl4pPr marL="448193" indent="0">
+              <a:buNone/>
+              <a:defRPr/>
+            </a:lvl4pPr>
+            <a:lvl5pPr marL="672290" indent="0">
+              <a:buNone/>
+              <a:defRPr/>
+            </a:lvl5pPr>
+          </a:lstStyle>
+          <a:p>
+            <a:pPr lvl="0"/>
+            <a:r>
+              <a:rPr lang="en-US" dirty="0"/>
+              <a:t>Click to edit Master text styles</a:t>
+            </a:r>
+          </a:p>
+          <a:p>
+            <a:pPr lvl="1"/>
+            <a:r>
+              <a:rPr lang="en-US" dirty="0"/>
+              <a:t>Second level</a:t>
+            </a:r>
+          </a:p>
+          <a:p>
+            <a:pPr lvl="2"/>
+            <a:r>
+              <a:rPr lang="en-US" dirty="0"/>
+              <a:t>Third level</a:t>
+            </a:r>
+          </a:p>
+          <a:p>
+            <a:pPr lvl="3"/>
+            <a:r>
+              <a:rPr lang="en-US" dirty="0"/>
+              <a:t>Fourth level</a:t>
+            </a:r>
+          </a:p>
+          <a:p>
+            <a:pPr lvl="4"/>
+            <a:r>
+              <a:rPr lang="en-US" dirty="0"/>
+              <a:t>Fifth level</a:t>
+            </a:r>
+          </a:p>
+        </p:txBody>
+      </p:sp>
+    </p:spTree>
+    <p:extLst>
+      <p:ext uri="{BB962C8B-B14F-4D97-AF65-F5344CB8AC3E}">
+        <p14:creationId xmlns:p14="http://schemas.microsoft.com/office/powerpoint/2010/main" val="2850564267"/>
+      </p:ext>
+    </p:extLst>
+  </p:cSld>
+  <p:clrMapOvr>
+    <a:masterClrMapping/>
+  </p:clrMapOvr>
+  <p:transition>
+    <p:fade/>
+  </p:transition>
+</p:sldLayout>
+</file>
+
+<file path=ppt/slideLayouts/slideLayout8.xml><?xml version="1.0" encoding="utf-8"?>
+<p:sldLayout xmlns:a="http://schemas.openxmlformats.org/drawingml/2006/main" xmlns:r="http://schemas.openxmlformats.org/officeDocument/2006/relationships" xmlns:p="http://schemas.openxmlformats.org/presentationml/2006/main" userDrawn="1">
+  <p:cSld name="Title and Content 1st level color text">
+    <p:spTree>
+      <p:nvGrpSpPr>
+        <p:cNvPr id="1" name=""/>
+        <p:cNvGrpSpPr/>
+        <p:nvPr/>
+      </p:nvGrpSpPr>
+      <p:grpSpPr>
+        <a:xfrm>
+          <a:off x="0" y="0"/>
+          <a:ext cx="0" cy="0"/>
+          <a:chOff x="0" y="0"/>
+          <a:chExt cx="0" cy="0"/>
+        </a:xfrm>
+      </p:grpSpPr>
+      <p:sp>
+        <p:nvSpPr>
+          <p:cNvPr id="4" name="Text Placeholder 3"/>
+          <p:cNvSpPr>
+            <a:spLocks noGrp="1"/>
+          </p:cNvSpPr>
+          <p:nvPr>
+            <p:ph type="body" sz="quarter" idx="10"/>
+          </p:nvPr>
+        </p:nvSpPr>
+        <p:spPr>
+          <a:xfrm>
+            <a:off x="359016" y="1189177"/>
+            <a:ext cx="11473970" cy="2867773"/>
+          </a:xfrm>
+        </p:spPr>
+        <p:txBody>
+          <a:bodyPr wrap="square">
+            <a:spAutoFit/>
+          </a:bodyPr>
+          <a:lstStyle>
+            <a:lvl1pPr>
+              <a:defRPr sz="4706">
+                <a:gradFill>
+                  <a:gsLst>
+                    <a:gs pos="1250">
+                      <a:schemeClr val="tx2"/>
+                    </a:gs>
+                    <a:gs pos="99000">
+                      <a:schemeClr val="tx2"/>
+                    </a:gs>
+                  </a:gsLst>
+                  <a:lin ang="5400000" scaled="0"/>
+                </a:gradFill>
+              </a:defRPr>
+            </a:lvl1pPr>
+          </a:lstStyle>
+          <a:p>
+            <a:pPr lvl="0"/>
+            <a:r>
+              <a:rPr lang="en-US"/>
+              <a:t>Click to edit Master text styles</a:t>
+            </a:r>
+          </a:p>
+          <a:p>
+            <a:pPr lvl="1"/>
+            <a:r>
+              <a:rPr lang="en-US"/>
+              <a:t>Second level</a:t>
+            </a:r>
+          </a:p>
+          <a:p>
+            <a:pPr lvl="2"/>
+            <a:r>
+              <a:rPr lang="en-US"/>
+              <a:t>Third level</a:t>
+            </a:r>
+          </a:p>
+          <a:p>
+            <a:pPr lvl="3"/>
+            <a:r>
+              <a:rPr lang="en-US"/>
+              <a:t>Fourth level</a:t>
+            </a:r>
+          </a:p>
+          <a:p>
+            <a:pPr lvl="4"/>
+            <a:r>
+              <a:rPr lang="en-US"/>
+              <a:t>Fifth level</a:t>
+            </a:r>
+            <a:endParaRPr lang="en-US" dirty="0"/>
+          </a:p>
+        </p:txBody>
+      </p:sp>
+      <p:sp>
+        <p:nvSpPr>
+          <p:cNvPr id="6" name="Title 5"/>
+          <p:cNvSpPr>
+            <a:spLocks noGrp="1"/>
+          </p:cNvSpPr>
+          <p:nvPr>
+            <p:ph type="title"/>
+          </p:nvPr>
+        </p:nvSpPr>
+        <p:spPr/>
+        <p:txBody>
+          <a:bodyPr/>
+          <a:lstStyle/>
+          <a:p>
+            <a:r>
+              <a:rPr lang="en-US"/>
+              <a:t>Click to edit Master title style</a:t>
+            </a:r>
+          </a:p>
+        </p:txBody>
+      </p:sp>
+    </p:spTree>
+    <p:extLst>
+      <p:ext uri="{BB962C8B-B14F-4D97-AF65-F5344CB8AC3E}">
+        <p14:creationId xmlns:p14="http://schemas.microsoft.com/office/powerpoint/2010/main" val="214408555"/>
+      </p:ext>
+    </p:extLst>
+  </p:cSld>
+  <p:clrMapOvr>
+    <a:masterClrMapping/>
+  </p:clrMapOvr>
+  <p:transition>
+    <p:fade/>
+  </p:transition>
+</p:sldLayout>
+</file>
+
+<file path=ppt/slideLayouts/slideLayout9.xml><?xml version="1.0" encoding="utf-8"?>
 <p:sldLayout xmlns:a="http://schemas.openxmlformats.org/drawingml/2006/main" xmlns:r="http://schemas.openxmlformats.org/officeDocument/2006/relationships" xmlns:p="http://schemas.openxmlformats.org/presentationml/2006/main" preserve="1">
   <p:cSld name="Title and Content - 2 Column">
     <p:bg>
@@ -22892,614 +22650,6 @@
     <p:extLst>
       <p:ext uri="{BB962C8B-B14F-4D97-AF65-F5344CB8AC3E}">
         <p14:creationId xmlns:p14="http://schemas.microsoft.com/office/powerpoint/2010/main" val="2912206317"/>
-      </p:ext>
-    </p:extLst>
-  </p:cSld>
-  <p:clrMapOvr>
-    <a:masterClrMapping/>
-  </p:clrMapOvr>
-  <p:transition>
-    <p:fade/>
-  </p:transition>
-</p:sldLayout>
-</file>
-
-<file path=ppt/slideLayouts/slideLayout8.xml><?xml version="1.0" encoding="utf-8"?>
-<p:sldLayout xmlns:a="http://schemas.openxmlformats.org/drawingml/2006/main" xmlns:r="http://schemas.openxmlformats.org/officeDocument/2006/relationships" xmlns:p="http://schemas.openxmlformats.org/presentationml/2006/main" preserve="1">
-  <p:cSld name="Title and Compare">
-    <p:bg>
-      <p:bgPr>
-        <a:solidFill>
-          <a:srgbClr val="1574B8"/>
-        </a:solidFill>
-        <a:effectLst/>
-      </p:bgPr>
-    </p:bg>
-    <p:spTree>
-      <p:nvGrpSpPr>
-        <p:cNvPr id="1" name=""/>
-        <p:cNvGrpSpPr/>
-        <p:nvPr/>
-      </p:nvGrpSpPr>
-      <p:grpSpPr>
-        <a:xfrm>
-          <a:off x="0" y="0"/>
-          <a:ext cx="0" cy="0"/>
-          <a:chOff x="0" y="0"/>
-          <a:chExt cx="0" cy="0"/>
-        </a:xfrm>
-      </p:grpSpPr>
-      <p:sp>
-        <p:nvSpPr>
-          <p:cNvPr id="7" name="Content Placeholder 6"/>
-          <p:cNvSpPr>
-            <a:spLocks noGrp="1"/>
-          </p:cNvSpPr>
-          <p:nvPr>
-            <p:ph sz="quarter" idx="10"/>
-          </p:nvPr>
-        </p:nvSpPr>
-        <p:spPr>
-          <a:xfrm>
-            <a:off x="293121" y="2253750"/>
-            <a:ext cx="5378549" cy="1889748"/>
-          </a:xfrm>
-        </p:spPr>
-        <p:txBody>
-          <a:bodyPr/>
-          <a:lstStyle/>
-          <a:p>
-            <a:pPr lvl="0"/>
-            <a:r>
-              <a:rPr lang="en-US"/>
-              <a:t>Edit Master text styles</a:t>
-            </a:r>
-          </a:p>
-          <a:p>
-            <a:pPr lvl="1"/>
-            <a:r>
-              <a:rPr lang="en-US"/>
-              <a:t>Second level</a:t>
-            </a:r>
-          </a:p>
-          <a:p>
-            <a:pPr lvl="2"/>
-            <a:r>
-              <a:rPr lang="en-US"/>
-              <a:t>Third level</a:t>
-            </a:r>
-          </a:p>
-        </p:txBody>
-      </p:sp>
-      <p:sp>
-        <p:nvSpPr>
-          <p:cNvPr id="8" name="Content Placeholder 6"/>
-          <p:cNvSpPr>
-            <a:spLocks noGrp="1"/>
-          </p:cNvSpPr>
-          <p:nvPr>
-            <p:ph sz="quarter" idx="11"/>
-          </p:nvPr>
-        </p:nvSpPr>
-        <p:spPr>
-          <a:xfrm>
-            <a:off x="6457075" y="2253750"/>
-            <a:ext cx="5378549" cy="1889748"/>
-          </a:xfrm>
-        </p:spPr>
-        <p:txBody>
-          <a:bodyPr/>
-          <a:lstStyle/>
-          <a:p>
-            <a:pPr lvl="0"/>
-            <a:r>
-              <a:rPr lang="en-US"/>
-              <a:t>Edit Master text styles</a:t>
-            </a:r>
-          </a:p>
-          <a:p>
-            <a:pPr lvl="1"/>
-            <a:r>
-              <a:rPr lang="en-US"/>
-              <a:t>Second level</a:t>
-            </a:r>
-          </a:p>
-          <a:p>
-            <a:pPr lvl="2"/>
-            <a:r>
-              <a:rPr lang="en-US"/>
-              <a:t>Third level</a:t>
-            </a:r>
-          </a:p>
-        </p:txBody>
-      </p:sp>
-      <p:sp>
-        <p:nvSpPr>
-          <p:cNvPr id="9" name="Content Placeholder 6"/>
-          <p:cNvSpPr>
-            <a:spLocks noGrp="1"/>
-          </p:cNvSpPr>
-          <p:nvPr>
-            <p:ph sz="quarter" idx="12" hasCustomPrompt="1"/>
-          </p:nvPr>
-        </p:nvSpPr>
-        <p:spPr>
-          <a:xfrm>
-            <a:off x="293761" y="1367394"/>
-            <a:ext cx="5378549" cy="669927"/>
-          </a:xfrm>
-        </p:spPr>
-        <p:txBody>
-          <a:bodyPr/>
-          <a:lstStyle>
-            <a:lvl1pPr marL="0" indent="0">
-              <a:buNone/>
-              <a:defRPr sz="3529" b="1" baseline="0"/>
-            </a:lvl1pPr>
-          </a:lstStyle>
-          <a:p>
-            <a:pPr lvl="0"/>
-            <a:r>
-              <a:rPr lang="en-US" dirty="0"/>
-              <a:t>Comparison 1</a:t>
-            </a:r>
-          </a:p>
-        </p:txBody>
-      </p:sp>
-      <p:sp>
-        <p:nvSpPr>
-          <p:cNvPr id="10" name="Content Placeholder 6"/>
-          <p:cNvSpPr>
-            <a:spLocks noGrp="1"/>
-          </p:cNvSpPr>
-          <p:nvPr>
-            <p:ph sz="quarter" idx="13" hasCustomPrompt="1"/>
-          </p:nvPr>
-        </p:nvSpPr>
-        <p:spPr>
-          <a:xfrm>
-            <a:off x="6457715" y="1367394"/>
-            <a:ext cx="5378549" cy="669927"/>
-          </a:xfrm>
-        </p:spPr>
-        <p:txBody>
-          <a:bodyPr/>
-          <a:lstStyle>
-            <a:lvl1pPr marL="0" indent="0">
-              <a:buNone/>
-              <a:defRPr sz="3529" b="1"/>
-            </a:lvl1pPr>
-          </a:lstStyle>
-          <a:p>
-            <a:pPr lvl="0"/>
-            <a:r>
-              <a:rPr lang="en-US" dirty="0"/>
-              <a:t>Comparison 1</a:t>
-            </a:r>
-          </a:p>
-        </p:txBody>
-      </p:sp>
-      <p:sp>
-        <p:nvSpPr>
-          <p:cNvPr id="11" name="Title 1"/>
-          <p:cNvSpPr>
-            <a:spLocks noGrp="1"/>
-          </p:cNvSpPr>
-          <p:nvPr>
-            <p:ph type="title"/>
-          </p:nvPr>
-        </p:nvSpPr>
-        <p:spPr>
-          <a:xfrm>
-            <a:off x="268930" y="291068"/>
-            <a:ext cx="11653832" cy="899665"/>
-          </a:xfrm>
-        </p:spPr>
-        <p:txBody>
-          <a:bodyPr/>
-          <a:lstStyle/>
-          <a:p>
-            <a:r>
-              <a:rPr lang="en-US"/>
-              <a:t>Click to edit Master title style</a:t>
-            </a:r>
-            <a:endParaRPr lang="en-US" dirty="0"/>
-          </a:p>
-        </p:txBody>
-      </p:sp>
-    </p:spTree>
-    <p:extLst>
-      <p:ext uri="{BB962C8B-B14F-4D97-AF65-F5344CB8AC3E}">
-        <p14:creationId xmlns:p14="http://schemas.microsoft.com/office/powerpoint/2010/main" val="3272348533"/>
-      </p:ext>
-    </p:extLst>
-  </p:cSld>
-  <p:clrMapOvr>
-    <a:masterClrMapping/>
-  </p:clrMapOvr>
-  <p:transition>
-    <p:fade/>
-  </p:transition>
-</p:sldLayout>
-</file>
-
-<file path=ppt/slideLayouts/slideLayout9.xml><?xml version="1.0" encoding="utf-8"?>
-<p:sldLayout xmlns:a="http://schemas.openxmlformats.org/drawingml/2006/main" xmlns:r="http://schemas.openxmlformats.org/officeDocument/2006/relationships" xmlns:p="http://schemas.openxmlformats.org/presentationml/2006/main" preserve="1">
-  <p:cSld name="Demo">
-    <p:bg>
-      <p:bgPr>
-        <a:solidFill>
-          <a:srgbClr val="1574B8"/>
-        </a:solidFill>
-        <a:effectLst/>
-      </p:bgPr>
-    </p:bg>
-    <p:spTree>
-      <p:nvGrpSpPr>
-        <p:cNvPr id="1" name=""/>
-        <p:cNvGrpSpPr/>
-        <p:nvPr/>
-      </p:nvGrpSpPr>
-      <p:grpSpPr>
-        <a:xfrm>
-          <a:off x="0" y="0"/>
-          <a:ext cx="0" cy="0"/>
-          <a:chOff x="0" y="0"/>
-          <a:chExt cx="0" cy="0"/>
-        </a:xfrm>
-      </p:grpSpPr>
-      <p:sp>
-        <p:nvSpPr>
-          <p:cNvPr id="7" name="Text Placeholder 3"/>
-          <p:cNvSpPr>
-            <a:spLocks noGrp="1"/>
-          </p:cNvSpPr>
-          <p:nvPr>
-            <p:ph type="body" sz="quarter" idx="10" hasCustomPrompt="1"/>
-          </p:nvPr>
-        </p:nvSpPr>
-        <p:spPr>
-          <a:xfrm>
-            <a:off x="475025" y="4533945"/>
-            <a:ext cx="11240393" cy="683264"/>
-          </a:xfrm>
-        </p:spPr>
-        <p:txBody>
-          <a:bodyPr/>
-          <a:lstStyle>
-            <a:lvl1pPr marL="0" indent="0" algn="r">
-              <a:buNone/>
-              <a:defRPr sz="3600" i="0"/>
-            </a:lvl1pPr>
-            <a:lvl2pPr marL="336145" indent="0">
-              <a:buNone/>
-              <a:defRPr/>
-            </a:lvl2pPr>
-            <a:lvl3pPr marL="560241" indent="0">
-              <a:buNone/>
-              <a:defRPr/>
-            </a:lvl3pPr>
-            <a:lvl4pPr marL="784338" indent="0">
-              <a:buNone/>
-              <a:defRPr/>
-            </a:lvl4pPr>
-            <a:lvl5pPr marL="1008435" indent="0">
-              <a:buNone/>
-              <a:defRPr/>
-            </a:lvl5pPr>
-          </a:lstStyle>
-          <a:p>
-            <a:pPr lvl="0"/>
-            <a:r>
-              <a:rPr lang="en-US" dirty="0"/>
-              <a:t>Click to edit demo name</a:t>
-            </a:r>
-          </a:p>
-        </p:txBody>
-      </p:sp>
-      <p:sp>
-        <p:nvSpPr>
-          <p:cNvPr id="8" name="TextBox 7"/>
-          <p:cNvSpPr txBox="1"/>
-          <p:nvPr/>
-        </p:nvSpPr>
-        <p:spPr>
-          <a:xfrm>
-            <a:off x="7569411" y="2655027"/>
-            <a:ext cx="4146007" cy="1888209"/>
-          </a:xfrm>
-          <a:prstGeom prst="rect">
-            <a:avLst/>
-          </a:prstGeom>
-          <a:noFill/>
-        </p:spPr>
-        <p:txBody>
-          <a:bodyPr wrap="none" lIns="182880" tIns="146304" rIns="182880" bIns="146304" rtlCol="0">
-            <a:spAutoFit/>
-          </a:bodyPr>
-          <a:lstStyle/>
-          <a:p>
-            <a:pPr marL="0" marR="0" lvl="0" indent="0" algn="l" defTabSz="914400" rtl="0" eaLnBrk="1" fontAlgn="auto" latinLnBrk="0" hangingPunct="1">
-              <a:lnSpc>
-                <a:spcPct val="90000"/>
-              </a:lnSpc>
-              <a:spcBef>
-                <a:spcPts val="0"/>
-              </a:spcBef>
-              <a:spcAft>
-                <a:spcPts val="600"/>
-              </a:spcAft>
-              <a:buClrTx/>
-              <a:buSzTx/>
-              <a:buFontTx/>
-              <a:buNone/>
-              <a:tabLst/>
-              <a:defRPr/>
-            </a:pPr>
-            <a:r>
-              <a:rPr kumimoji="0" lang="en-US" sz="11500" b="0" i="0" u="none" strike="noStrike" kern="1200" cap="none" spc="0" normalizeH="0" baseline="0" noProof="0" dirty="0">
-                <a:ln>
-                  <a:noFill/>
-                </a:ln>
-                <a:gradFill>
-                  <a:gsLst>
-                    <a:gs pos="2917">
-                      <a:prstClr val="white"/>
-                    </a:gs>
-                    <a:gs pos="30000">
-                      <a:prstClr val="white"/>
-                    </a:gs>
-                  </a:gsLst>
-                  <a:lin ang="5400000" scaled="0"/>
-                </a:gradFill>
-                <a:effectLst/>
-                <a:uLnTx/>
-                <a:uFillTx/>
-                <a:latin typeface="Segoe UI Light"/>
-                <a:ea typeface="+mn-ea"/>
-                <a:cs typeface="+mn-cs"/>
-              </a:rPr>
-              <a:t>Demo</a:t>
-            </a:r>
-          </a:p>
-        </p:txBody>
-      </p:sp>
-      <p:pic>
-        <p:nvPicPr>
-          <p:cNvPr id="6" name="Picture 5"/>
-          <p:cNvPicPr>
-            <a:picLocks noChangeAspect="1"/>
-          </p:cNvPicPr>
-          <p:nvPr/>
-        </p:nvPicPr>
-        <p:blipFill>
-          <a:blip r:embed="rId2"/>
-          <a:stretch>
-            <a:fillRect/>
-          </a:stretch>
-        </p:blipFill>
-        <p:spPr>
-          <a:xfrm>
-            <a:off x="0" y="0"/>
-            <a:ext cx="12192000" cy="2858788"/>
-          </a:xfrm>
-          <a:prstGeom prst="rect">
-            <a:avLst/>
-          </a:prstGeom>
-        </p:spPr>
-      </p:pic>
-      <p:sp>
-        <p:nvSpPr>
-          <p:cNvPr id="9" name="TextBox 8"/>
-          <p:cNvSpPr txBox="1"/>
-          <p:nvPr/>
-        </p:nvSpPr>
-        <p:spPr>
-          <a:xfrm>
-            <a:off x="778469" y="1024876"/>
-            <a:ext cx="3740504" cy="1321387"/>
-          </a:xfrm>
-          <a:prstGeom prst="rect">
-            <a:avLst/>
-          </a:prstGeom>
-          <a:noFill/>
-        </p:spPr>
-        <p:txBody>
-          <a:bodyPr wrap="square" lIns="182880" tIns="146304" rIns="182880" bIns="146304" rtlCol="0">
-            <a:spAutoFit/>
-          </a:bodyPr>
-          <a:lstStyle/>
-          <a:p>
-            <a:pPr marL="0" marR="0" lvl="0" indent="0" algn="ctr" defTabSz="914400" rtl="0" eaLnBrk="1" fontAlgn="auto" latinLnBrk="0" hangingPunct="1">
-              <a:lnSpc>
-                <a:spcPts val="4000"/>
-              </a:lnSpc>
-              <a:spcBef>
-                <a:spcPts val="0"/>
-              </a:spcBef>
-              <a:spcAft>
-                <a:spcPts val="0"/>
-              </a:spcAft>
-              <a:buClrTx/>
-              <a:buSzTx/>
-              <a:buFontTx/>
-              <a:buNone/>
-              <a:tabLst/>
-              <a:defRPr/>
-            </a:pPr>
-            <a:r>
-              <a:rPr kumimoji="0" lang="en-US" sz="3600" b="0" i="0" u="none" strike="noStrike" kern="1200" cap="none" spc="0" normalizeH="0" baseline="0" noProof="0" dirty="0">
-                <a:ln>
-                  <a:noFill/>
-                </a:ln>
-                <a:solidFill>
-                  <a:srgbClr val="0070C0"/>
-                </a:solidFill>
-                <a:effectLst/>
-                <a:uLnTx/>
-                <a:uFillTx/>
-                <a:latin typeface="Segoe UI Light"/>
-                <a:ea typeface="+mn-ea"/>
-                <a:cs typeface="+mn-cs"/>
-              </a:rPr>
-              <a:t>Engineer to Engineer</a:t>
-            </a:r>
-          </a:p>
-        </p:txBody>
-      </p:sp>
-      <p:sp>
-        <p:nvSpPr>
-          <p:cNvPr id="10" name="TextBox 9"/>
-          <p:cNvSpPr txBox="1"/>
-          <p:nvPr userDrawn="1"/>
-        </p:nvSpPr>
-        <p:spPr>
-          <a:xfrm>
-            <a:off x="7569411" y="2655027"/>
-            <a:ext cx="4146007" cy="1888209"/>
-          </a:xfrm>
-          <a:prstGeom prst="rect">
-            <a:avLst/>
-          </a:prstGeom>
-          <a:noFill/>
-        </p:spPr>
-        <p:txBody>
-          <a:bodyPr wrap="none" lIns="182880" tIns="146304" rIns="182880" bIns="146304" rtlCol="0">
-            <a:spAutoFit/>
-          </a:bodyPr>
-          <a:lstStyle/>
-          <a:p>
-            <a:pPr>
-              <a:lnSpc>
-                <a:spcPct val="90000"/>
-              </a:lnSpc>
-              <a:spcAft>
-                <a:spcPts val="600"/>
-              </a:spcAft>
-            </a:pPr>
-            <a:r>
-              <a:rPr lang="en-US" sz="11500" dirty="0">
-                <a:gradFill>
-                  <a:gsLst>
-                    <a:gs pos="2917">
-                      <a:schemeClr val="tx1"/>
-                    </a:gs>
-                    <a:gs pos="30000">
-                      <a:schemeClr val="tx1"/>
-                    </a:gs>
-                  </a:gsLst>
-                  <a:lin ang="5400000" scaled="0"/>
-                </a:gradFill>
-                <a:latin typeface="+mj-lt"/>
-              </a:rPr>
-              <a:t>Demo</a:t>
-            </a:r>
-          </a:p>
-        </p:txBody>
-      </p:sp>
-      <p:pic>
-        <p:nvPicPr>
-          <p:cNvPr id="11" name="Picture 10"/>
-          <p:cNvPicPr>
-            <a:picLocks noChangeAspect="1"/>
-          </p:cNvPicPr>
-          <p:nvPr userDrawn="1"/>
-        </p:nvPicPr>
-        <p:blipFill>
-          <a:blip r:embed="rId2"/>
-          <a:stretch>
-            <a:fillRect/>
-          </a:stretch>
-        </p:blipFill>
-        <p:spPr>
-          <a:xfrm>
-            <a:off x="0" y="0"/>
-            <a:ext cx="12192000" cy="2858788"/>
-          </a:xfrm>
-          <a:prstGeom prst="rect">
-            <a:avLst/>
-          </a:prstGeom>
-        </p:spPr>
-      </p:pic>
-      <p:sp>
-        <p:nvSpPr>
-          <p:cNvPr id="12" name="TextBox 11"/>
-          <p:cNvSpPr txBox="1"/>
-          <p:nvPr userDrawn="1"/>
-        </p:nvSpPr>
-        <p:spPr>
-          <a:xfrm>
-            <a:off x="778469" y="1024876"/>
-            <a:ext cx="3740504" cy="1321387"/>
-          </a:xfrm>
-          <a:prstGeom prst="rect">
-            <a:avLst/>
-          </a:prstGeom>
-          <a:noFill/>
-        </p:spPr>
-        <p:txBody>
-          <a:bodyPr wrap="square" lIns="182880" tIns="146304" rIns="182880" bIns="146304" rtlCol="0">
-            <a:spAutoFit/>
-          </a:bodyPr>
-          <a:lstStyle/>
-          <a:p>
-            <a:pPr algn="ctr">
-              <a:lnSpc>
-                <a:spcPts val="4000"/>
-              </a:lnSpc>
-            </a:pPr>
-            <a:r>
-              <a:rPr lang="en-US" sz="3600" dirty="0">
-                <a:solidFill>
-                  <a:srgbClr val="0070C0"/>
-                </a:solidFill>
-                <a:latin typeface="+mj-lt"/>
-              </a:rPr>
-              <a:t>Engineer</a:t>
-            </a:r>
-            <a:r>
-              <a:rPr lang="en-US" sz="3600" baseline="0" dirty="0">
-                <a:solidFill>
-                  <a:srgbClr val="0070C0"/>
-                </a:solidFill>
-                <a:latin typeface="+mj-lt"/>
-              </a:rPr>
-              <a:t> </a:t>
-            </a:r>
-            <a:r>
-              <a:rPr lang="en-US" sz="3600" dirty="0">
-                <a:solidFill>
-                  <a:srgbClr val="0070C0"/>
-                </a:solidFill>
-                <a:latin typeface="+mj-lt"/>
-              </a:rPr>
-              <a:t>to</a:t>
-            </a:r>
-            <a:r>
-              <a:rPr lang="en-US" sz="3600" baseline="0" dirty="0">
-                <a:solidFill>
-                  <a:srgbClr val="0070C0"/>
-                </a:solidFill>
-                <a:latin typeface="+mj-lt"/>
-              </a:rPr>
-              <a:t> </a:t>
-            </a:r>
-            <a:r>
-              <a:rPr lang="en-US" sz="3600" dirty="0">
-                <a:solidFill>
-                  <a:srgbClr val="0070C0"/>
-                </a:solidFill>
-                <a:latin typeface="+mj-lt"/>
-              </a:rPr>
-              <a:t>Engineer</a:t>
-            </a:r>
-          </a:p>
-        </p:txBody>
-      </p:sp>
-    </p:spTree>
-    <p:extLst>
-      <p:ext uri="{BB962C8B-B14F-4D97-AF65-F5344CB8AC3E}">
-        <p14:creationId xmlns:p14="http://schemas.microsoft.com/office/powerpoint/2010/main" val="3786015623"/>
       </p:ext>
     </p:extLst>
   </p:cSld>
@@ -23632,65 +22782,6 @@
           </a:p>
         </p:txBody>
       </p:sp>
-      <p:sp>
-        <p:nvSpPr>
-          <p:cNvPr id="7" name="TextBox 6"/>
-          <p:cNvSpPr txBox="1"/>
-          <p:nvPr/>
-        </p:nvSpPr>
-        <p:spPr>
-          <a:xfrm>
-            <a:off x="5038145" y="6439306"/>
-            <a:ext cx="2114154" cy="442007"/>
-          </a:xfrm>
-          <a:prstGeom prst="rect">
-            <a:avLst/>
-          </a:prstGeom>
-          <a:noFill/>
-        </p:spPr>
-        <p:txBody>
-          <a:bodyPr wrap="none" lIns="179285" tIns="143428" rIns="179285" bIns="143428" rtlCol="0" anchor="ctr">
-            <a:spAutoFit/>
-          </a:bodyPr>
-          <a:lstStyle/>
-          <a:p>
-            <a:pPr marL="0" marR="0" lvl="0" indent="0" algn="ctr" defTabSz="914400" rtl="0" eaLnBrk="1" fontAlgn="auto" latinLnBrk="0" hangingPunct="1">
-              <a:lnSpc>
-                <a:spcPct val="90000"/>
-              </a:lnSpc>
-              <a:spcBef>
-                <a:spcPts val="0"/>
-              </a:spcBef>
-              <a:spcAft>
-                <a:spcPts val="588"/>
-              </a:spcAft>
-              <a:buClrTx/>
-              <a:buSzTx/>
-              <a:buFontTx/>
-              <a:buNone/>
-              <a:tabLst/>
-              <a:defRPr/>
-            </a:pPr>
-            <a:r>
-              <a:rPr kumimoji="0" lang="en-US" sz="1100" b="0" i="0" u="none" strike="noStrike" kern="1200" cap="none" spc="0" normalizeH="0" baseline="0" noProof="0" dirty="0">
-                <a:ln>
-                  <a:noFill/>
-                </a:ln>
-                <a:solidFill>
-                  <a:prstClr val="white"/>
-                </a:solidFill>
-                <a:effectLst/>
-                <a:uLnTx/>
-                <a:uFillTx/>
-                <a:latin typeface="Segoe UI"/>
-                <a:ea typeface="+mn-ea"/>
-                <a:cs typeface="+mn-cs"/>
-              </a:rPr>
-              <a:t>MICROSOFT CONFIDENTIAL</a:t>
-            </a:r>
-          </a:p>
-        </p:txBody>
-      </p:sp>
       <p:pic>
         <p:nvPicPr>
           <p:cNvPr id="8" name="Picture 7"/>
@@ -23700,7 +22791,7 @@
           <p:nvPr/>
         </p:nvPicPr>
         <p:blipFill>
-          <a:blip r:embed="rId21" cstate="screen">
+          <a:blip r:embed="rId17" cstate="screen">
             <a:extLst>
               <a:ext uri="{28A0092B-C50C-407E-A947-70E740481C1C}">
                 <a14:useLocalDpi xmlns:a14="http://schemas.microsoft.com/office/drawing/2010/main" val="0"/>
@@ -23736,19 +22827,15 @@
     <p:sldLayoutId id="2147483708" r:id="rId4"/>
     <p:sldLayoutId id="2147483709" r:id="rId5"/>
     <p:sldLayoutId id="2147483710" r:id="rId6"/>
-    <p:sldLayoutId id="2147483711" r:id="rId7"/>
-    <p:sldLayoutId id="2147483712" r:id="rId8"/>
-    <p:sldLayoutId id="2147483713" r:id="rId9"/>
-    <p:sldLayoutId id="2147483714" r:id="rId10"/>
-    <p:sldLayoutId id="2147483727" r:id="rId11"/>
-    <p:sldLayoutId id="2147483729" r:id="rId12"/>
-    <p:sldLayoutId id="2147483730" r:id="rId13"/>
-    <p:sldLayoutId id="2147483731" r:id="rId14"/>
-    <p:sldLayoutId id="2147483732" r:id="rId15"/>
-    <p:sldLayoutId id="2147483733" r:id="rId16"/>
-    <p:sldLayoutId id="2147483734" r:id="rId17"/>
-    <p:sldLayoutId id="2147483735" r:id="rId18"/>
-    <p:sldLayoutId id="2147483736" r:id="rId19"/>
+    <p:sldLayoutId id="2147483729" r:id="rId7"/>
+    <p:sldLayoutId id="2147483730" r:id="rId8"/>
+    <p:sldLayoutId id="2147483711" r:id="rId9"/>
+    <p:sldLayoutId id="2147483734" r:id="rId10"/>
+    <p:sldLayoutId id="2147483712" r:id="rId11"/>
+    <p:sldLayoutId id="2147483713" r:id="rId12"/>
+    <p:sldLayoutId id="2147483714" r:id="rId13"/>
+    <p:sldLayoutId id="2147483727" r:id="rId14"/>
+    <p:sldLayoutId id="2147483736" r:id="rId15"/>
   </p:sldLayoutIdLst>
   <p:transition>
     <p:fade/>
@@ -52710,6 +51797,15 @@
 </file>
 
 <file path=customXml/item1.xml><?xml version="1.0" encoding="utf-8"?>
+<?mso-contentType ?>
+<FormTemplates xmlns="http://schemas.microsoft.com/sharepoint/v3/contenttype/forms">
+  <Display>DocumentLibraryForm</Display>
+  <Edit>DocumentLibraryForm</Edit>
+  <New>DocumentLibraryForm</New>
+</FormTemplates>
+</file>
+
+<file path=customXml/item2.xml><?xml version="1.0" encoding="utf-8"?>
 <ct:contentTypeSchema xmlns:ct="http://schemas.microsoft.com/office/2006/metadata/contentType" xmlns:ma="http://schemas.microsoft.com/office/2006/metadata/properties/metaAttributes" ct:_="" ma:_="" ma:contentTypeName="Document" ma:contentTypeID="0x010100C08F381963C77D44A6A91469D5845EE5" ma:contentTypeVersion="2" ma:contentTypeDescription="Create a new document." ma:contentTypeScope="" ma:versionID="66290b1f7725e443aa19cdb7b89371b7">
   <xsd:schema xmlns:xsd="http://www.w3.org/2001/XMLSchema" xmlns:xs="http://www.w3.org/2001/XMLSchema" xmlns:p="http://schemas.microsoft.com/office/2006/metadata/properties" xmlns:ns2="c58f79d2-8dd2-43f0-9a03-e1b9f874d667" targetNamespace="http://schemas.microsoft.com/office/2006/metadata/properties" ma:root="true" ma:fieldsID="27a8e9c299bda407fa38b12f0db042eb" ns2:_="">
     <xsd:import namespace="c58f79d2-8dd2-43f0-9a03-e1b9f874d667"/>
@@ -52857,22 +51953,21 @@
 </ct:contentTypeSchema>
 </file>
 
-<file path=customXml/item2.xml><?xml version="1.0" encoding="utf-8"?>
+<file path=customXml/item3.xml><?xml version="1.0" encoding="utf-8"?>
 <p:properties xmlns:p="http://schemas.microsoft.com/office/2006/metadata/properties" xmlns:xsi="http://www.w3.org/2001/XMLSchema-instance" xmlns:pc="http://schemas.microsoft.com/office/infopath/2007/PartnerControls">
   <documentManagement/>
 </p:properties>
 </file>
 
-<file path=customXml/item3.xml><?xml version="1.0" encoding="utf-8"?>
-<?mso-contentType ?>
-<FormTemplates xmlns="http://schemas.microsoft.com/sharepoint/v3/contenttype/forms">
-  <Display>DocumentLibraryForm</Display>
-  <Edit>DocumentLibraryForm</Edit>
-  <New>DocumentLibraryForm</New>
-</FormTemplates>
+<file path=customXml/itemProps1.xml><?xml version="1.0" encoding="utf-8"?>
+<ds:datastoreItem xmlns:ds="http://schemas.openxmlformats.org/officeDocument/2006/customXml" ds:itemID="{D98B8685-CAA3-4A1A-8397-DF9971695697}">
+  <ds:schemaRefs>
+    <ds:schemaRef ds:uri="http://schemas.microsoft.com/sharepoint/v3/contenttype/forms"/>
+  </ds:schemaRefs>
+</ds:datastoreItem>
 </file>
 
-<file path=customXml/itemProps1.xml><?xml version="1.0" encoding="utf-8"?>
+<file path=customXml/itemProps2.xml><?xml version="1.0" encoding="utf-8"?>
 <ds:datastoreItem xmlns:ds="http://schemas.openxmlformats.org/officeDocument/2006/customXml" ds:itemID="{AE30008B-22D1-4C3E-A0BE-5BCAFBE11F82}">
   <ds:schemaRefs>
     <ds:schemaRef ds:uri="http://schemas.microsoft.com/office/2006/metadata/contentType"/>
@@ -52890,7 +51985,7 @@
 </ds:datastoreItem>
 </file>
 
-<file path=customXml/itemProps2.xml><?xml version="1.0" encoding="utf-8"?>
+<file path=customXml/itemProps3.xml><?xml version="1.0" encoding="utf-8"?>
 <ds:datastoreItem xmlns:ds="http://schemas.openxmlformats.org/officeDocument/2006/customXml" ds:itemID="{89254BEE-C2AB-4E68-AA3E-3E2702671367}">
   <ds:schemaRefs>
     <ds:schemaRef ds:uri="http://purl.org/dc/terms/"/>
@@ -52904,12 +51999,4 @@
     <ds:schemaRef ds:uri="http://purl.org/dc/dcmitype/"/>
   </ds:schemaRefs>
 </ds:datastoreItem>
-</file>
-
-<file path=customXml/itemProps3.xml><?xml version="1.0" encoding="utf-8"?>
-<ds:datastoreItem xmlns:ds="http://schemas.openxmlformats.org/officeDocument/2006/customXml" ds:itemID="{D98B8685-CAA3-4A1A-8397-DF9971695697}">
-  <ds:schemaRefs>
-    <ds:schemaRef ds:uri="http://schemas.microsoft.com/sharepoint/v3/contenttype/forms"/>
-  </ds:schemaRefs>
-</ds:datastoreItem>
 </file>
--- a/Designing and Managing Azure Subscriptions.pptx
+++ b/Designing and Managing Azure Subscriptions.pptx
@@ -4158,37 +4158,37 @@
     </dgm:pt>
   </dgm:ptLst>
   <dgm:cxnLst>
+    <dgm:cxn modelId="{1025A1CF-99C2-4AE8-BF6D-BACAE26C31CC}" type="presOf" srcId="{3C7C24DB-8124-4600-8124-82CB97C612DE}" destId="{870B1C01-2E98-4DA0-9D60-E3C620B6847E}" srcOrd="0" destOrd="1" presId="urn:diagrams.loki3.com/BracketList"/>
+    <dgm:cxn modelId="{6FF6D501-62E3-40F5-BB3C-38F777FC14B1}" srcId="{DCE76B8C-5454-45A8-B5E9-423DFD182833}" destId="{3500C572-DD82-4555-ADC2-C4110D6F9389}" srcOrd="0" destOrd="0" parTransId="{E25CBC09-1C1F-4D90-B932-C14146B0320B}" sibTransId="{21282713-A18B-4999-93C4-622D0DA067B1}"/>
+    <dgm:cxn modelId="{CC49C1F6-B80F-4087-911B-96CDE0661CB5}" type="presOf" srcId="{4C481E89-086A-4261-B1F5-09C8E85D0696}" destId="{593322B1-E75B-421B-A055-49C1E6D19777}" srcOrd="0" destOrd="0" presId="urn:diagrams.loki3.com/BracketList"/>
+    <dgm:cxn modelId="{ADFEE7E1-B777-4084-A3FF-6E33305E6ECD}" srcId="{F9A02CB7-7A96-40AB-86C7-04C8CF8EEAAD}" destId="{E2571387-F975-43E2-9DE2-A659C0867851}" srcOrd="0" destOrd="0" parTransId="{3FB9E31A-1A8E-4118-B745-D82295154280}" sibTransId="{6DA5E375-D837-488B-87E0-66A0425E4CFD}"/>
+    <dgm:cxn modelId="{BAEDBC5E-5082-4F1E-BDE5-5F2C956E46C6}" srcId="{4C481E89-086A-4261-B1F5-09C8E85D0696}" destId="{E9CE404D-B099-47FC-9420-86F7267F1588}" srcOrd="0" destOrd="0" parTransId="{4D701FCA-7E99-403B-8E1E-B434B208549C}" sibTransId="{B3E36B45-F682-4C4C-AAD8-8B9402F9F44E}"/>
+    <dgm:cxn modelId="{3B0CFA4A-E8EE-43CA-AC69-FDA57EA198E8}" type="presOf" srcId="{E2571387-F975-43E2-9DE2-A659C0867851}" destId="{1D443035-A535-49B1-9726-960626182737}" srcOrd="0" destOrd="0" presId="urn:diagrams.loki3.com/BracketList"/>
     <dgm:cxn modelId="{52E0EEB8-26DB-4208-9B57-223645D2A730}" srcId="{4C481E89-086A-4261-B1F5-09C8E85D0696}" destId="{8ACC8EE1-4822-412A-96F3-79B1141A9535}" srcOrd="1" destOrd="0" parTransId="{22F78713-DD1C-4F2D-B8B0-32EFBE3DB4A0}" sibTransId="{ADF9F0D8-C8DB-4374-9DF2-90BA5FC622CE}"/>
+    <dgm:cxn modelId="{ABB41559-6349-4AFE-A904-F36D35B5C6FB}" type="presOf" srcId="{13A66C28-B839-41A7-AC98-407323095BE5}" destId="{5F680636-8480-41FD-9846-F5F149D0E5F0}" srcOrd="0" destOrd="1" presId="urn:diagrams.loki3.com/BracketList"/>
+    <dgm:cxn modelId="{402E4C06-C26E-4F51-B9C3-AE683F3B42D9}" type="presOf" srcId="{F9A02CB7-7A96-40AB-86C7-04C8CF8EEAAD}" destId="{A53C0C4F-9D7A-46B1-9C64-1ACCCC9615B2}" srcOrd="0" destOrd="0" presId="urn:diagrams.loki3.com/BracketList"/>
+    <dgm:cxn modelId="{D4E42D5E-C163-4CDE-95CC-9E2B9D9D0650}" type="presOf" srcId="{076B833C-B004-4196-AF88-CFBFF0C777F4}" destId="{39BF825C-954A-4B6A-BC31-26853ADF10B8}" srcOrd="0" destOrd="0" presId="urn:diagrams.loki3.com/BracketList"/>
+    <dgm:cxn modelId="{C10279A9-079D-4ED2-912B-920DB3ECD3AE}" srcId="{481DD059-24EF-4EFD-A631-347D856782B6}" destId="{4C481E89-086A-4261-B1F5-09C8E85D0696}" srcOrd="3" destOrd="0" parTransId="{08D1C900-8BFD-4B4C-A4D8-DD804518155C}" sibTransId="{70A0D149-3CBF-4C52-8C75-D76D85BF3F2D}"/>
+    <dgm:cxn modelId="{F1061146-9BE3-493E-BA75-064656325D88}" srcId="{410A5818-4180-4CC3-AC21-BE0D02F20C2F}" destId="{C88FF542-7C95-4901-99D5-1BA014949587}" srcOrd="2" destOrd="0" parTransId="{FD5D5EA4-FDD6-4F2B-AE58-5C84EA7CB630}" sibTransId="{E164D379-477E-4D2F-9EEC-B3C65BB9F40D}"/>
+    <dgm:cxn modelId="{4F6CD4D4-2CEB-4EEF-98BD-BDCF30861741}" srcId="{481DD059-24EF-4EFD-A631-347D856782B6}" destId="{A7F76270-4ED8-4413-8607-0E71BD2ECC2A}" srcOrd="1" destOrd="0" parTransId="{48C019F4-0F29-486F-A310-88815FA75023}" sibTransId="{C8C10789-B529-4864-9D92-7019C0A20B02}"/>
+    <dgm:cxn modelId="{9CF2E979-5CDD-46F1-9DA8-1DC6233F0C2C}" srcId="{DCE76B8C-5454-45A8-B5E9-423DFD182833}" destId="{3C7C24DB-8124-4600-8124-82CB97C612DE}" srcOrd="1" destOrd="0" parTransId="{6DE15085-69C1-4A66-A1A2-3636F1F7081B}" sibTransId="{ABA8AB70-87E5-4CB4-A544-82577476AF29}"/>
+    <dgm:cxn modelId="{CC1F6E89-56BD-481E-A300-90FAAAF3AB07}" type="presOf" srcId="{E9CE404D-B099-47FC-9420-86F7267F1588}" destId="{2AC01722-AA7D-485A-8866-A853BC632BAC}" srcOrd="0" destOrd="0" presId="urn:diagrams.loki3.com/BracketList"/>
+    <dgm:cxn modelId="{A0A4147D-08C2-45A5-A761-2D0A154B2A18}" srcId="{481DD059-24EF-4EFD-A631-347D856782B6}" destId="{410A5818-4180-4CC3-AC21-BE0D02F20C2F}" srcOrd="0" destOrd="0" parTransId="{25FA0ADF-EF88-4993-A4C2-37EBA1533B48}" sibTransId="{30E01269-978F-4FC4-BA75-2789D8A8C5CB}"/>
+    <dgm:cxn modelId="{ED5918BB-0C91-48A0-BEFD-8A81085B2687}" type="presOf" srcId="{8ACC8EE1-4822-412A-96F3-79B1141A9535}" destId="{2AC01722-AA7D-485A-8866-A853BC632BAC}" srcOrd="0" destOrd="1" presId="urn:diagrams.loki3.com/BracketList"/>
+    <dgm:cxn modelId="{D71F4B9D-7A38-4091-ACCB-59EAEBCF3BFB}" type="presOf" srcId="{81EDAD43-6119-4F49-A5B4-C3045A7E6F51}" destId="{5F680636-8480-41FD-9846-F5F149D0E5F0}" srcOrd="0" destOrd="0" presId="urn:diagrams.loki3.com/BracketList"/>
+    <dgm:cxn modelId="{8B39D5BB-2526-4648-987A-3B86E0CF51B8}" type="presOf" srcId="{F055A1C1-F591-4B35-90F0-83E17AF505EE}" destId="{1D443035-A535-49B1-9726-960626182737}" srcOrd="0" destOrd="1" presId="urn:diagrams.loki3.com/BracketList"/>
+    <dgm:cxn modelId="{553C01D7-0F4B-4C79-A780-DD33D9DC6AF9}" type="presOf" srcId="{410A5818-4180-4CC3-AC21-BE0D02F20C2F}" destId="{3708892D-6F80-4055-9694-97DB0F312074}" srcOrd="0" destOrd="0" presId="urn:diagrams.loki3.com/BracketList"/>
+    <dgm:cxn modelId="{3A634BBC-E8BC-4841-8AD2-D5CE6E41801C}" type="presOf" srcId="{3500C572-DD82-4555-ADC2-C4110D6F9389}" destId="{870B1C01-2E98-4DA0-9D60-E3C620B6847E}" srcOrd="0" destOrd="0" presId="urn:diagrams.loki3.com/BracketList"/>
+    <dgm:cxn modelId="{74003FC1-8E34-4AD0-AC00-E17581463D9A}" type="presOf" srcId="{C88FF542-7C95-4901-99D5-1BA014949587}" destId="{5F680636-8480-41FD-9846-F5F149D0E5F0}" srcOrd="0" destOrd="2" presId="urn:diagrams.loki3.com/BracketList"/>
+    <dgm:cxn modelId="{32FB1AF6-84C6-47D8-B6E4-3718A3BBB25F}" type="presOf" srcId="{481DD059-24EF-4EFD-A631-347D856782B6}" destId="{425AC90C-0D8E-4A92-B494-300B64EB8BB8}" srcOrd="0" destOrd="0" presId="urn:diagrams.loki3.com/BracketList"/>
+    <dgm:cxn modelId="{EA2834F1-5189-4336-9692-02E2EAAA2D0F}" srcId="{410A5818-4180-4CC3-AC21-BE0D02F20C2F}" destId="{81EDAD43-6119-4F49-A5B4-C3045A7E6F51}" srcOrd="0" destOrd="0" parTransId="{C78368E8-773C-4FBC-821F-8064910A590F}" sibTransId="{C9B59B6A-C596-4719-B813-04C21CCC1B05}"/>
+    <dgm:cxn modelId="{02D7A7CE-DC1F-4BDA-A682-FC3A2037DEB0}" srcId="{481DD059-24EF-4EFD-A631-347D856782B6}" destId="{F9A02CB7-7A96-40AB-86C7-04C8CF8EEAAD}" srcOrd="2" destOrd="0" parTransId="{467F7C1B-A2DC-4D1D-BCA7-757899BBBDEC}" sibTransId="{D0FCB80B-20D1-4313-A78D-427AEBAB6C2A}"/>
+    <dgm:cxn modelId="{64FDA830-C84E-4417-BEC6-F7A63C77FA63}" srcId="{481DD059-24EF-4EFD-A631-347D856782B6}" destId="{DCE76B8C-5454-45A8-B5E9-423DFD182833}" srcOrd="4" destOrd="0" parTransId="{7AE3AC02-5660-41B0-A1E6-00B34D26718D}" sibTransId="{328EADF8-015B-4971-9525-3D692A2B6419}"/>
+    <dgm:cxn modelId="{93035B24-2630-49C3-BAB5-66F9DC21C81E}" srcId="{A7F76270-4ED8-4413-8607-0E71BD2ECC2A}" destId="{076B833C-B004-4196-AF88-CFBFF0C777F4}" srcOrd="0" destOrd="0" parTransId="{3DAD5F22-920C-49A6-8AE1-4E0382C0BC96}" sibTransId="{9B5A92BF-DF4B-4B61-ADEA-12086AA4BA32}"/>
+    <dgm:cxn modelId="{3371A37B-27F2-43D2-BE02-D26CF466EA6C}" type="presOf" srcId="{A7F76270-4ED8-4413-8607-0E71BD2ECC2A}" destId="{E6C2D637-0766-4A70-B6DA-6023FDA31FA4}" srcOrd="0" destOrd="0" presId="urn:diagrams.loki3.com/BracketList"/>
+    <dgm:cxn modelId="{BAB1D992-B570-4E0F-9449-4507C5440CC9}" srcId="{F9A02CB7-7A96-40AB-86C7-04C8CF8EEAAD}" destId="{F055A1C1-F591-4B35-90F0-83E17AF505EE}" srcOrd="1" destOrd="0" parTransId="{233BCC7B-A835-49D8-B5A0-521C49D524A5}" sibTransId="{059DC4CD-0DE4-4776-87B6-D6CC9432D4A3}"/>
     <dgm:cxn modelId="{44F90F38-61F5-4441-8595-9E95D0A520DA}" type="presOf" srcId="{DCE76B8C-5454-45A8-B5E9-423DFD182833}" destId="{C4EC7EEE-E4F2-411A-A90E-82D177E5DAAD}" srcOrd="0" destOrd="0" presId="urn:diagrams.loki3.com/BracketList"/>
-    <dgm:cxn modelId="{02D7A7CE-DC1F-4BDA-A682-FC3A2037DEB0}" srcId="{481DD059-24EF-4EFD-A631-347D856782B6}" destId="{F9A02CB7-7A96-40AB-86C7-04C8CF8EEAAD}" srcOrd="2" destOrd="0" parTransId="{467F7C1B-A2DC-4D1D-BCA7-757899BBBDEC}" sibTransId="{D0FCB80B-20D1-4313-A78D-427AEBAB6C2A}"/>
-    <dgm:cxn modelId="{74003FC1-8E34-4AD0-AC00-E17581463D9A}" type="presOf" srcId="{C88FF542-7C95-4901-99D5-1BA014949587}" destId="{5F680636-8480-41FD-9846-F5F149D0E5F0}" srcOrd="0" destOrd="2" presId="urn:diagrams.loki3.com/BracketList"/>
-    <dgm:cxn modelId="{CC1F6E89-56BD-481E-A300-90FAAAF3AB07}" type="presOf" srcId="{E9CE404D-B099-47FC-9420-86F7267F1588}" destId="{2AC01722-AA7D-485A-8866-A853BC632BAC}" srcOrd="0" destOrd="0" presId="urn:diagrams.loki3.com/BracketList"/>
-    <dgm:cxn modelId="{1025A1CF-99C2-4AE8-BF6D-BACAE26C31CC}" type="presOf" srcId="{3C7C24DB-8124-4600-8124-82CB97C612DE}" destId="{870B1C01-2E98-4DA0-9D60-E3C620B6847E}" srcOrd="0" destOrd="1" presId="urn:diagrams.loki3.com/BracketList"/>
-    <dgm:cxn modelId="{BAEDBC5E-5082-4F1E-BDE5-5F2C956E46C6}" srcId="{4C481E89-086A-4261-B1F5-09C8E85D0696}" destId="{E9CE404D-B099-47FC-9420-86F7267F1588}" srcOrd="0" destOrd="0" parTransId="{4D701FCA-7E99-403B-8E1E-B434B208549C}" sibTransId="{B3E36B45-F682-4C4C-AAD8-8B9402F9F44E}"/>
-    <dgm:cxn modelId="{C10279A9-079D-4ED2-912B-920DB3ECD3AE}" srcId="{481DD059-24EF-4EFD-A631-347D856782B6}" destId="{4C481E89-086A-4261-B1F5-09C8E85D0696}" srcOrd="3" destOrd="0" parTransId="{08D1C900-8BFD-4B4C-A4D8-DD804518155C}" sibTransId="{70A0D149-3CBF-4C52-8C75-D76D85BF3F2D}"/>
-    <dgm:cxn modelId="{EA2834F1-5189-4336-9692-02E2EAAA2D0F}" srcId="{410A5818-4180-4CC3-AC21-BE0D02F20C2F}" destId="{81EDAD43-6119-4F49-A5B4-C3045A7E6F51}" srcOrd="0" destOrd="0" parTransId="{C78368E8-773C-4FBC-821F-8064910A590F}" sibTransId="{C9B59B6A-C596-4719-B813-04C21CCC1B05}"/>
-    <dgm:cxn modelId="{8B39D5BB-2526-4648-987A-3B86E0CF51B8}" type="presOf" srcId="{F055A1C1-F591-4B35-90F0-83E17AF505EE}" destId="{1D443035-A535-49B1-9726-960626182737}" srcOrd="0" destOrd="1" presId="urn:diagrams.loki3.com/BracketList"/>
-    <dgm:cxn modelId="{32FB1AF6-84C6-47D8-B6E4-3718A3BBB25F}" type="presOf" srcId="{481DD059-24EF-4EFD-A631-347D856782B6}" destId="{425AC90C-0D8E-4A92-B494-300B64EB8BB8}" srcOrd="0" destOrd="0" presId="urn:diagrams.loki3.com/BracketList"/>
-    <dgm:cxn modelId="{3B0CFA4A-E8EE-43CA-AC69-FDA57EA198E8}" type="presOf" srcId="{E2571387-F975-43E2-9DE2-A659C0867851}" destId="{1D443035-A535-49B1-9726-960626182737}" srcOrd="0" destOrd="0" presId="urn:diagrams.loki3.com/BracketList"/>
-    <dgm:cxn modelId="{3A634BBC-E8BC-4841-8AD2-D5CE6E41801C}" type="presOf" srcId="{3500C572-DD82-4555-ADC2-C4110D6F9389}" destId="{870B1C01-2E98-4DA0-9D60-E3C620B6847E}" srcOrd="0" destOrd="0" presId="urn:diagrams.loki3.com/BracketList"/>
-    <dgm:cxn modelId="{A0A4147D-08C2-45A5-A761-2D0A154B2A18}" srcId="{481DD059-24EF-4EFD-A631-347D856782B6}" destId="{410A5818-4180-4CC3-AC21-BE0D02F20C2F}" srcOrd="0" destOrd="0" parTransId="{25FA0ADF-EF88-4993-A4C2-37EBA1533B48}" sibTransId="{30E01269-978F-4FC4-BA75-2789D8A8C5CB}"/>
     <dgm:cxn modelId="{51AC3403-1085-4D1C-B9E6-BA6AC82B83D5}" srcId="{410A5818-4180-4CC3-AC21-BE0D02F20C2F}" destId="{13A66C28-B839-41A7-AC98-407323095BE5}" srcOrd="1" destOrd="0" parTransId="{6DC6EA28-79D1-4777-80A6-D629BAD7F7D8}" sibTransId="{2EED67B7-7E1B-4902-B8AA-A382A6799ABF}"/>
-    <dgm:cxn modelId="{BAB1D992-B570-4E0F-9449-4507C5440CC9}" srcId="{F9A02CB7-7A96-40AB-86C7-04C8CF8EEAAD}" destId="{F055A1C1-F591-4B35-90F0-83E17AF505EE}" srcOrd="1" destOrd="0" parTransId="{233BCC7B-A835-49D8-B5A0-521C49D524A5}" sibTransId="{059DC4CD-0DE4-4776-87B6-D6CC9432D4A3}"/>
-    <dgm:cxn modelId="{CC49C1F6-B80F-4087-911B-96CDE0661CB5}" type="presOf" srcId="{4C481E89-086A-4261-B1F5-09C8E85D0696}" destId="{593322B1-E75B-421B-A055-49C1E6D19777}" srcOrd="0" destOrd="0" presId="urn:diagrams.loki3.com/BracketList"/>
-    <dgm:cxn modelId="{6FF6D501-62E3-40F5-BB3C-38F777FC14B1}" srcId="{DCE76B8C-5454-45A8-B5E9-423DFD182833}" destId="{3500C572-DD82-4555-ADC2-C4110D6F9389}" srcOrd="0" destOrd="0" parTransId="{E25CBC09-1C1F-4D90-B932-C14146B0320B}" sibTransId="{21282713-A18B-4999-93C4-622D0DA067B1}"/>
-    <dgm:cxn modelId="{553C01D7-0F4B-4C79-A780-DD33D9DC6AF9}" type="presOf" srcId="{410A5818-4180-4CC3-AC21-BE0D02F20C2F}" destId="{3708892D-6F80-4055-9694-97DB0F312074}" srcOrd="0" destOrd="0" presId="urn:diagrams.loki3.com/BracketList"/>
-    <dgm:cxn modelId="{9CF2E979-5CDD-46F1-9DA8-1DC6233F0C2C}" srcId="{DCE76B8C-5454-45A8-B5E9-423DFD182833}" destId="{3C7C24DB-8124-4600-8124-82CB97C612DE}" srcOrd="1" destOrd="0" parTransId="{6DE15085-69C1-4A66-A1A2-3636F1F7081B}" sibTransId="{ABA8AB70-87E5-4CB4-A544-82577476AF29}"/>
-    <dgm:cxn modelId="{ABB41559-6349-4AFE-A904-F36D35B5C6FB}" type="presOf" srcId="{13A66C28-B839-41A7-AC98-407323095BE5}" destId="{5F680636-8480-41FD-9846-F5F149D0E5F0}" srcOrd="0" destOrd="1" presId="urn:diagrams.loki3.com/BracketList"/>
-    <dgm:cxn modelId="{ED5918BB-0C91-48A0-BEFD-8A81085B2687}" type="presOf" srcId="{8ACC8EE1-4822-412A-96F3-79B1141A9535}" destId="{2AC01722-AA7D-485A-8866-A853BC632BAC}" srcOrd="0" destOrd="1" presId="urn:diagrams.loki3.com/BracketList"/>
-    <dgm:cxn modelId="{4F6CD4D4-2CEB-4EEF-98BD-BDCF30861741}" srcId="{481DD059-24EF-4EFD-A631-347D856782B6}" destId="{A7F76270-4ED8-4413-8607-0E71BD2ECC2A}" srcOrd="1" destOrd="0" parTransId="{48C019F4-0F29-486F-A310-88815FA75023}" sibTransId="{C8C10789-B529-4864-9D92-7019C0A20B02}"/>
-    <dgm:cxn modelId="{D71F4B9D-7A38-4091-ACCB-59EAEBCF3BFB}" type="presOf" srcId="{81EDAD43-6119-4F49-A5B4-C3045A7E6F51}" destId="{5F680636-8480-41FD-9846-F5F149D0E5F0}" srcOrd="0" destOrd="0" presId="urn:diagrams.loki3.com/BracketList"/>
-    <dgm:cxn modelId="{F1061146-9BE3-493E-BA75-064656325D88}" srcId="{410A5818-4180-4CC3-AC21-BE0D02F20C2F}" destId="{C88FF542-7C95-4901-99D5-1BA014949587}" srcOrd="2" destOrd="0" parTransId="{FD5D5EA4-FDD6-4F2B-AE58-5C84EA7CB630}" sibTransId="{E164D379-477E-4D2F-9EEC-B3C65BB9F40D}"/>
-    <dgm:cxn modelId="{93035B24-2630-49C3-BAB5-66F9DC21C81E}" srcId="{A7F76270-4ED8-4413-8607-0E71BD2ECC2A}" destId="{076B833C-B004-4196-AF88-CFBFF0C777F4}" srcOrd="0" destOrd="0" parTransId="{3DAD5F22-920C-49A6-8AE1-4E0382C0BC96}" sibTransId="{9B5A92BF-DF4B-4B61-ADEA-12086AA4BA32}"/>
-    <dgm:cxn modelId="{402E4C06-C26E-4F51-B9C3-AE683F3B42D9}" type="presOf" srcId="{F9A02CB7-7A96-40AB-86C7-04C8CF8EEAAD}" destId="{A53C0C4F-9D7A-46B1-9C64-1ACCCC9615B2}" srcOrd="0" destOrd="0" presId="urn:diagrams.loki3.com/BracketList"/>
-    <dgm:cxn modelId="{ADFEE7E1-B777-4084-A3FF-6E33305E6ECD}" srcId="{F9A02CB7-7A96-40AB-86C7-04C8CF8EEAAD}" destId="{E2571387-F975-43E2-9DE2-A659C0867851}" srcOrd="0" destOrd="0" parTransId="{3FB9E31A-1A8E-4118-B745-D82295154280}" sibTransId="{6DA5E375-D837-488B-87E0-66A0425E4CFD}"/>
-    <dgm:cxn modelId="{D4E42D5E-C163-4CDE-95CC-9E2B9D9D0650}" type="presOf" srcId="{076B833C-B004-4196-AF88-CFBFF0C777F4}" destId="{39BF825C-954A-4B6A-BC31-26853ADF10B8}" srcOrd="0" destOrd="0" presId="urn:diagrams.loki3.com/BracketList"/>
-    <dgm:cxn modelId="{64FDA830-C84E-4417-BEC6-F7A63C77FA63}" srcId="{481DD059-24EF-4EFD-A631-347D856782B6}" destId="{DCE76B8C-5454-45A8-B5E9-423DFD182833}" srcOrd="4" destOrd="0" parTransId="{7AE3AC02-5660-41B0-A1E6-00B34D26718D}" sibTransId="{328EADF8-015B-4971-9525-3D692A2B6419}"/>
-    <dgm:cxn modelId="{3371A37B-27F2-43D2-BE02-D26CF466EA6C}" type="presOf" srcId="{A7F76270-4ED8-4413-8607-0E71BD2ECC2A}" destId="{E6C2D637-0766-4A70-B6DA-6023FDA31FA4}" srcOrd="0" destOrd="0" presId="urn:diagrams.loki3.com/BracketList"/>
     <dgm:cxn modelId="{94E3828D-7C68-4A23-9EF1-AB310CA09EDE}" type="presParOf" srcId="{425AC90C-0D8E-4A92-B494-300B64EB8BB8}" destId="{2F4AD4DB-2DCC-46B8-95CA-DF8B36208F68}" srcOrd="0" destOrd="0" presId="urn:diagrams.loki3.com/BracketList"/>
     <dgm:cxn modelId="{5B44750A-F35B-4BC2-A599-A47F8F19670C}" type="presParOf" srcId="{2F4AD4DB-2DCC-46B8-95CA-DF8B36208F68}" destId="{3708892D-6F80-4055-9694-97DB0F312074}" srcOrd="0" destOrd="0" presId="urn:diagrams.loki3.com/BracketList"/>
     <dgm:cxn modelId="{231FA3C6-D5D6-40D7-BDD4-399215C833B9}" type="presParOf" srcId="{2F4AD4DB-2DCC-46B8-95CA-DF8B36208F68}" destId="{D5C5E418-8E8C-44CA-8046-C66B80EF4C7D}" srcOrd="1" destOrd="0" presId="urn:diagrams.loki3.com/BracketList"/>
@@ -4904,39 +4904,39 @@
     </dgm:pt>
   </dgm:ptLst>
   <dgm:cxnLst>
-    <dgm:cxn modelId="{58B0588E-6BFA-41C6-AAC3-AD1EE63F1DF7}" srcId="{4D99B075-5B8D-41F0-B463-2391E4DAF5BD}" destId="{1ED607FF-3661-425A-AF4F-60A73BEB2917}" srcOrd="1" destOrd="0" parTransId="{6A97A7A7-2E1B-4B7D-8B28-3C6A62AE2A0F}" sibTransId="{AD29A381-936A-49C0-8401-9FAD2DC7DF61}"/>
-    <dgm:cxn modelId="{BB8F22F7-D8B3-49A0-80DD-37EFEAF14379}" type="presOf" srcId="{B62F930F-0EB8-4AF6-BDBD-A3BB9B2D50F0}" destId="{F4A56BDE-BD38-478E-8D2B-7EA702532799}" srcOrd="0" destOrd="1" presId="urn:microsoft.com/office/officeart/2005/8/layout/hList1"/>
-    <dgm:cxn modelId="{FEC3A669-C5E7-4732-BF61-BF3F1D15BBEA}" srcId="{8E311BFE-FEA8-40AA-94AA-C531718B3C19}" destId="{07E516CC-E9E1-4692-A8CB-F52FBA9C761A}" srcOrd="0" destOrd="0" parTransId="{85D438C4-9C01-419B-8D65-B0114E3438BC}" sibTransId="{45C1FDB9-0E70-4932-848D-C5F2983BCF7A}"/>
-    <dgm:cxn modelId="{C12E7C47-BD92-442A-9FCF-BB2DA309ADE2}" srcId="{8E311BFE-FEA8-40AA-94AA-C531718B3C19}" destId="{9FF610F0-8163-4E50-845C-D03669A1C672}" srcOrd="2" destOrd="0" parTransId="{AB59D3B1-DC7B-4B8F-B38E-5A19B6B9515E}" sibTransId="{EE4766AD-C96B-430C-9E65-FB437C5EBE8A}"/>
-    <dgm:cxn modelId="{BC313005-6D08-4455-BB47-39907BB03881}" srcId="{1CEDE794-719B-4E58-80F7-48946D6F4C39}" destId="{47FB3728-AA32-4818-9AF0-0E3769526CA9}" srcOrd="7" destOrd="0" parTransId="{6AD6215E-47D8-4FFF-A4C2-9E91C60029A0}" sibTransId="{A8CFC310-3273-4CFC-90A8-B6F6DC85158E}"/>
-    <dgm:cxn modelId="{EA008D61-617C-4D4B-860F-B6A3F4136286}" srcId="{1CEDE794-719B-4E58-80F7-48946D6F4C39}" destId="{B04F25B9-E07B-4DB5-8E65-DE78A8B468CE}" srcOrd="1" destOrd="0" parTransId="{27B7B590-88F9-413B-840F-C670DF8F88FD}" sibTransId="{E44F76D6-6930-4A58-8B13-114643E19C2A}"/>
-    <dgm:cxn modelId="{1C3449AC-A28D-4F0D-ADFC-40DA9F8A2E54}" type="presOf" srcId="{7C9FE737-C85F-44D1-95F4-73F1A915E28F}" destId="{EA3CD924-AA8D-4D40-801C-2CE03896AA08}" srcOrd="0" destOrd="2" presId="urn:microsoft.com/office/officeart/2005/8/layout/hList1"/>
-    <dgm:cxn modelId="{8B4B8FEC-3F34-49A7-9B98-21C56333C94B}" srcId="{1CEDE794-719B-4E58-80F7-48946D6F4C39}" destId="{F3EC264E-870D-488D-88C1-CFC5E4C109AE}" srcOrd="6" destOrd="0" parTransId="{DF7564D6-E85F-4611-9CAA-3658A84D7A0F}" sibTransId="{863491DB-1946-42D7-8EF6-2CCB6DFAB983}"/>
+    <dgm:cxn modelId="{3B2A66A0-2D32-4255-8674-A9DD6D831E19}" srcId="{4D99B075-5B8D-41F0-B463-2391E4DAF5BD}" destId="{1CEDE794-719B-4E58-80F7-48946D6F4C39}" srcOrd="0" destOrd="0" parTransId="{E6B2A04F-1FBB-4F0E-8D11-C76E4E967A46}" sibTransId="{714E514D-C7F4-490F-87EC-E3771695FDF5}"/>
+    <dgm:cxn modelId="{0AAA31D9-55CA-4D86-80FA-50427296F34E}" srcId="{1CEDE794-719B-4E58-80F7-48946D6F4C39}" destId="{790DA81C-827F-49F3-B484-93867AA16FBF}" srcOrd="5" destOrd="0" parTransId="{BC59E756-AA71-4521-AE07-8DADE9EDFDB5}" sibTransId="{21717FCD-31BF-4820-9663-2B70FB1808B0}"/>
     <dgm:cxn modelId="{8F3098E5-1678-4DA5-9A9C-78B3D0E0B0F8}" srcId="{1CEDE794-719B-4E58-80F7-48946D6F4C39}" destId="{815CA2D0-9F97-4AE0-B7DC-D7A26339BD12}" srcOrd="3" destOrd="0" parTransId="{5559E3AE-085A-40DF-A72F-64B167C2A21C}" sibTransId="{79D0E9CB-B192-40E8-99A8-5B66A3B55E22}"/>
-    <dgm:cxn modelId="{437A6FC3-D84C-40A2-A019-B9F212B0774B}" srcId="{1CEDE794-719B-4E58-80F7-48946D6F4C39}" destId="{C47E1CBB-7813-44F4-B3D8-17FA20E63B3F}" srcOrd="0" destOrd="0" parTransId="{EA9BB675-0845-4246-A6FC-C09C9340CDB2}" sibTransId="{D825F73A-BC15-4801-B277-CE084C864DD4}"/>
-    <dgm:cxn modelId="{12A91E2E-7633-4DB0-884C-9AC7796A22DE}" srcId="{4D99B075-5B8D-41F0-B463-2391E4DAF5BD}" destId="{8E311BFE-FEA8-40AA-94AA-C531718B3C19}" srcOrd="2" destOrd="0" parTransId="{BEE7A90B-3BA5-489E-B4A6-38893BCD316A}" sibTransId="{5AA8B9C9-042C-4A12-9907-69FA09412143}"/>
-    <dgm:cxn modelId="{987D84AC-1995-46C2-AB6D-70C7D1C6D0E8}" type="presOf" srcId="{4D99B075-5B8D-41F0-B463-2391E4DAF5BD}" destId="{6853CB78-8BDB-4B63-81EA-4F520D881C0F}" srcOrd="0" destOrd="0" presId="urn:microsoft.com/office/officeart/2005/8/layout/hList1"/>
-    <dgm:cxn modelId="{B2EE5084-3141-4094-8FF7-7C550013DA43}" type="presOf" srcId="{F3EC264E-870D-488D-88C1-CFC5E4C109AE}" destId="{EA3CD924-AA8D-4D40-801C-2CE03896AA08}" srcOrd="0" destOrd="6" presId="urn:microsoft.com/office/officeart/2005/8/layout/hList1"/>
-    <dgm:cxn modelId="{B66EE2A1-2E3E-4E05-BF33-59B39762F6B8}" type="presOf" srcId="{9FF610F0-8163-4E50-845C-D03669A1C672}" destId="{F4A56BDE-BD38-478E-8D2B-7EA702532799}" srcOrd="0" destOrd="2" presId="urn:microsoft.com/office/officeart/2005/8/layout/hList1"/>
-    <dgm:cxn modelId="{CC191964-0BBD-4F2E-B393-AA1E82A2AC99}" type="presOf" srcId="{DB766A19-E0AE-49E9-84FD-3C5ACA46A5AD}" destId="{39243CDD-24B6-43FE-91F8-C6FA1DF5F73B}" srcOrd="0" destOrd="1" presId="urn:microsoft.com/office/officeart/2005/8/layout/hList1"/>
-    <dgm:cxn modelId="{486C4677-DBC2-4883-8193-AB2528E35C78}" type="presOf" srcId="{815CA2D0-9F97-4AE0-B7DC-D7A26339BD12}" destId="{EA3CD924-AA8D-4D40-801C-2CE03896AA08}" srcOrd="0" destOrd="3" presId="urn:microsoft.com/office/officeart/2005/8/layout/hList1"/>
-    <dgm:cxn modelId="{4A96B0CE-25AC-4674-A4E3-167B3BAA1E0D}" type="presOf" srcId="{790DA81C-827F-49F3-B484-93867AA16FBF}" destId="{EA3CD924-AA8D-4D40-801C-2CE03896AA08}" srcOrd="0" destOrd="5" presId="urn:microsoft.com/office/officeart/2005/8/layout/hList1"/>
-    <dgm:cxn modelId="{E2D07DED-C8F4-43C4-91B2-CF06C8709043}" srcId="{1ED607FF-3661-425A-AF4F-60A73BEB2917}" destId="{CB9FB6F4-C873-40AE-93FD-447C34F4F608}" srcOrd="0" destOrd="0" parTransId="{A1133099-BA20-41F6-BF63-B27632B83B87}" sibTransId="{DA3A5BAC-2761-4922-A3F8-8071B2C32422}"/>
-    <dgm:cxn modelId="{7EBEEDD6-24B4-425A-A947-B4EA5AA2CB79}" type="presOf" srcId="{47FB3728-AA32-4818-9AF0-0E3769526CA9}" destId="{EA3CD924-AA8D-4D40-801C-2CE03896AA08}" srcOrd="0" destOrd="7" presId="urn:microsoft.com/office/officeart/2005/8/layout/hList1"/>
-    <dgm:cxn modelId="{C311A6C2-6F77-4DD7-AFFA-44A57AA556FE}" srcId="{8E311BFE-FEA8-40AA-94AA-C531718B3C19}" destId="{B62F930F-0EB8-4AF6-BDBD-A3BB9B2D50F0}" srcOrd="1" destOrd="0" parTransId="{9B4C9B65-9AB5-422A-8435-CE4A9D2F329C}" sibTransId="{1DACF60F-8840-40E2-95A2-10739A847260}"/>
-    <dgm:cxn modelId="{99BFCDB6-6749-4F06-8672-60F0BD61F889}" type="presOf" srcId="{6CA302D5-E71C-4B07-A956-A87A48FBE11E}" destId="{EA3CD924-AA8D-4D40-801C-2CE03896AA08}" srcOrd="0" destOrd="4" presId="urn:microsoft.com/office/officeart/2005/8/layout/hList1"/>
-    <dgm:cxn modelId="{6D0E1069-EC92-4D92-998B-B464A2A61462}" type="presOf" srcId="{CB9FB6F4-C873-40AE-93FD-447C34F4F608}" destId="{39243CDD-24B6-43FE-91F8-C6FA1DF5F73B}" srcOrd="0" destOrd="0" presId="urn:microsoft.com/office/officeart/2005/8/layout/hList1"/>
-    <dgm:cxn modelId="{1124A44A-0CC2-41D4-A995-FE5FCFD5D238}" srcId="{1CEDE794-719B-4E58-80F7-48946D6F4C39}" destId="{7C9FE737-C85F-44D1-95F4-73F1A915E28F}" srcOrd="2" destOrd="0" parTransId="{CFCB3D5D-58E7-4444-AB17-ACD046B9494F}" sibTransId="{4902581D-0D57-407A-A2E6-2A5B546BE130}"/>
-    <dgm:cxn modelId="{3B2A66A0-2D32-4255-8674-A9DD6D831E19}" srcId="{4D99B075-5B8D-41F0-B463-2391E4DAF5BD}" destId="{1CEDE794-719B-4E58-80F7-48946D6F4C39}" srcOrd="0" destOrd="0" parTransId="{E6B2A04F-1FBB-4F0E-8D11-C76E4E967A46}" sibTransId="{714E514D-C7F4-490F-87EC-E3771695FDF5}"/>
     <dgm:cxn modelId="{1CAD3395-6965-4892-B5E2-A84760532C60}" srcId="{1ED607FF-3661-425A-AF4F-60A73BEB2917}" destId="{DB766A19-E0AE-49E9-84FD-3C5ACA46A5AD}" srcOrd="1" destOrd="0" parTransId="{E5813D5C-5983-4B83-A28D-6480A253EFD1}" sibTransId="{CAC688FD-8C2E-43F5-8E33-FB2064EE5751}"/>
     <dgm:cxn modelId="{358D56CD-180C-42C0-81C8-EAE9FD7DEFCC}" type="presOf" srcId="{8E311BFE-FEA8-40AA-94AA-C531718B3C19}" destId="{0A2A7896-0AED-4118-8FE5-55798E312CE8}" srcOrd="0" destOrd="0" presId="urn:microsoft.com/office/officeart/2005/8/layout/hList1"/>
+    <dgm:cxn modelId="{CC191964-0BBD-4F2E-B393-AA1E82A2AC99}" type="presOf" srcId="{DB766A19-E0AE-49E9-84FD-3C5ACA46A5AD}" destId="{39243CDD-24B6-43FE-91F8-C6FA1DF5F73B}" srcOrd="0" destOrd="1" presId="urn:microsoft.com/office/officeart/2005/8/layout/hList1"/>
+    <dgm:cxn modelId="{C311A6C2-6F77-4DD7-AFFA-44A57AA556FE}" srcId="{8E311BFE-FEA8-40AA-94AA-C531718B3C19}" destId="{B62F930F-0EB8-4AF6-BDBD-A3BB9B2D50F0}" srcOrd="1" destOrd="0" parTransId="{9B4C9B65-9AB5-422A-8435-CE4A9D2F329C}" sibTransId="{1DACF60F-8840-40E2-95A2-10739A847260}"/>
+    <dgm:cxn modelId="{4A96B0CE-25AC-4674-A4E3-167B3BAA1E0D}" type="presOf" srcId="{790DA81C-827F-49F3-B484-93867AA16FBF}" destId="{EA3CD924-AA8D-4D40-801C-2CE03896AA08}" srcOrd="0" destOrd="5" presId="urn:microsoft.com/office/officeart/2005/8/layout/hList1"/>
     <dgm:cxn modelId="{019A10A4-C311-449E-98E0-6610C9C23FC7}" type="presOf" srcId="{07E516CC-E9E1-4692-A8CB-F52FBA9C761A}" destId="{F4A56BDE-BD38-478E-8D2B-7EA702532799}" srcOrd="0" destOrd="0" presId="urn:microsoft.com/office/officeart/2005/8/layout/hList1"/>
+    <dgm:cxn modelId="{CAEB2122-24C6-4C04-9B66-BE264E9F76F8}" type="presOf" srcId="{B04F25B9-E07B-4DB5-8E65-DE78A8B468CE}" destId="{EA3CD924-AA8D-4D40-801C-2CE03896AA08}" srcOrd="0" destOrd="1" presId="urn:microsoft.com/office/officeart/2005/8/layout/hList1"/>
+    <dgm:cxn modelId="{E2D07DED-C8F4-43C4-91B2-CF06C8709043}" srcId="{1ED607FF-3661-425A-AF4F-60A73BEB2917}" destId="{CB9FB6F4-C873-40AE-93FD-447C34F4F608}" srcOrd="0" destOrd="0" parTransId="{A1133099-BA20-41F6-BF63-B27632B83B87}" sibTransId="{DA3A5BAC-2761-4922-A3F8-8071B2C32422}"/>
+    <dgm:cxn modelId="{486C4677-DBC2-4883-8193-AB2528E35C78}" type="presOf" srcId="{815CA2D0-9F97-4AE0-B7DC-D7A26339BD12}" destId="{EA3CD924-AA8D-4D40-801C-2CE03896AA08}" srcOrd="0" destOrd="3" presId="urn:microsoft.com/office/officeart/2005/8/layout/hList1"/>
+    <dgm:cxn modelId="{B66EE2A1-2E3E-4E05-BF33-59B39762F6B8}" type="presOf" srcId="{9FF610F0-8163-4E50-845C-D03669A1C672}" destId="{F4A56BDE-BD38-478E-8D2B-7EA702532799}" srcOrd="0" destOrd="2" presId="urn:microsoft.com/office/officeart/2005/8/layout/hList1"/>
+    <dgm:cxn modelId="{7EBEEDD6-24B4-425A-A947-B4EA5AA2CB79}" type="presOf" srcId="{47FB3728-AA32-4818-9AF0-0E3769526CA9}" destId="{EA3CD924-AA8D-4D40-801C-2CE03896AA08}" srcOrd="0" destOrd="7" presId="urn:microsoft.com/office/officeart/2005/8/layout/hList1"/>
+    <dgm:cxn modelId="{85A50305-AF3C-4F0D-A180-BC83C6101C0B}" srcId="{1CEDE794-719B-4E58-80F7-48946D6F4C39}" destId="{6CA302D5-E71C-4B07-A956-A87A48FBE11E}" srcOrd="4" destOrd="0" parTransId="{9A06DA32-4724-4F0D-9CD5-32EBD2C1BE74}" sibTransId="{2BC4B70D-FAE0-4743-9365-421574CB135A}"/>
+    <dgm:cxn modelId="{58B0588E-6BFA-41C6-AAC3-AD1EE63F1DF7}" srcId="{4D99B075-5B8D-41F0-B463-2391E4DAF5BD}" destId="{1ED607FF-3661-425A-AF4F-60A73BEB2917}" srcOrd="1" destOrd="0" parTransId="{6A97A7A7-2E1B-4B7D-8B28-3C6A62AE2A0F}" sibTransId="{AD29A381-936A-49C0-8401-9FAD2DC7DF61}"/>
+    <dgm:cxn modelId="{8B4B8FEC-3F34-49A7-9B98-21C56333C94B}" srcId="{1CEDE794-719B-4E58-80F7-48946D6F4C39}" destId="{F3EC264E-870D-488D-88C1-CFC5E4C109AE}" srcOrd="6" destOrd="0" parTransId="{DF7564D6-E85F-4611-9CAA-3658A84D7A0F}" sibTransId="{863491DB-1946-42D7-8EF6-2CCB6DFAB983}"/>
+    <dgm:cxn modelId="{12A91E2E-7633-4DB0-884C-9AC7796A22DE}" srcId="{4D99B075-5B8D-41F0-B463-2391E4DAF5BD}" destId="{8E311BFE-FEA8-40AA-94AA-C531718B3C19}" srcOrd="2" destOrd="0" parTransId="{BEE7A90B-3BA5-489E-B4A6-38893BCD316A}" sibTransId="{5AA8B9C9-042C-4A12-9907-69FA09412143}"/>
+    <dgm:cxn modelId="{E1FC8BD9-C7CD-4DD7-8EC4-14CE65DAA5A5}" type="presOf" srcId="{1ED607FF-3661-425A-AF4F-60A73BEB2917}" destId="{7A18D30B-EFAB-4DDD-BDBA-F0EFFC0400F4}" srcOrd="0" destOrd="0" presId="urn:microsoft.com/office/officeart/2005/8/layout/hList1"/>
+    <dgm:cxn modelId="{1C3449AC-A28D-4F0D-ADFC-40DA9F8A2E54}" type="presOf" srcId="{7C9FE737-C85F-44D1-95F4-73F1A915E28F}" destId="{EA3CD924-AA8D-4D40-801C-2CE03896AA08}" srcOrd="0" destOrd="2" presId="urn:microsoft.com/office/officeart/2005/8/layout/hList1"/>
+    <dgm:cxn modelId="{C12E7C47-BD92-442A-9FCF-BB2DA309ADE2}" srcId="{8E311BFE-FEA8-40AA-94AA-C531718B3C19}" destId="{9FF610F0-8163-4E50-845C-D03669A1C672}" srcOrd="2" destOrd="0" parTransId="{AB59D3B1-DC7B-4B8F-B38E-5A19B6B9515E}" sibTransId="{EE4766AD-C96B-430C-9E65-FB437C5EBE8A}"/>
+    <dgm:cxn modelId="{FEC3A669-C5E7-4732-BF61-BF3F1D15BBEA}" srcId="{8E311BFE-FEA8-40AA-94AA-C531718B3C19}" destId="{07E516CC-E9E1-4692-A8CB-F52FBA9C761A}" srcOrd="0" destOrd="0" parTransId="{85D438C4-9C01-419B-8D65-B0114E3438BC}" sibTransId="{45C1FDB9-0E70-4932-848D-C5F2983BCF7A}"/>
+    <dgm:cxn modelId="{99BFCDB6-6749-4F06-8672-60F0BD61F889}" type="presOf" srcId="{6CA302D5-E71C-4B07-A956-A87A48FBE11E}" destId="{EA3CD924-AA8D-4D40-801C-2CE03896AA08}" srcOrd="0" destOrd="4" presId="urn:microsoft.com/office/officeart/2005/8/layout/hList1"/>
+    <dgm:cxn modelId="{B2EE5084-3141-4094-8FF7-7C550013DA43}" type="presOf" srcId="{F3EC264E-870D-488D-88C1-CFC5E4C109AE}" destId="{EA3CD924-AA8D-4D40-801C-2CE03896AA08}" srcOrd="0" destOrd="6" presId="urn:microsoft.com/office/officeart/2005/8/layout/hList1"/>
+    <dgm:cxn modelId="{1124A44A-0CC2-41D4-A995-FE5FCFD5D238}" srcId="{1CEDE794-719B-4E58-80F7-48946D6F4C39}" destId="{7C9FE737-C85F-44D1-95F4-73F1A915E28F}" srcOrd="2" destOrd="0" parTransId="{CFCB3D5D-58E7-4444-AB17-ACD046B9494F}" sibTransId="{4902581D-0D57-407A-A2E6-2A5B546BE130}"/>
+    <dgm:cxn modelId="{BC313005-6D08-4455-BB47-39907BB03881}" srcId="{1CEDE794-719B-4E58-80F7-48946D6F4C39}" destId="{47FB3728-AA32-4818-9AF0-0E3769526CA9}" srcOrd="7" destOrd="0" parTransId="{6AD6215E-47D8-4FFF-A4C2-9E91C60029A0}" sibTransId="{A8CFC310-3273-4CFC-90A8-B6F6DC85158E}"/>
+    <dgm:cxn modelId="{6D0E1069-EC92-4D92-998B-B464A2A61462}" type="presOf" srcId="{CB9FB6F4-C873-40AE-93FD-447C34F4F608}" destId="{39243CDD-24B6-43FE-91F8-C6FA1DF5F73B}" srcOrd="0" destOrd="0" presId="urn:microsoft.com/office/officeart/2005/8/layout/hList1"/>
+    <dgm:cxn modelId="{987D84AC-1995-46C2-AB6D-70C7D1C6D0E8}" type="presOf" srcId="{4D99B075-5B8D-41F0-B463-2391E4DAF5BD}" destId="{6853CB78-8BDB-4B63-81EA-4F520D881C0F}" srcOrd="0" destOrd="0" presId="urn:microsoft.com/office/officeart/2005/8/layout/hList1"/>
+    <dgm:cxn modelId="{5ABD5F7F-01B3-4789-9C85-980185F4605C}" type="presOf" srcId="{1CEDE794-719B-4E58-80F7-48946D6F4C39}" destId="{179A36A7-8940-4968-A15E-8BA9BFD2EADA}" srcOrd="0" destOrd="0" presId="urn:microsoft.com/office/officeart/2005/8/layout/hList1"/>
+    <dgm:cxn modelId="{437A6FC3-D84C-40A2-A019-B9F212B0774B}" srcId="{1CEDE794-719B-4E58-80F7-48946D6F4C39}" destId="{C47E1CBB-7813-44F4-B3D8-17FA20E63B3F}" srcOrd="0" destOrd="0" parTransId="{EA9BB675-0845-4246-A6FC-C09C9340CDB2}" sibTransId="{D825F73A-BC15-4801-B277-CE084C864DD4}"/>
+    <dgm:cxn modelId="{BB8F22F7-D8B3-49A0-80DD-37EFEAF14379}" type="presOf" srcId="{B62F930F-0EB8-4AF6-BDBD-A3BB9B2D50F0}" destId="{F4A56BDE-BD38-478E-8D2B-7EA702532799}" srcOrd="0" destOrd="1" presId="urn:microsoft.com/office/officeart/2005/8/layout/hList1"/>
     <dgm:cxn modelId="{B68B5B9F-BE4F-4C4F-AA7F-E64EE2901F6E}" type="presOf" srcId="{C47E1CBB-7813-44F4-B3D8-17FA20E63B3F}" destId="{EA3CD924-AA8D-4D40-801C-2CE03896AA08}" srcOrd="0" destOrd="0" presId="urn:microsoft.com/office/officeart/2005/8/layout/hList1"/>
-    <dgm:cxn modelId="{CAEB2122-24C6-4C04-9B66-BE264E9F76F8}" type="presOf" srcId="{B04F25B9-E07B-4DB5-8E65-DE78A8B468CE}" destId="{EA3CD924-AA8D-4D40-801C-2CE03896AA08}" srcOrd="0" destOrd="1" presId="urn:microsoft.com/office/officeart/2005/8/layout/hList1"/>
-    <dgm:cxn modelId="{5ABD5F7F-01B3-4789-9C85-980185F4605C}" type="presOf" srcId="{1CEDE794-719B-4E58-80F7-48946D6F4C39}" destId="{179A36A7-8940-4968-A15E-8BA9BFD2EADA}" srcOrd="0" destOrd="0" presId="urn:microsoft.com/office/officeart/2005/8/layout/hList1"/>
-    <dgm:cxn modelId="{0AAA31D9-55CA-4D86-80FA-50427296F34E}" srcId="{1CEDE794-719B-4E58-80F7-48946D6F4C39}" destId="{790DA81C-827F-49F3-B484-93867AA16FBF}" srcOrd="5" destOrd="0" parTransId="{BC59E756-AA71-4521-AE07-8DADE9EDFDB5}" sibTransId="{21717FCD-31BF-4820-9663-2B70FB1808B0}"/>
-    <dgm:cxn modelId="{85A50305-AF3C-4F0D-A180-BC83C6101C0B}" srcId="{1CEDE794-719B-4E58-80F7-48946D6F4C39}" destId="{6CA302D5-E71C-4B07-A956-A87A48FBE11E}" srcOrd="4" destOrd="0" parTransId="{9A06DA32-4724-4F0D-9CD5-32EBD2C1BE74}" sibTransId="{2BC4B70D-FAE0-4743-9365-421574CB135A}"/>
-    <dgm:cxn modelId="{E1FC8BD9-C7CD-4DD7-8EC4-14CE65DAA5A5}" type="presOf" srcId="{1ED607FF-3661-425A-AF4F-60A73BEB2917}" destId="{7A18D30B-EFAB-4DDD-BDBA-F0EFFC0400F4}" srcOrd="0" destOrd="0" presId="urn:microsoft.com/office/officeart/2005/8/layout/hList1"/>
+    <dgm:cxn modelId="{EA008D61-617C-4D4B-860F-B6A3F4136286}" srcId="{1CEDE794-719B-4E58-80F7-48946D6F4C39}" destId="{B04F25B9-E07B-4DB5-8E65-DE78A8B468CE}" srcOrd="1" destOrd="0" parTransId="{27B7B590-88F9-413B-840F-C670DF8F88FD}" sibTransId="{E44F76D6-6930-4A58-8B13-114643E19C2A}"/>
     <dgm:cxn modelId="{BBEA0F7F-B49A-4752-A2FD-358ADCD95328}" type="presParOf" srcId="{6853CB78-8BDB-4B63-81EA-4F520D881C0F}" destId="{30A9E795-98B0-44B0-919A-C881F858632B}" srcOrd="0" destOrd="0" presId="urn:microsoft.com/office/officeart/2005/8/layout/hList1"/>
     <dgm:cxn modelId="{132F3788-31F2-43E0-8D56-BD5D38667E58}" type="presParOf" srcId="{30A9E795-98B0-44B0-919A-C881F858632B}" destId="{179A36A7-8940-4968-A15E-8BA9BFD2EADA}" srcOrd="0" destOrd="0" presId="urn:microsoft.com/office/officeart/2005/8/layout/hList1"/>
     <dgm:cxn modelId="{4DBBFE47-2C6D-412A-8599-0DC8D4868E62}" type="presParOf" srcId="{30A9E795-98B0-44B0-919A-C881F858632B}" destId="{EA3CD924-AA8D-4D40-801C-2CE03896AA08}" srcOrd="1" destOrd="0" presId="urn:microsoft.com/office/officeart/2005/8/layout/hList1"/>
@@ -8179,7 +8179,7 @@
       </dsp:nvSpPr>
       <dsp:spPr>
         <a:xfrm>
-          <a:off x="4339" y="207993"/>
+          <a:off x="4339" y="195126"/>
           <a:ext cx="2609509" cy="972971"/>
         </a:xfrm>
         <a:prstGeom prst="rect">
@@ -8245,7 +8245,7 @@
         </a:p>
       </dsp:txBody>
       <dsp:txXfrm>
-        <a:off x="4339" y="207993"/>
+        <a:off x="4339" y="195126"/>
         <a:ext cx="2609509" cy="972971"/>
       </dsp:txXfrm>
     </dsp:sp>
@@ -8256,8 +8256,8 @@
       </dsp:nvSpPr>
       <dsp:spPr>
         <a:xfrm>
-          <a:off x="4339" y="1180965"/>
-          <a:ext cx="2609509" cy="3062390"/>
+          <a:off x="4339" y="1168098"/>
+          <a:ext cx="2609509" cy="3088125"/>
         </a:xfrm>
         <a:prstGeom prst="rect">
           <a:avLst/>
@@ -8342,8 +8342,8 @@
         </a:p>
       </dsp:txBody>
       <dsp:txXfrm>
-        <a:off x="4339" y="1180965"/>
-        <a:ext cx="2609509" cy="3062390"/>
+        <a:off x="4339" y="1168098"/>
+        <a:ext cx="2609509" cy="3088125"/>
       </dsp:txXfrm>
     </dsp:sp>
     <dsp:sp modelId="{55DD950F-2008-46FB-B449-5E4AB4122A8B}">
@@ -8353,7 +8353,7 @@
       </dsp:nvSpPr>
       <dsp:spPr>
         <a:xfrm>
-          <a:off x="2979180" y="207993"/>
+          <a:off x="2979180" y="195126"/>
           <a:ext cx="2609509" cy="972971"/>
         </a:xfrm>
         <a:prstGeom prst="rect">
@@ -8419,7 +8419,7 @@
         </a:p>
       </dsp:txBody>
       <dsp:txXfrm>
-        <a:off x="2979180" y="207993"/>
+        <a:off x="2979180" y="195126"/>
         <a:ext cx="2609509" cy="972971"/>
       </dsp:txXfrm>
     </dsp:sp>
@@ -8430,8 +8430,8 @@
       </dsp:nvSpPr>
       <dsp:spPr>
         <a:xfrm>
-          <a:off x="2979180" y="1180965"/>
-          <a:ext cx="2609509" cy="3062390"/>
+          <a:off x="2979180" y="1168098"/>
+          <a:ext cx="2609509" cy="3088125"/>
         </a:xfrm>
         <a:prstGeom prst="rect">
           <a:avLst/>
@@ -8516,8 +8516,8 @@
         </a:p>
       </dsp:txBody>
       <dsp:txXfrm>
-        <a:off x="2979180" y="1180965"/>
-        <a:ext cx="2609509" cy="3062390"/>
+        <a:off x="2979180" y="1168098"/>
+        <a:ext cx="2609509" cy="3088125"/>
       </dsp:txXfrm>
     </dsp:sp>
     <dsp:sp modelId="{037E9C2D-C09B-419B-91E8-263F695D54B4}">
@@ -8527,7 +8527,7 @@
       </dsp:nvSpPr>
       <dsp:spPr>
         <a:xfrm>
-          <a:off x="5954021" y="207993"/>
+          <a:off x="5954021" y="195126"/>
           <a:ext cx="2609509" cy="972971"/>
         </a:xfrm>
         <a:prstGeom prst="rect">
@@ -8593,7 +8593,7 @@
         </a:p>
       </dsp:txBody>
       <dsp:txXfrm>
-        <a:off x="5954021" y="207993"/>
+        <a:off x="5954021" y="195126"/>
         <a:ext cx="2609509" cy="972971"/>
       </dsp:txXfrm>
     </dsp:sp>
@@ -8604,8 +8604,8 @@
       </dsp:nvSpPr>
       <dsp:spPr>
         <a:xfrm>
-          <a:off x="5954021" y="1180965"/>
-          <a:ext cx="2609509" cy="3062390"/>
+          <a:off x="5954021" y="1168098"/>
+          <a:ext cx="2609509" cy="3088125"/>
         </a:xfrm>
         <a:prstGeom prst="rect">
           <a:avLst/>
@@ -8690,8 +8690,8 @@
         </a:p>
       </dsp:txBody>
       <dsp:txXfrm>
-        <a:off x="5954021" y="1180965"/>
-        <a:ext cx="2609509" cy="3062390"/>
+        <a:off x="5954021" y="1168098"/>
+        <a:ext cx="2609509" cy="3088125"/>
       </dsp:txXfrm>
     </dsp:sp>
     <dsp:sp modelId="{513E6431-36D0-4E32-A6AE-AADACA012307}">
@@ -8701,7 +8701,7 @@
       </dsp:nvSpPr>
       <dsp:spPr>
         <a:xfrm>
-          <a:off x="8928862" y="207993"/>
+          <a:off x="8928862" y="195126"/>
           <a:ext cx="2609509" cy="972971"/>
         </a:xfrm>
         <a:prstGeom prst="rect">
@@ -8767,7 +8767,7 @@
         </a:p>
       </dsp:txBody>
       <dsp:txXfrm>
-        <a:off x="8928862" y="207993"/>
+        <a:off x="8928862" y="195126"/>
         <a:ext cx="2609509" cy="972971"/>
       </dsp:txXfrm>
     </dsp:sp>
@@ -8778,8 +8778,8 @@
       </dsp:nvSpPr>
       <dsp:spPr>
         <a:xfrm>
-          <a:off x="8928862" y="1180965"/>
-          <a:ext cx="2609509" cy="3062390"/>
+          <a:off x="8928862" y="1168098"/>
+          <a:ext cx="2609509" cy="3088125"/>
         </a:xfrm>
         <a:prstGeom prst="rect">
           <a:avLst/>
@@ -8864,8 +8864,8 @@
         </a:p>
       </dsp:txBody>
       <dsp:txXfrm>
-        <a:off x="8928862" y="1180965"/>
-        <a:ext cx="2609509" cy="3062390"/>
+        <a:off x="8928862" y="1168098"/>
+        <a:ext cx="2609509" cy="3088125"/>
       </dsp:txXfrm>
     </dsp:sp>
   </dsp:spTree>
@@ -14696,7 +14696,7 @@
           <a:p>
             <a:fld id="{08785AD7-566F-4C71-A877-61487786B932}" type="datetimeFigureOut">
               <a:rPr lang="en-US" smtClean="0"/>
-              <a:t>6/3/2016</a:t>
+              <a:t>06/07/2016</a:t>
             </a:fld>
             <a:endParaRPr lang="en-US"/>
           </a:p>
@@ -14861,7 +14861,7 @@
           <a:p>
             <a:fld id="{3AC152BB-29D3-4366-9432-ADC86E136C03}" type="datetimeFigureOut">
               <a:rPr lang="en-US" smtClean="0"/>
-              <a:t>6/3/2016</a:t>
+              <a:t>06/07/2016</a:t>
             </a:fld>
             <a:endParaRPr lang="en-US"/>
           </a:p>
@@ -15682,7 +15682,7 @@
           <a:p>
             <a:fld id="{38EEC551-8CDA-4EB6-89BB-2A86C9F091C8}" type="datetime8">
               <a:rPr lang="en-US" smtClean="0"/>
-              <a:t>6/3/2016 5:06 PM</a:t>
+              <a:t>06/07/2016 11:11</a:t>
             </a:fld>
             <a:endParaRPr lang="en-US" dirty="0"/>
           </a:p>
@@ -16503,7 +16503,7 @@
           <a:p>
             <a:fld id="{38EEC551-8CDA-4EB6-89BB-2A86C9F091C8}" type="datetime8">
               <a:rPr lang="en-US" smtClean="0"/>
-              <a:t>6/3/2016 11:05 AM</a:t>
+              <a:t>06/07/2016 11:11</a:t>
             </a:fld>
             <a:endParaRPr lang="en-US" dirty="0"/>
           </a:p>
@@ -16688,7 +16688,7 @@
           <a:p>
             <a:fld id="{38EEC551-8CDA-4EB6-89BB-2A86C9F091C8}" type="datetime8">
               <a:rPr lang="en-US" smtClean="0"/>
-              <a:t>6/3/2016 11:05 AM</a:t>
+              <a:t>06/07/2016 11:11</a:t>
             </a:fld>
             <a:endParaRPr lang="en-US" dirty="0"/>
           </a:p>
@@ -16876,7 +16876,7 @@
             <a:fld id="{D51B1278-D92B-4AF3-A9C1-71DD298190CE}" type="datetimeFigureOut">
               <a:rPr lang="en-US" smtClean="0"/>
               <a:pPr/>
-              <a:t>6/3/2016</a:t>
+              <a:t>06/07/2016</a:t>
             </a:fld>
             <a:endParaRPr lang="en-US" dirty="0"/>
           </a:p>
@@ -17075,7 +17075,7 @@
             <a:fld id="{D51B1278-D92B-4AF3-A9C1-71DD298190CE}" type="datetimeFigureOut">
               <a:rPr lang="en-US" smtClean="0"/>
               <a:pPr/>
-              <a:t>6/3/2016</a:t>
+              <a:t>06/07/2016</a:t>
             </a:fld>
             <a:endParaRPr lang="en-US" dirty="0"/>
           </a:p>
@@ -17360,7 +17360,7 @@
           <a:p>
             <a:fld id="{7D10C09F-FCA1-48C8-B40D-42E1045D109E}" type="datetime8">
               <a:rPr lang="en-US" smtClean="0"/>
-              <a:t>6/3/2016 11:05 AM</a:t>
+              <a:t>06/07/2016 11:11</a:t>
             </a:fld>
             <a:endParaRPr lang="en-US" dirty="0"/>
           </a:p>
@@ -17541,7 +17541,7 @@
           <a:p>
             <a:fld id="{38EEC551-8CDA-4EB6-89BB-2A86C9F091C8}" type="datetime8">
               <a:rPr lang="en-US" smtClean="0"/>
-              <a:t>6/3/2016 11:05 AM</a:t>
+              <a:t>06/07/2016 11:11</a:t>
             </a:fld>
             <a:endParaRPr lang="en-US" dirty="0"/>
           </a:p>
@@ -17729,7 +17729,7 @@
             <a:fld id="{D51B1278-D92B-4AF3-A9C1-71DD298190CE}" type="datetimeFigureOut">
               <a:rPr lang="en-US" smtClean="0"/>
               <a:pPr/>
-              <a:t>6/3/2016</a:t>
+              <a:t>06/07/2016</a:t>
             </a:fld>
             <a:endParaRPr lang="en-US" dirty="0"/>
           </a:p>
@@ -17942,7 +17942,7 @@
           <a:p>
             <a:fld id="{38EEC551-8CDA-4EB6-89BB-2A86C9F091C8}" type="datetime8">
               <a:rPr lang="en-US" smtClean="0"/>
-              <a:t>6/3/2016 11:05 AM</a:t>
+              <a:t>06/07/2016 11:11</a:t>
             </a:fld>
             <a:endParaRPr lang="en-US" dirty="0"/>
           </a:p>
@@ -18123,7 +18123,7 @@
           <a:p>
             <a:fld id="{38EEC551-8CDA-4EB6-89BB-2A86C9F091C8}" type="datetime8">
               <a:rPr lang="en-US" smtClean="0"/>
-              <a:t>6/3/2016 11:05 AM</a:t>
+              <a:t>06/07/2016 11:11</a:t>
             </a:fld>
             <a:endParaRPr lang="en-US" dirty="0"/>
           </a:p>
@@ -18356,7 +18356,7 @@
           <a:p>
             <a:fld id="{38EEC551-8CDA-4EB6-89BB-2A86C9F091C8}" type="datetime8">
               <a:rPr lang="en-US" smtClean="0"/>
-              <a:t>6/3/2016 11:05 AM</a:t>
+              <a:t>06/07/2016 11:11</a:t>
             </a:fld>
             <a:endParaRPr lang="en-US" dirty="0"/>
           </a:p>
@@ -18564,7 +18564,7 @@
           <a:p>
             <a:fld id="{38EEC551-8CDA-4EB6-89BB-2A86C9F091C8}" type="datetime8">
               <a:rPr lang="en-US" smtClean="0"/>
-              <a:t>6/3/2016 11:05 AM</a:t>
+              <a:t>06/07/2016 11:11</a:t>
             </a:fld>
             <a:endParaRPr lang="en-US" dirty="0"/>
           </a:p>
@@ -18784,7 +18784,7 @@
           <a:p>
             <a:fld id="{38EEC551-8CDA-4EB6-89BB-2A86C9F091C8}" type="datetime8">
               <a:rPr lang="en-US" smtClean="0"/>
-              <a:t>6/3/2016 11:05 AM</a:t>
+              <a:t>06/07/2016 11:11</a:t>
             </a:fld>
             <a:endParaRPr lang="en-US" dirty="0"/>
           </a:p>
@@ -18995,7 +18995,7 @@
           <a:p>
             <a:fld id="{38EEC551-8CDA-4EB6-89BB-2A86C9F091C8}" type="datetime8">
               <a:rPr lang="en-US" smtClean="0"/>
-              <a:t>6/3/2016 11:05 AM</a:t>
+              <a:t>06/07/2016 11:11</a:t>
             </a:fld>
             <a:endParaRPr lang="en-US" dirty="0"/>
           </a:p>
@@ -19209,7 +19209,7 @@
           <a:p>
             <a:fld id="{38EEC551-8CDA-4EB6-89BB-2A86C9F091C8}" type="datetime8">
               <a:rPr lang="en-US" smtClean="0"/>
-              <a:t>6/3/2016 11:05 AM</a:t>
+              <a:t>06/07/2016 11:11</a:t>
             </a:fld>
             <a:endParaRPr lang="en-US" dirty="0"/>
           </a:p>
@@ -19723,7 +19723,7 @@
           <a:p>
             <a:fld id="{38EEC551-8CDA-4EB6-89BB-2A86C9F091C8}" type="datetime8">
               <a:rPr lang="en-US" smtClean="0"/>
-              <a:t>6/3/2016 5:10 PM</a:t>
+              <a:t>06/07/2016 11:11</a:t>
             </a:fld>
             <a:endParaRPr lang="en-US" dirty="0"/>
           </a:p>
@@ -19936,7 +19936,7 @@
           <a:p>
             <a:fld id="{38EEC551-8CDA-4EB6-89BB-2A86C9F091C8}" type="datetime8">
               <a:rPr lang="en-US" smtClean="0"/>
-              <a:t>6/3/2016 11:05 AM</a:t>
+              <a:t>06/07/2016 11:11</a:t>
             </a:fld>
             <a:endParaRPr lang="en-US" dirty="0"/>
           </a:p>
@@ -20144,7 +20144,7 @@
           <a:p>
             <a:fld id="{38EEC551-8CDA-4EB6-89BB-2A86C9F091C8}" type="datetime8">
               <a:rPr lang="en-US" smtClean="0"/>
-              <a:t>6/3/2016 11:05 AM</a:t>
+              <a:t>06/07/2016 11:11</a:t>
             </a:fld>
             <a:endParaRPr lang="en-US" dirty="0"/>
           </a:p>
@@ -20336,7 +20336,7 @@
           <a:p>
             <a:fld id="{38EEC551-8CDA-4EB6-89BB-2A86C9F091C8}" type="datetime8">
               <a:rPr lang="en-US" smtClean="0"/>
-              <a:t>6/3/2016 5:16 PM</a:t>
+              <a:t>06/07/2016 11:11</a:t>
             </a:fld>
             <a:endParaRPr lang="en-US" dirty="0"/>
           </a:p>
@@ -20544,7 +20544,7 @@
           <a:p>
             <a:fld id="{38EEC551-8CDA-4EB6-89BB-2A86C9F091C8}" type="datetime8">
               <a:rPr lang="en-US" smtClean="0"/>
-              <a:t>6/3/2016 11:05 AM</a:t>
+              <a:t>06/07/2016 11:11</a:t>
             </a:fld>
             <a:endParaRPr lang="en-US" dirty="0"/>
           </a:p>
@@ -20761,7 +20761,7 @@
           <a:p>
             <a:fld id="{38EEC551-8CDA-4EB6-89BB-2A86C9F091C8}" type="datetime8">
               <a:rPr lang="en-US" smtClean="0"/>
-              <a:t>6/3/2016 11:05 AM</a:t>
+              <a:t>06/07/2016 11:11</a:t>
             </a:fld>
             <a:endParaRPr lang="en-US" dirty="0"/>
           </a:p>
@@ -20988,7 +20988,7 @@
           <a:p>
             <a:fld id="{38EEC551-8CDA-4EB6-89BB-2A86C9F091C8}" type="datetime8">
               <a:rPr lang="en-US" smtClean="0"/>
-              <a:t>6/3/2016 11:05 AM</a:t>
+              <a:t>06/07/2016 11:11</a:t>
             </a:fld>
             <a:endParaRPr lang="en-US" dirty="0"/>
           </a:p>
@@ -21196,7 +21196,7 @@
           <a:p>
             <a:fld id="{38EEC551-8CDA-4EB6-89BB-2A86C9F091C8}" type="datetime8">
               <a:rPr lang="en-US" smtClean="0"/>
-              <a:t>6/3/2016 11:05 AM</a:t>
+              <a:t>06/07/2016 11:11</a:t>
             </a:fld>
             <a:endParaRPr lang="en-US" dirty="0"/>
           </a:p>
@@ -21422,7 +21422,7 @@
           <a:p>
             <a:fld id="{38EEC551-8CDA-4EB6-89BB-2A86C9F091C8}" type="datetime8">
               <a:rPr lang="en-US" smtClean="0"/>
-              <a:t>6/3/2016 5:19 PM</a:t>
+              <a:t>06/07/2016 11:11</a:t>
             </a:fld>
             <a:endParaRPr lang="en-US" dirty="0"/>
           </a:p>
@@ -21630,7 +21630,7 @@
           <a:p>
             <a:fld id="{38EEC551-8CDA-4EB6-89BB-2A86C9F091C8}" type="datetime8">
               <a:rPr lang="en-US" smtClean="0"/>
-              <a:t>6/3/2016 11:05 AM</a:t>
+              <a:t>06/07/2016 11:11</a:t>
             </a:fld>
             <a:endParaRPr lang="en-US" dirty="0"/>
           </a:p>
@@ -22089,7 +22089,7 @@
           <a:p>
             <a:fld id="{38EEC551-8CDA-4EB6-89BB-2A86C9F091C8}" type="datetime8">
               <a:rPr lang="en-US" smtClean="0"/>
-              <a:t>6/3/2016 11:05 AM</a:t>
+              <a:t>06/07/2016 11:11</a:t>
             </a:fld>
             <a:endParaRPr lang="en-US" dirty="0"/>
           </a:p>
@@ -22273,7 +22273,7 @@
           <a:p>
             <a:fld id="{38EEC551-8CDA-4EB6-89BB-2A86C9F091C8}" type="datetime8">
               <a:rPr lang="en-US" smtClean="0"/>
-              <a:t>6/3/2016 11:05 AM</a:t>
+              <a:t>06/07/2016 11:11</a:t>
             </a:fld>
             <a:endParaRPr lang="en-US" dirty="0"/>
           </a:p>
@@ -22481,7 +22481,7 @@
           <a:p>
             <a:fld id="{38EEC551-8CDA-4EB6-89BB-2A86C9F091C8}" type="datetime8">
               <a:rPr lang="en-US" smtClean="0"/>
-              <a:t>6/3/2016 11:05 AM</a:t>
+              <a:t>06/07/2016 11:11</a:t>
             </a:fld>
             <a:endParaRPr lang="en-US" dirty="0"/>
           </a:p>
@@ -22689,7 +22689,7 @@
           <a:p>
             <a:fld id="{38EEC551-8CDA-4EB6-89BB-2A86C9F091C8}" type="datetime8">
               <a:rPr lang="en-US" smtClean="0"/>
-              <a:t>6/3/2016 11:05 AM</a:t>
+              <a:t>06/07/2016 11:11</a:t>
             </a:fld>
             <a:endParaRPr lang="en-US" dirty="0"/>
           </a:p>
@@ -22897,7 +22897,7 @@
           <a:p>
             <a:fld id="{38EEC551-8CDA-4EB6-89BB-2A86C9F091C8}" type="datetime8">
               <a:rPr lang="en-US" smtClean="0"/>
-              <a:t>6/3/2016 11:05 AM</a:t>
+              <a:t>06/07/2016 11:11</a:t>
             </a:fld>
             <a:endParaRPr lang="en-US" dirty="0"/>
           </a:p>
@@ -23158,7 +23158,7 @@
           <a:p>
             <a:fld id="{38EEC551-8CDA-4EB6-89BB-2A86C9F091C8}" type="datetime8">
               <a:rPr lang="en-US" smtClean="0"/>
-              <a:t>6/3/2016 11:05 AM</a:t>
+              <a:t>06/07/2016 11:11</a:t>
             </a:fld>
             <a:endParaRPr lang="en-US" dirty="0"/>
           </a:p>
@@ -23392,7 +23392,7 @@
           <a:p>
             <a:fld id="{38EEC551-8CDA-4EB6-89BB-2A86C9F091C8}" type="datetime8">
               <a:rPr lang="en-US" smtClean="0"/>
-              <a:t>6/3/2016 11:05 AM</a:t>
+              <a:t>06/07/2016 11:11</a:t>
             </a:fld>
             <a:endParaRPr lang="en-US" dirty="0"/>
           </a:p>
@@ -23504,6 +23504,19 @@
             <a:r>
               <a:rPr lang="en-US" baseline="0" dirty="0"/>
               <a:t>Format is Default/Maximum so 20/200 = 20 default, 200 maximum</a:t>
+            </a:r>
+          </a:p>
+          <a:p>
+            <a:endParaRPr lang="en-US" baseline="0" dirty="0"/>
+          </a:p>
+          <a:p>
+            <a:r>
+              <a:rPr lang="en-US" baseline="0" dirty="0"/>
+              <a:t>aka.ms/</a:t>
+            </a:r>
+            <a:r>
+              <a:rPr lang="en-US" baseline="0" dirty="0" err="1"/>
+              <a:t>azurelimits</a:t>
             </a:r>
             <a:endParaRPr lang="en-US" dirty="0"/>
           </a:p>
@@ -26101,7 +26114,7 @@
           <a:p>
             <a:fld id="{B37ECBE2-3150-4A8C-9BA8-324E60C97071}" type="datetimeFigureOut">
               <a:rPr lang="en-US"/>
-              <a:t>6/3/2016</a:t>
+              <a:t>06/07/2016</a:t>
             </a:fld>
             <a:endParaRPr lang="en-US"/>
           </a:p>
@@ -49414,7 +49427,7 @@
           <p:nvPr>
             <p:extLst>
               <p:ext uri="{D42A27DB-BD31-4B8C-83A1-F6EECF244321}">
-                <p14:modId xmlns:p14="http://schemas.microsoft.com/office/powerpoint/2010/main" val="1569682190"/>
+                <p14:modId xmlns:p14="http://schemas.microsoft.com/office/powerpoint/2010/main" val="1405612446"/>
               </p:ext>
             </p:extLst>
           </p:nvPr>
@@ -49711,12 +49724,12 @@
                     <a:p>
                       <a:pPr algn="ctr" fontAlgn="b"/>
                       <a:r>
-                        <a:rPr lang="en-US" sz="1600" u="none" strike="noStrike">
+                        <a:rPr lang="en-US" sz="1600" u="none" strike="noStrike" dirty="0">
                           <a:effectLst/>
                         </a:rPr>
-                        <a:t>100/100 (200 by contacting support)</a:t>
+                        <a:t>100/100 (250 by contacting support)</a:t>
                       </a:r>
-                      <a:endParaRPr lang="en-US" sz="1600" b="0" i="0" u="none" strike="noStrike">
+                      <a:endParaRPr lang="en-US" sz="1600" b="0" i="0" u="none" strike="noStrike" dirty="0">
                         <a:solidFill>
                           <a:srgbClr val="000000"/>
                         </a:solidFill>
@@ -49737,7 +49750,7 @@
                         <a:rPr lang="en-US" sz="1600" u="none" strike="noStrike" dirty="0">
                           <a:effectLst/>
                         </a:rPr>
-                        <a:t>100/100 (200 by contacting support)</a:t>
+                        <a:t>100/150 (250 by contacting support)</a:t>
                       </a:r>
                       <a:endParaRPr lang="en-US" sz="1600" b="0" i="0" u="none" strike="noStrike" dirty="0">
                         <a:solidFill>
@@ -53129,12 +53142,6 @@
 </file>
 
 <file path=customXml/item1.xml><?xml version="1.0" encoding="utf-8"?>
-<p:properties xmlns:p="http://schemas.microsoft.com/office/2006/metadata/properties" xmlns:xsi="http://www.w3.org/2001/XMLSchema-instance" xmlns:pc="http://schemas.microsoft.com/office/infopath/2007/PartnerControls">
-  <documentManagement/>
-</p:properties>
-</file>
-
-<file path=customXml/item2.xml><?xml version="1.0" encoding="utf-8"?>
 <?mso-contentType ?>
 <FormTemplates xmlns="http://schemas.microsoft.com/sharepoint/v3/contenttype/forms">
   <Display>DocumentLibraryForm</Display>
@@ -53143,7 +53150,7 @@
 </FormTemplates>
 </file>
 
-<file path=customXml/item3.xml><?xml version="1.0" encoding="utf-8"?>
+<file path=customXml/item2.xml><?xml version="1.0" encoding="utf-8"?>
 <ct:contentTypeSchema xmlns:ct="http://schemas.microsoft.com/office/2006/metadata/contentType" xmlns:ma="http://schemas.microsoft.com/office/2006/metadata/properties/metaAttributes" ct:_="" ma:_="" ma:contentTypeName="Document" ma:contentTypeID="0x010100C08F381963C77D44A6A91469D5845EE5" ma:contentTypeVersion="2" ma:contentTypeDescription="Create a new document." ma:contentTypeScope="" ma:versionID="66290b1f7725e443aa19cdb7b89371b7">
   <xsd:schema xmlns:xsd="http://www.w3.org/2001/XMLSchema" xmlns:xs="http://www.w3.org/2001/XMLSchema" xmlns:p="http://schemas.microsoft.com/office/2006/metadata/properties" xmlns:ns2="c58f79d2-8dd2-43f0-9a03-e1b9f874d667" targetNamespace="http://schemas.microsoft.com/office/2006/metadata/properties" ma:root="true" ma:fieldsID="27a8e9c299bda407fa38b12f0db042eb" ns2:_="">
     <xsd:import namespace="c58f79d2-8dd2-43f0-9a03-e1b9f874d667"/>
@@ -53291,23 +53298,13 @@
 </ct:contentTypeSchema>
 </file>
 
-<file path=customXml/itemProps1.xml><?xml version="1.0" encoding="utf-8"?>
-<ds:datastoreItem xmlns:ds="http://schemas.openxmlformats.org/officeDocument/2006/customXml" ds:itemID="{89254BEE-C2AB-4E68-AA3E-3E2702671367}">
-  <ds:schemaRefs>
-    <ds:schemaRef ds:uri="http://purl.org/dc/terms/"/>
-    <ds:schemaRef ds:uri="http://schemas.openxmlformats.org/package/2006/metadata/core-properties"/>
-    <ds:schemaRef ds:uri="http://schemas.microsoft.com/office/2006/documentManagement/types"/>
-    <ds:schemaRef ds:uri="c58f79d2-8dd2-43f0-9a03-e1b9f874d667"/>
-    <ds:schemaRef ds:uri="http://purl.org/dc/elements/1.1/"/>
-    <ds:schemaRef ds:uri="http://schemas.microsoft.com/office/2006/metadata/properties"/>
-    <ds:schemaRef ds:uri="http://schemas.microsoft.com/office/infopath/2007/PartnerControls"/>
-    <ds:schemaRef ds:uri="http://www.w3.org/XML/1998/namespace"/>
-    <ds:schemaRef ds:uri="http://purl.org/dc/dcmitype/"/>
-  </ds:schemaRefs>
-</ds:datastoreItem>
+<file path=customXml/item3.xml><?xml version="1.0" encoding="utf-8"?>
+<p:properties xmlns:p="http://schemas.microsoft.com/office/2006/metadata/properties" xmlns:xsi="http://www.w3.org/2001/XMLSchema-instance" xmlns:pc="http://schemas.microsoft.com/office/infopath/2007/PartnerControls">
+  <documentManagement/>
+</p:properties>
 </file>
 
-<file path=customXml/itemProps2.xml><?xml version="1.0" encoding="utf-8"?>
+<file path=customXml/itemProps1.xml><?xml version="1.0" encoding="utf-8"?>
 <ds:datastoreItem xmlns:ds="http://schemas.openxmlformats.org/officeDocument/2006/customXml" ds:itemID="{D98B8685-CAA3-4A1A-8397-DF9971695697}">
   <ds:schemaRefs>
     <ds:schemaRef ds:uri="http://schemas.microsoft.com/sharepoint/v3/contenttype/forms"/>
@@ -53315,7 +53312,7 @@
 </ds:datastoreItem>
 </file>
 
-<file path=customXml/itemProps3.xml><?xml version="1.0" encoding="utf-8"?>
+<file path=customXml/itemProps2.xml><?xml version="1.0" encoding="utf-8"?>
 <ds:datastoreItem xmlns:ds="http://schemas.openxmlformats.org/officeDocument/2006/customXml" ds:itemID="{AE30008B-22D1-4C3E-A0BE-5BCAFBE11F82}">
   <ds:schemaRefs>
     <ds:schemaRef ds:uri="http://schemas.microsoft.com/office/2006/metadata/contentType"/>
@@ -53331,4 +53328,20 @@
     <ds:schemaRef ds:uri="http://schemas.microsoft.com/internal/obd"/>
   </ds:schemaRefs>
 </ds:datastoreItem>
+</file>
+
+<file path=customXml/itemProps3.xml><?xml version="1.0" encoding="utf-8"?>
+<ds:datastoreItem xmlns:ds="http://schemas.openxmlformats.org/officeDocument/2006/customXml" ds:itemID="{89254BEE-C2AB-4E68-AA3E-3E2702671367}">
+  <ds:schemaRefs>
+    <ds:schemaRef ds:uri="http://purl.org/dc/terms/"/>
+    <ds:schemaRef ds:uri="http://schemas.openxmlformats.org/package/2006/metadata/core-properties"/>
+    <ds:schemaRef ds:uri="http://schemas.microsoft.com/office/2006/documentManagement/types"/>
+    <ds:schemaRef ds:uri="c58f79d2-8dd2-43f0-9a03-e1b9f874d667"/>
+    <ds:schemaRef ds:uri="http://purl.org/dc/elements/1.1/"/>
+    <ds:schemaRef ds:uri="http://schemas.microsoft.com/office/2006/metadata/properties"/>
+    <ds:schemaRef ds:uri="http://schemas.microsoft.com/office/infopath/2007/PartnerControls"/>
+    <ds:schemaRef ds:uri="http://www.w3.org/XML/1998/namespace"/>
+    <ds:schemaRef ds:uri="http://purl.org/dc/dcmitype/"/>
+  </ds:schemaRefs>
+</ds:datastoreItem>
 </file>
--- a/Designing and Managing Azure Subscriptions.pptx
+++ b/Designing and Managing Azure Subscriptions.pptx
@@ -3,77 +3,78 @@
 <p:presentation xmlns:a="http://schemas.openxmlformats.org/drawingml/2006/main" xmlns:r="http://schemas.openxmlformats.org/officeDocument/2006/relationships" xmlns:p="http://schemas.openxmlformats.org/presentationml/2006/main" saveSubsetFonts="1">
   <p:sldMasterIdLst>
     <p:sldMasterId id="2147483704" r:id="rId4"/>
+    <p:sldMasterId id="2147483738" r:id="rId5"/>
   </p:sldMasterIdLst>
   <p:notesMasterIdLst>
-    <p:notesMasterId r:id="rId68"/>
+    <p:notesMasterId r:id="rId69"/>
   </p:notesMasterIdLst>
   <p:handoutMasterIdLst>
-    <p:handoutMasterId r:id="rId69"/>
+    <p:handoutMasterId r:id="rId70"/>
   </p:handoutMasterIdLst>
   <p:sldIdLst>
-    <p:sldId id="281" r:id="rId5"/>
-    <p:sldId id="284" r:id="rId6"/>
-    <p:sldId id="283" r:id="rId7"/>
-    <p:sldId id="331" r:id="rId8"/>
-    <p:sldId id="317" r:id="rId9"/>
-    <p:sldId id="298" r:id="rId10"/>
-    <p:sldId id="294" r:id="rId11"/>
-    <p:sldId id="300" r:id="rId12"/>
-    <p:sldId id="385" r:id="rId13"/>
-    <p:sldId id="369" r:id="rId14"/>
-    <p:sldId id="370" r:id="rId15"/>
-    <p:sldId id="395" r:id="rId16"/>
-    <p:sldId id="366" r:id="rId17"/>
-    <p:sldId id="367" r:id="rId18"/>
-    <p:sldId id="368" r:id="rId19"/>
-    <p:sldId id="301" r:id="rId20"/>
-    <p:sldId id="400" r:id="rId21"/>
-    <p:sldId id="313" r:id="rId22"/>
-    <p:sldId id="312" r:id="rId23"/>
-    <p:sldId id="303" r:id="rId24"/>
-    <p:sldId id="304" r:id="rId25"/>
-    <p:sldId id="379" r:id="rId26"/>
-    <p:sldId id="316" r:id="rId27"/>
-    <p:sldId id="292" r:id="rId28"/>
-    <p:sldId id="380" r:id="rId29"/>
-    <p:sldId id="375" r:id="rId30"/>
-    <p:sldId id="374" r:id="rId31"/>
-    <p:sldId id="386" r:id="rId32"/>
-    <p:sldId id="387" r:id="rId33"/>
-    <p:sldId id="388" r:id="rId34"/>
-    <p:sldId id="389" r:id="rId35"/>
-    <p:sldId id="390" r:id="rId36"/>
-    <p:sldId id="337" r:id="rId37"/>
-    <p:sldId id="338" r:id="rId38"/>
-    <p:sldId id="377" r:id="rId39"/>
-    <p:sldId id="378" r:id="rId40"/>
-    <p:sldId id="340" r:id="rId41"/>
-    <p:sldId id="341" r:id="rId42"/>
-    <p:sldId id="342" r:id="rId43"/>
-    <p:sldId id="343" r:id="rId44"/>
-    <p:sldId id="344" r:id="rId45"/>
-    <p:sldId id="345" r:id="rId46"/>
-    <p:sldId id="346" r:id="rId47"/>
-    <p:sldId id="347" r:id="rId48"/>
-    <p:sldId id="348" r:id="rId49"/>
-    <p:sldId id="349" r:id="rId50"/>
-    <p:sldId id="350" r:id="rId51"/>
-    <p:sldId id="351" r:id="rId52"/>
-    <p:sldId id="352" r:id="rId53"/>
-    <p:sldId id="353" r:id="rId54"/>
-    <p:sldId id="354" r:id="rId55"/>
-    <p:sldId id="355" r:id="rId56"/>
-    <p:sldId id="356" r:id="rId57"/>
-    <p:sldId id="357" r:id="rId58"/>
-    <p:sldId id="358" r:id="rId59"/>
-    <p:sldId id="359" r:id="rId60"/>
-    <p:sldId id="360" r:id="rId61"/>
-    <p:sldId id="361" r:id="rId62"/>
-    <p:sldId id="362" r:id="rId63"/>
-    <p:sldId id="363" r:id="rId64"/>
-    <p:sldId id="287" r:id="rId65"/>
-    <p:sldId id="319" r:id="rId66"/>
-    <p:sldId id="320" r:id="rId67"/>
+    <p:sldId id="281" r:id="rId6"/>
+    <p:sldId id="284" r:id="rId7"/>
+    <p:sldId id="283" r:id="rId8"/>
+    <p:sldId id="331" r:id="rId9"/>
+    <p:sldId id="317" r:id="rId10"/>
+    <p:sldId id="298" r:id="rId11"/>
+    <p:sldId id="294" r:id="rId12"/>
+    <p:sldId id="300" r:id="rId13"/>
+    <p:sldId id="385" r:id="rId14"/>
+    <p:sldId id="369" r:id="rId15"/>
+    <p:sldId id="370" r:id="rId16"/>
+    <p:sldId id="395" r:id="rId17"/>
+    <p:sldId id="366" r:id="rId18"/>
+    <p:sldId id="367" r:id="rId19"/>
+    <p:sldId id="368" r:id="rId20"/>
+    <p:sldId id="301" r:id="rId21"/>
+    <p:sldId id="400" r:id="rId22"/>
+    <p:sldId id="313" r:id="rId23"/>
+    <p:sldId id="312" r:id="rId24"/>
+    <p:sldId id="303" r:id="rId25"/>
+    <p:sldId id="304" r:id="rId26"/>
+    <p:sldId id="379" r:id="rId27"/>
+    <p:sldId id="316" r:id="rId28"/>
+    <p:sldId id="292" r:id="rId29"/>
+    <p:sldId id="380" r:id="rId30"/>
+    <p:sldId id="375" r:id="rId31"/>
+    <p:sldId id="374" r:id="rId32"/>
+    <p:sldId id="386" r:id="rId33"/>
+    <p:sldId id="387" r:id="rId34"/>
+    <p:sldId id="388" r:id="rId35"/>
+    <p:sldId id="389" r:id="rId36"/>
+    <p:sldId id="390" r:id="rId37"/>
+    <p:sldId id="337" r:id="rId38"/>
+    <p:sldId id="338" r:id="rId39"/>
+    <p:sldId id="377" r:id="rId40"/>
+    <p:sldId id="378" r:id="rId41"/>
+    <p:sldId id="340" r:id="rId42"/>
+    <p:sldId id="341" r:id="rId43"/>
+    <p:sldId id="342" r:id="rId44"/>
+    <p:sldId id="343" r:id="rId45"/>
+    <p:sldId id="344" r:id="rId46"/>
+    <p:sldId id="345" r:id="rId47"/>
+    <p:sldId id="346" r:id="rId48"/>
+    <p:sldId id="347" r:id="rId49"/>
+    <p:sldId id="348" r:id="rId50"/>
+    <p:sldId id="349" r:id="rId51"/>
+    <p:sldId id="350" r:id="rId52"/>
+    <p:sldId id="351" r:id="rId53"/>
+    <p:sldId id="352" r:id="rId54"/>
+    <p:sldId id="353" r:id="rId55"/>
+    <p:sldId id="354" r:id="rId56"/>
+    <p:sldId id="355" r:id="rId57"/>
+    <p:sldId id="356" r:id="rId58"/>
+    <p:sldId id="357" r:id="rId59"/>
+    <p:sldId id="358" r:id="rId60"/>
+    <p:sldId id="359" r:id="rId61"/>
+    <p:sldId id="360" r:id="rId62"/>
+    <p:sldId id="361" r:id="rId63"/>
+    <p:sldId id="362" r:id="rId64"/>
+    <p:sldId id="363" r:id="rId65"/>
+    <p:sldId id="287" r:id="rId66"/>
+    <p:sldId id="319" r:id="rId67"/>
+    <p:sldId id="320" r:id="rId68"/>
   </p:sldIdLst>
   <p:sldSz cx="12192000" cy="6858000"/>
   <p:notesSz cx="6858000" cy="9144000"/>
@@ -4905,38 +4906,38 @@
   </dgm:ptLst>
   <dgm:cxnLst>
     <dgm:cxn modelId="{3B2A66A0-2D32-4255-8674-A9DD6D831E19}" srcId="{4D99B075-5B8D-41F0-B463-2391E4DAF5BD}" destId="{1CEDE794-719B-4E58-80F7-48946D6F4C39}" srcOrd="0" destOrd="0" parTransId="{E6B2A04F-1FBB-4F0E-8D11-C76E4E967A46}" sibTransId="{714E514D-C7F4-490F-87EC-E3771695FDF5}"/>
+    <dgm:cxn modelId="{486C4677-DBC2-4883-8193-AB2528E35C78}" type="presOf" srcId="{815CA2D0-9F97-4AE0-B7DC-D7A26339BD12}" destId="{EA3CD924-AA8D-4D40-801C-2CE03896AA08}" srcOrd="0" destOrd="3" presId="urn:microsoft.com/office/officeart/2005/8/layout/hList1"/>
+    <dgm:cxn modelId="{5ABD5F7F-01B3-4789-9C85-980185F4605C}" type="presOf" srcId="{1CEDE794-719B-4E58-80F7-48946D6F4C39}" destId="{179A36A7-8940-4968-A15E-8BA9BFD2EADA}" srcOrd="0" destOrd="0" presId="urn:microsoft.com/office/officeart/2005/8/layout/hList1"/>
+    <dgm:cxn modelId="{987D84AC-1995-46C2-AB6D-70C7D1C6D0E8}" type="presOf" srcId="{4D99B075-5B8D-41F0-B463-2391E4DAF5BD}" destId="{6853CB78-8BDB-4B63-81EA-4F520D881C0F}" srcOrd="0" destOrd="0" presId="urn:microsoft.com/office/officeart/2005/8/layout/hList1"/>
+    <dgm:cxn modelId="{85A50305-AF3C-4F0D-A180-BC83C6101C0B}" srcId="{1CEDE794-719B-4E58-80F7-48946D6F4C39}" destId="{6CA302D5-E71C-4B07-A956-A87A48FBE11E}" srcOrd="4" destOrd="0" parTransId="{9A06DA32-4724-4F0D-9CD5-32EBD2C1BE74}" sibTransId="{2BC4B70D-FAE0-4743-9365-421574CB135A}"/>
+    <dgm:cxn modelId="{BC313005-6D08-4455-BB47-39907BB03881}" srcId="{1CEDE794-719B-4E58-80F7-48946D6F4C39}" destId="{47FB3728-AA32-4818-9AF0-0E3769526CA9}" srcOrd="7" destOrd="0" parTransId="{6AD6215E-47D8-4FFF-A4C2-9E91C60029A0}" sibTransId="{A8CFC310-3273-4CFC-90A8-B6F6DC85158E}"/>
+    <dgm:cxn modelId="{358D56CD-180C-42C0-81C8-EAE9FD7DEFCC}" type="presOf" srcId="{8E311BFE-FEA8-40AA-94AA-C531718B3C19}" destId="{0A2A7896-0AED-4118-8FE5-55798E312CE8}" srcOrd="0" destOrd="0" presId="urn:microsoft.com/office/officeart/2005/8/layout/hList1"/>
+    <dgm:cxn modelId="{4A96B0CE-25AC-4674-A4E3-167B3BAA1E0D}" type="presOf" srcId="{790DA81C-827F-49F3-B484-93867AA16FBF}" destId="{EA3CD924-AA8D-4D40-801C-2CE03896AA08}" srcOrd="0" destOrd="5" presId="urn:microsoft.com/office/officeart/2005/8/layout/hList1"/>
+    <dgm:cxn modelId="{99BFCDB6-6749-4F06-8672-60F0BD61F889}" type="presOf" srcId="{6CA302D5-E71C-4B07-A956-A87A48FBE11E}" destId="{EA3CD924-AA8D-4D40-801C-2CE03896AA08}" srcOrd="0" destOrd="4" presId="urn:microsoft.com/office/officeart/2005/8/layout/hList1"/>
+    <dgm:cxn modelId="{FEC3A669-C5E7-4732-BF61-BF3F1D15BBEA}" srcId="{8E311BFE-FEA8-40AA-94AA-C531718B3C19}" destId="{07E516CC-E9E1-4692-A8CB-F52FBA9C761A}" srcOrd="0" destOrd="0" parTransId="{85D438C4-9C01-419B-8D65-B0114E3438BC}" sibTransId="{45C1FDB9-0E70-4932-848D-C5F2983BCF7A}"/>
+    <dgm:cxn modelId="{CC191964-0BBD-4F2E-B393-AA1E82A2AC99}" type="presOf" srcId="{DB766A19-E0AE-49E9-84FD-3C5ACA46A5AD}" destId="{39243CDD-24B6-43FE-91F8-C6FA1DF5F73B}" srcOrd="0" destOrd="1" presId="urn:microsoft.com/office/officeart/2005/8/layout/hList1"/>
+    <dgm:cxn modelId="{1C3449AC-A28D-4F0D-ADFC-40DA9F8A2E54}" type="presOf" srcId="{7C9FE737-C85F-44D1-95F4-73F1A915E28F}" destId="{EA3CD924-AA8D-4D40-801C-2CE03896AA08}" srcOrd="0" destOrd="2" presId="urn:microsoft.com/office/officeart/2005/8/layout/hList1"/>
+    <dgm:cxn modelId="{CAEB2122-24C6-4C04-9B66-BE264E9F76F8}" type="presOf" srcId="{B04F25B9-E07B-4DB5-8E65-DE78A8B468CE}" destId="{EA3CD924-AA8D-4D40-801C-2CE03896AA08}" srcOrd="0" destOrd="1" presId="urn:microsoft.com/office/officeart/2005/8/layout/hList1"/>
+    <dgm:cxn modelId="{8F3098E5-1678-4DA5-9A9C-78B3D0E0B0F8}" srcId="{1CEDE794-719B-4E58-80F7-48946D6F4C39}" destId="{815CA2D0-9F97-4AE0-B7DC-D7A26339BD12}" srcOrd="3" destOrd="0" parTransId="{5559E3AE-085A-40DF-A72F-64B167C2A21C}" sibTransId="{79D0E9CB-B192-40E8-99A8-5B66A3B55E22}"/>
+    <dgm:cxn modelId="{8B4B8FEC-3F34-49A7-9B98-21C56333C94B}" srcId="{1CEDE794-719B-4E58-80F7-48946D6F4C39}" destId="{F3EC264E-870D-488D-88C1-CFC5E4C109AE}" srcOrd="6" destOrd="0" parTransId="{DF7564D6-E85F-4611-9CAA-3658A84D7A0F}" sibTransId="{863491DB-1946-42D7-8EF6-2CCB6DFAB983}"/>
+    <dgm:cxn modelId="{019A10A4-C311-449E-98E0-6610C9C23FC7}" type="presOf" srcId="{07E516CC-E9E1-4692-A8CB-F52FBA9C761A}" destId="{F4A56BDE-BD38-478E-8D2B-7EA702532799}" srcOrd="0" destOrd="0" presId="urn:microsoft.com/office/officeart/2005/8/layout/hList1"/>
+    <dgm:cxn modelId="{E2D07DED-C8F4-43C4-91B2-CF06C8709043}" srcId="{1ED607FF-3661-425A-AF4F-60A73BEB2917}" destId="{CB9FB6F4-C873-40AE-93FD-447C34F4F608}" srcOrd="0" destOrd="0" parTransId="{A1133099-BA20-41F6-BF63-B27632B83B87}" sibTransId="{DA3A5BAC-2761-4922-A3F8-8071B2C32422}"/>
+    <dgm:cxn modelId="{C311A6C2-6F77-4DD7-AFFA-44A57AA556FE}" srcId="{8E311BFE-FEA8-40AA-94AA-C531718B3C19}" destId="{B62F930F-0EB8-4AF6-BDBD-A3BB9B2D50F0}" srcOrd="1" destOrd="0" parTransId="{9B4C9B65-9AB5-422A-8435-CE4A9D2F329C}" sibTransId="{1DACF60F-8840-40E2-95A2-10739A847260}"/>
     <dgm:cxn modelId="{0AAA31D9-55CA-4D86-80FA-50427296F34E}" srcId="{1CEDE794-719B-4E58-80F7-48946D6F4C39}" destId="{790DA81C-827F-49F3-B484-93867AA16FBF}" srcOrd="5" destOrd="0" parTransId="{BC59E756-AA71-4521-AE07-8DADE9EDFDB5}" sibTransId="{21717FCD-31BF-4820-9663-2B70FB1808B0}"/>
-    <dgm:cxn modelId="{8F3098E5-1678-4DA5-9A9C-78B3D0E0B0F8}" srcId="{1CEDE794-719B-4E58-80F7-48946D6F4C39}" destId="{815CA2D0-9F97-4AE0-B7DC-D7A26339BD12}" srcOrd="3" destOrd="0" parTransId="{5559E3AE-085A-40DF-A72F-64B167C2A21C}" sibTransId="{79D0E9CB-B192-40E8-99A8-5B66A3B55E22}"/>
+    <dgm:cxn modelId="{7EBEEDD6-24B4-425A-A947-B4EA5AA2CB79}" type="presOf" srcId="{47FB3728-AA32-4818-9AF0-0E3769526CA9}" destId="{EA3CD924-AA8D-4D40-801C-2CE03896AA08}" srcOrd="0" destOrd="7" presId="urn:microsoft.com/office/officeart/2005/8/layout/hList1"/>
+    <dgm:cxn modelId="{58B0588E-6BFA-41C6-AAC3-AD1EE63F1DF7}" srcId="{4D99B075-5B8D-41F0-B463-2391E4DAF5BD}" destId="{1ED607FF-3661-425A-AF4F-60A73BEB2917}" srcOrd="1" destOrd="0" parTransId="{6A97A7A7-2E1B-4B7D-8B28-3C6A62AE2A0F}" sibTransId="{AD29A381-936A-49C0-8401-9FAD2DC7DF61}"/>
+    <dgm:cxn modelId="{BB8F22F7-D8B3-49A0-80DD-37EFEAF14379}" type="presOf" srcId="{B62F930F-0EB8-4AF6-BDBD-A3BB9B2D50F0}" destId="{F4A56BDE-BD38-478E-8D2B-7EA702532799}" srcOrd="0" destOrd="1" presId="urn:microsoft.com/office/officeart/2005/8/layout/hList1"/>
+    <dgm:cxn modelId="{EA008D61-617C-4D4B-860F-B6A3F4136286}" srcId="{1CEDE794-719B-4E58-80F7-48946D6F4C39}" destId="{B04F25B9-E07B-4DB5-8E65-DE78A8B468CE}" srcOrd="1" destOrd="0" parTransId="{27B7B590-88F9-413B-840F-C670DF8F88FD}" sibTransId="{E44F76D6-6930-4A58-8B13-114643E19C2A}"/>
+    <dgm:cxn modelId="{C12E7C47-BD92-442A-9FCF-BB2DA309ADE2}" srcId="{8E311BFE-FEA8-40AA-94AA-C531718B3C19}" destId="{9FF610F0-8163-4E50-845C-D03669A1C672}" srcOrd="2" destOrd="0" parTransId="{AB59D3B1-DC7B-4B8F-B38E-5A19B6B9515E}" sibTransId="{EE4766AD-C96B-430C-9E65-FB437C5EBE8A}"/>
     <dgm:cxn modelId="{1CAD3395-6965-4892-B5E2-A84760532C60}" srcId="{1ED607FF-3661-425A-AF4F-60A73BEB2917}" destId="{DB766A19-E0AE-49E9-84FD-3C5ACA46A5AD}" srcOrd="1" destOrd="0" parTransId="{E5813D5C-5983-4B83-A28D-6480A253EFD1}" sibTransId="{CAC688FD-8C2E-43F5-8E33-FB2064EE5751}"/>
-    <dgm:cxn modelId="{358D56CD-180C-42C0-81C8-EAE9FD7DEFCC}" type="presOf" srcId="{8E311BFE-FEA8-40AA-94AA-C531718B3C19}" destId="{0A2A7896-0AED-4118-8FE5-55798E312CE8}" srcOrd="0" destOrd="0" presId="urn:microsoft.com/office/officeart/2005/8/layout/hList1"/>
-    <dgm:cxn modelId="{CC191964-0BBD-4F2E-B393-AA1E82A2AC99}" type="presOf" srcId="{DB766A19-E0AE-49E9-84FD-3C5ACA46A5AD}" destId="{39243CDD-24B6-43FE-91F8-C6FA1DF5F73B}" srcOrd="0" destOrd="1" presId="urn:microsoft.com/office/officeart/2005/8/layout/hList1"/>
-    <dgm:cxn modelId="{C311A6C2-6F77-4DD7-AFFA-44A57AA556FE}" srcId="{8E311BFE-FEA8-40AA-94AA-C531718B3C19}" destId="{B62F930F-0EB8-4AF6-BDBD-A3BB9B2D50F0}" srcOrd="1" destOrd="0" parTransId="{9B4C9B65-9AB5-422A-8435-CE4A9D2F329C}" sibTransId="{1DACF60F-8840-40E2-95A2-10739A847260}"/>
-    <dgm:cxn modelId="{4A96B0CE-25AC-4674-A4E3-167B3BAA1E0D}" type="presOf" srcId="{790DA81C-827F-49F3-B484-93867AA16FBF}" destId="{EA3CD924-AA8D-4D40-801C-2CE03896AA08}" srcOrd="0" destOrd="5" presId="urn:microsoft.com/office/officeart/2005/8/layout/hList1"/>
-    <dgm:cxn modelId="{019A10A4-C311-449E-98E0-6610C9C23FC7}" type="presOf" srcId="{07E516CC-E9E1-4692-A8CB-F52FBA9C761A}" destId="{F4A56BDE-BD38-478E-8D2B-7EA702532799}" srcOrd="0" destOrd="0" presId="urn:microsoft.com/office/officeart/2005/8/layout/hList1"/>
-    <dgm:cxn modelId="{CAEB2122-24C6-4C04-9B66-BE264E9F76F8}" type="presOf" srcId="{B04F25B9-E07B-4DB5-8E65-DE78A8B468CE}" destId="{EA3CD924-AA8D-4D40-801C-2CE03896AA08}" srcOrd="0" destOrd="1" presId="urn:microsoft.com/office/officeart/2005/8/layout/hList1"/>
-    <dgm:cxn modelId="{E2D07DED-C8F4-43C4-91B2-CF06C8709043}" srcId="{1ED607FF-3661-425A-AF4F-60A73BEB2917}" destId="{CB9FB6F4-C873-40AE-93FD-447C34F4F608}" srcOrd="0" destOrd="0" parTransId="{A1133099-BA20-41F6-BF63-B27632B83B87}" sibTransId="{DA3A5BAC-2761-4922-A3F8-8071B2C32422}"/>
-    <dgm:cxn modelId="{486C4677-DBC2-4883-8193-AB2528E35C78}" type="presOf" srcId="{815CA2D0-9F97-4AE0-B7DC-D7A26339BD12}" destId="{EA3CD924-AA8D-4D40-801C-2CE03896AA08}" srcOrd="0" destOrd="3" presId="urn:microsoft.com/office/officeart/2005/8/layout/hList1"/>
+    <dgm:cxn modelId="{437A6FC3-D84C-40A2-A019-B9F212B0774B}" srcId="{1CEDE794-719B-4E58-80F7-48946D6F4C39}" destId="{C47E1CBB-7813-44F4-B3D8-17FA20E63B3F}" srcOrd="0" destOrd="0" parTransId="{EA9BB675-0845-4246-A6FC-C09C9340CDB2}" sibTransId="{D825F73A-BC15-4801-B277-CE084C864DD4}"/>
     <dgm:cxn modelId="{B66EE2A1-2E3E-4E05-BF33-59B39762F6B8}" type="presOf" srcId="{9FF610F0-8163-4E50-845C-D03669A1C672}" destId="{F4A56BDE-BD38-478E-8D2B-7EA702532799}" srcOrd="0" destOrd="2" presId="urn:microsoft.com/office/officeart/2005/8/layout/hList1"/>
-    <dgm:cxn modelId="{7EBEEDD6-24B4-425A-A947-B4EA5AA2CB79}" type="presOf" srcId="{47FB3728-AA32-4818-9AF0-0E3769526CA9}" destId="{EA3CD924-AA8D-4D40-801C-2CE03896AA08}" srcOrd="0" destOrd="7" presId="urn:microsoft.com/office/officeart/2005/8/layout/hList1"/>
-    <dgm:cxn modelId="{85A50305-AF3C-4F0D-A180-BC83C6101C0B}" srcId="{1CEDE794-719B-4E58-80F7-48946D6F4C39}" destId="{6CA302D5-E71C-4B07-A956-A87A48FBE11E}" srcOrd="4" destOrd="0" parTransId="{9A06DA32-4724-4F0D-9CD5-32EBD2C1BE74}" sibTransId="{2BC4B70D-FAE0-4743-9365-421574CB135A}"/>
-    <dgm:cxn modelId="{58B0588E-6BFA-41C6-AAC3-AD1EE63F1DF7}" srcId="{4D99B075-5B8D-41F0-B463-2391E4DAF5BD}" destId="{1ED607FF-3661-425A-AF4F-60A73BEB2917}" srcOrd="1" destOrd="0" parTransId="{6A97A7A7-2E1B-4B7D-8B28-3C6A62AE2A0F}" sibTransId="{AD29A381-936A-49C0-8401-9FAD2DC7DF61}"/>
-    <dgm:cxn modelId="{8B4B8FEC-3F34-49A7-9B98-21C56333C94B}" srcId="{1CEDE794-719B-4E58-80F7-48946D6F4C39}" destId="{F3EC264E-870D-488D-88C1-CFC5E4C109AE}" srcOrd="6" destOrd="0" parTransId="{DF7564D6-E85F-4611-9CAA-3658A84D7A0F}" sibTransId="{863491DB-1946-42D7-8EF6-2CCB6DFAB983}"/>
+    <dgm:cxn modelId="{B68B5B9F-BE4F-4C4F-AA7F-E64EE2901F6E}" type="presOf" srcId="{C47E1CBB-7813-44F4-B3D8-17FA20E63B3F}" destId="{EA3CD924-AA8D-4D40-801C-2CE03896AA08}" srcOrd="0" destOrd="0" presId="urn:microsoft.com/office/officeart/2005/8/layout/hList1"/>
+    <dgm:cxn modelId="{6D0E1069-EC92-4D92-998B-B464A2A61462}" type="presOf" srcId="{CB9FB6F4-C873-40AE-93FD-447C34F4F608}" destId="{39243CDD-24B6-43FE-91F8-C6FA1DF5F73B}" srcOrd="0" destOrd="0" presId="urn:microsoft.com/office/officeart/2005/8/layout/hList1"/>
+    <dgm:cxn modelId="{E1FC8BD9-C7CD-4DD7-8EC4-14CE65DAA5A5}" type="presOf" srcId="{1ED607FF-3661-425A-AF4F-60A73BEB2917}" destId="{7A18D30B-EFAB-4DDD-BDBA-F0EFFC0400F4}" srcOrd="0" destOrd="0" presId="urn:microsoft.com/office/officeart/2005/8/layout/hList1"/>
     <dgm:cxn modelId="{12A91E2E-7633-4DB0-884C-9AC7796A22DE}" srcId="{4D99B075-5B8D-41F0-B463-2391E4DAF5BD}" destId="{8E311BFE-FEA8-40AA-94AA-C531718B3C19}" srcOrd="2" destOrd="0" parTransId="{BEE7A90B-3BA5-489E-B4A6-38893BCD316A}" sibTransId="{5AA8B9C9-042C-4A12-9907-69FA09412143}"/>
-    <dgm:cxn modelId="{E1FC8BD9-C7CD-4DD7-8EC4-14CE65DAA5A5}" type="presOf" srcId="{1ED607FF-3661-425A-AF4F-60A73BEB2917}" destId="{7A18D30B-EFAB-4DDD-BDBA-F0EFFC0400F4}" srcOrd="0" destOrd="0" presId="urn:microsoft.com/office/officeart/2005/8/layout/hList1"/>
-    <dgm:cxn modelId="{1C3449AC-A28D-4F0D-ADFC-40DA9F8A2E54}" type="presOf" srcId="{7C9FE737-C85F-44D1-95F4-73F1A915E28F}" destId="{EA3CD924-AA8D-4D40-801C-2CE03896AA08}" srcOrd="0" destOrd="2" presId="urn:microsoft.com/office/officeart/2005/8/layout/hList1"/>
-    <dgm:cxn modelId="{C12E7C47-BD92-442A-9FCF-BB2DA309ADE2}" srcId="{8E311BFE-FEA8-40AA-94AA-C531718B3C19}" destId="{9FF610F0-8163-4E50-845C-D03669A1C672}" srcOrd="2" destOrd="0" parTransId="{AB59D3B1-DC7B-4B8F-B38E-5A19B6B9515E}" sibTransId="{EE4766AD-C96B-430C-9E65-FB437C5EBE8A}"/>
-    <dgm:cxn modelId="{FEC3A669-C5E7-4732-BF61-BF3F1D15BBEA}" srcId="{8E311BFE-FEA8-40AA-94AA-C531718B3C19}" destId="{07E516CC-E9E1-4692-A8CB-F52FBA9C761A}" srcOrd="0" destOrd="0" parTransId="{85D438C4-9C01-419B-8D65-B0114E3438BC}" sibTransId="{45C1FDB9-0E70-4932-848D-C5F2983BCF7A}"/>
-    <dgm:cxn modelId="{99BFCDB6-6749-4F06-8672-60F0BD61F889}" type="presOf" srcId="{6CA302D5-E71C-4B07-A956-A87A48FBE11E}" destId="{EA3CD924-AA8D-4D40-801C-2CE03896AA08}" srcOrd="0" destOrd="4" presId="urn:microsoft.com/office/officeart/2005/8/layout/hList1"/>
+    <dgm:cxn modelId="{1124A44A-0CC2-41D4-A995-FE5FCFD5D238}" srcId="{1CEDE794-719B-4E58-80F7-48946D6F4C39}" destId="{7C9FE737-C85F-44D1-95F4-73F1A915E28F}" srcOrd="2" destOrd="0" parTransId="{CFCB3D5D-58E7-4444-AB17-ACD046B9494F}" sibTransId="{4902581D-0D57-407A-A2E6-2A5B546BE130}"/>
     <dgm:cxn modelId="{B2EE5084-3141-4094-8FF7-7C550013DA43}" type="presOf" srcId="{F3EC264E-870D-488D-88C1-CFC5E4C109AE}" destId="{EA3CD924-AA8D-4D40-801C-2CE03896AA08}" srcOrd="0" destOrd="6" presId="urn:microsoft.com/office/officeart/2005/8/layout/hList1"/>
-    <dgm:cxn modelId="{1124A44A-0CC2-41D4-A995-FE5FCFD5D238}" srcId="{1CEDE794-719B-4E58-80F7-48946D6F4C39}" destId="{7C9FE737-C85F-44D1-95F4-73F1A915E28F}" srcOrd="2" destOrd="0" parTransId="{CFCB3D5D-58E7-4444-AB17-ACD046B9494F}" sibTransId="{4902581D-0D57-407A-A2E6-2A5B546BE130}"/>
-    <dgm:cxn modelId="{BC313005-6D08-4455-BB47-39907BB03881}" srcId="{1CEDE794-719B-4E58-80F7-48946D6F4C39}" destId="{47FB3728-AA32-4818-9AF0-0E3769526CA9}" srcOrd="7" destOrd="0" parTransId="{6AD6215E-47D8-4FFF-A4C2-9E91C60029A0}" sibTransId="{A8CFC310-3273-4CFC-90A8-B6F6DC85158E}"/>
-    <dgm:cxn modelId="{6D0E1069-EC92-4D92-998B-B464A2A61462}" type="presOf" srcId="{CB9FB6F4-C873-40AE-93FD-447C34F4F608}" destId="{39243CDD-24B6-43FE-91F8-C6FA1DF5F73B}" srcOrd="0" destOrd="0" presId="urn:microsoft.com/office/officeart/2005/8/layout/hList1"/>
-    <dgm:cxn modelId="{987D84AC-1995-46C2-AB6D-70C7D1C6D0E8}" type="presOf" srcId="{4D99B075-5B8D-41F0-B463-2391E4DAF5BD}" destId="{6853CB78-8BDB-4B63-81EA-4F520D881C0F}" srcOrd="0" destOrd="0" presId="urn:microsoft.com/office/officeart/2005/8/layout/hList1"/>
-    <dgm:cxn modelId="{5ABD5F7F-01B3-4789-9C85-980185F4605C}" type="presOf" srcId="{1CEDE794-719B-4E58-80F7-48946D6F4C39}" destId="{179A36A7-8940-4968-A15E-8BA9BFD2EADA}" srcOrd="0" destOrd="0" presId="urn:microsoft.com/office/officeart/2005/8/layout/hList1"/>
-    <dgm:cxn modelId="{437A6FC3-D84C-40A2-A019-B9F212B0774B}" srcId="{1CEDE794-719B-4E58-80F7-48946D6F4C39}" destId="{C47E1CBB-7813-44F4-B3D8-17FA20E63B3F}" srcOrd="0" destOrd="0" parTransId="{EA9BB675-0845-4246-A6FC-C09C9340CDB2}" sibTransId="{D825F73A-BC15-4801-B277-CE084C864DD4}"/>
-    <dgm:cxn modelId="{BB8F22F7-D8B3-49A0-80DD-37EFEAF14379}" type="presOf" srcId="{B62F930F-0EB8-4AF6-BDBD-A3BB9B2D50F0}" destId="{F4A56BDE-BD38-478E-8D2B-7EA702532799}" srcOrd="0" destOrd="1" presId="urn:microsoft.com/office/officeart/2005/8/layout/hList1"/>
-    <dgm:cxn modelId="{B68B5B9F-BE4F-4C4F-AA7F-E64EE2901F6E}" type="presOf" srcId="{C47E1CBB-7813-44F4-B3D8-17FA20E63B3F}" destId="{EA3CD924-AA8D-4D40-801C-2CE03896AA08}" srcOrd="0" destOrd="0" presId="urn:microsoft.com/office/officeart/2005/8/layout/hList1"/>
-    <dgm:cxn modelId="{EA008D61-617C-4D4B-860F-B6A3F4136286}" srcId="{1CEDE794-719B-4E58-80F7-48946D6F4C39}" destId="{B04F25B9-E07B-4DB5-8E65-DE78A8B468CE}" srcOrd="1" destOrd="0" parTransId="{27B7B590-88F9-413B-840F-C670DF8F88FD}" sibTransId="{E44F76D6-6930-4A58-8B13-114643E19C2A}"/>
     <dgm:cxn modelId="{BBEA0F7F-B49A-4752-A2FD-358ADCD95328}" type="presParOf" srcId="{6853CB78-8BDB-4B63-81EA-4F520D881C0F}" destId="{30A9E795-98B0-44B0-919A-C881F858632B}" srcOrd="0" destOrd="0" presId="urn:microsoft.com/office/officeart/2005/8/layout/hList1"/>
     <dgm:cxn modelId="{132F3788-31F2-43E0-8D56-BD5D38667E58}" type="presParOf" srcId="{30A9E795-98B0-44B0-919A-C881F858632B}" destId="{179A36A7-8940-4968-A15E-8BA9BFD2EADA}" srcOrd="0" destOrd="0" presId="urn:microsoft.com/office/officeart/2005/8/layout/hList1"/>
     <dgm:cxn modelId="{4DBBFE47-2C6D-412A-8599-0DC8D4868E62}" type="presParOf" srcId="{30A9E795-98B0-44B0-919A-C881F858632B}" destId="{EA3CD924-AA8D-4D40-801C-2CE03896AA08}" srcOrd="1" destOrd="0" presId="urn:microsoft.com/office/officeart/2005/8/layout/hList1"/>
@@ -14663,7 +14664,7 @@
             </a:lvl1pPr>
           </a:lstStyle>
           <a:p>
-            <a:endParaRPr lang="en-US"/>
+            <a:endParaRPr lang="en-US" dirty="0"/>
           </a:p>
         </p:txBody>
       </p:sp>
@@ -14696,9 +14697,9 @@
           <a:p>
             <a:fld id="{08785AD7-566F-4C71-A877-61487786B932}" type="datetimeFigureOut">
               <a:rPr lang="en-US" smtClean="0"/>
-              <a:t>06/07/2016</a:t>
+              <a:t>7/5/2016</a:t>
             </a:fld>
-            <a:endParaRPr lang="en-US"/>
+            <a:endParaRPr lang="en-US" dirty="0"/>
           </a:p>
         </p:txBody>
       </p:sp>
@@ -14729,7 +14730,7 @@
             </a:lvl1pPr>
           </a:lstStyle>
           <a:p>
-            <a:endParaRPr lang="en-US"/>
+            <a:endParaRPr lang="en-US" dirty="0"/>
           </a:p>
         </p:txBody>
       </p:sp>
@@ -14764,7 +14765,7 @@
               <a:rPr lang="en-US" smtClean="0"/>
               <a:t>‹#›</a:t>
             </a:fld>
-            <a:endParaRPr lang="en-US"/>
+            <a:endParaRPr lang="en-US" dirty="0"/>
           </a:p>
         </p:txBody>
       </p:sp>
@@ -14828,7 +14829,7 @@
             </a:lvl1pPr>
           </a:lstStyle>
           <a:p>
-            <a:endParaRPr lang="en-US"/>
+            <a:endParaRPr lang="en-US" dirty="0"/>
           </a:p>
         </p:txBody>
       </p:sp>
@@ -14861,9 +14862,9 @@
           <a:p>
             <a:fld id="{3AC152BB-29D3-4366-9432-ADC86E136C03}" type="datetimeFigureOut">
               <a:rPr lang="en-US" smtClean="0"/>
-              <a:t>06/07/2016</a:t>
+              <a:t>7/5/2016</a:t>
             </a:fld>
-            <a:endParaRPr lang="en-US"/>
+            <a:endParaRPr lang="en-US" dirty="0"/>
           </a:p>
         </p:txBody>
       </p:sp>
@@ -14896,7 +14897,7 @@
           <a:bodyPr vert="horz" lIns="91440" tIns="45720" rIns="91440" bIns="45720" rtlCol="0" anchor="ctr"/>
           <a:lstStyle/>
           <a:p>
-            <a:endParaRPr lang="en-US"/>
+            <a:endParaRPr lang="en-US" dirty="0"/>
           </a:p>
         </p:txBody>
       </p:sp>
@@ -14986,7 +14987,7 @@
             </a:lvl1pPr>
           </a:lstStyle>
           <a:p>
-            <a:endParaRPr lang="en-US"/>
+            <a:endParaRPr lang="en-US" dirty="0"/>
           </a:p>
         </p:txBody>
       </p:sp>
@@ -15021,7 +15022,7 @@
               <a:rPr lang="en-US" smtClean="0"/>
               <a:t>‹#›</a:t>
             </a:fld>
-            <a:endParaRPr lang="en-US"/>
+            <a:endParaRPr lang="en-US" dirty="0"/>
           </a:p>
         </p:txBody>
       </p:sp>
@@ -15471,7 +15472,7 @@
               <a:rPr lang="en-US" smtClean="0"/>
               <a:t>1</a:t>
             </a:fld>
-            <a:endParaRPr lang="en-US"/>
+            <a:endParaRPr lang="en-US" dirty="0"/>
           </a:p>
         </p:txBody>
       </p:sp>
@@ -15628,7 +15629,7 @@
           <a:p>
             <a:pPr defTabSz="914099" eaLnBrk="0" hangingPunct="0"/>
             <a:r>
-              <a:rPr lang="en-US" sz="400">
+              <a:rPr lang="en-US" sz="400" dirty="0">
                 <a:gradFill>
                   <a:gsLst>
                     <a:gs pos="0">
@@ -15646,22 +15647,6 @@
               </a:rPr>
               <a:t>© 2014 Microsoft Corporation. All rights reserved. MICROSOFT MAKES NO WARRANTIES, EXPRESS, IMPLIED OR STATUTORY, AS TO THE INFORMATION IN THIS PRESENTATION.</a:t>
             </a:r>
-            <a:endParaRPr lang="en-US" sz="400" dirty="0">
-              <a:gradFill>
-                <a:gsLst>
-                  <a:gs pos="0">
-                    <a:prstClr val="black"/>
-                  </a:gs>
-                  <a:gs pos="100000">
-                    <a:prstClr val="black"/>
-                  </a:gs>
-                </a:gsLst>
-                <a:lin ang="5400000" scaled="0"/>
-              </a:gradFill>
-              <a:latin typeface="Segoe UI" pitchFamily="34" charset="0"/>
-              <a:ea typeface="Segoe UI" pitchFamily="34" charset="0"/>
-              <a:cs typeface="Segoe UI" pitchFamily="34" charset="0"/>
-            </a:endParaRPr>
           </a:p>
         </p:txBody>
       </p:sp>
@@ -15682,7 +15667,7 @@
           <a:p>
             <a:fld id="{38EEC551-8CDA-4EB6-89BB-2A86C9F091C8}" type="datetime8">
               <a:rPr lang="en-US" smtClean="0"/>
-              <a:t>06/07/2016 11:11</a:t>
+              <a:t>7/5/2016 12:00 PM</a:t>
             </a:fld>
             <a:endParaRPr lang="en-US" dirty="0"/>
           </a:p>
@@ -15856,7 +15841,7 @@
               <a:rPr lang="en-US" smtClean="0"/>
               <a:t>18</a:t>
             </a:fld>
-            <a:endParaRPr lang="en-US"/>
+            <a:endParaRPr lang="en-US" dirty="0"/>
           </a:p>
         </p:txBody>
       </p:sp>
@@ -15966,7 +15951,7 @@
               <a:rPr lang="en-US" smtClean="0"/>
               <a:t>19</a:t>
             </a:fld>
-            <a:endParaRPr lang="en-US"/>
+            <a:endParaRPr lang="en-US" dirty="0"/>
           </a:p>
         </p:txBody>
       </p:sp>
@@ -16061,7 +16046,7 @@
               <a:rPr lang="en-US" smtClean="0"/>
               <a:t>20</a:t>
             </a:fld>
-            <a:endParaRPr lang="en-US"/>
+            <a:endParaRPr lang="en-US" dirty="0"/>
           </a:p>
         </p:txBody>
       </p:sp>
@@ -16128,15 +16113,7 @@
             </a:r>
             <a:r>
               <a:rPr lang="en-US" dirty="0"/>
-              <a:t> – A REST API that customers and partners can use to get their usage data for an Azure subscription. As part of this new Billing API we now correlate the usage/costs by the resource tags you can now set </a:t>
-            </a:r>
-            <a:r>
-              <a:rPr lang="en-US" dirty="0" err="1"/>
-              <a:t>set</a:t>
-            </a:r>
-            <a:r>
-              <a:rPr lang="en-US" dirty="0"/>
-              <a:t> on your Azure resources (for example: you could assign a tag “Department </a:t>
+              <a:t> – A REST API that customers and partners can use to get their usage data for an Azure subscription. As part of this new Billing API we now correlate the usage/costs by the resource tags you can now set on your Azure resources (for example: you could assign a tag “Department </a:t>
             </a:r>
             <a:r>
               <a:rPr lang="en-US" dirty="0" err="1"/>
@@ -16503,7 +16480,7 @@
           <a:p>
             <a:fld id="{38EEC551-8CDA-4EB6-89BB-2A86C9F091C8}" type="datetime8">
               <a:rPr lang="en-US" smtClean="0"/>
-              <a:t>06/07/2016 11:11</a:t>
+              <a:t>7/5/2016 12:00 PM</a:t>
             </a:fld>
             <a:endParaRPr lang="en-US" dirty="0"/>
           </a:p>
@@ -16688,7 +16665,7 @@
           <a:p>
             <a:fld id="{38EEC551-8CDA-4EB6-89BB-2A86C9F091C8}" type="datetime8">
               <a:rPr lang="en-US" smtClean="0"/>
-              <a:t>06/07/2016 11:11</a:t>
+              <a:t>7/5/2016 12:00 PM</a:t>
             </a:fld>
             <a:endParaRPr lang="en-US" dirty="0"/>
           </a:p>
@@ -16876,7 +16853,7 @@
             <a:fld id="{D51B1278-D92B-4AF3-A9C1-71DD298190CE}" type="datetimeFigureOut">
               <a:rPr lang="en-US" smtClean="0"/>
               <a:pPr/>
-              <a:t>06/07/2016</a:t>
+              <a:t>7/5/2016</a:t>
             </a:fld>
             <a:endParaRPr lang="en-US" dirty="0"/>
           </a:p>
@@ -17075,7 +17052,7 @@
             <a:fld id="{D51B1278-D92B-4AF3-A9C1-71DD298190CE}" type="datetimeFigureOut">
               <a:rPr lang="en-US" smtClean="0"/>
               <a:pPr/>
-              <a:t>06/07/2016</a:t>
+              <a:t>7/5/2016</a:t>
             </a:fld>
             <a:endParaRPr lang="en-US" dirty="0"/>
           </a:p>
@@ -17200,7 +17177,7 @@
               <a:rPr lang="en-US" smtClean="0"/>
               <a:t>4</a:t>
             </a:fld>
-            <a:endParaRPr lang="en-US"/>
+            <a:endParaRPr lang="en-US" dirty="0"/>
           </a:p>
         </p:txBody>
       </p:sp>
@@ -17360,7 +17337,7 @@
           <a:p>
             <a:fld id="{7D10C09F-FCA1-48C8-B40D-42E1045D109E}" type="datetime8">
               <a:rPr lang="en-US" smtClean="0"/>
-              <a:t>06/07/2016 11:11</a:t>
+              <a:t>7/5/2016 12:00 PM</a:t>
             </a:fld>
             <a:endParaRPr lang="en-US" dirty="0"/>
           </a:p>
@@ -17541,7 +17518,7 @@
           <a:p>
             <a:fld id="{38EEC551-8CDA-4EB6-89BB-2A86C9F091C8}" type="datetime8">
               <a:rPr lang="en-US" smtClean="0"/>
-              <a:t>06/07/2016 11:11</a:t>
+              <a:t>7/5/2016 12:00 PM</a:t>
             </a:fld>
             <a:endParaRPr lang="en-US" dirty="0"/>
           </a:p>
@@ -17729,7 +17706,7 @@
             <a:fld id="{D51B1278-D92B-4AF3-A9C1-71DD298190CE}" type="datetimeFigureOut">
               <a:rPr lang="en-US" smtClean="0"/>
               <a:pPr/>
-              <a:t>06/07/2016</a:t>
+              <a:t>7/5/2016</a:t>
             </a:fld>
             <a:endParaRPr lang="en-US" dirty="0"/>
           </a:p>
@@ -17942,7 +17919,7 @@
           <a:p>
             <a:fld id="{38EEC551-8CDA-4EB6-89BB-2A86C9F091C8}" type="datetime8">
               <a:rPr lang="en-US" smtClean="0"/>
-              <a:t>06/07/2016 11:11</a:t>
+              <a:t>7/5/2016 12:00 PM</a:t>
             </a:fld>
             <a:endParaRPr lang="en-US" dirty="0"/>
           </a:p>
@@ -18123,7 +18100,7 @@
           <a:p>
             <a:fld id="{38EEC551-8CDA-4EB6-89BB-2A86C9F091C8}" type="datetime8">
               <a:rPr lang="en-US" smtClean="0"/>
-              <a:t>06/07/2016 11:11</a:t>
+              <a:t>7/5/2016 12:00 PM</a:t>
             </a:fld>
             <a:endParaRPr lang="en-US" dirty="0"/>
           </a:p>
@@ -18356,7 +18333,7 @@
           <a:p>
             <a:fld id="{38EEC551-8CDA-4EB6-89BB-2A86C9F091C8}" type="datetime8">
               <a:rPr lang="en-US" smtClean="0"/>
-              <a:t>06/07/2016 11:11</a:t>
+              <a:t>7/5/2016 12:00 PM</a:t>
             </a:fld>
             <a:endParaRPr lang="en-US" dirty="0"/>
           </a:p>
@@ -18564,7 +18541,7 @@
           <a:p>
             <a:fld id="{38EEC551-8CDA-4EB6-89BB-2A86C9F091C8}" type="datetime8">
               <a:rPr lang="en-US" smtClean="0"/>
-              <a:t>06/07/2016 11:11</a:t>
+              <a:t>7/5/2016 12:00 PM</a:t>
             </a:fld>
             <a:endParaRPr lang="en-US" dirty="0"/>
           </a:p>
@@ -18730,7 +18707,7 @@
           <a:p>
             <a:pPr defTabSz="914099" eaLnBrk="0" hangingPunct="0"/>
             <a:r>
-              <a:rPr lang="en-US" sz="400">
+              <a:rPr lang="en-US" sz="400" dirty="0">
                 <a:gradFill>
                   <a:gsLst>
                     <a:gs pos="0">
@@ -18748,22 +18725,6 @@
               </a:rPr>
               <a:t>© 2014 Microsoft Corporation. All rights reserved. MICROSOFT MAKES NO WARRANTIES, EXPRESS, IMPLIED OR STATUTORY, AS TO THE INFORMATION IN THIS PRESENTATION.</a:t>
             </a:r>
-            <a:endParaRPr lang="en-US" sz="400" dirty="0">
-              <a:gradFill>
-                <a:gsLst>
-                  <a:gs pos="0">
-                    <a:prstClr val="black"/>
-                  </a:gs>
-                  <a:gs pos="100000">
-                    <a:prstClr val="black"/>
-                  </a:gs>
-                </a:gsLst>
-                <a:lin ang="5400000" scaled="0"/>
-              </a:gradFill>
-              <a:latin typeface="Segoe UI" pitchFamily="34" charset="0"/>
-              <a:ea typeface="Segoe UI" pitchFamily="34" charset="0"/>
-              <a:cs typeface="Segoe UI" pitchFamily="34" charset="0"/>
-            </a:endParaRPr>
           </a:p>
         </p:txBody>
       </p:sp>
@@ -18784,7 +18745,7 @@
           <a:p>
             <a:fld id="{38EEC551-8CDA-4EB6-89BB-2A86C9F091C8}" type="datetime8">
               <a:rPr lang="en-US" smtClean="0"/>
-              <a:t>06/07/2016 11:11</a:t>
+              <a:t>7/5/2016 12:00 PM</a:t>
             </a:fld>
             <a:endParaRPr lang="en-US" dirty="0"/>
           </a:p>
@@ -18941,7 +18902,7 @@
           <a:p>
             <a:pPr defTabSz="914099" eaLnBrk="0" hangingPunct="0"/>
             <a:r>
-              <a:rPr lang="en-US" sz="400">
+              <a:rPr lang="en-US" sz="400" dirty="0">
                 <a:gradFill>
                   <a:gsLst>
                     <a:gs pos="0">
@@ -18959,22 +18920,6 @@
               </a:rPr>
               <a:t>© 2014 Microsoft Corporation. All rights reserved. MICROSOFT MAKES NO WARRANTIES, EXPRESS, IMPLIED OR STATUTORY, AS TO THE INFORMATION IN THIS PRESENTATION.</a:t>
             </a:r>
-            <a:endParaRPr lang="en-US" sz="400" dirty="0">
-              <a:gradFill>
-                <a:gsLst>
-                  <a:gs pos="0">
-                    <a:prstClr val="black"/>
-                  </a:gs>
-                  <a:gs pos="100000">
-                    <a:prstClr val="black"/>
-                  </a:gs>
-                </a:gsLst>
-                <a:lin ang="5400000" scaled="0"/>
-              </a:gradFill>
-              <a:latin typeface="Segoe UI" pitchFamily="34" charset="0"/>
-              <a:ea typeface="Segoe UI" pitchFamily="34" charset="0"/>
-              <a:cs typeface="Segoe UI" pitchFamily="34" charset="0"/>
-            </a:endParaRPr>
           </a:p>
         </p:txBody>
       </p:sp>
@@ -18995,7 +18940,7 @@
           <a:p>
             <a:fld id="{38EEC551-8CDA-4EB6-89BB-2A86C9F091C8}" type="datetime8">
               <a:rPr lang="en-US" smtClean="0"/>
-              <a:t>06/07/2016 11:11</a:t>
+              <a:t>7/5/2016 12:00 PM</a:t>
             </a:fld>
             <a:endParaRPr lang="en-US" dirty="0"/>
           </a:p>
@@ -19155,7 +19100,7 @@
           <a:p>
             <a:pPr defTabSz="914099" eaLnBrk="0" hangingPunct="0"/>
             <a:r>
-              <a:rPr lang="en-US" sz="400">
+              <a:rPr lang="en-US" sz="400" dirty="0">
                 <a:gradFill>
                   <a:gsLst>
                     <a:gs pos="0">
@@ -19173,22 +19118,6 @@
               </a:rPr>
               <a:t>© 2014 Microsoft Corporation. All rights reserved. MICROSOFT MAKES NO WARRANTIES, EXPRESS, IMPLIED OR STATUTORY, AS TO THE INFORMATION IN THIS PRESENTATION.</a:t>
             </a:r>
-            <a:endParaRPr lang="en-US" sz="400" dirty="0">
-              <a:gradFill>
-                <a:gsLst>
-                  <a:gs pos="0">
-                    <a:prstClr val="black"/>
-                  </a:gs>
-                  <a:gs pos="100000">
-                    <a:prstClr val="black"/>
-                  </a:gs>
-                </a:gsLst>
-                <a:lin ang="5400000" scaled="0"/>
-              </a:gradFill>
-              <a:latin typeface="Segoe UI" pitchFamily="34" charset="0"/>
-              <a:ea typeface="Segoe UI" pitchFamily="34" charset="0"/>
-              <a:cs typeface="Segoe UI" pitchFamily="34" charset="0"/>
-            </a:endParaRPr>
           </a:p>
         </p:txBody>
       </p:sp>
@@ -19209,7 +19138,7 @@
           <a:p>
             <a:fld id="{38EEC551-8CDA-4EB6-89BB-2A86C9F091C8}" type="datetime8">
               <a:rPr lang="en-US" smtClean="0"/>
-              <a:t>06/07/2016 11:11</a:t>
+              <a:t>7/5/2016 12:00 PM</a:t>
             </a:fld>
             <a:endParaRPr lang="en-US" dirty="0"/>
           </a:p>
@@ -19309,27 +19238,7 @@
                   </a:schemeClr>
                 </a:solidFill>
               </a:rPr>
-              <a:t>To administer your Microsoft Azure services under your Enrollment, there are three distinct administrative roles: the Enterprise Administrator, the Account Owner and the Service Administrator. Users are required to authenticate using a valid Microsoft Account (</a:t>
-            </a:r>
-            <a:r>
-              <a:rPr lang="en-US" sz="1200" dirty="0" err="1">
-                <a:solidFill>
-                  <a:schemeClr val="tx1">
-                    <a:alpha val="99000"/>
-                  </a:schemeClr>
-                </a:solidFill>
-              </a:rPr>
-              <a:t>LiveID</a:t>
-            </a:r>
-            <a:r>
-              <a:rPr lang="en-US" sz="1200" dirty="0">
-                <a:solidFill>
-                  <a:schemeClr val="tx1">
-                    <a:alpha val="99000"/>
-                  </a:schemeClr>
-                </a:solidFill>
-              </a:rPr>
-              <a:t> </a:t>
+              <a:t>To administer your Microsoft Azure services under your Enrollment, there are three distinct administrative roles: the Enterprise Administrator, the Account Owner and the Service Administrator. Users are required to authenticate using a valid Microsoft Account (LiveID </a:t>
             </a:r>
             <a:r>
               <a:rPr lang="en-US" sz="1200" dirty="0">
@@ -19551,7 +19460,7 @@
               <a:rPr lang="en-US" smtClean="0"/>
               <a:t>5</a:t>
             </a:fld>
-            <a:endParaRPr lang="en-US"/>
+            <a:endParaRPr lang="en-US" dirty="0"/>
           </a:p>
         </p:txBody>
       </p:sp>
@@ -19669,7 +19578,7 @@
           <a:p>
             <a:pPr defTabSz="914099" eaLnBrk="0" hangingPunct="0"/>
             <a:r>
-              <a:rPr lang="en-US" sz="400">
+              <a:rPr lang="en-US" sz="400" dirty="0">
                 <a:gradFill>
                   <a:gsLst>
                     <a:gs pos="0">
@@ -19687,22 +19596,6 @@
               </a:rPr>
               <a:t>© 2014 Microsoft Corporation. All rights reserved. MICROSOFT MAKES NO WARRANTIES, EXPRESS, IMPLIED OR STATUTORY, AS TO THE INFORMATION IN THIS PRESENTATION.</a:t>
             </a:r>
-            <a:endParaRPr lang="en-US" sz="400" dirty="0">
-              <a:gradFill>
-                <a:gsLst>
-                  <a:gs pos="0">
-                    <a:prstClr val="black"/>
-                  </a:gs>
-                  <a:gs pos="100000">
-                    <a:prstClr val="black"/>
-                  </a:gs>
-                </a:gsLst>
-                <a:lin ang="5400000" scaled="0"/>
-              </a:gradFill>
-              <a:latin typeface="Segoe UI" pitchFamily="34" charset="0"/>
-              <a:ea typeface="Segoe UI" pitchFamily="34" charset="0"/>
-              <a:cs typeface="Segoe UI" pitchFamily="34" charset="0"/>
-            </a:endParaRPr>
           </a:p>
         </p:txBody>
       </p:sp>
@@ -19723,7 +19616,7 @@
           <a:p>
             <a:fld id="{38EEC551-8CDA-4EB6-89BB-2A86C9F091C8}" type="datetime8">
               <a:rPr lang="en-US" smtClean="0"/>
-              <a:t>06/07/2016 11:11</a:t>
+              <a:t>7/5/2016 12:00 PM</a:t>
             </a:fld>
             <a:endParaRPr lang="en-US" dirty="0"/>
           </a:p>
@@ -19830,13 +19723,8 @@
           <a:p>
             <a:r>
               <a:rPr lang="en-US" dirty="0"/>
-              <a:t>VNET: </a:t>
-            </a:r>
-            <a:r>
-              <a:rPr lang="en-US" dirty="0" err="1"/>
-              <a:t>VNet</a:t>
-            </a:r>
-            <a:endParaRPr lang="en-US" dirty="0"/>
+              <a:t>VNET: VNet</a:t>
+            </a:r>
           </a:p>
           <a:p>
             <a:r>
@@ -19882,7 +19770,7 @@
           <a:p>
             <a:pPr defTabSz="914099" eaLnBrk="0" hangingPunct="0"/>
             <a:r>
-              <a:rPr lang="en-US" sz="400">
+              <a:rPr lang="en-US" sz="400" dirty="0">
                 <a:gradFill>
                   <a:gsLst>
                     <a:gs pos="0">
@@ -19900,22 +19788,6 @@
               </a:rPr>
               <a:t>© 2014 Microsoft Corporation. All rights reserved. MICROSOFT MAKES NO WARRANTIES, EXPRESS, IMPLIED OR STATUTORY, AS TO THE INFORMATION IN THIS PRESENTATION.</a:t>
             </a:r>
-            <a:endParaRPr lang="en-US" sz="400" dirty="0">
-              <a:gradFill>
-                <a:gsLst>
-                  <a:gs pos="0">
-                    <a:prstClr val="black"/>
-                  </a:gs>
-                  <a:gs pos="100000">
-                    <a:prstClr val="black"/>
-                  </a:gs>
-                </a:gsLst>
-                <a:lin ang="5400000" scaled="0"/>
-              </a:gradFill>
-              <a:latin typeface="Segoe UI" pitchFamily="34" charset="0"/>
-              <a:ea typeface="Segoe UI" pitchFamily="34" charset="0"/>
-              <a:cs typeface="Segoe UI" pitchFamily="34" charset="0"/>
-            </a:endParaRPr>
           </a:p>
         </p:txBody>
       </p:sp>
@@ -19936,7 +19808,7 @@
           <a:p>
             <a:fld id="{38EEC551-8CDA-4EB6-89BB-2A86C9F091C8}" type="datetime8">
               <a:rPr lang="en-US" smtClean="0"/>
-              <a:t>06/07/2016 11:11</a:t>
+              <a:t>7/5/2016 12:00 PM</a:t>
             </a:fld>
             <a:endParaRPr lang="en-US" dirty="0"/>
           </a:p>
@@ -20090,7 +19962,7 @@
           <a:p>
             <a:pPr defTabSz="914099" eaLnBrk="0" hangingPunct="0"/>
             <a:r>
-              <a:rPr lang="en-US" sz="400">
+              <a:rPr lang="en-US" sz="400" dirty="0">
                 <a:gradFill>
                   <a:gsLst>
                     <a:gs pos="0">
@@ -20108,22 +19980,6 @@
               </a:rPr>
               <a:t>© 2014 Microsoft Corporation. All rights reserved. MICROSOFT MAKES NO WARRANTIES, EXPRESS, IMPLIED OR STATUTORY, AS TO THE INFORMATION IN THIS PRESENTATION.</a:t>
             </a:r>
-            <a:endParaRPr lang="en-US" sz="400" dirty="0">
-              <a:gradFill>
-                <a:gsLst>
-                  <a:gs pos="0">
-                    <a:prstClr val="black"/>
-                  </a:gs>
-                  <a:gs pos="100000">
-                    <a:prstClr val="black"/>
-                  </a:gs>
-                </a:gsLst>
-                <a:lin ang="5400000" scaled="0"/>
-              </a:gradFill>
-              <a:latin typeface="Segoe UI" pitchFamily="34" charset="0"/>
-              <a:ea typeface="Segoe UI" pitchFamily="34" charset="0"/>
-              <a:cs typeface="Segoe UI" pitchFamily="34" charset="0"/>
-            </a:endParaRPr>
           </a:p>
         </p:txBody>
       </p:sp>
@@ -20144,7 +20000,7 @@
           <a:p>
             <a:fld id="{38EEC551-8CDA-4EB6-89BB-2A86C9F091C8}" type="datetime8">
               <a:rPr lang="en-US" smtClean="0"/>
-              <a:t>06/07/2016 11:11</a:t>
+              <a:t>7/5/2016 12:00 PM</a:t>
             </a:fld>
             <a:endParaRPr lang="en-US" dirty="0"/>
           </a:p>
@@ -20282,7 +20138,7 @@
           <a:p>
             <a:pPr defTabSz="914099" eaLnBrk="0" hangingPunct="0"/>
             <a:r>
-              <a:rPr lang="en-US" sz="400">
+              <a:rPr lang="en-US" sz="400" dirty="0">
                 <a:gradFill>
                   <a:gsLst>
                     <a:gs pos="0">
@@ -20300,22 +20156,6 @@
               </a:rPr>
               <a:t>© 2014 Microsoft Corporation. All rights reserved. MICROSOFT MAKES NO WARRANTIES, EXPRESS, IMPLIED OR STATUTORY, AS TO THE INFORMATION IN THIS PRESENTATION.</a:t>
             </a:r>
-            <a:endParaRPr lang="en-US" sz="400" dirty="0">
-              <a:gradFill>
-                <a:gsLst>
-                  <a:gs pos="0">
-                    <a:prstClr val="black"/>
-                  </a:gs>
-                  <a:gs pos="100000">
-                    <a:prstClr val="black"/>
-                  </a:gs>
-                </a:gsLst>
-                <a:lin ang="5400000" scaled="0"/>
-              </a:gradFill>
-              <a:latin typeface="Segoe UI" pitchFamily="34" charset="0"/>
-              <a:ea typeface="Segoe UI" pitchFamily="34" charset="0"/>
-              <a:cs typeface="Segoe UI" pitchFamily="34" charset="0"/>
-            </a:endParaRPr>
           </a:p>
         </p:txBody>
       </p:sp>
@@ -20336,7 +20176,7 @@
           <a:p>
             <a:fld id="{38EEC551-8CDA-4EB6-89BB-2A86C9F091C8}" type="datetime8">
               <a:rPr lang="en-US" smtClean="0"/>
-              <a:t>06/07/2016 11:11</a:t>
+              <a:t>7/5/2016 12:00 PM</a:t>
             </a:fld>
             <a:endParaRPr lang="en-US" dirty="0"/>
           </a:p>
@@ -20490,7 +20330,7 @@
           <a:p>
             <a:pPr defTabSz="914099" eaLnBrk="0" hangingPunct="0"/>
             <a:r>
-              <a:rPr lang="en-US" sz="400">
+              <a:rPr lang="en-US" sz="400" dirty="0">
                 <a:gradFill>
                   <a:gsLst>
                     <a:gs pos="0">
@@ -20508,22 +20348,6 @@
               </a:rPr>
               <a:t>© 2014 Microsoft Corporation. All rights reserved. MICROSOFT MAKES NO WARRANTIES, EXPRESS, IMPLIED OR STATUTORY, AS TO THE INFORMATION IN THIS PRESENTATION.</a:t>
             </a:r>
-            <a:endParaRPr lang="en-US" sz="400" dirty="0">
-              <a:gradFill>
-                <a:gsLst>
-                  <a:gs pos="0">
-                    <a:prstClr val="black"/>
-                  </a:gs>
-                  <a:gs pos="100000">
-                    <a:prstClr val="black"/>
-                  </a:gs>
-                </a:gsLst>
-                <a:lin ang="5400000" scaled="0"/>
-              </a:gradFill>
-              <a:latin typeface="Segoe UI" pitchFamily="34" charset="0"/>
-              <a:ea typeface="Segoe UI" pitchFamily="34" charset="0"/>
-              <a:cs typeface="Segoe UI" pitchFamily="34" charset="0"/>
-            </a:endParaRPr>
           </a:p>
         </p:txBody>
       </p:sp>
@@ -20544,7 +20368,7 @@
           <a:p>
             <a:fld id="{38EEC551-8CDA-4EB6-89BB-2A86C9F091C8}" type="datetime8">
               <a:rPr lang="en-US" smtClean="0"/>
-              <a:t>06/07/2016 11:11</a:t>
+              <a:t>7/5/2016 12:00 PM</a:t>
             </a:fld>
             <a:endParaRPr lang="en-US" dirty="0"/>
           </a:p>
@@ -20707,7 +20531,7 @@
           <a:p>
             <a:pPr defTabSz="914099" eaLnBrk="0" hangingPunct="0"/>
             <a:r>
-              <a:rPr lang="en-US" sz="400">
+              <a:rPr lang="en-US" sz="400" dirty="0">
                 <a:gradFill>
                   <a:gsLst>
                     <a:gs pos="0">
@@ -20725,22 +20549,6 @@
               </a:rPr>
               <a:t>© 2014 Microsoft Corporation. All rights reserved. MICROSOFT MAKES NO WARRANTIES, EXPRESS, IMPLIED OR STATUTORY, AS TO THE INFORMATION IN THIS PRESENTATION.</a:t>
             </a:r>
-            <a:endParaRPr lang="en-US" sz="400" dirty="0">
-              <a:gradFill>
-                <a:gsLst>
-                  <a:gs pos="0">
-                    <a:prstClr val="black"/>
-                  </a:gs>
-                  <a:gs pos="100000">
-                    <a:prstClr val="black"/>
-                  </a:gs>
-                </a:gsLst>
-                <a:lin ang="5400000" scaled="0"/>
-              </a:gradFill>
-              <a:latin typeface="Segoe UI" pitchFamily="34" charset="0"/>
-              <a:ea typeface="Segoe UI" pitchFamily="34" charset="0"/>
-              <a:cs typeface="Segoe UI" pitchFamily="34" charset="0"/>
-            </a:endParaRPr>
           </a:p>
         </p:txBody>
       </p:sp>
@@ -20761,7 +20569,7 @@
           <a:p>
             <a:fld id="{38EEC551-8CDA-4EB6-89BB-2A86C9F091C8}" type="datetime8">
               <a:rPr lang="en-US" smtClean="0"/>
-              <a:t>06/07/2016 11:11</a:t>
+              <a:t>7/5/2016 12:00 PM</a:t>
             </a:fld>
             <a:endParaRPr lang="en-US" dirty="0"/>
           </a:p>
@@ -20867,15 +20675,7 @@
           <a:p>
             <a:r>
               <a:rPr lang="en-US" dirty="0"/>
-              <a:t>SLN: </a:t>
-            </a:r>
-            <a:r>
-              <a:rPr lang="en-US" dirty="0" err="1"/>
-              <a:t>Sles</a:t>
-            </a:r>
-            <a:r>
-              <a:rPr lang="en-US" dirty="0"/>
-              <a:t>, Non-Production</a:t>
+              <a:t>SLN: Sles, Non-Production</a:t>
             </a:r>
           </a:p>
           <a:p>
@@ -20934,7 +20734,7 @@
           <a:p>
             <a:pPr defTabSz="914099" eaLnBrk="0" hangingPunct="0"/>
             <a:r>
-              <a:rPr lang="en-US" sz="400">
+              <a:rPr lang="en-US" sz="400" dirty="0">
                 <a:gradFill>
                   <a:gsLst>
                     <a:gs pos="0">
@@ -20952,22 +20752,6 @@
               </a:rPr>
               <a:t>© 2014 Microsoft Corporation. All rights reserved. MICROSOFT MAKES NO WARRANTIES, EXPRESS, IMPLIED OR STATUTORY, AS TO THE INFORMATION IN THIS PRESENTATION.</a:t>
             </a:r>
-            <a:endParaRPr lang="en-US" sz="400" dirty="0">
-              <a:gradFill>
-                <a:gsLst>
-                  <a:gs pos="0">
-                    <a:prstClr val="black"/>
-                  </a:gs>
-                  <a:gs pos="100000">
-                    <a:prstClr val="black"/>
-                  </a:gs>
-                </a:gsLst>
-                <a:lin ang="5400000" scaled="0"/>
-              </a:gradFill>
-              <a:latin typeface="Segoe UI" pitchFamily="34" charset="0"/>
-              <a:ea typeface="Segoe UI" pitchFamily="34" charset="0"/>
-              <a:cs typeface="Segoe UI" pitchFamily="34" charset="0"/>
-            </a:endParaRPr>
           </a:p>
         </p:txBody>
       </p:sp>
@@ -20988,7 +20772,7 @@
           <a:p>
             <a:fld id="{38EEC551-8CDA-4EB6-89BB-2A86C9F091C8}" type="datetime8">
               <a:rPr lang="en-US" smtClean="0"/>
-              <a:t>06/07/2016 11:11</a:t>
+              <a:t>7/5/2016 12:00 PM</a:t>
             </a:fld>
             <a:endParaRPr lang="en-US" dirty="0"/>
           </a:p>
@@ -21142,7 +20926,7 @@
           <a:p>
             <a:pPr defTabSz="914099" eaLnBrk="0" hangingPunct="0"/>
             <a:r>
-              <a:rPr lang="en-US" sz="400">
+              <a:rPr lang="en-US" sz="400" dirty="0">
                 <a:gradFill>
                   <a:gsLst>
                     <a:gs pos="0">
@@ -21160,22 +20944,6 @@
               </a:rPr>
               <a:t>© 2014 Microsoft Corporation. All rights reserved. MICROSOFT MAKES NO WARRANTIES, EXPRESS, IMPLIED OR STATUTORY, AS TO THE INFORMATION IN THIS PRESENTATION.</a:t>
             </a:r>
-            <a:endParaRPr lang="en-US" sz="400" dirty="0">
-              <a:gradFill>
-                <a:gsLst>
-                  <a:gs pos="0">
-                    <a:prstClr val="black"/>
-                  </a:gs>
-                  <a:gs pos="100000">
-                    <a:prstClr val="black"/>
-                  </a:gs>
-                </a:gsLst>
-                <a:lin ang="5400000" scaled="0"/>
-              </a:gradFill>
-              <a:latin typeface="Segoe UI" pitchFamily="34" charset="0"/>
-              <a:ea typeface="Segoe UI" pitchFamily="34" charset="0"/>
-              <a:cs typeface="Segoe UI" pitchFamily="34" charset="0"/>
-            </a:endParaRPr>
           </a:p>
         </p:txBody>
       </p:sp>
@@ -21196,7 +20964,7 @@
           <a:p>
             <a:fld id="{38EEC551-8CDA-4EB6-89BB-2A86C9F091C8}" type="datetime8">
               <a:rPr lang="en-US" smtClean="0"/>
-              <a:t>06/07/2016 11:11</a:t>
+              <a:t>7/5/2016 12:00 PM</a:t>
             </a:fld>
             <a:endParaRPr lang="en-US" dirty="0"/>
           </a:p>
@@ -21368,7 +21136,7 @@
           <a:p>
             <a:pPr defTabSz="914099" eaLnBrk="0" hangingPunct="0"/>
             <a:r>
-              <a:rPr lang="en-US" sz="400">
+              <a:rPr lang="en-US" sz="400" dirty="0">
                 <a:gradFill>
                   <a:gsLst>
                     <a:gs pos="0">
@@ -21386,22 +21154,6 @@
               </a:rPr>
               <a:t>© 2014 Microsoft Corporation. All rights reserved. MICROSOFT MAKES NO WARRANTIES, EXPRESS, IMPLIED OR STATUTORY, AS TO THE INFORMATION IN THIS PRESENTATION.</a:t>
             </a:r>
-            <a:endParaRPr lang="en-US" sz="400" dirty="0">
-              <a:gradFill>
-                <a:gsLst>
-                  <a:gs pos="0">
-                    <a:prstClr val="black"/>
-                  </a:gs>
-                  <a:gs pos="100000">
-                    <a:prstClr val="black"/>
-                  </a:gs>
-                </a:gsLst>
-                <a:lin ang="5400000" scaled="0"/>
-              </a:gradFill>
-              <a:latin typeface="Segoe UI" pitchFamily="34" charset="0"/>
-              <a:ea typeface="Segoe UI" pitchFamily="34" charset="0"/>
-              <a:cs typeface="Segoe UI" pitchFamily="34" charset="0"/>
-            </a:endParaRPr>
           </a:p>
         </p:txBody>
       </p:sp>
@@ -21422,7 +21174,7 @@
           <a:p>
             <a:fld id="{38EEC551-8CDA-4EB6-89BB-2A86C9F091C8}" type="datetime8">
               <a:rPr lang="en-US" smtClean="0"/>
-              <a:t>06/07/2016 11:11</a:t>
+              <a:t>7/5/2016 12:00 PM</a:t>
             </a:fld>
             <a:endParaRPr lang="en-US" dirty="0"/>
           </a:p>
@@ -21576,7 +21328,7 @@
           <a:p>
             <a:pPr defTabSz="914099" eaLnBrk="0" hangingPunct="0"/>
             <a:r>
-              <a:rPr lang="en-US" sz="400">
+              <a:rPr lang="en-US" sz="400" dirty="0">
                 <a:gradFill>
                   <a:gsLst>
                     <a:gs pos="0">
@@ -21594,22 +21346,6 @@
               </a:rPr>
               <a:t>© 2014 Microsoft Corporation. All rights reserved. MICROSOFT MAKES NO WARRANTIES, EXPRESS, IMPLIED OR STATUTORY, AS TO THE INFORMATION IN THIS PRESENTATION.</a:t>
             </a:r>
-            <a:endParaRPr lang="en-US" sz="400" dirty="0">
-              <a:gradFill>
-                <a:gsLst>
-                  <a:gs pos="0">
-                    <a:prstClr val="black"/>
-                  </a:gs>
-                  <a:gs pos="100000">
-                    <a:prstClr val="black"/>
-                  </a:gs>
-                </a:gsLst>
-                <a:lin ang="5400000" scaled="0"/>
-              </a:gradFill>
-              <a:latin typeface="Segoe UI" pitchFamily="34" charset="0"/>
-              <a:ea typeface="Segoe UI" pitchFamily="34" charset="0"/>
-              <a:cs typeface="Segoe UI" pitchFamily="34" charset="0"/>
-            </a:endParaRPr>
           </a:p>
         </p:txBody>
       </p:sp>
@@ -21630,7 +21366,7 @@
           <a:p>
             <a:fld id="{38EEC551-8CDA-4EB6-89BB-2A86C9F091C8}" type="datetime8">
               <a:rPr lang="en-US" smtClean="0"/>
-              <a:t>06/07/2016 11:11</a:t>
+              <a:t>7/5/2016 12:00 PM</a:t>
             </a:fld>
             <a:endParaRPr lang="en-US" dirty="0"/>
           </a:p>
@@ -21913,7 +21649,7 @@
               <a:rPr lang="en-US" smtClean="0"/>
               <a:t>6</a:t>
             </a:fld>
-            <a:endParaRPr lang="en-US"/>
+            <a:endParaRPr lang="en-US" dirty="0"/>
           </a:p>
         </p:txBody>
       </p:sp>
@@ -22035,7 +21771,7 @@
           <a:p>
             <a:pPr defTabSz="914099" eaLnBrk="0" hangingPunct="0"/>
             <a:r>
-              <a:rPr lang="en-US" sz="400">
+              <a:rPr lang="en-US" sz="400" dirty="0">
                 <a:gradFill>
                   <a:gsLst>
                     <a:gs pos="0">
@@ -22053,22 +21789,6 @@
               </a:rPr>
               <a:t>© 2014 Microsoft Corporation. All rights reserved. MICROSOFT MAKES NO WARRANTIES, EXPRESS, IMPLIED OR STATUTORY, AS TO THE INFORMATION IN THIS PRESENTATION.</a:t>
             </a:r>
-            <a:endParaRPr lang="en-US" sz="400" dirty="0">
-              <a:gradFill>
-                <a:gsLst>
-                  <a:gs pos="0">
-                    <a:prstClr val="black"/>
-                  </a:gs>
-                  <a:gs pos="100000">
-                    <a:prstClr val="black"/>
-                  </a:gs>
-                </a:gsLst>
-                <a:lin ang="5400000" scaled="0"/>
-              </a:gradFill>
-              <a:latin typeface="Segoe UI" pitchFamily="34" charset="0"/>
-              <a:ea typeface="Segoe UI" pitchFamily="34" charset="0"/>
-              <a:cs typeface="Segoe UI" pitchFamily="34" charset="0"/>
-            </a:endParaRPr>
           </a:p>
         </p:txBody>
       </p:sp>
@@ -22089,7 +21809,7 @@
           <a:p>
             <a:fld id="{38EEC551-8CDA-4EB6-89BB-2A86C9F091C8}" type="datetime8">
               <a:rPr lang="en-US" smtClean="0"/>
-              <a:t>06/07/2016 11:11</a:t>
+              <a:t>7/5/2016 12:00 PM</a:t>
             </a:fld>
             <a:endParaRPr lang="en-US" dirty="0"/>
           </a:p>
@@ -22219,7 +21939,7 @@
           <a:p>
             <a:pPr defTabSz="914099" eaLnBrk="0" hangingPunct="0"/>
             <a:r>
-              <a:rPr lang="en-US" sz="400">
+              <a:rPr lang="en-US" sz="400" dirty="0">
                 <a:gradFill>
                   <a:gsLst>
                     <a:gs pos="0">
@@ -22237,22 +21957,6 @@
               </a:rPr>
               <a:t>© 2014 Microsoft Corporation. All rights reserved. MICROSOFT MAKES NO WARRANTIES, EXPRESS, IMPLIED OR STATUTORY, AS TO THE INFORMATION IN THIS PRESENTATION.</a:t>
             </a:r>
-            <a:endParaRPr lang="en-US" sz="400" dirty="0">
-              <a:gradFill>
-                <a:gsLst>
-                  <a:gs pos="0">
-                    <a:prstClr val="black"/>
-                  </a:gs>
-                  <a:gs pos="100000">
-                    <a:prstClr val="black"/>
-                  </a:gs>
-                </a:gsLst>
-                <a:lin ang="5400000" scaled="0"/>
-              </a:gradFill>
-              <a:latin typeface="Segoe UI" pitchFamily="34" charset="0"/>
-              <a:ea typeface="Segoe UI" pitchFamily="34" charset="0"/>
-              <a:cs typeface="Segoe UI" pitchFamily="34" charset="0"/>
-            </a:endParaRPr>
           </a:p>
         </p:txBody>
       </p:sp>
@@ -22273,7 +21977,7 @@
           <a:p>
             <a:fld id="{38EEC551-8CDA-4EB6-89BB-2A86C9F091C8}" type="datetime8">
               <a:rPr lang="en-US" smtClean="0"/>
-              <a:t>06/07/2016 11:11</a:t>
+              <a:t>7/5/2016 12:00 PM</a:t>
             </a:fld>
             <a:endParaRPr lang="en-US" dirty="0"/>
           </a:p>
@@ -22427,7 +22131,7 @@
           <a:p>
             <a:pPr defTabSz="914099" eaLnBrk="0" hangingPunct="0"/>
             <a:r>
-              <a:rPr lang="en-US" sz="400">
+              <a:rPr lang="en-US" sz="400" dirty="0">
                 <a:gradFill>
                   <a:gsLst>
                     <a:gs pos="0">
@@ -22445,22 +22149,6 @@
               </a:rPr>
               <a:t>© 2014 Microsoft Corporation. All rights reserved. MICROSOFT MAKES NO WARRANTIES, EXPRESS, IMPLIED OR STATUTORY, AS TO THE INFORMATION IN THIS PRESENTATION.</a:t>
             </a:r>
-            <a:endParaRPr lang="en-US" sz="400" dirty="0">
-              <a:gradFill>
-                <a:gsLst>
-                  <a:gs pos="0">
-                    <a:prstClr val="black"/>
-                  </a:gs>
-                  <a:gs pos="100000">
-                    <a:prstClr val="black"/>
-                  </a:gs>
-                </a:gsLst>
-                <a:lin ang="5400000" scaled="0"/>
-              </a:gradFill>
-              <a:latin typeface="Segoe UI" pitchFamily="34" charset="0"/>
-              <a:ea typeface="Segoe UI" pitchFamily="34" charset="0"/>
-              <a:cs typeface="Segoe UI" pitchFamily="34" charset="0"/>
-            </a:endParaRPr>
           </a:p>
         </p:txBody>
       </p:sp>
@@ -22481,7 +22169,7 @@
           <a:p>
             <a:fld id="{38EEC551-8CDA-4EB6-89BB-2A86C9F091C8}" type="datetime8">
               <a:rPr lang="en-US" smtClean="0"/>
-              <a:t>06/07/2016 11:11</a:t>
+              <a:t>7/5/2016 12:00 PM</a:t>
             </a:fld>
             <a:endParaRPr lang="en-US" dirty="0"/>
           </a:p>
@@ -22635,7 +22323,7 @@
           <a:p>
             <a:pPr defTabSz="914099" eaLnBrk="0" hangingPunct="0"/>
             <a:r>
-              <a:rPr lang="en-US" sz="400">
+              <a:rPr lang="en-US" sz="400" dirty="0">
                 <a:gradFill>
                   <a:gsLst>
                     <a:gs pos="0">
@@ -22653,22 +22341,6 @@
               </a:rPr>
               <a:t>© 2014 Microsoft Corporation. All rights reserved. MICROSOFT MAKES NO WARRANTIES, EXPRESS, IMPLIED OR STATUTORY, AS TO THE INFORMATION IN THIS PRESENTATION.</a:t>
             </a:r>
-            <a:endParaRPr lang="en-US" sz="400" dirty="0">
-              <a:gradFill>
-                <a:gsLst>
-                  <a:gs pos="0">
-                    <a:prstClr val="black"/>
-                  </a:gs>
-                  <a:gs pos="100000">
-                    <a:prstClr val="black"/>
-                  </a:gs>
-                </a:gsLst>
-                <a:lin ang="5400000" scaled="0"/>
-              </a:gradFill>
-              <a:latin typeface="Segoe UI" pitchFamily="34" charset="0"/>
-              <a:ea typeface="Segoe UI" pitchFamily="34" charset="0"/>
-              <a:cs typeface="Segoe UI" pitchFamily="34" charset="0"/>
-            </a:endParaRPr>
           </a:p>
         </p:txBody>
       </p:sp>
@@ -22689,7 +22361,7 @@
           <a:p>
             <a:fld id="{38EEC551-8CDA-4EB6-89BB-2A86C9F091C8}" type="datetime8">
               <a:rPr lang="en-US" smtClean="0"/>
-              <a:t>06/07/2016 11:11</a:t>
+              <a:t>7/5/2016 12:00 PM</a:t>
             </a:fld>
             <a:endParaRPr lang="en-US" dirty="0"/>
           </a:p>
@@ -22843,7 +22515,7 @@
           <a:p>
             <a:pPr defTabSz="914099" eaLnBrk="0" hangingPunct="0"/>
             <a:r>
-              <a:rPr lang="en-US" sz="400">
+              <a:rPr lang="en-US" sz="400" dirty="0">
                 <a:gradFill>
                   <a:gsLst>
                     <a:gs pos="0">
@@ -22861,22 +22533,6 @@
               </a:rPr>
               <a:t>© 2014 Microsoft Corporation. All rights reserved. MICROSOFT MAKES NO WARRANTIES, EXPRESS, IMPLIED OR STATUTORY, AS TO THE INFORMATION IN THIS PRESENTATION.</a:t>
             </a:r>
-            <a:endParaRPr lang="en-US" sz="400" dirty="0">
-              <a:gradFill>
-                <a:gsLst>
-                  <a:gs pos="0">
-                    <a:prstClr val="black"/>
-                  </a:gs>
-                  <a:gs pos="100000">
-                    <a:prstClr val="black"/>
-                  </a:gs>
-                </a:gsLst>
-                <a:lin ang="5400000" scaled="0"/>
-              </a:gradFill>
-              <a:latin typeface="Segoe UI" pitchFamily="34" charset="0"/>
-              <a:ea typeface="Segoe UI" pitchFamily="34" charset="0"/>
-              <a:cs typeface="Segoe UI" pitchFamily="34" charset="0"/>
-            </a:endParaRPr>
           </a:p>
         </p:txBody>
       </p:sp>
@@ -22897,7 +22553,7 @@
           <a:p>
             <a:fld id="{38EEC551-8CDA-4EB6-89BB-2A86C9F091C8}" type="datetime8">
               <a:rPr lang="en-US" smtClean="0"/>
-              <a:t>06/07/2016 11:11</a:t>
+              <a:t>7/5/2016 12:00 PM</a:t>
             </a:fld>
             <a:endParaRPr lang="en-US" dirty="0"/>
           </a:p>
@@ -23058,7 +22714,7 @@
           </a:p>
           <a:p>
             <a:r>
-              <a:rPr lang="en-US" b="1" dirty="0" err="1"/>
+              <a:rPr lang="en-US" b="1" dirty="0"/>
               <a:t>sa</a:t>
             </a:r>
             <a:endParaRPr lang="en-US" dirty="0"/>
@@ -23104,7 +22760,7 @@
           <a:p>
             <a:pPr defTabSz="914099" eaLnBrk="0" hangingPunct="0"/>
             <a:r>
-              <a:rPr lang="en-US" sz="400">
+              <a:rPr lang="en-US" sz="400" dirty="0">
                 <a:gradFill>
                   <a:gsLst>
                     <a:gs pos="0">
@@ -23122,22 +22778,6 @@
               </a:rPr>
               <a:t>© 2014 Microsoft Corporation. All rights reserved. MICROSOFT MAKES NO WARRANTIES, EXPRESS, IMPLIED OR STATUTORY, AS TO THE INFORMATION IN THIS PRESENTATION.</a:t>
             </a:r>
-            <a:endParaRPr lang="en-US" sz="400" dirty="0">
-              <a:gradFill>
-                <a:gsLst>
-                  <a:gs pos="0">
-                    <a:prstClr val="black"/>
-                  </a:gs>
-                  <a:gs pos="100000">
-                    <a:prstClr val="black"/>
-                  </a:gs>
-                </a:gsLst>
-                <a:lin ang="5400000" scaled="0"/>
-              </a:gradFill>
-              <a:latin typeface="Segoe UI" pitchFamily="34" charset="0"/>
-              <a:ea typeface="Segoe UI" pitchFamily="34" charset="0"/>
-              <a:cs typeface="Segoe UI" pitchFamily="34" charset="0"/>
-            </a:endParaRPr>
           </a:p>
         </p:txBody>
       </p:sp>
@@ -23158,7 +22798,7 @@
           <a:p>
             <a:fld id="{38EEC551-8CDA-4EB6-89BB-2A86C9F091C8}" type="datetime8">
               <a:rPr lang="en-US" smtClean="0"/>
-              <a:t>06/07/2016 11:11</a:t>
+              <a:t>7/5/2016 12:00 PM</a:t>
             </a:fld>
             <a:endParaRPr lang="en-US" dirty="0"/>
           </a:p>
@@ -23277,15 +22917,7 @@
           <a:p>
             <a:r>
               <a:rPr lang="en-US" dirty="0"/>
-              <a:t>RCH: </a:t>
-            </a:r>
-            <a:r>
-              <a:rPr lang="en-US" dirty="0" err="1"/>
-              <a:t>Redis</a:t>
-            </a:r>
-            <a:r>
-              <a:rPr lang="en-US" dirty="0"/>
-              <a:t> Cache Name</a:t>
+              <a:t>RCH: Redis Cache Name</a:t>
             </a:r>
           </a:p>
           <a:p>
@@ -23338,7 +22970,7 @@
           <a:p>
             <a:pPr defTabSz="914099" eaLnBrk="0" hangingPunct="0"/>
             <a:r>
-              <a:rPr lang="en-US" sz="400">
+              <a:rPr lang="en-US" sz="400" dirty="0">
                 <a:gradFill>
                   <a:gsLst>
                     <a:gs pos="0">
@@ -23356,22 +22988,6 @@
               </a:rPr>
               <a:t>© 2014 Microsoft Corporation. All rights reserved. MICROSOFT MAKES NO WARRANTIES, EXPRESS, IMPLIED OR STATUTORY, AS TO THE INFORMATION IN THIS PRESENTATION.</a:t>
             </a:r>
-            <a:endParaRPr lang="en-US" sz="400" dirty="0">
-              <a:gradFill>
-                <a:gsLst>
-                  <a:gs pos="0">
-                    <a:prstClr val="black"/>
-                  </a:gs>
-                  <a:gs pos="100000">
-                    <a:prstClr val="black"/>
-                  </a:gs>
-                </a:gsLst>
-                <a:lin ang="5400000" scaled="0"/>
-              </a:gradFill>
-              <a:latin typeface="Segoe UI" pitchFamily="34" charset="0"/>
-              <a:ea typeface="Segoe UI" pitchFamily="34" charset="0"/>
-              <a:cs typeface="Segoe UI" pitchFamily="34" charset="0"/>
-            </a:endParaRPr>
           </a:p>
         </p:txBody>
       </p:sp>
@@ -23392,7 +23008,7 @@
           <a:p>
             <a:fld id="{38EEC551-8CDA-4EB6-89BB-2A86C9F091C8}" type="datetime8">
               <a:rPr lang="en-US" smtClean="0"/>
-              <a:t>06/07/2016 11:11</a:t>
+              <a:t>7/5/2016 12:00 PM</a:t>
             </a:fld>
             <a:endParaRPr lang="en-US" dirty="0"/>
           </a:p>
@@ -23512,11 +23128,7 @@
           <a:p>
             <a:r>
               <a:rPr lang="en-US" baseline="0" dirty="0"/>
-              <a:t>aka.ms/</a:t>
-            </a:r>
-            <a:r>
-              <a:rPr lang="en-US" baseline="0" dirty="0" err="1"/>
-              <a:t>azurelimits</a:t>
+              <a:t>aka.ms/azurelimits</a:t>
             </a:r>
             <a:endParaRPr lang="en-US" dirty="0"/>
           </a:p>
@@ -23541,7 +23153,7 @@
               <a:rPr lang="en-US" smtClean="0"/>
               <a:t>7</a:t>
             </a:fld>
-            <a:endParaRPr lang="en-US"/>
+            <a:endParaRPr lang="en-US" dirty="0"/>
           </a:p>
         </p:txBody>
       </p:sp>
@@ -23734,7 +23346,7 @@
               <a:rPr lang="en-US" smtClean="0"/>
               <a:t>8</a:t>
             </a:fld>
-            <a:endParaRPr lang="en-US"/>
+            <a:endParaRPr lang="en-US" dirty="0"/>
           </a:p>
         </p:txBody>
       </p:sp>
@@ -23824,7 +23436,7 @@
               <a:rPr lang="en-US" smtClean="0"/>
               <a:t>11</a:t>
             </a:fld>
-            <a:endParaRPr lang="en-US"/>
+            <a:endParaRPr lang="en-US" dirty="0"/>
           </a:p>
         </p:txBody>
       </p:sp>
@@ -23887,15 +23499,7 @@
           <a:p>
             <a:r>
               <a:rPr lang="en-US" b="1" dirty="0"/>
-              <a:t>Get-</a:t>
-            </a:r>
-            <a:r>
-              <a:rPr lang="en-US" b="1" dirty="0" err="1"/>
-              <a:t>AzurePublishSettingsFile</a:t>
-            </a:r>
-            <a:r>
-              <a:rPr lang="en-US" b="1" dirty="0"/>
-              <a:t> – will pop UI to get a</a:t>
+              <a:t>Get-AzurePublishSettingsFile – will pop UI to get a</a:t>
             </a:r>
             <a:r>
               <a:rPr lang="en-US" b="1" baseline="0" dirty="0"/>
@@ -23913,19 +23517,7 @@
                 <a:ea typeface="+mn-ea"/>
                 <a:cs typeface="+mn-cs"/>
               </a:rPr>
-              <a:t>Import-</a:t>
-            </a:r>
-            <a:r>
-              <a:rPr lang="en-US" sz="1200" b="1" kern="1200" dirty="0" err="1">
-                <a:solidFill>
-                  <a:schemeClr val="tx1"/>
-                </a:solidFill>
-                <a:effectLst/>
-                <a:latin typeface="+mn-lt"/>
-                <a:ea typeface="+mn-ea"/>
-                <a:cs typeface="+mn-cs"/>
-              </a:rPr>
-              <a:t>AzurePublishSettingsFile</a:t>
+              <a:t>Import-AzurePublishSettingsFile</a:t>
             </a:r>
             <a:r>
               <a:rPr lang="en-US" sz="1200" kern="1200" dirty="0">
@@ -23937,20 +23529,10 @@
                 <a:ea typeface="+mn-ea"/>
                 <a:cs typeface="+mn-cs"/>
               </a:rPr>
-              <a:t> “PATH\*.</a:t>
-            </a:r>
-            <a:r>
-              <a:rPr lang="en-US" sz="1200" kern="1200" dirty="0" err="1">
-                <a:solidFill>
-                  <a:schemeClr val="tx1"/>
-                </a:solidFill>
-                <a:effectLst/>
-                <a:latin typeface="+mn-lt"/>
-                <a:ea typeface="+mn-ea"/>
-                <a:cs typeface="+mn-cs"/>
-              </a:rPr>
-              <a:t>publishsettings</a:t>
-            </a:r>
+              <a:t> “PATH\*.publishsettings”</a:t>
+            </a:r>
+          </a:p>
+          <a:p>
             <a:r>
               <a:rPr lang="en-US" sz="1200" kern="1200" dirty="0">
                 <a:solidFill>
@@ -23961,7 +23543,7 @@
                 <a:ea typeface="+mn-ea"/>
                 <a:cs typeface="+mn-cs"/>
               </a:rPr>
-              <a:t>”</a:t>
+              <a:t>Get-AzureAccount</a:t>
             </a:r>
           </a:p>
           <a:p>
@@ -23975,64 +23557,8 @@
                 <a:ea typeface="+mn-ea"/>
                 <a:cs typeface="+mn-cs"/>
               </a:rPr>
-              <a:t>Get-</a:t>
-            </a:r>
-            <a:r>
-              <a:rPr lang="en-US" sz="1200" kern="1200" dirty="0" err="1">
-                <a:solidFill>
-                  <a:schemeClr val="tx1"/>
-                </a:solidFill>
-                <a:effectLst/>
-                <a:latin typeface="+mn-lt"/>
-                <a:ea typeface="+mn-ea"/>
-                <a:cs typeface="+mn-cs"/>
-              </a:rPr>
-              <a:t>AzureAccount</a:t>
-            </a:r>
-            <a:endParaRPr lang="en-US" sz="1200" kern="1200" dirty="0">
-              <a:solidFill>
-                <a:schemeClr val="tx1"/>
-              </a:solidFill>
-              <a:effectLst/>
-              <a:latin typeface="+mn-lt"/>
-              <a:ea typeface="+mn-ea"/>
-              <a:cs typeface="+mn-cs"/>
-            </a:endParaRPr>
-          </a:p>
-          <a:p>
-            <a:r>
-              <a:rPr lang="en-US" sz="1200" kern="1200" dirty="0">
-                <a:solidFill>
-                  <a:schemeClr val="tx1"/>
-                </a:solidFill>
-                <a:effectLst/>
-                <a:latin typeface="+mn-lt"/>
-                <a:ea typeface="+mn-ea"/>
-                <a:cs typeface="+mn-cs"/>
-              </a:rPr>
-              <a:t>Get-</a:t>
-            </a:r>
-            <a:r>
-              <a:rPr lang="en-US" sz="1200" kern="1200" dirty="0" err="1">
-                <a:solidFill>
-                  <a:schemeClr val="tx1"/>
-                </a:solidFill>
-                <a:effectLst/>
-                <a:latin typeface="+mn-lt"/>
-                <a:ea typeface="+mn-ea"/>
-                <a:cs typeface="+mn-cs"/>
-              </a:rPr>
-              <a:t>AzureSubscription</a:t>
-            </a:r>
-            <a:endParaRPr lang="en-US" sz="1200" kern="1200" dirty="0">
-              <a:solidFill>
-                <a:schemeClr val="tx1"/>
-              </a:solidFill>
-              <a:effectLst/>
-              <a:latin typeface="+mn-lt"/>
-              <a:ea typeface="+mn-ea"/>
-              <a:cs typeface="+mn-cs"/>
-            </a:endParaRPr>
+              <a:t>Get-AzureSubscription</a:t>
+            </a:r>
           </a:p>
           <a:p>
             <a:r>
@@ -24070,7 +23596,7 @@
               <a:rPr lang="en-US" smtClean="0"/>
               <a:t>13</a:t>
             </a:fld>
-            <a:endParaRPr lang="en-US"/>
+            <a:endParaRPr lang="en-US" dirty="0"/>
           </a:p>
         </p:txBody>
       </p:sp>
@@ -24163,32 +23689,16 @@
           <a:p>
             <a:r>
               <a:rPr lang="en-US" dirty="0"/>
-              <a:t>azure account import &lt;path to your .</a:t>
-            </a:r>
-            <a:r>
-              <a:rPr lang="en-US" dirty="0" err="1"/>
-              <a:t>publishsettings</a:t>
-            </a:r>
+              <a:t>azure account import &lt;path to your .publishsettings file&gt; </a:t>
+            </a:r>
+          </a:p>
+          <a:p>
+            <a:endParaRPr lang="en-US" dirty="0"/>
+          </a:p>
+          <a:p>
             <a:r>
               <a:rPr lang="en-US" dirty="0"/>
-              <a:t> file&gt; </a:t>
-            </a:r>
-          </a:p>
-          <a:p>
-            <a:endParaRPr lang="en-US" dirty="0"/>
-          </a:p>
-          <a:p>
-            <a:r>
-              <a:rPr lang="en-US" dirty="0"/>
-              <a:t>azure </a:t>
-            </a:r>
-            <a:r>
-              <a:rPr lang="en-US" dirty="0" err="1"/>
-              <a:t>config</a:t>
-            </a:r>
-            <a:r>
-              <a:rPr lang="en-US" dirty="0"/>
-              <a:t> mode arm</a:t>
+              <a:t>azure config mode arm</a:t>
             </a:r>
           </a:p>
           <a:p>
@@ -24221,7 +23731,7 @@
               <a:rPr lang="en-US" smtClean="0"/>
               <a:t>15</a:t>
             </a:fld>
-            <a:endParaRPr lang="en-US"/>
+            <a:endParaRPr lang="en-US" dirty="0"/>
           </a:p>
         </p:txBody>
       </p:sp>
@@ -26114,9 +25624,9 @@
           <a:p>
             <a:fld id="{B37ECBE2-3150-4A8C-9BA8-324E60C97071}" type="datetimeFigureOut">
               <a:rPr lang="en-US"/>
-              <a:t>06/07/2016</a:t>
+              <a:t>7/5/2016</a:t>
             </a:fld>
-            <a:endParaRPr lang="en-US"/>
+            <a:endParaRPr lang="en-US" dirty="0"/>
           </a:p>
         </p:txBody>
       </p:sp>
@@ -26143,7 +25653,7 @@
           <a:bodyPr/>
           <a:lstStyle/>
           <a:p>
-            <a:endParaRPr lang="en-US"/>
+            <a:endParaRPr lang="en-US" dirty="0"/>
           </a:p>
         </p:txBody>
       </p:sp>
@@ -26174,7 +25684,7 @@
               <a:rPr lang="en-US"/>
               <a:t>‹#›</a:t>
             </a:fld>
-            <a:endParaRPr lang="en-US"/>
+            <a:endParaRPr lang="en-US" dirty="0"/>
           </a:p>
         </p:txBody>
       </p:sp>
@@ -26188,6 +25698,753 @@
   <p:clrMapOvr>
     <a:masterClrMapping/>
   </p:clrMapOvr>
+</p:sldLayout>
+</file>
+
+<file path=ppt/slideLayouts/slideLayout16.xml><?xml version="1.0" encoding="utf-8"?>
+<p:sldLayout xmlns:a="http://schemas.openxmlformats.org/drawingml/2006/main" xmlns:r="http://schemas.openxmlformats.org/officeDocument/2006/relationships" xmlns:p="http://schemas.openxmlformats.org/presentationml/2006/main" preserve="1">
+  <p:cSld name="Title Slide">
+    <p:spTree>
+      <p:nvGrpSpPr>
+        <p:cNvPr id="1" name=""/>
+        <p:cNvGrpSpPr/>
+        <p:nvPr/>
+      </p:nvGrpSpPr>
+      <p:grpSpPr>
+        <a:xfrm>
+          <a:off x="0" y="0"/>
+          <a:ext cx="0" cy="0"/>
+          <a:chOff x="0" y="0"/>
+          <a:chExt cx="0" cy="0"/>
+        </a:xfrm>
+      </p:grpSpPr>
+      <p:pic>
+        <p:nvPicPr>
+          <p:cNvPr id="6" name="Picture 5"/>
+          <p:cNvPicPr>
+            <a:picLocks noChangeAspect="1"/>
+          </p:cNvPicPr>
+          <p:nvPr/>
+        </p:nvPicPr>
+        <p:blipFill>
+          <a:blip r:embed="rId2"/>
+          <a:stretch>
+            <a:fillRect/>
+          </a:stretch>
+        </p:blipFill>
+        <p:spPr>
+          <a:xfrm>
+            <a:off x="1008" y="1"/>
+            <a:ext cx="12190992" cy="6400800"/>
+          </a:xfrm>
+          <a:prstGeom prst="rect">
+            <a:avLst/>
+          </a:prstGeom>
+        </p:spPr>
+      </p:pic>
+      <p:sp>
+        <p:nvSpPr>
+          <p:cNvPr id="7" name="TextBox 6"/>
+          <p:cNvSpPr txBox="1"/>
+          <p:nvPr/>
+        </p:nvSpPr>
+        <p:spPr>
+          <a:xfrm>
+            <a:off x="1192443" y="1438410"/>
+            <a:ext cx="4767293" cy="1731756"/>
+          </a:xfrm>
+          <a:prstGeom prst="rect">
+            <a:avLst/>
+          </a:prstGeom>
+          <a:noFill/>
+        </p:spPr>
+        <p:txBody>
+          <a:bodyPr wrap="square" lIns="182880" tIns="146304" rIns="182880" bIns="146304" rtlCol="0">
+            <a:spAutoFit/>
+          </a:bodyPr>
+          <a:lstStyle/>
+          <a:p>
+            <a:pPr marL="0" marR="0" lvl="0" indent="0" algn="l" defTabSz="914400" rtl="0" eaLnBrk="1" fontAlgn="auto" latinLnBrk="0" hangingPunct="1">
+              <a:lnSpc>
+                <a:spcPts val="5600"/>
+              </a:lnSpc>
+              <a:spcBef>
+                <a:spcPts val="0"/>
+              </a:spcBef>
+              <a:spcAft>
+                <a:spcPts val="0"/>
+              </a:spcAft>
+              <a:buClrTx/>
+              <a:buSzTx/>
+              <a:buFontTx/>
+              <a:buNone/>
+              <a:tabLst/>
+              <a:defRPr/>
+            </a:pPr>
+            <a:r>
+              <a:rPr kumimoji="0" lang="en-US" sz="5400" b="0" i="0" u="none" strike="noStrike" kern="1200" cap="none" spc="0" normalizeH="0" baseline="0" noProof="0" dirty="0">
+                <a:ln>
+                  <a:noFill/>
+                </a:ln>
+                <a:solidFill>
+                  <a:srgbClr val="00B0F0"/>
+                </a:solidFill>
+                <a:effectLst/>
+                <a:uLnTx/>
+                <a:uFillTx/>
+                <a:latin typeface="Segoe UI Light"/>
+                <a:ea typeface="+mn-ea"/>
+                <a:cs typeface="+mn-cs"/>
+              </a:rPr>
+              <a:t>   </a:t>
+            </a:r>
+            <a:r>
+              <a:rPr kumimoji="0" lang="en-US" sz="6000" b="0" i="0" u="none" strike="noStrike" kern="1200" cap="none" spc="0" normalizeH="0" baseline="0" noProof="0" dirty="0">
+                <a:ln>
+                  <a:noFill/>
+                </a:ln>
+                <a:solidFill>
+                  <a:srgbClr val="0070C0"/>
+                </a:solidFill>
+                <a:effectLst/>
+                <a:uLnTx/>
+                <a:uFillTx/>
+                <a:latin typeface="Segoe UI Light"/>
+                <a:ea typeface="+mn-ea"/>
+                <a:cs typeface="+mn-cs"/>
+              </a:rPr>
+              <a:t>Architect</a:t>
+            </a:r>
+          </a:p>
+          <a:p>
+            <a:pPr marL="0" marR="0" lvl="0" indent="0" algn="l" defTabSz="914400" rtl="0" eaLnBrk="1" fontAlgn="auto" latinLnBrk="0" hangingPunct="1">
+              <a:lnSpc>
+                <a:spcPts val="5600"/>
+              </a:lnSpc>
+              <a:spcBef>
+                <a:spcPts val="0"/>
+              </a:spcBef>
+              <a:spcAft>
+                <a:spcPts val="0"/>
+              </a:spcAft>
+              <a:buClrTx/>
+              <a:buSzTx/>
+              <a:buFontTx/>
+              <a:buNone/>
+              <a:tabLst/>
+              <a:defRPr/>
+            </a:pPr>
+            <a:r>
+              <a:rPr kumimoji="0" lang="en-US" sz="6000" b="0" i="0" u="none" strike="noStrike" kern="1200" cap="none" spc="0" normalizeH="0" baseline="0" noProof="0" dirty="0">
+                <a:ln>
+                  <a:noFill/>
+                </a:ln>
+                <a:solidFill>
+                  <a:srgbClr val="0070C0"/>
+                </a:solidFill>
+                <a:effectLst/>
+                <a:uLnTx/>
+                <a:uFillTx/>
+                <a:latin typeface="Segoe UI Light"/>
+                <a:ea typeface="+mn-ea"/>
+                <a:cs typeface="+mn-cs"/>
+              </a:rPr>
+              <a:t>to Architect</a:t>
+            </a:r>
+          </a:p>
+        </p:txBody>
+      </p:sp>
+      <p:sp>
+        <p:nvSpPr>
+          <p:cNvPr id="8" name="TextBox 7"/>
+          <p:cNvSpPr txBox="1"/>
+          <p:nvPr/>
+        </p:nvSpPr>
+        <p:spPr>
+          <a:xfrm>
+            <a:off x="0" y="2868782"/>
+            <a:ext cx="8015040" cy="808426"/>
+          </a:xfrm>
+          <a:prstGeom prst="rect">
+            <a:avLst/>
+          </a:prstGeom>
+          <a:noFill/>
+        </p:spPr>
+        <p:txBody>
+          <a:bodyPr wrap="square" lIns="182880" tIns="146304" rIns="182880" bIns="146304" rtlCol="0">
+            <a:spAutoFit/>
+          </a:bodyPr>
+          <a:lstStyle/>
+          <a:p>
+            <a:pPr marL="0" marR="0" lvl="0" indent="0" algn="l" defTabSz="914400" rtl="0" eaLnBrk="1" fontAlgn="auto" latinLnBrk="0" hangingPunct="1">
+              <a:lnSpc>
+                <a:spcPts val="4000"/>
+              </a:lnSpc>
+              <a:spcBef>
+                <a:spcPts val="0"/>
+              </a:spcBef>
+              <a:spcAft>
+                <a:spcPts val="0"/>
+              </a:spcAft>
+              <a:buClrTx/>
+              <a:buSzTx/>
+              <a:buFontTx/>
+              <a:buNone/>
+              <a:tabLst/>
+              <a:defRPr/>
+            </a:pPr>
+            <a:r>
+              <a:rPr kumimoji="0" lang="en-US" sz="1600" b="0" i="0" u="none" strike="noStrike" kern="1200" cap="none" spc="300" normalizeH="0" baseline="0" noProof="0" dirty="0">
+                <a:ln>
+                  <a:noFill/>
+                </a:ln>
+                <a:solidFill>
+                  <a:srgbClr val="0070C0"/>
+                </a:solidFill>
+                <a:effectLst/>
+                <a:uLnTx/>
+                <a:uFillTx/>
+                <a:latin typeface="Segoe UI"/>
+                <a:ea typeface="+mn-ea"/>
+                <a:cs typeface="+mn-cs"/>
+              </a:rPr>
+              <a:t>Training &amp; Practice Building for Solution Architects</a:t>
+            </a:r>
+          </a:p>
+        </p:txBody>
+      </p:sp>
+      <p:sp>
+        <p:nvSpPr>
+          <p:cNvPr id="9" name="Text Placeholder 2"/>
+          <p:cNvSpPr>
+            <a:spLocks noGrp="1"/>
+          </p:cNvSpPr>
+          <p:nvPr>
+            <p:ph type="body" sz="quarter" idx="10" hasCustomPrompt="1"/>
+          </p:nvPr>
+        </p:nvSpPr>
+        <p:spPr>
+          <a:xfrm>
+            <a:off x="292519" y="3680409"/>
+            <a:ext cx="11459115" cy="1015663"/>
+          </a:xfrm>
+        </p:spPr>
+        <p:txBody>
+          <a:bodyPr/>
+          <a:lstStyle>
+            <a:lvl1pPr marL="0" indent="0">
+              <a:buNone/>
+              <a:defRPr sz="6000" baseline="0">
+                <a:solidFill>
+                  <a:srgbClr val="1574B8"/>
+                </a:solidFill>
+                <a:latin typeface="Segoe UI Light" panose="020B0502040204020203" pitchFamily="34" charset="0"/>
+                <a:cs typeface="Segoe UI Light" panose="020B0502040204020203" pitchFamily="34" charset="0"/>
+              </a:defRPr>
+            </a:lvl1pPr>
+            <a:lvl2pPr marL="336145" indent="0" algn="l">
+              <a:buFontTx/>
+              <a:buNone/>
+              <a:defRPr sz="3600">
+                <a:solidFill>
+                  <a:schemeClr val="bg2"/>
+                </a:solidFill>
+              </a:defRPr>
+            </a:lvl2pPr>
+            <a:lvl3pPr>
+              <a:defRPr sz="3600"/>
+            </a:lvl3pPr>
+            <a:lvl4pPr>
+              <a:defRPr sz="3600"/>
+            </a:lvl4pPr>
+            <a:lvl5pPr>
+              <a:defRPr sz="3600"/>
+            </a:lvl5pPr>
+          </a:lstStyle>
+          <a:p>
+            <a:pPr lvl="0"/>
+            <a:r>
+              <a:rPr lang="en-US" dirty="0"/>
+              <a:t>Click to edit session title</a:t>
+            </a:r>
+          </a:p>
+        </p:txBody>
+      </p:sp>
+      <p:sp>
+        <p:nvSpPr>
+          <p:cNvPr id="10" name="Text Placeholder 2"/>
+          <p:cNvSpPr>
+            <a:spLocks noGrp="1"/>
+          </p:cNvSpPr>
+          <p:nvPr>
+            <p:ph type="body" sz="quarter" idx="11" hasCustomPrompt="1"/>
+          </p:nvPr>
+        </p:nvSpPr>
+        <p:spPr>
+          <a:xfrm>
+            <a:off x="292519" y="5192562"/>
+            <a:ext cx="11459115" cy="572464"/>
+          </a:xfrm>
+        </p:spPr>
+        <p:txBody>
+          <a:bodyPr/>
+          <a:lstStyle>
+            <a:lvl1pPr marL="0" indent="0">
+              <a:buNone/>
+              <a:defRPr sz="2800" i="1">
+                <a:solidFill>
+                  <a:schemeClr val="bg2"/>
+                </a:solidFill>
+                <a:latin typeface="+mn-lt"/>
+              </a:defRPr>
+            </a:lvl1pPr>
+            <a:lvl2pPr marL="336145" indent="0" algn="l">
+              <a:buFontTx/>
+              <a:buNone/>
+              <a:defRPr sz="3600">
+                <a:solidFill>
+                  <a:schemeClr val="bg2"/>
+                </a:solidFill>
+              </a:defRPr>
+            </a:lvl2pPr>
+            <a:lvl3pPr>
+              <a:defRPr sz="3600"/>
+            </a:lvl3pPr>
+            <a:lvl4pPr>
+              <a:defRPr sz="3600"/>
+            </a:lvl4pPr>
+            <a:lvl5pPr>
+              <a:defRPr sz="3600"/>
+            </a:lvl5pPr>
+          </a:lstStyle>
+          <a:p>
+            <a:pPr lvl="0"/>
+            <a:r>
+              <a:rPr lang="en-US" dirty="0"/>
+              <a:t>Click to edit speaker name</a:t>
+            </a:r>
+          </a:p>
+        </p:txBody>
+      </p:sp>
+      <p:sp>
+        <p:nvSpPr>
+          <p:cNvPr id="11" name="Text Placeholder 2"/>
+          <p:cNvSpPr>
+            <a:spLocks noGrp="1"/>
+          </p:cNvSpPr>
+          <p:nvPr>
+            <p:ph type="body" sz="quarter" idx="12" hasCustomPrompt="1"/>
+          </p:nvPr>
+        </p:nvSpPr>
+        <p:spPr>
+          <a:xfrm>
+            <a:off x="292519" y="5768663"/>
+            <a:ext cx="11459113" cy="461665"/>
+          </a:xfrm>
+        </p:spPr>
+        <p:txBody>
+          <a:bodyPr/>
+          <a:lstStyle>
+            <a:lvl1pPr marL="0" indent="0">
+              <a:buNone/>
+              <a:defRPr sz="2000" i="0" baseline="0">
+                <a:solidFill>
+                  <a:schemeClr val="bg2"/>
+                </a:solidFill>
+              </a:defRPr>
+            </a:lvl1pPr>
+            <a:lvl2pPr marL="336145" indent="0" algn="l">
+              <a:buFontTx/>
+              <a:buNone/>
+              <a:defRPr sz="3600">
+                <a:solidFill>
+                  <a:schemeClr val="bg2"/>
+                </a:solidFill>
+              </a:defRPr>
+            </a:lvl2pPr>
+            <a:lvl3pPr>
+              <a:defRPr sz="3600"/>
+            </a:lvl3pPr>
+            <a:lvl4pPr>
+              <a:defRPr sz="3600"/>
+            </a:lvl4pPr>
+            <a:lvl5pPr>
+              <a:defRPr sz="3600"/>
+            </a:lvl5pPr>
+          </a:lstStyle>
+          <a:p>
+            <a:pPr lvl="0"/>
+            <a:r>
+              <a:rPr lang="en-US" dirty="0"/>
+              <a:t>Click to edit contact information (Twitter, Blog, Email, etc.)</a:t>
+            </a:r>
+          </a:p>
+        </p:txBody>
+      </p:sp>
+    </p:spTree>
+    <p:extLst>
+      <p:ext uri="{BB962C8B-B14F-4D97-AF65-F5344CB8AC3E}">
+        <p14:creationId xmlns:p14="http://schemas.microsoft.com/office/powerpoint/2010/main" val="56900681"/>
+      </p:ext>
+    </p:extLst>
+  </p:cSld>
+  <p:clrMapOvr>
+    <a:masterClrMapping/>
+  </p:clrMapOvr>
+  <p:transition>
+    <p:fade/>
+  </p:transition>
+</p:sldLayout>
+</file>
+
+<file path=ppt/slideLayouts/slideLayout17.xml><?xml version="1.0" encoding="utf-8"?>
+<p:sldLayout xmlns:a="http://schemas.openxmlformats.org/drawingml/2006/main" xmlns:r="http://schemas.openxmlformats.org/officeDocument/2006/relationships" xmlns:p="http://schemas.openxmlformats.org/presentationml/2006/main" preserve="1">
+  <p:cSld name="Section Slide">
+    <p:bg>
+      <p:bgPr>
+        <a:solidFill>
+          <a:srgbClr val="1574B8"/>
+        </a:solidFill>
+        <a:effectLst/>
+      </p:bgPr>
+    </p:bg>
+    <p:spTree>
+      <p:nvGrpSpPr>
+        <p:cNvPr id="1" name=""/>
+        <p:cNvGrpSpPr/>
+        <p:nvPr/>
+      </p:nvGrpSpPr>
+      <p:grpSpPr>
+        <a:xfrm>
+          <a:off x="0" y="0"/>
+          <a:ext cx="0" cy="0"/>
+          <a:chOff x="0" y="0"/>
+          <a:chExt cx="0" cy="0"/>
+        </a:xfrm>
+      </p:grpSpPr>
+      <p:pic>
+        <p:nvPicPr>
+          <p:cNvPr id="6" name="Picture 5"/>
+          <p:cNvPicPr>
+            <a:picLocks noChangeAspect="1"/>
+          </p:cNvPicPr>
+          <p:nvPr/>
+        </p:nvPicPr>
+        <p:blipFill>
+          <a:blip r:embed="rId2"/>
+          <a:stretch>
+            <a:fillRect/>
+          </a:stretch>
+        </p:blipFill>
+        <p:spPr>
+          <a:xfrm>
+            <a:off x="0" y="0"/>
+            <a:ext cx="12192000" cy="2858788"/>
+          </a:xfrm>
+          <a:prstGeom prst="rect">
+            <a:avLst/>
+          </a:prstGeom>
+        </p:spPr>
+      </p:pic>
+      <p:sp>
+        <p:nvSpPr>
+          <p:cNvPr id="7" name="Title 1"/>
+          <p:cNvSpPr>
+            <a:spLocks noGrp="1"/>
+          </p:cNvSpPr>
+          <p:nvPr>
+            <p:ph type="title" hasCustomPrompt="1"/>
+          </p:nvPr>
+        </p:nvSpPr>
+        <p:spPr>
+          <a:xfrm>
+            <a:off x="268928" y="3689190"/>
+            <a:ext cx="11541863" cy="899665"/>
+          </a:xfrm>
+        </p:spPr>
+        <p:txBody>
+          <a:bodyPr/>
+          <a:lstStyle>
+            <a:lvl1pPr algn="ctr">
+              <a:defRPr baseline="0"/>
+            </a:lvl1pPr>
+          </a:lstStyle>
+          <a:p>
+            <a:r>
+              <a:rPr lang="en-US" dirty="0"/>
+              <a:t>Click to edit section name</a:t>
+            </a:r>
+          </a:p>
+        </p:txBody>
+      </p:sp>
+      <p:sp>
+        <p:nvSpPr>
+          <p:cNvPr id="8" name="TextBox 7"/>
+          <p:cNvSpPr txBox="1"/>
+          <p:nvPr/>
+        </p:nvSpPr>
+        <p:spPr>
+          <a:xfrm>
+            <a:off x="778469" y="1024876"/>
+            <a:ext cx="3740504" cy="1321387"/>
+          </a:xfrm>
+          <a:prstGeom prst="rect">
+            <a:avLst/>
+          </a:prstGeom>
+          <a:noFill/>
+        </p:spPr>
+        <p:txBody>
+          <a:bodyPr wrap="square" lIns="182880" tIns="146304" rIns="182880" bIns="146304" rtlCol="0">
+            <a:spAutoFit/>
+          </a:bodyPr>
+          <a:lstStyle/>
+          <a:p>
+            <a:pPr marL="0" marR="0" lvl="0" indent="0" algn="ctr" defTabSz="914400" rtl="0" eaLnBrk="1" fontAlgn="auto" latinLnBrk="0" hangingPunct="1">
+              <a:lnSpc>
+                <a:spcPts val="4000"/>
+              </a:lnSpc>
+              <a:spcBef>
+                <a:spcPts val="0"/>
+              </a:spcBef>
+              <a:spcAft>
+                <a:spcPts val="0"/>
+              </a:spcAft>
+              <a:buClrTx/>
+              <a:buSzTx/>
+              <a:buFontTx/>
+              <a:buNone/>
+              <a:tabLst/>
+              <a:defRPr/>
+            </a:pPr>
+            <a:r>
+              <a:rPr kumimoji="0" lang="en-US" sz="3600" b="0" i="0" u="none" strike="noStrike" kern="1200" cap="none" spc="0" normalizeH="0" baseline="0" noProof="0" dirty="0">
+                <a:ln>
+                  <a:noFill/>
+                </a:ln>
+                <a:solidFill>
+                  <a:srgbClr val="0070C0"/>
+                </a:solidFill>
+                <a:effectLst/>
+                <a:uLnTx/>
+                <a:uFillTx/>
+                <a:latin typeface="Segoe UI Light"/>
+                <a:ea typeface="+mn-ea"/>
+                <a:cs typeface="+mn-cs"/>
+              </a:rPr>
+              <a:t>Architect to Architect</a:t>
+            </a:r>
+          </a:p>
+        </p:txBody>
+      </p:sp>
+      <p:pic>
+        <p:nvPicPr>
+          <p:cNvPr id="5" name="Picture 4"/>
+          <p:cNvPicPr>
+            <a:picLocks noChangeAspect="1"/>
+          </p:cNvPicPr>
+          <p:nvPr userDrawn="1"/>
+        </p:nvPicPr>
+        <p:blipFill>
+          <a:blip r:embed="rId2"/>
+          <a:stretch>
+            <a:fillRect/>
+          </a:stretch>
+        </p:blipFill>
+        <p:spPr>
+          <a:xfrm>
+            <a:off x="0" y="0"/>
+            <a:ext cx="12192000" cy="2858788"/>
+          </a:xfrm>
+          <a:prstGeom prst="rect">
+            <a:avLst/>
+          </a:prstGeom>
+        </p:spPr>
+      </p:pic>
+      <p:sp>
+        <p:nvSpPr>
+          <p:cNvPr id="9" name="TextBox 8"/>
+          <p:cNvSpPr txBox="1"/>
+          <p:nvPr userDrawn="1"/>
+        </p:nvSpPr>
+        <p:spPr>
+          <a:xfrm>
+            <a:off x="778469" y="1024876"/>
+            <a:ext cx="3740504" cy="1321387"/>
+          </a:xfrm>
+          <a:prstGeom prst="rect">
+            <a:avLst/>
+          </a:prstGeom>
+          <a:noFill/>
+        </p:spPr>
+        <p:txBody>
+          <a:bodyPr wrap="square" lIns="182880" tIns="146304" rIns="182880" bIns="146304" rtlCol="0">
+            <a:spAutoFit/>
+          </a:bodyPr>
+          <a:lstStyle/>
+          <a:p>
+            <a:pPr algn="ctr">
+              <a:lnSpc>
+                <a:spcPts val="4000"/>
+              </a:lnSpc>
+            </a:pPr>
+            <a:r>
+              <a:rPr lang="en-US" sz="3600" dirty="0">
+                <a:solidFill>
+                  <a:srgbClr val="0070C0"/>
+                </a:solidFill>
+                <a:latin typeface="+mj-lt"/>
+              </a:rPr>
+              <a:t>Engineer</a:t>
+            </a:r>
+            <a:r>
+              <a:rPr lang="en-US" sz="3600" baseline="0" dirty="0">
+                <a:solidFill>
+                  <a:srgbClr val="0070C0"/>
+                </a:solidFill>
+                <a:latin typeface="+mj-lt"/>
+              </a:rPr>
+              <a:t> </a:t>
+            </a:r>
+            <a:r>
+              <a:rPr lang="en-US" sz="3600" dirty="0">
+                <a:solidFill>
+                  <a:srgbClr val="0070C0"/>
+                </a:solidFill>
+                <a:latin typeface="+mj-lt"/>
+              </a:rPr>
+              <a:t>to</a:t>
+            </a:r>
+            <a:r>
+              <a:rPr lang="en-US" sz="3600" baseline="0" dirty="0">
+                <a:solidFill>
+                  <a:srgbClr val="0070C0"/>
+                </a:solidFill>
+                <a:latin typeface="+mj-lt"/>
+              </a:rPr>
+              <a:t> </a:t>
+            </a:r>
+            <a:r>
+              <a:rPr lang="en-US" sz="3600" dirty="0">
+                <a:solidFill>
+                  <a:srgbClr val="0070C0"/>
+                </a:solidFill>
+                <a:latin typeface="+mj-lt"/>
+              </a:rPr>
+              <a:t>Engineer</a:t>
+            </a:r>
+          </a:p>
+        </p:txBody>
+      </p:sp>
+    </p:spTree>
+    <p:extLst>
+      <p:ext uri="{BB962C8B-B14F-4D97-AF65-F5344CB8AC3E}">
+        <p14:creationId xmlns:p14="http://schemas.microsoft.com/office/powerpoint/2010/main" val="2998249070"/>
+      </p:ext>
+    </p:extLst>
+  </p:cSld>
+  <p:clrMapOvr>
+    <a:masterClrMapping/>
+  </p:clrMapOvr>
+  <p:transition>
+    <p:fade/>
+  </p:transition>
+</p:sldLayout>
+</file>
+
+<file path=ppt/slideLayouts/slideLayout18.xml><?xml version="1.0" encoding="utf-8"?>
+<p:sldLayout xmlns:a="http://schemas.openxmlformats.org/drawingml/2006/main" xmlns:r="http://schemas.openxmlformats.org/officeDocument/2006/relationships" xmlns:p="http://schemas.openxmlformats.org/presentationml/2006/main" preserve="1">
+  <p:cSld name="Blank">
+    <p:spTree>
+      <p:nvGrpSpPr>
+        <p:cNvPr id="1" name=""/>
+        <p:cNvGrpSpPr/>
+        <p:nvPr/>
+      </p:nvGrpSpPr>
+      <p:grpSpPr>
+        <a:xfrm>
+          <a:off x="0" y="0"/>
+          <a:ext cx="0" cy="0"/>
+          <a:chOff x="0" y="0"/>
+          <a:chExt cx="0" cy="0"/>
+        </a:xfrm>
+      </p:grpSpPr>
+    </p:spTree>
+    <p:extLst>
+      <p:ext uri="{BB962C8B-B14F-4D97-AF65-F5344CB8AC3E}">
+        <p14:creationId xmlns:p14="http://schemas.microsoft.com/office/powerpoint/2010/main" val="1387712737"/>
+      </p:ext>
+    </p:extLst>
+  </p:cSld>
+  <p:clrMapOvr>
+    <a:masterClrMapping/>
+  </p:clrMapOvr>
+  <p:transition>
+    <p:fade/>
+  </p:transition>
+</p:sldLayout>
+</file>
+
+<file path=ppt/slideLayouts/slideLayout19.xml><?xml version="1.0" encoding="utf-8"?>
+<p:sldLayout xmlns:a="http://schemas.openxmlformats.org/drawingml/2006/main" xmlns:r="http://schemas.openxmlformats.org/officeDocument/2006/relationships" xmlns:p="http://schemas.openxmlformats.org/presentationml/2006/main" preserve="1">
+  <p:cSld name="Title Only">
+    <p:bg>
+      <p:bgPr>
+        <a:solidFill>
+          <a:srgbClr val="1574B8"/>
+        </a:solidFill>
+        <a:effectLst/>
+      </p:bgPr>
+    </p:bg>
+    <p:spTree>
+      <p:nvGrpSpPr>
+        <p:cNvPr id="1" name=""/>
+        <p:cNvGrpSpPr/>
+        <p:nvPr/>
+      </p:nvGrpSpPr>
+      <p:grpSpPr>
+        <a:xfrm>
+          <a:off x="0" y="0"/>
+          <a:ext cx="0" cy="0"/>
+          <a:chOff x="0" y="0"/>
+          <a:chExt cx="0" cy="0"/>
+        </a:xfrm>
+      </p:grpSpPr>
+      <p:sp>
+        <p:nvSpPr>
+          <p:cNvPr id="2" name="Title 1"/>
+          <p:cNvSpPr>
+            <a:spLocks noGrp="1"/>
+          </p:cNvSpPr>
+          <p:nvPr>
+            <p:ph type="title"/>
+          </p:nvPr>
+        </p:nvSpPr>
+        <p:spPr/>
+        <p:txBody>
+          <a:bodyPr/>
+          <a:lstStyle/>
+          <a:p>
+            <a:r>
+              <a:rPr lang="en-US"/>
+              <a:t>Click to edit Master title style</a:t>
+            </a:r>
+            <a:endParaRPr lang="en-US" dirty="0"/>
+          </a:p>
+        </p:txBody>
+      </p:sp>
+    </p:spTree>
+    <p:extLst>
+      <p:ext uri="{BB962C8B-B14F-4D97-AF65-F5344CB8AC3E}">
+        <p14:creationId xmlns:p14="http://schemas.microsoft.com/office/powerpoint/2010/main" val="404932318"/>
+      </p:ext>
+    </p:extLst>
+  </p:cSld>
+  <p:clrMapOvr>
+    <a:masterClrMapping/>
+  </p:clrMapOvr>
+  <p:transition>
+    <p:fade/>
+  </p:transition>
 </p:sldLayout>
 </file>
 
@@ -26442,6 +26699,1781 @@
   <p:transition>
     <p:fade/>
   </p:transition>
+</p:sldLayout>
+</file>
+
+<file path=ppt/slideLayouts/slideLayout20.xml><?xml version="1.0" encoding="utf-8"?>
+<p:sldLayout xmlns:a="http://schemas.openxmlformats.org/drawingml/2006/main" xmlns:r="http://schemas.openxmlformats.org/officeDocument/2006/relationships" xmlns:p="http://schemas.openxmlformats.org/presentationml/2006/main" preserve="1">
+  <p:cSld name="Code - Graphic Bottom">
+    <p:bg>
+      <p:bgPr>
+        <a:solidFill>
+          <a:srgbClr val="1574B8"/>
+        </a:solidFill>
+        <a:effectLst/>
+      </p:bgPr>
+    </p:bg>
+    <p:spTree>
+      <p:nvGrpSpPr>
+        <p:cNvPr id="1" name=""/>
+        <p:cNvGrpSpPr/>
+        <p:nvPr/>
+      </p:nvGrpSpPr>
+      <p:grpSpPr>
+        <a:xfrm>
+          <a:off x="0" y="0"/>
+          <a:ext cx="0" cy="0"/>
+          <a:chOff x="0" y="0"/>
+          <a:chExt cx="0" cy="0"/>
+        </a:xfrm>
+      </p:grpSpPr>
+      <p:sp>
+        <p:nvSpPr>
+          <p:cNvPr id="2" name="Title 1"/>
+          <p:cNvSpPr>
+            <a:spLocks noGrp="1"/>
+          </p:cNvSpPr>
+          <p:nvPr>
+            <p:ph type="title"/>
+          </p:nvPr>
+        </p:nvSpPr>
+        <p:spPr/>
+        <p:txBody>
+          <a:bodyPr/>
+          <a:lstStyle/>
+          <a:p>
+            <a:r>
+              <a:rPr lang="en-US"/>
+              <a:t>Click to edit Master title style</a:t>
+            </a:r>
+          </a:p>
+        </p:txBody>
+      </p:sp>
+      <p:sp>
+        <p:nvSpPr>
+          <p:cNvPr id="9" name="Text Placeholder 8"/>
+          <p:cNvSpPr>
+            <a:spLocks noGrp="1"/>
+          </p:cNvSpPr>
+          <p:nvPr>
+            <p:ph type="body" sz="quarter" idx="10"/>
+          </p:nvPr>
+        </p:nvSpPr>
+        <p:spPr>
+          <a:xfrm>
+            <a:off x="269239" y="1411758"/>
+            <a:ext cx="11653523" cy="4846429"/>
+          </a:xfrm>
+          <a:solidFill>
+            <a:schemeClr val="tx1"/>
+          </a:solidFill>
+        </p:spPr>
+        <p:txBody>
+          <a:bodyPr/>
+          <a:lstStyle>
+            <a:lvl1pPr marL="0" indent="0">
+              <a:buNone/>
+              <a:defRPr sz="1961">
+                <a:solidFill>
+                  <a:schemeClr val="bg1"/>
+                </a:solidFill>
+                <a:latin typeface="Courier New" panose="02070309020205020404" pitchFamily="49" charset="0"/>
+                <a:cs typeface="Courier New" panose="02070309020205020404" pitchFamily="49" charset="0"/>
+              </a:defRPr>
+            </a:lvl1pPr>
+          </a:lstStyle>
+          <a:p>
+            <a:pPr lvl="0"/>
+            <a:r>
+              <a:rPr lang="en-US"/>
+              <a:t>Edit Master text styles</a:t>
+            </a:r>
+          </a:p>
+        </p:txBody>
+      </p:sp>
+    </p:spTree>
+    <p:extLst>
+      <p:ext uri="{BB962C8B-B14F-4D97-AF65-F5344CB8AC3E}">
+        <p14:creationId xmlns:p14="http://schemas.microsoft.com/office/powerpoint/2010/main" val="2064220244"/>
+      </p:ext>
+    </p:extLst>
+  </p:cSld>
+  <p:clrMapOvr>
+    <a:masterClrMapping/>
+  </p:clrMapOvr>
+  <p:transition>
+    <p:fade/>
+  </p:transition>
+</p:sldLayout>
+</file>
+
+<file path=ppt/slideLayouts/slideLayout21.xml><?xml version="1.0" encoding="utf-8"?>
+<p:sldLayout xmlns:a="http://schemas.openxmlformats.org/drawingml/2006/main" xmlns:r="http://schemas.openxmlformats.org/officeDocument/2006/relationships" xmlns:p="http://schemas.openxmlformats.org/presentationml/2006/main" preserve="1">
+  <p:cSld name="Title and Content">
+    <p:bg>
+      <p:bgPr>
+        <a:solidFill>
+          <a:srgbClr val="1574B8"/>
+        </a:solidFill>
+        <a:effectLst/>
+      </p:bgPr>
+    </p:bg>
+    <p:spTree>
+      <p:nvGrpSpPr>
+        <p:cNvPr id="1" name=""/>
+        <p:cNvGrpSpPr/>
+        <p:nvPr/>
+      </p:nvGrpSpPr>
+      <p:grpSpPr>
+        <a:xfrm>
+          <a:off x="0" y="0"/>
+          <a:ext cx="0" cy="0"/>
+          <a:chOff x="0" y="0"/>
+          <a:chExt cx="0" cy="0"/>
+        </a:xfrm>
+      </p:grpSpPr>
+      <p:sp>
+        <p:nvSpPr>
+          <p:cNvPr id="2" name="Title 1"/>
+          <p:cNvSpPr>
+            <a:spLocks noGrp="1"/>
+          </p:cNvSpPr>
+          <p:nvPr>
+            <p:ph type="title"/>
+          </p:nvPr>
+        </p:nvSpPr>
+        <p:spPr/>
+        <p:txBody>
+          <a:bodyPr/>
+          <a:lstStyle/>
+          <a:p>
+            <a:r>
+              <a:rPr lang="en-US"/>
+              <a:t>Click to edit Master title style</a:t>
+            </a:r>
+          </a:p>
+        </p:txBody>
+      </p:sp>
+      <p:sp>
+        <p:nvSpPr>
+          <p:cNvPr id="6" name="Content Placeholder 6"/>
+          <p:cNvSpPr>
+            <a:spLocks noGrp="1"/>
+          </p:cNvSpPr>
+          <p:nvPr>
+            <p:ph sz="quarter" idx="10"/>
+          </p:nvPr>
+        </p:nvSpPr>
+        <p:spPr>
+          <a:xfrm>
+            <a:off x="268288" y="1398397"/>
+            <a:ext cx="11542503" cy="4451560"/>
+          </a:xfrm>
+        </p:spPr>
+        <p:txBody>
+          <a:bodyPr/>
+          <a:lstStyle/>
+          <a:p>
+            <a:pPr lvl="0"/>
+            <a:r>
+              <a:rPr lang="en-US"/>
+              <a:t>Edit Master text styles</a:t>
+            </a:r>
+          </a:p>
+          <a:p>
+            <a:pPr lvl="1"/>
+            <a:r>
+              <a:rPr lang="en-US"/>
+              <a:t>Second level</a:t>
+            </a:r>
+          </a:p>
+          <a:p>
+            <a:pPr lvl="2"/>
+            <a:r>
+              <a:rPr lang="en-US"/>
+              <a:t>Third level</a:t>
+            </a:r>
+          </a:p>
+        </p:txBody>
+      </p:sp>
+    </p:spTree>
+    <p:extLst>
+      <p:ext uri="{BB962C8B-B14F-4D97-AF65-F5344CB8AC3E}">
+        <p14:creationId xmlns:p14="http://schemas.microsoft.com/office/powerpoint/2010/main" val="2705181271"/>
+      </p:ext>
+    </p:extLst>
+  </p:cSld>
+  <p:clrMapOvr>
+    <a:masterClrMapping/>
+  </p:clrMapOvr>
+  <p:transition>
+    <p:fade/>
+  </p:transition>
+</p:sldLayout>
+</file>
+
+<file path=ppt/slideLayouts/slideLayout22.xml><?xml version="1.0" encoding="utf-8"?>
+<p:sldLayout xmlns:a="http://schemas.openxmlformats.org/drawingml/2006/main" xmlns:r="http://schemas.openxmlformats.org/officeDocument/2006/relationships" xmlns:p="http://schemas.openxmlformats.org/presentationml/2006/main" preserve="1">
+  <p:cSld name="Title and Content - 2 Column">
+    <p:bg>
+      <p:bgPr>
+        <a:solidFill>
+          <a:srgbClr val="1574B8"/>
+        </a:solidFill>
+        <a:effectLst/>
+      </p:bgPr>
+    </p:bg>
+    <p:spTree>
+      <p:nvGrpSpPr>
+        <p:cNvPr id="1" name=""/>
+        <p:cNvGrpSpPr/>
+        <p:nvPr/>
+      </p:nvGrpSpPr>
+      <p:grpSpPr>
+        <a:xfrm>
+          <a:off x="0" y="0"/>
+          <a:ext cx="0" cy="0"/>
+          <a:chOff x="0" y="0"/>
+          <a:chExt cx="0" cy="0"/>
+        </a:xfrm>
+      </p:grpSpPr>
+      <p:sp>
+        <p:nvSpPr>
+          <p:cNvPr id="5" name="Title 1"/>
+          <p:cNvSpPr>
+            <a:spLocks noGrp="1"/>
+          </p:cNvSpPr>
+          <p:nvPr>
+            <p:ph type="title"/>
+          </p:nvPr>
+        </p:nvSpPr>
+        <p:spPr>
+          <a:xfrm>
+            <a:off x="268930" y="291068"/>
+            <a:ext cx="11653832" cy="899665"/>
+          </a:xfrm>
+        </p:spPr>
+        <p:txBody>
+          <a:bodyPr/>
+          <a:lstStyle/>
+          <a:p>
+            <a:r>
+              <a:rPr lang="en-US"/>
+              <a:t>Click to edit Master title style</a:t>
+            </a:r>
+            <a:endParaRPr lang="en-US" dirty="0"/>
+          </a:p>
+        </p:txBody>
+      </p:sp>
+      <p:sp>
+        <p:nvSpPr>
+          <p:cNvPr id="7" name="Content Placeholder 6"/>
+          <p:cNvSpPr>
+            <a:spLocks noGrp="1"/>
+          </p:cNvSpPr>
+          <p:nvPr>
+            <p:ph sz="quarter" idx="10"/>
+          </p:nvPr>
+        </p:nvSpPr>
+        <p:spPr>
+          <a:xfrm>
+            <a:off x="268288" y="1387776"/>
+            <a:ext cx="5494536" cy="1889748"/>
+          </a:xfrm>
+        </p:spPr>
+        <p:txBody>
+          <a:bodyPr/>
+          <a:lstStyle/>
+          <a:p>
+            <a:pPr lvl="0"/>
+            <a:r>
+              <a:rPr lang="en-US"/>
+              <a:t>Edit Master text styles</a:t>
+            </a:r>
+          </a:p>
+          <a:p>
+            <a:pPr lvl="1"/>
+            <a:r>
+              <a:rPr lang="en-US"/>
+              <a:t>Second level</a:t>
+            </a:r>
+          </a:p>
+          <a:p>
+            <a:pPr lvl="2"/>
+            <a:r>
+              <a:rPr lang="en-US"/>
+              <a:t>Third level</a:t>
+            </a:r>
+          </a:p>
+        </p:txBody>
+      </p:sp>
+      <p:sp>
+        <p:nvSpPr>
+          <p:cNvPr id="8" name="Content Placeholder 6"/>
+          <p:cNvSpPr>
+            <a:spLocks noGrp="1"/>
+          </p:cNvSpPr>
+          <p:nvPr>
+            <p:ph sz="quarter" idx="11"/>
+          </p:nvPr>
+        </p:nvSpPr>
+        <p:spPr>
+          <a:xfrm>
+            <a:off x="6432242" y="1387776"/>
+            <a:ext cx="5490520" cy="1889748"/>
+          </a:xfrm>
+        </p:spPr>
+        <p:txBody>
+          <a:bodyPr/>
+          <a:lstStyle/>
+          <a:p>
+            <a:pPr lvl="0"/>
+            <a:r>
+              <a:rPr lang="en-US"/>
+              <a:t>Edit Master text styles</a:t>
+            </a:r>
+          </a:p>
+          <a:p>
+            <a:pPr lvl="1"/>
+            <a:r>
+              <a:rPr lang="en-US"/>
+              <a:t>Second level</a:t>
+            </a:r>
+          </a:p>
+          <a:p>
+            <a:pPr lvl="2"/>
+            <a:r>
+              <a:rPr lang="en-US"/>
+              <a:t>Third level</a:t>
+            </a:r>
+          </a:p>
+        </p:txBody>
+      </p:sp>
+    </p:spTree>
+    <p:extLst>
+      <p:ext uri="{BB962C8B-B14F-4D97-AF65-F5344CB8AC3E}">
+        <p14:creationId xmlns:p14="http://schemas.microsoft.com/office/powerpoint/2010/main" val="3374775758"/>
+      </p:ext>
+    </p:extLst>
+  </p:cSld>
+  <p:clrMapOvr>
+    <a:masterClrMapping/>
+  </p:clrMapOvr>
+  <p:transition>
+    <p:fade/>
+  </p:transition>
+</p:sldLayout>
+</file>
+
+<file path=ppt/slideLayouts/slideLayout23.xml><?xml version="1.0" encoding="utf-8"?>
+<p:sldLayout xmlns:a="http://schemas.openxmlformats.org/drawingml/2006/main" xmlns:r="http://schemas.openxmlformats.org/officeDocument/2006/relationships" xmlns:p="http://schemas.openxmlformats.org/presentationml/2006/main" preserve="1">
+  <p:cSld name="Title and Compare">
+    <p:bg>
+      <p:bgPr>
+        <a:solidFill>
+          <a:srgbClr val="1574B8"/>
+        </a:solidFill>
+        <a:effectLst/>
+      </p:bgPr>
+    </p:bg>
+    <p:spTree>
+      <p:nvGrpSpPr>
+        <p:cNvPr id="1" name=""/>
+        <p:cNvGrpSpPr/>
+        <p:nvPr/>
+      </p:nvGrpSpPr>
+      <p:grpSpPr>
+        <a:xfrm>
+          <a:off x="0" y="0"/>
+          <a:ext cx="0" cy="0"/>
+          <a:chOff x="0" y="0"/>
+          <a:chExt cx="0" cy="0"/>
+        </a:xfrm>
+      </p:grpSpPr>
+      <p:sp>
+        <p:nvSpPr>
+          <p:cNvPr id="7" name="Content Placeholder 6"/>
+          <p:cNvSpPr>
+            <a:spLocks noGrp="1"/>
+          </p:cNvSpPr>
+          <p:nvPr>
+            <p:ph sz="quarter" idx="10"/>
+          </p:nvPr>
+        </p:nvSpPr>
+        <p:spPr>
+          <a:xfrm>
+            <a:off x="293121" y="2253750"/>
+            <a:ext cx="5378549" cy="1889748"/>
+          </a:xfrm>
+        </p:spPr>
+        <p:txBody>
+          <a:bodyPr/>
+          <a:lstStyle/>
+          <a:p>
+            <a:pPr lvl="0"/>
+            <a:r>
+              <a:rPr lang="en-US"/>
+              <a:t>Edit Master text styles</a:t>
+            </a:r>
+          </a:p>
+          <a:p>
+            <a:pPr lvl="1"/>
+            <a:r>
+              <a:rPr lang="en-US"/>
+              <a:t>Second level</a:t>
+            </a:r>
+          </a:p>
+          <a:p>
+            <a:pPr lvl="2"/>
+            <a:r>
+              <a:rPr lang="en-US"/>
+              <a:t>Third level</a:t>
+            </a:r>
+          </a:p>
+        </p:txBody>
+      </p:sp>
+      <p:sp>
+        <p:nvSpPr>
+          <p:cNvPr id="8" name="Content Placeholder 6"/>
+          <p:cNvSpPr>
+            <a:spLocks noGrp="1"/>
+          </p:cNvSpPr>
+          <p:nvPr>
+            <p:ph sz="quarter" idx="11"/>
+          </p:nvPr>
+        </p:nvSpPr>
+        <p:spPr>
+          <a:xfrm>
+            <a:off x="6457075" y="2253750"/>
+            <a:ext cx="5378549" cy="1889748"/>
+          </a:xfrm>
+        </p:spPr>
+        <p:txBody>
+          <a:bodyPr/>
+          <a:lstStyle/>
+          <a:p>
+            <a:pPr lvl="0"/>
+            <a:r>
+              <a:rPr lang="en-US"/>
+              <a:t>Edit Master text styles</a:t>
+            </a:r>
+          </a:p>
+          <a:p>
+            <a:pPr lvl="1"/>
+            <a:r>
+              <a:rPr lang="en-US"/>
+              <a:t>Second level</a:t>
+            </a:r>
+          </a:p>
+          <a:p>
+            <a:pPr lvl="2"/>
+            <a:r>
+              <a:rPr lang="en-US"/>
+              <a:t>Third level</a:t>
+            </a:r>
+          </a:p>
+        </p:txBody>
+      </p:sp>
+      <p:sp>
+        <p:nvSpPr>
+          <p:cNvPr id="9" name="Content Placeholder 6"/>
+          <p:cNvSpPr>
+            <a:spLocks noGrp="1"/>
+          </p:cNvSpPr>
+          <p:nvPr>
+            <p:ph sz="quarter" idx="12" hasCustomPrompt="1"/>
+          </p:nvPr>
+        </p:nvSpPr>
+        <p:spPr>
+          <a:xfrm>
+            <a:off x="293761" y="1367394"/>
+            <a:ext cx="5378549" cy="669927"/>
+          </a:xfrm>
+        </p:spPr>
+        <p:txBody>
+          <a:bodyPr/>
+          <a:lstStyle>
+            <a:lvl1pPr marL="0" indent="0">
+              <a:buNone/>
+              <a:defRPr sz="3529" b="1" baseline="0"/>
+            </a:lvl1pPr>
+          </a:lstStyle>
+          <a:p>
+            <a:pPr lvl="0"/>
+            <a:r>
+              <a:rPr lang="en-US" dirty="0"/>
+              <a:t>Comparison 1</a:t>
+            </a:r>
+          </a:p>
+        </p:txBody>
+      </p:sp>
+      <p:sp>
+        <p:nvSpPr>
+          <p:cNvPr id="10" name="Content Placeholder 6"/>
+          <p:cNvSpPr>
+            <a:spLocks noGrp="1"/>
+          </p:cNvSpPr>
+          <p:nvPr>
+            <p:ph sz="quarter" idx="13" hasCustomPrompt="1"/>
+          </p:nvPr>
+        </p:nvSpPr>
+        <p:spPr>
+          <a:xfrm>
+            <a:off x="6457715" y="1367394"/>
+            <a:ext cx="5378549" cy="669927"/>
+          </a:xfrm>
+        </p:spPr>
+        <p:txBody>
+          <a:bodyPr/>
+          <a:lstStyle>
+            <a:lvl1pPr marL="0" indent="0">
+              <a:buNone/>
+              <a:defRPr sz="3529" b="1"/>
+            </a:lvl1pPr>
+          </a:lstStyle>
+          <a:p>
+            <a:pPr lvl="0"/>
+            <a:r>
+              <a:rPr lang="en-US" dirty="0"/>
+              <a:t>Comparison 1</a:t>
+            </a:r>
+          </a:p>
+        </p:txBody>
+      </p:sp>
+      <p:sp>
+        <p:nvSpPr>
+          <p:cNvPr id="11" name="Title 1"/>
+          <p:cNvSpPr>
+            <a:spLocks noGrp="1"/>
+          </p:cNvSpPr>
+          <p:nvPr>
+            <p:ph type="title"/>
+          </p:nvPr>
+        </p:nvSpPr>
+        <p:spPr>
+          <a:xfrm>
+            <a:off x="268930" y="291068"/>
+            <a:ext cx="11653832" cy="899665"/>
+          </a:xfrm>
+        </p:spPr>
+        <p:txBody>
+          <a:bodyPr/>
+          <a:lstStyle/>
+          <a:p>
+            <a:r>
+              <a:rPr lang="en-US"/>
+              <a:t>Click to edit Master title style</a:t>
+            </a:r>
+            <a:endParaRPr lang="en-US" dirty="0"/>
+          </a:p>
+        </p:txBody>
+      </p:sp>
+    </p:spTree>
+    <p:extLst>
+      <p:ext uri="{BB962C8B-B14F-4D97-AF65-F5344CB8AC3E}">
+        <p14:creationId xmlns:p14="http://schemas.microsoft.com/office/powerpoint/2010/main" val="3240887016"/>
+      </p:ext>
+    </p:extLst>
+  </p:cSld>
+  <p:clrMapOvr>
+    <a:masterClrMapping/>
+  </p:clrMapOvr>
+  <p:transition>
+    <p:fade/>
+  </p:transition>
+</p:sldLayout>
+</file>
+
+<file path=ppt/slideLayouts/slideLayout24.xml><?xml version="1.0" encoding="utf-8"?>
+<p:sldLayout xmlns:a="http://schemas.openxmlformats.org/drawingml/2006/main" xmlns:r="http://schemas.openxmlformats.org/officeDocument/2006/relationships" xmlns:p="http://schemas.openxmlformats.org/presentationml/2006/main" preserve="1">
+  <p:cSld name="Demo">
+    <p:bg>
+      <p:bgPr>
+        <a:solidFill>
+          <a:srgbClr val="1574B8"/>
+        </a:solidFill>
+        <a:effectLst/>
+      </p:bgPr>
+    </p:bg>
+    <p:spTree>
+      <p:nvGrpSpPr>
+        <p:cNvPr id="1" name=""/>
+        <p:cNvGrpSpPr/>
+        <p:nvPr/>
+      </p:nvGrpSpPr>
+      <p:grpSpPr>
+        <a:xfrm>
+          <a:off x="0" y="0"/>
+          <a:ext cx="0" cy="0"/>
+          <a:chOff x="0" y="0"/>
+          <a:chExt cx="0" cy="0"/>
+        </a:xfrm>
+      </p:grpSpPr>
+      <p:sp>
+        <p:nvSpPr>
+          <p:cNvPr id="7" name="Text Placeholder 3"/>
+          <p:cNvSpPr>
+            <a:spLocks noGrp="1"/>
+          </p:cNvSpPr>
+          <p:nvPr>
+            <p:ph type="body" sz="quarter" idx="10" hasCustomPrompt="1"/>
+          </p:nvPr>
+        </p:nvSpPr>
+        <p:spPr>
+          <a:xfrm>
+            <a:off x="475025" y="4533945"/>
+            <a:ext cx="11240393" cy="683264"/>
+          </a:xfrm>
+        </p:spPr>
+        <p:txBody>
+          <a:bodyPr/>
+          <a:lstStyle>
+            <a:lvl1pPr marL="0" indent="0" algn="r">
+              <a:buNone/>
+              <a:defRPr sz="3600" i="0"/>
+            </a:lvl1pPr>
+            <a:lvl2pPr marL="336145" indent="0">
+              <a:buNone/>
+              <a:defRPr/>
+            </a:lvl2pPr>
+            <a:lvl3pPr marL="560241" indent="0">
+              <a:buNone/>
+              <a:defRPr/>
+            </a:lvl3pPr>
+            <a:lvl4pPr marL="784338" indent="0">
+              <a:buNone/>
+              <a:defRPr/>
+            </a:lvl4pPr>
+            <a:lvl5pPr marL="1008435" indent="0">
+              <a:buNone/>
+              <a:defRPr/>
+            </a:lvl5pPr>
+          </a:lstStyle>
+          <a:p>
+            <a:pPr lvl="0"/>
+            <a:r>
+              <a:rPr lang="en-US" dirty="0"/>
+              <a:t>Click to edit demo name</a:t>
+            </a:r>
+          </a:p>
+        </p:txBody>
+      </p:sp>
+      <p:sp>
+        <p:nvSpPr>
+          <p:cNvPr id="8" name="TextBox 7"/>
+          <p:cNvSpPr txBox="1"/>
+          <p:nvPr/>
+        </p:nvSpPr>
+        <p:spPr>
+          <a:xfrm>
+            <a:off x="7569411" y="2655027"/>
+            <a:ext cx="4146007" cy="1888209"/>
+          </a:xfrm>
+          <a:prstGeom prst="rect">
+            <a:avLst/>
+          </a:prstGeom>
+          <a:noFill/>
+        </p:spPr>
+        <p:txBody>
+          <a:bodyPr wrap="none" lIns="182880" tIns="146304" rIns="182880" bIns="146304" rtlCol="0">
+            <a:spAutoFit/>
+          </a:bodyPr>
+          <a:lstStyle/>
+          <a:p>
+            <a:pPr marL="0" marR="0" lvl="0" indent="0" algn="l" defTabSz="914400" rtl="0" eaLnBrk="1" fontAlgn="auto" latinLnBrk="0" hangingPunct="1">
+              <a:lnSpc>
+                <a:spcPct val="90000"/>
+              </a:lnSpc>
+              <a:spcBef>
+                <a:spcPts val="0"/>
+              </a:spcBef>
+              <a:spcAft>
+                <a:spcPts val="600"/>
+              </a:spcAft>
+              <a:buClrTx/>
+              <a:buSzTx/>
+              <a:buFontTx/>
+              <a:buNone/>
+              <a:tabLst/>
+              <a:defRPr/>
+            </a:pPr>
+            <a:r>
+              <a:rPr kumimoji="0" lang="en-US" sz="11500" b="0" i="0" u="none" strike="noStrike" kern="1200" cap="none" spc="0" normalizeH="0" baseline="0" noProof="0" dirty="0">
+                <a:ln>
+                  <a:noFill/>
+                </a:ln>
+                <a:gradFill>
+                  <a:gsLst>
+                    <a:gs pos="2917">
+                      <a:prstClr val="white"/>
+                    </a:gs>
+                    <a:gs pos="30000">
+                      <a:prstClr val="white"/>
+                    </a:gs>
+                  </a:gsLst>
+                  <a:lin ang="5400000" scaled="0"/>
+                </a:gradFill>
+                <a:effectLst/>
+                <a:uLnTx/>
+                <a:uFillTx/>
+                <a:latin typeface="Segoe UI Light"/>
+                <a:ea typeface="+mn-ea"/>
+                <a:cs typeface="+mn-cs"/>
+              </a:rPr>
+              <a:t>Demo</a:t>
+            </a:r>
+          </a:p>
+        </p:txBody>
+      </p:sp>
+      <p:pic>
+        <p:nvPicPr>
+          <p:cNvPr id="6" name="Picture 5"/>
+          <p:cNvPicPr>
+            <a:picLocks noChangeAspect="1"/>
+          </p:cNvPicPr>
+          <p:nvPr/>
+        </p:nvPicPr>
+        <p:blipFill>
+          <a:blip r:embed="rId2"/>
+          <a:stretch>
+            <a:fillRect/>
+          </a:stretch>
+        </p:blipFill>
+        <p:spPr>
+          <a:xfrm>
+            <a:off x="0" y="0"/>
+            <a:ext cx="12192000" cy="2858788"/>
+          </a:xfrm>
+          <a:prstGeom prst="rect">
+            <a:avLst/>
+          </a:prstGeom>
+        </p:spPr>
+      </p:pic>
+      <p:sp>
+        <p:nvSpPr>
+          <p:cNvPr id="9" name="TextBox 8"/>
+          <p:cNvSpPr txBox="1"/>
+          <p:nvPr/>
+        </p:nvSpPr>
+        <p:spPr>
+          <a:xfrm>
+            <a:off x="778469" y="1024876"/>
+            <a:ext cx="3740504" cy="1321387"/>
+          </a:xfrm>
+          <a:prstGeom prst="rect">
+            <a:avLst/>
+          </a:prstGeom>
+          <a:noFill/>
+        </p:spPr>
+        <p:txBody>
+          <a:bodyPr wrap="square" lIns="182880" tIns="146304" rIns="182880" bIns="146304" rtlCol="0">
+            <a:spAutoFit/>
+          </a:bodyPr>
+          <a:lstStyle/>
+          <a:p>
+            <a:pPr marL="0" marR="0" lvl="0" indent="0" algn="ctr" defTabSz="914400" rtl="0" eaLnBrk="1" fontAlgn="auto" latinLnBrk="0" hangingPunct="1">
+              <a:lnSpc>
+                <a:spcPts val="4000"/>
+              </a:lnSpc>
+              <a:spcBef>
+                <a:spcPts val="0"/>
+              </a:spcBef>
+              <a:spcAft>
+                <a:spcPts val="0"/>
+              </a:spcAft>
+              <a:buClrTx/>
+              <a:buSzTx/>
+              <a:buFontTx/>
+              <a:buNone/>
+              <a:tabLst/>
+              <a:defRPr/>
+            </a:pPr>
+            <a:r>
+              <a:rPr kumimoji="0" lang="en-US" sz="3600" b="0" i="0" u="none" strike="noStrike" kern="1200" cap="none" spc="0" normalizeH="0" baseline="0" noProof="0" dirty="0">
+                <a:ln>
+                  <a:noFill/>
+                </a:ln>
+                <a:solidFill>
+                  <a:srgbClr val="0070C0"/>
+                </a:solidFill>
+                <a:effectLst/>
+                <a:uLnTx/>
+                <a:uFillTx/>
+                <a:latin typeface="Segoe UI Light"/>
+                <a:ea typeface="+mn-ea"/>
+                <a:cs typeface="+mn-cs"/>
+              </a:rPr>
+              <a:t>Architect to Architect</a:t>
+            </a:r>
+          </a:p>
+        </p:txBody>
+      </p:sp>
+      <p:sp>
+        <p:nvSpPr>
+          <p:cNvPr id="10" name="TextBox 9"/>
+          <p:cNvSpPr txBox="1"/>
+          <p:nvPr userDrawn="1"/>
+        </p:nvSpPr>
+        <p:spPr>
+          <a:xfrm>
+            <a:off x="7569411" y="2655027"/>
+            <a:ext cx="4146007" cy="1888209"/>
+          </a:xfrm>
+          <a:prstGeom prst="rect">
+            <a:avLst/>
+          </a:prstGeom>
+          <a:noFill/>
+        </p:spPr>
+        <p:txBody>
+          <a:bodyPr wrap="none" lIns="182880" tIns="146304" rIns="182880" bIns="146304" rtlCol="0">
+            <a:spAutoFit/>
+          </a:bodyPr>
+          <a:lstStyle/>
+          <a:p>
+            <a:pPr>
+              <a:lnSpc>
+                <a:spcPct val="90000"/>
+              </a:lnSpc>
+              <a:spcAft>
+                <a:spcPts val="600"/>
+              </a:spcAft>
+            </a:pPr>
+            <a:r>
+              <a:rPr lang="en-US" sz="11500" dirty="0">
+                <a:gradFill>
+                  <a:gsLst>
+                    <a:gs pos="2917">
+                      <a:schemeClr val="tx1"/>
+                    </a:gs>
+                    <a:gs pos="30000">
+                      <a:schemeClr val="tx1"/>
+                    </a:gs>
+                  </a:gsLst>
+                  <a:lin ang="5400000" scaled="0"/>
+                </a:gradFill>
+                <a:latin typeface="+mj-lt"/>
+              </a:rPr>
+              <a:t>Demo</a:t>
+            </a:r>
+          </a:p>
+        </p:txBody>
+      </p:sp>
+      <p:pic>
+        <p:nvPicPr>
+          <p:cNvPr id="11" name="Picture 10"/>
+          <p:cNvPicPr>
+            <a:picLocks noChangeAspect="1"/>
+          </p:cNvPicPr>
+          <p:nvPr userDrawn="1"/>
+        </p:nvPicPr>
+        <p:blipFill>
+          <a:blip r:embed="rId2"/>
+          <a:stretch>
+            <a:fillRect/>
+          </a:stretch>
+        </p:blipFill>
+        <p:spPr>
+          <a:xfrm>
+            <a:off x="0" y="0"/>
+            <a:ext cx="12192000" cy="2858788"/>
+          </a:xfrm>
+          <a:prstGeom prst="rect">
+            <a:avLst/>
+          </a:prstGeom>
+        </p:spPr>
+      </p:pic>
+      <p:sp>
+        <p:nvSpPr>
+          <p:cNvPr id="12" name="TextBox 11"/>
+          <p:cNvSpPr txBox="1"/>
+          <p:nvPr userDrawn="1"/>
+        </p:nvSpPr>
+        <p:spPr>
+          <a:xfrm>
+            <a:off x="778469" y="1024876"/>
+            <a:ext cx="3740504" cy="1321387"/>
+          </a:xfrm>
+          <a:prstGeom prst="rect">
+            <a:avLst/>
+          </a:prstGeom>
+          <a:noFill/>
+        </p:spPr>
+        <p:txBody>
+          <a:bodyPr wrap="square" lIns="182880" tIns="146304" rIns="182880" bIns="146304" rtlCol="0">
+            <a:spAutoFit/>
+          </a:bodyPr>
+          <a:lstStyle/>
+          <a:p>
+            <a:pPr algn="ctr">
+              <a:lnSpc>
+                <a:spcPts val="4000"/>
+              </a:lnSpc>
+            </a:pPr>
+            <a:r>
+              <a:rPr lang="en-US" sz="3600" dirty="0">
+                <a:solidFill>
+                  <a:srgbClr val="0070C0"/>
+                </a:solidFill>
+                <a:latin typeface="+mj-lt"/>
+              </a:rPr>
+              <a:t>Engineer</a:t>
+            </a:r>
+            <a:r>
+              <a:rPr lang="en-US" sz="3600" baseline="0" dirty="0">
+                <a:solidFill>
+                  <a:srgbClr val="0070C0"/>
+                </a:solidFill>
+                <a:latin typeface="+mj-lt"/>
+              </a:rPr>
+              <a:t> </a:t>
+            </a:r>
+            <a:r>
+              <a:rPr lang="en-US" sz="3600" dirty="0">
+                <a:solidFill>
+                  <a:srgbClr val="0070C0"/>
+                </a:solidFill>
+                <a:latin typeface="+mj-lt"/>
+              </a:rPr>
+              <a:t>to</a:t>
+            </a:r>
+            <a:r>
+              <a:rPr lang="en-US" sz="3600" baseline="0" dirty="0">
+                <a:solidFill>
+                  <a:srgbClr val="0070C0"/>
+                </a:solidFill>
+                <a:latin typeface="+mj-lt"/>
+              </a:rPr>
+              <a:t> </a:t>
+            </a:r>
+            <a:r>
+              <a:rPr lang="en-US" sz="3600" dirty="0">
+                <a:solidFill>
+                  <a:srgbClr val="0070C0"/>
+                </a:solidFill>
+                <a:latin typeface="+mj-lt"/>
+              </a:rPr>
+              <a:t>Engineer</a:t>
+            </a:r>
+          </a:p>
+        </p:txBody>
+      </p:sp>
+    </p:spTree>
+    <p:extLst>
+      <p:ext uri="{BB962C8B-B14F-4D97-AF65-F5344CB8AC3E}">
+        <p14:creationId xmlns:p14="http://schemas.microsoft.com/office/powerpoint/2010/main" val="2651143091"/>
+      </p:ext>
+    </p:extLst>
+  </p:cSld>
+  <p:clrMapOvr>
+    <a:masterClrMapping/>
+  </p:clrMapOvr>
+  <p:transition>
+    <p:fade/>
+  </p:transition>
+</p:sldLayout>
+</file>
+
+<file path=ppt/slideLayouts/slideLayout25.xml><?xml version="1.0" encoding="utf-8"?>
+<p:sldLayout xmlns:a="http://schemas.openxmlformats.org/drawingml/2006/main" xmlns:r="http://schemas.openxmlformats.org/officeDocument/2006/relationships" xmlns:p="http://schemas.openxmlformats.org/presentationml/2006/main" preserve="1">
+  <p:cSld name="Survey Ask">
+    <p:spTree>
+      <p:nvGrpSpPr>
+        <p:cNvPr id="1" name=""/>
+        <p:cNvGrpSpPr/>
+        <p:nvPr/>
+      </p:nvGrpSpPr>
+      <p:grpSpPr>
+        <a:xfrm>
+          <a:off x="0" y="0"/>
+          <a:ext cx="0" cy="0"/>
+          <a:chOff x="0" y="0"/>
+          <a:chExt cx="0" cy="0"/>
+        </a:xfrm>
+      </p:grpSpPr>
+      <p:sp>
+        <p:nvSpPr>
+          <p:cNvPr id="3" name="TextBox 2"/>
+          <p:cNvSpPr txBox="1"/>
+          <p:nvPr/>
+        </p:nvSpPr>
+        <p:spPr>
+          <a:xfrm>
+            <a:off x="268927" y="1541206"/>
+            <a:ext cx="11541863" cy="2665345"/>
+          </a:xfrm>
+          <a:prstGeom prst="rect">
+            <a:avLst/>
+          </a:prstGeom>
+          <a:noFill/>
+        </p:spPr>
+        <p:txBody>
+          <a:bodyPr wrap="square" lIns="182880" tIns="146304" rIns="182880" bIns="146304" rtlCol="0">
+            <a:spAutoFit/>
+          </a:bodyPr>
+          <a:lstStyle/>
+          <a:p>
+            <a:pPr algn="ctr">
+              <a:lnSpc>
+                <a:spcPct val="90000"/>
+              </a:lnSpc>
+              <a:spcAft>
+                <a:spcPts val="600"/>
+              </a:spcAft>
+            </a:pPr>
+            <a:r>
+              <a:rPr lang="en-US" sz="4000" dirty="0">
+                <a:gradFill>
+                  <a:gsLst>
+                    <a:gs pos="2917">
+                      <a:schemeClr val="tx1"/>
+                    </a:gs>
+                    <a:gs pos="30000">
+                      <a:schemeClr val="tx1"/>
+                    </a:gs>
+                  </a:gsLst>
+                  <a:lin ang="5400000" scaled="0"/>
+                </a:gradFill>
+                <a:latin typeface="+mj-lt"/>
+              </a:rPr>
+              <a:t>Your</a:t>
+            </a:r>
+            <a:r>
+              <a:rPr lang="en-US" sz="4000" baseline="0" dirty="0">
+                <a:gradFill>
+                  <a:gsLst>
+                    <a:gs pos="2917">
+                      <a:schemeClr val="tx1"/>
+                    </a:gs>
+                    <a:gs pos="30000">
+                      <a:schemeClr val="tx1"/>
+                    </a:gs>
+                  </a:gsLst>
+                  <a:lin ang="5400000" scaled="0"/>
+                </a:gradFill>
+                <a:latin typeface="+mj-lt"/>
+              </a:rPr>
+              <a:t> </a:t>
+            </a:r>
+            <a:r>
+              <a:rPr lang="en-US" sz="4000" b="0" i="0" baseline="0" dirty="0">
+                <a:gradFill>
+                  <a:gsLst>
+                    <a:gs pos="2917">
+                      <a:schemeClr val="tx1"/>
+                    </a:gs>
+                    <a:gs pos="30000">
+                      <a:schemeClr val="tx1"/>
+                    </a:gs>
+                  </a:gsLst>
+                  <a:lin ang="5400000" scaled="0"/>
+                </a:gradFill>
+                <a:latin typeface="+mj-lt"/>
+              </a:rPr>
+              <a:t>anonymous</a:t>
+            </a:r>
+            <a:r>
+              <a:rPr lang="en-US" sz="4000" baseline="0" dirty="0">
+                <a:gradFill>
+                  <a:gsLst>
+                    <a:gs pos="2917">
+                      <a:schemeClr val="tx1"/>
+                    </a:gs>
+                    <a:gs pos="30000">
+                      <a:schemeClr val="tx1"/>
+                    </a:gs>
+                  </a:gsLst>
+                  <a:lin ang="5400000" scaled="0"/>
+                </a:gradFill>
+                <a:latin typeface="+mj-lt"/>
+              </a:rPr>
+              <a:t> feedback is greatly appreciated.</a:t>
+            </a:r>
+          </a:p>
+          <a:p>
+            <a:pPr algn="ctr">
+              <a:lnSpc>
+                <a:spcPct val="90000"/>
+              </a:lnSpc>
+              <a:spcAft>
+                <a:spcPts val="600"/>
+              </a:spcAft>
+            </a:pPr>
+            <a:endParaRPr lang="en-US" sz="4000" baseline="0" dirty="0">
+              <a:gradFill>
+                <a:gsLst>
+                  <a:gs pos="2917">
+                    <a:schemeClr val="tx1"/>
+                  </a:gs>
+                  <a:gs pos="30000">
+                    <a:schemeClr val="tx1"/>
+                  </a:gs>
+                </a:gsLst>
+                <a:lin ang="5400000" scaled="0"/>
+              </a:gradFill>
+              <a:latin typeface="+mj-lt"/>
+            </a:endParaRPr>
+          </a:p>
+          <a:p>
+            <a:pPr algn="ctr">
+              <a:lnSpc>
+                <a:spcPct val="90000"/>
+              </a:lnSpc>
+              <a:spcAft>
+                <a:spcPts val="600"/>
+              </a:spcAft>
+            </a:pPr>
+            <a:r>
+              <a:rPr lang="en-US" sz="4000" baseline="0" dirty="0">
+                <a:gradFill>
+                  <a:gsLst>
+                    <a:gs pos="2917">
+                      <a:schemeClr val="tx1"/>
+                    </a:gs>
+                    <a:gs pos="30000">
+                      <a:schemeClr val="tx1"/>
+                    </a:gs>
+                  </a:gsLst>
+                  <a:lin ang="5400000" scaled="0"/>
+                </a:gradFill>
+                <a:latin typeface="+mj-lt"/>
+              </a:rPr>
+              <a:t>Please rate this session at the end of the day at the URL below.</a:t>
+            </a:r>
+            <a:endParaRPr lang="en-US" sz="4000" dirty="0">
+              <a:gradFill>
+                <a:gsLst>
+                  <a:gs pos="2917">
+                    <a:schemeClr val="tx1"/>
+                  </a:gs>
+                  <a:gs pos="30000">
+                    <a:schemeClr val="tx1"/>
+                  </a:gs>
+                </a:gsLst>
+                <a:lin ang="5400000" scaled="0"/>
+              </a:gradFill>
+              <a:latin typeface="+mj-lt"/>
+            </a:endParaRPr>
+          </a:p>
+        </p:txBody>
+      </p:sp>
+      <p:sp>
+        <p:nvSpPr>
+          <p:cNvPr id="4" name="Text Placeholder 3"/>
+          <p:cNvSpPr>
+            <a:spLocks noGrp="1"/>
+          </p:cNvSpPr>
+          <p:nvPr>
+            <p:ph type="body" sz="quarter" idx="10" hasCustomPrompt="1"/>
+          </p:nvPr>
+        </p:nvSpPr>
+        <p:spPr>
+          <a:xfrm>
+            <a:off x="268928" y="4880532"/>
+            <a:ext cx="11541862" cy="1098762"/>
+          </a:xfrm>
+        </p:spPr>
+        <p:txBody>
+          <a:bodyPr/>
+          <a:lstStyle>
+            <a:lvl1pPr marL="0" indent="0" algn="ctr">
+              <a:buNone/>
+              <a:defRPr sz="6600" i="0">
+                <a:latin typeface="+mn-lt"/>
+              </a:defRPr>
+            </a:lvl1pPr>
+            <a:lvl2pPr marL="336145" indent="0">
+              <a:buNone/>
+              <a:defRPr/>
+            </a:lvl2pPr>
+            <a:lvl3pPr marL="560241" indent="0">
+              <a:buNone/>
+              <a:defRPr/>
+            </a:lvl3pPr>
+            <a:lvl4pPr marL="784338" indent="0">
+              <a:buNone/>
+              <a:defRPr/>
+            </a:lvl4pPr>
+            <a:lvl5pPr marL="1008435" indent="0">
+              <a:buNone/>
+              <a:defRPr/>
+            </a:lvl5pPr>
+          </a:lstStyle>
+          <a:p>
+            <a:pPr lvl="0"/>
+            <a:r>
+              <a:rPr lang="en-US" dirty="0"/>
+              <a:t>Click to edit survey URL</a:t>
+            </a:r>
+          </a:p>
+        </p:txBody>
+      </p:sp>
+      <p:sp>
+        <p:nvSpPr>
+          <p:cNvPr id="5" name="TextBox 4"/>
+          <p:cNvSpPr txBox="1"/>
+          <p:nvPr/>
+        </p:nvSpPr>
+        <p:spPr>
+          <a:xfrm>
+            <a:off x="268926" y="208533"/>
+            <a:ext cx="11541863" cy="1209562"/>
+          </a:xfrm>
+          <a:prstGeom prst="rect">
+            <a:avLst/>
+          </a:prstGeom>
+          <a:noFill/>
+        </p:spPr>
+        <p:txBody>
+          <a:bodyPr wrap="square" lIns="182880" tIns="146304" rIns="182880" bIns="146304" rtlCol="0">
+            <a:spAutoFit/>
+          </a:bodyPr>
+          <a:lstStyle/>
+          <a:p>
+            <a:pPr algn="ctr">
+              <a:lnSpc>
+                <a:spcPct val="90000"/>
+              </a:lnSpc>
+              <a:spcAft>
+                <a:spcPts val="600"/>
+              </a:spcAft>
+            </a:pPr>
+            <a:r>
+              <a:rPr lang="en-US" sz="6600" dirty="0">
+                <a:gradFill>
+                  <a:gsLst>
+                    <a:gs pos="2917">
+                      <a:schemeClr val="tx1"/>
+                    </a:gs>
+                    <a:gs pos="30000">
+                      <a:schemeClr val="tx1"/>
+                    </a:gs>
+                  </a:gsLst>
+                  <a:lin ang="5400000" scaled="0"/>
+                </a:gradFill>
+                <a:latin typeface="+mj-lt"/>
+              </a:rPr>
+              <a:t>Thank You!</a:t>
+            </a:r>
+          </a:p>
+        </p:txBody>
+      </p:sp>
+    </p:spTree>
+    <p:extLst>
+      <p:ext uri="{BB962C8B-B14F-4D97-AF65-F5344CB8AC3E}">
+        <p14:creationId xmlns:p14="http://schemas.microsoft.com/office/powerpoint/2010/main" val="678274627"/>
+      </p:ext>
+    </p:extLst>
+  </p:cSld>
+  <p:clrMapOvr>
+    <a:masterClrMapping/>
+  </p:clrMapOvr>
+  <p:transition>
+    <p:fade/>
+  </p:transition>
+</p:sldLayout>
+</file>
+
+<file path=ppt/slideLayouts/slideLayout26.xml><?xml version="1.0" encoding="utf-8"?>
+<p:sldLayout xmlns:a="http://schemas.openxmlformats.org/drawingml/2006/main" xmlns:r="http://schemas.openxmlformats.org/officeDocument/2006/relationships" xmlns:p="http://schemas.openxmlformats.org/presentationml/2006/main">
+  <p:cSld name="Ending Slide">
+    <p:bg>
+      <p:bgPr>
+        <a:solidFill>
+          <a:srgbClr val="1574B8"/>
+        </a:solidFill>
+        <a:effectLst/>
+      </p:bgPr>
+    </p:bg>
+    <p:spTree>
+      <p:nvGrpSpPr>
+        <p:cNvPr id="1" name=""/>
+        <p:cNvGrpSpPr/>
+        <p:nvPr/>
+      </p:nvGrpSpPr>
+      <p:grpSpPr>
+        <a:xfrm>
+          <a:off x="0" y="0"/>
+          <a:ext cx="0" cy="0"/>
+          <a:chOff x="0" y="0"/>
+          <a:chExt cx="0" cy="0"/>
+        </a:xfrm>
+      </p:grpSpPr>
+      <p:pic>
+        <p:nvPicPr>
+          <p:cNvPr id="6" name="Picture 5"/>
+          <p:cNvPicPr>
+            <a:picLocks noChangeAspect="1"/>
+          </p:cNvPicPr>
+          <p:nvPr/>
+        </p:nvPicPr>
+        <p:blipFill>
+          <a:blip r:embed="rId2" cstate="email">
+            <a:extLst>
+              <a:ext uri="{28A0092B-C50C-407E-A947-70E740481C1C}">
+                <a14:useLocalDpi xmlns:a14="http://schemas.microsoft.com/office/drawing/2010/main"/>
+              </a:ext>
+            </a:extLst>
+          </a:blip>
+          <a:stretch>
+            <a:fillRect/>
+          </a:stretch>
+        </p:blipFill>
+        <p:spPr bwMode="invGray">
+          <a:xfrm>
+            <a:off x="269239" y="3975398"/>
+            <a:ext cx="3575287" cy="765878"/>
+          </a:xfrm>
+          <a:prstGeom prst="rect">
+            <a:avLst/>
+          </a:prstGeom>
+        </p:spPr>
+      </p:pic>
+      <p:sp>
+        <p:nvSpPr>
+          <p:cNvPr id="4" name="Text Box 3"/>
+          <p:cNvSpPr txBox="1">
+            <a:spLocks noChangeArrowheads="1"/>
+          </p:cNvSpPr>
+          <p:nvPr/>
+        </p:nvSpPr>
+        <p:spPr bwMode="blackWhite">
+          <a:xfrm>
+            <a:off x="269239" y="5621781"/>
+            <a:ext cx="11617961" cy="859927"/>
+          </a:xfrm>
+          <a:prstGeom prst="rect">
+            <a:avLst/>
+          </a:prstGeom>
+          <a:noFill/>
+          <a:ln w="12700">
+            <a:noFill/>
+            <a:miter lim="800000"/>
+            <a:headEnd type="none" w="sm" len="sm"/>
+            <a:tailEnd type="none" w="sm" len="sm"/>
+          </a:ln>
+          <a:effectLst/>
+        </p:spPr>
+        <p:txBody>
+          <a:bodyPr vert="horz" wrap="square" lIns="89607" tIns="44805" rIns="89607" bIns="44805" numCol="1" anchor="t" anchorCtr="0" compatLnSpc="1">
+            <a:prstTxWarp prst="textNoShape">
+              <a:avLst/>
+            </a:prstTxWarp>
+            <a:spAutoFit/>
+          </a:bodyPr>
+          <a:lstStyle/>
+          <a:p>
+            <a:pPr defTabSz="895888" eaLnBrk="0" hangingPunct="0"/>
+            <a:r>
+              <a:rPr lang="en-US" sz="1000" dirty="0">
+                <a:gradFill>
+                  <a:gsLst>
+                    <a:gs pos="11940">
+                      <a:srgbClr val="FFFFFF"/>
+                    </a:gs>
+                    <a:gs pos="24000">
+                      <a:srgbClr val="FFFFFF"/>
+                    </a:gs>
+                  </a:gsLst>
+                  <a:lin ang="5400000" scaled="0"/>
+                </a:gradFill>
+                <a:cs typeface="Arial" charset="0"/>
+              </a:rPr>
+              <a:t>© 2015-2016 Microsoft Corporation. All rights reserved. Microsoft, Windows, Windows Vista and other product names are or may be registered trademarks and/or trademarks in the U.S. and/or other countries.</a:t>
+            </a:r>
+          </a:p>
+          <a:p>
+            <a:pPr defTabSz="895888" eaLnBrk="0" hangingPunct="0"/>
+            <a:r>
+              <a:rPr lang="en-US" sz="1000" dirty="0">
+                <a:gradFill>
+                  <a:gsLst>
+                    <a:gs pos="11940">
+                      <a:srgbClr val="FFFFFF"/>
+                    </a:gs>
+                    <a:gs pos="24000">
+                      <a:srgbClr val="FFFFFF"/>
+                    </a:gs>
+                  </a:gsLst>
+                  <a:lin ang="5400000" scaled="0"/>
+                </a:gradFill>
+                <a:cs typeface="Arial" charset="0"/>
+              </a:rPr>
+              <a:t>The information herein is for informational purposes only and represents the current view of Microsoft Corporation as of the date of this presentation.  Because Microsoft must respond to changing market conditions, it should not be interpreted to be a commitment on the part of Microsoft, and Microsoft cannot guarantee the accuracy of any information provided after the date of this presentation.  MICROSOFT MAKES NO WARRANTIES, EXPRESS, IMPLIED OR STATUTORY, AS TO THE INFORMATION IN THIS PRESENTATION.</a:t>
+            </a:r>
+          </a:p>
+        </p:txBody>
+      </p:sp>
+      <p:pic>
+        <p:nvPicPr>
+          <p:cNvPr id="5" name="Picture 4"/>
+          <p:cNvPicPr>
+            <a:picLocks noChangeAspect="1"/>
+          </p:cNvPicPr>
+          <p:nvPr userDrawn="1"/>
+        </p:nvPicPr>
+        <p:blipFill>
+          <a:blip r:embed="rId2" cstate="email">
+            <a:extLst>
+              <a:ext uri="{28A0092B-C50C-407E-A947-70E740481C1C}">
+                <a14:useLocalDpi xmlns:a14="http://schemas.microsoft.com/office/drawing/2010/main"/>
+              </a:ext>
+            </a:extLst>
+          </a:blip>
+          <a:stretch>
+            <a:fillRect/>
+          </a:stretch>
+        </p:blipFill>
+        <p:spPr bwMode="invGray">
+          <a:xfrm>
+            <a:off x="269239" y="3975398"/>
+            <a:ext cx="3575287" cy="765878"/>
+          </a:xfrm>
+          <a:prstGeom prst="rect">
+            <a:avLst/>
+          </a:prstGeom>
+        </p:spPr>
+      </p:pic>
+      <p:sp>
+        <p:nvSpPr>
+          <p:cNvPr id="7" name="Text Box 3"/>
+          <p:cNvSpPr txBox="1">
+            <a:spLocks noChangeArrowheads="1"/>
+          </p:cNvSpPr>
+          <p:nvPr userDrawn="1"/>
+        </p:nvSpPr>
+        <p:spPr bwMode="blackWhite">
+          <a:xfrm>
+            <a:off x="269239" y="5621781"/>
+            <a:ext cx="11617961" cy="706038"/>
+          </a:xfrm>
+          <a:prstGeom prst="rect">
+            <a:avLst/>
+          </a:prstGeom>
+          <a:noFill/>
+          <a:ln w="12700">
+            <a:noFill/>
+            <a:miter lim="800000"/>
+            <a:headEnd type="none" w="sm" len="sm"/>
+            <a:tailEnd type="none" w="sm" len="sm"/>
+          </a:ln>
+          <a:effectLst/>
+        </p:spPr>
+        <p:txBody>
+          <a:bodyPr vert="horz" wrap="square" lIns="89607" tIns="44805" rIns="89607" bIns="44805" numCol="1" anchor="t" anchorCtr="0" compatLnSpc="1">
+            <a:prstTxWarp prst="textNoShape">
+              <a:avLst/>
+            </a:prstTxWarp>
+            <a:spAutoFit/>
+          </a:bodyPr>
+          <a:lstStyle/>
+          <a:p>
+            <a:pPr defTabSz="895888" eaLnBrk="0" hangingPunct="0"/>
+            <a:r>
+              <a:rPr lang="en-US" sz="1000" dirty="0">
+                <a:gradFill>
+                  <a:gsLst>
+                    <a:gs pos="11940">
+                      <a:srgbClr val="FFFFFF"/>
+                    </a:gs>
+                    <a:gs pos="24000">
+                      <a:srgbClr val="FFFFFF"/>
+                    </a:gs>
+                  </a:gsLst>
+                  <a:lin ang="5400000" scaled="0"/>
+                </a:gradFill>
+                <a:cs typeface="Arial" charset="0"/>
+              </a:rPr>
+              <a:t>© 2015 Microsoft Corporation. All rights reserved. Microsoft, Windows, Windows Vista and other product names are or may be registered trademarks and/or trademarks in the U.S. and/or other countries.</a:t>
+            </a:r>
+          </a:p>
+          <a:p>
+            <a:pPr defTabSz="895888" eaLnBrk="0" hangingPunct="0"/>
+            <a:r>
+              <a:rPr lang="en-US" sz="1000" dirty="0">
+                <a:gradFill>
+                  <a:gsLst>
+                    <a:gs pos="11940">
+                      <a:srgbClr val="FFFFFF"/>
+                    </a:gs>
+                    <a:gs pos="24000">
+                      <a:srgbClr val="FFFFFF"/>
+                    </a:gs>
+                  </a:gsLst>
+                  <a:lin ang="5400000" scaled="0"/>
+                </a:gradFill>
+                <a:cs typeface="Arial" charset="0"/>
+              </a:rPr>
+              <a:t>The information herein is for informational purposes only and represents the current view of Microsoft Corporation as of the date of this presentation.  Because Microsoft must respond to changing market conditions, it should not be interpreted to be a commitment on the part of Microsoft, and Microsoft cannot guarantee the accuracy of any information provided after the date of this presentation.  MICROSOFT MAKES NO WARRANTIES, EXPRESS, IMPLIED OR STATUTORY, AS TO THE INFORMATION IN THIS PRESENTATION.</a:t>
+            </a:r>
+          </a:p>
+        </p:txBody>
+      </p:sp>
+    </p:spTree>
+    <p:extLst>
+      <p:ext uri="{BB962C8B-B14F-4D97-AF65-F5344CB8AC3E}">
+        <p14:creationId xmlns:p14="http://schemas.microsoft.com/office/powerpoint/2010/main" val="1669540924"/>
+      </p:ext>
+    </p:extLst>
+  </p:cSld>
+  <p:clrMapOvr>
+    <a:masterClrMapping/>
+  </p:clrMapOvr>
+  <p:transition>
+    <p:fade/>
+  </p:transition>
+</p:sldLayout>
+</file>
+
+<file path=ppt/slideLayouts/slideLayout27.xml><?xml version="1.0" encoding="utf-8"?>
+<p:sldLayout xmlns:a="http://schemas.openxmlformats.org/drawingml/2006/main" xmlns:r="http://schemas.openxmlformats.org/officeDocument/2006/relationships" xmlns:p="http://schemas.openxmlformats.org/presentationml/2006/main" type="twoObj">
+  <p:cSld name="Two Content">
+    <p:spTree>
+      <p:nvGrpSpPr>
+        <p:cNvPr id="1" name=""/>
+        <p:cNvGrpSpPr/>
+        <p:nvPr/>
+      </p:nvGrpSpPr>
+      <p:grpSpPr>
+        <a:xfrm>
+          <a:off x="0" y="0"/>
+          <a:ext cx="0" cy="0"/>
+          <a:chOff x="0" y="0"/>
+          <a:chExt cx="0" cy="0"/>
+        </a:xfrm>
+      </p:grpSpPr>
+      <p:sp>
+        <p:nvSpPr>
+          <p:cNvPr id="2" name="Title 1"/>
+          <p:cNvSpPr>
+            <a:spLocks noGrp="1"/>
+          </p:cNvSpPr>
+          <p:nvPr>
+            <p:ph type="title"/>
+          </p:nvPr>
+        </p:nvSpPr>
+        <p:spPr/>
+        <p:txBody>
+          <a:bodyPr/>
+          <a:lstStyle/>
+          <a:p>
+            <a:r>
+              <a:rPr lang="en-US"/>
+              <a:t>Click to edit Master title style</a:t>
+            </a:r>
+          </a:p>
+        </p:txBody>
+      </p:sp>
+      <p:sp>
+        <p:nvSpPr>
+          <p:cNvPr id="3" name="Content Placeholder 2"/>
+          <p:cNvSpPr>
+            <a:spLocks noGrp="1"/>
+          </p:cNvSpPr>
+          <p:nvPr>
+            <p:ph sz="half" idx="1"/>
+          </p:nvPr>
+        </p:nvSpPr>
+        <p:spPr>
+          <a:xfrm>
+            <a:off x="838201" y="1825626"/>
+            <a:ext cx="5181600" cy="3323987"/>
+          </a:xfrm>
+        </p:spPr>
+        <p:txBody>
+          <a:bodyPr/>
+          <a:lstStyle/>
+          <a:p>
+            <a:pPr lvl="0"/>
+            <a:r>
+              <a:rPr lang="en-US"/>
+              <a:t>Click to edit Master text styles</a:t>
+            </a:r>
+          </a:p>
+          <a:p>
+            <a:pPr lvl="1"/>
+            <a:r>
+              <a:rPr lang="en-US"/>
+              <a:t>Second level</a:t>
+            </a:r>
+          </a:p>
+          <a:p>
+            <a:pPr lvl="2"/>
+            <a:r>
+              <a:rPr lang="en-US"/>
+              <a:t>Third level</a:t>
+            </a:r>
+          </a:p>
+          <a:p>
+            <a:pPr lvl="3"/>
+            <a:r>
+              <a:rPr lang="en-US"/>
+              <a:t>Fourth level</a:t>
+            </a:r>
+          </a:p>
+          <a:p>
+            <a:pPr lvl="4"/>
+            <a:r>
+              <a:rPr lang="en-US"/>
+              <a:t>Fifth level</a:t>
+            </a:r>
+          </a:p>
+        </p:txBody>
+      </p:sp>
+      <p:sp>
+        <p:nvSpPr>
+          <p:cNvPr id="4" name="Content Placeholder 3"/>
+          <p:cNvSpPr>
+            <a:spLocks noGrp="1"/>
+          </p:cNvSpPr>
+          <p:nvPr>
+            <p:ph sz="half" idx="2"/>
+          </p:nvPr>
+        </p:nvSpPr>
+        <p:spPr>
+          <a:xfrm>
+            <a:off x="6172200" y="1825626"/>
+            <a:ext cx="5181600" cy="3323987"/>
+          </a:xfrm>
+        </p:spPr>
+        <p:txBody>
+          <a:bodyPr/>
+          <a:lstStyle/>
+          <a:p>
+            <a:pPr lvl="0"/>
+            <a:r>
+              <a:rPr lang="en-US"/>
+              <a:t>Click to edit Master text styles</a:t>
+            </a:r>
+          </a:p>
+          <a:p>
+            <a:pPr lvl="1"/>
+            <a:r>
+              <a:rPr lang="en-US"/>
+              <a:t>Second level</a:t>
+            </a:r>
+          </a:p>
+          <a:p>
+            <a:pPr lvl="2"/>
+            <a:r>
+              <a:rPr lang="en-US"/>
+              <a:t>Third level</a:t>
+            </a:r>
+          </a:p>
+          <a:p>
+            <a:pPr lvl="3"/>
+            <a:r>
+              <a:rPr lang="en-US"/>
+              <a:t>Fourth level</a:t>
+            </a:r>
+          </a:p>
+          <a:p>
+            <a:pPr lvl="4"/>
+            <a:r>
+              <a:rPr lang="en-US"/>
+              <a:t>Fifth level</a:t>
+            </a:r>
+          </a:p>
+        </p:txBody>
+      </p:sp>
+      <p:sp>
+        <p:nvSpPr>
+          <p:cNvPr id="5" name="Date Placeholder 4"/>
+          <p:cNvSpPr>
+            <a:spLocks noGrp="1"/>
+          </p:cNvSpPr>
+          <p:nvPr>
+            <p:ph type="dt" sz="half" idx="10"/>
+          </p:nvPr>
+        </p:nvSpPr>
+        <p:spPr>
+          <a:xfrm>
+            <a:off x="838202" y="6356351"/>
+            <a:ext cx="2743200" cy="365125"/>
+          </a:xfrm>
+          <a:prstGeom prst="rect">
+            <a:avLst/>
+          </a:prstGeom>
+        </p:spPr>
+        <p:txBody>
+          <a:bodyPr/>
+          <a:lstStyle/>
+          <a:p>
+            <a:fld id="{B37ECBE2-3150-4A8C-9BA8-324E60C97071}" type="datetimeFigureOut">
+              <a:rPr lang="en-US"/>
+              <a:t>7/5/2016</a:t>
+            </a:fld>
+            <a:endParaRPr lang="en-US" dirty="0"/>
+          </a:p>
+        </p:txBody>
+      </p:sp>
+      <p:sp>
+        <p:nvSpPr>
+          <p:cNvPr id="6" name="Footer Placeholder 5"/>
+          <p:cNvSpPr>
+            <a:spLocks noGrp="1"/>
+          </p:cNvSpPr>
+          <p:nvPr>
+            <p:ph type="ftr" sz="quarter" idx="11"/>
+          </p:nvPr>
+        </p:nvSpPr>
+        <p:spPr>
+          <a:xfrm>
+            <a:off x="4038601" y="6356351"/>
+            <a:ext cx="4114800" cy="365125"/>
+          </a:xfrm>
+          <a:prstGeom prst="rect">
+            <a:avLst/>
+          </a:prstGeom>
+        </p:spPr>
+        <p:txBody>
+          <a:bodyPr/>
+          <a:lstStyle/>
+          <a:p>
+            <a:endParaRPr lang="en-US" dirty="0"/>
+          </a:p>
+        </p:txBody>
+      </p:sp>
+      <p:sp>
+        <p:nvSpPr>
+          <p:cNvPr id="7" name="Slide Number Placeholder 6"/>
+          <p:cNvSpPr>
+            <a:spLocks noGrp="1"/>
+          </p:cNvSpPr>
+          <p:nvPr>
+            <p:ph type="sldNum" sz="quarter" idx="12"/>
+          </p:nvPr>
+        </p:nvSpPr>
+        <p:spPr>
+          <a:xfrm>
+            <a:off x="8610600" y="6356351"/>
+            <a:ext cx="2743200" cy="365125"/>
+          </a:xfrm>
+          <a:prstGeom prst="rect">
+            <a:avLst/>
+          </a:prstGeom>
+        </p:spPr>
+        <p:txBody>
+          <a:bodyPr/>
+          <a:lstStyle/>
+          <a:p>
+            <a:fld id="{21476996-1D2C-40F1-B50E-3395E94DDC5F}" type="slidenum">
+              <a:rPr lang="en-US"/>
+              <a:t>‹#›</a:t>
+            </a:fld>
+            <a:endParaRPr lang="en-US" dirty="0"/>
+          </a:p>
+        </p:txBody>
+      </p:sp>
+    </p:spTree>
+    <p:extLst>
+      <p:ext uri="{BB962C8B-B14F-4D97-AF65-F5344CB8AC3E}">
+        <p14:creationId xmlns:p14="http://schemas.microsoft.com/office/powerpoint/2010/main" val="932271104"/>
+      </p:ext>
+    </p:extLst>
+  </p:cSld>
+  <p:clrMapOvr>
+    <a:masterClrMapping/>
+  </p:clrMapOvr>
 </p:sldLayout>
 </file>
 
@@ -27831,6 +29863,650 @@
 </p:sldMaster>
 </file>
 
+<file path=ppt/slideMasters/slideMaster2.xml><?xml version="1.0" encoding="utf-8"?>
+<p:sldMaster xmlns:a="http://schemas.openxmlformats.org/drawingml/2006/main" xmlns:r="http://schemas.openxmlformats.org/officeDocument/2006/relationships" xmlns:p="http://schemas.openxmlformats.org/presentationml/2006/main" preserve="1">
+  <p:cSld>
+    <p:bg>
+      <p:bgPr>
+        <a:solidFill>
+          <a:srgbClr val="1574B8"/>
+        </a:solidFill>
+        <a:effectLst/>
+      </p:bgPr>
+    </p:bg>
+    <p:spTree>
+      <p:nvGrpSpPr>
+        <p:cNvPr id="1" name=""/>
+        <p:cNvGrpSpPr/>
+        <p:nvPr/>
+      </p:nvGrpSpPr>
+      <p:grpSpPr>
+        <a:xfrm>
+          <a:off x="0" y="0"/>
+          <a:ext cx="0" cy="0"/>
+          <a:chOff x="0" y="0"/>
+          <a:chExt cx="0" cy="0"/>
+        </a:xfrm>
+      </p:grpSpPr>
+      <p:sp>
+        <p:nvSpPr>
+          <p:cNvPr id="2" name="Title Placeholder 1"/>
+          <p:cNvSpPr>
+            <a:spLocks noGrp="1"/>
+          </p:cNvSpPr>
+          <p:nvPr>
+            <p:ph type="title"/>
+          </p:nvPr>
+        </p:nvSpPr>
+        <p:spPr>
+          <a:xfrm>
+            <a:off x="268928" y="291102"/>
+            <a:ext cx="11541863" cy="899665"/>
+          </a:xfrm>
+          <a:prstGeom prst="rect">
+            <a:avLst/>
+          </a:prstGeom>
+        </p:spPr>
+        <p:txBody>
+          <a:bodyPr vert="horz" wrap="square" lIns="146304" tIns="91440" rIns="146304" bIns="91440" rtlCol="0" anchor="t">
+            <a:noAutofit/>
+          </a:bodyPr>
+          <a:lstStyle/>
+          <a:p>
+            <a:r>
+              <a:rPr lang="en-US"/>
+              <a:t>Click to edit Master title style</a:t>
+            </a:r>
+            <a:endParaRPr lang="en-US" dirty="0"/>
+          </a:p>
+        </p:txBody>
+      </p:sp>
+      <p:sp>
+        <p:nvSpPr>
+          <p:cNvPr id="4" name="Text Placeholder 3"/>
+          <p:cNvSpPr>
+            <a:spLocks noGrp="1"/>
+          </p:cNvSpPr>
+          <p:nvPr>
+            <p:ph type="body" idx="1"/>
+          </p:nvPr>
+        </p:nvSpPr>
+        <p:spPr>
+          <a:xfrm>
+            <a:off x="269242" y="1472642"/>
+            <a:ext cx="11541549" cy="2769989"/>
+          </a:xfrm>
+          <a:prstGeom prst="rect">
+            <a:avLst/>
+          </a:prstGeom>
+        </p:spPr>
+        <p:txBody>
+          <a:bodyPr vert="horz" wrap="square" lIns="146304" tIns="91440" rIns="146304" bIns="91440" rtlCol="0">
+            <a:spAutoFit/>
+          </a:bodyPr>
+          <a:lstStyle/>
+          <a:p>
+            <a:pPr lvl="0"/>
+            <a:r>
+              <a:rPr lang="en-US"/>
+              <a:t>Edit Master text styles</a:t>
+            </a:r>
+          </a:p>
+          <a:p>
+            <a:pPr lvl="1"/>
+            <a:r>
+              <a:rPr lang="en-US"/>
+              <a:t>Second level</a:t>
+            </a:r>
+          </a:p>
+          <a:p>
+            <a:pPr lvl="2"/>
+            <a:r>
+              <a:rPr lang="en-US"/>
+              <a:t>Third level</a:t>
+            </a:r>
+          </a:p>
+          <a:p>
+            <a:pPr lvl="3"/>
+            <a:r>
+              <a:rPr lang="en-US"/>
+              <a:t>Fourth level</a:t>
+            </a:r>
+          </a:p>
+          <a:p>
+            <a:pPr lvl="4"/>
+            <a:r>
+              <a:rPr lang="en-US"/>
+              <a:t>Fifth level</a:t>
+            </a:r>
+            <a:endParaRPr lang="en-US" dirty="0"/>
+          </a:p>
+        </p:txBody>
+      </p:sp>
+      <p:pic>
+        <p:nvPicPr>
+          <p:cNvPr id="8" name="Picture 7"/>
+          <p:cNvPicPr>
+            <a:picLocks noChangeAspect="1"/>
+          </p:cNvPicPr>
+          <p:nvPr/>
+        </p:nvPicPr>
+        <p:blipFill>
+          <a:blip r:embed="rId14" cstate="screen">
+            <a:extLst>
+              <a:ext uri="{28A0092B-C50C-407E-A947-70E740481C1C}">
+                <a14:useLocalDpi xmlns:a14="http://schemas.microsoft.com/office/drawing/2010/main" val="0"/>
+              </a:ext>
+            </a:extLst>
+          </a:blip>
+          <a:stretch>
+            <a:fillRect/>
+          </a:stretch>
+        </p:blipFill>
+        <p:spPr bwMode="invGray">
+          <a:xfrm>
+            <a:off x="10790046" y="6500884"/>
+            <a:ext cx="1277671" cy="280008"/>
+          </a:xfrm>
+          <a:prstGeom prst="rect">
+            <a:avLst/>
+          </a:prstGeom>
+        </p:spPr>
+      </p:pic>
+    </p:spTree>
+    <p:extLst>
+      <p:ext uri="{BB962C8B-B14F-4D97-AF65-F5344CB8AC3E}">
+        <p14:creationId xmlns:p14="http://schemas.microsoft.com/office/powerpoint/2010/main" val="1520593344"/>
+      </p:ext>
+    </p:extLst>
+  </p:cSld>
+  <p:clrMap bg1="dk1" tx1="lt1" bg2="dk2" tx2="lt2" accent1="accent1" accent2="accent2" accent3="accent3" accent4="accent4" accent5="accent5" accent6="accent6" hlink="hlink" folHlink="folHlink"/>
+  <p:sldLayoutIdLst>
+    <p:sldLayoutId id="2147483739" r:id="rId1"/>
+    <p:sldLayoutId id="2147483740" r:id="rId2"/>
+    <p:sldLayoutId id="2147483741" r:id="rId3"/>
+    <p:sldLayoutId id="2147483742" r:id="rId4"/>
+    <p:sldLayoutId id="2147483743" r:id="rId5"/>
+    <p:sldLayoutId id="2147483744" r:id="rId6"/>
+    <p:sldLayoutId id="2147483745" r:id="rId7"/>
+    <p:sldLayoutId id="2147483746" r:id="rId8"/>
+    <p:sldLayoutId id="2147483747" r:id="rId9"/>
+    <p:sldLayoutId id="2147483748" r:id="rId10"/>
+    <p:sldLayoutId id="2147483749" r:id="rId11"/>
+    <p:sldLayoutId id="2147483750" r:id="rId12"/>
+  </p:sldLayoutIdLst>
+  <p:transition>
+    <p:fade/>
+  </p:transition>
+  <p:txStyles>
+    <p:titleStyle>
+      <a:lvl1pPr algn="l" defTabSz="914367" rtl="0" eaLnBrk="1" latinLnBrk="0" hangingPunct="1">
+        <a:lnSpc>
+          <a:spcPct val="90000"/>
+        </a:lnSpc>
+        <a:spcBef>
+          <a:spcPct val="0"/>
+        </a:spcBef>
+        <a:buNone/>
+        <a:defRPr lang="en-US" sz="5294" b="0" kern="1200" cap="none" spc="-100" baseline="0" dirty="0" smtClean="0">
+          <a:ln w="3175">
+            <a:noFill/>
+          </a:ln>
+          <a:gradFill>
+            <a:gsLst>
+              <a:gs pos="7080">
+                <a:schemeClr val="tx1"/>
+              </a:gs>
+              <a:gs pos="26000">
+                <a:schemeClr val="tx1"/>
+              </a:gs>
+            </a:gsLst>
+            <a:lin ang="5400000" scaled="0"/>
+          </a:gradFill>
+          <a:effectLst/>
+          <a:latin typeface="+mj-lt"/>
+          <a:ea typeface="+mn-ea"/>
+          <a:cs typeface="Segoe UI" pitchFamily="34" charset="0"/>
+        </a:defRPr>
+      </a:lvl1pPr>
+    </p:titleStyle>
+    <p:bodyStyle>
+      <a:lvl1pPr marL="336145" marR="0" indent="-336145" algn="l" defTabSz="914367" rtl="0" eaLnBrk="1" fontAlgn="auto" latinLnBrk="0" hangingPunct="1">
+        <a:lnSpc>
+          <a:spcPct val="90000"/>
+        </a:lnSpc>
+        <a:spcBef>
+          <a:spcPct val="20000"/>
+        </a:spcBef>
+        <a:spcAft>
+          <a:spcPts val="0"/>
+        </a:spcAft>
+        <a:buClrTx/>
+        <a:buSzPct val="90000"/>
+        <a:buFont typeface="Arial" pitchFamily="34" charset="0"/>
+        <a:buChar char="•"/>
+        <a:tabLst/>
+        <a:defRPr sz="4000" kern="1200" spc="0" baseline="0">
+          <a:gradFill>
+            <a:gsLst>
+              <a:gs pos="1250">
+                <a:schemeClr val="tx1"/>
+              </a:gs>
+              <a:gs pos="100000">
+                <a:schemeClr val="tx1"/>
+              </a:gs>
+            </a:gsLst>
+            <a:lin ang="5400000" scaled="0"/>
+          </a:gradFill>
+          <a:latin typeface="+mj-lt"/>
+          <a:ea typeface="+mn-ea"/>
+          <a:cs typeface="Segoe UI" panose="020B0502040204020203" pitchFamily="34" charset="0"/>
+        </a:defRPr>
+      </a:lvl1pPr>
+      <a:lvl2pPr marL="572691" marR="0" indent="-236546" algn="l" defTabSz="914367" rtl="0" eaLnBrk="1" fontAlgn="auto" latinLnBrk="0" hangingPunct="1">
+        <a:lnSpc>
+          <a:spcPct val="90000"/>
+        </a:lnSpc>
+        <a:spcBef>
+          <a:spcPct val="20000"/>
+        </a:spcBef>
+        <a:spcAft>
+          <a:spcPts val="0"/>
+        </a:spcAft>
+        <a:buClrTx/>
+        <a:buSzPct val="90000"/>
+        <a:buFont typeface="Arial" pitchFamily="34" charset="0"/>
+        <a:buChar char="•"/>
+        <a:tabLst/>
+        <a:defRPr sz="3600" kern="1200" spc="0" baseline="0">
+          <a:gradFill>
+            <a:gsLst>
+              <a:gs pos="1250">
+                <a:schemeClr val="tx1"/>
+              </a:gs>
+              <a:gs pos="100000">
+                <a:schemeClr val="tx1"/>
+              </a:gs>
+            </a:gsLst>
+            <a:lin ang="5400000" scaled="0"/>
+          </a:gradFill>
+          <a:latin typeface="+mj-lt"/>
+          <a:ea typeface="+mn-ea"/>
+          <a:cs typeface="Segoe UI" panose="020B0502040204020203" pitchFamily="34" charset="0"/>
+        </a:defRPr>
+      </a:lvl2pPr>
+      <a:lvl3pPr marL="784338" marR="0" indent="-224097" algn="l" defTabSz="914367" rtl="0" eaLnBrk="1" fontAlgn="auto" latinLnBrk="0" hangingPunct="1">
+        <a:lnSpc>
+          <a:spcPct val="90000"/>
+        </a:lnSpc>
+        <a:spcBef>
+          <a:spcPct val="20000"/>
+        </a:spcBef>
+        <a:spcAft>
+          <a:spcPts val="0"/>
+        </a:spcAft>
+        <a:buClrTx/>
+        <a:buSzPct val="90000"/>
+        <a:buFont typeface="Arial" pitchFamily="34" charset="0"/>
+        <a:buChar char="•"/>
+        <a:tabLst/>
+        <a:defRPr sz="3200" kern="1200" spc="0" baseline="0">
+          <a:gradFill>
+            <a:gsLst>
+              <a:gs pos="1250">
+                <a:schemeClr val="tx1"/>
+              </a:gs>
+              <a:gs pos="100000">
+                <a:schemeClr val="tx1"/>
+              </a:gs>
+            </a:gsLst>
+            <a:lin ang="5400000" scaled="0"/>
+          </a:gradFill>
+          <a:latin typeface="+mj-lt"/>
+          <a:ea typeface="+mn-ea"/>
+          <a:cs typeface="Segoe UI" panose="020B0502040204020203" pitchFamily="34" charset="0"/>
+        </a:defRPr>
+      </a:lvl3pPr>
+      <a:lvl4pPr marL="1008435" marR="0" indent="-224097" algn="l" defTabSz="914367" rtl="0" eaLnBrk="1" fontAlgn="auto" latinLnBrk="0" hangingPunct="1">
+        <a:lnSpc>
+          <a:spcPct val="90000"/>
+        </a:lnSpc>
+        <a:spcBef>
+          <a:spcPct val="20000"/>
+        </a:spcBef>
+        <a:spcAft>
+          <a:spcPts val="0"/>
+        </a:spcAft>
+        <a:buClrTx/>
+        <a:buSzPct val="90000"/>
+        <a:buFont typeface="Arial" pitchFamily="34" charset="0"/>
+        <a:buChar char="•"/>
+        <a:tabLst/>
+        <a:defRPr sz="2800" kern="1200" spc="0" baseline="0">
+          <a:gradFill>
+            <a:gsLst>
+              <a:gs pos="1250">
+                <a:schemeClr val="tx1"/>
+              </a:gs>
+              <a:gs pos="100000">
+                <a:schemeClr val="tx1"/>
+              </a:gs>
+            </a:gsLst>
+            <a:lin ang="5400000" scaled="0"/>
+          </a:gradFill>
+          <a:latin typeface="+mj-lt"/>
+          <a:ea typeface="+mn-ea"/>
+          <a:cs typeface="Segoe UI" panose="020B0502040204020203" pitchFamily="34" charset="0"/>
+        </a:defRPr>
+      </a:lvl4pPr>
+      <a:lvl5pPr marL="1232531" marR="0" indent="-224097" algn="l" defTabSz="914367" rtl="0" eaLnBrk="1" fontAlgn="auto" latinLnBrk="0" hangingPunct="1">
+        <a:lnSpc>
+          <a:spcPct val="90000"/>
+        </a:lnSpc>
+        <a:spcBef>
+          <a:spcPct val="20000"/>
+        </a:spcBef>
+        <a:spcAft>
+          <a:spcPts val="0"/>
+        </a:spcAft>
+        <a:buClrTx/>
+        <a:buSzPct val="90000"/>
+        <a:buFont typeface="Arial" pitchFamily="34" charset="0"/>
+        <a:buChar char="•"/>
+        <a:tabLst/>
+        <a:defRPr sz="2400" kern="1200" spc="0" baseline="0">
+          <a:gradFill>
+            <a:gsLst>
+              <a:gs pos="1250">
+                <a:schemeClr val="tx1"/>
+              </a:gs>
+              <a:gs pos="100000">
+                <a:schemeClr val="tx1"/>
+              </a:gs>
+            </a:gsLst>
+            <a:lin ang="5400000" scaled="0"/>
+          </a:gradFill>
+          <a:latin typeface="+mj-lt"/>
+          <a:ea typeface="+mn-ea"/>
+          <a:cs typeface="Segoe UI" panose="020B0502040204020203" pitchFamily="34" charset="0"/>
+        </a:defRPr>
+      </a:lvl5pPr>
+      <a:lvl6pPr marL="2514509" indent="-228592" algn="l" defTabSz="914367" rtl="0" eaLnBrk="1" latinLnBrk="0" hangingPunct="1">
+        <a:spcBef>
+          <a:spcPct val="20000"/>
+        </a:spcBef>
+        <a:buFont typeface="Arial" pitchFamily="34" charset="0"/>
+        <a:buChar char="•"/>
+        <a:defRPr sz="1961" kern="1200">
+          <a:solidFill>
+            <a:schemeClr val="tx1"/>
+          </a:solidFill>
+          <a:latin typeface="+mn-lt"/>
+          <a:ea typeface="+mn-ea"/>
+          <a:cs typeface="+mn-cs"/>
+        </a:defRPr>
+      </a:lvl6pPr>
+      <a:lvl7pPr marL="2971693" indent="-228592" algn="l" defTabSz="914367" rtl="0" eaLnBrk="1" latinLnBrk="0" hangingPunct="1">
+        <a:spcBef>
+          <a:spcPct val="20000"/>
+        </a:spcBef>
+        <a:buFont typeface="Arial" pitchFamily="34" charset="0"/>
+        <a:buChar char="•"/>
+        <a:defRPr sz="1961" kern="1200">
+          <a:solidFill>
+            <a:schemeClr val="tx1"/>
+          </a:solidFill>
+          <a:latin typeface="+mn-lt"/>
+          <a:ea typeface="+mn-ea"/>
+          <a:cs typeface="+mn-cs"/>
+        </a:defRPr>
+      </a:lvl7pPr>
+      <a:lvl8pPr marL="3428877" indent="-228592" algn="l" defTabSz="914367" rtl="0" eaLnBrk="1" latinLnBrk="0" hangingPunct="1">
+        <a:spcBef>
+          <a:spcPct val="20000"/>
+        </a:spcBef>
+        <a:buFont typeface="Arial" pitchFamily="34" charset="0"/>
+        <a:buChar char="•"/>
+        <a:defRPr sz="1961" kern="1200">
+          <a:solidFill>
+            <a:schemeClr val="tx1"/>
+          </a:solidFill>
+          <a:latin typeface="+mn-lt"/>
+          <a:ea typeface="+mn-ea"/>
+          <a:cs typeface="+mn-cs"/>
+        </a:defRPr>
+      </a:lvl8pPr>
+      <a:lvl9pPr marL="3886061" indent="-228592" algn="l" defTabSz="914367" rtl="0" eaLnBrk="1" latinLnBrk="0" hangingPunct="1">
+        <a:spcBef>
+          <a:spcPct val="20000"/>
+        </a:spcBef>
+        <a:buFont typeface="Arial" pitchFamily="34" charset="0"/>
+        <a:buChar char="•"/>
+        <a:defRPr sz="1961" kern="1200">
+          <a:solidFill>
+            <a:schemeClr val="tx1"/>
+          </a:solidFill>
+          <a:latin typeface="+mn-lt"/>
+          <a:ea typeface="+mn-ea"/>
+          <a:cs typeface="+mn-cs"/>
+        </a:defRPr>
+      </a:lvl9pPr>
+    </p:bodyStyle>
+    <p:otherStyle>
+      <a:defPPr>
+        <a:defRPr lang="en-US"/>
+      </a:defPPr>
+      <a:lvl1pPr marL="0" algn="l" defTabSz="914367" rtl="0" eaLnBrk="1" latinLnBrk="0" hangingPunct="1">
+        <a:defRPr sz="1765" kern="1200">
+          <a:solidFill>
+            <a:schemeClr val="tx1"/>
+          </a:solidFill>
+          <a:latin typeface="+mn-lt"/>
+          <a:ea typeface="+mn-ea"/>
+          <a:cs typeface="+mn-cs"/>
+        </a:defRPr>
+      </a:lvl1pPr>
+      <a:lvl2pPr marL="457183" algn="l" defTabSz="914367" rtl="0" eaLnBrk="1" latinLnBrk="0" hangingPunct="1">
+        <a:defRPr sz="1765" kern="1200">
+          <a:solidFill>
+            <a:schemeClr val="tx1"/>
+          </a:solidFill>
+          <a:latin typeface="+mn-lt"/>
+          <a:ea typeface="+mn-ea"/>
+          <a:cs typeface="+mn-cs"/>
+        </a:defRPr>
+      </a:lvl2pPr>
+      <a:lvl3pPr marL="914367" algn="l" defTabSz="914367" rtl="0" eaLnBrk="1" latinLnBrk="0" hangingPunct="1">
+        <a:defRPr sz="1765" kern="1200">
+          <a:solidFill>
+            <a:schemeClr val="tx1"/>
+          </a:solidFill>
+          <a:latin typeface="+mn-lt"/>
+          <a:ea typeface="+mn-ea"/>
+          <a:cs typeface="+mn-cs"/>
+        </a:defRPr>
+      </a:lvl3pPr>
+      <a:lvl4pPr marL="1371550" algn="l" defTabSz="914367" rtl="0" eaLnBrk="1" latinLnBrk="0" hangingPunct="1">
+        <a:defRPr sz="1765" kern="1200">
+          <a:solidFill>
+            <a:schemeClr val="tx1"/>
+          </a:solidFill>
+          <a:latin typeface="+mn-lt"/>
+          <a:ea typeface="+mn-ea"/>
+          <a:cs typeface="+mn-cs"/>
+        </a:defRPr>
+      </a:lvl4pPr>
+      <a:lvl5pPr marL="1828734" algn="l" defTabSz="914367" rtl="0" eaLnBrk="1" latinLnBrk="0" hangingPunct="1">
+        <a:defRPr sz="1765" kern="1200">
+          <a:solidFill>
+            <a:schemeClr val="tx1"/>
+          </a:solidFill>
+          <a:latin typeface="+mn-lt"/>
+          <a:ea typeface="+mn-ea"/>
+          <a:cs typeface="+mn-cs"/>
+        </a:defRPr>
+      </a:lvl5pPr>
+      <a:lvl6pPr marL="2285918" algn="l" defTabSz="914367" rtl="0" eaLnBrk="1" latinLnBrk="0" hangingPunct="1">
+        <a:defRPr sz="1765" kern="1200">
+          <a:solidFill>
+            <a:schemeClr val="tx1"/>
+          </a:solidFill>
+          <a:latin typeface="+mn-lt"/>
+          <a:ea typeface="+mn-ea"/>
+          <a:cs typeface="+mn-cs"/>
+        </a:defRPr>
+      </a:lvl6pPr>
+      <a:lvl7pPr marL="2743101" algn="l" defTabSz="914367" rtl="0" eaLnBrk="1" latinLnBrk="0" hangingPunct="1">
+        <a:defRPr sz="1765" kern="1200">
+          <a:solidFill>
+            <a:schemeClr val="tx1"/>
+          </a:solidFill>
+          <a:latin typeface="+mn-lt"/>
+          <a:ea typeface="+mn-ea"/>
+          <a:cs typeface="+mn-cs"/>
+        </a:defRPr>
+      </a:lvl7pPr>
+      <a:lvl8pPr marL="3200284" algn="l" defTabSz="914367" rtl="0" eaLnBrk="1" latinLnBrk="0" hangingPunct="1">
+        <a:defRPr sz="1765" kern="1200">
+          <a:solidFill>
+            <a:schemeClr val="tx1"/>
+          </a:solidFill>
+          <a:latin typeface="+mn-lt"/>
+          <a:ea typeface="+mn-ea"/>
+          <a:cs typeface="+mn-cs"/>
+        </a:defRPr>
+      </a:lvl8pPr>
+      <a:lvl9pPr marL="3657469" algn="l" defTabSz="914367" rtl="0" eaLnBrk="1" latinLnBrk="0" hangingPunct="1">
+        <a:defRPr sz="1765" kern="1200">
+          <a:solidFill>
+            <a:schemeClr val="tx1"/>
+          </a:solidFill>
+          <a:latin typeface="+mn-lt"/>
+          <a:ea typeface="+mn-ea"/>
+          <a:cs typeface="+mn-cs"/>
+        </a:defRPr>
+      </a:lvl9pPr>
+    </p:otherStyle>
+  </p:txStyles>
+  <p:extLst mod="1">
+    <p:ext uri="{27BBF7A9-308A-43DC-89C8-2F10F3537804}">
+      <p15:sldGuideLst xmlns:p15="http://schemas.microsoft.com/office/powerpoint/2012/main">
+        <p15:guide id="1" orient="horz" pos="187">
+          <p15:clr>
+            <a:srgbClr val="5ACBF0"/>
+          </p15:clr>
+        </p15:guide>
+        <p15:guide id="2" pos="173">
+          <p15:clr>
+            <a:srgbClr val="5ACBF0"/>
+          </p15:clr>
+        </p15:guide>
+        <p15:guide id="3" orient="horz" pos="763">
+          <p15:clr>
+            <a:srgbClr val="A4A3A4"/>
+          </p15:clr>
+        </p15:guide>
+        <p15:guide id="4" orient="horz" pos="1339">
+          <p15:clr>
+            <a:srgbClr val="A4A3A4"/>
+          </p15:clr>
+        </p15:guide>
+        <p15:guide id="5" orient="horz" pos="1915">
+          <p15:clr>
+            <a:srgbClr val="A4A3A4"/>
+          </p15:clr>
+        </p15:guide>
+        <p15:guide id="6" orient="horz" pos="2491">
+          <p15:clr>
+            <a:srgbClr val="A4A3A4"/>
+          </p15:clr>
+        </p15:guide>
+        <p15:guide id="7" orient="horz" pos="3067">
+          <p15:clr>
+            <a:srgbClr val="A4A3A4"/>
+          </p15:clr>
+        </p15:guide>
+        <p15:guide id="8" orient="horz" pos="3643">
+          <p15:clr>
+            <a:srgbClr val="A4A3A4"/>
+          </p15:clr>
+        </p15:guide>
+        <p15:guide id="9" orient="horz" pos="4219">
+          <p15:clr>
+            <a:srgbClr val="5ACBF0"/>
+          </p15:clr>
+        </p15:guide>
+        <p15:guide id="10" pos="749">
+          <p15:clr>
+            <a:srgbClr val="A4A3A4"/>
+          </p15:clr>
+        </p15:guide>
+        <p15:guide id="11" pos="1325">
+          <p15:clr>
+            <a:srgbClr val="A4A3A4"/>
+          </p15:clr>
+        </p15:guide>
+        <p15:guide id="12" pos="1901">
+          <p15:clr>
+            <a:srgbClr val="A4A3A4"/>
+          </p15:clr>
+        </p15:guide>
+        <p15:guide id="13" pos="2477">
+          <p15:clr>
+            <a:srgbClr val="A4A3A4"/>
+          </p15:clr>
+        </p15:guide>
+        <p15:guide id="14" pos="3053">
+          <p15:clr>
+            <a:srgbClr val="A4A3A4"/>
+          </p15:clr>
+        </p15:guide>
+        <p15:guide id="15" pos="3629">
+          <p15:clr>
+            <a:srgbClr val="A4A3A4"/>
+          </p15:clr>
+        </p15:guide>
+        <p15:guide id="16" pos="4205">
+          <p15:clr>
+            <a:srgbClr val="A4A3A4"/>
+          </p15:clr>
+        </p15:guide>
+        <p15:guide id="17" pos="4781">
+          <p15:clr>
+            <a:srgbClr val="A4A3A4"/>
+          </p15:clr>
+        </p15:guide>
+        <p15:guide id="18" pos="5357">
+          <p15:clr>
+            <a:srgbClr val="A4A3A4"/>
+          </p15:clr>
+        </p15:guide>
+        <p15:guide id="19" pos="5933">
+          <p15:clr>
+            <a:srgbClr val="A4A3A4"/>
+          </p15:clr>
+        </p15:guide>
+        <p15:guide id="20" pos="6509">
+          <p15:clr>
+            <a:srgbClr val="A4A3A4"/>
+          </p15:clr>
+        </p15:guide>
+        <p15:guide id="21" pos="7085">
+          <p15:clr>
+            <a:srgbClr val="A4A3A4"/>
+          </p15:clr>
+        </p15:guide>
+        <p15:guide id="22" pos="7661">
+          <p15:clr>
+            <a:srgbClr val="5ACBF0"/>
+          </p15:clr>
+        </p15:guide>
+      </p15:sldGuideLst>
+    </p:ext>
+  </p:extLst>
+</p:sldMaster>
+</file>
+
 <file path=ppt/slides/slide1.xml><?xml version="1.0" encoding="utf-8"?>
 <p:sld xmlns:a="http://schemas.openxmlformats.org/drawingml/2006/main" xmlns:r="http://schemas.openxmlformats.org/officeDocument/2006/relationships" xmlns:p="http://schemas.openxmlformats.org/presentationml/2006/main">
   <p:cSld>
@@ -28240,12 +30916,7 @@
             <p:ph type="body" sz="quarter" idx="10"/>
           </p:nvPr>
         </p:nvSpPr>
-        <p:spPr>
-          <a:xfrm>
-            <a:off x="475025" y="4533945"/>
-            <a:ext cx="11240393" cy="683264"/>
-          </a:xfrm>
-        </p:spPr>
+        <p:spPr/>
         <p:txBody>
           <a:bodyPr/>
           <a:lstStyle/>
@@ -28748,7 +31419,7 @@
                 <a:spcPct val="0"/>
               </a:spcAft>
             </a:pPr>
-            <a:endParaRPr lang="en-US" sz="2400" dirty="0" err="1">
+            <a:endParaRPr lang="en-US" sz="2400" dirty="0">
               <a:gradFill>
                 <a:gsLst>
                   <a:gs pos="0">
@@ -28824,7 +31495,7 @@
                 <a:spcPct val="0"/>
               </a:spcAft>
             </a:pPr>
-            <a:endParaRPr lang="en-US" sz="2400" dirty="0" err="1">
+            <a:endParaRPr lang="en-US" sz="2400" dirty="0">
               <a:gradFill>
                 <a:gsLst>
                   <a:gs pos="0">
@@ -29380,7 +32051,7 @@
                 <a:spcPct val="0"/>
               </a:spcAft>
             </a:pPr>
-            <a:endParaRPr lang="en-US" sz="2400" dirty="0" err="1">
+            <a:endParaRPr lang="en-US" sz="2400" dirty="0">
               <a:gradFill>
                 <a:gsLst>
                   <a:gs pos="0">
@@ -29550,13 +32221,8 @@
           <a:p>
             <a:r>
               <a:rPr lang="en-US" sz="3200" dirty="0"/>
-              <a:t>Tag by role, e.g. web/cache/</a:t>
-            </a:r>
-            <a:r>
-              <a:rPr lang="en-US" sz="3200" dirty="0" err="1"/>
-              <a:t>db</a:t>
-            </a:r>
-            <a:endParaRPr lang="en-US" sz="3200" dirty="0"/>
+              <a:t>Tag by role, e.g. web/cache/db</a:t>
+            </a:r>
           </a:p>
           <a:p>
             <a:endParaRPr lang="en-US" sz="3200" dirty="0"/>
@@ -29636,7 +32302,7 @@
                 <a:spcPct val="0"/>
               </a:spcAft>
             </a:pPr>
-            <a:endParaRPr lang="en-US" sz="2400" dirty="0" err="1">
+            <a:endParaRPr lang="en-US" sz="2400" dirty="0">
               <a:gradFill>
                 <a:gsLst>
                   <a:gs pos="0">
@@ -29769,12 +32435,8 @@
           <a:lstStyle/>
           <a:p>
             <a:r>
-              <a:rPr lang="en-US" dirty="0" err="1"/>
-              <a:t>RateCard</a:t>
-            </a:r>
-            <a:r>
               <a:rPr lang="en-US" dirty="0"/>
-              <a:t> API and Usage API</a:t>
+              <a:t>RateCard API and Usage API</a:t>
             </a:r>
           </a:p>
         </p:txBody>
@@ -29866,24 +32528,6 @@
               </a:spcAft>
             </a:pPr>
             <a:r>
-              <a:rPr lang="en-US" sz="1600" dirty="0" err="1">
-                <a:gradFill>
-                  <a:gsLst>
-                    <a:gs pos="0">
-                      <a:srgbClr val="FFFFFF"/>
-                    </a:gs>
-                    <a:gs pos="100000">
-                      <a:srgbClr val="FFFFFF"/>
-                    </a:gs>
-                  </a:gsLst>
-                  <a:lin ang="5400000" scaled="0"/>
-                </a:gradFill>
-                <a:ea typeface="Segoe UI" pitchFamily="34" charset="0"/>
-                <a:cs typeface="Segoe UI" pitchFamily="34" charset="0"/>
-              </a:rPr>
-              <a:t>RateCard</a:t>
-            </a:r>
-            <a:r>
               <a:rPr lang="en-US" sz="1600" dirty="0">
                 <a:gradFill>
                   <a:gsLst>
@@ -29899,7 +32543,7 @@
                 <a:ea typeface="Segoe UI" pitchFamily="34" charset="0"/>
                 <a:cs typeface="Segoe UI" pitchFamily="34" charset="0"/>
               </a:rPr>
-              <a:t> API</a:t>
+              <a:t>RateCard API</a:t>
             </a:r>
           </a:p>
           <a:p>
@@ -30394,37 +33038,8 @@
                   <a:lin ang="5400000" scaled="0"/>
                 </a:gradFill>
               </a:rPr>
-              <a:t>I can save $35 by moving my compute workload from east-us to north-</a:t>
-            </a:r>
-            <a:r>
-              <a:rPr lang="en-US" dirty="0" err="1">
-                <a:gradFill>
-                  <a:gsLst>
-                    <a:gs pos="2917">
-                      <a:schemeClr val="tx1"/>
-                    </a:gs>
-                    <a:gs pos="30000">
-                      <a:schemeClr val="tx1"/>
-                    </a:gs>
-                  </a:gsLst>
-                  <a:lin ang="5400000" scaled="0"/>
-                </a:gradFill>
-              </a:rPr>
-              <a:t>europe</a:t>
-            </a:r>
-            <a:endParaRPr lang="en-US" dirty="0">
-              <a:gradFill>
-                <a:gsLst>
-                  <a:gs pos="2917">
-                    <a:schemeClr val="tx1"/>
-                  </a:gs>
-                  <a:gs pos="30000">
-                    <a:schemeClr val="tx1"/>
-                  </a:gs>
-                </a:gsLst>
-                <a:lin ang="5400000" scaled="0"/>
-              </a:gradFill>
-            </a:endParaRPr>
+              <a:t>I can save $35 by moving my compute workload from east-us to north-europe</a:t>
+            </a:r>
           </a:p>
           <a:p>
             <a:pPr>
@@ -35219,7 +37834,7 @@
             <a:spLocks noGrp="1"/>
           </p:cNvSpPr>
           <p:nvPr>
-            <p:ph type="body" sz="quarter" idx="10"/>
+            <p:ph sz="quarter" idx="10"/>
           </p:nvPr>
         </p:nvSpPr>
         <p:spPr>
@@ -38218,10 +40833,9 @@
           <a:lstStyle/>
           <a:p>
             <a:r>
-              <a:rPr lang="en-US"/>
+              <a:rPr lang="en-US" dirty="0"/>
               <a:t>Azure Restrictions</a:t>
             </a:r>
-            <a:endParaRPr lang="en-US" dirty="0"/>
           </a:p>
         </p:txBody>
       </p:sp>
@@ -38241,10 +40855,9 @@
           <a:lstStyle/>
           <a:p>
             <a:r>
-              <a:rPr lang="en-US"/>
+              <a:rPr lang="en-US" dirty="0"/>
               <a:t>Convention</a:t>
             </a:r>
-            <a:endParaRPr lang="en-US" dirty="0"/>
           </a:p>
         </p:txBody>
       </p:sp>
@@ -38264,10 +40877,9 @@
           <a:lstStyle/>
           <a:p>
             <a:r>
-              <a:rPr lang="en-US"/>
+              <a:rPr lang="en-US" dirty="0"/>
               <a:t>Resource Group Name</a:t>
             </a:r>
-            <a:endParaRPr lang="en-US" dirty="0"/>
           </a:p>
         </p:txBody>
       </p:sp>
@@ -38471,39 +41083,7 @@
                   <a:srgbClr val="FFFF00"/>
                 </a:solidFill>
               </a:rPr>
-              <a:t>Note:  </a:t>
-            </a:r>
-            <a:r>
-              <a:rPr lang="en-US" dirty="0" err="1">
-                <a:solidFill>
-                  <a:srgbClr val="FFFF00"/>
-                </a:solidFill>
-              </a:rPr>
-              <a:t>Iaas</a:t>
-            </a:r>
-            <a:r>
-              <a:rPr lang="en-US" dirty="0">
-                <a:solidFill>
-                  <a:srgbClr val="FFFF00"/>
-                </a:solidFill>
-              </a:rPr>
-              <a:t> </a:t>
-            </a:r>
-            <a:r>
-              <a:rPr lang="en-US" dirty="0" err="1">
-                <a:solidFill>
-                  <a:srgbClr val="FFFF00"/>
-                </a:solidFill>
-              </a:rPr>
-              <a:t>vm</a:t>
-            </a:r>
-            <a:r>
-              <a:rPr lang="en-US" dirty="0">
-                <a:solidFill>
-                  <a:srgbClr val="FFFF00"/>
-                </a:solidFill>
-              </a:rPr>
-              <a:t> names in the portal are different from the actual machine name</a:t>
+              <a:t>Note:  Iaas vm names in the portal are different from the actual machine name</a:t>
             </a:r>
           </a:p>
         </p:txBody>
@@ -38701,10 +41281,9 @@
           <a:lstStyle/>
           <a:p>
             <a:r>
-              <a:rPr lang="en-US"/>
+              <a:rPr lang="en-US" dirty="0"/>
               <a:t>VHD Names for IaaS VMs</a:t>
             </a:r>
-            <a:endParaRPr lang="en-US" dirty="0"/>
           </a:p>
         </p:txBody>
       </p:sp>
@@ -38831,10 +41410,9 @@
           <a:lstStyle/>
           <a:p>
             <a:r>
-              <a:rPr lang="en-US"/>
+              <a:rPr lang="en-US" dirty="0"/>
               <a:t>Azure Restrictions</a:t>
             </a:r>
-            <a:endParaRPr lang="en-US" dirty="0"/>
           </a:p>
         </p:txBody>
       </p:sp>
@@ -38854,10 +41432,9 @@
           <a:lstStyle/>
           <a:p>
             <a:r>
-              <a:rPr lang="en-US"/>
+              <a:rPr lang="en-US" dirty="0"/>
               <a:t>Convention</a:t>
             </a:r>
-            <a:endParaRPr lang="en-US" dirty="0"/>
           </a:p>
         </p:txBody>
       </p:sp>
@@ -38877,12 +41454,8 @@
           <a:lstStyle/>
           <a:p>
             <a:r>
-              <a:rPr lang="en-US" dirty="0" err="1"/>
-              <a:t>VNet</a:t>
-            </a:r>
-            <a:r>
               <a:rPr lang="en-US" dirty="0"/>
-              <a:t> Name</a:t>
+              <a:t>VNet Name</a:t>
             </a:r>
           </a:p>
         </p:txBody>
@@ -38944,23 +41517,7 @@
           <a:p>
             <a:r>
               <a:rPr lang="en-US" dirty="0"/>
-              <a:t>The subnet names have to be unique within a </a:t>
-            </a:r>
-            <a:r>
-              <a:rPr lang="en-US" dirty="0" err="1"/>
-              <a:t>VNet</a:t>
-            </a:r>
-            <a:r>
-              <a:rPr lang="en-US" dirty="0"/>
-              <a:t>, but not across </a:t>
-            </a:r>
-            <a:r>
-              <a:rPr lang="en-US" dirty="0" err="1"/>
-              <a:t>VNets</a:t>
-            </a:r>
-            <a:r>
-              <a:rPr lang="en-US" dirty="0"/>
-              <a:t>.</a:t>
+              <a:t>The subnet names have to be unique within a VNet, but not across VNets.</a:t>
             </a:r>
           </a:p>
           <a:p>
@@ -39054,10 +41611,9 @@
           <a:lstStyle/>
           <a:p>
             <a:r>
-              <a:rPr lang="en-US"/>
+              <a:rPr lang="en-US" dirty="0"/>
               <a:t>Azure Restrictions</a:t>
             </a:r>
-            <a:endParaRPr lang="en-US" dirty="0"/>
           </a:p>
         </p:txBody>
       </p:sp>
@@ -39077,10 +41633,9 @@
           <a:lstStyle/>
           <a:p>
             <a:r>
-              <a:rPr lang="en-US"/>
+              <a:rPr lang="en-US" dirty="0"/>
               <a:t>Convention</a:t>
             </a:r>
-            <a:endParaRPr lang="en-US" dirty="0"/>
           </a:p>
         </p:txBody>
       </p:sp>
@@ -39100,10 +41655,9 @@
           <a:lstStyle/>
           <a:p>
             <a:r>
-              <a:rPr lang="en-US"/>
+              <a:rPr lang="en-US" dirty="0"/>
               <a:t>Subnet Name</a:t>
             </a:r>
-            <a:endParaRPr lang="en-US" dirty="0"/>
           </a:p>
         </p:txBody>
       </p:sp>
@@ -39229,15 +41783,7 @@
           <a:p>
             <a:r>
               <a:rPr lang="en-US" sz="3200" dirty="0"/>
-              <a:t>COUEITNNSG-</a:t>
-            </a:r>
-            <a:r>
-              <a:rPr lang="en-US" sz="3200" dirty="0" err="1"/>
-              <a:t>SemiTrusted</a:t>
-            </a:r>
-            <a:r>
-              <a:rPr lang="en-US" sz="3200" dirty="0"/>
-              <a:t> </a:t>
+              <a:t>COUEITNNSG-SemiTrusted </a:t>
             </a:r>
           </a:p>
         </p:txBody>
@@ -39258,10 +41804,9 @@
           <a:lstStyle/>
           <a:p>
             <a:r>
-              <a:rPr lang="en-US"/>
+              <a:rPr lang="en-US" dirty="0"/>
               <a:t>Azure Restrictions</a:t>
             </a:r>
-            <a:endParaRPr lang="en-US" dirty="0"/>
           </a:p>
         </p:txBody>
       </p:sp>
@@ -39281,10 +41826,9 @@
           <a:lstStyle/>
           <a:p>
             <a:r>
-              <a:rPr lang="en-US"/>
+              <a:rPr lang="en-US" dirty="0"/>
               <a:t>Convention</a:t>
             </a:r>
-            <a:endParaRPr lang="en-US" dirty="0"/>
           </a:p>
         </p:txBody>
       </p:sp>
@@ -39304,10 +41848,9 @@
           <a:lstStyle/>
           <a:p>
             <a:r>
-              <a:rPr lang="en-US"/>
+              <a:rPr lang="en-US" dirty="0"/>
               <a:t>Network Security Group Name</a:t>
             </a:r>
-            <a:endParaRPr lang="en-US" dirty="0"/>
           </a:p>
         </p:txBody>
       </p:sp>
@@ -39375,60 +41918,28 @@
             <a:pPr lvl="1"/>
             <a:r>
               <a:rPr lang="en-US" dirty="0"/>
-              <a:t>IBA – </a:t>
-            </a:r>
-            <a:r>
-              <a:rPr lang="en-US" dirty="0" err="1"/>
-              <a:t>InBound</a:t>
-            </a:r>
+              <a:t>IBA – InBound Allow</a:t>
+            </a:r>
+          </a:p>
+          <a:p>
+            <a:pPr lvl="1"/>
             <a:r>
               <a:rPr lang="en-US" dirty="0"/>
-              <a:t> Allow</a:t>
+              <a:t>IBD – InBound Deny</a:t>
             </a:r>
           </a:p>
           <a:p>
             <a:pPr lvl="1"/>
             <a:r>
               <a:rPr lang="en-US" dirty="0"/>
-              <a:t>IBD – </a:t>
-            </a:r>
-            <a:r>
-              <a:rPr lang="en-US" dirty="0" err="1"/>
-              <a:t>InBound</a:t>
-            </a:r>
+              <a:t>OBA – OutBound Allow</a:t>
+            </a:r>
+          </a:p>
+          <a:p>
+            <a:pPr lvl="1"/>
             <a:r>
               <a:rPr lang="en-US" dirty="0"/>
-              <a:t> Deny</a:t>
-            </a:r>
-          </a:p>
-          <a:p>
-            <a:pPr lvl="1"/>
-            <a:r>
-              <a:rPr lang="en-US" dirty="0"/>
-              <a:t>OBA – </a:t>
-            </a:r>
-            <a:r>
-              <a:rPr lang="en-US" dirty="0" err="1"/>
-              <a:t>OutBound</a:t>
-            </a:r>
-            <a:r>
-              <a:rPr lang="en-US" dirty="0"/>
-              <a:t> Allow</a:t>
-            </a:r>
-          </a:p>
-          <a:p>
-            <a:pPr lvl="1"/>
-            <a:r>
-              <a:rPr lang="en-US" dirty="0"/>
-              <a:t>OBD – </a:t>
-            </a:r>
-            <a:r>
-              <a:rPr lang="en-US" dirty="0" err="1"/>
-              <a:t>OutBound</a:t>
-            </a:r>
-            <a:r>
-              <a:rPr lang="en-US" dirty="0"/>
-              <a:t> Deny</a:t>
+              <a:t>OBD – OutBound Deny</a:t>
             </a:r>
           </a:p>
           <a:p>
@@ -39579,10 +42090,9 @@
           <a:lstStyle/>
           <a:p>
             <a:r>
-              <a:rPr lang="en-US"/>
+              <a:rPr lang="en-US" dirty="0"/>
               <a:t>Network Security Group Rule Name</a:t>
             </a:r>
-            <a:endParaRPr lang="en-US" dirty="0"/>
           </a:p>
         </p:txBody>
       </p:sp>
@@ -39690,29 +42200,8 @@
           <a:p>
             <a:r>
               <a:rPr lang="en-US" sz="3600" dirty="0"/>
-              <a:t>&lt;</a:t>
-            </a:r>
-            <a:r>
-              <a:rPr lang="en-US" sz="3600" dirty="0" err="1"/>
-              <a:t>vmname</a:t>
-            </a:r>
-            <a:r>
-              <a:rPr lang="en-US" sz="3600" dirty="0"/>
-              <a:t>&gt;-&lt;</a:t>
-            </a:r>
-            <a:r>
-              <a:rPr lang="en-US" sz="3600" dirty="0" err="1"/>
-              <a:t>num</a:t>
-            </a:r>
-            <a:r>
-              <a:rPr lang="en-US" sz="3600" dirty="0"/>
-              <a:t>&gt;-</a:t>
-            </a:r>
-            <a:r>
-              <a:rPr lang="en-US" sz="3600" dirty="0" err="1"/>
-              <a:t>Nnic</a:t>
-            </a:r>
-            <a:endParaRPr lang="en-US" sz="3600" dirty="0"/>
+              <a:t>&lt;vmname&gt;-&lt;num&gt;-Nnic</a:t>
+            </a:r>
           </a:p>
           <a:p>
             <a:endParaRPr lang="en-US" sz="3600" dirty="0"/>
@@ -39747,10 +42236,9 @@
           <a:lstStyle/>
           <a:p>
             <a:r>
-              <a:rPr lang="en-US"/>
+              <a:rPr lang="en-US" dirty="0"/>
               <a:t>Azure Restrictions</a:t>
             </a:r>
-            <a:endParaRPr lang="en-US" dirty="0"/>
           </a:p>
         </p:txBody>
       </p:sp>
@@ -39770,10 +42258,9 @@
           <a:lstStyle/>
           <a:p>
             <a:r>
-              <a:rPr lang="en-US"/>
+              <a:rPr lang="en-US" dirty="0"/>
               <a:t>Convention</a:t>
             </a:r>
-            <a:endParaRPr lang="en-US" dirty="0"/>
           </a:p>
         </p:txBody>
       </p:sp>
@@ -39793,10 +42280,9 @@
           <a:lstStyle/>
           <a:p>
             <a:r>
-              <a:rPr lang="en-US"/>
+              <a:rPr lang="en-US" dirty="0"/>
               <a:t>Network Interface Name</a:t>
             </a:r>
-            <a:endParaRPr lang="en-US" dirty="0"/>
           </a:p>
         </p:txBody>
       </p:sp>
@@ -43223,15 +45709,7 @@
           <a:p>
             <a:r>
               <a:rPr lang="en-US" sz="3200" dirty="0"/>
-              <a:t>&lt;</a:t>
-            </a:r>
-            <a:r>
-              <a:rPr lang="en-US" sz="3200" dirty="0" err="1"/>
-              <a:t>vm</a:t>
-            </a:r>
-            <a:r>
-              <a:rPr lang="en-US" sz="3200" dirty="0"/>
-              <a:t> or service name&gt;-pip</a:t>
+              <a:t>&lt;vm or service name&gt;-pip</a:t>
             </a:r>
           </a:p>
           <a:p>
@@ -43261,10 +45739,9 @@
           <a:lstStyle/>
           <a:p>
             <a:r>
-              <a:rPr lang="en-US"/>
+              <a:rPr lang="en-US" dirty="0"/>
               <a:t>Azure Restrictions</a:t>
             </a:r>
-            <a:endParaRPr lang="en-US" dirty="0"/>
           </a:p>
         </p:txBody>
       </p:sp>
@@ -43284,10 +45761,9 @@
           <a:lstStyle/>
           <a:p>
             <a:r>
-              <a:rPr lang="en-US"/>
+              <a:rPr lang="en-US" dirty="0"/>
               <a:t>Convention</a:t>
             </a:r>
-            <a:endParaRPr lang="en-US" dirty="0"/>
           </a:p>
         </p:txBody>
       </p:sp>
@@ -43307,10 +45783,9 @@
           <a:lstStyle/>
           <a:p>
             <a:r>
-              <a:rPr lang="en-US"/>
+              <a:rPr lang="en-US" dirty="0"/>
               <a:t>Public IP Address Name</a:t>
             </a:r>
-            <a:endParaRPr lang="en-US" dirty="0"/>
           </a:p>
         </p:txBody>
       </p:sp>
@@ -43431,10 +45906,9 @@
           <a:lstStyle/>
           <a:p>
             <a:r>
-              <a:rPr lang="en-US"/>
+              <a:rPr lang="en-US" dirty="0"/>
               <a:t>Azure Restrictions</a:t>
             </a:r>
-            <a:endParaRPr lang="en-US" dirty="0"/>
           </a:p>
         </p:txBody>
       </p:sp>
@@ -43454,10 +45928,9 @@
           <a:lstStyle/>
           <a:p>
             <a:r>
-              <a:rPr lang="en-US"/>
+              <a:rPr lang="en-US" dirty="0"/>
               <a:t>Convention</a:t>
             </a:r>
-            <a:endParaRPr lang="en-US" dirty="0"/>
           </a:p>
         </p:txBody>
       </p:sp>
@@ -43477,10 +45950,9 @@
           <a:lstStyle/>
           <a:p>
             <a:r>
-              <a:rPr lang="en-US"/>
+              <a:rPr lang="en-US" dirty="0"/>
               <a:t>Storage Account Name</a:t>
             </a:r>
-            <a:endParaRPr lang="en-US" dirty="0"/>
           </a:p>
         </p:txBody>
       </p:sp>
@@ -43628,10 +46100,9 @@
           <a:lstStyle/>
           <a:p>
             <a:r>
-              <a:rPr lang="en-US"/>
+              <a:rPr lang="en-US" dirty="0"/>
               <a:t>Azure Restrictions</a:t>
             </a:r>
-            <a:endParaRPr lang="en-US" dirty="0"/>
           </a:p>
         </p:txBody>
       </p:sp>
@@ -43651,10 +46122,9 @@
           <a:lstStyle/>
           <a:p>
             <a:r>
-              <a:rPr lang="en-US"/>
+              <a:rPr lang="en-US" dirty="0"/>
               <a:t>Convention</a:t>
             </a:r>
-            <a:endParaRPr lang="en-US" dirty="0"/>
           </a:p>
         </p:txBody>
       </p:sp>
@@ -43674,10 +46144,9 @@
           <a:lstStyle/>
           <a:p>
             <a:r>
-              <a:rPr lang="en-US"/>
+              <a:rPr lang="en-US" dirty="0"/>
               <a:t>Storage Table Name</a:t>
             </a:r>
-            <a:endParaRPr lang="en-US" dirty="0"/>
           </a:p>
         </p:txBody>
       </p:sp>
@@ -43780,7 +46249,7 @@
           <a:lstStyle/>
           <a:p>
             <a:r>
-              <a:rPr lang="en-US"/>
+              <a:rPr lang="en-US" dirty="0"/>
               <a:t>couwslpstc001</a:t>
             </a:r>
           </a:p>
@@ -43805,10 +46274,9 @@
           <a:lstStyle/>
           <a:p>
             <a:r>
-              <a:rPr lang="en-US"/>
+              <a:rPr lang="en-US" dirty="0"/>
               <a:t>Azure Restrictions</a:t>
             </a:r>
-            <a:endParaRPr lang="en-US" dirty="0"/>
           </a:p>
         </p:txBody>
       </p:sp>
@@ -43828,10 +46296,9 @@
           <a:lstStyle/>
           <a:p>
             <a:r>
-              <a:rPr lang="en-US"/>
+              <a:rPr lang="en-US" dirty="0"/>
               <a:t>Convention</a:t>
             </a:r>
-            <a:endParaRPr lang="en-US" dirty="0"/>
           </a:p>
         </p:txBody>
       </p:sp>
@@ -43851,10 +46318,9 @@
           <a:lstStyle/>
           <a:p>
             <a:r>
-              <a:rPr lang="en-US"/>
+              <a:rPr lang="en-US" dirty="0"/>
               <a:t>Storage Blob Container Name</a:t>
             </a:r>
-            <a:endParaRPr lang="en-US" dirty="0"/>
           </a:p>
         </p:txBody>
       </p:sp>
@@ -43966,7 +46432,7 @@
           <a:lstStyle/>
           <a:p>
             <a:r>
-              <a:rPr lang="en-US"/>
+              <a:rPr lang="en-US" dirty="0"/>
               <a:t>couwmkpstb001</a:t>
             </a:r>
           </a:p>
@@ -43991,10 +46457,9 @@
           <a:lstStyle/>
           <a:p>
             <a:r>
-              <a:rPr lang="en-US"/>
+              <a:rPr lang="en-US" dirty="0"/>
               <a:t>Azure Restrictions</a:t>
             </a:r>
-            <a:endParaRPr lang="en-US" dirty="0"/>
           </a:p>
         </p:txBody>
       </p:sp>
@@ -44014,10 +46479,9 @@
           <a:lstStyle/>
           <a:p>
             <a:r>
-              <a:rPr lang="en-US"/>
+              <a:rPr lang="en-US" dirty="0"/>
               <a:t>Convention</a:t>
             </a:r>
-            <a:endParaRPr lang="en-US" dirty="0"/>
           </a:p>
         </p:txBody>
       </p:sp>
@@ -44037,10 +46501,9 @@
           <a:lstStyle/>
           <a:p>
             <a:r>
-              <a:rPr lang="en-US"/>
+              <a:rPr lang="en-US" dirty="0"/>
               <a:t>Storage Blob Name</a:t>
             </a:r>
-            <a:endParaRPr lang="en-US" dirty="0"/>
           </a:p>
         </p:txBody>
       </p:sp>
@@ -44093,19 +46556,19 @@
           <a:lstStyle/>
           <a:p>
             <a:r>
-              <a:rPr lang="en-US"/>
+              <a:rPr lang="en-US" dirty="0"/>
               <a:t>Queue names can contain alphanumeric characters and dashes.</a:t>
             </a:r>
           </a:p>
           <a:p>
             <a:r>
-              <a:rPr lang="en-US"/>
+              <a:rPr lang="en-US" dirty="0"/>
               <a:t>Must be lowercase.</a:t>
             </a:r>
           </a:p>
           <a:p>
             <a:r>
-              <a:rPr lang="en-US"/>
+              <a:rPr lang="en-US" dirty="0"/>
               <a:t>Must be 3 to 63 characters long.</a:t>
             </a:r>
           </a:p>
@@ -44124,25 +46587,30 @@
             <p:ph sz="quarter" idx="11"/>
           </p:nvPr>
         </p:nvSpPr>
-        <p:spPr/>
+        <p:spPr>
+          <a:xfrm>
+            <a:off x="6457075" y="2253750"/>
+            <a:ext cx="5378549" cy="4431983"/>
+          </a:xfrm>
+        </p:spPr>
         <p:txBody>
           <a:bodyPr/>
           <a:lstStyle/>
           <a:p>
             <a:r>
-              <a:rPr lang="en-US"/>
+              <a:rPr lang="en-US" dirty="0"/>
               <a:t>czepdastq001</a:t>
             </a:r>
           </a:p>
           <a:p>
             <a:r>
-              <a:rPr lang="en-US"/>
+              <a:rPr lang="en-US" dirty="0"/>
               <a:t>&lt;service short name&gt;-&lt;context&gt;-&lt;num&gt;</a:t>
             </a:r>
           </a:p>
           <a:p>
             <a:r>
-              <a:rPr lang="en-US"/>
+              <a:rPr lang="en-US" dirty="0"/>
               <a:t>awesomeservice-messages-001</a:t>
             </a:r>
           </a:p>
@@ -44167,10 +46635,9 @@
           <a:lstStyle/>
           <a:p>
             <a:r>
-              <a:rPr lang="en-US"/>
+              <a:rPr lang="en-US" dirty="0"/>
               <a:t>Azure Restrictions</a:t>
             </a:r>
-            <a:endParaRPr lang="en-US" dirty="0"/>
           </a:p>
         </p:txBody>
       </p:sp>
@@ -44190,10 +46657,9 @@
           <a:lstStyle/>
           <a:p>
             <a:r>
-              <a:rPr lang="en-US"/>
+              <a:rPr lang="en-US" dirty="0"/>
               <a:t>Convention</a:t>
             </a:r>
-            <a:endParaRPr lang="en-US" dirty="0"/>
           </a:p>
         </p:txBody>
       </p:sp>
@@ -44213,10 +46679,9 @@
           <a:lstStyle/>
           <a:p>
             <a:r>
-              <a:rPr lang="en-US"/>
+              <a:rPr lang="en-US" dirty="0"/>
               <a:t>Storage Queue Name</a:t>
             </a:r>
-            <a:endParaRPr lang="en-US" dirty="0"/>
           </a:p>
         </p:txBody>
       </p:sp>
@@ -44346,10 +46811,9 @@
           <a:lstStyle/>
           <a:p>
             <a:r>
-              <a:rPr lang="en-US"/>
+              <a:rPr lang="en-US" dirty="0"/>
               <a:t>Azure Restrictions</a:t>
             </a:r>
-            <a:endParaRPr lang="en-US" dirty="0"/>
           </a:p>
         </p:txBody>
       </p:sp>
@@ -44369,10 +46833,9 @@
           <a:lstStyle/>
           <a:p>
             <a:r>
-              <a:rPr lang="en-US"/>
+              <a:rPr lang="en-US" dirty="0"/>
               <a:t>Convention</a:t>
             </a:r>
-            <a:endParaRPr lang="en-US" dirty="0"/>
           </a:p>
         </p:txBody>
       </p:sp>
@@ -44392,10 +46855,9 @@
           <a:lstStyle/>
           <a:p>
             <a:r>
-              <a:rPr lang="en-US"/>
+              <a:rPr lang="en-US" dirty="0"/>
               <a:t>Azure Automation Account Name</a:t>
             </a:r>
-            <a:endParaRPr lang="en-US" dirty="0"/>
           </a:p>
         </p:txBody>
       </p:sp>
@@ -44477,49 +46939,21 @@
             </a:br>
             <a:r>
               <a:rPr lang="en-US" dirty="0"/>
-              <a:t>admin, administrator, </a:t>
-            </a:r>
-            <a:r>
-              <a:rPr lang="en-US" dirty="0" err="1"/>
-              <a:t>sa</a:t>
-            </a:r>
-            <a:r>
-              <a:rPr lang="en-US" dirty="0"/>
-              <a:t>, root, </a:t>
+              <a:t>admin, administrator, sa, root, </a:t>
             </a:r>
             <a:br>
               <a:rPr lang="en-US" dirty="0"/>
             </a:br>
             <a:r>
-              <a:rPr lang="en-US" dirty="0" err="1"/>
-              <a:t>dbmanager</a:t>
-            </a:r>
-            <a:r>
               <a:rPr lang="en-US" dirty="0"/>
-              <a:t>, </a:t>
-            </a:r>
-            <a:r>
-              <a:rPr lang="en-US" dirty="0" err="1"/>
-              <a:t>loginmanager</a:t>
-            </a:r>
+              <a:t>dbmanager, loginmanager, etc.</a:t>
+            </a:r>
+          </a:p>
+          <a:p>
+            <a:pPr lvl="1"/>
             <a:r>
               <a:rPr lang="en-US" dirty="0"/>
-              <a:t>, etc.</a:t>
-            </a:r>
-          </a:p>
-          <a:p>
-            <a:pPr lvl="1"/>
-            <a:r>
-              <a:rPr lang="en-US" dirty="0"/>
-              <a:t>It cannot be a built-in database user or role like </a:t>
-            </a:r>
-            <a:r>
-              <a:rPr lang="en-US" dirty="0" err="1"/>
-              <a:t>dbo</a:t>
-            </a:r>
-            <a:r>
-              <a:rPr lang="en-US" dirty="0"/>
-              <a:t>, guest, public, etc. </a:t>
+              <a:t>It cannot be a built-in database user or role like dbo, guest, public, etc. </a:t>
             </a:r>
           </a:p>
           <a:p>
@@ -44596,10 +47030,9 @@
           <a:lstStyle/>
           <a:p>
             <a:r>
-              <a:rPr lang="en-US"/>
+              <a:rPr lang="en-US" dirty="0"/>
               <a:t>COUWCPPSDBA-001</a:t>
             </a:r>
-            <a:endParaRPr lang="en-US" dirty="0"/>
           </a:p>
         </p:txBody>
       </p:sp>
@@ -44619,10 +47052,9 @@
           <a:lstStyle/>
           <a:p>
             <a:r>
-              <a:rPr lang="en-US"/>
+              <a:rPr lang="en-US" dirty="0"/>
               <a:t>Azure Restrictions</a:t>
             </a:r>
-            <a:endParaRPr lang="en-US" dirty="0"/>
           </a:p>
         </p:txBody>
       </p:sp>
@@ -44642,10 +47074,9 @@
           <a:lstStyle/>
           <a:p>
             <a:r>
-              <a:rPr lang="en-US"/>
+              <a:rPr lang="en-US" dirty="0"/>
               <a:t>Convention</a:t>
             </a:r>
-            <a:endParaRPr lang="en-US" dirty="0"/>
           </a:p>
         </p:txBody>
       </p:sp>
@@ -44665,10 +47096,9 @@
           <a:lstStyle/>
           <a:p>
             <a:r>
-              <a:rPr lang="en-US"/>
+              <a:rPr lang="en-US" dirty="0"/>
               <a:t>Azure SQL Logon Name</a:t>
             </a:r>
-            <a:endParaRPr lang="en-US" dirty="0"/>
           </a:p>
         </p:txBody>
       </p:sp>
@@ -44783,10 +47213,9 @@
           <a:lstStyle/>
           <a:p>
             <a:r>
-              <a:rPr lang="en-US"/>
+              <a:rPr lang="en-US" dirty="0"/>
               <a:t>Azure Restrictions</a:t>
             </a:r>
-            <a:endParaRPr lang="en-US" dirty="0"/>
           </a:p>
         </p:txBody>
       </p:sp>
@@ -44806,10 +47235,9 @@
           <a:lstStyle/>
           <a:p>
             <a:r>
-              <a:rPr lang="en-US"/>
+              <a:rPr lang="en-US" dirty="0"/>
               <a:t>Convention</a:t>
             </a:r>
-            <a:endParaRPr lang="en-US" dirty="0"/>
           </a:p>
         </p:txBody>
       </p:sp>
@@ -44829,10 +47257,9 @@
           <a:lstStyle/>
           <a:p>
             <a:r>
-              <a:rPr lang="en-US"/>
+              <a:rPr lang="en-US" dirty="0"/>
               <a:t>Azure SQL Server Name</a:t>
             </a:r>
-            <a:endParaRPr lang="en-US" dirty="0"/>
           </a:p>
         </p:txBody>
       </p:sp>
@@ -44959,10 +47386,9 @@
           <a:lstStyle/>
           <a:p>
             <a:r>
-              <a:rPr lang="en-US"/>
+              <a:rPr lang="en-US" dirty="0"/>
               <a:t>Azure Restrictions</a:t>
             </a:r>
-            <a:endParaRPr lang="en-US" dirty="0"/>
           </a:p>
         </p:txBody>
       </p:sp>
@@ -44982,10 +47408,9 @@
           <a:lstStyle/>
           <a:p>
             <a:r>
-              <a:rPr lang="en-US"/>
+              <a:rPr lang="en-US" dirty="0"/>
               <a:t>Convention</a:t>
             </a:r>
-            <a:endParaRPr lang="en-US" dirty="0"/>
           </a:p>
         </p:txBody>
       </p:sp>
@@ -45005,10 +47430,9 @@
           <a:lstStyle/>
           <a:p>
             <a:r>
-              <a:rPr lang="en-US"/>
+              <a:rPr lang="en-US" dirty="0"/>
               <a:t>Azure SQL Database Name</a:t>
             </a:r>
-            <a:endParaRPr lang="en-US" dirty="0"/>
           </a:p>
         </p:txBody>
       </p:sp>
@@ -46294,7 +48718,7 @@
                 <a:spcPct val="0"/>
               </a:spcAft>
             </a:pPr>
-            <a:endParaRPr lang="en-US" sz="2400" dirty="0" err="1">
+            <a:endParaRPr lang="en-US" sz="2400" dirty="0">
               <a:gradFill>
                 <a:gsLst>
                   <a:gs pos="0">
@@ -46371,7 +48795,7 @@
                 <a:spcPct val="0"/>
               </a:spcAft>
             </a:pPr>
-            <a:endParaRPr lang="en-US" sz="2400" dirty="0" err="1">
+            <a:endParaRPr lang="en-US" sz="2400" dirty="0">
               <a:gradFill>
                 <a:gsLst>
                   <a:gs pos="0">
@@ -46448,7 +48872,7 @@
                 <a:spcPct val="0"/>
               </a:spcAft>
             </a:pPr>
-            <a:endParaRPr lang="en-US" sz="2400" dirty="0" err="1">
+            <a:endParaRPr lang="en-US" sz="2400" dirty="0">
               <a:gradFill>
                 <a:gsLst>
                   <a:gs pos="0">
@@ -49048,10 +51472,9 @@
           <a:lstStyle/>
           <a:p>
             <a:r>
-              <a:rPr lang="en-US"/>
+              <a:rPr lang="en-US" dirty="0"/>
               <a:t>Azure Restrictions</a:t>
             </a:r>
-            <a:endParaRPr lang="en-US" dirty="0"/>
           </a:p>
         </p:txBody>
       </p:sp>
@@ -49071,10 +51494,9 @@
           <a:lstStyle/>
           <a:p>
             <a:r>
-              <a:rPr lang="en-US"/>
+              <a:rPr lang="en-US" dirty="0"/>
               <a:t>Convention</a:t>
             </a:r>
-            <a:endParaRPr lang="en-US" dirty="0"/>
           </a:p>
         </p:txBody>
       </p:sp>
@@ -49094,10 +51516,9 @@
           <a:lstStyle/>
           <a:p>
             <a:r>
-              <a:rPr lang="en-US"/>
+              <a:rPr lang="en-US" dirty="0"/>
               <a:t>Redis Cache Name</a:t>
             </a:r>
-            <a:endParaRPr lang="en-US" dirty="0"/>
           </a:p>
         </p:txBody>
       </p:sp>
@@ -49150,10 +51571,9 @@
           <a:lstStyle/>
           <a:p>
             <a:r>
-              <a:rPr lang="en-US"/>
+              <a:rPr lang="en-US" dirty="0"/>
               <a:t>Summary</a:t>
             </a:r>
-            <a:endParaRPr lang="en-US" dirty="0"/>
           </a:p>
         </p:txBody>
       </p:sp>
@@ -49278,7 +51698,7 @@
           <a:bodyPr/>
           <a:lstStyle/>
           <a:p>
-            <a:endParaRPr lang="en-US"/>
+            <a:endParaRPr lang="en-US" dirty="0"/>
           </a:p>
         </p:txBody>
       </p:sp>
@@ -49473,12 +51893,12 @@
                     <a:p>
                       <a:pPr algn="l" fontAlgn="b"/>
                       <a:r>
-                        <a:rPr lang="en-US" sz="1600" u="none" strike="noStrike">
+                        <a:rPr lang="en-US" sz="1600" u="none" strike="noStrike" dirty="0">
                           <a:effectLst/>
                         </a:rPr>
                         <a:t>Azure Resource</a:t>
                       </a:r>
-                      <a:endParaRPr lang="en-US" sz="1600" b="0" i="0" u="none" strike="noStrike">
+                      <a:endParaRPr lang="en-US" sz="1600" b="0" i="0" u="none" strike="noStrike" dirty="0">
                         <a:solidFill>
                           <a:srgbClr val="000000"/>
                         </a:solidFill>
@@ -49549,12 +51969,12 @@
                     <a:p>
                       <a:pPr algn="l" fontAlgn="b"/>
                       <a:r>
-                        <a:rPr lang="en-US" sz="1600" u="none" strike="noStrike">
+                        <a:rPr lang="en-US" sz="1600" u="none" strike="noStrike" dirty="0">
                           <a:effectLst/>
                         </a:rPr>
                         <a:t>Cores per subscription</a:t>
                       </a:r>
-                      <a:endParaRPr lang="en-US" sz="1600" b="0" i="0" u="none" strike="noStrike">
+                      <a:endParaRPr lang="en-US" sz="1600" b="0" i="0" u="none" strike="noStrike" dirty="0">
                         <a:solidFill>
                           <a:srgbClr val="000000"/>
                         </a:solidFill>
@@ -49625,12 +52045,12 @@
                     <a:p>
                       <a:pPr algn="l" fontAlgn="b"/>
                       <a:r>
-                        <a:rPr lang="en-US" sz="1600" u="none" strike="noStrike">
+                        <a:rPr lang="en-US" sz="1600" u="none" strike="noStrike" dirty="0">
                           <a:effectLst/>
                         </a:rPr>
                         <a:t>Co-administrators per subscription</a:t>
                       </a:r>
-                      <a:endParaRPr lang="en-US" sz="1600" b="0" i="0" u="none" strike="noStrike">
+                      <a:endParaRPr lang="en-US" sz="1600" b="0" i="0" u="none" strike="noStrike" dirty="0">
                         <a:solidFill>
                           <a:srgbClr val="000000"/>
                         </a:solidFill>
@@ -49648,12 +52068,12 @@
                     <a:p>
                       <a:pPr algn="ctr" fontAlgn="b"/>
                       <a:r>
-                        <a:rPr lang="en-US" sz="1600" u="none" strike="noStrike">
+                        <a:rPr lang="en-US" sz="1600" u="none" strike="noStrike" dirty="0">
                           <a:effectLst/>
                         </a:rPr>
                         <a:t>Unlimited</a:t>
                       </a:r>
-                      <a:endParaRPr lang="en-US" sz="1600" b="0" i="0" u="none" strike="noStrike">
+                      <a:endParaRPr lang="en-US" sz="1600" b="0" i="0" u="none" strike="noStrike" dirty="0">
                         <a:solidFill>
                           <a:srgbClr val="000000"/>
                         </a:solidFill>
@@ -49701,12 +52121,12 @@
                     <a:p>
                       <a:pPr algn="l" fontAlgn="b"/>
                       <a:r>
-                        <a:rPr lang="en-US" sz="1600" u="none" strike="noStrike">
+                        <a:rPr lang="en-US" sz="1600" u="none" strike="noStrike" dirty="0">
                           <a:effectLst/>
                         </a:rPr>
                         <a:t>Storage accounts per subscription</a:t>
                       </a:r>
-                      <a:endParaRPr lang="en-US" sz="1600" b="0" i="0" u="none" strike="noStrike">
+                      <a:endParaRPr lang="en-US" sz="1600" b="0" i="0" u="none" strike="noStrike" dirty="0">
                         <a:solidFill>
                           <a:srgbClr val="000000"/>
                         </a:solidFill>
@@ -49777,12 +52197,12 @@
                     <a:p>
                       <a:pPr algn="l" fontAlgn="b"/>
                       <a:r>
-                        <a:rPr lang="en-US" sz="1600" u="none" strike="noStrike">
+                        <a:rPr lang="en-US" sz="1600" u="none" strike="noStrike" dirty="0">
                           <a:effectLst/>
                         </a:rPr>
                         <a:t>Cloud Services per subscription</a:t>
                       </a:r>
-                      <a:endParaRPr lang="en-US" sz="1600" b="0" i="0" u="none" strike="noStrike">
+                      <a:endParaRPr lang="en-US" sz="1600" b="0" i="0" u="none" strike="noStrike" dirty="0">
                         <a:solidFill>
                           <a:srgbClr val="000000"/>
                         </a:solidFill>
@@ -49800,12 +52220,12 @@
                     <a:p>
                       <a:pPr algn="ctr" fontAlgn="b"/>
                       <a:r>
-                        <a:rPr lang="en-US" sz="1600" u="none" strike="noStrike">
+                        <a:rPr lang="en-US" sz="1600" u="none" strike="noStrike" dirty="0">
                           <a:effectLst/>
                         </a:rPr>
                         <a:t>N/A</a:t>
                       </a:r>
-                      <a:endParaRPr lang="en-US" sz="1600" b="0" i="0" u="none" strike="noStrike">
+                      <a:endParaRPr lang="en-US" sz="1600" b="0" i="0" u="none" strike="noStrike" dirty="0">
                         <a:solidFill>
                           <a:srgbClr val="000000"/>
                         </a:solidFill>
@@ -49853,12 +52273,12 @@
                     <a:p>
                       <a:pPr algn="l" fontAlgn="b"/>
                       <a:r>
-                        <a:rPr lang="en-US" sz="1600" u="none" strike="noStrike">
+                        <a:rPr lang="en-US" sz="1600" u="none" strike="noStrike" dirty="0">
                           <a:effectLst/>
                         </a:rPr>
                         <a:t>Virtual networks per subscription</a:t>
                       </a:r>
-                      <a:endParaRPr lang="en-US" sz="1600" b="0" i="0" u="none" strike="noStrike">
+                      <a:endParaRPr lang="en-US" sz="1600" b="0" i="0" u="none" strike="noStrike" dirty="0">
                         <a:solidFill>
                           <a:srgbClr val="000000"/>
                         </a:solidFill>
@@ -49876,12 +52296,12 @@
                     <a:p>
                       <a:pPr algn="ctr" fontAlgn="b"/>
                       <a:r>
-                        <a:rPr lang="en-US" sz="1600" u="none" strike="noStrike">
+                        <a:rPr lang="en-US" sz="1600" u="none" strike="noStrike" dirty="0">
                           <a:effectLst/>
                         </a:rPr>
                         <a:t>50/500</a:t>
                       </a:r>
-                      <a:endParaRPr lang="en-US" sz="1600" b="0" i="0" u="none" strike="noStrike">
+                      <a:endParaRPr lang="en-US" sz="1600" b="0" i="0" u="none" strike="noStrike" dirty="0">
                         <a:solidFill>
                           <a:srgbClr val="000000"/>
                         </a:solidFill>
@@ -49929,12 +52349,12 @@
                     <a:p>
                       <a:pPr algn="l" fontAlgn="b"/>
                       <a:r>
-                        <a:rPr lang="en-US" sz="1600" u="none" strike="noStrike">
+                        <a:rPr lang="en-US" sz="1600" u="none" strike="noStrike" dirty="0">
                           <a:effectLst/>
                         </a:rPr>
                         <a:t>Local networks per subscription</a:t>
                       </a:r>
-                      <a:endParaRPr lang="en-US" sz="1600" b="0" i="0" u="none" strike="noStrike">
+                      <a:endParaRPr lang="en-US" sz="1600" b="0" i="0" u="none" strike="noStrike" dirty="0">
                         <a:solidFill>
                           <a:srgbClr val="000000"/>
                         </a:solidFill>
@@ -49952,12 +52372,12 @@
                     <a:p>
                       <a:pPr algn="ctr" fontAlgn="b"/>
                       <a:r>
-                        <a:rPr lang="en-US" sz="1600" u="none" strike="noStrike">
+                        <a:rPr lang="en-US" sz="1600" u="none" strike="noStrike" dirty="0">
                           <a:effectLst/>
                         </a:rPr>
                         <a:t>10/500</a:t>
                       </a:r>
-                      <a:endParaRPr lang="en-US" sz="1600" b="0" i="0" u="none" strike="noStrike">
+                      <a:endParaRPr lang="en-US" sz="1600" b="0" i="0" u="none" strike="noStrike" dirty="0">
                         <a:solidFill>
                           <a:srgbClr val="000000"/>
                         </a:solidFill>
@@ -50005,12 +52425,12 @@
                     <a:p>
                       <a:pPr algn="l" fontAlgn="b"/>
                       <a:r>
-                        <a:rPr lang="en-US" sz="1600" u="none" strike="noStrike">
+                        <a:rPr lang="en-US" sz="1600" u="none" strike="noStrike" dirty="0">
                           <a:effectLst/>
                         </a:rPr>
                         <a:t>Reserved IPs per subscription</a:t>
                       </a:r>
-                      <a:endParaRPr lang="en-US" sz="1600" b="0" i="0" u="none" strike="noStrike">
+                      <a:endParaRPr lang="en-US" sz="1600" b="0" i="0" u="none" strike="noStrike" dirty="0">
                         <a:solidFill>
                           <a:srgbClr val="000000"/>
                         </a:solidFill>
@@ -50028,12 +52448,12 @@
                     <a:p>
                       <a:pPr algn="ctr" fontAlgn="b"/>
                       <a:r>
-                        <a:rPr lang="en-US" sz="1600" u="none" strike="noStrike">
+                        <a:rPr lang="en-US" sz="1600" u="none" strike="noStrike" dirty="0">
                           <a:effectLst/>
                         </a:rPr>
                         <a:t>20/100</a:t>
                       </a:r>
-                      <a:endParaRPr lang="en-US" sz="1600" b="0" i="0" u="none" strike="noStrike">
+                      <a:endParaRPr lang="en-US" sz="1600" b="0" i="0" u="none" strike="noStrike" dirty="0">
                         <a:solidFill>
                           <a:srgbClr val="000000"/>
                         </a:solidFill>
@@ -50081,12 +52501,12 @@
                     <a:p>
                       <a:pPr algn="l" fontAlgn="b"/>
                       <a:r>
-                        <a:rPr lang="en-US" sz="1600" u="none" strike="noStrike">
+                        <a:rPr lang="en-US" sz="1600" u="none" strike="noStrike" dirty="0">
                           <a:effectLst/>
                         </a:rPr>
                         <a:t>Public IP addresses (dynamic)</a:t>
                       </a:r>
-                      <a:endParaRPr lang="en-US" sz="1600" b="0" i="0" u="none" strike="noStrike">
+                      <a:endParaRPr lang="en-US" sz="1600" b="0" i="0" u="none" strike="noStrike" dirty="0">
                         <a:solidFill>
                           <a:srgbClr val="000000"/>
                         </a:solidFill>
@@ -50104,12 +52524,12 @@
                     <a:p>
                       <a:pPr algn="ctr" fontAlgn="b"/>
                       <a:r>
-                        <a:rPr lang="en-US" sz="1600" u="none" strike="noStrike">
+                        <a:rPr lang="en-US" sz="1600" u="none" strike="noStrike" dirty="0">
                           <a:effectLst/>
                         </a:rPr>
                         <a:t>60/Contact Support</a:t>
                       </a:r>
-                      <a:endParaRPr lang="en-US" sz="1600" b="0" i="0" u="none" strike="noStrike">
+                      <a:endParaRPr lang="en-US" sz="1600" b="0" i="0" u="none" strike="noStrike" dirty="0">
                         <a:solidFill>
                           <a:srgbClr val="000000"/>
                         </a:solidFill>
@@ -50157,12 +52577,12 @@
                     <a:p>
                       <a:pPr algn="l" fontAlgn="b"/>
                       <a:r>
-                        <a:rPr lang="en-US" sz="1600" u="none" strike="noStrike">
+                        <a:rPr lang="en-US" sz="1600" u="none" strike="noStrike" dirty="0">
                           <a:effectLst/>
                         </a:rPr>
                         <a:t>Reserved public IP addresses</a:t>
                       </a:r>
-                      <a:endParaRPr lang="en-US" sz="1600" b="0" i="0" u="none" strike="noStrike">
+                      <a:endParaRPr lang="en-US" sz="1600" b="0" i="0" u="none" strike="noStrike" dirty="0">
                         <a:solidFill>
                           <a:srgbClr val="000000"/>
                         </a:solidFill>
@@ -50180,12 +52600,12 @@
                     <a:p>
                       <a:pPr algn="ctr" fontAlgn="b"/>
                       <a:r>
-                        <a:rPr lang="en-US" sz="1600" u="none" strike="noStrike">
+                        <a:rPr lang="en-US" sz="1600" u="none" strike="noStrike" dirty="0">
                           <a:effectLst/>
                         </a:rPr>
                         <a:t>20/Contact support</a:t>
                       </a:r>
-                      <a:endParaRPr lang="en-US" sz="1600" b="0" i="0" u="none" strike="noStrike">
+                      <a:endParaRPr lang="en-US" sz="1600" b="0" i="0" u="none" strike="noStrike" dirty="0">
                         <a:solidFill>
                           <a:srgbClr val="000000"/>
                         </a:solidFill>
@@ -50233,12 +52653,12 @@
                     <a:p>
                       <a:pPr algn="l" fontAlgn="b"/>
                       <a:r>
-                        <a:rPr lang="en-US" sz="1600" u="none" strike="noStrike">
+                        <a:rPr lang="en-US" sz="1600" u="none" strike="noStrike" dirty="0">
                           <a:effectLst/>
                         </a:rPr>
                         <a:t>Resource Groups per subscription</a:t>
                       </a:r>
-                      <a:endParaRPr lang="en-US" sz="1600" b="0" i="0" u="none" strike="noStrike">
+                      <a:endParaRPr lang="en-US" sz="1600" b="0" i="0" u="none" strike="noStrike" dirty="0">
                         <a:solidFill>
                           <a:srgbClr val="000000"/>
                         </a:solidFill>
@@ -50256,12 +52676,12 @@
                     <a:p>
                       <a:pPr algn="ctr" fontAlgn="b"/>
                       <a:r>
-                        <a:rPr lang="en-US" sz="1600" u="none" strike="noStrike">
+                        <a:rPr lang="en-US" sz="1600" u="none" strike="noStrike" dirty="0">
                           <a:effectLst/>
                         </a:rPr>
                         <a:t>800/800</a:t>
                       </a:r>
-                      <a:endParaRPr lang="en-US" sz="1600" b="0" i="0" u="none" strike="noStrike">
+                      <a:endParaRPr lang="en-US" sz="1600" b="0" i="0" u="none" strike="noStrike" dirty="0">
                         <a:solidFill>
                           <a:srgbClr val="000000"/>
                         </a:solidFill>
@@ -50309,12 +52729,12 @@
                     <a:p>
                       <a:pPr algn="l" fontAlgn="b"/>
                       <a:r>
-                        <a:rPr lang="en-US" sz="1600" u="none" strike="noStrike">
+                        <a:rPr lang="en-US" sz="1600" u="none" strike="noStrike" dirty="0">
                           <a:effectLst/>
                         </a:rPr>
                         <a:t>Virtual machines per subscription</a:t>
                       </a:r>
-                      <a:endParaRPr lang="en-US" sz="1600" b="0" i="0" u="none" strike="noStrike">
+                      <a:endParaRPr lang="en-US" sz="1600" b="0" i="0" u="none" strike="noStrike" dirty="0">
                         <a:solidFill>
                           <a:srgbClr val="000000"/>
                         </a:solidFill>
@@ -50332,12 +52752,12 @@
                     <a:p>
                       <a:pPr algn="ctr" fontAlgn="b"/>
                       <a:r>
-                        <a:rPr lang="en-US" sz="1600" u="none" strike="noStrike">
+                        <a:rPr lang="en-US" sz="1600" u="none" strike="noStrike" dirty="0">
                           <a:effectLst/>
                         </a:rPr>
                         <a:t>20/10,000 per region</a:t>
                       </a:r>
-                      <a:endParaRPr lang="en-US" sz="1600" b="0" i="0" u="none" strike="noStrike">
+                      <a:endParaRPr lang="en-US" sz="1600" b="0" i="0" u="none" strike="noStrike" dirty="0">
                         <a:solidFill>
                           <a:srgbClr val="000000"/>
                         </a:solidFill>
@@ -52620,9 +55040,9 @@
 </file>
 
 <file path=ppt/theme/theme2.xml><?xml version="1.0" encoding="utf-8"?>
-<a:theme xmlns:a="http://schemas.openxmlformats.org/drawingml/2006/main" name="Office Theme">
+<a:theme xmlns:a="http://schemas.openxmlformats.org/drawingml/2006/main" name="1_Windows Azure">
   <a:themeElements>
-    <a:clrScheme name="Office">
+    <a:clrScheme name="Custom 1">
       <a:dk1>
         <a:sysClr val="windowText" lastClr="000000"/>
       </a:dk1>
@@ -52645,7 +55065,7 @@
         <a:srgbClr val="A5A5A5"/>
       </a:accent3>
       <a:accent4>
-        <a:srgbClr val="FFC000"/>
+        <a:srgbClr val="9CC3E5"/>
       </a:accent4>
       <a:accent5>
         <a:srgbClr val="4472C4"/>
@@ -52654,163 +55074,63 @@
         <a:srgbClr val="70AD47"/>
       </a:accent6>
       <a:hlink>
-        <a:srgbClr val="0563C1"/>
+        <a:srgbClr val="FFC000"/>
       </a:hlink>
       <a:folHlink>
         <a:srgbClr val="954F72"/>
       </a:folHlink>
     </a:clrScheme>
-    <a:fontScheme name="Office">
+    <a:fontScheme name="Custom 1">
       <a:majorFont>
-        <a:latin typeface="Calibri Light" panose="020F0302020204030204"/>
+        <a:latin typeface="Segoe UI Light"/>
         <a:ea typeface=""/>
         <a:cs typeface=""/>
-        <a:font script="Jpan" typeface="ＭＳ Ｐゴシック"/>
-        <a:font script="Hang" typeface="맑은 고딕"/>
-        <a:font script="Hans" typeface="宋体"/>
-        <a:font script="Hant" typeface="新細明體"/>
-        <a:font script="Arab" typeface="Times New Roman"/>
-        <a:font script="Hebr" typeface="Times New Roman"/>
-        <a:font script="Thai" typeface="Angsana New"/>
-        <a:font script="Ethi" typeface="Nyala"/>
-        <a:font script="Beng" typeface="Vrinda"/>
-        <a:font script="Gujr" typeface="Shruti"/>
-        <a:font script="Khmr" typeface="MoolBoran"/>
-        <a:font script="Knda" typeface="Tunga"/>
-        <a:font script="Guru" typeface="Raavi"/>
-        <a:font script="Cans" typeface="Euphemia"/>
-        <a:font script="Cher" typeface="Plantagenet Cherokee"/>
-        <a:font script="Yiii" typeface="Microsoft Yi Baiti"/>
-        <a:font script="Tibt" typeface="Microsoft Himalaya"/>
-        <a:font script="Thaa" typeface="MV Boli"/>
-        <a:font script="Deva" typeface="Mangal"/>
-        <a:font script="Telu" typeface="Gautami"/>
-        <a:font script="Taml" typeface="Latha"/>
-        <a:font script="Syrc" typeface="Estrangelo Edessa"/>
-        <a:font script="Orya" typeface="Kalinga"/>
-        <a:font script="Mlym" typeface="Kartika"/>
-        <a:font script="Laoo" typeface="DokChampa"/>
-        <a:font script="Sinh" typeface="Iskoola Pota"/>
-        <a:font script="Mong" typeface="Mongolian Baiti"/>
-        <a:font script="Viet" typeface="Times New Roman"/>
-        <a:font script="Uigh" typeface="Microsoft Uighur"/>
-        <a:font script="Geor" typeface="Sylfaen"/>
       </a:majorFont>
       <a:minorFont>
-        <a:latin typeface="Calibri" panose="020F0502020204030204"/>
+        <a:latin typeface="Segoe UI"/>
         <a:ea typeface=""/>
         <a:cs typeface=""/>
-        <a:font script="Jpan" typeface="ＭＳ Ｐゴシック"/>
-        <a:font script="Hang" typeface="맑은 고딕"/>
-        <a:font script="Hans" typeface="宋体"/>
-        <a:font script="Hant" typeface="新細明體"/>
-        <a:font script="Arab" typeface="Arial"/>
-        <a:font script="Hebr" typeface="Arial"/>
-        <a:font script="Thai" typeface="Cordia New"/>
-        <a:font script="Ethi" typeface="Nyala"/>
-        <a:font script="Beng" typeface="Vrinda"/>
-        <a:font script="Gujr" typeface="Shruti"/>
-        <a:font script="Khmr" typeface="DaunPenh"/>
-        <a:font script="Knda" typeface="Tunga"/>
-        <a:font script="Guru" typeface="Raavi"/>
-        <a:font script="Cans" typeface="Euphemia"/>
-        <a:font script="Cher" typeface="Plantagenet Cherokee"/>
-        <a:font script="Yiii" typeface="Microsoft Yi Baiti"/>
-        <a:font script="Tibt" typeface="Microsoft Himalaya"/>
-        <a:font script="Thaa" typeface="MV Boli"/>
-        <a:font script="Deva" typeface="Mangal"/>
-        <a:font script="Telu" typeface="Gautami"/>
-        <a:font script="Taml" typeface="Latha"/>
-        <a:font script="Syrc" typeface="Estrangelo Edessa"/>
-        <a:font script="Orya" typeface="Kalinga"/>
-        <a:font script="Mlym" typeface="Kartika"/>
-        <a:font script="Laoo" typeface="DokChampa"/>
-        <a:font script="Sinh" typeface="Iskoola Pota"/>
-        <a:font script="Mong" typeface="Mongolian Baiti"/>
-        <a:font script="Viet" typeface="Arial"/>
-        <a:font script="Uigh" typeface="Microsoft Uighur"/>
-        <a:font script="Geor" typeface="Sylfaen"/>
       </a:minorFont>
     </a:fontScheme>
-    <a:fmtScheme name="Office">
+    <a:fmtScheme name="Couture">
       <a:fillStyleLst>
         <a:solidFill>
           <a:schemeClr val="phClr"/>
         </a:solidFill>
-        <a:gradFill rotWithShape="1">
-          <a:gsLst>
-            <a:gs pos="0">
-              <a:schemeClr val="phClr">
-                <a:lumMod val="110000"/>
-                <a:satMod val="105000"/>
-                <a:tint val="67000"/>
-              </a:schemeClr>
-            </a:gs>
-            <a:gs pos="50000">
-              <a:schemeClr val="phClr">
-                <a:lumMod val="105000"/>
-                <a:satMod val="103000"/>
-                <a:tint val="73000"/>
-              </a:schemeClr>
-            </a:gs>
-            <a:gs pos="100000">
-              <a:schemeClr val="phClr">
-                <a:lumMod val="105000"/>
-                <a:satMod val="109000"/>
-                <a:tint val="81000"/>
-              </a:schemeClr>
-            </a:gs>
-          </a:gsLst>
-          <a:lin ang="5400000" scaled="0"/>
-        </a:gradFill>
-        <a:gradFill rotWithShape="1">
-          <a:gsLst>
-            <a:gs pos="0">
-              <a:schemeClr val="phClr">
-                <a:satMod val="103000"/>
-                <a:lumMod val="102000"/>
-                <a:tint val="94000"/>
-              </a:schemeClr>
-            </a:gs>
-            <a:gs pos="50000">
-              <a:schemeClr val="phClr">
-                <a:satMod val="110000"/>
-                <a:lumMod val="100000"/>
-                <a:shade val="100000"/>
-              </a:schemeClr>
-            </a:gs>
-            <a:gs pos="100000">
-              <a:schemeClr val="phClr">
-                <a:lumMod val="99000"/>
-                <a:satMod val="120000"/>
-                <a:shade val="78000"/>
-              </a:schemeClr>
-            </a:gs>
-          </a:gsLst>
-          <a:lin ang="5400000" scaled="0"/>
-        </a:gradFill>
+        <a:solidFill>
+          <a:schemeClr val="phClr">
+            <a:tint val="65000"/>
+          </a:schemeClr>
+        </a:solidFill>
+        <a:solidFill>
+          <a:schemeClr val="phClr">
+            <a:shade val="80000"/>
+            <a:satMod val="180000"/>
+          </a:schemeClr>
+        </a:solidFill>
       </a:fillStyleLst>
       <a:lnStyleLst>
-        <a:ln w="6350" cap="flat" cmpd="sng" algn="ctr">
+        <a:ln w="9525" cap="flat" cmpd="sng" algn="ctr">
           <a:solidFill>
             <a:schemeClr val="phClr"/>
           </a:solidFill>
           <a:prstDash val="solid"/>
-          <a:miter lim="800000"/>
         </a:ln>
-        <a:ln w="12700" cap="flat" cmpd="sng" algn="ctr">
+        <a:ln w="10795" cap="flat" cmpd="sng" algn="ctr">
           <a:solidFill>
             <a:schemeClr val="phClr"/>
           </a:solidFill>
           <a:prstDash val="solid"/>
-          <a:miter lim="800000"/>
         </a:ln>
-        <a:ln w="19050" cap="flat" cmpd="sng" algn="ctr">
+        <a:ln w="17145" cap="flat" cmpd="sng" algn="ctr">
           <a:solidFill>
-            <a:schemeClr val="phClr"/>
+            <a:schemeClr val="phClr">
+              <a:shade val="95000"/>
+              <a:alpha val="50000"/>
+              <a:satMod val="150000"/>
+            </a:schemeClr>
           </a:solidFill>
           <a:prstDash val="solid"/>
-          <a:miter lim="800000"/>
         </a:ln>
       </a:lnStyleLst>
       <a:effectStyleLst>
@@ -52822,59 +55142,200 @@
         </a:effectStyle>
         <a:effectStyle>
           <a:effectLst>
-            <a:outerShdw blurRad="57150" dist="19050" dir="5400000" algn="ctr" rotWithShape="0">
+            <a:outerShdw blurRad="44450" dist="13970" dir="5400000" algn="ctr" rotWithShape="0">
               <a:srgbClr val="000000">
-                <a:alpha val="63000"/>
+                <a:alpha val="45000"/>
               </a:srgbClr>
             </a:outerShdw>
           </a:effectLst>
+          <a:scene3d>
+            <a:camera prst="orthographicFront">
+              <a:rot lat="0" lon="0" rev="0"/>
+            </a:camera>
+            <a:lightRig rig="twoPt" dir="tl"/>
+          </a:scene3d>
+          <a:sp3d prstMaterial="flat">
+            <a:bevelT w="19050" h="31750" prst="coolSlant"/>
+          </a:sp3d>
         </a:effectStyle>
       </a:effectStyleLst>
       <a:bgFillStyleLst>
         <a:solidFill>
           <a:schemeClr val="phClr"/>
         </a:solidFill>
-        <a:solidFill>
-          <a:schemeClr val="phClr">
-            <a:tint val="95000"/>
-            <a:satMod val="170000"/>
-          </a:schemeClr>
-        </a:solidFill>
         <a:gradFill rotWithShape="1">
           <a:gsLst>
             <a:gs pos="0">
               <a:schemeClr val="phClr">
-                <a:tint val="93000"/>
-                <a:satMod val="150000"/>
-                <a:shade val="98000"/>
-                <a:lumMod val="102000"/>
+                <a:tint val="40000"/>
+                <a:satMod val="350000"/>
               </a:schemeClr>
             </a:gs>
-            <a:gs pos="50000">
+            <a:gs pos="40000">
               <a:schemeClr val="phClr">
-                <a:tint val="98000"/>
-                <a:satMod val="130000"/>
-                <a:shade val="90000"/>
-                <a:lumMod val="103000"/>
+                <a:tint val="45000"/>
+                <a:shade val="99000"/>
+                <a:satMod val="350000"/>
               </a:schemeClr>
             </a:gs>
             <a:gs pos="100000">
               <a:schemeClr val="phClr">
-                <a:shade val="63000"/>
-                <a:satMod val="120000"/>
+                <a:shade val="20000"/>
+                <a:satMod val="255000"/>
               </a:schemeClr>
             </a:gs>
           </a:gsLst>
-          <a:lin ang="5400000" scaled="0"/>
+          <a:path path="circle">
+            <a:fillToRect l="50000" t="-80000" r="50000" b="180000"/>
+          </a:path>
+        </a:gradFill>
+        <a:gradFill rotWithShape="1">
+          <a:gsLst>
+            <a:gs pos="0">
+              <a:schemeClr val="phClr">
+                <a:tint val="80000"/>
+                <a:satMod val="300000"/>
+              </a:schemeClr>
+            </a:gs>
+            <a:gs pos="100000">
+              <a:schemeClr val="phClr">
+                <a:shade val="30000"/>
+                <a:satMod val="200000"/>
+              </a:schemeClr>
+            </a:gs>
+          </a:gsLst>
+          <a:path path="circle">
+            <a:fillToRect l="50000" t="50000" r="50000" b="50000"/>
+          </a:path>
         </a:gradFill>
       </a:bgFillStyleLst>
     </a:fmtScheme>
   </a:themeElements>
-  <a:objectDefaults/>
+  <a:objectDefaults>
+    <a:spDef>
+      <a:spPr bwMode="auto">
+        <a:solidFill>
+          <a:schemeClr val="accent1"/>
+        </a:solidFill>
+        <a:ln>
+          <a:noFill/>
+          <a:headEnd type="none" w="med" len="med"/>
+          <a:tailEnd type="none" w="med" len="med"/>
+        </a:ln>
+        <a:effectLst/>
+      </a:spPr>
+      <a:bodyPr rot="0" spcFirstLastPara="0" vertOverflow="overflow" horzOverflow="overflow" vert="horz" wrap="square" lIns="182880" tIns="146304" rIns="182880" bIns="146304" numCol="1" spcCol="0" rtlCol="0" fromWordArt="0" anchor="t" anchorCtr="0" forceAA="0" compatLnSpc="1">
+        <a:prstTxWarp prst="textNoShape">
+          <a:avLst/>
+        </a:prstTxWarp>
+        <a:noAutofit/>
+      </a:bodyPr>
+      <a:lstStyle>
+        <a:defPPr defTabSz="932472" fontAlgn="base">
+          <a:lnSpc>
+            <a:spcPct val="90000"/>
+          </a:lnSpc>
+          <a:spcBef>
+            <a:spcPct val="0"/>
+          </a:spcBef>
+          <a:spcAft>
+            <a:spcPct val="0"/>
+          </a:spcAft>
+          <a:defRPr sz="2400" dirty="0" err="1" smtClean="0">
+            <a:gradFill>
+              <a:gsLst>
+                <a:gs pos="0">
+                  <a:srgbClr val="FFFFFF"/>
+                </a:gs>
+                <a:gs pos="100000">
+                  <a:srgbClr val="FFFFFF"/>
+                </a:gs>
+              </a:gsLst>
+              <a:lin ang="5400000" scaled="0"/>
+            </a:gradFill>
+            <a:ea typeface="Segoe UI" pitchFamily="34" charset="0"/>
+            <a:cs typeface="Segoe UI" pitchFamily="34" charset="0"/>
+          </a:defRPr>
+        </a:defPPr>
+      </a:lstStyle>
+      <a:style>
+        <a:lnRef idx="1">
+          <a:schemeClr val="accent2"/>
+        </a:lnRef>
+        <a:fillRef idx="3">
+          <a:schemeClr val="accent2"/>
+        </a:fillRef>
+        <a:effectRef idx="2">
+          <a:schemeClr val="accent2"/>
+        </a:effectRef>
+        <a:fontRef idx="minor">
+          <a:schemeClr val="lt1"/>
+        </a:fontRef>
+      </a:style>
+    </a:spDef>
+    <a:lnDef>
+      <a:spPr>
+        <a:ln>
+          <a:solidFill>
+            <a:schemeClr val="tx1"/>
+          </a:solidFill>
+          <a:headEnd type="none"/>
+          <a:tailEnd type="none"/>
+        </a:ln>
+      </a:spPr>
+      <a:bodyPr/>
+      <a:lstStyle/>
+      <a:style>
+        <a:lnRef idx="1">
+          <a:schemeClr val="accent1"/>
+        </a:lnRef>
+        <a:fillRef idx="0">
+          <a:schemeClr val="accent1"/>
+        </a:fillRef>
+        <a:effectRef idx="0">
+          <a:schemeClr val="accent1"/>
+        </a:effectRef>
+        <a:fontRef idx="minor">
+          <a:schemeClr val="tx1"/>
+        </a:fontRef>
+      </a:style>
+    </a:lnDef>
+    <a:txDef>
+      <a:spPr>
+        <a:noFill/>
+      </a:spPr>
+      <a:bodyPr wrap="square" lIns="182880" tIns="146304" rIns="182880" bIns="146304" rtlCol="0">
+        <a:spAutoFit/>
+      </a:bodyPr>
+      <a:lstStyle>
+        <a:defPPr>
+          <a:lnSpc>
+            <a:spcPct val="90000"/>
+          </a:lnSpc>
+          <a:spcAft>
+            <a:spcPts val="600"/>
+          </a:spcAft>
+          <a:defRPr sz="2400" dirty="0" err="1" smtClean="0">
+            <a:gradFill>
+              <a:gsLst>
+                <a:gs pos="2917">
+                  <a:schemeClr val="tx1"/>
+                </a:gs>
+                <a:gs pos="30000">
+                  <a:schemeClr val="tx1"/>
+                </a:gs>
+              </a:gsLst>
+              <a:lin ang="5400000" scaled="0"/>
+            </a:gradFill>
+          </a:defRPr>
+        </a:defPPr>
+      </a:lstStyle>
+    </a:txDef>
+  </a:objectDefaults>
   <a:extraClrSchemeLst/>
   <a:extLst>
     <a:ext uri="{05A4C25C-085E-4340-85A3-A5531E510DB2}">
-      <thm15:themeFamily xmlns:thm15="http://schemas.microsoft.com/office/thememl/2012/main" name="Office Theme" id="{62F939B6-93AF-4DB8-9C6B-D6C7DFDC589F}" vid="{4A3C46E8-61CC-4603-A589-7422A47A8E4A}"/>
+      <thm15:themeFamily xmlns:thm15="http://schemas.microsoft.com/office/thememl/2012/main" name="GSI Architect Workshop Template.potx" id="{A28382A3-38E4-4C61-8F63-2E5C29CAAD5C}" vid="{8F476405-2F79-4B8C-90DC-8EA1F5CF2DD5}"/>
     </a:ext>
   </a:extLst>
 </a:theme>
@@ -53141,16 +55602,268 @@
 </a:theme>
 </file>
 
-<file path=customXml/item1.xml><?xml version="1.0" encoding="utf-8"?>
-<?mso-contentType ?>
-<FormTemplates xmlns="http://schemas.microsoft.com/sharepoint/v3/contenttype/forms">
-  <Display>DocumentLibraryForm</Display>
-  <Edit>DocumentLibraryForm</Edit>
-  <New>DocumentLibraryForm</New>
-</FormTemplates>
+<file path=ppt/theme/theme4.xml><?xml version="1.0" encoding="utf-8"?>
+<a:theme xmlns:a="http://schemas.openxmlformats.org/drawingml/2006/main" name="Office Theme">
+  <a:themeElements>
+    <a:clrScheme name="Office">
+      <a:dk1>
+        <a:sysClr val="windowText" lastClr="000000"/>
+      </a:dk1>
+      <a:lt1>
+        <a:sysClr val="window" lastClr="FFFFFF"/>
+      </a:lt1>
+      <a:dk2>
+        <a:srgbClr val="44546A"/>
+      </a:dk2>
+      <a:lt2>
+        <a:srgbClr val="E7E6E6"/>
+      </a:lt2>
+      <a:accent1>
+        <a:srgbClr val="5B9BD5"/>
+      </a:accent1>
+      <a:accent2>
+        <a:srgbClr val="ED7D31"/>
+      </a:accent2>
+      <a:accent3>
+        <a:srgbClr val="A5A5A5"/>
+      </a:accent3>
+      <a:accent4>
+        <a:srgbClr val="FFC000"/>
+      </a:accent4>
+      <a:accent5>
+        <a:srgbClr val="4472C4"/>
+      </a:accent5>
+      <a:accent6>
+        <a:srgbClr val="70AD47"/>
+      </a:accent6>
+      <a:hlink>
+        <a:srgbClr val="0563C1"/>
+      </a:hlink>
+      <a:folHlink>
+        <a:srgbClr val="954F72"/>
+      </a:folHlink>
+    </a:clrScheme>
+    <a:fontScheme name="Office">
+      <a:majorFont>
+        <a:latin typeface="Calibri Light" panose="020F0302020204030204"/>
+        <a:ea typeface=""/>
+        <a:cs typeface=""/>
+        <a:font script="Jpan" typeface="ＭＳ Ｐゴシック"/>
+        <a:font script="Hang" typeface="맑은 고딕"/>
+        <a:font script="Hans" typeface="宋体"/>
+        <a:font script="Hant" typeface="新細明體"/>
+        <a:font script="Arab" typeface="Times New Roman"/>
+        <a:font script="Hebr" typeface="Times New Roman"/>
+        <a:font script="Thai" typeface="Angsana New"/>
+        <a:font script="Ethi" typeface="Nyala"/>
+        <a:font script="Beng" typeface="Vrinda"/>
+        <a:font script="Gujr" typeface="Shruti"/>
+        <a:font script="Khmr" typeface="MoolBoran"/>
+        <a:font script="Knda" typeface="Tunga"/>
+        <a:font script="Guru" typeface="Raavi"/>
+        <a:font script="Cans" typeface="Euphemia"/>
+        <a:font script="Cher" typeface="Plantagenet Cherokee"/>
+        <a:font script="Yiii" typeface="Microsoft Yi Baiti"/>
+        <a:font script="Tibt" typeface="Microsoft Himalaya"/>
+        <a:font script="Thaa" typeface="MV Boli"/>
+        <a:font script="Deva" typeface="Mangal"/>
+        <a:font script="Telu" typeface="Gautami"/>
+        <a:font script="Taml" typeface="Latha"/>
+        <a:font script="Syrc" typeface="Estrangelo Edessa"/>
+        <a:font script="Orya" typeface="Kalinga"/>
+        <a:font script="Mlym" typeface="Kartika"/>
+        <a:font script="Laoo" typeface="DokChampa"/>
+        <a:font script="Sinh" typeface="Iskoola Pota"/>
+        <a:font script="Mong" typeface="Mongolian Baiti"/>
+        <a:font script="Viet" typeface="Times New Roman"/>
+        <a:font script="Uigh" typeface="Microsoft Uighur"/>
+        <a:font script="Geor" typeface="Sylfaen"/>
+      </a:majorFont>
+      <a:minorFont>
+        <a:latin typeface="Calibri" panose="020F0502020204030204"/>
+        <a:ea typeface=""/>
+        <a:cs typeface=""/>
+        <a:font script="Jpan" typeface="ＭＳ Ｐゴシック"/>
+        <a:font script="Hang" typeface="맑은 고딕"/>
+        <a:font script="Hans" typeface="宋体"/>
+        <a:font script="Hant" typeface="新細明體"/>
+        <a:font script="Arab" typeface="Arial"/>
+        <a:font script="Hebr" typeface="Arial"/>
+        <a:font script="Thai" typeface="Cordia New"/>
+        <a:font script="Ethi" typeface="Nyala"/>
+        <a:font script="Beng" typeface="Vrinda"/>
+        <a:font script="Gujr" typeface="Shruti"/>
+        <a:font script="Khmr" typeface="DaunPenh"/>
+        <a:font script="Knda" typeface="Tunga"/>
+        <a:font script="Guru" typeface="Raavi"/>
+        <a:font script="Cans" typeface="Euphemia"/>
+        <a:font script="Cher" typeface="Plantagenet Cherokee"/>
+        <a:font script="Yiii" typeface="Microsoft Yi Baiti"/>
+        <a:font script="Tibt" typeface="Microsoft Himalaya"/>
+        <a:font script="Thaa" typeface="MV Boli"/>
+        <a:font script="Deva" typeface="Mangal"/>
+        <a:font script="Telu" typeface="Gautami"/>
+        <a:font script="Taml" typeface="Latha"/>
+        <a:font script="Syrc" typeface="Estrangelo Edessa"/>
+        <a:font script="Orya" typeface="Kalinga"/>
+        <a:font script="Mlym" typeface="Kartika"/>
+        <a:font script="Laoo" typeface="DokChampa"/>
+        <a:font script="Sinh" typeface="Iskoola Pota"/>
+        <a:font script="Mong" typeface="Mongolian Baiti"/>
+        <a:font script="Viet" typeface="Arial"/>
+        <a:font script="Uigh" typeface="Microsoft Uighur"/>
+        <a:font script="Geor" typeface="Sylfaen"/>
+      </a:minorFont>
+    </a:fontScheme>
+    <a:fmtScheme name="Office">
+      <a:fillStyleLst>
+        <a:solidFill>
+          <a:schemeClr val="phClr"/>
+        </a:solidFill>
+        <a:gradFill rotWithShape="1">
+          <a:gsLst>
+            <a:gs pos="0">
+              <a:schemeClr val="phClr">
+                <a:lumMod val="110000"/>
+                <a:satMod val="105000"/>
+                <a:tint val="67000"/>
+              </a:schemeClr>
+            </a:gs>
+            <a:gs pos="50000">
+              <a:schemeClr val="phClr">
+                <a:lumMod val="105000"/>
+                <a:satMod val="103000"/>
+                <a:tint val="73000"/>
+              </a:schemeClr>
+            </a:gs>
+            <a:gs pos="100000">
+              <a:schemeClr val="phClr">
+                <a:lumMod val="105000"/>
+                <a:satMod val="109000"/>
+                <a:tint val="81000"/>
+              </a:schemeClr>
+            </a:gs>
+          </a:gsLst>
+          <a:lin ang="5400000" scaled="0"/>
+        </a:gradFill>
+        <a:gradFill rotWithShape="1">
+          <a:gsLst>
+            <a:gs pos="0">
+              <a:schemeClr val="phClr">
+                <a:satMod val="103000"/>
+                <a:lumMod val="102000"/>
+                <a:tint val="94000"/>
+              </a:schemeClr>
+            </a:gs>
+            <a:gs pos="50000">
+              <a:schemeClr val="phClr">
+                <a:satMod val="110000"/>
+                <a:lumMod val="100000"/>
+                <a:shade val="100000"/>
+              </a:schemeClr>
+            </a:gs>
+            <a:gs pos="100000">
+              <a:schemeClr val="phClr">
+                <a:lumMod val="99000"/>
+                <a:satMod val="120000"/>
+                <a:shade val="78000"/>
+              </a:schemeClr>
+            </a:gs>
+          </a:gsLst>
+          <a:lin ang="5400000" scaled="0"/>
+        </a:gradFill>
+      </a:fillStyleLst>
+      <a:lnStyleLst>
+        <a:ln w="6350" cap="flat" cmpd="sng" algn="ctr">
+          <a:solidFill>
+            <a:schemeClr val="phClr"/>
+          </a:solidFill>
+          <a:prstDash val="solid"/>
+          <a:miter lim="800000"/>
+        </a:ln>
+        <a:ln w="12700" cap="flat" cmpd="sng" algn="ctr">
+          <a:solidFill>
+            <a:schemeClr val="phClr"/>
+          </a:solidFill>
+          <a:prstDash val="solid"/>
+          <a:miter lim="800000"/>
+        </a:ln>
+        <a:ln w="19050" cap="flat" cmpd="sng" algn="ctr">
+          <a:solidFill>
+            <a:schemeClr val="phClr"/>
+          </a:solidFill>
+          <a:prstDash val="solid"/>
+          <a:miter lim="800000"/>
+        </a:ln>
+      </a:lnStyleLst>
+      <a:effectStyleLst>
+        <a:effectStyle>
+          <a:effectLst/>
+        </a:effectStyle>
+        <a:effectStyle>
+          <a:effectLst/>
+        </a:effectStyle>
+        <a:effectStyle>
+          <a:effectLst>
+            <a:outerShdw blurRad="57150" dist="19050" dir="5400000" algn="ctr" rotWithShape="0">
+              <a:srgbClr val="000000">
+                <a:alpha val="63000"/>
+              </a:srgbClr>
+            </a:outerShdw>
+          </a:effectLst>
+        </a:effectStyle>
+      </a:effectStyleLst>
+      <a:bgFillStyleLst>
+        <a:solidFill>
+          <a:schemeClr val="phClr"/>
+        </a:solidFill>
+        <a:solidFill>
+          <a:schemeClr val="phClr">
+            <a:tint val="95000"/>
+            <a:satMod val="170000"/>
+          </a:schemeClr>
+        </a:solidFill>
+        <a:gradFill rotWithShape="1">
+          <a:gsLst>
+            <a:gs pos="0">
+              <a:schemeClr val="phClr">
+                <a:tint val="93000"/>
+                <a:satMod val="150000"/>
+                <a:shade val="98000"/>
+                <a:lumMod val="102000"/>
+              </a:schemeClr>
+            </a:gs>
+            <a:gs pos="50000">
+              <a:schemeClr val="phClr">
+                <a:tint val="98000"/>
+                <a:satMod val="130000"/>
+                <a:shade val="90000"/>
+                <a:lumMod val="103000"/>
+              </a:schemeClr>
+            </a:gs>
+            <a:gs pos="100000">
+              <a:schemeClr val="phClr">
+                <a:shade val="63000"/>
+                <a:satMod val="120000"/>
+              </a:schemeClr>
+            </a:gs>
+          </a:gsLst>
+          <a:lin ang="5400000" scaled="0"/>
+        </a:gradFill>
+      </a:bgFillStyleLst>
+    </a:fmtScheme>
+  </a:themeElements>
+  <a:objectDefaults/>
+  <a:extraClrSchemeLst/>
+  <a:extLst>
+    <a:ext uri="{05A4C25C-085E-4340-85A3-A5531E510DB2}">
+      <thm15:themeFamily xmlns:thm15="http://schemas.microsoft.com/office/thememl/2012/main" name="Office Theme" id="{62F939B6-93AF-4DB8-9C6B-D6C7DFDC589F}" vid="{4A3C46E8-61CC-4603-A589-7422A47A8E4A}"/>
+    </a:ext>
+  </a:extLst>
+</a:theme>
 </file>
 
-<file path=customXml/item2.xml><?xml version="1.0" encoding="utf-8"?>
+<file path=customXml/item1.xml><?xml version="1.0" encoding="utf-8"?>
 <ct:contentTypeSchema xmlns:ct="http://schemas.microsoft.com/office/2006/metadata/contentType" xmlns:ma="http://schemas.microsoft.com/office/2006/metadata/properties/metaAttributes" ct:_="" ma:_="" ma:contentTypeName="Document" ma:contentTypeID="0x010100C08F381963C77D44A6A91469D5845EE5" ma:contentTypeVersion="2" ma:contentTypeDescription="Create a new document." ma:contentTypeScope="" ma:versionID="66290b1f7725e443aa19cdb7b89371b7">
   <xsd:schema xmlns:xsd="http://www.w3.org/2001/XMLSchema" xmlns:xs="http://www.w3.org/2001/XMLSchema" xmlns:p="http://schemas.microsoft.com/office/2006/metadata/properties" xmlns:ns2="c58f79d2-8dd2-43f0-9a03-e1b9f874d667" targetNamespace="http://schemas.microsoft.com/office/2006/metadata/properties" ma:root="true" ma:fieldsID="27a8e9c299bda407fa38b12f0db042eb" ns2:_="">
     <xsd:import namespace="c58f79d2-8dd2-43f0-9a03-e1b9f874d667"/>
@@ -53298,21 +56011,22 @@
 </ct:contentTypeSchema>
 </file>
 
-<file path=customXml/item3.xml><?xml version="1.0" encoding="utf-8"?>
+<file path=customXml/item2.xml><?xml version="1.0" encoding="utf-8"?>
 <p:properties xmlns:p="http://schemas.microsoft.com/office/2006/metadata/properties" xmlns:xsi="http://www.w3.org/2001/XMLSchema-instance" xmlns:pc="http://schemas.microsoft.com/office/infopath/2007/PartnerControls">
   <documentManagement/>
 </p:properties>
 </file>
 
-<file path=customXml/itemProps1.xml><?xml version="1.0" encoding="utf-8"?>
-<ds:datastoreItem xmlns:ds="http://schemas.openxmlformats.org/officeDocument/2006/customXml" ds:itemID="{D98B8685-CAA3-4A1A-8397-DF9971695697}">
-  <ds:schemaRefs>
-    <ds:schemaRef ds:uri="http://schemas.microsoft.com/sharepoint/v3/contenttype/forms"/>
-  </ds:schemaRefs>
-</ds:datastoreItem>
+<file path=customXml/item3.xml><?xml version="1.0" encoding="utf-8"?>
+<?mso-contentType ?>
+<FormTemplates xmlns="http://schemas.microsoft.com/sharepoint/v3/contenttype/forms">
+  <Display>DocumentLibraryForm</Display>
+  <Edit>DocumentLibraryForm</Edit>
+  <New>DocumentLibraryForm</New>
+</FormTemplates>
 </file>
 
-<file path=customXml/itemProps2.xml><?xml version="1.0" encoding="utf-8"?>
+<file path=customXml/itemProps1.xml><?xml version="1.0" encoding="utf-8"?>
 <ds:datastoreItem xmlns:ds="http://schemas.openxmlformats.org/officeDocument/2006/customXml" ds:itemID="{AE30008B-22D1-4C3E-A0BE-5BCAFBE11F82}">
   <ds:schemaRefs>
     <ds:schemaRef ds:uri="http://schemas.microsoft.com/office/2006/metadata/contentType"/>
@@ -53330,7 +56044,7 @@
 </ds:datastoreItem>
 </file>
 
-<file path=customXml/itemProps3.xml><?xml version="1.0" encoding="utf-8"?>
+<file path=customXml/itemProps2.xml><?xml version="1.0" encoding="utf-8"?>
 <ds:datastoreItem xmlns:ds="http://schemas.openxmlformats.org/officeDocument/2006/customXml" ds:itemID="{89254BEE-C2AB-4E68-AA3E-3E2702671367}">
   <ds:schemaRefs>
     <ds:schemaRef ds:uri="http://purl.org/dc/terms/"/>
@@ -53344,4 +56058,12 @@
     <ds:schemaRef ds:uri="http://purl.org/dc/dcmitype/"/>
   </ds:schemaRefs>
 </ds:datastoreItem>
+</file>
+
+<file path=customXml/itemProps3.xml><?xml version="1.0" encoding="utf-8"?>
+<ds:datastoreItem xmlns:ds="http://schemas.openxmlformats.org/officeDocument/2006/customXml" ds:itemID="{D98B8685-CAA3-4A1A-8397-DF9971695697}">
+  <ds:schemaRefs>
+    <ds:schemaRef ds:uri="http://schemas.microsoft.com/sharepoint/v3/contenttype/forms"/>
+  </ds:schemaRefs>
+</ds:datastoreItem>
 </file>
--- a/Designing and Managing Azure Subscriptions.pptx
+++ b/Designing and Managing Azure Subscriptions.pptx
@@ -2,79 +2,78 @@
 <file path=ppt/presentation.xml><?xml version="1.0" encoding="utf-8"?>
 <p:presentation xmlns:a="http://schemas.openxmlformats.org/drawingml/2006/main" xmlns:r="http://schemas.openxmlformats.org/officeDocument/2006/relationships" xmlns:p="http://schemas.openxmlformats.org/presentationml/2006/main" saveSubsetFonts="1">
   <p:sldMasterIdLst>
-    <p:sldMasterId id="2147483704" r:id="rId4"/>
-    <p:sldMasterId id="2147483738" r:id="rId5"/>
+    <p:sldMasterId id="2147483738" r:id="rId4"/>
   </p:sldMasterIdLst>
   <p:notesMasterIdLst>
-    <p:notesMasterId r:id="rId69"/>
+    <p:notesMasterId r:id="rId68"/>
   </p:notesMasterIdLst>
   <p:handoutMasterIdLst>
-    <p:handoutMasterId r:id="rId70"/>
+    <p:handoutMasterId r:id="rId69"/>
   </p:handoutMasterIdLst>
   <p:sldIdLst>
-    <p:sldId id="281" r:id="rId6"/>
-    <p:sldId id="284" r:id="rId7"/>
-    <p:sldId id="283" r:id="rId8"/>
-    <p:sldId id="331" r:id="rId9"/>
-    <p:sldId id="317" r:id="rId10"/>
-    <p:sldId id="298" r:id="rId11"/>
-    <p:sldId id="294" r:id="rId12"/>
-    <p:sldId id="300" r:id="rId13"/>
-    <p:sldId id="385" r:id="rId14"/>
-    <p:sldId id="369" r:id="rId15"/>
-    <p:sldId id="370" r:id="rId16"/>
-    <p:sldId id="395" r:id="rId17"/>
-    <p:sldId id="366" r:id="rId18"/>
-    <p:sldId id="367" r:id="rId19"/>
-    <p:sldId id="368" r:id="rId20"/>
-    <p:sldId id="301" r:id="rId21"/>
-    <p:sldId id="400" r:id="rId22"/>
-    <p:sldId id="313" r:id="rId23"/>
-    <p:sldId id="312" r:id="rId24"/>
-    <p:sldId id="303" r:id="rId25"/>
-    <p:sldId id="304" r:id="rId26"/>
-    <p:sldId id="379" r:id="rId27"/>
-    <p:sldId id="316" r:id="rId28"/>
-    <p:sldId id="292" r:id="rId29"/>
-    <p:sldId id="380" r:id="rId30"/>
-    <p:sldId id="375" r:id="rId31"/>
-    <p:sldId id="374" r:id="rId32"/>
-    <p:sldId id="386" r:id="rId33"/>
-    <p:sldId id="387" r:id="rId34"/>
-    <p:sldId id="388" r:id="rId35"/>
-    <p:sldId id="389" r:id="rId36"/>
-    <p:sldId id="390" r:id="rId37"/>
-    <p:sldId id="337" r:id="rId38"/>
-    <p:sldId id="338" r:id="rId39"/>
-    <p:sldId id="377" r:id="rId40"/>
-    <p:sldId id="378" r:id="rId41"/>
-    <p:sldId id="340" r:id="rId42"/>
-    <p:sldId id="341" r:id="rId43"/>
-    <p:sldId id="342" r:id="rId44"/>
-    <p:sldId id="343" r:id="rId45"/>
-    <p:sldId id="344" r:id="rId46"/>
-    <p:sldId id="345" r:id="rId47"/>
-    <p:sldId id="346" r:id="rId48"/>
-    <p:sldId id="347" r:id="rId49"/>
-    <p:sldId id="348" r:id="rId50"/>
-    <p:sldId id="349" r:id="rId51"/>
-    <p:sldId id="350" r:id="rId52"/>
-    <p:sldId id="351" r:id="rId53"/>
-    <p:sldId id="352" r:id="rId54"/>
-    <p:sldId id="353" r:id="rId55"/>
-    <p:sldId id="354" r:id="rId56"/>
-    <p:sldId id="355" r:id="rId57"/>
-    <p:sldId id="356" r:id="rId58"/>
-    <p:sldId id="357" r:id="rId59"/>
-    <p:sldId id="358" r:id="rId60"/>
-    <p:sldId id="359" r:id="rId61"/>
-    <p:sldId id="360" r:id="rId62"/>
-    <p:sldId id="361" r:id="rId63"/>
-    <p:sldId id="362" r:id="rId64"/>
-    <p:sldId id="363" r:id="rId65"/>
-    <p:sldId id="287" r:id="rId66"/>
-    <p:sldId id="319" r:id="rId67"/>
-    <p:sldId id="320" r:id="rId68"/>
+    <p:sldId id="281" r:id="rId5"/>
+    <p:sldId id="284" r:id="rId6"/>
+    <p:sldId id="283" r:id="rId7"/>
+    <p:sldId id="331" r:id="rId8"/>
+    <p:sldId id="317" r:id="rId9"/>
+    <p:sldId id="298" r:id="rId10"/>
+    <p:sldId id="294" r:id="rId11"/>
+    <p:sldId id="300" r:id="rId12"/>
+    <p:sldId id="385" r:id="rId13"/>
+    <p:sldId id="369" r:id="rId14"/>
+    <p:sldId id="370" r:id="rId15"/>
+    <p:sldId id="395" r:id="rId16"/>
+    <p:sldId id="366" r:id="rId17"/>
+    <p:sldId id="367" r:id="rId18"/>
+    <p:sldId id="368" r:id="rId19"/>
+    <p:sldId id="301" r:id="rId20"/>
+    <p:sldId id="400" r:id="rId21"/>
+    <p:sldId id="313" r:id="rId22"/>
+    <p:sldId id="312" r:id="rId23"/>
+    <p:sldId id="303" r:id="rId24"/>
+    <p:sldId id="304" r:id="rId25"/>
+    <p:sldId id="379" r:id="rId26"/>
+    <p:sldId id="316" r:id="rId27"/>
+    <p:sldId id="292" r:id="rId28"/>
+    <p:sldId id="380" r:id="rId29"/>
+    <p:sldId id="375" r:id="rId30"/>
+    <p:sldId id="374" r:id="rId31"/>
+    <p:sldId id="386" r:id="rId32"/>
+    <p:sldId id="387" r:id="rId33"/>
+    <p:sldId id="388" r:id="rId34"/>
+    <p:sldId id="389" r:id="rId35"/>
+    <p:sldId id="390" r:id="rId36"/>
+    <p:sldId id="337" r:id="rId37"/>
+    <p:sldId id="338" r:id="rId38"/>
+    <p:sldId id="377" r:id="rId39"/>
+    <p:sldId id="378" r:id="rId40"/>
+    <p:sldId id="340" r:id="rId41"/>
+    <p:sldId id="341" r:id="rId42"/>
+    <p:sldId id="342" r:id="rId43"/>
+    <p:sldId id="343" r:id="rId44"/>
+    <p:sldId id="344" r:id="rId45"/>
+    <p:sldId id="345" r:id="rId46"/>
+    <p:sldId id="346" r:id="rId47"/>
+    <p:sldId id="347" r:id="rId48"/>
+    <p:sldId id="348" r:id="rId49"/>
+    <p:sldId id="349" r:id="rId50"/>
+    <p:sldId id="350" r:id="rId51"/>
+    <p:sldId id="351" r:id="rId52"/>
+    <p:sldId id="352" r:id="rId53"/>
+    <p:sldId id="353" r:id="rId54"/>
+    <p:sldId id="354" r:id="rId55"/>
+    <p:sldId id="355" r:id="rId56"/>
+    <p:sldId id="356" r:id="rId57"/>
+    <p:sldId id="357" r:id="rId58"/>
+    <p:sldId id="358" r:id="rId59"/>
+    <p:sldId id="359" r:id="rId60"/>
+    <p:sldId id="360" r:id="rId61"/>
+    <p:sldId id="361" r:id="rId62"/>
+    <p:sldId id="362" r:id="rId63"/>
+    <p:sldId id="363" r:id="rId64"/>
+    <p:sldId id="287" r:id="rId65"/>
+    <p:sldId id="319" r:id="rId66"/>
+    <p:sldId id="320" r:id="rId67"/>
   </p:sldIdLst>
   <p:sldSz cx="12192000" cy="6858000"/>
   <p:notesSz cx="6858000" cy="9144000"/>
@@ -4906,38 +4905,38 @@
   </dgm:ptLst>
   <dgm:cxnLst>
     <dgm:cxn modelId="{3B2A66A0-2D32-4255-8674-A9DD6D831E19}" srcId="{4D99B075-5B8D-41F0-B463-2391E4DAF5BD}" destId="{1CEDE794-719B-4E58-80F7-48946D6F4C39}" srcOrd="0" destOrd="0" parTransId="{E6B2A04F-1FBB-4F0E-8D11-C76E4E967A46}" sibTransId="{714E514D-C7F4-490F-87EC-E3771695FDF5}"/>
+    <dgm:cxn modelId="{0AAA31D9-55CA-4D86-80FA-50427296F34E}" srcId="{1CEDE794-719B-4E58-80F7-48946D6F4C39}" destId="{790DA81C-827F-49F3-B484-93867AA16FBF}" srcOrd="5" destOrd="0" parTransId="{BC59E756-AA71-4521-AE07-8DADE9EDFDB5}" sibTransId="{21717FCD-31BF-4820-9663-2B70FB1808B0}"/>
+    <dgm:cxn modelId="{8F3098E5-1678-4DA5-9A9C-78B3D0E0B0F8}" srcId="{1CEDE794-719B-4E58-80F7-48946D6F4C39}" destId="{815CA2D0-9F97-4AE0-B7DC-D7A26339BD12}" srcOrd="3" destOrd="0" parTransId="{5559E3AE-085A-40DF-A72F-64B167C2A21C}" sibTransId="{79D0E9CB-B192-40E8-99A8-5B66A3B55E22}"/>
+    <dgm:cxn modelId="{1CAD3395-6965-4892-B5E2-A84760532C60}" srcId="{1ED607FF-3661-425A-AF4F-60A73BEB2917}" destId="{DB766A19-E0AE-49E9-84FD-3C5ACA46A5AD}" srcOrd="1" destOrd="0" parTransId="{E5813D5C-5983-4B83-A28D-6480A253EFD1}" sibTransId="{CAC688FD-8C2E-43F5-8E33-FB2064EE5751}"/>
+    <dgm:cxn modelId="{358D56CD-180C-42C0-81C8-EAE9FD7DEFCC}" type="presOf" srcId="{8E311BFE-FEA8-40AA-94AA-C531718B3C19}" destId="{0A2A7896-0AED-4118-8FE5-55798E312CE8}" srcOrd="0" destOrd="0" presId="urn:microsoft.com/office/officeart/2005/8/layout/hList1"/>
+    <dgm:cxn modelId="{CC191964-0BBD-4F2E-B393-AA1E82A2AC99}" type="presOf" srcId="{DB766A19-E0AE-49E9-84FD-3C5ACA46A5AD}" destId="{39243CDD-24B6-43FE-91F8-C6FA1DF5F73B}" srcOrd="0" destOrd="1" presId="urn:microsoft.com/office/officeart/2005/8/layout/hList1"/>
+    <dgm:cxn modelId="{C311A6C2-6F77-4DD7-AFFA-44A57AA556FE}" srcId="{8E311BFE-FEA8-40AA-94AA-C531718B3C19}" destId="{B62F930F-0EB8-4AF6-BDBD-A3BB9B2D50F0}" srcOrd="1" destOrd="0" parTransId="{9B4C9B65-9AB5-422A-8435-CE4A9D2F329C}" sibTransId="{1DACF60F-8840-40E2-95A2-10739A847260}"/>
+    <dgm:cxn modelId="{4A96B0CE-25AC-4674-A4E3-167B3BAA1E0D}" type="presOf" srcId="{790DA81C-827F-49F3-B484-93867AA16FBF}" destId="{EA3CD924-AA8D-4D40-801C-2CE03896AA08}" srcOrd="0" destOrd="5" presId="urn:microsoft.com/office/officeart/2005/8/layout/hList1"/>
+    <dgm:cxn modelId="{019A10A4-C311-449E-98E0-6610C9C23FC7}" type="presOf" srcId="{07E516CC-E9E1-4692-A8CB-F52FBA9C761A}" destId="{F4A56BDE-BD38-478E-8D2B-7EA702532799}" srcOrd="0" destOrd="0" presId="urn:microsoft.com/office/officeart/2005/8/layout/hList1"/>
+    <dgm:cxn modelId="{CAEB2122-24C6-4C04-9B66-BE264E9F76F8}" type="presOf" srcId="{B04F25B9-E07B-4DB5-8E65-DE78A8B468CE}" destId="{EA3CD924-AA8D-4D40-801C-2CE03896AA08}" srcOrd="0" destOrd="1" presId="urn:microsoft.com/office/officeart/2005/8/layout/hList1"/>
+    <dgm:cxn modelId="{E2D07DED-C8F4-43C4-91B2-CF06C8709043}" srcId="{1ED607FF-3661-425A-AF4F-60A73BEB2917}" destId="{CB9FB6F4-C873-40AE-93FD-447C34F4F608}" srcOrd="0" destOrd="0" parTransId="{A1133099-BA20-41F6-BF63-B27632B83B87}" sibTransId="{DA3A5BAC-2761-4922-A3F8-8071B2C32422}"/>
     <dgm:cxn modelId="{486C4677-DBC2-4883-8193-AB2528E35C78}" type="presOf" srcId="{815CA2D0-9F97-4AE0-B7DC-D7A26339BD12}" destId="{EA3CD924-AA8D-4D40-801C-2CE03896AA08}" srcOrd="0" destOrd="3" presId="urn:microsoft.com/office/officeart/2005/8/layout/hList1"/>
+    <dgm:cxn modelId="{B66EE2A1-2E3E-4E05-BF33-59B39762F6B8}" type="presOf" srcId="{9FF610F0-8163-4E50-845C-D03669A1C672}" destId="{F4A56BDE-BD38-478E-8D2B-7EA702532799}" srcOrd="0" destOrd="2" presId="urn:microsoft.com/office/officeart/2005/8/layout/hList1"/>
+    <dgm:cxn modelId="{7EBEEDD6-24B4-425A-A947-B4EA5AA2CB79}" type="presOf" srcId="{47FB3728-AA32-4818-9AF0-0E3769526CA9}" destId="{EA3CD924-AA8D-4D40-801C-2CE03896AA08}" srcOrd="0" destOrd="7" presId="urn:microsoft.com/office/officeart/2005/8/layout/hList1"/>
+    <dgm:cxn modelId="{85A50305-AF3C-4F0D-A180-BC83C6101C0B}" srcId="{1CEDE794-719B-4E58-80F7-48946D6F4C39}" destId="{6CA302D5-E71C-4B07-A956-A87A48FBE11E}" srcOrd="4" destOrd="0" parTransId="{9A06DA32-4724-4F0D-9CD5-32EBD2C1BE74}" sibTransId="{2BC4B70D-FAE0-4743-9365-421574CB135A}"/>
+    <dgm:cxn modelId="{58B0588E-6BFA-41C6-AAC3-AD1EE63F1DF7}" srcId="{4D99B075-5B8D-41F0-B463-2391E4DAF5BD}" destId="{1ED607FF-3661-425A-AF4F-60A73BEB2917}" srcOrd="1" destOrd="0" parTransId="{6A97A7A7-2E1B-4B7D-8B28-3C6A62AE2A0F}" sibTransId="{AD29A381-936A-49C0-8401-9FAD2DC7DF61}"/>
+    <dgm:cxn modelId="{8B4B8FEC-3F34-49A7-9B98-21C56333C94B}" srcId="{1CEDE794-719B-4E58-80F7-48946D6F4C39}" destId="{F3EC264E-870D-488D-88C1-CFC5E4C109AE}" srcOrd="6" destOrd="0" parTransId="{DF7564D6-E85F-4611-9CAA-3658A84D7A0F}" sibTransId="{863491DB-1946-42D7-8EF6-2CCB6DFAB983}"/>
+    <dgm:cxn modelId="{12A91E2E-7633-4DB0-884C-9AC7796A22DE}" srcId="{4D99B075-5B8D-41F0-B463-2391E4DAF5BD}" destId="{8E311BFE-FEA8-40AA-94AA-C531718B3C19}" srcOrd="2" destOrd="0" parTransId="{BEE7A90B-3BA5-489E-B4A6-38893BCD316A}" sibTransId="{5AA8B9C9-042C-4A12-9907-69FA09412143}"/>
+    <dgm:cxn modelId="{E1FC8BD9-C7CD-4DD7-8EC4-14CE65DAA5A5}" type="presOf" srcId="{1ED607FF-3661-425A-AF4F-60A73BEB2917}" destId="{7A18D30B-EFAB-4DDD-BDBA-F0EFFC0400F4}" srcOrd="0" destOrd="0" presId="urn:microsoft.com/office/officeart/2005/8/layout/hList1"/>
+    <dgm:cxn modelId="{1C3449AC-A28D-4F0D-ADFC-40DA9F8A2E54}" type="presOf" srcId="{7C9FE737-C85F-44D1-95F4-73F1A915E28F}" destId="{EA3CD924-AA8D-4D40-801C-2CE03896AA08}" srcOrd="0" destOrd="2" presId="urn:microsoft.com/office/officeart/2005/8/layout/hList1"/>
+    <dgm:cxn modelId="{C12E7C47-BD92-442A-9FCF-BB2DA309ADE2}" srcId="{8E311BFE-FEA8-40AA-94AA-C531718B3C19}" destId="{9FF610F0-8163-4E50-845C-D03669A1C672}" srcOrd="2" destOrd="0" parTransId="{AB59D3B1-DC7B-4B8F-B38E-5A19B6B9515E}" sibTransId="{EE4766AD-C96B-430C-9E65-FB437C5EBE8A}"/>
+    <dgm:cxn modelId="{FEC3A669-C5E7-4732-BF61-BF3F1D15BBEA}" srcId="{8E311BFE-FEA8-40AA-94AA-C531718B3C19}" destId="{07E516CC-E9E1-4692-A8CB-F52FBA9C761A}" srcOrd="0" destOrd="0" parTransId="{85D438C4-9C01-419B-8D65-B0114E3438BC}" sibTransId="{45C1FDB9-0E70-4932-848D-C5F2983BCF7A}"/>
+    <dgm:cxn modelId="{99BFCDB6-6749-4F06-8672-60F0BD61F889}" type="presOf" srcId="{6CA302D5-E71C-4B07-A956-A87A48FBE11E}" destId="{EA3CD924-AA8D-4D40-801C-2CE03896AA08}" srcOrd="0" destOrd="4" presId="urn:microsoft.com/office/officeart/2005/8/layout/hList1"/>
+    <dgm:cxn modelId="{B2EE5084-3141-4094-8FF7-7C550013DA43}" type="presOf" srcId="{F3EC264E-870D-488D-88C1-CFC5E4C109AE}" destId="{EA3CD924-AA8D-4D40-801C-2CE03896AA08}" srcOrd="0" destOrd="6" presId="urn:microsoft.com/office/officeart/2005/8/layout/hList1"/>
+    <dgm:cxn modelId="{1124A44A-0CC2-41D4-A995-FE5FCFD5D238}" srcId="{1CEDE794-719B-4E58-80F7-48946D6F4C39}" destId="{7C9FE737-C85F-44D1-95F4-73F1A915E28F}" srcOrd="2" destOrd="0" parTransId="{CFCB3D5D-58E7-4444-AB17-ACD046B9494F}" sibTransId="{4902581D-0D57-407A-A2E6-2A5B546BE130}"/>
+    <dgm:cxn modelId="{BC313005-6D08-4455-BB47-39907BB03881}" srcId="{1CEDE794-719B-4E58-80F7-48946D6F4C39}" destId="{47FB3728-AA32-4818-9AF0-0E3769526CA9}" srcOrd="7" destOrd="0" parTransId="{6AD6215E-47D8-4FFF-A4C2-9E91C60029A0}" sibTransId="{A8CFC310-3273-4CFC-90A8-B6F6DC85158E}"/>
+    <dgm:cxn modelId="{6D0E1069-EC92-4D92-998B-B464A2A61462}" type="presOf" srcId="{CB9FB6F4-C873-40AE-93FD-447C34F4F608}" destId="{39243CDD-24B6-43FE-91F8-C6FA1DF5F73B}" srcOrd="0" destOrd="0" presId="urn:microsoft.com/office/officeart/2005/8/layout/hList1"/>
+    <dgm:cxn modelId="{987D84AC-1995-46C2-AB6D-70C7D1C6D0E8}" type="presOf" srcId="{4D99B075-5B8D-41F0-B463-2391E4DAF5BD}" destId="{6853CB78-8BDB-4B63-81EA-4F520D881C0F}" srcOrd="0" destOrd="0" presId="urn:microsoft.com/office/officeart/2005/8/layout/hList1"/>
     <dgm:cxn modelId="{5ABD5F7F-01B3-4789-9C85-980185F4605C}" type="presOf" srcId="{1CEDE794-719B-4E58-80F7-48946D6F4C39}" destId="{179A36A7-8940-4968-A15E-8BA9BFD2EADA}" srcOrd="0" destOrd="0" presId="urn:microsoft.com/office/officeart/2005/8/layout/hList1"/>
-    <dgm:cxn modelId="{987D84AC-1995-46C2-AB6D-70C7D1C6D0E8}" type="presOf" srcId="{4D99B075-5B8D-41F0-B463-2391E4DAF5BD}" destId="{6853CB78-8BDB-4B63-81EA-4F520D881C0F}" srcOrd="0" destOrd="0" presId="urn:microsoft.com/office/officeart/2005/8/layout/hList1"/>
-    <dgm:cxn modelId="{85A50305-AF3C-4F0D-A180-BC83C6101C0B}" srcId="{1CEDE794-719B-4E58-80F7-48946D6F4C39}" destId="{6CA302D5-E71C-4B07-A956-A87A48FBE11E}" srcOrd="4" destOrd="0" parTransId="{9A06DA32-4724-4F0D-9CD5-32EBD2C1BE74}" sibTransId="{2BC4B70D-FAE0-4743-9365-421574CB135A}"/>
-    <dgm:cxn modelId="{BC313005-6D08-4455-BB47-39907BB03881}" srcId="{1CEDE794-719B-4E58-80F7-48946D6F4C39}" destId="{47FB3728-AA32-4818-9AF0-0E3769526CA9}" srcOrd="7" destOrd="0" parTransId="{6AD6215E-47D8-4FFF-A4C2-9E91C60029A0}" sibTransId="{A8CFC310-3273-4CFC-90A8-B6F6DC85158E}"/>
-    <dgm:cxn modelId="{358D56CD-180C-42C0-81C8-EAE9FD7DEFCC}" type="presOf" srcId="{8E311BFE-FEA8-40AA-94AA-C531718B3C19}" destId="{0A2A7896-0AED-4118-8FE5-55798E312CE8}" srcOrd="0" destOrd="0" presId="urn:microsoft.com/office/officeart/2005/8/layout/hList1"/>
-    <dgm:cxn modelId="{4A96B0CE-25AC-4674-A4E3-167B3BAA1E0D}" type="presOf" srcId="{790DA81C-827F-49F3-B484-93867AA16FBF}" destId="{EA3CD924-AA8D-4D40-801C-2CE03896AA08}" srcOrd="0" destOrd="5" presId="urn:microsoft.com/office/officeart/2005/8/layout/hList1"/>
-    <dgm:cxn modelId="{99BFCDB6-6749-4F06-8672-60F0BD61F889}" type="presOf" srcId="{6CA302D5-E71C-4B07-A956-A87A48FBE11E}" destId="{EA3CD924-AA8D-4D40-801C-2CE03896AA08}" srcOrd="0" destOrd="4" presId="urn:microsoft.com/office/officeart/2005/8/layout/hList1"/>
-    <dgm:cxn modelId="{FEC3A669-C5E7-4732-BF61-BF3F1D15BBEA}" srcId="{8E311BFE-FEA8-40AA-94AA-C531718B3C19}" destId="{07E516CC-E9E1-4692-A8CB-F52FBA9C761A}" srcOrd="0" destOrd="0" parTransId="{85D438C4-9C01-419B-8D65-B0114E3438BC}" sibTransId="{45C1FDB9-0E70-4932-848D-C5F2983BCF7A}"/>
-    <dgm:cxn modelId="{CC191964-0BBD-4F2E-B393-AA1E82A2AC99}" type="presOf" srcId="{DB766A19-E0AE-49E9-84FD-3C5ACA46A5AD}" destId="{39243CDD-24B6-43FE-91F8-C6FA1DF5F73B}" srcOrd="0" destOrd="1" presId="urn:microsoft.com/office/officeart/2005/8/layout/hList1"/>
-    <dgm:cxn modelId="{1C3449AC-A28D-4F0D-ADFC-40DA9F8A2E54}" type="presOf" srcId="{7C9FE737-C85F-44D1-95F4-73F1A915E28F}" destId="{EA3CD924-AA8D-4D40-801C-2CE03896AA08}" srcOrd="0" destOrd="2" presId="urn:microsoft.com/office/officeart/2005/8/layout/hList1"/>
-    <dgm:cxn modelId="{CAEB2122-24C6-4C04-9B66-BE264E9F76F8}" type="presOf" srcId="{B04F25B9-E07B-4DB5-8E65-DE78A8B468CE}" destId="{EA3CD924-AA8D-4D40-801C-2CE03896AA08}" srcOrd="0" destOrd="1" presId="urn:microsoft.com/office/officeart/2005/8/layout/hList1"/>
-    <dgm:cxn modelId="{8F3098E5-1678-4DA5-9A9C-78B3D0E0B0F8}" srcId="{1CEDE794-719B-4E58-80F7-48946D6F4C39}" destId="{815CA2D0-9F97-4AE0-B7DC-D7A26339BD12}" srcOrd="3" destOrd="0" parTransId="{5559E3AE-085A-40DF-A72F-64B167C2A21C}" sibTransId="{79D0E9CB-B192-40E8-99A8-5B66A3B55E22}"/>
-    <dgm:cxn modelId="{8B4B8FEC-3F34-49A7-9B98-21C56333C94B}" srcId="{1CEDE794-719B-4E58-80F7-48946D6F4C39}" destId="{F3EC264E-870D-488D-88C1-CFC5E4C109AE}" srcOrd="6" destOrd="0" parTransId="{DF7564D6-E85F-4611-9CAA-3658A84D7A0F}" sibTransId="{863491DB-1946-42D7-8EF6-2CCB6DFAB983}"/>
-    <dgm:cxn modelId="{019A10A4-C311-449E-98E0-6610C9C23FC7}" type="presOf" srcId="{07E516CC-E9E1-4692-A8CB-F52FBA9C761A}" destId="{F4A56BDE-BD38-478E-8D2B-7EA702532799}" srcOrd="0" destOrd="0" presId="urn:microsoft.com/office/officeart/2005/8/layout/hList1"/>
-    <dgm:cxn modelId="{E2D07DED-C8F4-43C4-91B2-CF06C8709043}" srcId="{1ED607FF-3661-425A-AF4F-60A73BEB2917}" destId="{CB9FB6F4-C873-40AE-93FD-447C34F4F608}" srcOrd="0" destOrd="0" parTransId="{A1133099-BA20-41F6-BF63-B27632B83B87}" sibTransId="{DA3A5BAC-2761-4922-A3F8-8071B2C32422}"/>
-    <dgm:cxn modelId="{C311A6C2-6F77-4DD7-AFFA-44A57AA556FE}" srcId="{8E311BFE-FEA8-40AA-94AA-C531718B3C19}" destId="{B62F930F-0EB8-4AF6-BDBD-A3BB9B2D50F0}" srcOrd="1" destOrd="0" parTransId="{9B4C9B65-9AB5-422A-8435-CE4A9D2F329C}" sibTransId="{1DACF60F-8840-40E2-95A2-10739A847260}"/>
-    <dgm:cxn modelId="{0AAA31D9-55CA-4D86-80FA-50427296F34E}" srcId="{1CEDE794-719B-4E58-80F7-48946D6F4C39}" destId="{790DA81C-827F-49F3-B484-93867AA16FBF}" srcOrd="5" destOrd="0" parTransId="{BC59E756-AA71-4521-AE07-8DADE9EDFDB5}" sibTransId="{21717FCD-31BF-4820-9663-2B70FB1808B0}"/>
-    <dgm:cxn modelId="{7EBEEDD6-24B4-425A-A947-B4EA5AA2CB79}" type="presOf" srcId="{47FB3728-AA32-4818-9AF0-0E3769526CA9}" destId="{EA3CD924-AA8D-4D40-801C-2CE03896AA08}" srcOrd="0" destOrd="7" presId="urn:microsoft.com/office/officeart/2005/8/layout/hList1"/>
-    <dgm:cxn modelId="{58B0588E-6BFA-41C6-AAC3-AD1EE63F1DF7}" srcId="{4D99B075-5B8D-41F0-B463-2391E4DAF5BD}" destId="{1ED607FF-3661-425A-AF4F-60A73BEB2917}" srcOrd="1" destOrd="0" parTransId="{6A97A7A7-2E1B-4B7D-8B28-3C6A62AE2A0F}" sibTransId="{AD29A381-936A-49C0-8401-9FAD2DC7DF61}"/>
+    <dgm:cxn modelId="{437A6FC3-D84C-40A2-A019-B9F212B0774B}" srcId="{1CEDE794-719B-4E58-80F7-48946D6F4C39}" destId="{C47E1CBB-7813-44F4-B3D8-17FA20E63B3F}" srcOrd="0" destOrd="0" parTransId="{EA9BB675-0845-4246-A6FC-C09C9340CDB2}" sibTransId="{D825F73A-BC15-4801-B277-CE084C864DD4}"/>
     <dgm:cxn modelId="{BB8F22F7-D8B3-49A0-80DD-37EFEAF14379}" type="presOf" srcId="{B62F930F-0EB8-4AF6-BDBD-A3BB9B2D50F0}" destId="{F4A56BDE-BD38-478E-8D2B-7EA702532799}" srcOrd="0" destOrd="1" presId="urn:microsoft.com/office/officeart/2005/8/layout/hList1"/>
+    <dgm:cxn modelId="{B68B5B9F-BE4F-4C4F-AA7F-E64EE2901F6E}" type="presOf" srcId="{C47E1CBB-7813-44F4-B3D8-17FA20E63B3F}" destId="{EA3CD924-AA8D-4D40-801C-2CE03896AA08}" srcOrd="0" destOrd="0" presId="urn:microsoft.com/office/officeart/2005/8/layout/hList1"/>
     <dgm:cxn modelId="{EA008D61-617C-4D4B-860F-B6A3F4136286}" srcId="{1CEDE794-719B-4E58-80F7-48946D6F4C39}" destId="{B04F25B9-E07B-4DB5-8E65-DE78A8B468CE}" srcOrd="1" destOrd="0" parTransId="{27B7B590-88F9-413B-840F-C670DF8F88FD}" sibTransId="{E44F76D6-6930-4A58-8B13-114643E19C2A}"/>
-    <dgm:cxn modelId="{C12E7C47-BD92-442A-9FCF-BB2DA309ADE2}" srcId="{8E311BFE-FEA8-40AA-94AA-C531718B3C19}" destId="{9FF610F0-8163-4E50-845C-D03669A1C672}" srcOrd="2" destOrd="0" parTransId="{AB59D3B1-DC7B-4B8F-B38E-5A19B6B9515E}" sibTransId="{EE4766AD-C96B-430C-9E65-FB437C5EBE8A}"/>
-    <dgm:cxn modelId="{1CAD3395-6965-4892-B5E2-A84760532C60}" srcId="{1ED607FF-3661-425A-AF4F-60A73BEB2917}" destId="{DB766A19-E0AE-49E9-84FD-3C5ACA46A5AD}" srcOrd="1" destOrd="0" parTransId="{E5813D5C-5983-4B83-A28D-6480A253EFD1}" sibTransId="{CAC688FD-8C2E-43F5-8E33-FB2064EE5751}"/>
-    <dgm:cxn modelId="{437A6FC3-D84C-40A2-A019-B9F212B0774B}" srcId="{1CEDE794-719B-4E58-80F7-48946D6F4C39}" destId="{C47E1CBB-7813-44F4-B3D8-17FA20E63B3F}" srcOrd="0" destOrd="0" parTransId="{EA9BB675-0845-4246-A6FC-C09C9340CDB2}" sibTransId="{D825F73A-BC15-4801-B277-CE084C864DD4}"/>
-    <dgm:cxn modelId="{B66EE2A1-2E3E-4E05-BF33-59B39762F6B8}" type="presOf" srcId="{9FF610F0-8163-4E50-845C-D03669A1C672}" destId="{F4A56BDE-BD38-478E-8D2B-7EA702532799}" srcOrd="0" destOrd="2" presId="urn:microsoft.com/office/officeart/2005/8/layout/hList1"/>
-    <dgm:cxn modelId="{B68B5B9F-BE4F-4C4F-AA7F-E64EE2901F6E}" type="presOf" srcId="{C47E1CBB-7813-44F4-B3D8-17FA20E63B3F}" destId="{EA3CD924-AA8D-4D40-801C-2CE03896AA08}" srcOrd="0" destOrd="0" presId="urn:microsoft.com/office/officeart/2005/8/layout/hList1"/>
-    <dgm:cxn modelId="{6D0E1069-EC92-4D92-998B-B464A2A61462}" type="presOf" srcId="{CB9FB6F4-C873-40AE-93FD-447C34F4F608}" destId="{39243CDD-24B6-43FE-91F8-C6FA1DF5F73B}" srcOrd="0" destOrd="0" presId="urn:microsoft.com/office/officeart/2005/8/layout/hList1"/>
-    <dgm:cxn modelId="{E1FC8BD9-C7CD-4DD7-8EC4-14CE65DAA5A5}" type="presOf" srcId="{1ED607FF-3661-425A-AF4F-60A73BEB2917}" destId="{7A18D30B-EFAB-4DDD-BDBA-F0EFFC0400F4}" srcOrd="0" destOrd="0" presId="urn:microsoft.com/office/officeart/2005/8/layout/hList1"/>
-    <dgm:cxn modelId="{12A91E2E-7633-4DB0-884C-9AC7796A22DE}" srcId="{4D99B075-5B8D-41F0-B463-2391E4DAF5BD}" destId="{8E311BFE-FEA8-40AA-94AA-C531718B3C19}" srcOrd="2" destOrd="0" parTransId="{BEE7A90B-3BA5-489E-B4A6-38893BCD316A}" sibTransId="{5AA8B9C9-042C-4A12-9907-69FA09412143}"/>
-    <dgm:cxn modelId="{1124A44A-0CC2-41D4-A995-FE5FCFD5D238}" srcId="{1CEDE794-719B-4E58-80F7-48946D6F4C39}" destId="{7C9FE737-C85F-44D1-95F4-73F1A915E28F}" srcOrd="2" destOrd="0" parTransId="{CFCB3D5D-58E7-4444-AB17-ACD046B9494F}" sibTransId="{4902581D-0D57-407A-A2E6-2A5B546BE130}"/>
-    <dgm:cxn modelId="{B2EE5084-3141-4094-8FF7-7C550013DA43}" type="presOf" srcId="{F3EC264E-870D-488D-88C1-CFC5E4C109AE}" destId="{EA3CD924-AA8D-4D40-801C-2CE03896AA08}" srcOrd="0" destOrd="6" presId="urn:microsoft.com/office/officeart/2005/8/layout/hList1"/>
     <dgm:cxn modelId="{BBEA0F7F-B49A-4752-A2FD-358ADCD95328}" type="presParOf" srcId="{6853CB78-8BDB-4B63-81EA-4F520D881C0F}" destId="{30A9E795-98B0-44B0-919A-C881F858632B}" srcOrd="0" destOrd="0" presId="urn:microsoft.com/office/officeart/2005/8/layout/hList1"/>
     <dgm:cxn modelId="{132F3788-31F2-43E0-8D56-BD5D38667E58}" type="presParOf" srcId="{30A9E795-98B0-44B0-919A-C881F858632B}" destId="{179A36A7-8940-4968-A15E-8BA9BFD2EADA}" srcOrd="0" destOrd="0" presId="urn:microsoft.com/office/officeart/2005/8/layout/hList1"/>
     <dgm:cxn modelId="{4DBBFE47-2C6D-412A-8599-0DC8D4868E62}" type="presParOf" srcId="{30A9E795-98B0-44B0-919A-C881F858632B}" destId="{EA3CD924-AA8D-4D40-801C-2CE03896AA08}" srcOrd="1" destOrd="0" presId="urn:microsoft.com/office/officeart/2005/8/layout/hList1"/>
@@ -14697,7 +14696,7 @@
           <a:p>
             <a:fld id="{08785AD7-566F-4C71-A877-61487786B932}" type="datetimeFigureOut">
               <a:rPr lang="en-US" smtClean="0"/>
-              <a:t>7/5/2016</a:t>
+              <a:t>7/6/2016</a:t>
             </a:fld>
             <a:endParaRPr lang="en-US" dirty="0"/>
           </a:p>
@@ -14862,7 +14861,7 @@
           <a:p>
             <a:fld id="{3AC152BB-29D3-4366-9432-ADC86E136C03}" type="datetimeFigureOut">
               <a:rPr lang="en-US" smtClean="0"/>
-              <a:t>7/5/2016</a:t>
+              <a:t>7/6/2016</a:t>
             </a:fld>
             <a:endParaRPr lang="en-US" dirty="0"/>
           </a:p>
@@ -15667,7 +15666,7 @@
           <a:p>
             <a:fld id="{38EEC551-8CDA-4EB6-89BB-2A86C9F091C8}" type="datetime8">
               <a:rPr lang="en-US" smtClean="0"/>
-              <a:t>7/5/2016 12:00 PM</a:t>
+              <a:t>7/6/2016 4:27 PM</a:t>
             </a:fld>
             <a:endParaRPr lang="en-US" dirty="0"/>
           </a:p>
@@ -16480,7 +16479,7 @@
           <a:p>
             <a:fld id="{38EEC551-8CDA-4EB6-89BB-2A86C9F091C8}" type="datetime8">
               <a:rPr lang="en-US" smtClean="0"/>
-              <a:t>7/5/2016 12:00 PM</a:t>
+              <a:t>7/6/2016 4:27 PM</a:t>
             </a:fld>
             <a:endParaRPr lang="en-US" dirty="0"/>
           </a:p>
@@ -16665,7 +16664,7 @@
           <a:p>
             <a:fld id="{38EEC551-8CDA-4EB6-89BB-2A86C9F091C8}" type="datetime8">
               <a:rPr lang="en-US" smtClean="0"/>
-              <a:t>7/5/2016 12:00 PM</a:t>
+              <a:t>7/6/2016 4:27 PM</a:t>
             </a:fld>
             <a:endParaRPr lang="en-US" dirty="0"/>
           </a:p>
@@ -16853,7 +16852,7 @@
             <a:fld id="{D51B1278-D92B-4AF3-A9C1-71DD298190CE}" type="datetimeFigureOut">
               <a:rPr lang="en-US" smtClean="0"/>
               <a:pPr/>
-              <a:t>7/5/2016</a:t>
+              <a:t>7/6/2016</a:t>
             </a:fld>
             <a:endParaRPr lang="en-US" dirty="0"/>
           </a:p>
@@ -17052,7 +17051,7 @@
             <a:fld id="{D51B1278-D92B-4AF3-A9C1-71DD298190CE}" type="datetimeFigureOut">
               <a:rPr lang="en-US" smtClean="0"/>
               <a:pPr/>
-              <a:t>7/5/2016</a:t>
+              <a:t>7/6/2016</a:t>
             </a:fld>
             <a:endParaRPr lang="en-US" dirty="0"/>
           </a:p>
@@ -17337,7 +17336,7 @@
           <a:p>
             <a:fld id="{7D10C09F-FCA1-48C8-B40D-42E1045D109E}" type="datetime8">
               <a:rPr lang="en-US" smtClean="0"/>
-              <a:t>7/5/2016 12:00 PM</a:t>
+              <a:t>7/6/2016 4:27 PM</a:t>
             </a:fld>
             <a:endParaRPr lang="en-US" dirty="0"/>
           </a:p>
@@ -17518,7 +17517,7 @@
           <a:p>
             <a:fld id="{38EEC551-8CDA-4EB6-89BB-2A86C9F091C8}" type="datetime8">
               <a:rPr lang="en-US" smtClean="0"/>
-              <a:t>7/5/2016 12:00 PM</a:t>
+              <a:t>7/6/2016 4:27 PM</a:t>
             </a:fld>
             <a:endParaRPr lang="en-US" dirty="0"/>
           </a:p>
@@ -17706,7 +17705,7 @@
             <a:fld id="{D51B1278-D92B-4AF3-A9C1-71DD298190CE}" type="datetimeFigureOut">
               <a:rPr lang="en-US" smtClean="0"/>
               <a:pPr/>
-              <a:t>7/5/2016</a:t>
+              <a:t>7/6/2016</a:t>
             </a:fld>
             <a:endParaRPr lang="en-US" dirty="0"/>
           </a:p>
@@ -17919,7 +17918,7 @@
           <a:p>
             <a:fld id="{38EEC551-8CDA-4EB6-89BB-2A86C9F091C8}" type="datetime8">
               <a:rPr lang="en-US" smtClean="0"/>
-              <a:t>7/5/2016 12:00 PM</a:t>
+              <a:t>7/6/2016 4:27 PM</a:t>
             </a:fld>
             <a:endParaRPr lang="en-US" dirty="0"/>
           </a:p>
@@ -18100,7 +18099,7 @@
           <a:p>
             <a:fld id="{38EEC551-8CDA-4EB6-89BB-2A86C9F091C8}" type="datetime8">
               <a:rPr lang="en-US" smtClean="0"/>
-              <a:t>7/5/2016 12:00 PM</a:t>
+              <a:t>7/6/2016 4:27 PM</a:t>
             </a:fld>
             <a:endParaRPr lang="en-US" dirty="0"/>
           </a:p>
@@ -18333,7 +18332,7 @@
           <a:p>
             <a:fld id="{38EEC551-8CDA-4EB6-89BB-2A86C9F091C8}" type="datetime8">
               <a:rPr lang="en-US" smtClean="0"/>
-              <a:t>7/5/2016 12:00 PM</a:t>
+              <a:t>7/6/2016 4:27 PM</a:t>
             </a:fld>
             <a:endParaRPr lang="en-US" dirty="0"/>
           </a:p>
@@ -18541,7 +18540,7 @@
           <a:p>
             <a:fld id="{38EEC551-8CDA-4EB6-89BB-2A86C9F091C8}" type="datetime8">
               <a:rPr lang="en-US" smtClean="0"/>
-              <a:t>7/5/2016 12:00 PM</a:t>
+              <a:t>7/6/2016 4:27 PM</a:t>
             </a:fld>
             <a:endParaRPr lang="en-US" dirty="0"/>
           </a:p>
@@ -18745,7 +18744,7 @@
           <a:p>
             <a:fld id="{38EEC551-8CDA-4EB6-89BB-2A86C9F091C8}" type="datetime8">
               <a:rPr lang="en-US" smtClean="0"/>
-              <a:t>7/5/2016 12:00 PM</a:t>
+              <a:t>7/6/2016 4:27 PM</a:t>
             </a:fld>
             <a:endParaRPr lang="en-US" dirty="0"/>
           </a:p>
@@ -18940,7 +18939,7 @@
           <a:p>
             <a:fld id="{38EEC551-8CDA-4EB6-89BB-2A86C9F091C8}" type="datetime8">
               <a:rPr lang="en-US" smtClean="0"/>
-              <a:t>7/5/2016 12:00 PM</a:t>
+              <a:t>7/6/2016 4:27 PM</a:t>
             </a:fld>
             <a:endParaRPr lang="en-US" dirty="0"/>
           </a:p>
@@ -19138,7 +19137,7 @@
           <a:p>
             <a:fld id="{38EEC551-8CDA-4EB6-89BB-2A86C9F091C8}" type="datetime8">
               <a:rPr lang="en-US" smtClean="0"/>
-              <a:t>7/5/2016 12:00 PM</a:t>
+              <a:t>7/6/2016 4:27 PM</a:t>
             </a:fld>
             <a:endParaRPr lang="en-US" dirty="0"/>
           </a:p>
@@ -19616,7 +19615,7 @@
           <a:p>
             <a:fld id="{38EEC551-8CDA-4EB6-89BB-2A86C9F091C8}" type="datetime8">
               <a:rPr lang="en-US" smtClean="0"/>
-              <a:t>7/5/2016 12:00 PM</a:t>
+              <a:t>7/6/2016 4:27 PM</a:t>
             </a:fld>
             <a:endParaRPr lang="en-US" dirty="0"/>
           </a:p>
@@ -19808,7 +19807,7 @@
           <a:p>
             <a:fld id="{38EEC551-8CDA-4EB6-89BB-2A86C9F091C8}" type="datetime8">
               <a:rPr lang="en-US" smtClean="0"/>
-              <a:t>7/5/2016 12:00 PM</a:t>
+              <a:t>7/6/2016 4:27 PM</a:t>
             </a:fld>
             <a:endParaRPr lang="en-US" dirty="0"/>
           </a:p>
@@ -20000,7 +19999,7 @@
           <a:p>
             <a:fld id="{38EEC551-8CDA-4EB6-89BB-2A86C9F091C8}" type="datetime8">
               <a:rPr lang="en-US" smtClean="0"/>
-              <a:t>7/5/2016 12:00 PM</a:t>
+              <a:t>7/6/2016 4:27 PM</a:t>
             </a:fld>
             <a:endParaRPr lang="en-US" dirty="0"/>
           </a:p>
@@ -20176,7 +20175,7 @@
           <a:p>
             <a:fld id="{38EEC551-8CDA-4EB6-89BB-2A86C9F091C8}" type="datetime8">
               <a:rPr lang="en-US" smtClean="0"/>
-              <a:t>7/5/2016 12:00 PM</a:t>
+              <a:t>7/6/2016 4:27 PM</a:t>
             </a:fld>
             <a:endParaRPr lang="en-US" dirty="0"/>
           </a:p>
@@ -20368,7 +20367,7 @@
           <a:p>
             <a:fld id="{38EEC551-8CDA-4EB6-89BB-2A86C9F091C8}" type="datetime8">
               <a:rPr lang="en-US" smtClean="0"/>
-              <a:t>7/5/2016 12:00 PM</a:t>
+              <a:t>7/6/2016 4:27 PM</a:t>
             </a:fld>
             <a:endParaRPr lang="en-US" dirty="0"/>
           </a:p>
@@ -20569,7 +20568,7 @@
           <a:p>
             <a:fld id="{38EEC551-8CDA-4EB6-89BB-2A86C9F091C8}" type="datetime8">
               <a:rPr lang="en-US" smtClean="0"/>
-              <a:t>7/5/2016 12:00 PM</a:t>
+              <a:t>7/6/2016 4:27 PM</a:t>
             </a:fld>
             <a:endParaRPr lang="en-US" dirty="0"/>
           </a:p>
@@ -20772,7 +20771,7 @@
           <a:p>
             <a:fld id="{38EEC551-8CDA-4EB6-89BB-2A86C9F091C8}" type="datetime8">
               <a:rPr lang="en-US" smtClean="0"/>
-              <a:t>7/5/2016 12:00 PM</a:t>
+              <a:t>7/6/2016 4:27 PM</a:t>
             </a:fld>
             <a:endParaRPr lang="en-US" dirty="0"/>
           </a:p>
@@ -20964,7 +20963,7 @@
           <a:p>
             <a:fld id="{38EEC551-8CDA-4EB6-89BB-2A86C9F091C8}" type="datetime8">
               <a:rPr lang="en-US" smtClean="0"/>
-              <a:t>7/5/2016 12:00 PM</a:t>
+              <a:t>7/6/2016 4:27 PM</a:t>
             </a:fld>
             <a:endParaRPr lang="en-US" dirty="0"/>
           </a:p>
@@ -21174,7 +21173,7 @@
           <a:p>
             <a:fld id="{38EEC551-8CDA-4EB6-89BB-2A86C9F091C8}" type="datetime8">
               <a:rPr lang="en-US" smtClean="0"/>
-              <a:t>7/5/2016 12:00 PM</a:t>
+              <a:t>7/6/2016 4:27 PM</a:t>
             </a:fld>
             <a:endParaRPr lang="en-US" dirty="0"/>
           </a:p>
@@ -21366,7 +21365,7 @@
           <a:p>
             <a:fld id="{38EEC551-8CDA-4EB6-89BB-2A86C9F091C8}" type="datetime8">
               <a:rPr lang="en-US" smtClean="0"/>
-              <a:t>7/5/2016 12:00 PM</a:t>
+              <a:t>7/6/2016 4:27 PM</a:t>
             </a:fld>
             <a:endParaRPr lang="en-US" dirty="0"/>
           </a:p>
@@ -21809,7 +21808,7 @@
           <a:p>
             <a:fld id="{38EEC551-8CDA-4EB6-89BB-2A86C9F091C8}" type="datetime8">
               <a:rPr lang="en-US" smtClean="0"/>
-              <a:t>7/5/2016 12:00 PM</a:t>
+              <a:t>7/6/2016 4:27 PM</a:t>
             </a:fld>
             <a:endParaRPr lang="en-US" dirty="0"/>
           </a:p>
@@ -21977,7 +21976,7 @@
           <a:p>
             <a:fld id="{38EEC551-8CDA-4EB6-89BB-2A86C9F091C8}" type="datetime8">
               <a:rPr lang="en-US" smtClean="0"/>
-              <a:t>7/5/2016 12:00 PM</a:t>
+              <a:t>7/6/2016 4:27 PM</a:t>
             </a:fld>
             <a:endParaRPr lang="en-US" dirty="0"/>
           </a:p>
@@ -22169,7 +22168,7 @@
           <a:p>
             <a:fld id="{38EEC551-8CDA-4EB6-89BB-2A86C9F091C8}" type="datetime8">
               <a:rPr lang="en-US" smtClean="0"/>
-              <a:t>7/5/2016 12:00 PM</a:t>
+              <a:t>7/6/2016 4:27 PM</a:t>
             </a:fld>
             <a:endParaRPr lang="en-US" dirty="0"/>
           </a:p>
@@ -22361,7 +22360,7 @@
           <a:p>
             <a:fld id="{38EEC551-8CDA-4EB6-89BB-2A86C9F091C8}" type="datetime8">
               <a:rPr lang="en-US" smtClean="0"/>
-              <a:t>7/5/2016 12:00 PM</a:t>
+              <a:t>7/6/2016 4:27 PM</a:t>
             </a:fld>
             <a:endParaRPr lang="en-US" dirty="0"/>
           </a:p>
@@ -22553,7 +22552,7 @@
           <a:p>
             <a:fld id="{38EEC551-8CDA-4EB6-89BB-2A86C9F091C8}" type="datetime8">
               <a:rPr lang="en-US" smtClean="0"/>
-              <a:t>7/5/2016 12:00 PM</a:t>
+              <a:t>7/6/2016 4:27 PM</a:t>
             </a:fld>
             <a:endParaRPr lang="en-US" dirty="0"/>
           </a:p>
@@ -22798,7 +22797,7 @@
           <a:p>
             <a:fld id="{38EEC551-8CDA-4EB6-89BB-2A86C9F091C8}" type="datetime8">
               <a:rPr lang="en-US" smtClean="0"/>
-              <a:t>7/5/2016 12:00 PM</a:t>
+              <a:t>7/6/2016 4:27 PM</a:t>
             </a:fld>
             <a:endParaRPr lang="en-US" dirty="0"/>
           </a:p>
@@ -23008,7 +23007,7 @@
           <a:p>
             <a:fld id="{38EEC551-8CDA-4EB6-89BB-2A86C9F091C8}" type="datetime8">
               <a:rPr lang="en-US" smtClean="0"/>
-              <a:t>7/5/2016 12:00 PM</a:t>
+              <a:t>7/6/2016 4:27 PM</a:t>
             </a:fld>
             <a:endParaRPr lang="en-US" dirty="0"/>
           </a:p>
@@ -23749,1959 +23748,6 @@
 </file>
 
 <file path=ppt/slideLayouts/slideLayout1.xml><?xml version="1.0" encoding="utf-8"?>
-<p:sldLayout xmlns:a="http://schemas.openxmlformats.org/drawingml/2006/main" xmlns:r="http://schemas.openxmlformats.org/officeDocument/2006/relationships" xmlns:p="http://schemas.openxmlformats.org/presentationml/2006/main" preserve="1">
-  <p:cSld name="1_Title Slide">
-    <p:spTree>
-      <p:nvGrpSpPr>
-        <p:cNvPr id="1" name=""/>
-        <p:cNvGrpSpPr/>
-        <p:nvPr/>
-      </p:nvGrpSpPr>
-      <p:grpSpPr>
-        <a:xfrm>
-          <a:off x="0" y="0"/>
-          <a:ext cx="0" cy="0"/>
-          <a:chOff x="0" y="0"/>
-          <a:chExt cx="0" cy="0"/>
-        </a:xfrm>
-      </p:grpSpPr>
-      <p:pic>
-        <p:nvPicPr>
-          <p:cNvPr id="6" name="Picture 5"/>
-          <p:cNvPicPr>
-            <a:picLocks noChangeAspect="1"/>
-          </p:cNvPicPr>
-          <p:nvPr/>
-        </p:nvPicPr>
-        <p:blipFill>
-          <a:blip r:embed="rId2"/>
-          <a:stretch>
-            <a:fillRect/>
-          </a:stretch>
-        </p:blipFill>
-        <p:spPr>
-          <a:xfrm>
-            <a:off x="1008" y="1"/>
-            <a:ext cx="12190992" cy="6400800"/>
-          </a:xfrm>
-          <a:prstGeom prst="rect">
-            <a:avLst/>
-          </a:prstGeom>
-        </p:spPr>
-      </p:pic>
-      <p:sp>
-        <p:nvSpPr>
-          <p:cNvPr id="7" name="TextBox 6"/>
-          <p:cNvSpPr txBox="1"/>
-          <p:nvPr/>
-        </p:nvSpPr>
-        <p:spPr>
-          <a:xfrm>
-            <a:off x="1192443" y="1438410"/>
-            <a:ext cx="4767293" cy="1731756"/>
-          </a:xfrm>
-          <a:prstGeom prst="rect">
-            <a:avLst/>
-          </a:prstGeom>
-          <a:noFill/>
-        </p:spPr>
-        <p:txBody>
-          <a:bodyPr wrap="square" lIns="182880" tIns="146304" rIns="182880" bIns="146304" rtlCol="0">
-            <a:spAutoFit/>
-          </a:bodyPr>
-          <a:lstStyle/>
-          <a:p>
-            <a:pPr marL="0" marR="0" lvl="0" indent="0" algn="l" defTabSz="914400" rtl="0" eaLnBrk="1" fontAlgn="auto" latinLnBrk="0" hangingPunct="1">
-              <a:lnSpc>
-                <a:spcPts val="5600"/>
-              </a:lnSpc>
-              <a:spcBef>
-                <a:spcPts val="0"/>
-              </a:spcBef>
-              <a:spcAft>
-                <a:spcPts val="0"/>
-              </a:spcAft>
-              <a:buClrTx/>
-              <a:buSzTx/>
-              <a:buFontTx/>
-              <a:buNone/>
-              <a:tabLst/>
-              <a:defRPr/>
-            </a:pPr>
-            <a:r>
-              <a:rPr kumimoji="0" lang="en-US" sz="5400" b="0" i="0" u="none" strike="noStrike" kern="1200" cap="none" spc="0" normalizeH="0" baseline="0" noProof="0" dirty="0">
-                <a:ln>
-                  <a:noFill/>
-                </a:ln>
-                <a:solidFill>
-                  <a:srgbClr val="00B0F0"/>
-                </a:solidFill>
-                <a:effectLst/>
-                <a:uLnTx/>
-                <a:uFillTx/>
-                <a:latin typeface="Segoe UI Light"/>
-                <a:ea typeface="+mn-ea"/>
-                <a:cs typeface="+mn-cs"/>
-              </a:rPr>
-              <a:t>   </a:t>
-            </a:r>
-            <a:r>
-              <a:rPr kumimoji="0" lang="en-US" sz="6000" b="0" i="0" u="none" strike="noStrike" kern="1200" cap="none" spc="0" normalizeH="0" baseline="0" noProof="0" dirty="0">
-                <a:ln>
-                  <a:noFill/>
-                </a:ln>
-                <a:solidFill>
-                  <a:srgbClr val="0070C0"/>
-                </a:solidFill>
-                <a:effectLst/>
-                <a:uLnTx/>
-                <a:uFillTx/>
-                <a:latin typeface="Segoe UI Light"/>
-                <a:ea typeface="+mn-ea"/>
-                <a:cs typeface="+mn-cs"/>
-              </a:rPr>
-              <a:t>Engineer</a:t>
-            </a:r>
-          </a:p>
-          <a:p>
-            <a:pPr marL="0" marR="0" lvl="0" indent="0" algn="l" defTabSz="914400" rtl="0" eaLnBrk="1" fontAlgn="auto" latinLnBrk="0" hangingPunct="1">
-              <a:lnSpc>
-                <a:spcPts val="5600"/>
-              </a:lnSpc>
-              <a:spcBef>
-                <a:spcPts val="0"/>
-              </a:spcBef>
-              <a:spcAft>
-                <a:spcPts val="0"/>
-              </a:spcAft>
-              <a:buClrTx/>
-              <a:buSzTx/>
-              <a:buFontTx/>
-              <a:buNone/>
-              <a:tabLst/>
-              <a:defRPr/>
-            </a:pPr>
-            <a:r>
-              <a:rPr kumimoji="0" lang="en-US" sz="6000" b="0" i="0" u="none" strike="noStrike" kern="1200" cap="none" spc="0" normalizeH="0" baseline="0" noProof="0" dirty="0">
-                <a:ln>
-                  <a:noFill/>
-                </a:ln>
-                <a:solidFill>
-                  <a:srgbClr val="0070C0"/>
-                </a:solidFill>
-                <a:effectLst/>
-                <a:uLnTx/>
-                <a:uFillTx/>
-                <a:latin typeface="Segoe UI Light"/>
-                <a:ea typeface="+mn-ea"/>
-                <a:cs typeface="+mn-cs"/>
-              </a:rPr>
-              <a:t>to Engineer</a:t>
-            </a:r>
-          </a:p>
-        </p:txBody>
-      </p:sp>
-      <p:sp>
-        <p:nvSpPr>
-          <p:cNvPr id="8" name="TextBox 7"/>
-          <p:cNvSpPr txBox="1"/>
-          <p:nvPr/>
-        </p:nvSpPr>
-        <p:spPr>
-          <a:xfrm>
-            <a:off x="0" y="2868782"/>
-            <a:ext cx="8015040" cy="808426"/>
-          </a:xfrm>
-          <a:prstGeom prst="rect">
-            <a:avLst/>
-          </a:prstGeom>
-          <a:noFill/>
-        </p:spPr>
-        <p:txBody>
-          <a:bodyPr wrap="square" lIns="182880" tIns="146304" rIns="182880" bIns="146304" rtlCol="0">
-            <a:spAutoFit/>
-          </a:bodyPr>
-          <a:lstStyle/>
-          <a:p>
-            <a:pPr marL="0" marR="0" lvl="0" indent="0" algn="l" defTabSz="914400" rtl="0" eaLnBrk="1" fontAlgn="auto" latinLnBrk="0" hangingPunct="1">
-              <a:lnSpc>
-                <a:spcPts val="4000"/>
-              </a:lnSpc>
-              <a:spcBef>
-                <a:spcPts val="0"/>
-              </a:spcBef>
-              <a:spcAft>
-                <a:spcPts val="0"/>
-              </a:spcAft>
-              <a:buClrTx/>
-              <a:buSzTx/>
-              <a:buFontTx/>
-              <a:buNone/>
-              <a:tabLst/>
-              <a:defRPr/>
-            </a:pPr>
-            <a:r>
-              <a:rPr kumimoji="0" lang="en-US" sz="1600" b="0" i="0" u="none" strike="noStrike" kern="1200" cap="none" spc="300" normalizeH="0" baseline="0" noProof="0" dirty="0">
-                <a:ln>
-                  <a:noFill/>
-                </a:ln>
-                <a:solidFill>
-                  <a:srgbClr val="0070C0"/>
-                </a:solidFill>
-                <a:effectLst/>
-                <a:uLnTx/>
-                <a:uFillTx/>
-                <a:latin typeface="Segoe UI"/>
-                <a:ea typeface="+mn-ea"/>
-                <a:cs typeface="+mn-cs"/>
-              </a:rPr>
-              <a:t>Training &amp; Practice Building for Solution Architects</a:t>
-            </a:r>
-          </a:p>
-        </p:txBody>
-      </p:sp>
-      <p:sp>
-        <p:nvSpPr>
-          <p:cNvPr id="9" name="Text Placeholder 2"/>
-          <p:cNvSpPr>
-            <a:spLocks noGrp="1"/>
-          </p:cNvSpPr>
-          <p:nvPr>
-            <p:ph type="body" sz="quarter" idx="10" hasCustomPrompt="1"/>
-          </p:nvPr>
-        </p:nvSpPr>
-        <p:spPr>
-          <a:xfrm>
-            <a:off x="292519" y="3680409"/>
-            <a:ext cx="11459115" cy="1015663"/>
-          </a:xfrm>
-        </p:spPr>
-        <p:txBody>
-          <a:bodyPr/>
-          <a:lstStyle>
-            <a:lvl1pPr marL="0" indent="0">
-              <a:buNone/>
-              <a:defRPr sz="6000" baseline="0">
-                <a:solidFill>
-                  <a:srgbClr val="1574B8"/>
-                </a:solidFill>
-                <a:latin typeface="Segoe UI Light" panose="020B0502040204020203" pitchFamily="34" charset="0"/>
-                <a:cs typeface="Segoe UI Light" panose="020B0502040204020203" pitchFamily="34" charset="0"/>
-              </a:defRPr>
-            </a:lvl1pPr>
-            <a:lvl2pPr marL="336145" indent="0" algn="l">
-              <a:buFontTx/>
-              <a:buNone/>
-              <a:defRPr sz="3600">
-                <a:solidFill>
-                  <a:schemeClr val="bg2"/>
-                </a:solidFill>
-              </a:defRPr>
-            </a:lvl2pPr>
-            <a:lvl3pPr>
-              <a:defRPr sz="3600"/>
-            </a:lvl3pPr>
-            <a:lvl4pPr>
-              <a:defRPr sz="3600"/>
-            </a:lvl4pPr>
-            <a:lvl5pPr>
-              <a:defRPr sz="3600"/>
-            </a:lvl5pPr>
-          </a:lstStyle>
-          <a:p>
-            <a:pPr lvl="0"/>
-            <a:r>
-              <a:rPr lang="en-US" dirty="0"/>
-              <a:t>Click to edit session title</a:t>
-            </a:r>
-          </a:p>
-        </p:txBody>
-      </p:sp>
-      <p:sp>
-        <p:nvSpPr>
-          <p:cNvPr id="10" name="Text Placeholder 2"/>
-          <p:cNvSpPr>
-            <a:spLocks noGrp="1"/>
-          </p:cNvSpPr>
-          <p:nvPr>
-            <p:ph type="body" sz="quarter" idx="11" hasCustomPrompt="1"/>
-          </p:nvPr>
-        </p:nvSpPr>
-        <p:spPr>
-          <a:xfrm>
-            <a:off x="292519" y="5192562"/>
-            <a:ext cx="11459115" cy="572464"/>
-          </a:xfrm>
-        </p:spPr>
-        <p:txBody>
-          <a:bodyPr/>
-          <a:lstStyle>
-            <a:lvl1pPr marL="0" indent="0">
-              <a:buNone/>
-              <a:defRPr sz="2800" i="1">
-                <a:solidFill>
-                  <a:schemeClr val="bg2"/>
-                </a:solidFill>
-                <a:latin typeface="+mn-lt"/>
-              </a:defRPr>
-            </a:lvl1pPr>
-            <a:lvl2pPr marL="336145" indent="0" algn="l">
-              <a:buFontTx/>
-              <a:buNone/>
-              <a:defRPr sz="3600">
-                <a:solidFill>
-                  <a:schemeClr val="bg2"/>
-                </a:solidFill>
-              </a:defRPr>
-            </a:lvl2pPr>
-            <a:lvl3pPr>
-              <a:defRPr sz="3600"/>
-            </a:lvl3pPr>
-            <a:lvl4pPr>
-              <a:defRPr sz="3600"/>
-            </a:lvl4pPr>
-            <a:lvl5pPr>
-              <a:defRPr sz="3600"/>
-            </a:lvl5pPr>
-          </a:lstStyle>
-          <a:p>
-            <a:pPr lvl="0"/>
-            <a:r>
-              <a:rPr lang="en-US" dirty="0"/>
-              <a:t>Click to edit speaker name</a:t>
-            </a:r>
-          </a:p>
-        </p:txBody>
-      </p:sp>
-      <p:sp>
-        <p:nvSpPr>
-          <p:cNvPr id="11" name="Text Placeholder 2"/>
-          <p:cNvSpPr>
-            <a:spLocks noGrp="1"/>
-          </p:cNvSpPr>
-          <p:nvPr>
-            <p:ph type="body" sz="quarter" idx="12" hasCustomPrompt="1"/>
-          </p:nvPr>
-        </p:nvSpPr>
-        <p:spPr>
-          <a:xfrm>
-            <a:off x="292519" y="5768663"/>
-            <a:ext cx="11459113" cy="461665"/>
-          </a:xfrm>
-        </p:spPr>
-        <p:txBody>
-          <a:bodyPr/>
-          <a:lstStyle>
-            <a:lvl1pPr marL="0" indent="0">
-              <a:buNone/>
-              <a:defRPr sz="2000" i="0" baseline="0">
-                <a:solidFill>
-                  <a:schemeClr val="bg2"/>
-                </a:solidFill>
-              </a:defRPr>
-            </a:lvl1pPr>
-            <a:lvl2pPr marL="336145" indent="0" algn="l">
-              <a:buFontTx/>
-              <a:buNone/>
-              <a:defRPr sz="3600">
-                <a:solidFill>
-                  <a:schemeClr val="bg2"/>
-                </a:solidFill>
-              </a:defRPr>
-            </a:lvl2pPr>
-            <a:lvl3pPr>
-              <a:defRPr sz="3600"/>
-            </a:lvl3pPr>
-            <a:lvl4pPr>
-              <a:defRPr sz="3600"/>
-            </a:lvl4pPr>
-            <a:lvl5pPr>
-              <a:defRPr sz="3600"/>
-            </a:lvl5pPr>
-          </a:lstStyle>
-          <a:p>
-            <a:pPr lvl="0"/>
-            <a:r>
-              <a:rPr lang="en-US" dirty="0"/>
-              <a:t>Click to edit contact information (Twitter, Blog, Email, etc.)</a:t>
-            </a:r>
-          </a:p>
-        </p:txBody>
-      </p:sp>
-    </p:spTree>
-    <p:extLst>
-      <p:ext uri="{BB962C8B-B14F-4D97-AF65-F5344CB8AC3E}">
-        <p14:creationId xmlns:p14="http://schemas.microsoft.com/office/powerpoint/2010/main" val="1110963129"/>
-      </p:ext>
-    </p:extLst>
-  </p:cSld>
-  <p:clrMapOvr>
-    <a:masterClrMapping/>
-  </p:clrMapOvr>
-  <p:transition>
-    <p:fade/>
-  </p:transition>
-</p:sldLayout>
-</file>
-
-<file path=ppt/slideLayouts/slideLayout10.xml><?xml version="1.0" encoding="utf-8"?>
-<p:sldLayout xmlns:a="http://schemas.openxmlformats.org/drawingml/2006/main" xmlns:r="http://schemas.openxmlformats.org/officeDocument/2006/relationships" xmlns:p="http://schemas.openxmlformats.org/presentationml/2006/main" userDrawn="1">
-  <p:cSld name="Two Column Bullet text 1st level color">
-    <p:spTree>
-      <p:nvGrpSpPr>
-        <p:cNvPr id="1" name=""/>
-        <p:cNvGrpSpPr/>
-        <p:nvPr/>
-      </p:nvGrpSpPr>
-      <p:grpSpPr>
-        <a:xfrm>
-          <a:off x="0" y="0"/>
-          <a:ext cx="0" cy="0"/>
-          <a:chOff x="0" y="0"/>
-          <a:chExt cx="0" cy="0"/>
-        </a:xfrm>
-      </p:grpSpPr>
-      <p:sp>
-        <p:nvSpPr>
-          <p:cNvPr id="2" name="Title 1"/>
-          <p:cNvSpPr>
-            <a:spLocks noGrp="1"/>
-          </p:cNvSpPr>
-          <p:nvPr>
-            <p:ph type="title"/>
-          </p:nvPr>
-        </p:nvSpPr>
-        <p:spPr/>
-        <p:txBody>
-          <a:bodyPr/>
-          <a:lstStyle/>
-          <a:p>
-            <a:r>
-              <a:rPr lang="en-US"/>
-              <a:t>Click to edit Master title style</a:t>
-            </a:r>
-            <a:endParaRPr lang="en-US" dirty="0"/>
-          </a:p>
-        </p:txBody>
-      </p:sp>
-      <p:sp>
-        <p:nvSpPr>
-          <p:cNvPr id="4" name="Text Placeholder 3"/>
-          <p:cNvSpPr>
-            <a:spLocks noGrp="1"/>
-          </p:cNvSpPr>
-          <p:nvPr>
-            <p:ph type="body" sz="quarter" idx="10"/>
-          </p:nvPr>
-        </p:nvSpPr>
-        <p:spPr>
-          <a:xfrm>
-            <a:off x="358456" y="1187644"/>
-            <a:ext cx="5498540" cy="3109184"/>
-          </a:xfrm>
-        </p:spPr>
-        <p:txBody>
-          <a:bodyPr wrap="square">
-            <a:spAutoFit/>
-          </a:bodyPr>
-          <a:lstStyle>
-            <a:lvl1pPr marL="281691" indent="-281691">
-              <a:spcBef>
-                <a:spcPts val="1200"/>
-              </a:spcBef>
-              <a:buClr>
-                <a:schemeClr val="tx2"/>
-              </a:buClr>
-              <a:buFont typeface="Arial" pitchFamily="34" charset="0"/>
-              <a:buChar char="•"/>
-              <a:defRPr sz="4184">
-                <a:gradFill>
-                  <a:gsLst>
-                    <a:gs pos="1250">
-                      <a:schemeClr val="tx2"/>
-                    </a:gs>
-                    <a:gs pos="99000">
-                      <a:schemeClr val="tx2"/>
-                    </a:gs>
-                  </a:gsLst>
-                  <a:lin ang="5400000" scaled="0"/>
-                </a:gradFill>
-              </a:defRPr>
-            </a:lvl1pPr>
-            <a:lvl2pPr marL="520725" indent="-228611">
-              <a:defRPr sz="2615"/>
-            </a:lvl2pPr>
-            <a:lvl3pPr marL="685835" indent="-165108">
-              <a:tabLst/>
-              <a:defRPr sz="2615"/>
-            </a:lvl3pPr>
-            <a:lvl4pPr marL="863642" indent="-177809">
-              <a:defRPr/>
-            </a:lvl4pPr>
-            <a:lvl5pPr marL="1028751" indent="-165108">
-              <a:tabLst/>
-              <a:defRPr/>
-            </a:lvl5pPr>
-          </a:lstStyle>
-          <a:p>
-            <a:pPr lvl="0"/>
-            <a:r>
-              <a:rPr lang="en-US"/>
-              <a:t>Click to edit Master text styles</a:t>
-            </a:r>
-          </a:p>
-          <a:p>
-            <a:pPr lvl="1"/>
-            <a:r>
-              <a:rPr lang="en-US"/>
-              <a:t>Second level</a:t>
-            </a:r>
-          </a:p>
-          <a:p>
-            <a:pPr lvl="2"/>
-            <a:r>
-              <a:rPr lang="en-US"/>
-              <a:t>Third level</a:t>
-            </a:r>
-          </a:p>
-          <a:p>
-            <a:pPr lvl="3"/>
-            <a:r>
-              <a:rPr lang="en-US"/>
-              <a:t>Fourth level</a:t>
-            </a:r>
-          </a:p>
-          <a:p>
-            <a:pPr lvl="4"/>
-            <a:r>
-              <a:rPr lang="en-US"/>
-              <a:t>Fifth level</a:t>
-            </a:r>
-            <a:endParaRPr lang="en-US" dirty="0"/>
-          </a:p>
-        </p:txBody>
-      </p:sp>
-      <p:sp>
-        <p:nvSpPr>
-          <p:cNvPr id="5" name="Text Placeholder 3"/>
-          <p:cNvSpPr>
-            <a:spLocks noGrp="1"/>
-          </p:cNvSpPr>
-          <p:nvPr>
-            <p:ph type="body" sz="quarter" idx="11"/>
-          </p:nvPr>
-        </p:nvSpPr>
-        <p:spPr>
-          <a:xfrm>
-            <a:off x="6335004" y="1187644"/>
-            <a:ext cx="5498540" cy="3109184"/>
-          </a:xfrm>
-        </p:spPr>
-        <p:txBody>
-          <a:bodyPr wrap="square">
-            <a:spAutoFit/>
-          </a:bodyPr>
-          <a:lstStyle>
-            <a:lvl1pPr marL="281691" indent="-281691">
-              <a:spcBef>
-                <a:spcPts val="1200"/>
-              </a:spcBef>
-              <a:buClr>
-                <a:schemeClr val="tx2"/>
-              </a:buClr>
-              <a:buFont typeface="Arial" pitchFamily="34" charset="0"/>
-              <a:buChar char="•"/>
-              <a:defRPr sz="4184">
-                <a:gradFill>
-                  <a:gsLst>
-                    <a:gs pos="1250">
-                      <a:schemeClr val="tx2"/>
-                    </a:gs>
-                    <a:gs pos="99000">
-                      <a:schemeClr val="tx2"/>
-                    </a:gs>
-                  </a:gsLst>
-                  <a:lin ang="5400000" scaled="0"/>
-                </a:gradFill>
-              </a:defRPr>
-            </a:lvl1pPr>
-            <a:lvl2pPr marL="520725" indent="-228611">
-              <a:defRPr sz="2615"/>
-            </a:lvl2pPr>
-            <a:lvl3pPr marL="685835" indent="-165108">
-              <a:tabLst/>
-              <a:defRPr sz="2615"/>
-            </a:lvl3pPr>
-            <a:lvl4pPr marL="863642" indent="-177809">
-              <a:defRPr/>
-            </a:lvl4pPr>
-            <a:lvl5pPr marL="1028751" indent="-165108">
-              <a:tabLst/>
-              <a:defRPr/>
-            </a:lvl5pPr>
-          </a:lstStyle>
-          <a:p>
-            <a:pPr lvl="0"/>
-            <a:r>
-              <a:rPr lang="en-US"/>
-              <a:t>Click to edit Master text styles</a:t>
-            </a:r>
-          </a:p>
-          <a:p>
-            <a:pPr lvl="1"/>
-            <a:r>
-              <a:rPr lang="en-US"/>
-              <a:t>Second level</a:t>
-            </a:r>
-          </a:p>
-          <a:p>
-            <a:pPr lvl="2"/>
-            <a:r>
-              <a:rPr lang="en-US"/>
-              <a:t>Third level</a:t>
-            </a:r>
-          </a:p>
-          <a:p>
-            <a:pPr lvl="3"/>
-            <a:r>
-              <a:rPr lang="en-US"/>
-              <a:t>Fourth level</a:t>
-            </a:r>
-          </a:p>
-          <a:p>
-            <a:pPr lvl="4"/>
-            <a:r>
-              <a:rPr lang="en-US"/>
-              <a:t>Fifth level</a:t>
-            </a:r>
-            <a:endParaRPr lang="en-US" dirty="0"/>
-          </a:p>
-        </p:txBody>
-      </p:sp>
-    </p:spTree>
-    <p:extLst>
-      <p:ext uri="{BB962C8B-B14F-4D97-AF65-F5344CB8AC3E}">
-        <p14:creationId xmlns:p14="http://schemas.microsoft.com/office/powerpoint/2010/main" val="1772857640"/>
-      </p:ext>
-    </p:extLst>
-  </p:cSld>
-  <p:clrMapOvr>
-    <a:masterClrMapping/>
-  </p:clrMapOvr>
-  <p:transition>
-    <p:fade/>
-  </p:transition>
-</p:sldLayout>
-</file>
-
-<file path=ppt/slideLayouts/slideLayout11.xml><?xml version="1.0" encoding="utf-8"?>
-<p:sldLayout xmlns:a="http://schemas.openxmlformats.org/drawingml/2006/main" xmlns:r="http://schemas.openxmlformats.org/officeDocument/2006/relationships" xmlns:p="http://schemas.openxmlformats.org/presentationml/2006/main" preserve="1">
-  <p:cSld name="Title and Compare">
-    <p:bg>
-      <p:bgPr>
-        <a:solidFill>
-          <a:srgbClr val="1574B8"/>
-        </a:solidFill>
-        <a:effectLst/>
-      </p:bgPr>
-    </p:bg>
-    <p:spTree>
-      <p:nvGrpSpPr>
-        <p:cNvPr id="1" name=""/>
-        <p:cNvGrpSpPr/>
-        <p:nvPr/>
-      </p:nvGrpSpPr>
-      <p:grpSpPr>
-        <a:xfrm>
-          <a:off x="0" y="0"/>
-          <a:ext cx="0" cy="0"/>
-          <a:chOff x="0" y="0"/>
-          <a:chExt cx="0" cy="0"/>
-        </a:xfrm>
-      </p:grpSpPr>
-      <p:sp>
-        <p:nvSpPr>
-          <p:cNvPr id="7" name="Content Placeholder 6"/>
-          <p:cNvSpPr>
-            <a:spLocks noGrp="1"/>
-          </p:cNvSpPr>
-          <p:nvPr>
-            <p:ph sz="quarter" idx="10"/>
-          </p:nvPr>
-        </p:nvSpPr>
-        <p:spPr>
-          <a:xfrm>
-            <a:off x="293121" y="2253750"/>
-            <a:ext cx="5378549" cy="1889748"/>
-          </a:xfrm>
-        </p:spPr>
-        <p:txBody>
-          <a:bodyPr/>
-          <a:lstStyle/>
-          <a:p>
-            <a:pPr lvl="0"/>
-            <a:r>
-              <a:rPr lang="en-US"/>
-              <a:t>Edit Master text styles</a:t>
-            </a:r>
-          </a:p>
-          <a:p>
-            <a:pPr lvl="1"/>
-            <a:r>
-              <a:rPr lang="en-US"/>
-              <a:t>Second level</a:t>
-            </a:r>
-          </a:p>
-          <a:p>
-            <a:pPr lvl="2"/>
-            <a:r>
-              <a:rPr lang="en-US"/>
-              <a:t>Third level</a:t>
-            </a:r>
-          </a:p>
-        </p:txBody>
-      </p:sp>
-      <p:sp>
-        <p:nvSpPr>
-          <p:cNvPr id="8" name="Content Placeholder 6"/>
-          <p:cNvSpPr>
-            <a:spLocks noGrp="1"/>
-          </p:cNvSpPr>
-          <p:nvPr>
-            <p:ph sz="quarter" idx="11"/>
-          </p:nvPr>
-        </p:nvSpPr>
-        <p:spPr>
-          <a:xfrm>
-            <a:off x="6457075" y="2253750"/>
-            <a:ext cx="5378549" cy="1889748"/>
-          </a:xfrm>
-        </p:spPr>
-        <p:txBody>
-          <a:bodyPr/>
-          <a:lstStyle/>
-          <a:p>
-            <a:pPr lvl="0"/>
-            <a:r>
-              <a:rPr lang="en-US"/>
-              <a:t>Edit Master text styles</a:t>
-            </a:r>
-          </a:p>
-          <a:p>
-            <a:pPr lvl="1"/>
-            <a:r>
-              <a:rPr lang="en-US"/>
-              <a:t>Second level</a:t>
-            </a:r>
-          </a:p>
-          <a:p>
-            <a:pPr lvl="2"/>
-            <a:r>
-              <a:rPr lang="en-US"/>
-              <a:t>Third level</a:t>
-            </a:r>
-          </a:p>
-        </p:txBody>
-      </p:sp>
-      <p:sp>
-        <p:nvSpPr>
-          <p:cNvPr id="9" name="Content Placeholder 6"/>
-          <p:cNvSpPr>
-            <a:spLocks noGrp="1"/>
-          </p:cNvSpPr>
-          <p:nvPr>
-            <p:ph sz="quarter" idx="12" hasCustomPrompt="1"/>
-          </p:nvPr>
-        </p:nvSpPr>
-        <p:spPr>
-          <a:xfrm>
-            <a:off x="293761" y="1367394"/>
-            <a:ext cx="5378549" cy="669927"/>
-          </a:xfrm>
-        </p:spPr>
-        <p:txBody>
-          <a:bodyPr/>
-          <a:lstStyle>
-            <a:lvl1pPr marL="0" indent="0">
-              <a:buNone/>
-              <a:defRPr sz="3529" b="1" baseline="0"/>
-            </a:lvl1pPr>
-          </a:lstStyle>
-          <a:p>
-            <a:pPr lvl="0"/>
-            <a:r>
-              <a:rPr lang="en-US" dirty="0"/>
-              <a:t>Comparison 1</a:t>
-            </a:r>
-          </a:p>
-        </p:txBody>
-      </p:sp>
-      <p:sp>
-        <p:nvSpPr>
-          <p:cNvPr id="10" name="Content Placeholder 6"/>
-          <p:cNvSpPr>
-            <a:spLocks noGrp="1"/>
-          </p:cNvSpPr>
-          <p:nvPr>
-            <p:ph sz="quarter" idx="13" hasCustomPrompt="1"/>
-          </p:nvPr>
-        </p:nvSpPr>
-        <p:spPr>
-          <a:xfrm>
-            <a:off x="6457715" y="1367394"/>
-            <a:ext cx="5378549" cy="669927"/>
-          </a:xfrm>
-        </p:spPr>
-        <p:txBody>
-          <a:bodyPr/>
-          <a:lstStyle>
-            <a:lvl1pPr marL="0" indent="0">
-              <a:buNone/>
-              <a:defRPr sz="3529" b="1"/>
-            </a:lvl1pPr>
-          </a:lstStyle>
-          <a:p>
-            <a:pPr lvl="0"/>
-            <a:r>
-              <a:rPr lang="en-US" dirty="0"/>
-              <a:t>Comparison 1</a:t>
-            </a:r>
-          </a:p>
-        </p:txBody>
-      </p:sp>
-      <p:sp>
-        <p:nvSpPr>
-          <p:cNvPr id="11" name="Title 1"/>
-          <p:cNvSpPr>
-            <a:spLocks noGrp="1"/>
-          </p:cNvSpPr>
-          <p:nvPr>
-            <p:ph type="title"/>
-          </p:nvPr>
-        </p:nvSpPr>
-        <p:spPr>
-          <a:xfrm>
-            <a:off x="268930" y="291068"/>
-            <a:ext cx="11653832" cy="899665"/>
-          </a:xfrm>
-        </p:spPr>
-        <p:txBody>
-          <a:bodyPr/>
-          <a:lstStyle/>
-          <a:p>
-            <a:r>
-              <a:rPr lang="en-US"/>
-              <a:t>Click to edit Master title style</a:t>
-            </a:r>
-            <a:endParaRPr lang="en-US" dirty="0"/>
-          </a:p>
-        </p:txBody>
-      </p:sp>
-    </p:spTree>
-    <p:extLst>
-      <p:ext uri="{BB962C8B-B14F-4D97-AF65-F5344CB8AC3E}">
-        <p14:creationId xmlns:p14="http://schemas.microsoft.com/office/powerpoint/2010/main" val="3272348533"/>
-      </p:ext>
-    </p:extLst>
-  </p:cSld>
-  <p:clrMapOvr>
-    <a:masterClrMapping/>
-  </p:clrMapOvr>
-  <p:transition>
-    <p:fade/>
-  </p:transition>
-</p:sldLayout>
-</file>
-
-<file path=ppt/slideLayouts/slideLayout12.xml><?xml version="1.0" encoding="utf-8"?>
-<p:sldLayout xmlns:a="http://schemas.openxmlformats.org/drawingml/2006/main" xmlns:r="http://schemas.openxmlformats.org/officeDocument/2006/relationships" xmlns:p="http://schemas.openxmlformats.org/presentationml/2006/main" preserve="1">
-  <p:cSld name="Demo">
-    <p:bg>
-      <p:bgPr>
-        <a:solidFill>
-          <a:srgbClr val="1574B8"/>
-        </a:solidFill>
-        <a:effectLst/>
-      </p:bgPr>
-    </p:bg>
-    <p:spTree>
-      <p:nvGrpSpPr>
-        <p:cNvPr id="1" name=""/>
-        <p:cNvGrpSpPr/>
-        <p:nvPr/>
-      </p:nvGrpSpPr>
-      <p:grpSpPr>
-        <a:xfrm>
-          <a:off x="0" y="0"/>
-          <a:ext cx="0" cy="0"/>
-          <a:chOff x="0" y="0"/>
-          <a:chExt cx="0" cy="0"/>
-        </a:xfrm>
-      </p:grpSpPr>
-      <p:sp>
-        <p:nvSpPr>
-          <p:cNvPr id="7" name="Text Placeholder 3"/>
-          <p:cNvSpPr>
-            <a:spLocks noGrp="1"/>
-          </p:cNvSpPr>
-          <p:nvPr>
-            <p:ph type="body" sz="quarter" idx="10" hasCustomPrompt="1"/>
-          </p:nvPr>
-        </p:nvSpPr>
-        <p:spPr>
-          <a:xfrm>
-            <a:off x="475025" y="4533945"/>
-            <a:ext cx="11240393" cy="683264"/>
-          </a:xfrm>
-        </p:spPr>
-        <p:txBody>
-          <a:bodyPr/>
-          <a:lstStyle>
-            <a:lvl1pPr marL="0" indent="0" algn="r">
-              <a:buNone/>
-              <a:defRPr sz="3600" i="0"/>
-            </a:lvl1pPr>
-            <a:lvl2pPr marL="336145" indent="0">
-              <a:buNone/>
-              <a:defRPr/>
-            </a:lvl2pPr>
-            <a:lvl3pPr marL="560241" indent="0">
-              <a:buNone/>
-              <a:defRPr/>
-            </a:lvl3pPr>
-            <a:lvl4pPr marL="784338" indent="0">
-              <a:buNone/>
-              <a:defRPr/>
-            </a:lvl4pPr>
-            <a:lvl5pPr marL="1008435" indent="0">
-              <a:buNone/>
-              <a:defRPr/>
-            </a:lvl5pPr>
-          </a:lstStyle>
-          <a:p>
-            <a:pPr lvl="0"/>
-            <a:r>
-              <a:rPr lang="en-US" dirty="0"/>
-              <a:t>Click to edit demo name</a:t>
-            </a:r>
-          </a:p>
-        </p:txBody>
-      </p:sp>
-      <p:sp>
-        <p:nvSpPr>
-          <p:cNvPr id="8" name="TextBox 7"/>
-          <p:cNvSpPr txBox="1"/>
-          <p:nvPr/>
-        </p:nvSpPr>
-        <p:spPr>
-          <a:xfrm>
-            <a:off x="7569411" y="2655027"/>
-            <a:ext cx="4146007" cy="1888209"/>
-          </a:xfrm>
-          <a:prstGeom prst="rect">
-            <a:avLst/>
-          </a:prstGeom>
-          <a:noFill/>
-        </p:spPr>
-        <p:txBody>
-          <a:bodyPr wrap="none" lIns="182880" tIns="146304" rIns="182880" bIns="146304" rtlCol="0">
-            <a:spAutoFit/>
-          </a:bodyPr>
-          <a:lstStyle/>
-          <a:p>
-            <a:pPr marL="0" marR="0" lvl="0" indent="0" algn="l" defTabSz="914400" rtl="0" eaLnBrk="1" fontAlgn="auto" latinLnBrk="0" hangingPunct="1">
-              <a:lnSpc>
-                <a:spcPct val="90000"/>
-              </a:lnSpc>
-              <a:spcBef>
-                <a:spcPts val="0"/>
-              </a:spcBef>
-              <a:spcAft>
-                <a:spcPts val="600"/>
-              </a:spcAft>
-              <a:buClrTx/>
-              <a:buSzTx/>
-              <a:buFontTx/>
-              <a:buNone/>
-              <a:tabLst/>
-              <a:defRPr/>
-            </a:pPr>
-            <a:r>
-              <a:rPr kumimoji="0" lang="en-US" sz="11500" b="0" i="0" u="none" strike="noStrike" kern="1200" cap="none" spc="0" normalizeH="0" baseline="0" noProof="0" dirty="0">
-                <a:ln>
-                  <a:noFill/>
-                </a:ln>
-                <a:gradFill>
-                  <a:gsLst>
-                    <a:gs pos="2917">
-                      <a:prstClr val="white"/>
-                    </a:gs>
-                    <a:gs pos="30000">
-                      <a:prstClr val="white"/>
-                    </a:gs>
-                  </a:gsLst>
-                  <a:lin ang="5400000" scaled="0"/>
-                </a:gradFill>
-                <a:effectLst/>
-                <a:uLnTx/>
-                <a:uFillTx/>
-                <a:latin typeface="Segoe UI Light"/>
-                <a:ea typeface="+mn-ea"/>
-                <a:cs typeface="+mn-cs"/>
-              </a:rPr>
-              <a:t>Demo</a:t>
-            </a:r>
-          </a:p>
-        </p:txBody>
-      </p:sp>
-      <p:pic>
-        <p:nvPicPr>
-          <p:cNvPr id="6" name="Picture 5"/>
-          <p:cNvPicPr>
-            <a:picLocks noChangeAspect="1"/>
-          </p:cNvPicPr>
-          <p:nvPr/>
-        </p:nvPicPr>
-        <p:blipFill>
-          <a:blip r:embed="rId2"/>
-          <a:stretch>
-            <a:fillRect/>
-          </a:stretch>
-        </p:blipFill>
-        <p:spPr>
-          <a:xfrm>
-            <a:off x="0" y="0"/>
-            <a:ext cx="12192000" cy="2858788"/>
-          </a:xfrm>
-          <a:prstGeom prst="rect">
-            <a:avLst/>
-          </a:prstGeom>
-        </p:spPr>
-      </p:pic>
-      <p:sp>
-        <p:nvSpPr>
-          <p:cNvPr id="9" name="TextBox 8"/>
-          <p:cNvSpPr txBox="1"/>
-          <p:nvPr/>
-        </p:nvSpPr>
-        <p:spPr>
-          <a:xfrm>
-            <a:off x="778469" y="1024876"/>
-            <a:ext cx="3740504" cy="1321387"/>
-          </a:xfrm>
-          <a:prstGeom prst="rect">
-            <a:avLst/>
-          </a:prstGeom>
-          <a:noFill/>
-        </p:spPr>
-        <p:txBody>
-          <a:bodyPr wrap="square" lIns="182880" tIns="146304" rIns="182880" bIns="146304" rtlCol="0">
-            <a:spAutoFit/>
-          </a:bodyPr>
-          <a:lstStyle/>
-          <a:p>
-            <a:pPr marL="0" marR="0" lvl="0" indent="0" algn="ctr" defTabSz="914400" rtl="0" eaLnBrk="1" fontAlgn="auto" latinLnBrk="0" hangingPunct="1">
-              <a:lnSpc>
-                <a:spcPts val="4000"/>
-              </a:lnSpc>
-              <a:spcBef>
-                <a:spcPts val="0"/>
-              </a:spcBef>
-              <a:spcAft>
-                <a:spcPts val="0"/>
-              </a:spcAft>
-              <a:buClrTx/>
-              <a:buSzTx/>
-              <a:buFontTx/>
-              <a:buNone/>
-              <a:tabLst/>
-              <a:defRPr/>
-            </a:pPr>
-            <a:r>
-              <a:rPr kumimoji="0" lang="en-US" sz="3600" b="0" i="0" u="none" strike="noStrike" kern="1200" cap="none" spc="0" normalizeH="0" baseline="0" noProof="0" dirty="0">
-                <a:ln>
-                  <a:noFill/>
-                </a:ln>
-                <a:solidFill>
-                  <a:srgbClr val="0070C0"/>
-                </a:solidFill>
-                <a:effectLst/>
-                <a:uLnTx/>
-                <a:uFillTx/>
-                <a:latin typeface="Segoe UI Light"/>
-                <a:ea typeface="+mn-ea"/>
-                <a:cs typeface="+mn-cs"/>
-              </a:rPr>
-              <a:t>Engineer to Engineer</a:t>
-            </a:r>
-          </a:p>
-        </p:txBody>
-      </p:sp>
-      <p:sp>
-        <p:nvSpPr>
-          <p:cNvPr id="10" name="TextBox 9"/>
-          <p:cNvSpPr txBox="1"/>
-          <p:nvPr userDrawn="1"/>
-        </p:nvSpPr>
-        <p:spPr>
-          <a:xfrm>
-            <a:off x="7569411" y="2655027"/>
-            <a:ext cx="4146007" cy="1888209"/>
-          </a:xfrm>
-          <a:prstGeom prst="rect">
-            <a:avLst/>
-          </a:prstGeom>
-          <a:noFill/>
-        </p:spPr>
-        <p:txBody>
-          <a:bodyPr wrap="none" lIns="182880" tIns="146304" rIns="182880" bIns="146304" rtlCol="0">
-            <a:spAutoFit/>
-          </a:bodyPr>
-          <a:lstStyle/>
-          <a:p>
-            <a:pPr>
-              <a:lnSpc>
-                <a:spcPct val="90000"/>
-              </a:lnSpc>
-              <a:spcAft>
-                <a:spcPts val="600"/>
-              </a:spcAft>
-            </a:pPr>
-            <a:r>
-              <a:rPr lang="en-US" sz="11500" dirty="0">
-                <a:gradFill>
-                  <a:gsLst>
-                    <a:gs pos="2917">
-                      <a:schemeClr val="tx1"/>
-                    </a:gs>
-                    <a:gs pos="30000">
-                      <a:schemeClr val="tx1"/>
-                    </a:gs>
-                  </a:gsLst>
-                  <a:lin ang="5400000" scaled="0"/>
-                </a:gradFill>
-                <a:latin typeface="+mj-lt"/>
-              </a:rPr>
-              <a:t>Demo</a:t>
-            </a:r>
-          </a:p>
-        </p:txBody>
-      </p:sp>
-      <p:pic>
-        <p:nvPicPr>
-          <p:cNvPr id="11" name="Picture 10"/>
-          <p:cNvPicPr>
-            <a:picLocks noChangeAspect="1"/>
-          </p:cNvPicPr>
-          <p:nvPr userDrawn="1"/>
-        </p:nvPicPr>
-        <p:blipFill>
-          <a:blip r:embed="rId2"/>
-          <a:stretch>
-            <a:fillRect/>
-          </a:stretch>
-        </p:blipFill>
-        <p:spPr>
-          <a:xfrm>
-            <a:off x="0" y="0"/>
-            <a:ext cx="12192000" cy="2858788"/>
-          </a:xfrm>
-          <a:prstGeom prst="rect">
-            <a:avLst/>
-          </a:prstGeom>
-        </p:spPr>
-      </p:pic>
-      <p:sp>
-        <p:nvSpPr>
-          <p:cNvPr id="12" name="TextBox 11"/>
-          <p:cNvSpPr txBox="1"/>
-          <p:nvPr userDrawn="1"/>
-        </p:nvSpPr>
-        <p:spPr>
-          <a:xfrm>
-            <a:off x="778469" y="1024876"/>
-            <a:ext cx="3740504" cy="1321387"/>
-          </a:xfrm>
-          <a:prstGeom prst="rect">
-            <a:avLst/>
-          </a:prstGeom>
-          <a:noFill/>
-        </p:spPr>
-        <p:txBody>
-          <a:bodyPr wrap="square" lIns="182880" tIns="146304" rIns="182880" bIns="146304" rtlCol="0">
-            <a:spAutoFit/>
-          </a:bodyPr>
-          <a:lstStyle/>
-          <a:p>
-            <a:pPr algn="ctr">
-              <a:lnSpc>
-                <a:spcPts val="4000"/>
-              </a:lnSpc>
-            </a:pPr>
-            <a:r>
-              <a:rPr lang="en-US" sz="3600" dirty="0">
-                <a:solidFill>
-                  <a:srgbClr val="0070C0"/>
-                </a:solidFill>
-                <a:latin typeface="+mj-lt"/>
-              </a:rPr>
-              <a:t>Engineer</a:t>
-            </a:r>
-            <a:r>
-              <a:rPr lang="en-US" sz="3600" baseline="0" dirty="0">
-                <a:solidFill>
-                  <a:srgbClr val="0070C0"/>
-                </a:solidFill>
-                <a:latin typeface="+mj-lt"/>
-              </a:rPr>
-              <a:t> </a:t>
-            </a:r>
-            <a:r>
-              <a:rPr lang="en-US" sz="3600" dirty="0">
-                <a:solidFill>
-                  <a:srgbClr val="0070C0"/>
-                </a:solidFill>
-                <a:latin typeface="+mj-lt"/>
-              </a:rPr>
-              <a:t>to</a:t>
-            </a:r>
-            <a:r>
-              <a:rPr lang="en-US" sz="3600" baseline="0" dirty="0">
-                <a:solidFill>
-                  <a:srgbClr val="0070C0"/>
-                </a:solidFill>
-                <a:latin typeface="+mj-lt"/>
-              </a:rPr>
-              <a:t> </a:t>
-            </a:r>
-            <a:r>
-              <a:rPr lang="en-US" sz="3600" dirty="0">
-                <a:solidFill>
-                  <a:srgbClr val="0070C0"/>
-                </a:solidFill>
-                <a:latin typeface="+mj-lt"/>
-              </a:rPr>
-              <a:t>Engineer</a:t>
-            </a:r>
-          </a:p>
-        </p:txBody>
-      </p:sp>
-    </p:spTree>
-    <p:extLst>
-      <p:ext uri="{BB962C8B-B14F-4D97-AF65-F5344CB8AC3E}">
-        <p14:creationId xmlns:p14="http://schemas.microsoft.com/office/powerpoint/2010/main" val="3786015623"/>
-      </p:ext>
-    </p:extLst>
-  </p:cSld>
-  <p:clrMapOvr>
-    <a:masterClrMapping/>
-  </p:clrMapOvr>
-  <p:transition>
-    <p:fade/>
-  </p:transition>
-</p:sldLayout>
-</file>
-
-<file path=ppt/slideLayouts/slideLayout13.xml><?xml version="1.0" encoding="utf-8"?>
-<p:sldLayout xmlns:a="http://schemas.openxmlformats.org/drawingml/2006/main" xmlns:r="http://schemas.openxmlformats.org/officeDocument/2006/relationships" xmlns:p="http://schemas.openxmlformats.org/presentationml/2006/main" preserve="1">
-  <p:cSld name="Survey Ask">
-    <p:spTree>
-      <p:nvGrpSpPr>
-        <p:cNvPr id="1" name=""/>
-        <p:cNvGrpSpPr/>
-        <p:nvPr/>
-      </p:nvGrpSpPr>
-      <p:grpSpPr>
-        <a:xfrm>
-          <a:off x="0" y="0"/>
-          <a:ext cx="0" cy="0"/>
-          <a:chOff x="0" y="0"/>
-          <a:chExt cx="0" cy="0"/>
-        </a:xfrm>
-      </p:grpSpPr>
-      <p:sp>
-        <p:nvSpPr>
-          <p:cNvPr id="3" name="TextBox 2"/>
-          <p:cNvSpPr txBox="1"/>
-          <p:nvPr/>
-        </p:nvSpPr>
-        <p:spPr>
-          <a:xfrm>
-            <a:off x="268927" y="1541206"/>
-            <a:ext cx="11541863" cy="2665345"/>
-          </a:xfrm>
-          <a:prstGeom prst="rect">
-            <a:avLst/>
-          </a:prstGeom>
-          <a:noFill/>
-        </p:spPr>
-        <p:txBody>
-          <a:bodyPr wrap="square" lIns="182880" tIns="146304" rIns="182880" bIns="146304" rtlCol="0">
-            <a:spAutoFit/>
-          </a:bodyPr>
-          <a:lstStyle/>
-          <a:p>
-            <a:pPr algn="ctr">
-              <a:lnSpc>
-                <a:spcPct val="90000"/>
-              </a:lnSpc>
-              <a:spcAft>
-                <a:spcPts val="600"/>
-              </a:spcAft>
-            </a:pPr>
-            <a:r>
-              <a:rPr lang="en-US" sz="4000" dirty="0">
-                <a:gradFill>
-                  <a:gsLst>
-                    <a:gs pos="2917">
-                      <a:schemeClr val="tx1"/>
-                    </a:gs>
-                    <a:gs pos="30000">
-                      <a:schemeClr val="tx1"/>
-                    </a:gs>
-                  </a:gsLst>
-                  <a:lin ang="5400000" scaled="0"/>
-                </a:gradFill>
-                <a:latin typeface="+mj-lt"/>
-              </a:rPr>
-              <a:t>Your</a:t>
-            </a:r>
-            <a:r>
-              <a:rPr lang="en-US" sz="4000" baseline="0" dirty="0">
-                <a:gradFill>
-                  <a:gsLst>
-                    <a:gs pos="2917">
-                      <a:schemeClr val="tx1"/>
-                    </a:gs>
-                    <a:gs pos="30000">
-                      <a:schemeClr val="tx1"/>
-                    </a:gs>
-                  </a:gsLst>
-                  <a:lin ang="5400000" scaled="0"/>
-                </a:gradFill>
-                <a:latin typeface="+mj-lt"/>
-              </a:rPr>
-              <a:t> </a:t>
-            </a:r>
-            <a:r>
-              <a:rPr lang="en-US" sz="4000" b="0" i="0" baseline="0" dirty="0">
-                <a:gradFill>
-                  <a:gsLst>
-                    <a:gs pos="2917">
-                      <a:schemeClr val="tx1"/>
-                    </a:gs>
-                    <a:gs pos="30000">
-                      <a:schemeClr val="tx1"/>
-                    </a:gs>
-                  </a:gsLst>
-                  <a:lin ang="5400000" scaled="0"/>
-                </a:gradFill>
-                <a:latin typeface="+mj-lt"/>
-              </a:rPr>
-              <a:t>anonymous</a:t>
-            </a:r>
-            <a:r>
-              <a:rPr lang="en-US" sz="4000" baseline="0" dirty="0">
-                <a:gradFill>
-                  <a:gsLst>
-                    <a:gs pos="2917">
-                      <a:schemeClr val="tx1"/>
-                    </a:gs>
-                    <a:gs pos="30000">
-                      <a:schemeClr val="tx1"/>
-                    </a:gs>
-                  </a:gsLst>
-                  <a:lin ang="5400000" scaled="0"/>
-                </a:gradFill>
-                <a:latin typeface="+mj-lt"/>
-              </a:rPr>
-              <a:t> feedback is greatly appreciated.</a:t>
-            </a:r>
-          </a:p>
-          <a:p>
-            <a:pPr algn="ctr">
-              <a:lnSpc>
-                <a:spcPct val="90000"/>
-              </a:lnSpc>
-              <a:spcAft>
-                <a:spcPts val="600"/>
-              </a:spcAft>
-            </a:pPr>
-            <a:endParaRPr lang="en-US" sz="4000" baseline="0" dirty="0">
-              <a:gradFill>
-                <a:gsLst>
-                  <a:gs pos="2917">
-                    <a:schemeClr val="tx1"/>
-                  </a:gs>
-                  <a:gs pos="30000">
-                    <a:schemeClr val="tx1"/>
-                  </a:gs>
-                </a:gsLst>
-                <a:lin ang="5400000" scaled="0"/>
-              </a:gradFill>
-              <a:latin typeface="+mj-lt"/>
-            </a:endParaRPr>
-          </a:p>
-          <a:p>
-            <a:pPr algn="ctr">
-              <a:lnSpc>
-                <a:spcPct val="90000"/>
-              </a:lnSpc>
-              <a:spcAft>
-                <a:spcPts val="600"/>
-              </a:spcAft>
-            </a:pPr>
-            <a:r>
-              <a:rPr lang="en-US" sz="4000" baseline="0" dirty="0">
-                <a:gradFill>
-                  <a:gsLst>
-                    <a:gs pos="2917">
-                      <a:schemeClr val="tx1"/>
-                    </a:gs>
-                    <a:gs pos="30000">
-                      <a:schemeClr val="tx1"/>
-                    </a:gs>
-                  </a:gsLst>
-                  <a:lin ang="5400000" scaled="0"/>
-                </a:gradFill>
-                <a:latin typeface="+mj-lt"/>
-              </a:rPr>
-              <a:t>Please rate this session at the end of the day at the URL below.</a:t>
-            </a:r>
-            <a:endParaRPr lang="en-US" sz="4000" dirty="0">
-              <a:gradFill>
-                <a:gsLst>
-                  <a:gs pos="2917">
-                    <a:schemeClr val="tx1"/>
-                  </a:gs>
-                  <a:gs pos="30000">
-                    <a:schemeClr val="tx1"/>
-                  </a:gs>
-                </a:gsLst>
-                <a:lin ang="5400000" scaled="0"/>
-              </a:gradFill>
-              <a:latin typeface="+mj-lt"/>
-            </a:endParaRPr>
-          </a:p>
-        </p:txBody>
-      </p:sp>
-      <p:sp>
-        <p:nvSpPr>
-          <p:cNvPr id="4" name="Text Placeholder 3"/>
-          <p:cNvSpPr>
-            <a:spLocks noGrp="1"/>
-          </p:cNvSpPr>
-          <p:nvPr>
-            <p:ph type="body" sz="quarter" idx="10" hasCustomPrompt="1"/>
-          </p:nvPr>
-        </p:nvSpPr>
-        <p:spPr>
-          <a:xfrm>
-            <a:off x="268928" y="4880532"/>
-            <a:ext cx="11541862" cy="1098762"/>
-          </a:xfrm>
-        </p:spPr>
-        <p:txBody>
-          <a:bodyPr/>
-          <a:lstStyle>
-            <a:lvl1pPr marL="0" indent="0" algn="ctr">
-              <a:buNone/>
-              <a:defRPr sz="6600" i="0">
-                <a:latin typeface="+mn-lt"/>
-              </a:defRPr>
-            </a:lvl1pPr>
-            <a:lvl2pPr marL="336145" indent="0">
-              <a:buNone/>
-              <a:defRPr/>
-            </a:lvl2pPr>
-            <a:lvl3pPr marL="560241" indent="0">
-              <a:buNone/>
-              <a:defRPr/>
-            </a:lvl3pPr>
-            <a:lvl4pPr marL="784338" indent="0">
-              <a:buNone/>
-              <a:defRPr/>
-            </a:lvl4pPr>
-            <a:lvl5pPr marL="1008435" indent="0">
-              <a:buNone/>
-              <a:defRPr/>
-            </a:lvl5pPr>
-          </a:lstStyle>
-          <a:p>
-            <a:pPr lvl="0"/>
-            <a:r>
-              <a:rPr lang="en-US" dirty="0"/>
-              <a:t>Click to edit survey URL</a:t>
-            </a:r>
-          </a:p>
-        </p:txBody>
-      </p:sp>
-      <p:sp>
-        <p:nvSpPr>
-          <p:cNvPr id="5" name="TextBox 4"/>
-          <p:cNvSpPr txBox="1"/>
-          <p:nvPr/>
-        </p:nvSpPr>
-        <p:spPr>
-          <a:xfrm>
-            <a:off x="268926" y="208533"/>
-            <a:ext cx="11541863" cy="1209562"/>
-          </a:xfrm>
-          <a:prstGeom prst="rect">
-            <a:avLst/>
-          </a:prstGeom>
-          <a:noFill/>
-        </p:spPr>
-        <p:txBody>
-          <a:bodyPr wrap="square" lIns="182880" tIns="146304" rIns="182880" bIns="146304" rtlCol="0">
-            <a:spAutoFit/>
-          </a:bodyPr>
-          <a:lstStyle/>
-          <a:p>
-            <a:pPr algn="ctr">
-              <a:lnSpc>
-                <a:spcPct val="90000"/>
-              </a:lnSpc>
-              <a:spcAft>
-                <a:spcPts val="600"/>
-              </a:spcAft>
-            </a:pPr>
-            <a:r>
-              <a:rPr lang="en-US" sz="6600" dirty="0">
-                <a:gradFill>
-                  <a:gsLst>
-                    <a:gs pos="2917">
-                      <a:schemeClr val="tx1"/>
-                    </a:gs>
-                    <a:gs pos="30000">
-                      <a:schemeClr val="tx1"/>
-                    </a:gs>
-                  </a:gsLst>
-                  <a:lin ang="5400000" scaled="0"/>
-                </a:gradFill>
-                <a:latin typeface="+mj-lt"/>
-              </a:rPr>
-              <a:t>Thank You!</a:t>
-            </a:r>
-          </a:p>
-        </p:txBody>
-      </p:sp>
-    </p:spTree>
-    <p:extLst>
-      <p:ext uri="{BB962C8B-B14F-4D97-AF65-F5344CB8AC3E}">
-        <p14:creationId xmlns:p14="http://schemas.microsoft.com/office/powerpoint/2010/main" val="3966519514"/>
-      </p:ext>
-    </p:extLst>
-  </p:cSld>
-  <p:clrMapOvr>
-    <a:masterClrMapping/>
-  </p:clrMapOvr>
-  <p:transition>
-    <p:fade/>
-  </p:transition>
-</p:sldLayout>
-</file>
-
-<file path=ppt/slideLayouts/slideLayout14.xml><?xml version="1.0" encoding="utf-8"?>
-<p:sldLayout xmlns:a="http://schemas.openxmlformats.org/drawingml/2006/main" xmlns:r="http://schemas.openxmlformats.org/officeDocument/2006/relationships" xmlns:p="http://schemas.openxmlformats.org/presentationml/2006/main" userDrawn="1">
-  <p:cSld name="Ending Slide">
-    <p:bg>
-      <p:bgPr>
-        <a:solidFill>
-          <a:srgbClr val="1574B8"/>
-        </a:solidFill>
-        <a:effectLst/>
-      </p:bgPr>
-    </p:bg>
-    <p:spTree>
-      <p:nvGrpSpPr>
-        <p:cNvPr id="1" name=""/>
-        <p:cNvGrpSpPr/>
-        <p:nvPr/>
-      </p:nvGrpSpPr>
-      <p:grpSpPr>
-        <a:xfrm>
-          <a:off x="0" y="0"/>
-          <a:ext cx="0" cy="0"/>
-          <a:chOff x="0" y="0"/>
-          <a:chExt cx="0" cy="0"/>
-        </a:xfrm>
-      </p:grpSpPr>
-      <p:pic>
-        <p:nvPicPr>
-          <p:cNvPr id="6" name="Picture 5"/>
-          <p:cNvPicPr>
-            <a:picLocks noChangeAspect="1"/>
-          </p:cNvPicPr>
-          <p:nvPr userDrawn="1"/>
-        </p:nvPicPr>
-        <p:blipFill>
-          <a:blip r:embed="rId2" cstate="email">
-            <a:extLst>
-              <a:ext uri="{28A0092B-C50C-407E-A947-70E740481C1C}">
-                <a14:useLocalDpi xmlns:a14="http://schemas.microsoft.com/office/drawing/2010/main"/>
-              </a:ext>
-            </a:extLst>
-          </a:blip>
-          <a:stretch>
-            <a:fillRect/>
-          </a:stretch>
-        </p:blipFill>
-        <p:spPr bwMode="invGray">
-          <a:xfrm>
-            <a:off x="269239" y="3975398"/>
-            <a:ext cx="3575287" cy="765878"/>
-          </a:xfrm>
-          <a:prstGeom prst="rect">
-            <a:avLst/>
-          </a:prstGeom>
-        </p:spPr>
-      </p:pic>
-      <p:sp>
-        <p:nvSpPr>
-          <p:cNvPr id="4" name="Text Box 3"/>
-          <p:cNvSpPr txBox="1">
-            <a:spLocks noChangeArrowheads="1"/>
-          </p:cNvSpPr>
-          <p:nvPr userDrawn="1"/>
-        </p:nvSpPr>
-        <p:spPr bwMode="blackWhite">
-          <a:xfrm>
-            <a:off x="269239" y="5621781"/>
-            <a:ext cx="11617961" cy="706038"/>
-          </a:xfrm>
-          <a:prstGeom prst="rect">
-            <a:avLst/>
-          </a:prstGeom>
-          <a:noFill/>
-          <a:ln w="12700">
-            <a:noFill/>
-            <a:miter lim="800000"/>
-            <a:headEnd type="none" w="sm" len="sm"/>
-            <a:tailEnd type="none" w="sm" len="sm"/>
-          </a:ln>
-          <a:effectLst/>
-        </p:spPr>
-        <p:txBody>
-          <a:bodyPr vert="horz" wrap="square" lIns="89607" tIns="44805" rIns="89607" bIns="44805" numCol="1" anchor="t" anchorCtr="0" compatLnSpc="1">
-            <a:prstTxWarp prst="textNoShape">
-              <a:avLst/>
-            </a:prstTxWarp>
-            <a:spAutoFit/>
-          </a:bodyPr>
-          <a:lstStyle/>
-          <a:p>
-            <a:pPr defTabSz="895888" eaLnBrk="0" hangingPunct="0"/>
-            <a:r>
-              <a:rPr lang="en-US" sz="1000" dirty="0">
-                <a:gradFill>
-                  <a:gsLst>
-                    <a:gs pos="11940">
-                      <a:srgbClr val="FFFFFF"/>
-                    </a:gs>
-                    <a:gs pos="24000">
-                      <a:srgbClr val="FFFFFF"/>
-                    </a:gs>
-                  </a:gsLst>
-                  <a:lin ang="5400000" scaled="0"/>
-                </a:gradFill>
-                <a:cs typeface="Arial" charset="0"/>
-              </a:rPr>
-              <a:t>© 2015 Microsoft Corporation. All rights reserved. Microsoft, Windows, Windows Vista and other product names are or may be registered trademarks and/or trademarks in the U.S. and/or other countries.</a:t>
-            </a:r>
-          </a:p>
-          <a:p>
-            <a:pPr defTabSz="895888" eaLnBrk="0" hangingPunct="0"/>
-            <a:r>
-              <a:rPr lang="en-US" sz="1000" dirty="0">
-                <a:gradFill>
-                  <a:gsLst>
-                    <a:gs pos="11940">
-                      <a:srgbClr val="FFFFFF"/>
-                    </a:gs>
-                    <a:gs pos="24000">
-                      <a:srgbClr val="FFFFFF"/>
-                    </a:gs>
-                  </a:gsLst>
-                  <a:lin ang="5400000" scaled="0"/>
-                </a:gradFill>
-                <a:cs typeface="Arial" charset="0"/>
-              </a:rPr>
-              <a:t>The information herein is for informational purposes only and represents the current view of Microsoft Corporation as of the date of this presentation.  Because Microsoft must respond to changing market conditions, it should not be interpreted to be a commitment on the part of Microsoft, and Microsoft cannot guarantee the accuracy of any information provided after the date of this presentation.  MICROSOFT MAKES NO WARRANTIES, EXPRESS, IMPLIED OR STATUTORY, AS TO THE INFORMATION IN THIS PRESENTATION.</a:t>
-            </a:r>
-          </a:p>
-        </p:txBody>
-      </p:sp>
-    </p:spTree>
-    <p:extLst>
-      <p:ext uri="{BB962C8B-B14F-4D97-AF65-F5344CB8AC3E}">
-        <p14:creationId xmlns:p14="http://schemas.microsoft.com/office/powerpoint/2010/main" val="339861244"/>
-      </p:ext>
-    </p:extLst>
-  </p:cSld>
-  <p:clrMapOvr>
-    <a:masterClrMapping/>
-  </p:clrMapOvr>
-  <p:transition>
-    <p:fade/>
-  </p:transition>
-</p:sldLayout>
-</file>
-
-<file path=ppt/slideLayouts/slideLayout15.xml><?xml version="1.0" encoding="utf-8"?>
-<p:sldLayout xmlns:a="http://schemas.openxmlformats.org/drawingml/2006/main" xmlns:r="http://schemas.openxmlformats.org/officeDocument/2006/relationships" xmlns:p="http://schemas.openxmlformats.org/presentationml/2006/main" type="twoObj">
-  <p:cSld name="Two Content">
-    <p:spTree>
-      <p:nvGrpSpPr>
-        <p:cNvPr id="1" name=""/>
-        <p:cNvGrpSpPr/>
-        <p:nvPr/>
-      </p:nvGrpSpPr>
-      <p:grpSpPr>
-        <a:xfrm>
-          <a:off x="0" y="0"/>
-          <a:ext cx="0" cy="0"/>
-          <a:chOff x="0" y="0"/>
-          <a:chExt cx="0" cy="0"/>
-        </a:xfrm>
-      </p:grpSpPr>
-      <p:sp>
-        <p:nvSpPr>
-          <p:cNvPr id="2" name="Title 1"/>
-          <p:cNvSpPr>
-            <a:spLocks noGrp="1"/>
-          </p:cNvSpPr>
-          <p:nvPr>
-            <p:ph type="title"/>
-          </p:nvPr>
-        </p:nvSpPr>
-        <p:spPr/>
-        <p:txBody>
-          <a:bodyPr/>
-          <a:lstStyle/>
-          <a:p>
-            <a:r>
-              <a:rPr lang="en-US"/>
-              <a:t>Click to edit Master title style</a:t>
-            </a:r>
-          </a:p>
-        </p:txBody>
-      </p:sp>
-      <p:sp>
-        <p:nvSpPr>
-          <p:cNvPr id="3" name="Content Placeholder 2"/>
-          <p:cNvSpPr>
-            <a:spLocks noGrp="1"/>
-          </p:cNvSpPr>
-          <p:nvPr>
-            <p:ph sz="half" idx="1"/>
-          </p:nvPr>
-        </p:nvSpPr>
-        <p:spPr>
-          <a:xfrm>
-            <a:off x="838201" y="1825626"/>
-            <a:ext cx="5181600" cy="3323987"/>
-          </a:xfrm>
-        </p:spPr>
-        <p:txBody>
-          <a:bodyPr/>
-          <a:lstStyle/>
-          <a:p>
-            <a:pPr lvl="0"/>
-            <a:r>
-              <a:rPr lang="en-US"/>
-              <a:t>Click to edit Master text styles</a:t>
-            </a:r>
-          </a:p>
-          <a:p>
-            <a:pPr lvl="1"/>
-            <a:r>
-              <a:rPr lang="en-US"/>
-              <a:t>Second level</a:t>
-            </a:r>
-          </a:p>
-          <a:p>
-            <a:pPr lvl="2"/>
-            <a:r>
-              <a:rPr lang="en-US"/>
-              <a:t>Third level</a:t>
-            </a:r>
-          </a:p>
-          <a:p>
-            <a:pPr lvl="3"/>
-            <a:r>
-              <a:rPr lang="en-US"/>
-              <a:t>Fourth level</a:t>
-            </a:r>
-          </a:p>
-          <a:p>
-            <a:pPr lvl="4"/>
-            <a:r>
-              <a:rPr lang="en-US"/>
-              <a:t>Fifth level</a:t>
-            </a:r>
-          </a:p>
-        </p:txBody>
-      </p:sp>
-      <p:sp>
-        <p:nvSpPr>
-          <p:cNvPr id="4" name="Content Placeholder 3"/>
-          <p:cNvSpPr>
-            <a:spLocks noGrp="1"/>
-          </p:cNvSpPr>
-          <p:nvPr>
-            <p:ph sz="half" idx="2"/>
-          </p:nvPr>
-        </p:nvSpPr>
-        <p:spPr>
-          <a:xfrm>
-            <a:off x="6172200" y="1825626"/>
-            <a:ext cx="5181600" cy="3323987"/>
-          </a:xfrm>
-        </p:spPr>
-        <p:txBody>
-          <a:bodyPr/>
-          <a:lstStyle/>
-          <a:p>
-            <a:pPr lvl="0"/>
-            <a:r>
-              <a:rPr lang="en-US"/>
-              <a:t>Click to edit Master text styles</a:t>
-            </a:r>
-          </a:p>
-          <a:p>
-            <a:pPr lvl="1"/>
-            <a:r>
-              <a:rPr lang="en-US"/>
-              <a:t>Second level</a:t>
-            </a:r>
-          </a:p>
-          <a:p>
-            <a:pPr lvl="2"/>
-            <a:r>
-              <a:rPr lang="en-US"/>
-              <a:t>Third level</a:t>
-            </a:r>
-          </a:p>
-          <a:p>
-            <a:pPr lvl="3"/>
-            <a:r>
-              <a:rPr lang="en-US"/>
-              <a:t>Fourth level</a:t>
-            </a:r>
-          </a:p>
-          <a:p>
-            <a:pPr lvl="4"/>
-            <a:r>
-              <a:rPr lang="en-US"/>
-              <a:t>Fifth level</a:t>
-            </a:r>
-          </a:p>
-        </p:txBody>
-      </p:sp>
-      <p:sp>
-        <p:nvSpPr>
-          <p:cNvPr id="5" name="Date Placeholder 4"/>
-          <p:cNvSpPr>
-            <a:spLocks noGrp="1"/>
-          </p:cNvSpPr>
-          <p:nvPr>
-            <p:ph type="dt" sz="half" idx="10"/>
-          </p:nvPr>
-        </p:nvSpPr>
-        <p:spPr>
-          <a:xfrm>
-            <a:off x="838202" y="6356351"/>
-            <a:ext cx="2743200" cy="365125"/>
-          </a:xfrm>
-          <a:prstGeom prst="rect">
-            <a:avLst/>
-          </a:prstGeom>
-        </p:spPr>
-        <p:txBody>
-          <a:bodyPr/>
-          <a:lstStyle/>
-          <a:p>
-            <a:fld id="{B37ECBE2-3150-4A8C-9BA8-324E60C97071}" type="datetimeFigureOut">
-              <a:rPr lang="en-US"/>
-              <a:t>7/5/2016</a:t>
-            </a:fld>
-            <a:endParaRPr lang="en-US" dirty="0"/>
-          </a:p>
-        </p:txBody>
-      </p:sp>
-      <p:sp>
-        <p:nvSpPr>
-          <p:cNvPr id="6" name="Footer Placeholder 5"/>
-          <p:cNvSpPr>
-            <a:spLocks noGrp="1"/>
-          </p:cNvSpPr>
-          <p:nvPr>
-            <p:ph type="ftr" sz="quarter" idx="11"/>
-          </p:nvPr>
-        </p:nvSpPr>
-        <p:spPr>
-          <a:xfrm>
-            <a:off x="4038601" y="6356351"/>
-            <a:ext cx="4114800" cy="365125"/>
-          </a:xfrm>
-          <a:prstGeom prst="rect">
-            <a:avLst/>
-          </a:prstGeom>
-        </p:spPr>
-        <p:txBody>
-          <a:bodyPr/>
-          <a:lstStyle/>
-          <a:p>
-            <a:endParaRPr lang="en-US" dirty="0"/>
-          </a:p>
-        </p:txBody>
-      </p:sp>
-      <p:sp>
-        <p:nvSpPr>
-          <p:cNvPr id="7" name="Slide Number Placeholder 6"/>
-          <p:cNvSpPr>
-            <a:spLocks noGrp="1"/>
-          </p:cNvSpPr>
-          <p:nvPr>
-            <p:ph type="sldNum" sz="quarter" idx="12"/>
-          </p:nvPr>
-        </p:nvSpPr>
-        <p:spPr>
-          <a:xfrm>
-            <a:off x="8610600" y="6356351"/>
-            <a:ext cx="2743200" cy="365125"/>
-          </a:xfrm>
-          <a:prstGeom prst="rect">
-            <a:avLst/>
-          </a:prstGeom>
-        </p:spPr>
-        <p:txBody>
-          <a:bodyPr/>
-          <a:lstStyle/>
-          <a:p>
-            <a:fld id="{21476996-1D2C-40F1-B50E-3395E94DDC5F}" type="slidenum">
-              <a:rPr lang="en-US"/>
-              <a:t>‹#›</a:t>
-            </a:fld>
-            <a:endParaRPr lang="en-US" dirty="0"/>
-          </a:p>
-        </p:txBody>
-      </p:sp>
-    </p:spTree>
-    <p:extLst>
-      <p:ext uri="{BB962C8B-B14F-4D97-AF65-F5344CB8AC3E}">
-        <p14:creationId xmlns:p14="http://schemas.microsoft.com/office/powerpoint/2010/main" val="3385528397"/>
-      </p:ext>
-    </p:extLst>
-  </p:cSld>
-  <p:clrMapOvr>
-    <a:masterClrMapping/>
-  </p:clrMapOvr>
-</p:sldLayout>
-</file>
-
-<file path=ppt/slideLayouts/slideLayout16.xml><?xml version="1.0" encoding="utf-8"?>
 <p:sldLayout xmlns:a="http://schemas.openxmlformats.org/drawingml/2006/main" xmlns:r="http://schemas.openxmlformats.org/officeDocument/2006/relationships" xmlns:p="http://schemas.openxmlformats.org/presentationml/2006/main" preserve="1">
   <p:cSld name="Title Slide">
     <p:spTree>
@@ -26097,9 +24143,309 @@
 </p:sldLayout>
 </file>
 
-<file path=ppt/slideLayouts/slideLayout17.xml><?xml version="1.0" encoding="utf-8"?>
+<file path=ppt/slideLayouts/slideLayout10.xml><?xml version="1.0" encoding="utf-8"?>
 <p:sldLayout xmlns:a="http://schemas.openxmlformats.org/drawingml/2006/main" xmlns:r="http://schemas.openxmlformats.org/officeDocument/2006/relationships" xmlns:p="http://schemas.openxmlformats.org/presentationml/2006/main" preserve="1">
-  <p:cSld name="Section Slide">
+  <p:cSld name="Survey Ask">
+    <p:spTree>
+      <p:nvGrpSpPr>
+        <p:cNvPr id="1" name=""/>
+        <p:cNvGrpSpPr/>
+        <p:nvPr/>
+      </p:nvGrpSpPr>
+      <p:grpSpPr>
+        <a:xfrm>
+          <a:off x="0" y="0"/>
+          <a:ext cx="0" cy="0"/>
+          <a:chOff x="0" y="0"/>
+          <a:chExt cx="0" cy="0"/>
+        </a:xfrm>
+      </p:grpSpPr>
+      <p:sp>
+        <p:nvSpPr>
+          <p:cNvPr id="3" name="TextBox 2"/>
+          <p:cNvSpPr txBox="1"/>
+          <p:nvPr/>
+        </p:nvSpPr>
+        <p:spPr>
+          <a:xfrm>
+            <a:off x="268927" y="1541206"/>
+            <a:ext cx="11541863" cy="2665345"/>
+          </a:xfrm>
+          <a:prstGeom prst="rect">
+            <a:avLst/>
+          </a:prstGeom>
+          <a:noFill/>
+        </p:spPr>
+        <p:txBody>
+          <a:bodyPr wrap="square" lIns="182880" tIns="146304" rIns="182880" bIns="146304" rtlCol="0">
+            <a:spAutoFit/>
+          </a:bodyPr>
+          <a:lstStyle/>
+          <a:p>
+            <a:pPr algn="ctr">
+              <a:lnSpc>
+                <a:spcPct val="90000"/>
+              </a:lnSpc>
+              <a:spcAft>
+                <a:spcPts val="600"/>
+              </a:spcAft>
+            </a:pPr>
+            <a:r>
+              <a:rPr lang="en-US" sz="4000" dirty="0">
+                <a:gradFill>
+                  <a:gsLst>
+                    <a:gs pos="2917">
+                      <a:schemeClr val="tx1"/>
+                    </a:gs>
+                    <a:gs pos="30000">
+                      <a:schemeClr val="tx1"/>
+                    </a:gs>
+                  </a:gsLst>
+                  <a:lin ang="5400000" scaled="0"/>
+                </a:gradFill>
+                <a:latin typeface="+mj-lt"/>
+              </a:rPr>
+              <a:t>Your</a:t>
+            </a:r>
+            <a:r>
+              <a:rPr lang="en-US" sz="4000" baseline="0" dirty="0">
+                <a:gradFill>
+                  <a:gsLst>
+                    <a:gs pos="2917">
+                      <a:schemeClr val="tx1"/>
+                    </a:gs>
+                    <a:gs pos="30000">
+                      <a:schemeClr val="tx1"/>
+                    </a:gs>
+                  </a:gsLst>
+                  <a:lin ang="5400000" scaled="0"/>
+                </a:gradFill>
+                <a:latin typeface="+mj-lt"/>
+              </a:rPr>
+              <a:t> </a:t>
+            </a:r>
+            <a:r>
+              <a:rPr lang="en-US" sz="4000" b="0" i="0" baseline="0" dirty="0">
+                <a:gradFill>
+                  <a:gsLst>
+                    <a:gs pos="2917">
+                      <a:schemeClr val="tx1"/>
+                    </a:gs>
+                    <a:gs pos="30000">
+                      <a:schemeClr val="tx1"/>
+                    </a:gs>
+                  </a:gsLst>
+                  <a:lin ang="5400000" scaled="0"/>
+                </a:gradFill>
+                <a:latin typeface="+mj-lt"/>
+              </a:rPr>
+              <a:t>anonymous</a:t>
+            </a:r>
+            <a:r>
+              <a:rPr lang="en-US" sz="4000" baseline="0" dirty="0">
+                <a:gradFill>
+                  <a:gsLst>
+                    <a:gs pos="2917">
+                      <a:schemeClr val="tx1"/>
+                    </a:gs>
+                    <a:gs pos="30000">
+                      <a:schemeClr val="tx1"/>
+                    </a:gs>
+                  </a:gsLst>
+                  <a:lin ang="5400000" scaled="0"/>
+                </a:gradFill>
+                <a:latin typeface="+mj-lt"/>
+              </a:rPr>
+              <a:t> feedback is greatly appreciated.</a:t>
+            </a:r>
+          </a:p>
+          <a:p>
+            <a:pPr algn="ctr">
+              <a:lnSpc>
+                <a:spcPct val="90000"/>
+              </a:lnSpc>
+              <a:spcAft>
+                <a:spcPts val="600"/>
+              </a:spcAft>
+            </a:pPr>
+            <a:endParaRPr lang="en-US" sz="4000" baseline="0" dirty="0">
+              <a:gradFill>
+                <a:gsLst>
+                  <a:gs pos="2917">
+                    <a:schemeClr val="tx1"/>
+                  </a:gs>
+                  <a:gs pos="30000">
+                    <a:schemeClr val="tx1"/>
+                  </a:gs>
+                </a:gsLst>
+                <a:lin ang="5400000" scaled="0"/>
+              </a:gradFill>
+              <a:latin typeface="+mj-lt"/>
+            </a:endParaRPr>
+          </a:p>
+          <a:p>
+            <a:pPr algn="ctr">
+              <a:lnSpc>
+                <a:spcPct val="90000"/>
+              </a:lnSpc>
+              <a:spcAft>
+                <a:spcPts val="600"/>
+              </a:spcAft>
+            </a:pPr>
+            <a:r>
+              <a:rPr lang="en-US" sz="4000" baseline="0" dirty="0">
+                <a:gradFill>
+                  <a:gsLst>
+                    <a:gs pos="2917">
+                      <a:schemeClr val="tx1"/>
+                    </a:gs>
+                    <a:gs pos="30000">
+                      <a:schemeClr val="tx1"/>
+                    </a:gs>
+                  </a:gsLst>
+                  <a:lin ang="5400000" scaled="0"/>
+                </a:gradFill>
+                <a:latin typeface="+mj-lt"/>
+              </a:rPr>
+              <a:t>Please rate this session at the end of the day at the URL below.</a:t>
+            </a:r>
+            <a:endParaRPr lang="en-US" sz="4000" dirty="0">
+              <a:gradFill>
+                <a:gsLst>
+                  <a:gs pos="2917">
+                    <a:schemeClr val="tx1"/>
+                  </a:gs>
+                  <a:gs pos="30000">
+                    <a:schemeClr val="tx1"/>
+                  </a:gs>
+                </a:gsLst>
+                <a:lin ang="5400000" scaled="0"/>
+              </a:gradFill>
+              <a:latin typeface="+mj-lt"/>
+            </a:endParaRPr>
+          </a:p>
+        </p:txBody>
+      </p:sp>
+      <p:sp>
+        <p:nvSpPr>
+          <p:cNvPr id="4" name="Text Placeholder 3"/>
+          <p:cNvSpPr>
+            <a:spLocks noGrp="1"/>
+          </p:cNvSpPr>
+          <p:nvPr>
+            <p:ph type="body" sz="quarter" idx="10" hasCustomPrompt="1"/>
+          </p:nvPr>
+        </p:nvSpPr>
+        <p:spPr>
+          <a:xfrm>
+            <a:off x="268928" y="4880532"/>
+            <a:ext cx="11541862" cy="1098762"/>
+          </a:xfrm>
+        </p:spPr>
+        <p:txBody>
+          <a:bodyPr/>
+          <a:lstStyle>
+            <a:lvl1pPr marL="0" indent="0" algn="ctr">
+              <a:buNone/>
+              <a:defRPr sz="6600" i="0">
+                <a:latin typeface="+mn-lt"/>
+              </a:defRPr>
+            </a:lvl1pPr>
+            <a:lvl2pPr marL="336145" indent="0">
+              <a:buNone/>
+              <a:defRPr/>
+            </a:lvl2pPr>
+            <a:lvl3pPr marL="560241" indent="0">
+              <a:buNone/>
+              <a:defRPr/>
+            </a:lvl3pPr>
+            <a:lvl4pPr marL="784338" indent="0">
+              <a:buNone/>
+              <a:defRPr/>
+            </a:lvl4pPr>
+            <a:lvl5pPr marL="1008435" indent="0">
+              <a:buNone/>
+              <a:defRPr/>
+            </a:lvl5pPr>
+          </a:lstStyle>
+          <a:p>
+            <a:pPr lvl="0"/>
+            <a:r>
+              <a:rPr lang="en-US" dirty="0"/>
+              <a:t>Click to edit survey URL</a:t>
+            </a:r>
+          </a:p>
+        </p:txBody>
+      </p:sp>
+      <p:sp>
+        <p:nvSpPr>
+          <p:cNvPr id="5" name="TextBox 4"/>
+          <p:cNvSpPr txBox="1"/>
+          <p:nvPr/>
+        </p:nvSpPr>
+        <p:spPr>
+          <a:xfrm>
+            <a:off x="268926" y="208533"/>
+            <a:ext cx="11541863" cy="1209562"/>
+          </a:xfrm>
+          <a:prstGeom prst="rect">
+            <a:avLst/>
+          </a:prstGeom>
+          <a:noFill/>
+        </p:spPr>
+        <p:txBody>
+          <a:bodyPr wrap="square" lIns="182880" tIns="146304" rIns="182880" bIns="146304" rtlCol="0">
+            <a:spAutoFit/>
+          </a:bodyPr>
+          <a:lstStyle/>
+          <a:p>
+            <a:pPr algn="ctr">
+              <a:lnSpc>
+                <a:spcPct val="90000"/>
+              </a:lnSpc>
+              <a:spcAft>
+                <a:spcPts val="600"/>
+              </a:spcAft>
+            </a:pPr>
+            <a:r>
+              <a:rPr lang="en-US" sz="6600" dirty="0">
+                <a:gradFill>
+                  <a:gsLst>
+                    <a:gs pos="2917">
+                      <a:schemeClr val="tx1"/>
+                    </a:gs>
+                    <a:gs pos="30000">
+                      <a:schemeClr val="tx1"/>
+                    </a:gs>
+                  </a:gsLst>
+                  <a:lin ang="5400000" scaled="0"/>
+                </a:gradFill>
+                <a:latin typeface="+mj-lt"/>
+              </a:rPr>
+              <a:t>Thank You!</a:t>
+            </a:r>
+          </a:p>
+        </p:txBody>
+      </p:sp>
+    </p:spTree>
+    <p:extLst>
+      <p:ext uri="{BB962C8B-B14F-4D97-AF65-F5344CB8AC3E}">
+        <p14:creationId xmlns:p14="http://schemas.microsoft.com/office/powerpoint/2010/main" val="678274627"/>
+      </p:ext>
+    </p:extLst>
+  </p:cSld>
+  <p:clrMapOvr>
+    <a:masterClrMapping/>
+  </p:clrMapOvr>
+  <p:transition>
+    <p:fade/>
+  </p:transition>
+</p:sldLayout>
+</file>
+
+<file path=ppt/slideLayouts/slideLayout11.xml><?xml version="1.0" encoding="utf-8"?>
+<p:sldLayout xmlns:a="http://schemas.openxmlformats.org/drawingml/2006/main" xmlns:r="http://schemas.openxmlformats.org/officeDocument/2006/relationships" xmlns:p="http://schemas.openxmlformats.org/presentationml/2006/main">
+  <p:cSld name="Ending Slide">
     <p:bg>
       <p:bgPr>
         <a:solidFill>
@@ -26131,15 +24477,21 @@
           <p:nvPr/>
         </p:nvPicPr>
         <p:blipFill>
-          <a:blip r:embed="rId2"/>
+          <a:blip r:embed="rId2" cstate="email">
+            <a:extLst>
+              <a:ext uri="{28A0092B-C50C-407E-A947-70E740481C1C}">
+                <a14:useLocalDpi xmlns:a14="http://schemas.microsoft.com/office/drawing/2010/main"/>
+              </a:ext>
+            </a:extLst>
+          </a:blip>
           <a:stretch>
             <a:fillRect/>
           </a:stretch>
         </p:blipFill>
-        <p:spPr>
+        <p:spPr bwMode="invGray">
           <a:xfrm>
-            <a:off x="0" y="0"/>
-            <a:ext cx="12192000" cy="2858788"/>
+            <a:off x="269239" y="3975398"/>
+            <a:ext cx="3575287" cy="765878"/>
           </a:xfrm>
           <a:prstGeom prst="rect">
             <a:avLst/>
@@ -26148,90 +24500,75 @@
       </p:pic>
       <p:sp>
         <p:nvSpPr>
-          <p:cNvPr id="7" name="Title 1"/>
-          <p:cNvSpPr>
-            <a:spLocks noGrp="1"/>
+          <p:cNvPr id="4" name="Text Box 3"/>
+          <p:cNvSpPr txBox="1">
+            <a:spLocks noChangeArrowheads="1"/>
           </p:cNvSpPr>
-          <p:nvPr>
-            <p:ph type="title" hasCustomPrompt="1"/>
-          </p:nvPr>
-        </p:nvSpPr>
-        <p:spPr>
+          <p:nvPr/>
+        </p:nvSpPr>
+        <p:spPr bwMode="blackWhite">
           <a:xfrm>
-            <a:off x="268928" y="3689190"/>
-            <a:ext cx="11541863" cy="899665"/>
-          </a:xfrm>
-        </p:spPr>
-        <p:txBody>
-          <a:bodyPr/>
-          <a:lstStyle>
-            <a:lvl1pPr algn="ctr">
-              <a:defRPr baseline="0"/>
-            </a:lvl1pPr>
-          </a:lstStyle>
-          <a:p>
-            <a:r>
-              <a:rPr lang="en-US" dirty="0"/>
-              <a:t>Click to edit section name</a:t>
-            </a:r>
-          </a:p>
-        </p:txBody>
-      </p:sp>
-      <p:sp>
-        <p:nvSpPr>
-          <p:cNvPr id="8" name="TextBox 7"/>
-          <p:cNvSpPr txBox="1"/>
-          <p:nvPr/>
-        </p:nvSpPr>
-        <p:spPr>
-          <a:xfrm>
-            <a:off x="778469" y="1024876"/>
-            <a:ext cx="3740504" cy="1321387"/>
+            <a:off x="269239" y="5621781"/>
+            <a:ext cx="11617961" cy="859927"/>
           </a:xfrm>
           <a:prstGeom prst="rect">
             <a:avLst/>
           </a:prstGeom>
           <a:noFill/>
+          <a:ln w="12700">
+            <a:noFill/>
+            <a:miter lim="800000"/>
+            <a:headEnd type="none" w="sm" len="sm"/>
+            <a:tailEnd type="none" w="sm" len="sm"/>
+          </a:ln>
+          <a:effectLst/>
         </p:spPr>
         <p:txBody>
-          <a:bodyPr wrap="square" lIns="182880" tIns="146304" rIns="182880" bIns="146304" rtlCol="0">
+          <a:bodyPr vert="horz" wrap="square" lIns="89607" tIns="44805" rIns="89607" bIns="44805" numCol="1" anchor="t" anchorCtr="0" compatLnSpc="1">
+            <a:prstTxWarp prst="textNoShape">
+              <a:avLst/>
+            </a:prstTxWarp>
             <a:spAutoFit/>
           </a:bodyPr>
           <a:lstStyle/>
           <a:p>
-            <a:pPr marL="0" marR="0" lvl="0" indent="0" algn="ctr" defTabSz="914400" rtl="0" eaLnBrk="1" fontAlgn="auto" latinLnBrk="0" hangingPunct="1">
-              <a:lnSpc>
-                <a:spcPts val="4000"/>
-              </a:lnSpc>
-              <a:spcBef>
-                <a:spcPts val="0"/>
-              </a:spcBef>
-              <a:spcAft>
-                <a:spcPts val="0"/>
-              </a:spcAft>
-              <a:buClrTx/>
-              <a:buSzTx/>
-              <a:buFontTx/>
-              <a:buNone/>
-              <a:tabLst/>
-              <a:defRPr/>
-            </a:pPr>
-            <a:r>
-              <a:rPr kumimoji="0" lang="en-US" sz="3600" b="0" i="0" u="none" strike="noStrike" kern="1200" cap="none" spc="0" normalizeH="0" baseline="0" noProof="0" dirty="0">
-                <a:ln>
-                  <a:noFill/>
-                </a:ln>
-                <a:solidFill>
-                  <a:srgbClr val="0070C0"/>
-                </a:solidFill>
-                <a:effectLst/>
-                <a:uLnTx/>
-                <a:uFillTx/>
-                <a:latin typeface="Segoe UI Light"/>
-                <a:ea typeface="+mn-ea"/>
-                <a:cs typeface="+mn-cs"/>
+            <a:pPr defTabSz="895888" eaLnBrk="0" hangingPunct="0"/>
+            <a:r>
+              <a:rPr lang="en-US" sz="1000" dirty="0">
+                <a:gradFill>
+                  <a:gsLst>
+                    <a:gs pos="11940">
+                      <a:srgbClr val="FFFFFF"/>
+                    </a:gs>
+                    <a:gs pos="24000">
+                      <a:srgbClr val="FFFFFF"/>
+                    </a:gs>
+                  </a:gsLst>
+                  <a:lin ang="5400000" scaled="0"/>
+                </a:gradFill>
+                <a:cs typeface="Arial" charset="0"/>
               </a:rPr>
-              <a:t>Architect to Architect</a:t>
+              <a:t>© 2015-2016 Microsoft Corporation. All rights reserved. Microsoft, Windows, Windows Vista and other product names are or may be registered trademarks and/or trademarks in the U.S. and/or other countries.</a:t>
+            </a:r>
+          </a:p>
+          <a:p>
+            <a:pPr defTabSz="895888" eaLnBrk="0" hangingPunct="0"/>
+            <a:r>
+              <a:rPr lang="en-US" sz="1000" dirty="0">
+                <a:gradFill>
+                  <a:gsLst>
+                    <a:gs pos="11940">
+                      <a:srgbClr val="FFFFFF"/>
+                    </a:gs>
+                    <a:gs pos="24000">
+                      <a:srgbClr val="FFFFFF"/>
+                    </a:gs>
+                  </a:gsLst>
+                  <a:lin ang="5400000" scaled="0"/>
+                </a:gradFill>
+                <a:cs typeface="Arial" charset="0"/>
+              </a:rPr>
+              <a:t>The information herein is for informational purposes only and represents the current view of Microsoft Corporation as of the date of this presentation.  Because Microsoft must respond to changing market conditions, it should not be interpreted to be a commitment on the part of Microsoft, and Microsoft cannot guarantee the accuracy of any information provided after the date of this presentation.  MICROSOFT MAKES NO WARRANTIES, EXPRESS, IMPLIED OR STATUTORY, AS TO THE INFORMATION IN THIS PRESENTATION.</a:t>
             </a:r>
           </a:p>
         </p:txBody>
@@ -26245,197 +24582,31 @@
           <p:nvPr userDrawn="1"/>
         </p:nvPicPr>
         <p:blipFill>
-          <a:blip r:embed="rId2"/>
+          <a:blip r:embed="rId2" cstate="email">
+            <a:extLst>
+              <a:ext uri="{28A0092B-C50C-407E-A947-70E740481C1C}">
+                <a14:useLocalDpi xmlns:a14="http://schemas.microsoft.com/office/drawing/2010/main"/>
+              </a:ext>
+            </a:extLst>
+          </a:blip>
           <a:stretch>
             <a:fillRect/>
           </a:stretch>
         </p:blipFill>
-        <p:spPr>
+        <p:spPr bwMode="invGray">
           <a:xfrm>
-            <a:off x="0" y="0"/>
-            <a:ext cx="12192000" cy="2858788"/>
+            <a:off x="269239" y="3975398"/>
+            <a:ext cx="3575287" cy="765878"/>
           </a:xfrm>
           <a:prstGeom prst="rect">
             <a:avLst/>
           </a:prstGeom>
         </p:spPr>
       </p:pic>
-      <p:sp>
-        <p:nvSpPr>
-          <p:cNvPr id="9" name="TextBox 8"/>
-          <p:cNvSpPr txBox="1"/>
-          <p:nvPr userDrawn="1"/>
-        </p:nvSpPr>
-        <p:spPr>
-          <a:xfrm>
-            <a:off x="778469" y="1024876"/>
-            <a:ext cx="3740504" cy="1321387"/>
-          </a:xfrm>
-          <a:prstGeom prst="rect">
-            <a:avLst/>
-          </a:prstGeom>
-          <a:noFill/>
-        </p:spPr>
-        <p:txBody>
-          <a:bodyPr wrap="square" lIns="182880" tIns="146304" rIns="182880" bIns="146304" rtlCol="0">
-            <a:spAutoFit/>
-          </a:bodyPr>
-          <a:lstStyle/>
-          <a:p>
-            <a:pPr algn="ctr">
-              <a:lnSpc>
-                <a:spcPts val="4000"/>
-              </a:lnSpc>
-            </a:pPr>
-            <a:r>
-              <a:rPr lang="en-US" sz="3600" dirty="0">
-                <a:solidFill>
-                  <a:srgbClr val="0070C0"/>
-                </a:solidFill>
-                <a:latin typeface="+mj-lt"/>
-              </a:rPr>
-              <a:t>Engineer</a:t>
-            </a:r>
-            <a:r>
-              <a:rPr lang="en-US" sz="3600" baseline="0" dirty="0">
-                <a:solidFill>
-                  <a:srgbClr val="0070C0"/>
-                </a:solidFill>
-                <a:latin typeface="+mj-lt"/>
-              </a:rPr>
-              <a:t> </a:t>
-            </a:r>
-            <a:r>
-              <a:rPr lang="en-US" sz="3600" dirty="0">
-                <a:solidFill>
-                  <a:srgbClr val="0070C0"/>
-                </a:solidFill>
-                <a:latin typeface="+mj-lt"/>
-              </a:rPr>
-              <a:t>to</a:t>
-            </a:r>
-            <a:r>
-              <a:rPr lang="en-US" sz="3600" baseline="0" dirty="0">
-                <a:solidFill>
-                  <a:srgbClr val="0070C0"/>
-                </a:solidFill>
-                <a:latin typeface="+mj-lt"/>
-              </a:rPr>
-              <a:t> </a:t>
-            </a:r>
-            <a:r>
-              <a:rPr lang="en-US" sz="3600" dirty="0">
-                <a:solidFill>
-                  <a:srgbClr val="0070C0"/>
-                </a:solidFill>
-                <a:latin typeface="+mj-lt"/>
-              </a:rPr>
-              <a:t>Engineer</a:t>
-            </a:r>
-          </a:p>
-        </p:txBody>
-      </p:sp>
     </p:spTree>
     <p:extLst>
       <p:ext uri="{BB962C8B-B14F-4D97-AF65-F5344CB8AC3E}">
-        <p14:creationId xmlns:p14="http://schemas.microsoft.com/office/powerpoint/2010/main" val="2998249070"/>
-      </p:ext>
-    </p:extLst>
-  </p:cSld>
-  <p:clrMapOvr>
-    <a:masterClrMapping/>
-  </p:clrMapOvr>
-  <p:transition>
-    <p:fade/>
-  </p:transition>
-</p:sldLayout>
-</file>
-
-<file path=ppt/slideLayouts/slideLayout18.xml><?xml version="1.0" encoding="utf-8"?>
-<p:sldLayout xmlns:a="http://schemas.openxmlformats.org/drawingml/2006/main" xmlns:r="http://schemas.openxmlformats.org/officeDocument/2006/relationships" xmlns:p="http://schemas.openxmlformats.org/presentationml/2006/main" preserve="1">
-  <p:cSld name="Blank">
-    <p:spTree>
-      <p:nvGrpSpPr>
-        <p:cNvPr id="1" name=""/>
-        <p:cNvGrpSpPr/>
-        <p:nvPr/>
-      </p:nvGrpSpPr>
-      <p:grpSpPr>
-        <a:xfrm>
-          <a:off x="0" y="0"/>
-          <a:ext cx="0" cy="0"/>
-          <a:chOff x="0" y="0"/>
-          <a:chExt cx="0" cy="0"/>
-        </a:xfrm>
-      </p:grpSpPr>
-    </p:spTree>
-    <p:extLst>
-      <p:ext uri="{BB962C8B-B14F-4D97-AF65-F5344CB8AC3E}">
-        <p14:creationId xmlns:p14="http://schemas.microsoft.com/office/powerpoint/2010/main" val="1387712737"/>
-      </p:ext>
-    </p:extLst>
-  </p:cSld>
-  <p:clrMapOvr>
-    <a:masterClrMapping/>
-  </p:clrMapOvr>
-  <p:transition>
-    <p:fade/>
-  </p:transition>
-</p:sldLayout>
-</file>
-
-<file path=ppt/slideLayouts/slideLayout19.xml><?xml version="1.0" encoding="utf-8"?>
-<p:sldLayout xmlns:a="http://schemas.openxmlformats.org/drawingml/2006/main" xmlns:r="http://schemas.openxmlformats.org/officeDocument/2006/relationships" xmlns:p="http://schemas.openxmlformats.org/presentationml/2006/main" preserve="1">
-  <p:cSld name="Title Only">
-    <p:bg>
-      <p:bgPr>
-        <a:solidFill>
-          <a:srgbClr val="1574B8"/>
-        </a:solidFill>
-        <a:effectLst/>
-      </p:bgPr>
-    </p:bg>
-    <p:spTree>
-      <p:nvGrpSpPr>
-        <p:cNvPr id="1" name=""/>
-        <p:cNvGrpSpPr/>
-        <p:nvPr/>
-      </p:nvGrpSpPr>
-      <p:grpSpPr>
-        <a:xfrm>
-          <a:off x="0" y="0"/>
-          <a:ext cx="0" cy="0"/>
-          <a:chOff x="0" y="0"/>
-          <a:chExt cx="0" cy="0"/>
-        </a:xfrm>
-      </p:grpSpPr>
-      <p:sp>
-        <p:nvSpPr>
-          <p:cNvPr id="2" name="Title 1"/>
-          <p:cNvSpPr>
-            <a:spLocks noGrp="1"/>
-          </p:cNvSpPr>
-          <p:nvPr>
-            <p:ph type="title"/>
-          </p:nvPr>
-        </p:nvSpPr>
-        <p:spPr/>
-        <p:txBody>
-          <a:bodyPr/>
-          <a:lstStyle/>
-          <a:p>
-            <a:r>
-              <a:rPr lang="en-US"/>
-              <a:t>Click to edit Master title style</a:t>
-            </a:r>
-            <a:endParaRPr lang="en-US" dirty="0"/>
-          </a:p>
-        </p:txBody>
-      </p:sp>
-    </p:spTree>
-    <p:extLst>
-      <p:ext uri="{BB962C8B-B14F-4D97-AF65-F5344CB8AC3E}">
-        <p14:creationId xmlns:p14="http://schemas.microsoft.com/office/powerpoint/2010/main" val="404932318"/>
+        <p14:creationId xmlns:p14="http://schemas.microsoft.com/office/powerpoint/2010/main" val="1669540924"/>
       </p:ext>
     </p:extLst>
   </p:cSld>
@@ -26582,7 +24753,7 @@
                 <a:ea typeface="+mn-ea"/>
                 <a:cs typeface="+mn-cs"/>
               </a:rPr>
-              <a:t>Engineer to Engineer</a:t>
+              <a:t>Architect to Architect</a:t>
             </a:r>
           </a:p>
         </p:txBody>
@@ -26689,7 +24860,7 @@
     </p:spTree>
     <p:extLst>
       <p:ext uri="{BB962C8B-B14F-4D97-AF65-F5344CB8AC3E}">
-        <p14:creationId xmlns:p14="http://schemas.microsoft.com/office/powerpoint/2010/main" val="1503883120"/>
+        <p14:creationId xmlns:p14="http://schemas.microsoft.com/office/powerpoint/2010/main" val="2998249070"/>
       </p:ext>
     </p:extLst>
   </p:cSld>
@@ -26699,1781 +24870,6 @@
   <p:transition>
     <p:fade/>
   </p:transition>
-</p:sldLayout>
-</file>
-
-<file path=ppt/slideLayouts/slideLayout20.xml><?xml version="1.0" encoding="utf-8"?>
-<p:sldLayout xmlns:a="http://schemas.openxmlformats.org/drawingml/2006/main" xmlns:r="http://schemas.openxmlformats.org/officeDocument/2006/relationships" xmlns:p="http://schemas.openxmlformats.org/presentationml/2006/main" preserve="1">
-  <p:cSld name="Code - Graphic Bottom">
-    <p:bg>
-      <p:bgPr>
-        <a:solidFill>
-          <a:srgbClr val="1574B8"/>
-        </a:solidFill>
-        <a:effectLst/>
-      </p:bgPr>
-    </p:bg>
-    <p:spTree>
-      <p:nvGrpSpPr>
-        <p:cNvPr id="1" name=""/>
-        <p:cNvGrpSpPr/>
-        <p:nvPr/>
-      </p:nvGrpSpPr>
-      <p:grpSpPr>
-        <a:xfrm>
-          <a:off x="0" y="0"/>
-          <a:ext cx="0" cy="0"/>
-          <a:chOff x="0" y="0"/>
-          <a:chExt cx="0" cy="0"/>
-        </a:xfrm>
-      </p:grpSpPr>
-      <p:sp>
-        <p:nvSpPr>
-          <p:cNvPr id="2" name="Title 1"/>
-          <p:cNvSpPr>
-            <a:spLocks noGrp="1"/>
-          </p:cNvSpPr>
-          <p:nvPr>
-            <p:ph type="title"/>
-          </p:nvPr>
-        </p:nvSpPr>
-        <p:spPr/>
-        <p:txBody>
-          <a:bodyPr/>
-          <a:lstStyle/>
-          <a:p>
-            <a:r>
-              <a:rPr lang="en-US"/>
-              <a:t>Click to edit Master title style</a:t>
-            </a:r>
-          </a:p>
-        </p:txBody>
-      </p:sp>
-      <p:sp>
-        <p:nvSpPr>
-          <p:cNvPr id="9" name="Text Placeholder 8"/>
-          <p:cNvSpPr>
-            <a:spLocks noGrp="1"/>
-          </p:cNvSpPr>
-          <p:nvPr>
-            <p:ph type="body" sz="quarter" idx="10"/>
-          </p:nvPr>
-        </p:nvSpPr>
-        <p:spPr>
-          <a:xfrm>
-            <a:off x="269239" y="1411758"/>
-            <a:ext cx="11653523" cy="4846429"/>
-          </a:xfrm>
-          <a:solidFill>
-            <a:schemeClr val="tx1"/>
-          </a:solidFill>
-        </p:spPr>
-        <p:txBody>
-          <a:bodyPr/>
-          <a:lstStyle>
-            <a:lvl1pPr marL="0" indent="0">
-              <a:buNone/>
-              <a:defRPr sz="1961">
-                <a:solidFill>
-                  <a:schemeClr val="bg1"/>
-                </a:solidFill>
-                <a:latin typeface="Courier New" panose="02070309020205020404" pitchFamily="49" charset="0"/>
-                <a:cs typeface="Courier New" panose="02070309020205020404" pitchFamily="49" charset="0"/>
-              </a:defRPr>
-            </a:lvl1pPr>
-          </a:lstStyle>
-          <a:p>
-            <a:pPr lvl="0"/>
-            <a:r>
-              <a:rPr lang="en-US"/>
-              <a:t>Edit Master text styles</a:t>
-            </a:r>
-          </a:p>
-        </p:txBody>
-      </p:sp>
-    </p:spTree>
-    <p:extLst>
-      <p:ext uri="{BB962C8B-B14F-4D97-AF65-F5344CB8AC3E}">
-        <p14:creationId xmlns:p14="http://schemas.microsoft.com/office/powerpoint/2010/main" val="2064220244"/>
-      </p:ext>
-    </p:extLst>
-  </p:cSld>
-  <p:clrMapOvr>
-    <a:masterClrMapping/>
-  </p:clrMapOvr>
-  <p:transition>
-    <p:fade/>
-  </p:transition>
-</p:sldLayout>
-</file>
-
-<file path=ppt/slideLayouts/slideLayout21.xml><?xml version="1.0" encoding="utf-8"?>
-<p:sldLayout xmlns:a="http://schemas.openxmlformats.org/drawingml/2006/main" xmlns:r="http://schemas.openxmlformats.org/officeDocument/2006/relationships" xmlns:p="http://schemas.openxmlformats.org/presentationml/2006/main" preserve="1">
-  <p:cSld name="Title and Content">
-    <p:bg>
-      <p:bgPr>
-        <a:solidFill>
-          <a:srgbClr val="1574B8"/>
-        </a:solidFill>
-        <a:effectLst/>
-      </p:bgPr>
-    </p:bg>
-    <p:spTree>
-      <p:nvGrpSpPr>
-        <p:cNvPr id="1" name=""/>
-        <p:cNvGrpSpPr/>
-        <p:nvPr/>
-      </p:nvGrpSpPr>
-      <p:grpSpPr>
-        <a:xfrm>
-          <a:off x="0" y="0"/>
-          <a:ext cx="0" cy="0"/>
-          <a:chOff x="0" y="0"/>
-          <a:chExt cx="0" cy="0"/>
-        </a:xfrm>
-      </p:grpSpPr>
-      <p:sp>
-        <p:nvSpPr>
-          <p:cNvPr id="2" name="Title 1"/>
-          <p:cNvSpPr>
-            <a:spLocks noGrp="1"/>
-          </p:cNvSpPr>
-          <p:nvPr>
-            <p:ph type="title"/>
-          </p:nvPr>
-        </p:nvSpPr>
-        <p:spPr/>
-        <p:txBody>
-          <a:bodyPr/>
-          <a:lstStyle/>
-          <a:p>
-            <a:r>
-              <a:rPr lang="en-US"/>
-              <a:t>Click to edit Master title style</a:t>
-            </a:r>
-          </a:p>
-        </p:txBody>
-      </p:sp>
-      <p:sp>
-        <p:nvSpPr>
-          <p:cNvPr id="6" name="Content Placeholder 6"/>
-          <p:cNvSpPr>
-            <a:spLocks noGrp="1"/>
-          </p:cNvSpPr>
-          <p:nvPr>
-            <p:ph sz="quarter" idx="10"/>
-          </p:nvPr>
-        </p:nvSpPr>
-        <p:spPr>
-          <a:xfrm>
-            <a:off x="268288" y="1398397"/>
-            <a:ext cx="11542503" cy="4451560"/>
-          </a:xfrm>
-        </p:spPr>
-        <p:txBody>
-          <a:bodyPr/>
-          <a:lstStyle/>
-          <a:p>
-            <a:pPr lvl="0"/>
-            <a:r>
-              <a:rPr lang="en-US"/>
-              <a:t>Edit Master text styles</a:t>
-            </a:r>
-          </a:p>
-          <a:p>
-            <a:pPr lvl="1"/>
-            <a:r>
-              <a:rPr lang="en-US"/>
-              <a:t>Second level</a:t>
-            </a:r>
-          </a:p>
-          <a:p>
-            <a:pPr lvl="2"/>
-            <a:r>
-              <a:rPr lang="en-US"/>
-              <a:t>Third level</a:t>
-            </a:r>
-          </a:p>
-        </p:txBody>
-      </p:sp>
-    </p:spTree>
-    <p:extLst>
-      <p:ext uri="{BB962C8B-B14F-4D97-AF65-F5344CB8AC3E}">
-        <p14:creationId xmlns:p14="http://schemas.microsoft.com/office/powerpoint/2010/main" val="2705181271"/>
-      </p:ext>
-    </p:extLst>
-  </p:cSld>
-  <p:clrMapOvr>
-    <a:masterClrMapping/>
-  </p:clrMapOvr>
-  <p:transition>
-    <p:fade/>
-  </p:transition>
-</p:sldLayout>
-</file>
-
-<file path=ppt/slideLayouts/slideLayout22.xml><?xml version="1.0" encoding="utf-8"?>
-<p:sldLayout xmlns:a="http://schemas.openxmlformats.org/drawingml/2006/main" xmlns:r="http://schemas.openxmlformats.org/officeDocument/2006/relationships" xmlns:p="http://schemas.openxmlformats.org/presentationml/2006/main" preserve="1">
-  <p:cSld name="Title and Content - 2 Column">
-    <p:bg>
-      <p:bgPr>
-        <a:solidFill>
-          <a:srgbClr val="1574B8"/>
-        </a:solidFill>
-        <a:effectLst/>
-      </p:bgPr>
-    </p:bg>
-    <p:spTree>
-      <p:nvGrpSpPr>
-        <p:cNvPr id="1" name=""/>
-        <p:cNvGrpSpPr/>
-        <p:nvPr/>
-      </p:nvGrpSpPr>
-      <p:grpSpPr>
-        <a:xfrm>
-          <a:off x="0" y="0"/>
-          <a:ext cx="0" cy="0"/>
-          <a:chOff x="0" y="0"/>
-          <a:chExt cx="0" cy="0"/>
-        </a:xfrm>
-      </p:grpSpPr>
-      <p:sp>
-        <p:nvSpPr>
-          <p:cNvPr id="5" name="Title 1"/>
-          <p:cNvSpPr>
-            <a:spLocks noGrp="1"/>
-          </p:cNvSpPr>
-          <p:nvPr>
-            <p:ph type="title"/>
-          </p:nvPr>
-        </p:nvSpPr>
-        <p:spPr>
-          <a:xfrm>
-            <a:off x="268930" y="291068"/>
-            <a:ext cx="11653832" cy="899665"/>
-          </a:xfrm>
-        </p:spPr>
-        <p:txBody>
-          <a:bodyPr/>
-          <a:lstStyle/>
-          <a:p>
-            <a:r>
-              <a:rPr lang="en-US"/>
-              <a:t>Click to edit Master title style</a:t>
-            </a:r>
-            <a:endParaRPr lang="en-US" dirty="0"/>
-          </a:p>
-        </p:txBody>
-      </p:sp>
-      <p:sp>
-        <p:nvSpPr>
-          <p:cNvPr id="7" name="Content Placeholder 6"/>
-          <p:cNvSpPr>
-            <a:spLocks noGrp="1"/>
-          </p:cNvSpPr>
-          <p:nvPr>
-            <p:ph sz="quarter" idx="10"/>
-          </p:nvPr>
-        </p:nvSpPr>
-        <p:spPr>
-          <a:xfrm>
-            <a:off x="268288" y="1387776"/>
-            <a:ext cx="5494536" cy="1889748"/>
-          </a:xfrm>
-        </p:spPr>
-        <p:txBody>
-          <a:bodyPr/>
-          <a:lstStyle/>
-          <a:p>
-            <a:pPr lvl="0"/>
-            <a:r>
-              <a:rPr lang="en-US"/>
-              <a:t>Edit Master text styles</a:t>
-            </a:r>
-          </a:p>
-          <a:p>
-            <a:pPr lvl="1"/>
-            <a:r>
-              <a:rPr lang="en-US"/>
-              <a:t>Second level</a:t>
-            </a:r>
-          </a:p>
-          <a:p>
-            <a:pPr lvl="2"/>
-            <a:r>
-              <a:rPr lang="en-US"/>
-              <a:t>Third level</a:t>
-            </a:r>
-          </a:p>
-        </p:txBody>
-      </p:sp>
-      <p:sp>
-        <p:nvSpPr>
-          <p:cNvPr id="8" name="Content Placeholder 6"/>
-          <p:cNvSpPr>
-            <a:spLocks noGrp="1"/>
-          </p:cNvSpPr>
-          <p:nvPr>
-            <p:ph sz="quarter" idx="11"/>
-          </p:nvPr>
-        </p:nvSpPr>
-        <p:spPr>
-          <a:xfrm>
-            <a:off x="6432242" y="1387776"/>
-            <a:ext cx="5490520" cy="1889748"/>
-          </a:xfrm>
-        </p:spPr>
-        <p:txBody>
-          <a:bodyPr/>
-          <a:lstStyle/>
-          <a:p>
-            <a:pPr lvl="0"/>
-            <a:r>
-              <a:rPr lang="en-US"/>
-              <a:t>Edit Master text styles</a:t>
-            </a:r>
-          </a:p>
-          <a:p>
-            <a:pPr lvl="1"/>
-            <a:r>
-              <a:rPr lang="en-US"/>
-              <a:t>Second level</a:t>
-            </a:r>
-          </a:p>
-          <a:p>
-            <a:pPr lvl="2"/>
-            <a:r>
-              <a:rPr lang="en-US"/>
-              <a:t>Third level</a:t>
-            </a:r>
-          </a:p>
-        </p:txBody>
-      </p:sp>
-    </p:spTree>
-    <p:extLst>
-      <p:ext uri="{BB962C8B-B14F-4D97-AF65-F5344CB8AC3E}">
-        <p14:creationId xmlns:p14="http://schemas.microsoft.com/office/powerpoint/2010/main" val="3374775758"/>
-      </p:ext>
-    </p:extLst>
-  </p:cSld>
-  <p:clrMapOvr>
-    <a:masterClrMapping/>
-  </p:clrMapOvr>
-  <p:transition>
-    <p:fade/>
-  </p:transition>
-</p:sldLayout>
-</file>
-
-<file path=ppt/slideLayouts/slideLayout23.xml><?xml version="1.0" encoding="utf-8"?>
-<p:sldLayout xmlns:a="http://schemas.openxmlformats.org/drawingml/2006/main" xmlns:r="http://schemas.openxmlformats.org/officeDocument/2006/relationships" xmlns:p="http://schemas.openxmlformats.org/presentationml/2006/main" preserve="1">
-  <p:cSld name="Title and Compare">
-    <p:bg>
-      <p:bgPr>
-        <a:solidFill>
-          <a:srgbClr val="1574B8"/>
-        </a:solidFill>
-        <a:effectLst/>
-      </p:bgPr>
-    </p:bg>
-    <p:spTree>
-      <p:nvGrpSpPr>
-        <p:cNvPr id="1" name=""/>
-        <p:cNvGrpSpPr/>
-        <p:nvPr/>
-      </p:nvGrpSpPr>
-      <p:grpSpPr>
-        <a:xfrm>
-          <a:off x="0" y="0"/>
-          <a:ext cx="0" cy="0"/>
-          <a:chOff x="0" y="0"/>
-          <a:chExt cx="0" cy="0"/>
-        </a:xfrm>
-      </p:grpSpPr>
-      <p:sp>
-        <p:nvSpPr>
-          <p:cNvPr id="7" name="Content Placeholder 6"/>
-          <p:cNvSpPr>
-            <a:spLocks noGrp="1"/>
-          </p:cNvSpPr>
-          <p:nvPr>
-            <p:ph sz="quarter" idx="10"/>
-          </p:nvPr>
-        </p:nvSpPr>
-        <p:spPr>
-          <a:xfrm>
-            <a:off x="293121" y="2253750"/>
-            <a:ext cx="5378549" cy="1889748"/>
-          </a:xfrm>
-        </p:spPr>
-        <p:txBody>
-          <a:bodyPr/>
-          <a:lstStyle/>
-          <a:p>
-            <a:pPr lvl="0"/>
-            <a:r>
-              <a:rPr lang="en-US"/>
-              <a:t>Edit Master text styles</a:t>
-            </a:r>
-          </a:p>
-          <a:p>
-            <a:pPr lvl="1"/>
-            <a:r>
-              <a:rPr lang="en-US"/>
-              <a:t>Second level</a:t>
-            </a:r>
-          </a:p>
-          <a:p>
-            <a:pPr lvl="2"/>
-            <a:r>
-              <a:rPr lang="en-US"/>
-              <a:t>Third level</a:t>
-            </a:r>
-          </a:p>
-        </p:txBody>
-      </p:sp>
-      <p:sp>
-        <p:nvSpPr>
-          <p:cNvPr id="8" name="Content Placeholder 6"/>
-          <p:cNvSpPr>
-            <a:spLocks noGrp="1"/>
-          </p:cNvSpPr>
-          <p:nvPr>
-            <p:ph sz="quarter" idx="11"/>
-          </p:nvPr>
-        </p:nvSpPr>
-        <p:spPr>
-          <a:xfrm>
-            <a:off x="6457075" y="2253750"/>
-            <a:ext cx="5378549" cy="1889748"/>
-          </a:xfrm>
-        </p:spPr>
-        <p:txBody>
-          <a:bodyPr/>
-          <a:lstStyle/>
-          <a:p>
-            <a:pPr lvl="0"/>
-            <a:r>
-              <a:rPr lang="en-US"/>
-              <a:t>Edit Master text styles</a:t>
-            </a:r>
-          </a:p>
-          <a:p>
-            <a:pPr lvl="1"/>
-            <a:r>
-              <a:rPr lang="en-US"/>
-              <a:t>Second level</a:t>
-            </a:r>
-          </a:p>
-          <a:p>
-            <a:pPr lvl="2"/>
-            <a:r>
-              <a:rPr lang="en-US"/>
-              <a:t>Third level</a:t>
-            </a:r>
-          </a:p>
-        </p:txBody>
-      </p:sp>
-      <p:sp>
-        <p:nvSpPr>
-          <p:cNvPr id="9" name="Content Placeholder 6"/>
-          <p:cNvSpPr>
-            <a:spLocks noGrp="1"/>
-          </p:cNvSpPr>
-          <p:nvPr>
-            <p:ph sz="quarter" idx="12" hasCustomPrompt="1"/>
-          </p:nvPr>
-        </p:nvSpPr>
-        <p:spPr>
-          <a:xfrm>
-            <a:off x="293761" y="1367394"/>
-            <a:ext cx="5378549" cy="669927"/>
-          </a:xfrm>
-        </p:spPr>
-        <p:txBody>
-          <a:bodyPr/>
-          <a:lstStyle>
-            <a:lvl1pPr marL="0" indent="0">
-              <a:buNone/>
-              <a:defRPr sz="3529" b="1" baseline="0"/>
-            </a:lvl1pPr>
-          </a:lstStyle>
-          <a:p>
-            <a:pPr lvl="0"/>
-            <a:r>
-              <a:rPr lang="en-US" dirty="0"/>
-              <a:t>Comparison 1</a:t>
-            </a:r>
-          </a:p>
-        </p:txBody>
-      </p:sp>
-      <p:sp>
-        <p:nvSpPr>
-          <p:cNvPr id="10" name="Content Placeholder 6"/>
-          <p:cNvSpPr>
-            <a:spLocks noGrp="1"/>
-          </p:cNvSpPr>
-          <p:nvPr>
-            <p:ph sz="quarter" idx="13" hasCustomPrompt="1"/>
-          </p:nvPr>
-        </p:nvSpPr>
-        <p:spPr>
-          <a:xfrm>
-            <a:off x="6457715" y="1367394"/>
-            <a:ext cx="5378549" cy="669927"/>
-          </a:xfrm>
-        </p:spPr>
-        <p:txBody>
-          <a:bodyPr/>
-          <a:lstStyle>
-            <a:lvl1pPr marL="0" indent="0">
-              <a:buNone/>
-              <a:defRPr sz="3529" b="1"/>
-            </a:lvl1pPr>
-          </a:lstStyle>
-          <a:p>
-            <a:pPr lvl="0"/>
-            <a:r>
-              <a:rPr lang="en-US" dirty="0"/>
-              <a:t>Comparison 1</a:t>
-            </a:r>
-          </a:p>
-        </p:txBody>
-      </p:sp>
-      <p:sp>
-        <p:nvSpPr>
-          <p:cNvPr id="11" name="Title 1"/>
-          <p:cNvSpPr>
-            <a:spLocks noGrp="1"/>
-          </p:cNvSpPr>
-          <p:nvPr>
-            <p:ph type="title"/>
-          </p:nvPr>
-        </p:nvSpPr>
-        <p:spPr>
-          <a:xfrm>
-            <a:off x="268930" y="291068"/>
-            <a:ext cx="11653832" cy="899665"/>
-          </a:xfrm>
-        </p:spPr>
-        <p:txBody>
-          <a:bodyPr/>
-          <a:lstStyle/>
-          <a:p>
-            <a:r>
-              <a:rPr lang="en-US"/>
-              <a:t>Click to edit Master title style</a:t>
-            </a:r>
-            <a:endParaRPr lang="en-US" dirty="0"/>
-          </a:p>
-        </p:txBody>
-      </p:sp>
-    </p:spTree>
-    <p:extLst>
-      <p:ext uri="{BB962C8B-B14F-4D97-AF65-F5344CB8AC3E}">
-        <p14:creationId xmlns:p14="http://schemas.microsoft.com/office/powerpoint/2010/main" val="3240887016"/>
-      </p:ext>
-    </p:extLst>
-  </p:cSld>
-  <p:clrMapOvr>
-    <a:masterClrMapping/>
-  </p:clrMapOvr>
-  <p:transition>
-    <p:fade/>
-  </p:transition>
-</p:sldLayout>
-</file>
-
-<file path=ppt/slideLayouts/slideLayout24.xml><?xml version="1.0" encoding="utf-8"?>
-<p:sldLayout xmlns:a="http://schemas.openxmlformats.org/drawingml/2006/main" xmlns:r="http://schemas.openxmlformats.org/officeDocument/2006/relationships" xmlns:p="http://schemas.openxmlformats.org/presentationml/2006/main" preserve="1">
-  <p:cSld name="Demo">
-    <p:bg>
-      <p:bgPr>
-        <a:solidFill>
-          <a:srgbClr val="1574B8"/>
-        </a:solidFill>
-        <a:effectLst/>
-      </p:bgPr>
-    </p:bg>
-    <p:spTree>
-      <p:nvGrpSpPr>
-        <p:cNvPr id="1" name=""/>
-        <p:cNvGrpSpPr/>
-        <p:nvPr/>
-      </p:nvGrpSpPr>
-      <p:grpSpPr>
-        <a:xfrm>
-          <a:off x="0" y="0"/>
-          <a:ext cx="0" cy="0"/>
-          <a:chOff x="0" y="0"/>
-          <a:chExt cx="0" cy="0"/>
-        </a:xfrm>
-      </p:grpSpPr>
-      <p:sp>
-        <p:nvSpPr>
-          <p:cNvPr id="7" name="Text Placeholder 3"/>
-          <p:cNvSpPr>
-            <a:spLocks noGrp="1"/>
-          </p:cNvSpPr>
-          <p:nvPr>
-            <p:ph type="body" sz="quarter" idx="10" hasCustomPrompt="1"/>
-          </p:nvPr>
-        </p:nvSpPr>
-        <p:spPr>
-          <a:xfrm>
-            <a:off x="475025" y="4533945"/>
-            <a:ext cx="11240393" cy="683264"/>
-          </a:xfrm>
-        </p:spPr>
-        <p:txBody>
-          <a:bodyPr/>
-          <a:lstStyle>
-            <a:lvl1pPr marL="0" indent="0" algn="r">
-              <a:buNone/>
-              <a:defRPr sz="3600" i="0"/>
-            </a:lvl1pPr>
-            <a:lvl2pPr marL="336145" indent="0">
-              <a:buNone/>
-              <a:defRPr/>
-            </a:lvl2pPr>
-            <a:lvl3pPr marL="560241" indent="0">
-              <a:buNone/>
-              <a:defRPr/>
-            </a:lvl3pPr>
-            <a:lvl4pPr marL="784338" indent="0">
-              <a:buNone/>
-              <a:defRPr/>
-            </a:lvl4pPr>
-            <a:lvl5pPr marL="1008435" indent="0">
-              <a:buNone/>
-              <a:defRPr/>
-            </a:lvl5pPr>
-          </a:lstStyle>
-          <a:p>
-            <a:pPr lvl="0"/>
-            <a:r>
-              <a:rPr lang="en-US" dirty="0"/>
-              <a:t>Click to edit demo name</a:t>
-            </a:r>
-          </a:p>
-        </p:txBody>
-      </p:sp>
-      <p:sp>
-        <p:nvSpPr>
-          <p:cNvPr id="8" name="TextBox 7"/>
-          <p:cNvSpPr txBox="1"/>
-          <p:nvPr/>
-        </p:nvSpPr>
-        <p:spPr>
-          <a:xfrm>
-            <a:off x="7569411" y="2655027"/>
-            <a:ext cx="4146007" cy="1888209"/>
-          </a:xfrm>
-          <a:prstGeom prst="rect">
-            <a:avLst/>
-          </a:prstGeom>
-          <a:noFill/>
-        </p:spPr>
-        <p:txBody>
-          <a:bodyPr wrap="none" lIns="182880" tIns="146304" rIns="182880" bIns="146304" rtlCol="0">
-            <a:spAutoFit/>
-          </a:bodyPr>
-          <a:lstStyle/>
-          <a:p>
-            <a:pPr marL="0" marR="0" lvl="0" indent="0" algn="l" defTabSz="914400" rtl="0" eaLnBrk="1" fontAlgn="auto" latinLnBrk="0" hangingPunct="1">
-              <a:lnSpc>
-                <a:spcPct val="90000"/>
-              </a:lnSpc>
-              <a:spcBef>
-                <a:spcPts val="0"/>
-              </a:spcBef>
-              <a:spcAft>
-                <a:spcPts val="600"/>
-              </a:spcAft>
-              <a:buClrTx/>
-              <a:buSzTx/>
-              <a:buFontTx/>
-              <a:buNone/>
-              <a:tabLst/>
-              <a:defRPr/>
-            </a:pPr>
-            <a:r>
-              <a:rPr kumimoji="0" lang="en-US" sz="11500" b="0" i="0" u="none" strike="noStrike" kern="1200" cap="none" spc="0" normalizeH="0" baseline="0" noProof="0" dirty="0">
-                <a:ln>
-                  <a:noFill/>
-                </a:ln>
-                <a:gradFill>
-                  <a:gsLst>
-                    <a:gs pos="2917">
-                      <a:prstClr val="white"/>
-                    </a:gs>
-                    <a:gs pos="30000">
-                      <a:prstClr val="white"/>
-                    </a:gs>
-                  </a:gsLst>
-                  <a:lin ang="5400000" scaled="0"/>
-                </a:gradFill>
-                <a:effectLst/>
-                <a:uLnTx/>
-                <a:uFillTx/>
-                <a:latin typeface="Segoe UI Light"/>
-                <a:ea typeface="+mn-ea"/>
-                <a:cs typeface="+mn-cs"/>
-              </a:rPr>
-              <a:t>Demo</a:t>
-            </a:r>
-          </a:p>
-        </p:txBody>
-      </p:sp>
-      <p:pic>
-        <p:nvPicPr>
-          <p:cNvPr id="6" name="Picture 5"/>
-          <p:cNvPicPr>
-            <a:picLocks noChangeAspect="1"/>
-          </p:cNvPicPr>
-          <p:nvPr/>
-        </p:nvPicPr>
-        <p:blipFill>
-          <a:blip r:embed="rId2"/>
-          <a:stretch>
-            <a:fillRect/>
-          </a:stretch>
-        </p:blipFill>
-        <p:spPr>
-          <a:xfrm>
-            <a:off x="0" y="0"/>
-            <a:ext cx="12192000" cy="2858788"/>
-          </a:xfrm>
-          <a:prstGeom prst="rect">
-            <a:avLst/>
-          </a:prstGeom>
-        </p:spPr>
-      </p:pic>
-      <p:sp>
-        <p:nvSpPr>
-          <p:cNvPr id="9" name="TextBox 8"/>
-          <p:cNvSpPr txBox="1"/>
-          <p:nvPr/>
-        </p:nvSpPr>
-        <p:spPr>
-          <a:xfrm>
-            <a:off x="778469" y="1024876"/>
-            <a:ext cx="3740504" cy="1321387"/>
-          </a:xfrm>
-          <a:prstGeom prst="rect">
-            <a:avLst/>
-          </a:prstGeom>
-          <a:noFill/>
-        </p:spPr>
-        <p:txBody>
-          <a:bodyPr wrap="square" lIns="182880" tIns="146304" rIns="182880" bIns="146304" rtlCol="0">
-            <a:spAutoFit/>
-          </a:bodyPr>
-          <a:lstStyle/>
-          <a:p>
-            <a:pPr marL="0" marR="0" lvl="0" indent="0" algn="ctr" defTabSz="914400" rtl="0" eaLnBrk="1" fontAlgn="auto" latinLnBrk="0" hangingPunct="1">
-              <a:lnSpc>
-                <a:spcPts val="4000"/>
-              </a:lnSpc>
-              <a:spcBef>
-                <a:spcPts val="0"/>
-              </a:spcBef>
-              <a:spcAft>
-                <a:spcPts val="0"/>
-              </a:spcAft>
-              <a:buClrTx/>
-              <a:buSzTx/>
-              <a:buFontTx/>
-              <a:buNone/>
-              <a:tabLst/>
-              <a:defRPr/>
-            </a:pPr>
-            <a:r>
-              <a:rPr kumimoji="0" lang="en-US" sz="3600" b="0" i="0" u="none" strike="noStrike" kern="1200" cap="none" spc="0" normalizeH="0" baseline="0" noProof="0" dirty="0">
-                <a:ln>
-                  <a:noFill/>
-                </a:ln>
-                <a:solidFill>
-                  <a:srgbClr val="0070C0"/>
-                </a:solidFill>
-                <a:effectLst/>
-                <a:uLnTx/>
-                <a:uFillTx/>
-                <a:latin typeface="Segoe UI Light"/>
-                <a:ea typeface="+mn-ea"/>
-                <a:cs typeface="+mn-cs"/>
-              </a:rPr>
-              <a:t>Architect to Architect</a:t>
-            </a:r>
-          </a:p>
-        </p:txBody>
-      </p:sp>
-      <p:sp>
-        <p:nvSpPr>
-          <p:cNvPr id="10" name="TextBox 9"/>
-          <p:cNvSpPr txBox="1"/>
-          <p:nvPr userDrawn="1"/>
-        </p:nvSpPr>
-        <p:spPr>
-          <a:xfrm>
-            <a:off x="7569411" y="2655027"/>
-            <a:ext cx="4146007" cy="1888209"/>
-          </a:xfrm>
-          <a:prstGeom prst="rect">
-            <a:avLst/>
-          </a:prstGeom>
-          <a:noFill/>
-        </p:spPr>
-        <p:txBody>
-          <a:bodyPr wrap="none" lIns="182880" tIns="146304" rIns="182880" bIns="146304" rtlCol="0">
-            <a:spAutoFit/>
-          </a:bodyPr>
-          <a:lstStyle/>
-          <a:p>
-            <a:pPr>
-              <a:lnSpc>
-                <a:spcPct val="90000"/>
-              </a:lnSpc>
-              <a:spcAft>
-                <a:spcPts val="600"/>
-              </a:spcAft>
-            </a:pPr>
-            <a:r>
-              <a:rPr lang="en-US" sz="11500" dirty="0">
-                <a:gradFill>
-                  <a:gsLst>
-                    <a:gs pos="2917">
-                      <a:schemeClr val="tx1"/>
-                    </a:gs>
-                    <a:gs pos="30000">
-                      <a:schemeClr val="tx1"/>
-                    </a:gs>
-                  </a:gsLst>
-                  <a:lin ang="5400000" scaled="0"/>
-                </a:gradFill>
-                <a:latin typeface="+mj-lt"/>
-              </a:rPr>
-              <a:t>Demo</a:t>
-            </a:r>
-          </a:p>
-        </p:txBody>
-      </p:sp>
-      <p:pic>
-        <p:nvPicPr>
-          <p:cNvPr id="11" name="Picture 10"/>
-          <p:cNvPicPr>
-            <a:picLocks noChangeAspect="1"/>
-          </p:cNvPicPr>
-          <p:nvPr userDrawn="1"/>
-        </p:nvPicPr>
-        <p:blipFill>
-          <a:blip r:embed="rId2"/>
-          <a:stretch>
-            <a:fillRect/>
-          </a:stretch>
-        </p:blipFill>
-        <p:spPr>
-          <a:xfrm>
-            <a:off x="0" y="0"/>
-            <a:ext cx="12192000" cy="2858788"/>
-          </a:xfrm>
-          <a:prstGeom prst="rect">
-            <a:avLst/>
-          </a:prstGeom>
-        </p:spPr>
-      </p:pic>
-      <p:sp>
-        <p:nvSpPr>
-          <p:cNvPr id="12" name="TextBox 11"/>
-          <p:cNvSpPr txBox="1"/>
-          <p:nvPr userDrawn="1"/>
-        </p:nvSpPr>
-        <p:spPr>
-          <a:xfrm>
-            <a:off x="778469" y="1024876"/>
-            <a:ext cx="3740504" cy="1321387"/>
-          </a:xfrm>
-          <a:prstGeom prst="rect">
-            <a:avLst/>
-          </a:prstGeom>
-          <a:noFill/>
-        </p:spPr>
-        <p:txBody>
-          <a:bodyPr wrap="square" lIns="182880" tIns="146304" rIns="182880" bIns="146304" rtlCol="0">
-            <a:spAutoFit/>
-          </a:bodyPr>
-          <a:lstStyle/>
-          <a:p>
-            <a:pPr algn="ctr">
-              <a:lnSpc>
-                <a:spcPts val="4000"/>
-              </a:lnSpc>
-            </a:pPr>
-            <a:r>
-              <a:rPr lang="en-US" sz="3600" dirty="0">
-                <a:solidFill>
-                  <a:srgbClr val="0070C0"/>
-                </a:solidFill>
-                <a:latin typeface="+mj-lt"/>
-              </a:rPr>
-              <a:t>Engineer</a:t>
-            </a:r>
-            <a:r>
-              <a:rPr lang="en-US" sz="3600" baseline="0" dirty="0">
-                <a:solidFill>
-                  <a:srgbClr val="0070C0"/>
-                </a:solidFill>
-                <a:latin typeface="+mj-lt"/>
-              </a:rPr>
-              <a:t> </a:t>
-            </a:r>
-            <a:r>
-              <a:rPr lang="en-US" sz="3600" dirty="0">
-                <a:solidFill>
-                  <a:srgbClr val="0070C0"/>
-                </a:solidFill>
-                <a:latin typeface="+mj-lt"/>
-              </a:rPr>
-              <a:t>to</a:t>
-            </a:r>
-            <a:r>
-              <a:rPr lang="en-US" sz="3600" baseline="0" dirty="0">
-                <a:solidFill>
-                  <a:srgbClr val="0070C0"/>
-                </a:solidFill>
-                <a:latin typeface="+mj-lt"/>
-              </a:rPr>
-              <a:t> </a:t>
-            </a:r>
-            <a:r>
-              <a:rPr lang="en-US" sz="3600" dirty="0">
-                <a:solidFill>
-                  <a:srgbClr val="0070C0"/>
-                </a:solidFill>
-                <a:latin typeface="+mj-lt"/>
-              </a:rPr>
-              <a:t>Engineer</a:t>
-            </a:r>
-          </a:p>
-        </p:txBody>
-      </p:sp>
-    </p:spTree>
-    <p:extLst>
-      <p:ext uri="{BB962C8B-B14F-4D97-AF65-F5344CB8AC3E}">
-        <p14:creationId xmlns:p14="http://schemas.microsoft.com/office/powerpoint/2010/main" val="2651143091"/>
-      </p:ext>
-    </p:extLst>
-  </p:cSld>
-  <p:clrMapOvr>
-    <a:masterClrMapping/>
-  </p:clrMapOvr>
-  <p:transition>
-    <p:fade/>
-  </p:transition>
-</p:sldLayout>
-</file>
-
-<file path=ppt/slideLayouts/slideLayout25.xml><?xml version="1.0" encoding="utf-8"?>
-<p:sldLayout xmlns:a="http://schemas.openxmlformats.org/drawingml/2006/main" xmlns:r="http://schemas.openxmlformats.org/officeDocument/2006/relationships" xmlns:p="http://schemas.openxmlformats.org/presentationml/2006/main" preserve="1">
-  <p:cSld name="Survey Ask">
-    <p:spTree>
-      <p:nvGrpSpPr>
-        <p:cNvPr id="1" name=""/>
-        <p:cNvGrpSpPr/>
-        <p:nvPr/>
-      </p:nvGrpSpPr>
-      <p:grpSpPr>
-        <a:xfrm>
-          <a:off x="0" y="0"/>
-          <a:ext cx="0" cy="0"/>
-          <a:chOff x="0" y="0"/>
-          <a:chExt cx="0" cy="0"/>
-        </a:xfrm>
-      </p:grpSpPr>
-      <p:sp>
-        <p:nvSpPr>
-          <p:cNvPr id="3" name="TextBox 2"/>
-          <p:cNvSpPr txBox="1"/>
-          <p:nvPr/>
-        </p:nvSpPr>
-        <p:spPr>
-          <a:xfrm>
-            <a:off x="268927" y="1541206"/>
-            <a:ext cx="11541863" cy="2665345"/>
-          </a:xfrm>
-          <a:prstGeom prst="rect">
-            <a:avLst/>
-          </a:prstGeom>
-          <a:noFill/>
-        </p:spPr>
-        <p:txBody>
-          <a:bodyPr wrap="square" lIns="182880" tIns="146304" rIns="182880" bIns="146304" rtlCol="0">
-            <a:spAutoFit/>
-          </a:bodyPr>
-          <a:lstStyle/>
-          <a:p>
-            <a:pPr algn="ctr">
-              <a:lnSpc>
-                <a:spcPct val="90000"/>
-              </a:lnSpc>
-              <a:spcAft>
-                <a:spcPts val="600"/>
-              </a:spcAft>
-            </a:pPr>
-            <a:r>
-              <a:rPr lang="en-US" sz="4000" dirty="0">
-                <a:gradFill>
-                  <a:gsLst>
-                    <a:gs pos="2917">
-                      <a:schemeClr val="tx1"/>
-                    </a:gs>
-                    <a:gs pos="30000">
-                      <a:schemeClr val="tx1"/>
-                    </a:gs>
-                  </a:gsLst>
-                  <a:lin ang="5400000" scaled="0"/>
-                </a:gradFill>
-                <a:latin typeface="+mj-lt"/>
-              </a:rPr>
-              <a:t>Your</a:t>
-            </a:r>
-            <a:r>
-              <a:rPr lang="en-US" sz="4000" baseline="0" dirty="0">
-                <a:gradFill>
-                  <a:gsLst>
-                    <a:gs pos="2917">
-                      <a:schemeClr val="tx1"/>
-                    </a:gs>
-                    <a:gs pos="30000">
-                      <a:schemeClr val="tx1"/>
-                    </a:gs>
-                  </a:gsLst>
-                  <a:lin ang="5400000" scaled="0"/>
-                </a:gradFill>
-                <a:latin typeface="+mj-lt"/>
-              </a:rPr>
-              <a:t> </a:t>
-            </a:r>
-            <a:r>
-              <a:rPr lang="en-US" sz="4000" b="0" i="0" baseline="0" dirty="0">
-                <a:gradFill>
-                  <a:gsLst>
-                    <a:gs pos="2917">
-                      <a:schemeClr val="tx1"/>
-                    </a:gs>
-                    <a:gs pos="30000">
-                      <a:schemeClr val="tx1"/>
-                    </a:gs>
-                  </a:gsLst>
-                  <a:lin ang="5400000" scaled="0"/>
-                </a:gradFill>
-                <a:latin typeface="+mj-lt"/>
-              </a:rPr>
-              <a:t>anonymous</a:t>
-            </a:r>
-            <a:r>
-              <a:rPr lang="en-US" sz="4000" baseline="0" dirty="0">
-                <a:gradFill>
-                  <a:gsLst>
-                    <a:gs pos="2917">
-                      <a:schemeClr val="tx1"/>
-                    </a:gs>
-                    <a:gs pos="30000">
-                      <a:schemeClr val="tx1"/>
-                    </a:gs>
-                  </a:gsLst>
-                  <a:lin ang="5400000" scaled="0"/>
-                </a:gradFill>
-                <a:latin typeface="+mj-lt"/>
-              </a:rPr>
-              <a:t> feedback is greatly appreciated.</a:t>
-            </a:r>
-          </a:p>
-          <a:p>
-            <a:pPr algn="ctr">
-              <a:lnSpc>
-                <a:spcPct val="90000"/>
-              </a:lnSpc>
-              <a:spcAft>
-                <a:spcPts val="600"/>
-              </a:spcAft>
-            </a:pPr>
-            <a:endParaRPr lang="en-US" sz="4000" baseline="0" dirty="0">
-              <a:gradFill>
-                <a:gsLst>
-                  <a:gs pos="2917">
-                    <a:schemeClr val="tx1"/>
-                  </a:gs>
-                  <a:gs pos="30000">
-                    <a:schemeClr val="tx1"/>
-                  </a:gs>
-                </a:gsLst>
-                <a:lin ang="5400000" scaled="0"/>
-              </a:gradFill>
-              <a:latin typeface="+mj-lt"/>
-            </a:endParaRPr>
-          </a:p>
-          <a:p>
-            <a:pPr algn="ctr">
-              <a:lnSpc>
-                <a:spcPct val="90000"/>
-              </a:lnSpc>
-              <a:spcAft>
-                <a:spcPts val="600"/>
-              </a:spcAft>
-            </a:pPr>
-            <a:r>
-              <a:rPr lang="en-US" sz="4000" baseline="0" dirty="0">
-                <a:gradFill>
-                  <a:gsLst>
-                    <a:gs pos="2917">
-                      <a:schemeClr val="tx1"/>
-                    </a:gs>
-                    <a:gs pos="30000">
-                      <a:schemeClr val="tx1"/>
-                    </a:gs>
-                  </a:gsLst>
-                  <a:lin ang="5400000" scaled="0"/>
-                </a:gradFill>
-                <a:latin typeface="+mj-lt"/>
-              </a:rPr>
-              <a:t>Please rate this session at the end of the day at the URL below.</a:t>
-            </a:r>
-            <a:endParaRPr lang="en-US" sz="4000" dirty="0">
-              <a:gradFill>
-                <a:gsLst>
-                  <a:gs pos="2917">
-                    <a:schemeClr val="tx1"/>
-                  </a:gs>
-                  <a:gs pos="30000">
-                    <a:schemeClr val="tx1"/>
-                  </a:gs>
-                </a:gsLst>
-                <a:lin ang="5400000" scaled="0"/>
-              </a:gradFill>
-              <a:latin typeface="+mj-lt"/>
-            </a:endParaRPr>
-          </a:p>
-        </p:txBody>
-      </p:sp>
-      <p:sp>
-        <p:nvSpPr>
-          <p:cNvPr id="4" name="Text Placeholder 3"/>
-          <p:cNvSpPr>
-            <a:spLocks noGrp="1"/>
-          </p:cNvSpPr>
-          <p:nvPr>
-            <p:ph type="body" sz="quarter" idx="10" hasCustomPrompt="1"/>
-          </p:nvPr>
-        </p:nvSpPr>
-        <p:spPr>
-          <a:xfrm>
-            <a:off x="268928" y="4880532"/>
-            <a:ext cx="11541862" cy="1098762"/>
-          </a:xfrm>
-        </p:spPr>
-        <p:txBody>
-          <a:bodyPr/>
-          <a:lstStyle>
-            <a:lvl1pPr marL="0" indent="0" algn="ctr">
-              <a:buNone/>
-              <a:defRPr sz="6600" i="0">
-                <a:latin typeface="+mn-lt"/>
-              </a:defRPr>
-            </a:lvl1pPr>
-            <a:lvl2pPr marL="336145" indent="0">
-              <a:buNone/>
-              <a:defRPr/>
-            </a:lvl2pPr>
-            <a:lvl3pPr marL="560241" indent="0">
-              <a:buNone/>
-              <a:defRPr/>
-            </a:lvl3pPr>
-            <a:lvl4pPr marL="784338" indent="0">
-              <a:buNone/>
-              <a:defRPr/>
-            </a:lvl4pPr>
-            <a:lvl5pPr marL="1008435" indent="0">
-              <a:buNone/>
-              <a:defRPr/>
-            </a:lvl5pPr>
-          </a:lstStyle>
-          <a:p>
-            <a:pPr lvl="0"/>
-            <a:r>
-              <a:rPr lang="en-US" dirty="0"/>
-              <a:t>Click to edit survey URL</a:t>
-            </a:r>
-          </a:p>
-        </p:txBody>
-      </p:sp>
-      <p:sp>
-        <p:nvSpPr>
-          <p:cNvPr id="5" name="TextBox 4"/>
-          <p:cNvSpPr txBox="1"/>
-          <p:nvPr/>
-        </p:nvSpPr>
-        <p:spPr>
-          <a:xfrm>
-            <a:off x="268926" y="208533"/>
-            <a:ext cx="11541863" cy="1209562"/>
-          </a:xfrm>
-          <a:prstGeom prst="rect">
-            <a:avLst/>
-          </a:prstGeom>
-          <a:noFill/>
-        </p:spPr>
-        <p:txBody>
-          <a:bodyPr wrap="square" lIns="182880" tIns="146304" rIns="182880" bIns="146304" rtlCol="0">
-            <a:spAutoFit/>
-          </a:bodyPr>
-          <a:lstStyle/>
-          <a:p>
-            <a:pPr algn="ctr">
-              <a:lnSpc>
-                <a:spcPct val="90000"/>
-              </a:lnSpc>
-              <a:spcAft>
-                <a:spcPts val="600"/>
-              </a:spcAft>
-            </a:pPr>
-            <a:r>
-              <a:rPr lang="en-US" sz="6600" dirty="0">
-                <a:gradFill>
-                  <a:gsLst>
-                    <a:gs pos="2917">
-                      <a:schemeClr val="tx1"/>
-                    </a:gs>
-                    <a:gs pos="30000">
-                      <a:schemeClr val="tx1"/>
-                    </a:gs>
-                  </a:gsLst>
-                  <a:lin ang="5400000" scaled="0"/>
-                </a:gradFill>
-                <a:latin typeface="+mj-lt"/>
-              </a:rPr>
-              <a:t>Thank You!</a:t>
-            </a:r>
-          </a:p>
-        </p:txBody>
-      </p:sp>
-    </p:spTree>
-    <p:extLst>
-      <p:ext uri="{BB962C8B-B14F-4D97-AF65-F5344CB8AC3E}">
-        <p14:creationId xmlns:p14="http://schemas.microsoft.com/office/powerpoint/2010/main" val="678274627"/>
-      </p:ext>
-    </p:extLst>
-  </p:cSld>
-  <p:clrMapOvr>
-    <a:masterClrMapping/>
-  </p:clrMapOvr>
-  <p:transition>
-    <p:fade/>
-  </p:transition>
-</p:sldLayout>
-</file>
-
-<file path=ppt/slideLayouts/slideLayout26.xml><?xml version="1.0" encoding="utf-8"?>
-<p:sldLayout xmlns:a="http://schemas.openxmlformats.org/drawingml/2006/main" xmlns:r="http://schemas.openxmlformats.org/officeDocument/2006/relationships" xmlns:p="http://schemas.openxmlformats.org/presentationml/2006/main">
-  <p:cSld name="Ending Slide">
-    <p:bg>
-      <p:bgPr>
-        <a:solidFill>
-          <a:srgbClr val="1574B8"/>
-        </a:solidFill>
-        <a:effectLst/>
-      </p:bgPr>
-    </p:bg>
-    <p:spTree>
-      <p:nvGrpSpPr>
-        <p:cNvPr id="1" name=""/>
-        <p:cNvGrpSpPr/>
-        <p:nvPr/>
-      </p:nvGrpSpPr>
-      <p:grpSpPr>
-        <a:xfrm>
-          <a:off x="0" y="0"/>
-          <a:ext cx="0" cy="0"/>
-          <a:chOff x="0" y="0"/>
-          <a:chExt cx="0" cy="0"/>
-        </a:xfrm>
-      </p:grpSpPr>
-      <p:pic>
-        <p:nvPicPr>
-          <p:cNvPr id="6" name="Picture 5"/>
-          <p:cNvPicPr>
-            <a:picLocks noChangeAspect="1"/>
-          </p:cNvPicPr>
-          <p:nvPr/>
-        </p:nvPicPr>
-        <p:blipFill>
-          <a:blip r:embed="rId2" cstate="email">
-            <a:extLst>
-              <a:ext uri="{28A0092B-C50C-407E-A947-70E740481C1C}">
-                <a14:useLocalDpi xmlns:a14="http://schemas.microsoft.com/office/drawing/2010/main"/>
-              </a:ext>
-            </a:extLst>
-          </a:blip>
-          <a:stretch>
-            <a:fillRect/>
-          </a:stretch>
-        </p:blipFill>
-        <p:spPr bwMode="invGray">
-          <a:xfrm>
-            <a:off x="269239" y="3975398"/>
-            <a:ext cx="3575287" cy="765878"/>
-          </a:xfrm>
-          <a:prstGeom prst="rect">
-            <a:avLst/>
-          </a:prstGeom>
-        </p:spPr>
-      </p:pic>
-      <p:sp>
-        <p:nvSpPr>
-          <p:cNvPr id="4" name="Text Box 3"/>
-          <p:cNvSpPr txBox="1">
-            <a:spLocks noChangeArrowheads="1"/>
-          </p:cNvSpPr>
-          <p:nvPr/>
-        </p:nvSpPr>
-        <p:spPr bwMode="blackWhite">
-          <a:xfrm>
-            <a:off x="269239" y="5621781"/>
-            <a:ext cx="11617961" cy="859927"/>
-          </a:xfrm>
-          <a:prstGeom prst="rect">
-            <a:avLst/>
-          </a:prstGeom>
-          <a:noFill/>
-          <a:ln w="12700">
-            <a:noFill/>
-            <a:miter lim="800000"/>
-            <a:headEnd type="none" w="sm" len="sm"/>
-            <a:tailEnd type="none" w="sm" len="sm"/>
-          </a:ln>
-          <a:effectLst/>
-        </p:spPr>
-        <p:txBody>
-          <a:bodyPr vert="horz" wrap="square" lIns="89607" tIns="44805" rIns="89607" bIns="44805" numCol="1" anchor="t" anchorCtr="0" compatLnSpc="1">
-            <a:prstTxWarp prst="textNoShape">
-              <a:avLst/>
-            </a:prstTxWarp>
-            <a:spAutoFit/>
-          </a:bodyPr>
-          <a:lstStyle/>
-          <a:p>
-            <a:pPr defTabSz="895888" eaLnBrk="0" hangingPunct="0"/>
-            <a:r>
-              <a:rPr lang="en-US" sz="1000" dirty="0">
-                <a:gradFill>
-                  <a:gsLst>
-                    <a:gs pos="11940">
-                      <a:srgbClr val="FFFFFF"/>
-                    </a:gs>
-                    <a:gs pos="24000">
-                      <a:srgbClr val="FFFFFF"/>
-                    </a:gs>
-                  </a:gsLst>
-                  <a:lin ang="5400000" scaled="0"/>
-                </a:gradFill>
-                <a:cs typeface="Arial" charset="0"/>
-              </a:rPr>
-              <a:t>© 2015-2016 Microsoft Corporation. All rights reserved. Microsoft, Windows, Windows Vista and other product names are or may be registered trademarks and/or trademarks in the U.S. and/or other countries.</a:t>
-            </a:r>
-          </a:p>
-          <a:p>
-            <a:pPr defTabSz="895888" eaLnBrk="0" hangingPunct="0"/>
-            <a:r>
-              <a:rPr lang="en-US" sz="1000" dirty="0">
-                <a:gradFill>
-                  <a:gsLst>
-                    <a:gs pos="11940">
-                      <a:srgbClr val="FFFFFF"/>
-                    </a:gs>
-                    <a:gs pos="24000">
-                      <a:srgbClr val="FFFFFF"/>
-                    </a:gs>
-                  </a:gsLst>
-                  <a:lin ang="5400000" scaled="0"/>
-                </a:gradFill>
-                <a:cs typeface="Arial" charset="0"/>
-              </a:rPr>
-              <a:t>The information herein is for informational purposes only and represents the current view of Microsoft Corporation as of the date of this presentation.  Because Microsoft must respond to changing market conditions, it should not be interpreted to be a commitment on the part of Microsoft, and Microsoft cannot guarantee the accuracy of any information provided after the date of this presentation.  MICROSOFT MAKES NO WARRANTIES, EXPRESS, IMPLIED OR STATUTORY, AS TO THE INFORMATION IN THIS PRESENTATION.</a:t>
-            </a:r>
-          </a:p>
-        </p:txBody>
-      </p:sp>
-      <p:pic>
-        <p:nvPicPr>
-          <p:cNvPr id="5" name="Picture 4"/>
-          <p:cNvPicPr>
-            <a:picLocks noChangeAspect="1"/>
-          </p:cNvPicPr>
-          <p:nvPr userDrawn="1"/>
-        </p:nvPicPr>
-        <p:blipFill>
-          <a:blip r:embed="rId2" cstate="email">
-            <a:extLst>
-              <a:ext uri="{28A0092B-C50C-407E-A947-70E740481C1C}">
-                <a14:useLocalDpi xmlns:a14="http://schemas.microsoft.com/office/drawing/2010/main"/>
-              </a:ext>
-            </a:extLst>
-          </a:blip>
-          <a:stretch>
-            <a:fillRect/>
-          </a:stretch>
-        </p:blipFill>
-        <p:spPr bwMode="invGray">
-          <a:xfrm>
-            <a:off x="269239" y="3975398"/>
-            <a:ext cx="3575287" cy="765878"/>
-          </a:xfrm>
-          <a:prstGeom prst="rect">
-            <a:avLst/>
-          </a:prstGeom>
-        </p:spPr>
-      </p:pic>
-      <p:sp>
-        <p:nvSpPr>
-          <p:cNvPr id="7" name="Text Box 3"/>
-          <p:cNvSpPr txBox="1">
-            <a:spLocks noChangeArrowheads="1"/>
-          </p:cNvSpPr>
-          <p:nvPr userDrawn="1"/>
-        </p:nvSpPr>
-        <p:spPr bwMode="blackWhite">
-          <a:xfrm>
-            <a:off x="269239" y="5621781"/>
-            <a:ext cx="11617961" cy="706038"/>
-          </a:xfrm>
-          <a:prstGeom prst="rect">
-            <a:avLst/>
-          </a:prstGeom>
-          <a:noFill/>
-          <a:ln w="12700">
-            <a:noFill/>
-            <a:miter lim="800000"/>
-            <a:headEnd type="none" w="sm" len="sm"/>
-            <a:tailEnd type="none" w="sm" len="sm"/>
-          </a:ln>
-          <a:effectLst/>
-        </p:spPr>
-        <p:txBody>
-          <a:bodyPr vert="horz" wrap="square" lIns="89607" tIns="44805" rIns="89607" bIns="44805" numCol="1" anchor="t" anchorCtr="0" compatLnSpc="1">
-            <a:prstTxWarp prst="textNoShape">
-              <a:avLst/>
-            </a:prstTxWarp>
-            <a:spAutoFit/>
-          </a:bodyPr>
-          <a:lstStyle/>
-          <a:p>
-            <a:pPr defTabSz="895888" eaLnBrk="0" hangingPunct="0"/>
-            <a:r>
-              <a:rPr lang="en-US" sz="1000" dirty="0">
-                <a:gradFill>
-                  <a:gsLst>
-                    <a:gs pos="11940">
-                      <a:srgbClr val="FFFFFF"/>
-                    </a:gs>
-                    <a:gs pos="24000">
-                      <a:srgbClr val="FFFFFF"/>
-                    </a:gs>
-                  </a:gsLst>
-                  <a:lin ang="5400000" scaled="0"/>
-                </a:gradFill>
-                <a:cs typeface="Arial" charset="0"/>
-              </a:rPr>
-              <a:t>© 2015 Microsoft Corporation. All rights reserved. Microsoft, Windows, Windows Vista and other product names are or may be registered trademarks and/or trademarks in the U.S. and/or other countries.</a:t>
-            </a:r>
-          </a:p>
-          <a:p>
-            <a:pPr defTabSz="895888" eaLnBrk="0" hangingPunct="0"/>
-            <a:r>
-              <a:rPr lang="en-US" sz="1000" dirty="0">
-                <a:gradFill>
-                  <a:gsLst>
-                    <a:gs pos="11940">
-                      <a:srgbClr val="FFFFFF"/>
-                    </a:gs>
-                    <a:gs pos="24000">
-                      <a:srgbClr val="FFFFFF"/>
-                    </a:gs>
-                  </a:gsLst>
-                  <a:lin ang="5400000" scaled="0"/>
-                </a:gradFill>
-                <a:cs typeface="Arial" charset="0"/>
-              </a:rPr>
-              <a:t>The information herein is for informational purposes only and represents the current view of Microsoft Corporation as of the date of this presentation.  Because Microsoft must respond to changing market conditions, it should not be interpreted to be a commitment on the part of Microsoft, and Microsoft cannot guarantee the accuracy of any information provided after the date of this presentation.  MICROSOFT MAKES NO WARRANTIES, EXPRESS, IMPLIED OR STATUTORY, AS TO THE INFORMATION IN THIS PRESENTATION.</a:t>
-            </a:r>
-          </a:p>
-        </p:txBody>
-      </p:sp>
-    </p:spTree>
-    <p:extLst>
-      <p:ext uri="{BB962C8B-B14F-4D97-AF65-F5344CB8AC3E}">
-        <p14:creationId xmlns:p14="http://schemas.microsoft.com/office/powerpoint/2010/main" val="1669540924"/>
-      </p:ext>
-    </p:extLst>
-  </p:cSld>
-  <p:clrMapOvr>
-    <a:masterClrMapping/>
-  </p:clrMapOvr>
-  <p:transition>
-    <p:fade/>
-  </p:transition>
-</p:sldLayout>
-</file>
-
-<file path=ppt/slideLayouts/slideLayout27.xml><?xml version="1.0" encoding="utf-8"?>
-<p:sldLayout xmlns:a="http://schemas.openxmlformats.org/drawingml/2006/main" xmlns:r="http://schemas.openxmlformats.org/officeDocument/2006/relationships" xmlns:p="http://schemas.openxmlformats.org/presentationml/2006/main" type="twoObj">
-  <p:cSld name="Two Content">
-    <p:spTree>
-      <p:nvGrpSpPr>
-        <p:cNvPr id="1" name=""/>
-        <p:cNvGrpSpPr/>
-        <p:nvPr/>
-      </p:nvGrpSpPr>
-      <p:grpSpPr>
-        <a:xfrm>
-          <a:off x="0" y="0"/>
-          <a:ext cx="0" cy="0"/>
-          <a:chOff x="0" y="0"/>
-          <a:chExt cx="0" cy="0"/>
-        </a:xfrm>
-      </p:grpSpPr>
-      <p:sp>
-        <p:nvSpPr>
-          <p:cNvPr id="2" name="Title 1"/>
-          <p:cNvSpPr>
-            <a:spLocks noGrp="1"/>
-          </p:cNvSpPr>
-          <p:nvPr>
-            <p:ph type="title"/>
-          </p:nvPr>
-        </p:nvSpPr>
-        <p:spPr/>
-        <p:txBody>
-          <a:bodyPr/>
-          <a:lstStyle/>
-          <a:p>
-            <a:r>
-              <a:rPr lang="en-US"/>
-              <a:t>Click to edit Master title style</a:t>
-            </a:r>
-          </a:p>
-        </p:txBody>
-      </p:sp>
-      <p:sp>
-        <p:nvSpPr>
-          <p:cNvPr id="3" name="Content Placeholder 2"/>
-          <p:cNvSpPr>
-            <a:spLocks noGrp="1"/>
-          </p:cNvSpPr>
-          <p:nvPr>
-            <p:ph sz="half" idx="1"/>
-          </p:nvPr>
-        </p:nvSpPr>
-        <p:spPr>
-          <a:xfrm>
-            <a:off x="838201" y="1825626"/>
-            <a:ext cx="5181600" cy="3323987"/>
-          </a:xfrm>
-        </p:spPr>
-        <p:txBody>
-          <a:bodyPr/>
-          <a:lstStyle/>
-          <a:p>
-            <a:pPr lvl="0"/>
-            <a:r>
-              <a:rPr lang="en-US"/>
-              <a:t>Click to edit Master text styles</a:t>
-            </a:r>
-          </a:p>
-          <a:p>
-            <a:pPr lvl="1"/>
-            <a:r>
-              <a:rPr lang="en-US"/>
-              <a:t>Second level</a:t>
-            </a:r>
-          </a:p>
-          <a:p>
-            <a:pPr lvl="2"/>
-            <a:r>
-              <a:rPr lang="en-US"/>
-              <a:t>Third level</a:t>
-            </a:r>
-          </a:p>
-          <a:p>
-            <a:pPr lvl="3"/>
-            <a:r>
-              <a:rPr lang="en-US"/>
-              <a:t>Fourth level</a:t>
-            </a:r>
-          </a:p>
-          <a:p>
-            <a:pPr lvl="4"/>
-            <a:r>
-              <a:rPr lang="en-US"/>
-              <a:t>Fifth level</a:t>
-            </a:r>
-          </a:p>
-        </p:txBody>
-      </p:sp>
-      <p:sp>
-        <p:nvSpPr>
-          <p:cNvPr id="4" name="Content Placeholder 3"/>
-          <p:cNvSpPr>
-            <a:spLocks noGrp="1"/>
-          </p:cNvSpPr>
-          <p:nvPr>
-            <p:ph sz="half" idx="2"/>
-          </p:nvPr>
-        </p:nvSpPr>
-        <p:spPr>
-          <a:xfrm>
-            <a:off x="6172200" y="1825626"/>
-            <a:ext cx="5181600" cy="3323987"/>
-          </a:xfrm>
-        </p:spPr>
-        <p:txBody>
-          <a:bodyPr/>
-          <a:lstStyle/>
-          <a:p>
-            <a:pPr lvl="0"/>
-            <a:r>
-              <a:rPr lang="en-US"/>
-              <a:t>Click to edit Master text styles</a:t>
-            </a:r>
-          </a:p>
-          <a:p>
-            <a:pPr lvl="1"/>
-            <a:r>
-              <a:rPr lang="en-US"/>
-              <a:t>Second level</a:t>
-            </a:r>
-          </a:p>
-          <a:p>
-            <a:pPr lvl="2"/>
-            <a:r>
-              <a:rPr lang="en-US"/>
-              <a:t>Third level</a:t>
-            </a:r>
-          </a:p>
-          <a:p>
-            <a:pPr lvl="3"/>
-            <a:r>
-              <a:rPr lang="en-US"/>
-              <a:t>Fourth level</a:t>
-            </a:r>
-          </a:p>
-          <a:p>
-            <a:pPr lvl="4"/>
-            <a:r>
-              <a:rPr lang="en-US"/>
-              <a:t>Fifth level</a:t>
-            </a:r>
-          </a:p>
-        </p:txBody>
-      </p:sp>
-      <p:sp>
-        <p:nvSpPr>
-          <p:cNvPr id="5" name="Date Placeholder 4"/>
-          <p:cNvSpPr>
-            <a:spLocks noGrp="1"/>
-          </p:cNvSpPr>
-          <p:nvPr>
-            <p:ph type="dt" sz="half" idx="10"/>
-          </p:nvPr>
-        </p:nvSpPr>
-        <p:spPr>
-          <a:xfrm>
-            <a:off x="838202" y="6356351"/>
-            <a:ext cx="2743200" cy="365125"/>
-          </a:xfrm>
-          <a:prstGeom prst="rect">
-            <a:avLst/>
-          </a:prstGeom>
-        </p:spPr>
-        <p:txBody>
-          <a:bodyPr/>
-          <a:lstStyle/>
-          <a:p>
-            <a:fld id="{B37ECBE2-3150-4A8C-9BA8-324E60C97071}" type="datetimeFigureOut">
-              <a:rPr lang="en-US"/>
-              <a:t>7/5/2016</a:t>
-            </a:fld>
-            <a:endParaRPr lang="en-US" dirty="0"/>
-          </a:p>
-        </p:txBody>
-      </p:sp>
-      <p:sp>
-        <p:nvSpPr>
-          <p:cNvPr id="6" name="Footer Placeholder 5"/>
-          <p:cNvSpPr>
-            <a:spLocks noGrp="1"/>
-          </p:cNvSpPr>
-          <p:nvPr>
-            <p:ph type="ftr" sz="quarter" idx="11"/>
-          </p:nvPr>
-        </p:nvSpPr>
-        <p:spPr>
-          <a:xfrm>
-            <a:off x="4038601" y="6356351"/>
-            <a:ext cx="4114800" cy="365125"/>
-          </a:xfrm>
-          <a:prstGeom prst="rect">
-            <a:avLst/>
-          </a:prstGeom>
-        </p:spPr>
-        <p:txBody>
-          <a:bodyPr/>
-          <a:lstStyle/>
-          <a:p>
-            <a:endParaRPr lang="en-US" dirty="0"/>
-          </a:p>
-        </p:txBody>
-      </p:sp>
-      <p:sp>
-        <p:nvSpPr>
-          <p:cNvPr id="7" name="Slide Number Placeholder 6"/>
-          <p:cNvSpPr>
-            <a:spLocks noGrp="1"/>
-          </p:cNvSpPr>
-          <p:nvPr>
-            <p:ph type="sldNum" sz="quarter" idx="12"/>
-          </p:nvPr>
-        </p:nvSpPr>
-        <p:spPr>
-          <a:xfrm>
-            <a:off x="8610600" y="6356351"/>
-            <a:ext cx="2743200" cy="365125"/>
-          </a:xfrm>
-          <a:prstGeom prst="rect">
-            <a:avLst/>
-          </a:prstGeom>
-        </p:spPr>
-        <p:txBody>
-          <a:bodyPr/>
-          <a:lstStyle/>
-          <a:p>
-            <a:fld id="{21476996-1D2C-40F1-B50E-3395E94DDC5F}" type="slidenum">
-              <a:rPr lang="en-US"/>
-              <a:t>‹#›</a:t>
-            </a:fld>
-            <a:endParaRPr lang="en-US" dirty="0"/>
-          </a:p>
-        </p:txBody>
-      </p:sp>
-    </p:spTree>
-    <p:extLst>
-      <p:ext uri="{BB962C8B-B14F-4D97-AF65-F5344CB8AC3E}">
-        <p14:creationId xmlns:p14="http://schemas.microsoft.com/office/powerpoint/2010/main" val="932271104"/>
-      </p:ext>
-    </p:extLst>
-  </p:cSld>
-  <p:clrMapOvr>
-    <a:masterClrMapping/>
-  </p:clrMapOvr>
 </p:sldLayout>
 </file>
 
@@ -28497,7 +24893,7 @@
     </p:spTree>
     <p:extLst>
       <p:ext uri="{BB962C8B-B14F-4D97-AF65-F5344CB8AC3E}">
-        <p14:creationId xmlns:p14="http://schemas.microsoft.com/office/powerpoint/2010/main" val="288630771"/>
+        <p14:creationId xmlns:p14="http://schemas.microsoft.com/office/powerpoint/2010/main" val="1387712737"/>
       </p:ext>
     </p:extLst>
   </p:cSld>
@@ -28561,7 +24957,7 @@
     </p:spTree>
     <p:extLst>
       <p:ext uri="{BB962C8B-B14F-4D97-AF65-F5344CB8AC3E}">
-        <p14:creationId xmlns:p14="http://schemas.microsoft.com/office/powerpoint/2010/main" val="849191674"/>
+        <p14:creationId xmlns:p14="http://schemas.microsoft.com/office/powerpoint/2010/main" val="404932318"/>
       </p:ext>
     </p:extLst>
   </p:cSld>
@@ -28666,7 +25062,7 @@
     </p:spTree>
     <p:extLst>
       <p:ext uri="{BB962C8B-B14F-4D97-AF65-F5344CB8AC3E}">
-        <p14:creationId xmlns:p14="http://schemas.microsoft.com/office/powerpoint/2010/main" val="3713288213"/>
+        <p14:creationId xmlns:p14="http://schemas.microsoft.com/office/powerpoint/2010/main" val="2064220244"/>
       </p:ext>
     </p:extLst>
   </p:cSld>
@@ -28739,34 +25135,30 @@
         <p:spPr>
           <a:xfrm>
             <a:off x="268288" y="1398397"/>
-            <a:ext cx="11542503" cy="1889748"/>
+            <a:ext cx="11542503" cy="4451560"/>
           </a:xfrm>
         </p:spPr>
         <p:txBody>
           <a:bodyPr/>
-          <a:lstStyle>
-            <a:lvl1pPr>
-              <a:defRPr b="1"/>
-            </a:lvl1pPr>
-          </a:lstStyle>
+          <a:lstStyle/>
           <a:p>
             <a:pPr lvl="0"/>
             <a:r>
-              <a:rPr lang="en-US" dirty="0"/>
+              <a:rPr lang="en-US"/>
               <a:t>Edit Master text styles</a:t>
             </a:r>
           </a:p>
           <a:p>
             <a:pPr lvl="1"/>
             <a:r>
-              <a:rPr lang="en-US" dirty="0"/>
+              <a:rPr lang="en-US"/>
               <a:t>Second level</a:t>
             </a:r>
           </a:p>
           <a:p>
             <a:pPr lvl="2"/>
             <a:r>
-              <a:rPr lang="en-US" dirty="0"/>
+              <a:rPr lang="en-US"/>
               <a:t>Third level</a:t>
             </a:r>
           </a:p>
@@ -28775,7 +25167,7 @@
     </p:spTree>
     <p:extLst>
       <p:ext uri="{BB962C8B-B14F-4D97-AF65-F5344CB8AC3E}">
-        <p14:creationId xmlns:p14="http://schemas.microsoft.com/office/powerpoint/2010/main" val="363058038"/>
+        <p14:creationId xmlns:p14="http://schemas.microsoft.com/office/powerpoint/2010/main" val="2705181271"/>
       </p:ext>
     </p:extLst>
   </p:cSld>
@@ -28789,281 +25181,6 @@
 </file>
 
 <file path=ppt/slideLayouts/slideLayout7.xml><?xml version="1.0" encoding="utf-8"?>
-<p:sldLayout xmlns:a="http://schemas.openxmlformats.org/drawingml/2006/main" xmlns:r="http://schemas.openxmlformats.org/officeDocument/2006/relationships" xmlns:p="http://schemas.openxmlformats.org/presentationml/2006/main" userDrawn="1">
-  <p:cSld name="Title &amp; 2-color Non-bulleted text">
-    <p:spTree>
-      <p:nvGrpSpPr>
-        <p:cNvPr id="1" name=""/>
-        <p:cNvGrpSpPr/>
-        <p:nvPr/>
-      </p:nvGrpSpPr>
-      <p:grpSpPr>
-        <a:xfrm>
-          <a:off x="0" y="0"/>
-          <a:ext cx="0" cy="0"/>
-          <a:chOff x="0" y="0"/>
-          <a:chExt cx="0" cy="0"/>
-        </a:xfrm>
-      </p:grpSpPr>
-      <p:sp>
-        <p:nvSpPr>
-          <p:cNvPr id="2" name="Title 1"/>
-          <p:cNvSpPr>
-            <a:spLocks noGrp="1"/>
-          </p:cNvSpPr>
-          <p:nvPr>
-            <p:ph type="title"/>
-          </p:nvPr>
-        </p:nvSpPr>
-        <p:spPr/>
-        <p:txBody>
-          <a:bodyPr/>
-          <a:lstStyle/>
-          <a:p>
-            <a:r>
-              <a:rPr lang="en-US" dirty="0"/>
-              <a:t>Click to edit Master title style</a:t>
-            </a:r>
-          </a:p>
-        </p:txBody>
-      </p:sp>
-      <p:sp>
-        <p:nvSpPr>
-          <p:cNvPr id="6" name="Text Placeholder 5"/>
-          <p:cNvSpPr>
-            <a:spLocks noGrp="1"/>
-          </p:cNvSpPr>
-          <p:nvPr>
-            <p:ph type="body" sz="quarter" idx="10"/>
-          </p:nvPr>
-        </p:nvSpPr>
-        <p:spPr>
-          <a:xfrm>
-            <a:off x="269239" y="1189177"/>
-            <a:ext cx="11653523" cy="2492477"/>
-          </a:xfrm>
-        </p:spPr>
-        <p:txBody>
-          <a:bodyPr/>
-          <a:lstStyle>
-            <a:lvl1pPr marL="0" indent="0">
-              <a:buNone/>
-              <a:defRPr>
-                <a:gradFill>
-                  <a:gsLst>
-                    <a:gs pos="1250">
-                      <a:schemeClr val="tx2"/>
-                    </a:gs>
-                    <a:gs pos="99000">
-                      <a:schemeClr val="tx2"/>
-                    </a:gs>
-                  </a:gsLst>
-                  <a:lin ang="5400000" scaled="0"/>
-                </a:gradFill>
-              </a:defRPr>
-            </a:lvl1pPr>
-            <a:lvl2pPr marL="0" indent="0">
-              <a:buFontTx/>
-              <a:buNone/>
-              <a:defRPr sz="1961"/>
-            </a:lvl2pPr>
-            <a:lvl3pPr marL="224097" indent="0">
-              <a:buNone/>
-              <a:defRPr/>
-            </a:lvl3pPr>
-            <a:lvl4pPr marL="448193" indent="0">
-              <a:buNone/>
-              <a:defRPr/>
-            </a:lvl4pPr>
-            <a:lvl5pPr marL="672290" indent="0">
-              <a:buNone/>
-              <a:defRPr/>
-            </a:lvl5pPr>
-          </a:lstStyle>
-          <a:p>
-            <a:pPr lvl="0"/>
-            <a:r>
-              <a:rPr lang="en-US" dirty="0"/>
-              <a:t>Click to edit Master text styles</a:t>
-            </a:r>
-          </a:p>
-          <a:p>
-            <a:pPr lvl="1"/>
-            <a:r>
-              <a:rPr lang="en-US" dirty="0"/>
-              <a:t>Second level</a:t>
-            </a:r>
-          </a:p>
-          <a:p>
-            <a:pPr lvl="2"/>
-            <a:r>
-              <a:rPr lang="en-US" dirty="0"/>
-              <a:t>Third level</a:t>
-            </a:r>
-          </a:p>
-          <a:p>
-            <a:pPr lvl="3"/>
-            <a:r>
-              <a:rPr lang="en-US" dirty="0"/>
-              <a:t>Fourth level</a:t>
-            </a:r>
-          </a:p>
-          <a:p>
-            <a:pPr lvl="4"/>
-            <a:r>
-              <a:rPr lang="en-US" dirty="0"/>
-              <a:t>Fifth level</a:t>
-            </a:r>
-          </a:p>
-        </p:txBody>
-      </p:sp>
-    </p:spTree>
-    <p:extLst>
-      <p:ext uri="{BB962C8B-B14F-4D97-AF65-F5344CB8AC3E}">
-        <p14:creationId xmlns:p14="http://schemas.microsoft.com/office/powerpoint/2010/main" val="2850564267"/>
-      </p:ext>
-    </p:extLst>
-  </p:cSld>
-  <p:clrMapOvr>
-    <a:masterClrMapping/>
-  </p:clrMapOvr>
-  <p:transition>
-    <p:fade/>
-  </p:transition>
-</p:sldLayout>
-</file>
-
-<file path=ppt/slideLayouts/slideLayout8.xml><?xml version="1.0" encoding="utf-8"?>
-<p:sldLayout xmlns:a="http://schemas.openxmlformats.org/drawingml/2006/main" xmlns:r="http://schemas.openxmlformats.org/officeDocument/2006/relationships" xmlns:p="http://schemas.openxmlformats.org/presentationml/2006/main" userDrawn="1">
-  <p:cSld name="Title and Content 1st level color text">
-    <p:spTree>
-      <p:nvGrpSpPr>
-        <p:cNvPr id="1" name=""/>
-        <p:cNvGrpSpPr/>
-        <p:nvPr/>
-      </p:nvGrpSpPr>
-      <p:grpSpPr>
-        <a:xfrm>
-          <a:off x="0" y="0"/>
-          <a:ext cx="0" cy="0"/>
-          <a:chOff x="0" y="0"/>
-          <a:chExt cx="0" cy="0"/>
-        </a:xfrm>
-      </p:grpSpPr>
-      <p:sp>
-        <p:nvSpPr>
-          <p:cNvPr id="4" name="Text Placeholder 3"/>
-          <p:cNvSpPr>
-            <a:spLocks noGrp="1"/>
-          </p:cNvSpPr>
-          <p:nvPr>
-            <p:ph type="body" sz="quarter" idx="10"/>
-          </p:nvPr>
-        </p:nvSpPr>
-        <p:spPr>
-          <a:xfrm>
-            <a:off x="359016" y="1189177"/>
-            <a:ext cx="11473970" cy="2867773"/>
-          </a:xfrm>
-        </p:spPr>
-        <p:txBody>
-          <a:bodyPr wrap="square">
-            <a:spAutoFit/>
-          </a:bodyPr>
-          <a:lstStyle>
-            <a:lvl1pPr>
-              <a:defRPr sz="4706">
-                <a:gradFill>
-                  <a:gsLst>
-                    <a:gs pos="1250">
-                      <a:schemeClr val="tx2"/>
-                    </a:gs>
-                    <a:gs pos="99000">
-                      <a:schemeClr val="tx2"/>
-                    </a:gs>
-                  </a:gsLst>
-                  <a:lin ang="5400000" scaled="0"/>
-                </a:gradFill>
-              </a:defRPr>
-            </a:lvl1pPr>
-          </a:lstStyle>
-          <a:p>
-            <a:pPr lvl="0"/>
-            <a:r>
-              <a:rPr lang="en-US"/>
-              <a:t>Click to edit Master text styles</a:t>
-            </a:r>
-          </a:p>
-          <a:p>
-            <a:pPr lvl="1"/>
-            <a:r>
-              <a:rPr lang="en-US"/>
-              <a:t>Second level</a:t>
-            </a:r>
-          </a:p>
-          <a:p>
-            <a:pPr lvl="2"/>
-            <a:r>
-              <a:rPr lang="en-US"/>
-              <a:t>Third level</a:t>
-            </a:r>
-          </a:p>
-          <a:p>
-            <a:pPr lvl="3"/>
-            <a:r>
-              <a:rPr lang="en-US"/>
-              <a:t>Fourth level</a:t>
-            </a:r>
-          </a:p>
-          <a:p>
-            <a:pPr lvl="4"/>
-            <a:r>
-              <a:rPr lang="en-US"/>
-              <a:t>Fifth level</a:t>
-            </a:r>
-            <a:endParaRPr lang="en-US" dirty="0"/>
-          </a:p>
-        </p:txBody>
-      </p:sp>
-      <p:sp>
-        <p:nvSpPr>
-          <p:cNvPr id="6" name="Title 5"/>
-          <p:cNvSpPr>
-            <a:spLocks noGrp="1"/>
-          </p:cNvSpPr>
-          <p:nvPr>
-            <p:ph type="title"/>
-          </p:nvPr>
-        </p:nvSpPr>
-        <p:spPr/>
-        <p:txBody>
-          <a:bodyPr/>
-          <a:lstStyle/>
-          <a:p>
-            <a:r>
-              <a:rPr lang="en-US"/>
-              <a:t>Click to edit Master title style</a:t>
-            </a:r>
-          </a:p>
-        </p:txBody>
-      </p:sp>
-    </p:spTree>
-    <p:extLst>
-      <p:ext uri="{BB962C8B-B14F-4D97-AF65-F5344CB8AC3E}">
-        <p14:creationId xmlns:p14="http://schemas.microsoft.com/office/powerpoint/2010/main" val="214408555"/>
-      </p:ext>
-    </p:extLst>
-  </p:cSld>
-  <p:clrMapOvr>
-    <a:masterClrMapping/>
-  </p:clrMapOvr>
-  <p:transition>
-    <p:fade/>
-  </p:transition>
-</p:sldLayout>
-</file>
-
-<file path=ppt/slideLayouts/slideLayout9.xml><?xml version="1.0" encoding="utf-8"?>
 <p:sldLayout xmlns:a="http://schemas.openxmlformats.org/drawingml/2006/main" xmlns:r="http://schemas.openxmlformats.org/officeDocument/2006/relationships" xmlns:p="http://schemas.openxmlformats.org/presentationml/2006/main" preserve="1">
   <p:cSld name="Title and Content - 2 Column">
     <p:bg>
@@ -29203,7 +25320,615 @@
     </p:spTree>
     <p:extLst>
       <p:ext uri="{BB962C8B-B14F-4D97-AF65-F5344CB8AC3E}">
-        <p14:creationId xmlns:p14="http://schemas.microsoft.com/office/powerpoint/2010/main" val="2912206317"/>
+        <p14:creationId xmlns:p14="http://schemas.microsoft.com/office/powerpoint/2010/main" val="3374775758"/>
+      </p:ext>
+    </p:extLst>
+  </p:cSld>
+  <p:clrMapOvr>
+    <a:masterClrMapping/>
+  </p:clrMapOvr>
+  <p:transition>
+    <p:fade/>
+  </p:transition>
+</p:sldLayout>
+</file>
+
+<file path=ppt/slideLayouts/slideLayout8.xml><?xml version="1.0" encoding="utf-8"?>
+<p:sldLayout xmlns:a="http://schemas.openxmlformats.org/drawingml/2006/main" xmlns:r="http://schemas.openxmlformats.org/officeDocument/2006/relationships" xmlns:p="http://schemas.openxmlformats.org/presentationml/2006/main" preserve="1">
+  <p:cSld name="Title and Compare">
+    <p:bg>
+      <p:bgPr>
+        <a:solidFill>
+          <a:srgbClr val="1574B8"/>
+        </a:solidFill>
+        <a:effectLst/>
+      </p:bgPr>
+    </p:bg>
+    <p:spTree>
+      <p:nvGrpSpPr>
+        <p:cNvPr id="1" name=""/>
+        <p:cNvGrpSpPr/>
+        <p:nvPr/>
+      </p:nvGrpSpPr>
+      <p:grpSpPr>
+        <a:xfrm>
+          <a:off x="0" y="0"/>
+          <a:ext cx="0" cy="0"/>
+          <a:chOff x="0" y="0"/>
+          <a:chExt cx="0" cy="0"/>
+        </a:xfrm>
+      </p:grpSpPr>
+      <p:sp>
+        <p:nvSpPr>
+          <p:cNvPr id="7" name="Content Placeholder 6"/>
+          <p:cNvSpPr>
+            <a:spLocks noGrp="1"/>
+          </p:cNvSpPr>
+          <p:nvPr>
+            <p:ph sz="quarter" idx="10"/>
+          </p:nvPr>
+        </p:nvSpPr>
+        <p:spPr>
+          <a:xfrm>
+            <a:off x="293121" y="2253750"/>
+            <a:ext cx="5378549" cy="1889748"/>
+          </a:xfrm>
+        </p:spPr>
+        <p:txBody>
+          <a:bodyPr/>
+          <a:lstStyle/>
+          <a:p>
+            <a:pPr lvl="0"/>
+            <a:r>
+              <a:rPr lang="en-US"/>
+              <a:t>Edit Master text styles</a:t>
+            </a:r>
+          </a:p>
+          <a:p>
+            <a:pPr lvl="1"/>
+            <a:r>
+              <a:rPr lang="en-US"/>
+              <a:t>Second level</a:t>
+            </a:r>
+          </a:p>
+          <a:p>
+            <a:pPr lvl="2"/>
+            <a:r>
+              <a:rPr lang="en-US"/>
+              <a:t>Third level</a:t>
+            </a:r>
+          </a:p>
+        </p:txBody>
+      </p:sp>
+      <p:sp>
+        <p:nvSpPr>
+          <p:cNvPr id="8" name="Content Placeholder 6"/>
+          <p:cNvSpPr>
+            <a:spLocks noGrp="1"/>
+          </p:cNvSpPr>
+          <p:nvPr>
+            <p:ph sz="quarter" idx="11"/>
+          </p:nvPr>
+        </p:nvSpPr>
+        <p:spPr>
+          <a:xfrm>
+            <a:off x="6457075" y="2253750"/>
+            <a:ext cx="5378549" cy="1889748"/>
+          </a:xfrm>
+        </p:spPr>
+        <p:txBody>
+          <a:bodyPr/>
+          <a:lstStyle/>
+          <a:p>
+            <a:pPr lvl="0"/>
+            <a:r>
+              <a:rPr lang="en-US"/>
+              <a:t>Edit Master text styles</a:t>
+            </a:r>
+          </a:p>
+          <a:p>
+            <a:pPr lvl="1"/>
+            <a:r>
+              <a:rPr lang="en-US"/>
+              <a:t>Second level</a:t>
+            </a:r>
+          </a:p>
+          <a:p>
+            <a:pPr lvl="2"/>
+            <a:r>
+              <a:rPr lang="en-US"/>
+              <a:t>Third level</a:t>
+            </a:r>
+          </a:p>
+        </p:txBody>
+      </p:sp>
+      <p:sp>
+        <p:nvSpPr>
+          <p:cNvPr id="9" name="Content Placeholder 6"/>
+          <p:cNvSpPr>
+            <a:spLocks noGrp="1"/>
+          </p:cNvSpPr>
+          <p:nvPr>
+            <p:ph sz="quarter" idx="12" hasCustomPrompt="1"/>
+          </p:nvPr>
+        </p:nvSpPr>
+        <p:spPr>
+          <a:xfrm>
+            <a:off x="293761" y="1367394"/>
+            <a:ext cx="5378549" cy="669927"/>
+          </a:xfrm>
+        </p:spPr>
+        <p:txBody>
+          <a:bodyPr/>
+          <a:lstStyle>
+            <a:lvl1pPr marL="0" indent="0">
+              <a:buNone/>
+              <a:defRPr sz="3529" b="1" baseline="0"/>
+            </a:lvl1pPr>
+          </a:lstStyle>
+          <a:p>
+            <a:pPr lvl="0"/>
+            <a:r>
+              <a:rPr lang="en-US" dirty="0"/>
+              <a:t>Comparison 1</a:t>
+            </a:r>
+          </a:p>
+        </p:txBody>
+      </p:sp>
+      <p:sp>
+        <p:nvSpPr>
+          <p:cNvPr id="10" name="Content Placeholder 6"/>
+          <p:cNvSpPr>
+            <a:spLocks noGrp="1"/>
+          </p:cNvSpPr>
+          <p:nvPr>
+            <p:ph sz="quarter" idx="13" hasCustomPrompt="1"/>
+          </p:nvPr>
+        </p:nvSpPr>
+        <p:spPr>
+          <a:xfrm>
+            <a:off x="6457715" y="1367394"/>
+            <a:ext cx="5378549" cy="669927"/>
+          </a:xfrm>
+        </p:spPr>
+        <p:txBody>
+          <a:bodyPr/>
+          <a:lstStyle>
+            <a:lvl1pPr marL="0" indent="0">
+              <a:buNone/>
+              <a:defRPr sz="3529" b="1"/>
+            </a:lvl1pPr>
+          </a:lstStyle>
+          <a:p>
+            <a:pPr lvl="0"/>
+            <a:r>
+              <a:rPr lang="en-US" dirty="0"/>
+              <a:t>Comparison 1</a:t>
+            </a:r>
+          </a:p>
+        </p:txBody>
+      </p:sp>
+      <p:sp>
+        <p:nvSpPr>
+          <p:cNvPr id="11" name="Title 1"/>
+          <p:cNvSpPr>
+            <a:spLocks noGrp="1"/>
+          </p:cNvSpPr>
+          <p:nvPr>
+            <p:ph type="title"/>
+          </p:nvPr>
+        </p:nvSpPr>
+        <p:spPr>
+          <a:xfrm>
+            <a:off x="268930" y="291068"/>
+            <a:ext cx="11653832" cy="899665"/>
+          </a:xfrm>
+        </p:spPr>
+        <p:txBody>
+          <a:bodyPr/>
+          <a:lstStyle/>
+          <a:p>
+            <a:r>
+              <a:rPr lang="en-US"/>
+              <a:t>Click to edit Master title style</a:t>
+            </a:r>
+            <a:endParaRPr lang="en-US" dirty="0"/>
+          </a:p>
+        </p:txBody>
+      </p:sp>
+    </p:spTree>
+    <p:extLst>
+      <p:ext uri="{BB962C8B-B14F-4D97-AF65-F5344CB8AC3E}">
+        <p14:creationId xmlns:p14="http://schemas.microsoft.com/office/powerpoint/2010/main" val="3240887016"/>
+      </p:ext>
+    </p:extLst>
+  </p:cSld>
+  <p:clrMapOvr>
+    <a:masterClrMapping/>
+  </p:clrMapOvr>
+  <p:transition>
+    <p:fade/>
+  </p:transition>
+</p:sldLayout>
+</file>
+
+<file path=ppt/slideLayouts/slideLayout9.xml><?xml version="1.0" encoding="utf-8"?>
+<p:sldLayout xmlns:a="http://schemas.openxmlformats.org/drawingml/2006/main" xmlns:r="http://schemas.openxmlformats.org/officeDocument/2006/relationships" xmlns:p="http://schemas.openxmlformats.org/presentationml/2006/main" preserve="1">
+  <p:cSld name="Demo">
+    <p:bg>
+      <p:bgPr>
+        <a:solidFill>
+          <a:srgbClr val="1574B8"/>
+        </a:solidFill>
+        <a:effectLst/>
+      </p:bgPr>
+    </p:bg>
+    <p:spTree>
+      <p:nvGrpSpPr>
+        <p:cNvPr id="1" name=""/>
+        <p:cNvGrpSpPr/>
+        <p:nvPr/>
+      </p:nvGrpSpPr>
+      <p:grpSpPr>
+        <a:xfrm>
+          <a:off x="0" y="0"/>
+          <a:ext cx="0" cy="0"/>
+          <a:chOff x="0" y="0"/>
+          <a:chExt cx="0" cy="0"/>
+        </a:xfrm>
+      </p:grpSpPr>
+      <p:sp>
+        <p:nvSpPr>
+          <p:cNvPr id="7" name="Text Placeholder 3"/>
+          <p:cNvSpPr>
+            <a:spLocks noGrp="1"/>
+          </p:cNvSpPr>
+          <p:nvPr>
+            <p:ph type="body" sz="quarter" idx="10" hasCustomPrompt="1"/>
+          </p:nvPr>
+        </p:nvSpPr>
+        <p:spPr>
+          <a:xfrm>
+            <a:off x="475025" y="4533945"/>
+            <a:ext cx="11240393" cy="683264"/>
+          </a:xfrm>
+        </p:spPr>
+        <p:txBody>
+          <a:bodyPr/>
+          <a:lstStyle>
+            <a:lvl1pPr marL="0" indent="0" algn="r">
+              <a:buNone/>
+              <a:defRPr sz="3600" i="0"/>
+            </a:lvl1pPr>
+            <a:lvl2pPr marL="336145" indent="0">
+              <a:buNone/>
+              <a:defRPr/>
+            </a:lvl2pPr>
+            <a:lvl3pPr marL="560241" indent="0">
+              <a:buNone/>
+              <a:defRPr/>
+            </a:lvl3pPr>
+            <a:lvl4pPr marL="784338" indent="0">
+              <a:buNone/>
+              <a:defRPr/>
+            </a:lvl4pPr>
+            <a:lvl5pPr marL="1008435" indent="0">
+              <a:buNone/>
+              <a:defRPr/>
+            </a:lvl5pPr>
+          </a:lstStyle>
+          <a:p>
+            <a:pPr lvl="0"/>
+            <a:r>
+              <a:rPr lang="en-US" dirty="0"/>
+              <a:t>Click to edit demo name</a:t>
+            </a:r>
+          </a:p>
+        </p:txBody>
+      </p:sp>
+      <p:sp>
+        <p:nvSpPr>
+          <p:cNvPr id="8" name="TextBox 7"/>
+          <p:cNvSpPr txBox="1"/>
+          <p:nvPr/>
+        </p:nvSpPr>
+        <p:spPr>
+          <a:xfrm>
+            <a:off x="7569411" y="2655027"/>
+            <a:ext cx="4146007" cy="1888209"/>
+          </a:xfrm>
+          <a:prstGeom prst="rect">
+            <a:avLst/>
+          </a:prstGeom>
+          <a:noFill/>
+        </p:spPr>
+        <p:txBody>
+          <a:bodyPr wrap="none" lIns="182880" tIns="146304" rIns="182880" bIns="146304" rtlCol="0">
+            <a:spAutoFit/>
+          </a:bodyPr>
+          <a:lstStyle/>
+          <a:p>
+            <a:pPr marL="0" marR="0" lvl="0" indent="0" algn="l" defTabSz="914400" rtl="0" eaLnBrk="1" fontAlgn="auto" latinLnBrk="0" hangingPunct="1">
+              <a:lnSpc>
+                <a:spcPct val="90000"/>
+              </a:lnSpc>
+              <a:spcBef>
+                <a:spcPts val="0"/>
+              </a:spcBef>
+              <a:spcAft>
+                <a:spcPts val="600"/>
+              </a:spcAft>
+              <a:buClrTx/>
+              <a:buSzTx/>
+              <a:buFontTx/>
+              <a:buNone/>
+              <a:tabLst/>
+              <a:defRPr/>
+            </a:pPr>
+            <a:r>
+              <a:rPr kumimoji="0" lang="en-US" sz="11500" b="0" i="0" u="none" strike="noStrike" kern="1200" cap="none" spc="0" normalizeH="0" baseline="0" noProof="0" dirty="0">
+                <a:ln>
+                  <a:noFill/>
+                </a:ln>
+                <a:gradFill>
+                  <a:gsLst>
+                    <a:gs pos="2917">
+                      <a:prstClr val="white"/>
+                    </a:gs>
+                    <a:gs pos="30000">
+                      <a:prstClr val="white"/>
+                    </a:gs>
+                  </a:gsLst>
+                  <a:lin ang="5400000" scaled="0"/>
+                </a:gradFill>
+                <a:effectLst/>
+                <a:uLnTx/>
+                <a:uFillTx/>
+                <a:latin typeface="Segoe UI Light"/>
+                <a:ea typeface="+mn-ea"/>
+                <a:cs typeface="+mn-cs"/>
+              </a:rPr>
+              <a:t>Demo</a:t>
+            </a:r>
+          </a:p>
+        </p:txBody>
+      </p:sp>
+      <p:pic>
+        <p:nvPicPr>
+          <p:cNvPr id="6" name="Picture 5"/>
+          <p:cNvPicPr>
+            <a:picLocks noChangeAspect="1"/>
+          </p:cNvPicPr>
+          <p:nvPr/>
+        </p:nvPicPr>
+        <p:blipFill>
+          <a:blip r:embed="rId2"/>
+          <a:stretch>
+            <a:fillRect/>
+          </a:stretch>
+        </p:blipFill>
+        <p:spPr>
+          <a:xfrm>
+            <a:off x="0" y="0"/>
+            <a:ext cx="12192000" cy="2858788"/>
+          </a:xfrm>
+          <a:prstGeom prst="rect">
+            <a:avLst/>
+          </a:prstGeom>
+        </p:spPr>
+      </p:pic>
+      <p:sp>
+        <p:nvSpPr>
+          <p:cNvPr id="9" name="TextBox 8"/>
+          <p:cNvSpPr txBox="1"/>
+          <p:nvPr/>
+        </p:nvSpPr>
+        <p:spPr>
+          <a:xfrm>
+            <a:off x="778469" y="1024876"/>
+            <a:ext cx="3740504" cy="1321387"/>
+          </a:xfrm>
+          <a:prstGeom prst="rect">
+            <a:avLst/>
+          </a:prstGeom>
+          <a:noFill/>
+        </p:spPr>
+        <p:txBody>
+          <a:bodyPr wrap="square" lIns="182880" tIns="146304" rIns="182880" bIns="146304" rtlCol="0">
+            <a:spAutoFit/>
+          </a:bodyPr>
+          <a:lstStyle/>
+          <a:p>
+            <a:pPr marL="0" marR="0" lvl="0" indent="0" algn="ctr" defTabSz="914400" rtl="0" eaLnBrk="1" fontAlgn="auto" latinLnBrk="0" hangingPunct="1">
+              <a:lnSpc>
+                <a:spcPts val="4000"/>
+              </a:lnSpc>
+              <a:spcBef>
+                <a:spcPts val="0"/>
+              </a:spcBef>
+              <a:spcAft>
+                <a:spcPts val="0"/>
+              </a:spcAft>
+              <a:buClrTx/>
+              <a:buSzTx/>
+              <a:buFontTx/>
+              <a:buNone/>
+              <a:tabLst/>
+              <a:defRPr/>
+            </a:pPr>
+            <a:r>
+              <a:rPr kumimoji="0" lang="en-US" sz="3600" b="0" i="0" u="none" strike="noStrike" kern="1200" cap="none" spc="0" normalizeH="0" baseline="0" noProof="0" dirty="0">
+                <a:ln>
+                  <a:noFill/>
+                </a:ln>
+                <a:solidFill>
+                  <a:srgbClr val="0070C0"/>
+                </a:solidFill>
+                <a:effectLst/>
+                <a:uLnTx/>
+                <a:uFillTx/>
+                <a:latin typeface="Segoe UI Light"/>
+                <a:ea typeface="+mn-ea"/>
+                <a:cs typeface="+mn-cs"/>
+              </a:rPr>
+              <a:t>Architect to Architect</a:t>
+            </a:r>
+          </a:p>
+        </p:txBody>
+      </p:sp>
+      <p:sp>
+        <p:nvSpPr>
+          <p:cNvPr id="10" name="TextBox 9"/>
+          <p:cNvSpPr txBox="1"/>
+          <p:nvPr userDrawn="1"/>
+        </p:nvSpPr>
+        <p:spPr>
+          <a:xfrm>
+            <a:off x="7569411" y="2655027"/>
+            <a:ext cx="4146007" cy="1888209"/>
+          </a:xfrm>
+          <a:prstGeom prst="rect">
+            <a:avLst/>
+          </a:prstGeom>
+          <a:noFill/>
+        </p:spPr>
+        <p:txBody>
+          <a:bodyPr wrap="none" lIns="182880" tIns="146304" rIns="182880" bIns="146304" rtlCol="0">
+            <a:spAutoFit/>
+          </a:bodyPr>
+          <a:lstStyle/>
+          <a:p>
+            <a:pPr>
+              <a:lnSpc>
+                <a:spcPct val="90000"/>
+              </a:lnSpc>
+              <a:spcAft>
+                <a:spcPts val="600"/>
+              </a:spcAft>
+            </a:pPr>
+            <a:r>
+              <a:rPr lang="en-US" sz="11500" dirty="0">
+                <a:gradFill>
+                  <a:gsLst>
+                    <a:gs pos="2917">
+                      <a:schemeClr val="tx1"/>
+                    </a:gs>
+                    <a:gs pos="30000">
+                      <a:schemeClr val="tx1"/>
+                    </a:gs>
+                  </a:gsLst>
+                  <a:lin ang="5400000" scaled="0"/>
+                </a:gradFill>
+                <a:latin typeface="+mj-lt"/>
+              </a:rPr>
+              <a:t>Demo</a:t>
+            </a:r>
+          </a:p>
+        </p:txBody>
+      </p:sp>
+      <p:pic>
+        <p:nvPicPr>
+          <p:cNvPr id="11" name="Picture 10"/>
+          <p:cNvPicPr>
+            <a:picLocks noChangeAspect="1"/>
+          </p:cNvPicPr>
+          <p:nvPr userDrawn="1"/>
+        </p:nvPicPr>
+        <p:blipFill>
+          <a:blip r:embed="rId2"/>
+          <a:stretch>
+            <a:fillRect/>
+          </a:stretch>
+        </p:blipFill>
+        <p:spPr>
+          <a:xfrm>
+            <a:off x="0" y="0"/>
+            <a:ext cx="12192000" cy="2858788"/>
+          </a:xfrm>
+          <a:prstGeom prst="rect">
+            <a:avLst/>
+          </a:prstGeom>
+        </p:spPr>
+      </p:pic>
+      <p:sp>
+        <p:nvSpPr>
+          <p:cNvPr id="12" name="TextBox 11"/>
+          <p:cNvSpPr txBox="1"/>
+          <p:nvPr userDrawn="1"/>
+        </p:nvSpPr>
+        <p:spPr>
+          <a:xfrm>
+            <a:off x="778469" y="1024876"/>
+            <a:ext cx="3740504" cy="1321387"/>
+          </a:xfrm>
+          <a:prstGeom prst="rect">
+            <a:avLst/>
+          </a:prstGeom>
+          <a:noFill/>
+        </p:spPr>
+        <p:txBody>
+          <a:bodyPr wrap="square" lIns="182880" tIns="146304" rIns="182880" bIns="146304" rtlCol="0">
+            <a:spAutoFit/>
+          </a:bodyPr>
+          <a:lstStyle/>
+          <a:p>
+            <a:pPr algn="ctr">
+              <a:lnSpc>
+                <a:spcPts val="4000"/>
+              </a:lnSpc>
+            </a:pPr>
+            <a:r>
+              <a:rPr lang="en-US" sz="3600" dirty="0">
+                <a:solidFill>
+                  <a:srgbClr val="0070C0"/>
+                </a:solidFill>
+                <a:latin typeface="+mj-lt"/>
+              </a:rPr>
+              <a:t>Engineer</a:t>
+            </a:r>
+            <a:r>
+              <a:rPr lang="en-US" sz="3600" baseline="0" dirty="0">
+                <a:solidFill>
+                  <a:srgbClr val="0070C0"/>
+                </a:solidFill>
+                <a:latin typeface="+mj-lt"/>
+              </a:rPr>
+              <a:t> </a:t>
+            </a:r>
+            <a:r>
+              <a:rPr lang="en-US" sz="3600" dirty="0">
+                <a:solidFill>
+                  <a:srgbClr val="0070C0"/>
+                </a:solidFill>
+                <a:latin typeface="+mj-lt"/>
+              </a:rPr>
+              <a:t>to</a:t>
+            </a:r>
+            <a:r>
+              <a:rPr lang="en-US" sz="3600" baseline="0" dirty="0">
+                <a:solidFill>
+                  <a:srgbClr val="0070C0"/>
+                </a:solidFill>
+                <a:latin typeface="+mj-lt"/>
+              </a:rPr>
+              <a:t> </a:t>
+            </a:r>
+            <a:r>
+              <a:rPr lang="en-US" sz="3600" dirty="0">
+                <a:solidFill>
+                  <a:srgbClr val="0070C0"/>
+                </a:solidFill>
+                <a:latin typeface="+mj-lt"/>
+              </a:rPr>
+              <a:t>Engineer</a:t>
+            </a:r>
+          </a:p>
+        </p:txBody>
+      </p:sp>
+    </p:spTree>
+    <p:extLst>
+      <p:ext uri="{BB962C8B-B14F-4D97-AF65-F5344CB8AC3E}">
+        <p14:creationId xmlns:p14="http://schemas.microsoft.com/office/powerpoint/2010/main" val="2651143091"/>
       </p:ext>
     </p:extLst>
   </p:cSld>
@@ -29345,654 +26070,7 @@
           <p:nvPr/>
         </p:nvPicPr>
         <p:blipFill>
-          <a:blip r:embed="rId17" cstate="screen">
-            <a:extLst>
-              <a:ext uri="{28A0092B-C50C-407E-A947-70E740481C1C}">
-                <a14:useLocalDpi xmlns:a14="http://schemas.microsoft.com/office/drawing/2010/main" val="0"/>
-              </a:ext>
-            </a:extLst>
-          </a:blip>
-          <a:stretch>
-            <a:fillRect/>
-          </a:stretch>
-        </p:blipFill>
-        <p:spPr bwMode="invGray">
-          <a:xfrm>
-            <a:off x="10790046" y="6500884"/>
-            <a:ext cx="1277671" cy="280008"/>
-          </a:xfrm>
-          <a:prstGeom prst="rect">
-            <a:avLst/>
-          </a:prstGeom>
-        </p:spPr>
-      </p:pic>
-    </p:spTree>
-    <p:extLst>
-      <p:ext uri="{BB962C8B-B14F-4D97-AF65-F5344CB8AC3E}">
-        <p14:creationId xmlns:p14="http://schemas.microsoft.com/office/powerpoint/2010/main" val="3524609735"/>
-      </p:ext>
-    </p:extLst>
-  </p:cSld>
-  <p:clrMap bg1="dk1" tx1="lt1" bg2="dk2" tx2="lt2" accent1="accent1" accent2="accent2" accent3="accent3" accent4="accent4" accent5="accent5" accent6="accent6" hlink="hlink" folHlink="folHlink"/>
-  <p:sldLayoutIdLst>
-    <p:sldLayoutId id="2147483728" r:id="rId1"/>
-    <p:sldLayoutId id="2147483706" r:id="rId2"/>
-    <p:sldLayoutId id="2147483707" r:id="rId3"/>
-    <p:sldLayoutId id="2147483708" r:id="rId4"/>
-    <p:sldLayoutId id="2147483709" r:id="rId5"/>
-    <p:sldLayoutId id="2147483710" r:id="rId6"/>
-    <p:sldLayoutId id="2147483729" r:id="rId7"/>
-    <p:sldLayoutId id="2147483730" r:id="rId8"/>
-    <p:sldLayoutId id="2147483711" r:id="rId9"/>
-    <p:sldLayoutId id="2147483734" r:id="rId10"/>
-    <p:sldLayoutId id="2147483712" r:id="rId11"/>
-    <p:sldLayoutId id="2147483713" r:id="rId12"/>
-    <p:sldLayoutId id="2147483714" r:id="rId13"/>
-    <p:sldLayoutId id="2147483727" r:id="rId14"/>
-    <p:sldLayoutId id="2147483737" r:id="rId15"/>
-  </p:sldLayoutIdLst>
-  <p:transition>
-    <p:fade/>
-  </p:transition>
-  <p:txStyles>
-    <p:titleStyle>
-      <a:lvl1pPr algn="l" defTabSz="914367" rtl="0" eaLnBrk="1" latinLnBrk="0" hangingPunct="1">
-        <a:lnSpc>
-          <a:spcPct val="90000"/>
-        </a:lnSpc>
-        <a:spcBef>
-          <a:spcPct val="0"/>
-        </a:spcBef>
-        <a:buNone/>
-        <a:defRPr lang="en-US" sz="5294" b="0" kern="1200" cap="none" spc="-100" baseline="0" dirty="0" smtClean="0">
-          <a:ln w="3175">
-            <a:noFill/>
-          </a:ln>
-          <a:gradFill>
-            <a:gsLst>
-              <a:gs pos="7080">
-                <a:schemeClr val="tx1"/>
-              </a:gs>
-              <a:gs pos="26000">
-                <a:schemeClr val="tx1"/>
-              </a:gs>
-            </a:gsLst>
-            <a:lin ang="5400000" scaled="0"/>
-          </a:gradFill>
-          <a:effectLst/>
-          <a:latin typeface="+mj-lt"/>
-          <a:ea typeface="+mn-ea"/>
-          <a:cs typeface="Segoe UI" pitchFamily="34" charset="0"/>
-        </a:defRPr>
-      </a:lvl1pPr>
-    </p:titleStyle>
-    <p:bodyStyle>
-      <a:lvl1pPr marL="336145" marR="0" indent="-336145" algn="l" defTabSz="914367" rtl="0" eaLnBrk="1" fontAlgn="auto" latinLnBrk="0" hangingPunct="1">
-        <a:lnSpc>
-          <a:spcPct val="90000"/>
-        </a:lnSpc>
-        <a:spcBef>
-          <a:spcPct val="20000"/>
-        </a:spcBef>
-        <a:spcAft>
-          <a:spcPts val="0"/>
-        </a:spcAft>
-        <a:buClrTx/>
-        <a:buSzPct val="90000"/>
-        <a:buFont typeface="Arial" pitchFamily="34" charset="0"/>
-        <a:buChar char="•"/>
-        <a:tabLst/>
-        <a:defRPr sz="4000" kern="1200" spc="0" baseline="0">
-          <a:gradFill>
-            <a:gsLst>
-              <a:gs pos="1250">
-                <a:schemeClr val="tx1"/>
-              </a:gs>
-              <a:gs pos="100000">
-                <a:schemeClr val="tx1"/>
-              </a:gs>
-            </a:gsLst>
-            <a:lin ang="5400000" scaled="0"/>
-          </a:gradFill>
-          <a:latin typeface="+mj-lt"/>
-          <a:ea typeface="+mn-ea"/>
-          <a:cs typeface="Segoe UI" panose="020B0502040204020203" pitchFamily="34" charset="0"/>
-        </a:defRPr>
-      </a:lvl1pPr>
-      <a:lvl2pPr marL="572691" marR="0" indent="-236546" algn="l" defTabSz="914367" rtl="0" eaLnBrk="1" fontAlgn="auto" latinLnBrk="0" hangingPunct="1">
-        <a:lnSpc>
-          <a:spcPct val="90000"/>
-        </a:lnSpc>
-        <a:spcBef>
-          <a:spcPct val="20000"/>
-        </a:spcBef>
-        <a:spcAft>
-          <a:spcPts val="0"/>
-        </a:spcAft>
-        <a:buClrTx/>
-        <a:buSzPct val="90000"/>
-        <a:buFont typeface="Arial" pitchFamily="34" charset="0"/>
-        <a:buChar char="•"/>
-        <a:tabLst/>
-        <a:defRPr sz="3600" kern="1200" spc="0" baseline="0">
-          <a:gradFill>
-            <a:gsLst>
-              <a:gs pos="1250">
-                <a:schemeClr val="tx1"/>
-              </a:gs>
-              <a:gs pos="100000">
-                <a:schemeClr val="tx1"/>
-              </a:gs>
-            </a:gsLst>
-            <a:lin ang="5400000" scaled="0"/>
-          </a:gradFill>
-          <a:latin typeface="+mj-lt"/>
-          <a:ea typeface="+mn-ea"/>
-          <a:cs typeface="Segoe UI" panose="020B0502040204020203" pitchFamily="34" charset="0"/>
-        </a:defRPr>
-      </a:lvl2pPr>
-      <a:lvl3pPr marL="784338" marR="0" indent="-224097" algn="l" defTabSz="914367" rtl="0" eaLnBrk="1" fontAlgn="auto" latinLnBrk="0" hangingPunct="1">
-        <a:lnSpc>
-          <a:spcPct val="90000"/>
-        </a:lnSpc>
-        <a:spcBef>
-          <a:spcPct val="20000"/>
-        </a:spcBef>
-        <a:spcAft>
-          <a:spcPts val="0"/>
-        </a:spcAft>
-        <a:buClrTx/>
-        <a:buSzPct val="90000"/>
-        <a:buFont typeface="Arial" pitchFamily="34" charset="0"/>
-        <a:buChar char="•"/>
-        <a:tabLst/>
-        <a:defRPr sz="3200" kern="1200" spc="0" baseline="0">
-          <a:gradFill>
-            <a:gsLst>
-              <a:gs pos="1250">
-                <a:schemeClr val="tx1"/>
-              </a:gs>
-              <a:gs pos="100000">
-                <a:schemeClr val="tx1"/>
-              </a:gs>
-            </a:gsLst>
-            <a:lin ang="5400000" scaled="0"/>
-          </a:gradFill>
-          <a:latin typeface="+mj-lt"/>
-          <a:ea typeface="+mn-ea"/>
-          <a:cs typeface="Segoe UI" panose="020B0502040204020203" pitchFamily="34" charset="0"/>
-        </a:defRPr>
-      </a:lvl3pPr>
-      <a:lvl4pPr marL="1008435" marR="0" indent="-224097" algn="l" defTabSz="914367" rtl="0" eaLnBrk="1" fontAlgn="auto" latinLnBrk="0" hangingPunct="1">
-        <a:lnSpc>
-          <a:spcPct val="90000"/>
-        </a:lnSpc>
-        <a:spcBef>
-          <a:spcPct val="20000"/>
-        </a:spcBef>
-        <a:spcAft>
-          <a:spcPts val="0"/>
-        </a:spcAft>
-        <a:buClrTx/>
-        <a:buSzPct val="90000"/>
-        <a:buFont typeface="Arial" pitchFamily="34" charset="0"/>
-        <a:buChar char="•"/>
-        <a:tabLst/>
-        <a:defRPr sz="2800" kern="1200" spc="0" baseline="0">
-          <a:gradFill>
-            <a:gsLst>
-              <a:gs pos="1250">
-                <a:schemeClr val="tx1"/>
-              </a:gs>
-              <a:gs pos="100000">
-                <a:schemeClr val="tx1"/>
-              </a:gs>
-            </a:gsLst>
-            <a:lin ang="5400000" scaled="0"/>
-          </a:gradFill>
-          <a:latin typeface="+mj-lt"/>
-          <a:ea typeface="+mn-ea"/>
-          <a:cs typeface="Segoe UI" panose="020B0502040204020203" pitchFamily="34" charset="0"/>
-        </a:defRPr>
-      </a:lvl4pPr>
-      <a:lvl5pPr marL="1232531" marR="0" indent="-224097" algn="l" defTabSz="914367" rtl="0" eaLnBrk="1" fontAlgn="auto" latinLnBrk="0" hangingPunct="1">
-        <a:lnSpc>
-          <a:spcPct val="90000"/>
-        </a:lnSpc>
-        <a:spcBef>
-          <a:spcPct val="20000"/>
-        </a:spcBef>
-        <a:spcAft>
-          <a:spcPts val="0"/>
-        </a:spcAft>
-        <a:buClrTx/>
-        <a:buSzPct val="90000"/>
-        <a:buFont typeface="Arial" pitchFamily="34" charset="0"/>
-        <a:buChar char="•"/>
-        <a:tabLst/>
-        <a:defRPr sz="2400" kern="1200" spc="0" baseline="0">
-          <a:gradFill>
-            <a:gsLst>
-              <a:gs pos="1250">
-                <a:schemeClr val="tx1"/>
-              </a:gs>
-              <a:gs pos="100000">
-                <a:schemeClr val="tx1"/>
-              </a:gs>
-            </a:gsLst>
-            <a:lin ang="5400000" scaled="0"/>
-          </a:gradFill>
-          <a:latin typeface="+mj-lt"/>
-          <a:ea typeface="+mn-ea"/>
-          <a:cs typeface="Segoe UI" panose="020B0502040204020203" pitchFamily="34" charset="0"/>
-        </a:defRPr>
-      </a:lvl5pPr>
-      <a:lvl6pPr marL="2514509" indent="-228592" algn="l" defTabSz="914367" rtl="0" eaLnBrk="1" latinLnBrk="0" hangingPunct="1">
-        <a:spcBef>
-          <a:spcPct val="20000"/>
-        </a:spcBef>
-        <a:buFont typeface="Arial" pitchFamily="34" charset="0"/>
-        <a:buChar char="•"/>
-        <a:defRPr sz="1961" kern="1200">
-          <a:solidFill>
-            <a:schemeClr val="tx1"/>
-          </a:solidFill>
-          <a:latin typeface="+mn-lt"/>
-          <a:ea typeface="+mn-ea"/>
-          <a:cs typeface="+mn-cs"/>
-        </a:defRPr>
-      </a:lvl6pPr>
-      <a:lvl7pPr marL="2971693" indent="-228592" algn="l" defTabSz="914367" rtl="0" eaLnBrk="1" latinLnBrk="0" hangingPunct="1">
-        <a:spcBef>
-          <a:spcPct val="20000"/>
-        </a:spcBef>
-        <a:buFont typeface="Arial" pitchFamily="34" charset="0"/>
-        <a:buChar char="•"/>
-        <a:defRPr sz="1961" kern="1200">
-          <a:solidFill>
-            <a:schemeClr val="tx1"/>
-          </a:solidFill>
-          <a:latin typeface="+mn-lt"/>
-          <a:ea typeface="+mn-ea"/>
-          <a:cs typeface="+mn-cs"/>
-        </a:defRPr>
-      </a:lvl7pPr>
-      <a:lvl8pPr marL="3428877" indent="-228592" algn="l" defTabSz="914367" rtl="0" eaLnBrk="1" latinLnBrk="0" hangingPunct="1">
-        <a:spcBef>
-          <a:spcPct val="20000"/>
-        </a:spcBef>
-        <a:buFont typeface="Arial" pitchFamily="34" charset="0"/>
-        <a:buChar char="•"/>
-        <a:defRPr sz="1961" kern="1200">
-          <a:solidFill>
-            <a:schemeClr val="tx1"/>
-          </a:solidFill>
-          <a:latin typeface="+mn-lt"/>
-          <a:ea typeface="+mn-ea"/>
-          <a:cs typeface="+mn-cs"/>
-        </a:defRPr>
-      </a:lvl8pPr>
-      <a:lvl9pPr marL="3886061" indent="-228592" algn="l" defTabSz="914367" rtl="0" eaLnBrk="1" latinLnBrk="0" hangingPunct="1">
-        <a:spcBef>
-          <a:spcPct val="20000"/>
-        </a:spcBef>
-        <a:buFont typeface="Arial" pitchFamily="34" charset="0"/>
-        <a:buChar char="•"/>
-        <a:defRPr sz="1961" kern="1200">
-          <a:solidFill>
-            <a:schemeClr val="tx1"/>
-          </a:solidFill>
-          <a:latin typeface="+mn-lt"/>
-          <a:ea typeface="+mn-ea"/>
-          <a:cs typeface="+mn-cs"/>
-        </a:defRPr>
-      </a:lvl9pPr>
-    </p:bodyStyle>
-    <p:otherStyle>
-      <a:defPPr>
-        <a:defRPr lang="en-US"/>
-      </a:defPPr>
-      <a:lvl1pPr marL="0" algn="l" defTabSz="914367" rtl="0" eaLnBrk="1" latinLnBrk="0" hangingPunct="1">
-        <a:defRPr sz="1765" kern="1200">
-          <a:solidFill>
-            <a:schemeClr val="tx1"/>
-          </a:solidFill>
-          <a:latin typeface="+mn-lt"/>
-          <a:ea typeface="+mn-ea"/>
-          <a:cs typeface="+mn-cs"/>
-        </a:defRPr>
-      </a:lvl1pPr>
-      <a:lvl2pPr marL="457183" algn="l" defTabSz="914367" rtl="0" eaLnBrk="1" latinLnBrk="0" hangingPunct="1">
-        <a:defRPr sz="1765" kern="1200">
-          <a:solidFill>
-            <a:schemeClr val="tx1"/>
-          </a:solidFill>
-          <a:latin typeface="+mn-lt"/>
-          <a:ea typeface="+mn-ea"/>
-          <a:cs typeface="+mn-cs"/>
-        </a:defRPr>
-      </a:lvl2pPr>
-      <a:lvl3pPr marL="914367" algn="l" defTabSz="914367" rtl="0" eaLnBrk="1" latinLnBrk="0" hangingPunct="1">
-        <a:defRPr sz="1765" kern="1200">
-          <a:solidFill>
-            <a:schemeClr val="tx1"/>
-          </a:solidFill>
-          <a:latin typeface="+mn-lt"/>
-          <a:ea typeface="+mn-ea"/>
-          <a:cs typeface="+mn-cs"/>
-        </a:defRPr>
-      </a:lvl3pPr>
-      <a:lvl4pPr marL="1371550" algn="l" defTabSz="914367" rtl="0" eaLnBrk="1" latinLnBrk="0" hangingPunct="1">
-        <a:defRPr sz="1765" kern="1200">
-          <a:solidFill>
-            <a:schemeClr val="tx1"/>
-          </a:solidFill>
-          <a:latin typeface="+mn-lt"/>
-          <a:ea typeface="+mn-ea"/>
-          <a:cs typeface="+mn-cs"/>
-        </a:defRPr>
-      </a:lvl4pPr>
-      <a:lvl5pPr marL="1828734" algn="l" defTabSz="914367" rtl="0" eaLnBrk="1" latinLnBrk="0" hangingPunct="1">
-        <a:defRPr sz="1765" kern="1200">
-          <a:solidFill>
-            <a:schemeClr val="tx1"/>
-          </a:solidFill>
-          <a:latin typeface="+mn-lt"/>
-          <a:ea typeface="+mn-ea"/>
-          <a:cs typeface="+mn-cs"/>
-        </a:defRPr>
-      </a:lvl5pPr>
-      <a:lvl6pPr marL="2285918" algn="l" defTabSz="914367" rtl="0" eaLnBrk="1" latinLnBrk="0" hangingPunct="1">
-        <a:defRPr sz="1765" kern="1200">
-          <a:solidFill>
-            <a:schemeClr val="tx1"/>
-          </a:solidFill>
-          <a:latin typeface="+mn-lt"/>
-          <a:ea typeface="+mn-ea"/>
-          <a:cs typeface="+mn-cs"/>
-        </a:defRPr>
-      </a:lvl6pPr>
-      <a:lvl7pPr marL="2743101" algn="l" defTabSz="914367" rtl="0" eaLnBrk="1" latinLnBrk="0" hangingPunct="1">
-        <a:defRPr sz="1765" kern="1200">
-          <a:solidFill>
-            <a:schemeClr val="tx1"/>
-          </a:solidFill>
-          <a:latin typeface="+mn-lt"/>
-          <a:ea typeface="+mn-ea"/>
-          <a:cs typeface="+mn-cs"/>
-        </a:defRPr>
-      </a:lvl7pPr>
-      <a:lvl8pPr marL="3200284" algn="l" defTabSz="914367" rtl="0" eaLnBrk="1" latinLnBrk="0" hangingPunct="1">
-        <a:defRPr sz="1765" kern="1200">
-          <a:solidFill>
-            <a:schemeClr val="tx1"/>
-          </a:solidFill>
-          <a:latin typeface="+mn-lt"/>
-          <a:ea typeface="+mn-ea"/>
-          <a:cs typeface="+mn-cs"/>
-        </a:defRPr>
-      </a:lvl8pPr>
-      <a:lvl9pPr marL="3657469" algn="l" defTabSz="914367" rtl="0" eaLnBrk="1" latinLnBrk="0" hangingPunct="1">
-        <a:defRPr sz="1765" kern="1200">
-          <a:solidFill>
-            <a:schemeClr val="tx1"/>
-          </a:solidFill>
-          <a:latin typeface="+mn-lt"/>
-          <a:ea typeface="+mn-ea"/>
-          <a:cs typeface="+mn-cs"/>
-        </a:defRPr>
-      </a:lvl9pPr>
-    </p:otherStyle>
-  </p:txStyles>
-  <p:extLst mod="1">
-    <p:ext uri="{27BBF7A9-308A-43DC-89C8-2F10F3537804}">
-      <p15:sldGuideLst xmlns:p15="http://schemas.microsoft.com/office/powerpoint/2012/main">
-        <p15:guide id="1" orient="horz" pos="187">
-          <p15:clr>
-            <a:srgbClr val="5ACBF0"/>
-          </p15:clr>
-        </p15:guide>
-        <p15:guide id="2" pos="173">
-          <p15:clr>
-            <a:srgbClr val="5ACBF0"/>
-          </p15:clr>
-        </p15:guide>
-        <p15:guide id="3" orient="horz" pos="763">
-          <p15:clr>
-            <a:srgbClr val="A4A3A4"/>
-          </p15:clr>
-        </p15:guide>
-        <p15:guide id="4" orient="horz" pos="1339">
-          <p15:clr>
-            <a:srgbClr val="A4A3A4"/>
-          </p15:clr>
-        </p15:guide>
-        <p15:guide id="5" orient="horz" pos="1915">
-          <p15:clr>
-            <a:srgbClr val="A4A3A4"/>
-          </p15:clr>
-        </p15:guide>
-        <p15:guide id="6" orient="horz" pos="2491">
-          <p15:clr>
-            <a:srgbClr val="A4A3A4"/>
-          </p15:clr>
-        </p15:guide>
-        <p15:guide id="7" orient="horz" pos="3067">
-          <p15:clr>
-            <a:srgbClr val="A4A3A4"/>
-          </p15:clr>
-        </p15:guide>
-        <p15:guide id="8" orient="horz" pos="3643">
-          <p15:clr>
-            <a:srgbClr val="A4A3A4"/>
-          </p15:clr>
-        </p15:guide>
-        <p15:guide id="9" orient="horz" pos="4219">
-          <p15:clr>
-            <a:srgbClr val="5ACBF0"/>
-          </p15:clr>
-        </p15:guide>
-        <p15:guide id="10" pos="749">
-          <p15:clr>
-            <a:srgbClr val="A4A3A4"/>
-          </p15:clr>
-        </p15:guide>
-        <p15:guide id="11" pos="1325">
-          <p15:clr>
-            <a:srgbClr val="A4A3A4"/>
-          </p15:clr>
-        </p15:guide>
-        <p15:guide id="12" pos="1901">
-          <p15:clr>
-            <a:srgbClr val="A4A3A4"/>
-          </p15:clr>
-        </p15:guide>
-        <p15:guide id="13" pos="2477">
-          <p15:clr>
-            <a:srgbClr val="A4A3A4"/>
-          </p15:clr>
-        </p15:guide>
-        <p15:guide id="14" pos="3053">
-          <p15:clr>
-            <a:srgbClr val="A4A3A4"/>
-          </p15:clr>
-        </p15:guide>
-        <p15:guide id="15" pos="3629">
-          <p15:clr>
-            <a:srgbClr val="A4A3A4"/>
-          </p15:clr>
-        </p15:guide>
-        <p15:guide id="16" pos="4205">
-          <p15:clr>
-            <a:srgbClr val="A4A3A4"/>
-          </p15:clr>
-        </p15:guide>
-        <p15:guide id="17" pos="4781">
-          <p15:clr>
-            <a:srgbClr val="A4A3A4"/>
-          </p15:clr>
-        </p15:guide>
-        <p15:guide id="18" pos="5357">
-          <p15:clr>
-            <a:srgbClr val="A4A3A4"/>
-          </p15:clr>
-        </p15:guide>
-        <p15:guide id="19" pos="5933">
-          <p15:clr>
-            <a:srgbClr val="A4A3A4"/>
-          </p15:clr>
-        </p15:guide>
-        <p15:guide id="20" pos="6509">
-          <p15:clr>
-            <a:srgbClr val="A4A3A4"/>
-          </p15:clr>
-        </p15:guide>
-        <p15:guide id="21" pos="7085">
-          <p15:clr>
-            <a:srgbClr val="A4A3A4"/>
-          </p15:clr>
-        </p15:guide>
-        <p15:guide id="22" pos="7661">
-          <p15:clr>
-            <a:srgbClr val="5ACBF0"/>
-          </p15:clr>
-        </p15:guide>
-      </p15:sldGuideLst>
-    </p:ext>
-  </p:extLst>
-</p:sldMaster>
-</file>
-
-<file path=ppt/slideMasters/slideMaster2.xml><?xml version="1.0" encoding="utf-8"?>
-<p:sldMaster xmlns:a="http://schemas.openxmlformats.org/drawingml/2006/main" xmlns:r="http://schemas.openxmlformats.org/officeDocument/2006/relationships" xmlns:p="http://schemas.openxmlformats.org/presentationml/2006/main" preserve="1">
-  <p:cSld>
-    <p:bg>
-      <p:bgPr>
-        <a:solidFill>
-          <a:srgbClr val="1574B8"/>
-        </a:solidFill>
-        <a:effectLst/>
-      </p:bgPr>
-    </p:bg>
-    <p:spTree>
-      <p:nvGrpSpPr>
-        <p:cNvPr id="1" name=""/>
-        <p:cNvGrpSpPr/>
-        <p:nvPr/>
-      </p:nvGrpSpPr>
-      <p:grpSpPr>
-        <a:xfrm>
-          <a:off x="0" y="0"/>
-          <a:ext cx="0" cy="0"/>
-          <a:chOff x="0" y="0"/>
-          <a:chExt cx="0" cy="0"/>
-        </a:xfrm>
-      </p:grpSpPr>
-      <p:sp>
-        <p:nvSpPr>
-          <p:cNvPr id="2" name="Title Placeholder 1"/>
-          <p:cNvSpPr>
-            <a:spLocks noGrp="1"/>
-          </p:cNvSpPr>
-          <p:nvPr>
-            <p:ph type="title"/>
-          </p:nvPr>
-        </p:nvSpPr>
-        <p:spPr>
-          <a:xfrm>
-            <a:off x="268928" y="291102"/>
-            <a:ext cx="11541863" cy="899665"/>
-          </a:xfrm>
-          <a:prstGeom prst="rect">
-            <a:avLst/>
-          </a:prstGeom>
-        </p:spPr>
-        <p:txBody>
-          <a:bodyPr vert="horz" wrap="square" lIns="146304" tIns="91440" rIns="146304" bIns="91440" rtlCol="0" anchor="t">
-            <a:noAutofit/>
-          </a:bodyPr>
-          <a:lstStyle/>
-          <a:p>
-            <a:r>
-              <a:rPr lang="en-US"/>
-              <a:t>Click to edit Master title style</a:t>
-            </a:r>
-            <a:endParaRPr lang="en-US" dirty="0"/>
-          </a:p>
-        </p:txBody>
-      </p:sp>
-      <p:sp>
-        <p:nvSpPr>
-          <p:cNvPr id="4" name="Text Placeholder 3"/>
-          <p:cNvSpPr>
-            <a:spLocks noGrp="1"/>
-          </p:cNvSpPr>
-          <p:nvPr>
-            <p:ph type="body" idx="1"/>
-          </p:nvPr>
-        </p:nvSpPr>
-        <p:spPr>
-          <a:xfrm>
-            <a:off x="269242" y="1472642"/>
-            <a:ext cx="11541549" cy="2769989"/>
-          </a:xfrm>
-          <a:prstGeom prst="rect">
-            <a:avLst/>
-          </a:prstGeom>
-        </p:spPr>
-        <p:txBody>
-          <a:bodyPr vert="horz" wrap="square" lIns="146304" tIns="91440" rIns="146304" bIns="91440" rtlCol="0">
-            <a:spAutoFit/>
-          </a:bodyPr>
-          <a:lstStyle/>
-          <a:p>
-            <a:pPr lvl="0"/>
-            <a:r>
-              <a:rPr lang="en-US"/>
-              <a:t>Edit Master text styles</a:t>
-            </a:r>
-          </a:p>
-          <a:p>
-            <a:pPr lvl="1"/>
-            <a:r>
-              <a:rPr lang="en-US"/>
-              <a:t>Second level</a:t>
-            </a:r>
-          </a:p>
-          <a:p>
-            <a:pPr lvl="2"/>
-            <a:r>
-              <a:rPr lang="en-US"/>
-              <a:t>Third level</a:t>
-            </a:r>
-          </a:p>
-          <a:p>
-            <a:pPr lvl="3"/>
-            <a:r>
-              <a:rPr lang="en-US"/>
-              <a:t>Fourth level</a:t>
-            </a:r>
-          </a:p>
-          <a:p>
-            <a:pPr lvl="4"/>
-            <a:r>
-              <a:rPr lang="en-US"/>
-              <a:t>Fifth level</a:t>
-            </a:r>
-            <a:endParaRPr lang="en-US" dirty="0"/>
-          </a:p>
-        </p:txBody>
-      </p:sp>
-      <p:pic>
-        <p:nvPicPr>
-          <p:cNvPr id="8" name="Picture 7"/>
-          <p:cNvPicPr>
-            <a:picLocks noChangeAspect="1"/>
-          </p:cNvPicPr>
-          <p:nvPr/>
-        </p:nvPicPr>
-        <p:blipFill>
-          <a:blip r:embed="rId14" cstate="screen">
+          <a:blip r:embed="rId13" cstate="screen">
             <a:extLst>
               <a:ext uri="{28A0092B-C50C-407E-A947-70E740481C1C}">
                 <a14:useLocalDpi xmlns:a14="http://schemas.microsoft.com/office/drawing/2010/main" val="0"/>
@@ -30033,7 +26111,6 @@
     <p:sldLayoutId id="2147483747" r:id="rId9"/>
     <p:sldLayoutId id="2147483748" r:id="rId10"/>
     <p:sldLayoutId id="2147483749" r:id="rId11"/>
-    <p:sldLayoutId id="2147483750" r:id="rId12"/>
   </p:sldLayoutIdLst>
   <p:transition>
     <p:fade/>
@@ -31168,13 +27245,13 @@
             <a:spLocks noGrp="1"/>
           </p:cNvSpPr>
           <p:nvPr>
-            <p:ph sz="half" idx="1"/>
+            <p:ph sz="half" idx="4294967295"/>
           </p:nvPr>
         </p:nvSpPr>
         <p:spPr>
           <a:xfrm>
-            <a:off x="744554" y="5296630"/>
-            <a:ext cx="5181600" cy="1303624"/>
+            <a:off x="0" y="5295900"/>
+            <a:ext cx="5181600" cy="1304925"/>
           </a:xfrm>
         </p:spPr>
         <p:txBody>
@@ -31207,13 +27284,13 @@
             <a:spLocks noGrp="1"/>
           </p:cNvSpPr>
           <p:nvPr>
-            <p:ph sz="half" idx="2"/>
+            <p:ph sz="half" idx="4294967295"/>
           </p:nvPr>
         </p:nvSpPr>
         <p:spPr>
           <a:xfrm>
-            <a:off x="6768405" y="5296631"/>
-            <a:ext cx="5181600" cy="1303624"/>
+            <a:off x="7010400" y="5295900"/>
+            <a:ext cx="5181600" cy="1304925"/>
           </a:xfrm>
         </p:spPr>
         <p:txBody>
@@ -54738,308 +50815,6 @@
 </file>
 
 <file path=ppt/theme/theme1.xml><?xml version="1.0" encoding="utf-8"?>
-<a:theme xmlns:a="http://schemas.openxmlformats.org/drawingml/2006/main" name="Windows Azure">
-  <a:themeElements>
-    <a:clrScheme name="Custom 1">
-      <a:dk1>
-        <a:sysClr val="windowText" lastClr="000000"/>
-      </a:dk1>
-      <a:lt1>
-        <a:sysClr val="window" lastClr="FFFFFF"/>
-      </a:lt1>
-      <a:dk2>
-        <a:srgbClr val="44546A"/>
-      </a:dk2>
-      <a:lt2>
-        <a:srgbClr val="E7E6E6"/>
-      </a:lt2>
-      <a:accent1>
-        <a:srgbClr val="5B9BD5"/>
-      </a:accent1>
-      <a:accent2>
-        <a:srgbClr val="ED7D31"/>
-      </a:accent2>
-      <a:accent3>
-        <a:srgbClr val="A5A5A5"/>
-      </a:accent3>
-      <a:accent4>
-        <a:srgbClr val="9CC3E5"/>
-      </a:accent4>
-      <a:accent5>
-        <a:srgbClr val="4472C4"/>
-      </a:accent5>
-      <a:accent6>
-        <a:srgbClr val="70AD47"/>
-      </a:accent6>
-      <a:hlink>
-        <a:srgbClr val="FFC000"/>
-      </a:hlink>
-      <a:folHlink>
-        <a:srgbClr val="954F72"/>
-      </a:folHlink>
-    </a:clrScheme>
-    <a:fontScheme name="Custom 1">
-      <a:majorFont>
-        <a:latin typeface="Segoe UI Light"/>
-        <a:ea typeface=""/>
-        <a:cs typeface=""/>
-      </a:majorFont>
-      <a:minorFont>
-        <a:latin typeface="Segoe UI"/>
-        <a:ea typeface=""/>
-        <a:cs typeface=""/>
-      </a:minorFont>
-    </a:fontScheme>
-    <a:fmtScheme name="Couture">
-      <a:fillStyleLst>
-        <a:solidFill>
-          <a:schemeClr val="phClr"/>
-        </a:solidFill>
-        <a:solidFill>
-          <a:schemeClr val="phClr">
-            <a:tint val="65000"/>
-          </a:schemeClr>
-        </a:solidFill>
-        <a:solidFill>
-          <a:schemeClr val="phClr">
-            <a:shade val="80000"/>
-            <a:satMod val="180000"/>
-          </a:schemeClr>
-        </a:solidFill>
-      </a:fillStyleLst>
-      <a:lnStyleLst>
-        <a:ln w="9525" cap="flat" cmpd="sng" algn="ctr">
-          <a:solidFill>
-            <a:schemeClr val="phClr"/>
-          </a:solidFill>
-          <a:prstDash val="solid"/>
-        </a:ln>
-        <a:ln w="10795" cap="flat" cmpd="sng" algn="ctr">
-          <a:solidFill>
-            <a:schemeClr val="phClr"/>
-          </a:solidFill>
-          <a:prstDash val="solid"/>
-        </a:ln>
-        <a:ln w="17145" cap="flat" cmpd="sng" algn="ctr">
-          <a:solidFill>
-            <a:schemeClr val="phClr">
-              <a:shade val="95000"/>
-              <a:alpha val="50000"/>
-              <a:satMod val="150000"/>
-            </a:schemeClr>
-          </a:solidFill>
-          <a:prstDash val="solid"/>
-        </a:ln>
-      </a:lnStyleLst>
-      <a:effectStyleLst>
-        <a:effectStyle>
-          <a:effectLst/>
-        </a:effectStyle>
-        <a:effectStyle>
-          <a:effectLst/>
-        </a:effectStyle>
-        <a:effectStyle>
-          <a:effectLst>
-            <a:outerShdw blurRad="44450" dist="13970" dir="5400000" algn="ctr" rotWithShape="0">
-              <a:srgbClr val="000000">
-                <a:alpha val="45000"/>
-              </a:srgbClr>
-            </a:outerShdw>
-          </a:effectLst>
-          <a:scene3d>
-            <a:camera prst="orthographicFront">
-              <a:rot lat="0" lon="0" rev="0"/>
-            </a:camera>
-            <a:lightRig rig="twoPt" dir="tl"/>
-          </a:scene3d>
-          <a:sp3d prstMaterial="flat">
-            <a:bevelT w="19050" h="31750" prst="coolSlant"/>
-          </a:sp3d>
-        </a:effectStyle>
-      </a:effectStyleLst>
-      <a:bgFillStyleLst>
-        <a:solidFill>
-          <a:schemeClr val="phClr"/>
-        </a:solidFill>
-        <a:gradFill rotWithShape="1">
-          <a:gsLst>
-            <a:gs pos="0">
-              <a:schemeClr val="phClr">
-                <a:tint val="40000"/>
-                <a:satMod val="350000"/>
-              </a:schemeClr>
-            </a:gs>
-            <a:gs pos="40000">
-              <a:schemeClr val="phClr">
-                <a:tint val="45000"/>
-                <a:shade val="99000"/>
-                <a:satMod val="350000"/>
-              </a:schemeClr>
-            </a:gs>
-            <a:gs pos="100000">
-              <a:schemeClr val="phClr">
-                <a:shade val="20000"/>
-                <a:satMod val="255000"/>
-              </a:schemeClr>
-            </a:gs>
-          </a:gsLst>
-          <a:path path="circle">
-            <a:fillToRect l="50000" t="-80000" r="50000" b="180000"/>
-          </a:path>
-        </a:gradFill>
-        <a:gradFill rotWithShape="1">
-          <a:gsLst>
-            <a:gs pos="0">
-              <a:schemeClr val="phClr">
-                <a:tint val="80000"/>
-                <a:satMod val="300000"/>
-              </a:schemeClr>
-            </a:gs>
-            <a:gs pos="100000">
-              <a:schemeClr val="phClr">
-                <a:shade val="30000"/>
-                <a:satMod val="200000"/>
-              </a:schemeClr>
-            </a:gs>
-          </a:gsLst>
-          <a:path path="circle">
-            <a:fillToRect l="50000" t="50000" r="50000" b="50000"/>
-          </a:path>
-        </a:gradFill>
-      </a:bgFillStyleLst>
-    </a:fmtScheme>
-  </a:themeElements>
-  <a:objectDefaults>
-    <a:spDef>
-      <a:spPr bwMode="auto">
-        <a:solidFill>
-          <a:schemeClr val="accent1"/>
-        </a:solidFill>
-        <a:ln>
-          <a:noFill/>
-          <a:headEnd type="none" w="med" len="med"/>
-          <a:tailEnd type="none" w="med" len="med"/>
-        </a:ln>
-        <a:effectLst/>
-      </a:spPr>
-      <a:bodyPr rot="0" spcFirstLastPara="0" vertOverflow="overflow" horzOverflow="overflow" vert="horz" wrap="square" lIns="182880" tIns="146304" rIns="182880" bIns="146304" numCol="1" spcCol="0" rtlCol="0" fromWordArt="0" anchor="t" anchorCtr="0" forceAA="0" compatLnSpc="1">
-        <a:prstTxWarp prst="textNoShape">
-          <a:avLst/>
-        </a:prstTxWarp>
-        <a:noAutofit/>
-      </a:bodyPr>
-      <a:lstStyle>
-        <a:defPPr defTabSz="932472" fontAlgn="base">
-          <a:lnSpc>
-            <a:spcPct val="90000"/>
-          </a:lnSpc>
-          <a:spcBef>
-            <a:spcPct val="0"/>
-          </a:spcBef>
-          <a:spcAft>
-            <a:spcPct val="0"/>
-          </a:spcAft>
-          <a:defRPr sz="2400" dirty="0" err="1" smtClean="0">
-            <a:gradFill>
-              <a:gsLst>
-                <a:gs pos="0">
-                  <a:srgbClr val="FFFFFF"/>
-                </a:gs>
-                <a:gs pos="100000">
-                  <a:srgbClr val="FFFFFF"/>
-                </a:gs>
-              </a:gsLst>
-              <a:lin ang="5400000" scaled="0"/>
-            </a:gradFill>
-            <a:ea typeface="Segoe UI" pitchFamily="34" charset="0"/>
-            <a:cs typeface="Segoe UI" pitchFamily="34" charset="0"/>
-          </a:defRPr>
-        </a:defPPr>
-      </a:lstStyle>
-      <a:style>
-        <a:lnRef idx="1">
-          <a:schemeClr val="accent2"/>
-        </a:lnRef>
-        <a:fillRef idx="3">
-          <a:schemeClr val="accent2"/>
-        </a:fillRef>
-        <a:effectRef idx="2">
-          <a:schemeClr val="accent2"/>
-        </a:effectRef>
-        <a:fontRef idx="minor">
-          <a:schemeClr val="lt1"/>
-        </a:fontRef>
-      </a:style>
-    </a:spDef>
-    <a:lnDef>
-      <a:spPr>
-        <a:ln>
-          <a:solidFill>
-            <a:schemeClr val="tx1"/>
-          </a:solidFill>
-          <a:headEnd type="none"/>
-          <a:tailEnd type="none"/>
-        </a:ln>
-      </a:spPr>
-      <a:bodyPr/>
-      <a:lstStyle/>
-      <a:style>
-        <a:lnRef idx="1">
-          <a:schemeClr val="accent1"/>
-        </a:lnRef>
-        <a:fillRef idx="0">
-          <a:schemeClr val="accent1"/>
-        </a:fillRef>
-        <a:effectRef idx="0">
-          <a:schemeClr val="accent1"/>
-        </a:effectRef>
-        <a:fontRef idx="minor">
-          <a:schemeClr val="tx1"/>
-        </a:fontRef>
-      </a:style>
-    </a:lnDef>
-    <a:txDef>
-      <a:spPr>
-        <a:noFill/>
-      </a:spPr>
-      <a:bodyPr wrap="square" lIns="182880" tIns="146304" rIns="182880" bIns="146304" rtlCol="0">
-        <a:spAutoFit/>
-      </a:bodyPr>
-      <a:lstStyle>
-        <a:defPPr>
-          <a:lnSpc>
-            <a:spcPct val="90000"/>
-          </a:lnSpc>
-          <a:spcAft>
-            <a:spcPts val="600"/>
-          </a:spcAft>
-          <a:defRPr sz="2400" dirty="0" err="1" smtClean="0">
-            <a:gradFill>
-              <a:gsLst>
-                <a:gs pos="2917">
-                  <a:schemeClr val="tx1"/>
-                </a:gs>
-                <a:gs pos="30000">
-                  <a:schemeClr val="tx1"/>
-                </a:gs>
-              </a:gsLst>
-              <a:lin ang="5400000" scaled="0"/>
-            </a:gradFill>
-          </a:defRPr>
-        </a:defPPr>
-      </a:lstStyle>
-    </a:txDef>
-  </a:objectDefaults>
-  <a:extraClrSchemeLst/>
-  <a:extLst>
-    <a:ext uri="{05A4C25C-085E-4340-85A3-A5531E510DB2}">
-      <thm15:themeFamily xmlns:thm15="http://schemas.microsoft.com/office/thememl/2012/main" name="GSI Architect Workshop Template" id="{34FE2015-F8B1-44E3-A306-576A238D5216}" vid="{D10C668E-BD7E-4CF4-8C8E-45108D42EC34}"/>
-    </a:ext>
-  </a:extLst>
-</a:theme>
-</file>
-
-<file path=ppt/theme/theme2.xml><?xml version="1.0" encoding="utf-8"?>
 <a:theme xmlns:a="http://schemas.openxmlformats.org/drawingml/2006/main" name="1_Windows Azure">
   <a:themeElements>
     <a:clrScheme name="Custom 1">
@@ -55341,6 +51116,267 @@
 </a:theme>
 </file>
 
+<file path=ppt/theme/theme2.xml><?xml version="1.0" encoding="utf-8"?>
+<a:theme xmlns:a="http://schemas.openxmlformats.org/drawingml/2006/main" name="Office Theme">
+  <a:themeElements>
+    <a:clrScheme name="Office">
+      <a:dk1>
+        <a:sysClr val="windowText" lastClr="000000"/>
+      </a:dk1>
+      <a:lt1>
+        <a:sysClr val="window" lastClr="FFFFFF"/>
+      </a:lt1>
+      <a:dk2>
+        <a:srgbClr val="44546A"/>
+      </a:dk2>
+      <a:lt2>
+        <a:srgbClr val="E7E6E6"/>
+      </a:lt2>
+      <a:accent1>
+        <a:srgbClr val="5B9BD5"/>
+      </a:accent1>
+      <a:accent2>
+        <a:srgbClr val="ED7D31"/>
+      </a:accent2>
+      <a:accent3>
+        <a:srgbClr val="A5A5A5"/>
+      </a:accent3>
+      <a:accent4>
+        <a:srgbClr val="FFC000"/>
+      </a:accent4>
+      <a:accent5>
+        <a:srgbClr val="4472C4"/>
+      </a:accent5>
+      <a:accent6>
+        <a:srgbClr val="70AD47"/>
+      </a:accent6>
+      <a:hlink>
+        <a:srgbClr val="0563C1"/>
+      </a:hlink>
+      <a:folHlink>
+        <a:srgbClr val="954F72"/>
+      </a:folHlink>
+    </a:clrScheme>
+    <a:fontScheme name="Office">
+      <a:majorFont>
+        <a:latin typeface="Calibri Light" panose="020F0302020204030204"/>
+        <a:ea typeface=""/>
+        <a:cs typeface=""/>
+        <a:font script="Jpan" typeface="ＭＳ Ｐゴシック"/>
+        <a:font script="Hang" typeface="맑은 고딕"/>
+        <a:font script="Hans" typeface="宋体"/>
+        <a:font script="Hant" typeface="新細明體"/>
+        <a:font script="Arab" typeface="Times New Roman"/>
+        <a:font script="Hebr" typeface="Times New Roman"/>
+        <a:font script="Thai" typeface="Angsana New"/>
+        <a:font script="Ethi" typeface="Nyala"/>
+        <a:font script="Beng" typeface="Vrinda"/>
+        <a:font script="Gujr" typeface="Shruti"/>
+        <a:font script="Khmr" typeface="MoolBoran"/>
+        <a:font script="Knda" typeface="Tunga"/>
+        <a:font script="Guru" typeface="Raavi"/>
+        <a:font script="Cans" typeface="Euphemia"/>
+        <a:font script="Cher" typeface="Plantagenet Cherokee"/>
+        <a:font script="Yiii" typeface="Microsoft Yi Baiti"/>
+        <a:font script="Tibt" typeface="Microsoft Himalaya"/>
+        <a:font script="Thaa" typeface="MV Boli"/>
+        <a:font script="Deva" typeface="Mangal"/>
+        <a:font script="Telu" typeface="Gautami"/>
+        <a:font script="Taml" typeface="Latha"/>
+        <a:font script="Syrc" typeface="Estrangelo Edessa"/>
+        <a:font script="Orya" typeface="Kalinga"/>
+        <a:font script="Mlym" typeface="Kartika"/>
+        <a:font script="Laoo" typeface="DokChampa"/>
+        <a:font script="Sinh" typeface="Iskoola Pota"/>
+        <a:font script="Mong" typeface="Mongolian Baiti"/>
+        <a:font script="Viet" typeface="Times New Roman"/>
+        <a:font script="Uigh" typeface="Microsoft Uighur"/>
+        <a:font script="Geor" typeface="Sylfaen"/>
+      </a:majorFont>
+      <a:minorFont>
+        <a:latin typeface="Calibri" panose="020F0502020204030204"/>
+        <a:ea typeface=""/>
+        <a:cs typeface=""/>
+        <a:font script="Jpan" typeface="ＭＳ Ｐゴシック"/>
+        <a:font script="Hang" typeface="맑은 고딕"/>
+        <a:font script="Hans" typeface="宋体"/>
+        <a:font script="Hant" typeface="新細明體"/>
+        <a:font script="Arab" typeface="Arial"/>
+        <a:font script="Hebr" typeface="Arial"/>
+        <a:font script="Thai" typeface="Cordia New"/>
+        <a:font script="Ethi" typeface="Nyala"/>
+        <a:font script="Beng" typeface="Vrinda"/>
+        <a:font script="Gujr" typeface="Shruti"/>
+        <a:font script="Khmr" typeface="DaunPenh"/>
+        <a:font script="Knda" typeface="Tunga"/>
+        <a:font script="Guru" typeface="Raavi"/>
+        <a:font script="Cans" typeface="Euphemia"/>
+        <a:font script="Cher" typeface="Plantagenet Cherokee"/>
+        <a:font script="Yiii" typeface="Microsoft Yi Baiti"/>
+        <a:font script="Tibt" typeface="Microsoft Himalaya"/>
+        <a:font script="Thaa" typeface="MV Boli"/>
+        <a:font script="Deva" typeface="Mangal"/>
+        <a:font script="Telu" typeface="Gautami"/>
+        <a:font script="Taml" typeface="Latha"/>
+        <a:font script="Syrc" typeface="Estrangelo Edessa"/>
+        <a:font script="Orya" typeface="Kalinga"/>
+        <a:font script="Mlym" typeface="Kartika"/>
+        <a:font script="Laoo" typeface="DokChampa"/>
+        <a:font script="Sinh" typeface="Iskoola Pota"/>
+        <a:font script="Mong" typeface="Mongolian Baiti"/>
+        <a:font script="Viet" typeface="Arial"/>
+        <a:font script="Uigh" typeface="Microsoft Uighur"/>
+        <a:font script="Geor" typeface="Sylfaen"/>
+      </a:minorFont>
+    </a:fontScheme>
+    <a:fmtScheme name="Office">
+      <a:fillStyleLst>
+        <a:solidFill>
+          <a:schemeClr val="phClr"/>
+        </a:solidFill>
+        <a:gradFill rotWithShape="1">
+          <a:gsLst>
+            <a:gs pos="0">
+              <a:schemeClr val="phClr">
+                <a:lumMod val="110000"/>
+                <a:satMod val="105000"/>
+                <a:tint val="67000"/>
+              </a:schemeClr>
+            </a:gs>
+            <a:gs pos="50000">
+              <a:schemeClr val="phClr">
+                <a:lumMod val="105000"/>
+                <a:satMod val="103000"/>
+                <a:tint val="73000"/>
+              </a:schemeClr>
+            </a:gs>
+            <a:gs pos="100000">
+              <a:schemeClr val="phClr">
+                <a:lumMod val="105000"/>
+                <a:satMod val="109000"/>
+                <a:tint val="81000"/>
+              </a:schemeClr>
+            </a:gs>
+          </a:gsLst>
+          <a:lin ang="5400000" scaled="0"/>
+        </a:gradFill>
+        <a:gradFill rotWithShape="1">
+          <a:gsLst>
+            <a:gs pos="0">
+              <a:schemeClr val="phClr">
+                <a:satMod val="103000"/>
+                <a:lumMod val="102000"/>
+                <a:tint val="94000"/>
+              </a:schemeClr>
+            </a:gs>
+            <a:gs pos="50000">
+              <a:schemeClr val="phClr">
+                <a:satMod val="110000"/>
+                <a:lumMod val="100000"/>
+                <a:shade val="100000"/>
+              </a:schemeClr>
+            </a:gs>
+            <a:gs pos="100000">
+              <a:schemeClr val="phClr">
+                <a:lumMod val="99000"/>
+                <a:satMod val="120000"/>
+                <a:shade val="78000"/>
+              </a:schemeClr>
+            </a:gs>
+          </a:gsLst>
+          <a:lin ang="5400000" scaled="0"/>
+        </a:gradFill>
+      </a:fillStyleLst>
+      <a:lnStyleLst>
+        <a:ln w="6350" cap="flat" cmpd="sng" algn="ctr">
+          <a:solidFill>
+            <a:schemeClr val="phClr"/>
+          </a:solidFill>
+          <a:prstDash val="solid"/>
+          <a:miter lim="800000"/>
+        </a:ln>
+        <a:ln w="12700" cap="flat" cmpd="sng" algn="ctr">
+          <a:solidFill>
+            <a:schemeClr val="phClr"/>
+          </a:solidFill>
+          <a:prstDash val="solid"/>
+          <a:miter lim="800000"/>
+        </a:ln>
+        <a:ln w="19050" cap="flat" cmpd="sng" algn="ctr">
+          <a:solidFill>
+            <a:schemeClr val="phClr"/>
+          </a:solidFill>
+          <a:prstDash val="solid"/>
+          <a:miter lim="800000"/>
+        </a:ln>
+      </a:lnStyleLst>
+      <a:effectStyleLst>
+        <a:effectStyle>
+          <a:effectLst/>
+        </a:effectStyle>
+        <a:effectStyle>
+          <a:effectLst/>
+        </a:effectStyle>
+        <a:effectStyle>
+          <a:effectLst>
+            <a:outerShdw blurRad="57150" dist="19050" dir="5400000" algn="ctr" rotWithShape="0">
+              <a:srgbClr val="000000">
+                <a:alpha val="63000"/>
+              </a:srgbClr>
+            </a:outerShdw>
+          </a:effectLst>
+        </a:effectStyle>
+      </a:effectStyleLst>
+      <a:bgFillStyleLst>
+        <a:solidFill>
+          <a:schemeClr val="phClr"/>
+        </a:solidFill>
+        <a:solidFill>
+          <a:schemeClr val="phClr">
+            <a:tint val="95000"/>
+            <a:satMod val="170000"/>
+          </a:schemeClr>
+        </a:solidFill>
+        <a:gradFill rotWithShape="1">
+          <a:gsLst>
+            <a:gs pos="0">
+              <a:schemeClr val="phClr">
+                <a:tint val="93000"/>
+                <a:satMod val="150000"/>
+                <a:shade val="98000"/>
+                <a:lumMod val="102000"/>
+              </a:schemeClr>
+            </a:gs>
+            <a:gs pos="50000">
+              <a:schemeClr val="phClr">
+                <a:tint val="98000"/>
+                <a:satMod val="130000"/>
+                <a:shade val="90000"/>
+                <a:lumMod val="103000"/>
+              </a:schemeClr>
+            </a:gs>
+            <a:gs pos="100000">
+              <a:schemeClr val="phClr">
+                <a:shade val="63000"/>
+                <a:satMod val="120000"/>
+              </a:schemeClr>
+            </a:gs>
+          </a:gsLst>
+          <a:lin ang="5400000" scaled="0"/>
+        </a:gradFill>
+      </a:bgFillStyleLst>
+    </a:fmtScheme>
+  </a:themeElements>
+  <a:objectDefaults/>
+  <a:extraClrSchemeLst/>
+  <a:extLst>
+    <a:ext uri="{05A4C25C-085E-4340-85A3-A5531E510DB2}">
+      <thm15:themeFamily xmlns:thm15="http://schemas.microsoft.com/office/thememl/2012/main" name="Office Theme" id="{62F939B6-93AF-4DB8-9C6B-D6C7DFDC589F}" vid="{4A3C46E8-61CC-4603-A589-7422A47A8E4A}"/>
+    </a:ext>
+  </a:extLst>
+</a:theme>
+</file>
+
 <file path=ppt/theme/theme3.xml><?xml version="1.0" encoding="utf-8"?>
 <a:theme xmlns:a="http://schemas.openxmlformats.org/drawingml/2006/main" name="Office Theme">
   <a:themeElements>
@@ -55602,268 +51638,16 @@
 </a:theme>
 </file>
 
-<file path=ppt/theme/theme4.xml><?xml version="1.0" encoding="utf-8"?>
-<a:theme xmlns:a="http://schemas.openxmlformats.org/drawingml/2006/main" name="Office Theme">
-  <a:themeElements>
-    <a:clrScheme name="Office">
-      <a:dk1>
-        <a:sysClr val="windowText" lastClr="000000"/>
-      </a:dk1>
-      <a:lt1>
-        <a:sysClr val="window" lastClr="FFFFFF"/>
-      </a:lt1>
-      <a:dk2>
-        <a:srgbClr val="44546A"/>
-      </a:dk2>
-      <a:lt2>
-        <a:srgbClr val="E7E6E6"/>
-      </a:lt2>
-      <a:accent1>
-        <a:srgbClr val="5B9BD5"/>
-      </a:accent1>
-      <a:accent2>
-        <a:srgbClr val="ED7D31"/>
-      </a:accent2>
-      <a:accent3>
-        <a:srgbClr val="A5A5A5"/>
-      </a:accent3>
-      <a:accent4>
-        <a:srgbClr val="FFC000"/>
-      </a:accent4>
-      <a:accent5>
-        <a:srgbClr val="4472C4"/>
-      </a:accent5>
-      <a:accent6>
-        <a:srgbClr val="70AD47"/>
-      </a:accent6>
-      <a:hlink>
-        <a:srgbClr val="0563C1"/>
-      </a:hlink>
-      <a:folHlink>
-        <a:srgbClr val="954F72"/>
-      </a:folHlink>
-    </a:clrScheme>
-    <a:fontScheme name="Office">
-      <a:majorFont>
-        <a:latin typeface="Calibri Light" panose="020F0302020204030204"/>
-        <a:ea typeface=""/>
-        <a:cs typeface=""/>
-        <a:font script="Jpan" typeface="ＭＳ Ｐゴシック"/>
-        <a:font script="Hang" typeface="맑은 고딕"/>
-        <a:font script="Hans" typeface="宋体"/>
-        <a:font script="Hant" typeface="新細明體"/>
-        <a:font script="Arab" typeface="Times New Roman"/>
-        <a:font script="Hebr" typeface="Times New Roman"/>
-        <a:font script="Thai" typeface="Angsana New"/>
-        <a:font script="Ethi" typeface="Nyala"/>
-        <a:font script="Beng" typeface="Vrinda"/>
-        <a:font script="Gujr" typeface="Shruti"/>
-        <a:font script="Khmr" typeface="MoolBoran"/>
-        <a:font script="Knda" typeface="Tunga"/>
-        <a:font script="Guru" typeface="Raavi"/>
-        <a:font script="Cans" typeface="Euphemia"/>
-        <a:font script="Cher" typeface="Plantagenet Cherokee"/>
-        <a:font script="Yiii" typeface="Microsoft Yi Baiti"/>
-        <a:font script="Tibt" typeface="Microsoft Himalaya"/>
-        <a:font script="Thaa" typeface="MV Boli"/>
-        <a:font script="Deva" typeface="Mangal"/>
-        <a:font script="Telu" typeface="Gautami"/>
-        <a:font script="Taml" typeface="Latha"/>
-        <a:font script="Syrc" typeface="Estrangelo Edessa"/>
-        <a:font script="Orya" typeface="Kalinga"/>
-        <a:font script="Mlym" typeface="Kartika"/>
-        <a:font script="Laoo" typeface="DokChampa"/>
-        <a:font script="Sinh" typeface="Iskoola Pota"/>
-        <a:font script="Mong" typeface="Mongolian Baiti"/>
-        <a:font script="Viet" typeface="Times New Roman"/>
-        <a:font script="Uigh" typeface="Microsoft Uighur"/>
-        <a:font script="Geor" typeface="Sylfaen"/>
-      </a:majorFont>
-      <a:minorFont>
-        <a:latin typeface="Calibri" panose="020F0502020204030204"/>
-        <a:ea typeface=""/>
-        <a:cs typeface=""/>
-        <a:font script="Jpan" typeface="ＭＳ Ｐゴシック"/>
-        <a:font script="Hang" typeface="맑은 고딕"/>
-        <a:font script="Hans" typeface="宋体"/>
-        <a:font script="Hant" typeface="新細明體"/>
-        <a:font script="Arab" typeface="Arial"/>
-        <a:font script="Hebr" typeface="Arial"/>
-        <a:font script="Thai" typeface="Cordia New"/>
-        <a:font script="Ethi" typeface="Nyala"/>
-        <a:font script="Beng" typeface="Vrinda"/>
-        <a:font script="Gujr" typeface="Shruti"/>
-        <a:font script="Khmr" typeface="DaunPenh"/>
-        <a:font script="Knda" typeface="Tunga"/>
-        <a:font script="Guru" typeface="Raavi"/>
-        <a:font script="Cans" typeface="Euphemia"/>
-        <a:font script="Cher" typeface="Plantagenet Cherokee"/>
-        <a:font script="Yiii" typeface="Microsoft Yi Baiti"/>
-        <a:font script="Tibt" typeface="Microsoft Himalaya"/>
-        <a:font script="Thaa" typeface="MV Boli"/>
-        <a:font script="Deva" typeface="Mangal"/>
-        <a:font script="Telu" typeface="Gautami"/>
-        <a:font script="Taml" typeface="Latha"/>
-        <a:font script="Syrc" typeface="Estrangelo Edessa"/>
-        <a:font script="Orya" typeface="Kalinga"/>
-        <a:font script="Mlym" typeface="Kartika"/>
-        <a:font script="Laoo" typeface="DokChampa"/>
-        <a:font script="Sinh" typeface="Iskoola Pota"/>
-        <a:font script="Mong" typeface="Mongolian Baiti"/>
-        <a:font script="Viet" typeface="Arial"/>
-        <a:font script="Uigh" typeface="Microsoft Uighur"/>
-        <a:font script="Geor" typeface="Sylfaen"/>
-      </a:minorFont>
-    </a:fontScheme>
-    <a:fmtScheme name="Office">
-      <a:fillStyleLst>
-        <a:solidFill>
-          <a:schemeClr val="phClr"/>
-        </a:solidFill>
-        <a:gradFill rotWithShape="1">
-          <a:gsLst>
-            <a:gs pos="0">
-              <a:schemeClr val="phClr">
-                <a:lumMod val="110000"/>
-                <a:satMod val="105000"/>
-                <a:tint val="67000"/>
-              </a:schemeClr>
-            </a:gs>
-            <a:gs pos="50000">
-              <a:schemeClr val="phClr">
-                <a:lumMod val="105000"/>
-                <a:satMod val="103000"/>
-                <a:tint val="73000"/>
-              </a:schemeClr>
-            </a:gs>
-            <a:gs pos="100000">
-              <a:schemeClr val="phClr">
-                <a:lumMod val="105000"/>
-                <a:satMod val="109000"/>
-                <a:tint val="81000"/>
-              </a:schemeClr>
-            </a:gs>
-          </a:gsLst>
-          <a:lin ang="5400000" scaled="0"/>
-        </a:gradFill>
-        <a:gradFill rotWithShape="1">
-          <a:gsLst>
-            <a:gs pos="0">
-              <a:schemeClr val="phClr">
-                <a:satMod val="103000"/>
-                <a:lumMod val="102000"/>
-                <a:tint val="94000"/>
-              </a:schemeClr>
-            </a:gs>
-            <a:gs pos="50000">
-              <a:schemeClr val="phClr">
-                <a:satMod val="110000"/>
-                <a:lumMod val="100000"/>
-                <a:shade val="100000"/>
-              </a:schemeClr>
-            </a:gs>
-            <a:gs pos="100000">
-              <a:schemeClr val="phClr">
-                <a:lumMod val="99000"/>
-                <a:satMod val="120000"/>
-                <a:shade val="78000"/>
-              </a:schemeClr>
-            </a:gs>
-          </a:gsLst>
-          <a:lin ang="5400000" scaled="0"/>
-        </a:gradFill>
-      </a:fillStyleLst>
-      <a:lnStyleLst>
-        <a:ln w="6350" cap="flat" cmpd="sng" algn="ctr">
-          <a:solidFill>
-            <a:schemeClr val="phClr"/>
-          </a:solidFill>
-          <a:prstDash val="solid"/>
-          <a:miter lim="800000"/>
-        </a:ln>
-        <a:ln w="12700" cap="flat" cmpd="sng" algn="ctr">
-          <a:solidFill>
-            <a:schemeClr val="phClr"/>
-          </a:solidFill>
-          <a:prstDash val="solid"/>
-          <a:miter lim="800000"/>
-        </a:ln>
-        <a:ln w="19050" cap="flat" cmpd="sng" algn="ctr">
-          <a:solidFill>
-            <a:schemeClr val="phClr"/>
-          </a:solidFill>
-          <a:prstDash val="solid"/>
-          <a:miter lim="800000"/>
-        </a:ln>
-      </a:lnStyleLst>
-      <a:effectStyleLst>
-        <a:effectStyle>
-          <a:effectLst/>
-        </a:effectStyle>
-        <a:effectStyle>
-          <a:effectLst/>
-        </a:effectStyle>
-        <a:effectStyle>
-          <a:effectLst>
-            <a:outerShdw blurRad="57150" dist="19050" dir="5400000" algn="ctr" rotWithShape="0">
-              <a:srgbClr val="000000">
-                <a:alpha val="63000"/>
-              </a:srgbClr>
-            </a:outerShdw>
-          </a:effectLst>
-        </a:effectStyle>
-      </a:effectStyleLst>
-      <a:bgFillStyleLst>
-        <a:solidFill>
-          <a:schemeClr val="phClr"/>
-        </a:solidFill>
-        <a:solidFill>
-          <a:schemeClr val="phClr">
-            <a:tint val="95000"/>
-            <a:satMod val="170000"/>
-          </a:schemeClr>
-        </a:solidFill>
-        <a:gradFill rotWithShape="1">
-          <a:gsLst>
-            <a:gs pos="0">
-              <a:schemeClr val="phClr">
-                <a:tint val="93000"/>
-                <a:satMod val="150000"/>
-                <a:shade val="98000"/>
-                <a:lumMod val="102000"/>
-              </a:schemeClr>
-            </a:gs>
-            <a:gs pos="50000">
-              <a:schemeClr val="phClr">
-                <a:tint val="98000"/>
-                <a:satMod val="130000"/>
-                <a:shade val="90000"/>
-                <a:lumMod val="103000"/>
-              </a:schemeClr>
-            </a:gs>
-            <a:gs pos="100000">
-              <a:schemeClr val="phClr">
-                <a:shade val="63000"/>
-                <a:satMod val="120000"/>
-              </a:schemeClr>
-            </a:gs>
-          </a:gsLst>
-          <a:lin ang="5400000" scaled="0"/>
-        </a:gradFill>
-      </a:bgFillStyleLst>
-    </a:fmtScheme>
-  </a:themeElements>
-  <a:objectDefaults/>
-  <a:extraClrSchemeLst/>
-  <a:extLst>
-    <a:ext uri="{05A4C25C-085E-4340-85A3-A5531E510DB2}">
-      <thm15:themeFamily xmlns:thm15="http://schemas.microsoft.com/office/thememl/2012/main" name="Office Theme" id="{62F939B6-93AF-4DB8-9C6B-D6C7DFDC589F}" vid="{4A3C46E8-61CC-4603-A589-7422A47A8E4A}"/>
-    </a:ext>
-  </a:extLst>
-</a:theme>
+<file path=customXml/item1.xml><?xml version="1.0" encoding="utf-8"?>
+<?mso-contentType ?>
+<FormTemplates xmlns="http://schemas.microsoft.com/sharepoint/v3/contenttype/forms">
+  <Display>DocumentLibraryForm</Display>
+  <Edit>DocumentLibraryForm</Edit>
+  <New>DocumentLibraryForm</New>
+</FormTemplates>
 </file>
 
-<file path=customXml/item1.xml><?xml version="1.0" encoding="utf-8"?>
+<file path=customXml/item2.xml><?xml version="1.0" encoding="utf-8"?>
 <ct:contentTypeSchema xmlns:ct="http://schemas.microsoft.com/office/2006/metadata/contentType" xmlns:ma="http://schemas.microsoft.com/office/2006/metadata/properties/metaAttributes" ct:_="" ma:_="" ma:contentTypeName="Document" ma:contentTypeID="0x010100C08F381963C77D44A6A91469D5845EE5" ma:contentTypeVersion="2" ma:contentTypeDescription="Create a new document." ma:contentTypeScope="" ma:versionID="66290b1f7725e443aa19cdb7b89371b7">
   <xsd:schema xmlns:xsd="http://www.w3.org/2001/XMLSchema" xmlns:xs="http://www.w3.org/2001/XMLSchema" xmlns:p="http://schemas.microsoft.com/office/2006/metadata/properties" xmlns:ns2="c58f79d2-8dd2-43f0-9a03-e1b9f874d667" targetNamespace="http://schemas.microsoft.com/office/2006/metadata/properties" ma:root="true" ma:fieldsID="27a8e9c299bda407fa38b12f0db042eb" ns2:_="">
     <xsd:import namespace="c58f79d2-8dd2-43f0-9a03-e1b9f874d667"/>
@@ -56011,22 +51795,21 @@
 </ct:contentTypeSchema>
 </file>
 
-<file path=customXml/item2.xml><?xml version="1.0" encoding="utf-8"?>
+<file path=customXml/item3.xml><?xml version="1.0" encoding="utf-8"?>
 <p:properties xmlns:p="http://schemas.microsoft.com/office/2006/metadata/properties" xmlns:xsi="http://www.w3.org/2001/XMLSchema-instance" xmlns:pc="http://schemas.microsoft.com/office/infopath/2007/PartnerControls">
   <documentManagement/>
 </p:properties>
 </file>
 
-<file path=customXml/item3.xml><?xml version="1.0" encoding="utf-8"?>
-<?mso-contentType ?>
-<FormTemplates xmlns="http://schemas.microsoft.com/sharepoint/v3/contenttype/forms">
-  <Display>DocumentLibraryForm</Display>
-  <Edit>DocumentLibraryForm</Edit>
-  <New>DocumentLibraryForm</New>
-</FormTemplates>
+<file path=customXml/itemProps1.xml><?xml version="1.0" encoding="utf-8"?>
+<ds:datastoreItem xmlns:ds="http://schemas.openxmlformats.org/officeDocument/2006/customXml" ds:itemID="{D98B8685-CAA3-4A1A-8397-DF9971695697}">
+  <ds:schemaRefs>
+    <ds:schemaRef ds:uri="http://schemas.microsoft.com/sharepoint/v3/contenttype/forms"/>
+  </ds:schemaRefs>
+</ds:datastoreItem>
 </file>
 
-<file path=customXml/itemProps1.xml><?xml version="1.0" encoding="utf-8"?>
+<file path=customXml/itemProps2.xml><?xml version="1.0" encoding="utf-8"?>
 <ds:datastoreItem xmlns:ds="http://schemas.openxmlformats.org/officeDocument/2006/customXml" ds:itemID="{AE30008B-22D1-4C3E-A0BE-5BCAFBE11F82}">
   <ds:schemaRefs>
     <ds:schemaRef ds:uri="http://schemas.microsoft.com/office/2006/metadata/contentType"/>
@@ -56044,7 +51827,7 @@
 </ds:datastoreItem>
 </file>
 
-<file path=customXml/itemProps2.xml><?xml version="1.0" encoding="utf-8"?>
+<file path=customXml/itemProps3.xml><?xml version="1.0" encoding="utf-8"?>
 <ds:datastoreItem xmlns:ds="http://schemas.openxmlformats.org/officeDocument/2006/customXml" ds:itemID="{89254BEE-C2AB-4E68-AA3E-3E2702671367}">
   <ds:schemaRefs>
     <ds:schemaRef ds:uri="http://purl.org/dc/terms/"/>
@@ -56058,12 +51841,4 @@
     <ds:schemaRef ds:uri="http://purl.org/dc/dcmitype/"/>
   </ds:schemaRefs>
 </ds:datastoreItem>
-</file>
-
-<file path=customXml/itemProps3.xml><?xml version="1.0" encoding="utf-8"?>
-<ds:datastoreItem xmlns:ds="http://schemas.openxmlformats.org/officeDocument/2006/customXml" ds:itemID="{D98B8685-CAA3-4A1A-8397-DF9971695697}">
-  <ds:schemaRefs>
-    <ds:schemaRef ds:uri="http://schemas.microsoft.com/sharepoint/v3/contenttype/forms"/>
-  </ds:schemaRefs>
-</ds:datastoreItem>
 </file>